--- a/shizitang/shizitang.pptx
+++ b/shizitang/shizitang.pptx
@@ -12,6 +12,8 @@
     <p:sldId id="260" r:id="rId6"/>
     <p:sldId id="261" r:id="rId7"/>
     <p:sldId id="262" r:id="rId8"/>
+    <p:sldId id="263" r:id="rId9"/>
+    <p:sldId id="264" r:id="rId10"/>
   </p:sldIdLst>
   <p:sldSz cx="12192000" cy="6858000"/>
   <p:notesSz cx="6858000" cy="9144000"/>
@@ -110,6 +112,11 @@
       </a:defRPr>
     </a:lvl9pPr>
   </p:defaultTextStyle>
+  <p:extLst>
+    <p:ext uri="{EFAFB233-063F-42B5-8137-9DF3F51BA10A}">
+      <p15:sldGuideLst xmlns:p15="http://schemas.microsoft.com/office/powerpoint/2012/main"/>
+    </p:ext>
+  </p:extLst>
 </p:presentation>
 </file>
 
@@ -163,7 +170,7 @@
           <a:noFill/>
           <a:extLst>
             <a:ext uri="{909E8E84-426E-40dd-AFC4-6F175D3DCCD1}">
-              <a14:hiddenFill xmlns:a14="http://schemas.microsoft.com/office/drawing/2010/main" xmlns="">
+              <a14:hiddenFill xmlns="" xmlns:a14="http://schemas.microsoft.com/office/drawing/2010/main">
                 <a:solidFill>
                   <a:srgbClr val="FFFFFF"/>
                 </a:solidFill>
@@ -223,7 +230,7 @@
             </a:ln>
             <a:extLst>
               <a:ext uri="{91240B29-F687-4f45-9708-019B960494DF}">
-                <a14:hiddenLine xmlns:a14="http://schemas.microsoft.com/office/drawing/2010/main" xmlns="" w="9525">
+                <a14:hiddenLine xmlns="" xmlns:a14="http://schemas.microsoft.com/office/drawing/2010/main" w="9525">
                   <a:solidFill>
                     <a:srgbClr val="000000"/>
                   </a:solidFill>
@@ -313,7 +320,7 @@
             </a:ln>
             <a:extLst>
               <a:ext uri="{91240B29-F687-4f45-9708-019B960494DF}">
-                <a14:hiddenLine xmlns:a14="http://schemas.microsoft.com/office/drawing/2010/main" xmlns="" w="9525">
+                <a14:hiddenLine xmlns="" xmlns:a14="http://schemas.microsoft.com/office/drawing/2010/main" w="9525">
                   <a:solidFill>
                     <a:srgbClr val="000000"/>
                   </a:solidFill>
@@ -403,7 +410,7 @@
             </a:ln>
             <a:extLst>
               <a:ext uri="{91240B29-F687-4f45-9708-019B960494DF}">
-                <a14:hiddenLine xmlns:a14="http://schemas.microsoft.com/office/drawing/2010/main" xmlns="" w="9525">
+                <a14:hiddenLine xmlns="" xmlns:a14="http://schemas.microsoft.com/office/drawing/2010/main" w="9525">
                   <a:solidFill>
                     <a:srgbClr val="000000"/>
                   </a:solidFill>
@@ -437,7 +444,7 @@
             </a:ln>
             <a:extLst>
               <a:ext uri="{91240B29-F687-4f45-9708-019B960494DF}">
-                <a14:hiddenLine xmlns:a14="http://schemas.microsoft.com/office/drawing/2010/main" xmlns="" w="9525">
+                <a14:hiddenLine xmlns="" xmlns:a14="http://schemas.microsoft.com/office/drawing/2010/main" w="9525">
                   <a:solidFill>
                     <a:srgbClr val="000000"/>
                   </a:solidFill>
@@ -527,7 +534,7 @@
             </a:ln>
             <a:extLst>
               <a:ext uri="{91240B29-F687-4f45-9708-019B960494DF}">
-                <a14:hiddenLine xmlns:a14="http://schemas.microsoft.com/office/drawing/2010/main" xmlns="" w="9525">
+                <a14:hiddenLine xmlns="" xmlns:a14="http://schemas.microsoft.com/office/drawing/2010/main" w="9525">
                   <a:solidFill>
                     <a:srgbClr val="000000"/>
                   </a:solidFill>
@@ -589,7 +596,7 @@
             </a:ln>
             <a:extLst>
               <a:ext uri="{91240B29-F687-4f45-9708-019B960494DF}">
-                <a14:hiddenLine xmlns:a14="http://schemas.microsoft.com/office/drawing/2010/main" xmlns="" w="9525">
+                <a14:hiddenLine xmlns="" xmlns:a14="http://schemas.microsoft.com/office/drawing/2010/main" w="9525">
                   <a:solidFill>
                     <a:srgbClr val="000000"/>
                   </a:solidFill>
@@ -651,7 +658,7 @@
             </a:ln>
             <a:extLst>
               <a:ext uri="{91240B29-F687-4f45-9708-019B960494DF}">
-                <a14:hiddenLine xmlns:a14="http://schemas.microsoft.com/office/drawing/2010/main" xmlns="" w="9525">
+                <a14:hiddenLine xmlns="" xmlns:a14="http://schemas.microsoft.com/office/drawing/2010/main" w="9525">
                   <a:solidFill>
                     <a:srgbClr val="000000"/>
                   </a:solidFill>
@@ -741,7 +748,7 @@
             </a:ln>
             <a:extLst>
               <a:ext uri="{91240B29-F687-4f45-9708-019B960494DF}">
-                <a14:hiddenLine xmlns:a14="http://schemas.microsoft.com/office/drawing/2010/main" xmlns="" w="9525">
+                <a14:hiddenLine xmlns="" xmlns:a14="http://schemas.microsoft.com/office/drawing/2010/main" w="9525">
                   <a:solidFill>
                     <a:srgbClr val="000000"/>
                   </a:solidFill>
@@ -803,7 +810,7 @@
             </a:ln>
             <a:extLst>
               <a:ext uri="{91240B29-F687-4f45-9708-019B960494DF}">
-                <a14:hiddenLine xmlns:a14="http://schemas.microsoft.com/office/drawing/2010/main" xmlns="" w="9525">
+                <a14:hiddenLine xmlns="" xmlns:a14="http://schemas.microsoft.com/office/drawing/2010/main" w="9525">
                   <a:solidFill>
                     <a:srgbClr val="000000"/>
                   </a:solidFill>
@@ -865,7 +872,7 @@
             </a:ln>
             <a:extLst>
               <a:ext uri="{91240B29-F687-4f45-9708-019B960494DF}">
-                <a14:hiddenLine xmlns:a14="http://schemas.microsoft.com/office/drawing/2010/main" xmlns="" w="9525">
+                <a14:hiddenLine xmlns="" xmlns:a14="http://schemas.microsoft.com/office/drawing/2010/main" w="9525">
                   <a:solidFill>
                     <a:srgbClr val="000000"/>
                   </a:solidFill>
@@ -955,7 +962,7 @@
             </a:ln>
             <a:extLst>
               <a:ext uri="{91240B29-F687-4f45-9708-019B960494DF}">
-                <a14:hiddenLine xmlns:a14="http://schemas.microsoft.com/office/drawing/2010/main" xmlns="" w="9525">
+                <a14:hiddenLine xmlns="" xmlns:a14="http://schemas.microsoft.com/office/drawing/2010/main" w="9525">
                   <a:solidFill>
                     <a:srgbClr val="000000"/>
                   </a:solidFill>
@@ -1045,7 +1052,7 @@
             </a:ln>
             <a:extLst>
               <a:ext uri="{91240B29-F687-4f45-9708-019B960494DF}">
-                <a14:hiddenLine xmlns:a14="http://schemas.microsoft.com/office/drawing/2010/main" xmlns="" w="9525">
+                <a14:hiddenLine xmlns="" xmlns:a14="http://schemas.microsoft.com/office/drawing/2010/main" w="9525">
                   <a:solidFill>
                     <a:srgbClr val="000000"/>
                   </a:solidFill>
@@ -1107,7 +1114,7 @@
             </a:ln>
             <a:extLst>
               <a:ext uri="{91240B29-F687-4f45-9708-019B960494DF}">
-                <a14:hiddenLine xmlns:a14="http://schemas.microsoft.com/office/drawing/2010/main" xmlns="" w="9525">
+                <a14:hiddenLine xmlns="" xmlns:a14="http://schemas.microsoft.com/office/drawing/2010/main" w="9525">
                   <a:solidFill>
                     <a:srgbClr val="000000"/>
                   </a:solidFill>
@@ -1217,7 +1224,7 @@
             </a:ln>
             <a:extLst>
               <a:ext uri="{91240B29-F687-4f45-9708-019B960494DF}">
-                <a14:hiddenLine xmlns:a14="http://schemas.microsoft.com/office/drawing/2010/main" xmlns="" w="9525">
+                <a14:hiddenLine xmlns="" xmlns:a14="http://schemas.microsoft.com/office/drawing/2010/main" w="9525">
                   <a:solidFill>
                     <a:srgbClr val="000000"/>
                   </a:solidFill>
@@ -1279,7 +1286,7 @@
             </a:ln>
             <a:extLst>
               <a:ext uri="{91240B29-F687-4f45-9708-019B960494DF}">
-                <a14:hiddenLine xmlns:a14="http://schemas.microsoft.com/office/drawing/2010/main" xmlns="" w="9525">
+                <a14:hiddenLine xmlns="" xmlns:a14="http://schemas.microsoft.com/office/drawing/2010/main" w="9525">
                   <a:solidFill>
                     <a:srgbClr val="000000"/>
                   </a:solidFill>
@@ -1369,7 +1376,7 @@
             </a:ln>
             <a:extLst>
               <a:ext uri="{91240B29-F687-4f45-9708-019B960494DF}">
-                <a14:hiddenLine xmlns:a14="http://schemas.microsoft.com/office/drawing/2010/main" xmlns="" w="9525">
+                <a14:hiddenLine xmlns="" xmlns:a14="http://schemas.microsoft.com/office/drawing/2010/main" w="9525">
                   <a:solidFill>
                     <a:srgbClr val="000000"/>
                   </a:solidFill>
@@ -1459,7 +1466,7 @@
             </a:ln>
             <a:extLst>
               <a:ext uri="{91240B29-F687-4f45-9708-019B960494DF}">
-                <a14:hiddenLine xmlns:a14="http://schemas.microsoft.com/office/drawing/2010/main" xmlns="" w="9525">
+                <a14:hiddenLine xmlns="" xmlns:a14="http://schemas.microsoft.com/office/drawing/2010/main" w="9525">
                   <a:solidFill>
                     <a:srgbClr val="000000"/>
                   </a:solidFill>
@@ -1521,7 +1528,7 @@
             </a:ln>
             <a:extLst>
               <a:ext uri="{91240B29-F687-4f45-9708-019B960494DF}">
-                <a14:hiddenLine xmlns:a14="http://schemas.microsoft.com/office/drawing/2010/main" xmlns="" w="9525">
+                <a14:hiddenLine xmlns="" xmlns:a14="http://schemas.microsoft.com/office/drawing/2010/main" w="9525">
                   <a:solidFill>
                     <a:srgbClr val="000000"/>
                   </a:solidFill>
@@ -1611,7 +1618,7 @@
             </a:ln>
             <a:extLst>
               <a:ext uri="{91240B29-F687-4f45-9708-019B960494DF}">
-                <a14:hiddenLine xmlns:a14="http://schemas.microsoft.com/office/drawing/2010/main" xmlns="" w="9525">
+                <a14:hiddenLine xmlns="" xmlns:a14="http://schemas.microsoft.com/office/drawing/2010/main" w="9525">
                   <a:solidFill>
                     <a:srgbClr val="000000"/>
                   </a:solidFill>
@@ -1701,7 +1708,7 @@
             </a:ln>
             <a:extLst>
               <a:ext uri="{91240B29-F687-4f45-9708-019B960494DF}">
-                <a14:hiddenLine xmlns:a14="http://schemas.microsoft.com/office/drawing/2010/main" xmlns="" w="9525">
+                <a14:hiddenLine xmlns="" xmlns:a14="http://schemas.microsoft.com/office/drawing/2010/main" w="9525">
                   <a:solidFill>
                     <a:srgbClr val="000000"/>
                   </a:solidFill>
@@ -1757,7 +1764,7 @@
             </a:ln>
             <a:extLst>
               <a:ext uri="{91240B29-F687-4f45-9708-019B960494DF}">
-                <a14:hiddenLine xmlns:a14="http://schemas.microsoft.com/office/drawing/2010/main" xmlns="" w="9525">
+                <a14:hiddenLine xmlns="" xmlns:a14="http://schemas.microsoft.com/office/drawing/2010/main" w="9525">
                   <a:solidFill>
                     <a:srgbClr val="000000"/>
                   </a:solidFill>
@@ -1847,7 +1854,7 @@
             </a:ln>
             <a:extLst>
               <a:ext uri="{91240B29-F687-4f45-9708-019B960494DF}">
-                <a14:hiddenLine xmlns:a14="http://schemas.microsoft.com/office/drawing/2010/main" xmlns="" w="9525">
+                <a14:hiddenLine xmlns="" xmlns:a14="http://schemas.microsoft.com/office/drawing/2010/main" w="9525">
                   <a:solidFill>
                     <a:srgbClr val="000000"/>
                   </a:solidFill>
@@ -1903,7 +1910,7 @@
             </a:ln>
             <a:extLst>
               <a:ext uri="{91240B29-F687-4f45-9708-019B960494DF}">
-                <a14:hiddenLine xmlns:a14="http://schemas.microsoft.com/office/drawing/2010/main" xmlns="" w="9525">
+                <a14:hiddenLine xmlns="" xmlns:a14="http://schemas.microsoft.com/office/drawing/2010/main" w="9525">
                   <a:solidFill>
                     <a:srgbClr val="000000"/>
                   </a:solidFill>
@@ -1993,7 +2000,7 @@
             </a:ln>
             <a:extLst>
               <a:ext uri="{91240B29-F687-4f45-9708-019B960494DF}">
-                <a14:hiddenLine xmlns:a14="http://schemas.microsoft.com/office/drawing/2010/main" xmlns="" w="9525">
+                <a14:hiddenLine xmlns="" xmlns:a14="http://schemas.microsoft.com/office/drawing/2010/main" w="9525">
                   <a:solidFill>
                     <a:srgbClr val="000000"/>
                   </a:solidFill>
@@ -2061,7 +2068,7 @@
             </a:ln>
             <a:extLst>
               <a:ext uri="{91240B29-F687-4f45-9708-019B960494DF}">
-                <a14:hiddenLine xmlns:a14="http://schemas.microsoft.com/office/drawing/2010/main" xmlns="" w="9525">
+                <a14:hiddenLine xmlns="" xmlns:a14="http://schemas.microsoft.com/office/drawing/2010/main" w="9525">
                   <a:solidFill>
                     <a:srgbClr val="000000"/>
                   </a:solidFill>
@@ -2151,7 +2158,7 @@
             </a:ln>
             <a:extLst>
               <a:ext uri="{91240B29-F687-4f45-9708-019B960494DF}">
-                <a14:hiddenLine xmlns:a14="http://schemas.microsoft.com/office/drawing/2010/main" xmlns="" w="9525">
+                <a14:hiddenLine xmlns="" xmlns:a14="http://schemas.microsoft.com/office/drawing/2010/main" w="9525">
                   <a:solidFill>
                     <a:srgbClr val="000000"/>
                   </a:solidFill>
@@ -2219,7 +2226,7 @@
             </a:ln>
             <a:extLst>
               <a:ext uri="{91240B29-F687-4f45-9708-019B960494DF}">
-                <a14:hiddenLine xmlns:a14="http://schemas.microsoft.com/office/drawing/2010/main" xmlns="" w="9525">
+                <a14:hiddenLine xmlns="" xmlns:a14="http://schemas.microsoft.com/office/drawing/2010/main" w="9525">
                   <a:solidFill>
                     <a:srgbClr val="000000"/>
                   </a:solidFill>
@@ -2309,7 +2316,7 @@
             </a:ln>
             <a:extLst>
               <a:ext uri="{91240B29-F687-4f45-9708-019B960494DF}">
-                <a14:hiddenLine xmlns:a14="http://schemas.microsoft.com/office/drawing/2010/main" xmlns="" w="9525">
+                <a14:hiddenLine xmlns="" xmlns:a14="http://schemas.microsoft.com/office/drawing/2010/main" w="9525">
                   <a:solidFill>
                     <a:srgbClr val="000000"/>
                   </a:solidFill>
@@ -2343,7 +2350,7 @@
             </a:ln>
             <a:extLst>
               <a:ext uri="{91240B29-F687-4f45-9708-019B960494DF}">
-                <a14:hiddenLine xmlns:a14="http://schemas.microsoft.com/office/drawing/2010/main" xmlns="" w="9525">
+                <a14:hiddenLine xmlns="" xmlns:a14="http://schemas.microsoft.com/office/drawing/2010/main" w="9525">
                   <a:solidFill>
                     <a:srgbClr val="000000"/>
                   </a:solidFill>
@@ -2433,7 +2440,7 @@
             </a:ln>
             <a:extLst>
               <a:ext uri="{91240B29-F687-4f45-9708-019B960494DF}">
-                <a14:hiddenLine xmlns:a14="http://schemas.microsoft.com/office/drawing/2010/main" xmlns="" w="9525">
+                <a14:hiddenLine xmlns="" xmlns:a14="http://schemas.microsoft.com/office/drawing/2010/main" w="9525">
                   <a:solidFill>
                     <a:srgbClr val="000000"/>
                   </a:solidFill>
@@ -2495,7 +2502,7 @@
             </a:ln>
             <a:extLst>
               <a:ext uri="{91240B29-F687-4f45-9708-019B960494DF}">
-                <a14:hiddenLine xmlns:a14="http://schemas.microsoft.com/office/drawing/2010/main" xmlns="" w="9525">
+                <a14:hiddenLine xmlns="" xmlns:a14="http://schemas.microsoft.com/office/drawing/2010/main" w="9525">
                   <a:solidFill>
                     <a:srgbClr val="000000"/>
                   </a:solidFill>
@@ -2557,7 +2564,7 @@
             </a:ln>
             <a:extLst>
               <a:ext uri="{91240B29-F687-4f45-9708-019B960494DF}">
-                <a14:hiddenLine xmlns:a14="http://schemas.microsoft.com/office/drawing/2010/main" xmlns="" w="9525">
+                <a14:hiddenLine xmlns="" xmlns:a14="http://schemas.microsoft.com/office/drawing/2010/main" w="9525">
                   <a:solidFill>
                     <a:srgbClr val="000000"/>
                   </a:solidFill>
@@ -2647,7 +2654,7 @@
             </a:ln>
             <a:extLst>
               <a:ext uri="{91240B29-F687-4f45-9708-019B960494DF}">
-                <a14:hiddenLine xmlns:a14="http://schemas.microsoft.com/office/drawing/2010/main" xmlns="" w="9525">
+                <a14:hiddenLine xmlns="" xmlns:a14="http://schemas.microsoft.com/office/drawing/2010/main" w="9525">
                   <a:solidFill>
                     <a:srgbClr val="000000"/>
                   </a:solidFill>
@@ -2715,7 +2722,7 @@
             </a:ln>
             <a:extLst>
               <a:ext uri="{91240B29-F687-4f45-9708-019B960494DF}">
-                <a14:hiddenLine xmlns:a14="http://schemas.microsoft.com/office/drawing/2010/main" xmlns="" w="9525">
+                <a14:hiddenLine xmlns="" xmlns:a14="http://schemas.microsoft.com/office/drawing/2010/main" w="9525">
                   <a:solidFill>
                     <a:srgbClr val="000000"/>
                   </a:solidFill>
@@ -2777,7 +2784,7 @@
             </a:ln>
             <a:extLst>
               <a:ext uri="{91240B29-F687-4f45-9708-019B960494DF}">
-                <a14:hiddenLine xmlns:a14="http://schemas.microsoft.com/office/drawing/2010/main" xmlns="" w="9525">
+                <a14:hiddenLine xmlns="" xmlns:a14="http://schemas.microsoft.com/office/drawing/2010/main" w="9525">
                   <a:solidFill>
                     <a:srgbClr val="000000"/>
                   </a:solidFill>
@@ -2867,7 +2874,7 @@
             </a:ln>
             <a:extLst>
               <a:ext uri="{91240B29-F687-4f45-9708-019B960494DF}">
-                <a14:hiddenLine xmlns:a14="http://schemas.microsoft.com/office/drawing/2010/main" xmlns="" w="9525">
+                <a14:hiddenLine xmlns="" xmlns:a14="http://schemas.microsoft.com/office/drawing/2010/main" w="9525">
                   <a:solidFill>
                     <a:srgbClr val="000000"/>
                   </a:solidFill>
@@ -2929,7 +2936,7 @@
             </a:ln>
             <a:extLst>
               <a:ext uri="{91240B29-F687-4f45-9708-019B960494DF}">
-                <a14:hiddenLine xmlns:a14="http://schemas.microsoft.com/office/drawing/2010/main" xmlns="" w="9525">
+                <a14:hiddenLine xmlns="" xmlns:a14="http://schemas.microsoft.com/office/drawing/2010/main" w="9525">
                   <a:solidFill>
                     <a:srgbClr val="000000"/>
                   </a:solidFill>
@@ -3019,7 +3026,7 @@
             </a:ln>
             <a:extLst>
               <a:ext uri="{91240B29-F687-4f45-9708-019B960494DF}">
-                <a14:hiddenLine xmlns:a14="http://schemas.microsoft.com/office/drawing/2010/main" xmlns="" w="9525">
+                <a14:hiddenLine xmlns="" xmlns:a14="http://schemas.microsoft.com/office/drawing/2010/main" w="9525">
                   <a:solidFill>
                     <a:srgbClr val="000000"/>
                   </a:solidFill>
@@ -3081,7 +3088,7 @@
             </a:ln>
             <a:extLst>
               <a:ext uri="{91240B29-F687-4f45-9708-019B960494DF}">
-                <a14:hiddenLine xmlns:a14="http://schemas.microsoft.com/office/drawing/2010/main" xmlns="" w="9525">
+                <a14:hiddenLine xmlns="" xmlns:a14="http://schemas.microsoft.com/office/drawing/2010/main" w="9525">
                   <a:solidFill>
                     <a:srgbClr val="000000"/>
                   </a:solidFill>
@@ -3171,7 +3178,7 @@
             </a:ln>
             <a:extLst>
               <a:ext uri="{91240B29-F687-4f45-9708-019B960494DF}">
-                <a14:hiddenLine xmlns:a14="http://schemas.microsoft.com/office/drawing/2010/main" xmlns="" w="9525">
+                <a14:hiddenLine xmlns="" xmlns:a14="http://schemas.microsoft.com/office/drawing/2010/main" w="9525">
                   <a:solidFill>
                     <a:srgbClr val="000000"/>
                   </a:solidFill>
@@ -3205,7 +3212,7 @@
             </a:ln>
             <a:extLst>
               <a:ext uri="{91240B29-F687-4f45-9708-019B960494DF}">
-                <a14:hiddenLine xmlns:a14="http://schemas.microsoft.com/office/drawing/2010/main" xmlns="" w="9525">
+                <a14:hiddenLine xmlns="" xmlns:a14="http://schemas.microsoft.com/office/drawing/2010/main" w="9525">
                   <a:solidFill>
                     <a:srgbClr val="000000"/>
                   </a:solidFill>
@@ -3270,7 +3277,7 @@
             </a:ln>
             <a:extLst>
               <a:ext uri="{91240B29-F687-4f45-9708-019B960494DF}">
-                <a14:hiddenLine xmlns:a14="http://schemas.microsoft.com/office/drawing/2010/main" xmlns="" w="9525">
+                <a14:hiddenLine xmlns="" xmlns:a14="http://schemas.microsoft.com/office/drawing/2010/main" w="9525">
                   <a:solidFill>
                     <a:srgbClr val="000000"/>
                   </a:solidFill>
@@ -3360,7 +3367,7 @@
             </a:ln>
             <a:extLst>
               <a:ext uri="{91240B29-F687-4f45-9708-019B960494DF}">
-                <a14:hiddenLine xmlns:a14="http://schemas.microsoft.com/office/drawing/2010/main" xmlns="" w="9525">
+                <a14:hiddenLine xmlns="" xmlns:a14="http://schemas.microsoft.com/office/drawing/2010/main" w="9525">
                   <a:solidFill>
                     <a:srgbClr val="000000"/>
                   </a:solidFill>
@@ -3422,7 +3429,7 @@
             </a:ln>
             <a:extLst>
               <a:ext uri="{91240B29-F687-4f45-9708-019B960494DF}">
-                <a14:hiddenLine xmlns:a14="http://schemas.microsoft.com/office/drawing/2010/main" xmlns="" w="9525">
+                <a14:hiddenLine xmlns="" xmlns:a14="http://schemas.microsoft.com/office/drawing/2010/main" w="9525">
                   <a:solidFill>
                     <a:srgbClr val="000000"/>
                   </a:solidFill>
@@ -3512,7 +3519,7 @@
             </a:ln>
             <a:extLst>
               <a:ext uri="{91240B29-F687-4f45-9708-019B960494DF}">
-                <a14:hiddenLine xmlns:a14="http://schemas.microsoft.com/office/drawing/2010/main" xmlns="" w="9525">
+                <a14:hiddenLine xmlns="" xmlns:a14="http://schemas.microsoft.com/office/drawing/2010/main" w="9525">
                   <a:solidFill>
                     <a:srgbClr val="000000"/>
                   </a:solidFill>
@@ -3602,7 +3609,7 @@
             </a:ln>
             <a:extLst>
               <a:ext uri="{91240B29-F687-4f45-9708-019B960494DF}">
-                <a14:hiddenLine xmlns:a14="http://schemas.microsoft.com/office/drawing/2010/main" xmlns="" w="9525">
+                <a14:hiddenLine xmlns="" xmlns:a14="http://schemas.microsoft.com/office/drawing/2010/main" w="9525">
                   <a:solidFill>
                     <a:srgbClr val="000000"/>
                   </a:solidFill>
@@ -3667,7 +3674,7 @@
             </a:ln>
             <a:extLst>
               <a:ext uri="{91240B29-F687-4f45-9708-019B960494DF}">
-                <a14:hiddenLine xmlns:a14="http://schemas.microsoft.com/office/drawing/2010/main" xmlns="" w="9525">
+                <a14:hiddenLine xmlns="" xmlns:a14="http://schemas.microsoft.com/office/drawing/2010/main" w="9525">
                   <a:solidFill>
                     <a:srgbClr val="000000"/>
                   </a:solidFill>
@@ -3729,7 +3736,7 @@
             </a:ln>
             <a:extLst>
               <a:ext uri="{91240B29-F687-4f45-9708-019B960494DF}">
-                <a14:hiddenLine xmlns:a14="http://schemas.microsoft.com/office/drawing/2010/main" xmlns="" w="9525">
+                <a14:hiddenLine xmlns="" xmlns:a14="http://schemas.microsoft.com/office/drawing/2010/main" w="9525">
                   <a:solidFill>
                     <a:srgbClr val="000000"/>
                   </a:solidFill>
@@ -3819,7 +3826,7 @@
             </a:ln>
             <a:extLst>
               <a:ext uri="{91240B29-F687-4f45-9708-019B960494DF}">
-                <a14:hiddenLine xmlns:a14="http://schemas.microsoft.com/office/drawing/2010/main" xmlns="" w="9525">
+                <a14:hiddenLine xmlns="" xmlns:a14="http://schemas.microsoft.com/office/drawing/2010/main" w="9525">
                   <a:solidFill>
                     <a:srgbClr val="000000"/>
                   </a:solidFill>
@@ -3909,7 +3916,7 @@
             </a:ln>
             <a:extLst>
               <a:ext uri="{91240B29-F687-4f45-9708-019B960494DF}">
-                <a14:hiddenLine xmlns:a14="http://schemas.microsoft.com/office/drawing/2010/main" xmlns="" w="9525">
+                <a14:hiddenLine xmlns="" xmlns:a14="http://schemas.microsoft.com/office/drawing/2010/main" w="9525">
                   <a:solidFill>
                     <a:srgbClr val="000000"/>
                   </a:solidFill>
@@ -3971,7 +3978,7 @@
             </a:ln>
             <a:extLst>
               <a:ext uri="{91240B29-F687-4f45-9708-019B960494DF}">
-                <a14:hiddenLine xmlns:a14="http://schemas.microsoft.com/office/drawing/2010/main" xmlns="" w="9525">
+                <a14:hiddenLine xmlns="" xmlns:a14="http://schemas.microsoft.com/office/drawing/2010/main" w="9525">
                   <a:solidFill>
                     <a:srgbClr val="000000"/>
                   </a:solidFill>
@@ -4091,7 +4098,7 @@
             </a:ln>
             <a:extLst>
               <a:ext uri="{91240B29-F687-4f45-9708-019B960494DF}">
-                <a14:hiddenLine xmlns:a14="http://schemas.microsoft.com/office/drawing/2010/main" xmlns="" w="9525">
+                <a14:hiddenLine xmlns="" xmlns:a14="http://schemas.microsoft.com/office/drawing/2010/main" w="9525">
                   <a:solidFill>
                     <a:srgbClr val="000000"/>
                   </a:solidFill>
@@ -4159,7 +4166,7 @@
             </a:ln>
             <a:extLst>
               <a:ext uri="{91240B29-F687-4f45-9708-019B960494DF}">
-                <a14:hiddenLine xmlns:a14="http://schemas.microsoft.com/office/drawing/2010/main" xmlns="" w="9525">
+                <a14:hiddenLine xmlns="" xmlns:a14="http://schemas.microsoft.com/office/drawing/2010/main" w="9525">
                   <a:solidFill>
                     <a:srgbClr val="000000"/>
                   </a:solidFill>
@@ -4249,7 +4256,7 @@
             </a:ln>
             <a:extLst>
               <a:ext uri="{91240B29-F687-4f45-9708-019B960494DF}">
-                <a14:hiddenLine xmlns:a14="http://schemas.microsoft.com/office/drawing/2010/main" xmlns="" w="9525">
+                <a14:hiddenLine xmlns="" xmlns:a14="http://schemas.microsoft.com/office/drawing/2010/main" w="9525">
                   <a:solidFill>
                     <a:srgbClr val="000000"/>
                   </a:solidFill>
@@ -8971,7 +8978,7 @@
           <a:noFill/>
           <a:extLst>
             <a:ext uri="{909E8E84-426E-40dd-AFC4-6F175D3DCCD1}">
-              <a14:hiddenFill xmlns:a14="http://schemas.microsoft.com/office/drawing/2010/main" xmlns="">
+              <a14:hiddenFill xmlns="" xmlns:a14="http://schemas.microsoft.com/office/drawing/2010/main">
                 <a:solidFill>
                   <a:srgbClr val="FFFFFF"/>
                 </a:solidFill>
@@ -9045,7 +9052,7 @@
               </a:ln>
               <a:extLst>
                 <a:ext uri="{91240B29-F687-4f45-9708-019B960494DF}">
-                  <a14:hiddenLine xmlns:a14="http://schemas.microsoft.com/office/drawing/2010/main" xmlns="" w="9525">
+                  <a14:hiddenLine xmlns="" xmlns:a14="http://schemas.microsoft.com/office/drawing/2010/main" w="9525">
                     <a:solidFill>
                       <a:srgbClr val="000000"/>
                     </a:solidFill>
@@ -9135,7 +9142,7 @@
               </a:ln>
               <a:extLst>
                 <a:ext uri="{91240B29-F687-4f45-9708-019B960494DF}">
-                  <a14:hiddenLine xmlns:a14="http://schemas.microsoft.com/office/drawing/2010/main" xmlns="" w="9525">
+                  <a14:hiddenLine xmlns="" xmlns:a14="http://schemas.microsoft.com/office/drawing/2010/main" w="9525">
                     <a:solidFill>
                       <a:srgbClr val="000000"/>
                     </a:solidFill>
@@ -9225,7 +9232,7 @@
               </a:ln>
               <a:extLst>
                 <a:ext uri="{91240B29-F687-4f45-9708-019B960494DF}">
-                  <a14:hiddenLine xmlns:a14="http://schemas.microsoft.com/office/drawing/2010/main" xmlns="" w="9525">
+                  <a14:hiddenLine xmlns="" xmlns:a14="http://schemas.microsoft.com/office/drawing/2010/main" w="9525">
                     <a:solidFill>
                       <a:srgbClr val="000000"/>
                     </a:solidFill>
@@ -9287,7 +9294,7 @@
               </a:ln>
               <a:extLst>
                 <a:ext uri="{91240B29-F687-4f45-9708-019B960494DF}">
-                  <a14:hiddenLine xmlns:a14="http://schemas.microsoft.com/office/drawing/2010/main" xmlns="" w="9525">
+                  <a14:hiddenLine xmlns="" xmlns:a14="http://schemas.microsoft.com/office/drawing/2010/main" w="9525">
                     <a:solidFill>
                       <a:srgbClr val="000000"/>
                     </a:solidFill>
@@ -9377,7 +9384,7 @@
               </a:ln>
               <a:extLst>
                 <a:ext uri="{91240B29-F687-4f45-9708-019B960494DF}">
-                  <a14:hiddenLine xmlns:a14="http://schemas.microsoft.com/office/drawing/2010/main" xmlns="" w="9525">
+                  <a14:hiddenLine xmlns="" xmlns:a14="http://schemas.microsoft.com/office/drawing/2010/main" w="9525">
                     <a:solidFill>
                       <a:srgbClr val="000000"/>
                     </a:solidFill>
@@ -9439,7 +9446,7 @@
               </a:ln>
               <a:extLst>
                 <a:ext uri="{91240B29-F687-4f45-9708-019B960494DF}">
-                  <a14:hiddenLine xmlns:a14="http://schemas.microsoft.com/office/drawing/2010/main" xmlns="" w="9525">
+                  <a14:hiddenLine xmlns="" xmlns:a14="http://schemas.microsoft.com/office/drawing/2010/main" w="9525">
                     <a:solidFill>
                       <a:srgbClr val="000000"/>
                     </a:solidFill>
@@ -9501,7 +9508,7 @@
               </a:ln>
               <a:extLst>
                 <a:ext uri="{91240B29-F687-4f45-9708-019B960494DF}">
-                  <a14:hiddenLine xmlns:a14="http://schemas.microsoft.com/office/drawing/2010/main" xmlns="" w="9525">
+                  <a14:hiddenLine xmlns="" xmlns:a14="http://schemas.microsoft.com/office/drawing/2010/main" w="9525">
                     <a:solidFill>
                       <a:srgbClr val="000000"/>
                     </a:solidFill>
@@ -9591,7 +9598,7 @@
               </a:ln>
               <a:extLst>
                 <a:ext uri="{91240B29-F687-4f45-9708-019B960494DF}">
-                  <a14:hiddenLine xmlns:a14="http://schemas.microsoft.com/office/drawing/2010/main" xmlns="" w="9525">
+                  <a14:hiddenLine xmlns="" xmlns:a14="http://schemas.microsoft.com/office/drawing/2010/main" w="9525">
                     <a:solidFill>
                       <a:srgbClr val="000000"/>
                     </a:solidFill>
@@ -9681,7 +9688,7 @@
               </a:ln>
               <a:extLst>
                 <a:ext uri="{91240B29-F687-4f45-9708-019B960494DF}">
-                  <a14:hiddenLine xmlns:a14="http://schemas.microsoft.com/office/drawing/2010/main" xmlns="" w="9525">
+                  <a14:hiddenLine xmlns="" xmlns:a14="http://schemas.microsoft.com/office/drawing/2010/main" w="9525">
                     <a:solidFill>
                       <a:srgbClr val="000000"/>
                     </a:solidFill>
@@ -9743,7 +9750,7 @@
               </a:ln>
               <a:extLst>
                 <a:ext uri="{91240B29-F687-4f45-9708-019B960494DF}">
-                  <a14:hiddenLine xmlns:a14="http://schemas.microsoft.com/office/drawing/2010/main" xmlns="" w="9525">
+                  <a14:hiddenLine xmlns="" xmlns:a14="http://schemas.microsoft.com/office/drawing/2010/main" w="9525">
                     <a:solidFill>
                       <a:srgbClr val="000000"/>
                     </a:solidFill>
@@ -9853,7 +9860,7 @@
               </a:ln>
               <a:extLst>
                 <a:ext uri="{91240B29-F687-4f45-9708-019B960494DF}">
-                  <a14:hiddenLine xmlns:a14="http://schemas.microsoft.com/office/drawing/2010/main" xmlns="" w="9525">
+                  <a14:hiddenLine xmlns="" xmlns:a14="http://schemas.microsoft.com/office/drawing/2010/main" w="9525">
                     <a:solidFill>
                       <a:srgbClr val="000000"/>
                     </a:solidFill>
@@ -9937,7 +9944,7 @@
               </a:ln>
               <a:extLst>
                 <a:ext uri="{91240B29-F687-4f45-9708-019B960494DF}">
-                  <a14:hiddenLine xmlns:a14="http://schemas.microsoft.com/office/drawing/2010/main" xmlns="" w="9525">
+                  <a14:hiddenLine xmlns="" xmlns:a14="http://schemas.microsoft.com/office/drawing/2010/main" w="9525">
                     <a:solidFill>
                       <a:srgbClr val="000000"/>
                     </a:solidFill>
@@ -9999,7 +10006,7 @@
               </a:ln>
               <a:extLst>
                 <a:ext uri="{91240B29-F687-4f45-9708-019B960494DF}">
-                  <a14:hiddenLine xmlns:a14="http://schemas.microsoft.com/office/drawing/2010/main" xmlns="" w="9525">
+                  <a14:hiddenLine xmlns="" xmlns:a14="http://schemas.microsoft.com/office/drawing/2010/main" w="9525">
                     <a:solidFill>
                       <a:srgbClr val="000000"/>
                     </a:solidFill>
@@ -10061,7 +10068,7 @@
               </a:ln>
               <a:extLst>
                 <a:ext uri="{91240B29-F687-4f45-9708-019B960494DF}">
-                  <a14:hiddenLine xmlns:a14="http://schemas.microsoft.com/office/drawing/2010/main" xmlns="" w="9525">
+                  <a14:hiddenLine xmlns="" xmlns:a14="http://schemas.microsoft.com/office/drawing/2010/main" w="9525">
                     <a:solidFill>
                       <a:srgbClr val="000000"/>
                     </a:solidFill>
@@ -10151,7 +10158,7 @@
               </a:ln>
               <a:extLst>
                 <a:ext uri="{91240B29-F687-4f45-9708-019B960494DF}">
-                  <a14:hiddenLine xmlns:a14="http://schemas.microsoft.com/office/drawing/2010/main" xmlns="" w="9525">
+                  <a14:hiddenLine xmlns="" xmlns:a14="http://schemas.microsoft.com/office/drawing/2010/main" w="9525">
                     <a:solidFill>
                       <a:srgbClr val="000000"/>
                     </a:solidFill>
@@ -10185,7 +10192,7 @@
               </a:ln>
               <a:extLst>
                 <a:ext uri="{91240B29-F687-4f45-9708-019B960494DF}">
-                  <a14:hiddenLine xmlns:a14="http://schemas.microsoft.com/office/drawing/2010/main" xmlns="" w="9525">
+                  <a14:hiddenLine xmlns="" xmlns:a14="http://schemas.microsoft.com/office/drawing/2010/main" w="9525">
                     <a:solidFill>
                       <a:srgbClr val="000000"/>
                     </a:solidFill>
@@ -10250,7 +10257,7 @@
               </a:ln>
               <a:extLst>
                 <a:ext uri="{91240B29-F687-4f45-9708-019B960494DF}">
-                  <a14:hiddenLine xmlns:a14="http://schemas.microsoft.com/office/drawing/2010/main" xmlns="" w="9525">
+                  <a14:hiddenLine xmlns="" xmlns:a14="http://schemas.microsoft.com/office/drawing/2010/main" w="9525">
                     <a:solidFill>
                       <a:srgbClr val="000000"/>
                     </a:solidFill>
@@ -10340,7 +10347,7 @@
               </a:ln>
               <a:extLst>
                 <a:ext uri="{91240B29-F687-4f45-9708-019B960494DF}">
-                  <a14:hiddenLine xmlns:a14="http://schemas.microsoft.com/office/drawing/2010/main" xmlns="" w="9525">
+                  <a14:hiddenLine xmlns="" xmlns:a14="http://schemas.microsoft.com/office/drawing/2010/main" w="9525">
                     <a:solidFill>
                       <a:srgbClr val="000000"/>
                     </a:solidFill>
@@ -10402,7 +10409,7 @@
               </a:ln>
               <a:extLst>
                 <a:ext uri="{91240B29-F687-4f45-9708-019B960494DF}">
-                  <a14:hiddenLine xmlns:a14="http://schemas.microsoft.com/office/drawing/2010/main" xmlns="" w="9525">
+                  <a14:hiddenLine xmlns="" xmlns:a14="http://schemas.microsoft.com/office/drawing/2010/main" w="9525">
                     <a:solidFill>
                       <a:srgbClr val="000000"/>
                     </a:solidFill>
@@ -10492,7 +10499,7 @@
               </a:ln>
               <a:extLst>
                 <a:ext uri="{91240B29-F687-4f45-9708-019B960494DF}">
-                  <a14:hiddenLine xmlns:a14="http://schemas.microsoft.com/office/drawing/2010/main" xmlns="" w="9525">
+                  <a14:hiddenLine xmlns="" xmlns:a14="http://schemas.microsoft.com/office/drawing/2010/main" w="9525">
                     <a:solidFill>
                       <a:srgbClr val="000000"/>
                     </a:solidFill>
@@ -10557,7 +10564,7 @@
               </a:ln>
               <a:extLst>
                 <a:ext uri="{91240B29-F687-4f45-9708-019B960494DF}">
-                  <a14:hiddenLine xmlns:a14="http://schemas.microsoft.com/office/drawing/2010/main" xmlns="" w="9525">
+                  <a14:hiddenLine xmlns="" xmlns:a14="http://schemas.microsoft.com/office/drawing/2010/main" w="9525">
                     <a:solidFill>
                       <a:srgbClr val="000000"/>
                     </a:solidFill>
@@ -10619,7 +10626,7 @@
               </a:ln>
               <a:extLst>
                 <a:ext uri="{91240B29-F687-4f45-9708-019B960494DF}">
-                  <a14:hiddenLine xmlns:a14="http://schemas.microsoft.com/office/drawing/2010/main" xmlns="" w="9525">
+                  <a14:hiddenLine xmlns="" xmlns:a14="http://schemas.microsoft.com/office/drawing/2010/main" w="9525">
                     <a:solidFill>
                       <a:srgbClr val="000000"/>
                     </a:solidFill>
@@ -10709,7 +10716,7 @@
               </a:ln>
               <a:extLst>
                 <a:ext uri="{91240B29-F687-4f45-9708-019B960494DF}">
-                  <a14:hiddenLine xmlns:a14="http://schemas.microsoft.com/office/drawing/2010/main" xmlns="" w="9525">
+                  <a14:hiddenLine xmlns="" xmlns:a14="http://schemas.microsoft.com/office/drawing/2010/main" w="9525">
                     <a:solidFill>
                       <a:srgbClr val="000000"/>
                     </a:solidFill>
@@ -10799,7 +10806,7 @@
               </a:ln>
               <a:extLst>
                 <a:ext uri="{91240B29-F687-4f45-9708-019B960494DF}">
-                  <a14:hiddenLine xmlns:a14="http://schemas.microsoft.com/office/drawing/2010/main" xmlns="" w="9525">
+                  <a14:hiddenLine xmlns="" xmlns:a14="http://schemas.microsoft.com/office/drawing/2010/main" w="9525">
                     <a:solidFill>
                       <a:srgbClr val="000000"/>
                     </a:solidFill>
@@ -10864,7 +10871,7 @@
               </a:ln>
               <a:extLst>
                 <a:ext uri="{91240B29-F687-4f45-9708-019B960494DF}">
-                  <a14:hiddenLine xmlns:a14="http://schemas.microsoft.com/office/drawing/2010/main" xmlns="" w="9525">
+                  <a14:hiddenLine xmlns="" xmlns:a14="http://schemas.microsoft.com/office/drawing/2010/main" w="9525">
                     <a:solidFill>
                       <a:srgbClr val="000000"/>
                     </a:solidFill>
@@ -10984,7 +10991,7 @@
               </a:ln>
               <a:extLst>
                 <a:ext uri="{91240B29-F687-4f45-9708-019B960494DF}">
-                  <a14:hiddenLine xmlns:a14="http://schemas.microsoft.com/office/drawing/2010/main" xmlns="" w="9525">
+                  <a14:hiddenLine xmlns="" xmlns:a14="http://schemas.microsoft.com/office/drawing/2010/main" w="9525">
                     <a:solidFill>
                       <a:srgbClr val="000000"/>
                     </a:solidFill>
@@ -11082,7 +11089,7 @@
               </a:ln>
               <a:extLst>
                 <a:ext uri="{91240B29-F687-4f45-9708-019B960494DF}">
-                  <a14:hiddenLine xmlns:a14="http://schemas.microsoft.com/office/drawing/2010/main" xmlns="" w="9525">
+                  <a14:hiddenLine xmlns="" xmlns:a14="http://schemas.microsoft.com/office/drawing/2010/main" w="9525">
                     <a:solidFill>
                       <a:srgbClr val="000000"/>
                     </a:solidFill>
@@ -11197,7 +11204,7 @@
               </a:ln>
               <a:extLst>
                 <a:ext uri="{91240B29-F687-4f45-9708-019B960494DF}">
-                  <a14:hiddenLine xmlns:a14="http://schemas.microsoft.com/office/drawing/2010/main" xmlns="" w="9525">
+                  <a14:hiddenLine xmlns="" xmlns:a14="http://schemas.microsoft.com/office/drawing/2010/main" w="9525">
                     <a:solidFill>
                       <a:srgbClr val="000000"/>
                     </a:solidFill>
@@ -11287,7 +11294,7 @@
               </a:ln>
               <a:extLst>
                 <a:ext uri="{91240B29-F687-4f45-9708-019B960494DF}">
-                  <a14:hiddenLine xmlns:a14="http://schemas.microsoft.com/office/drawing/2010/main" xmlns="" w="9525">
+                  <a14:hiddenLine xmlns="" xmlns:a14="http://schemas.microsoft.com/office/drawing/2010/main" w="9525">
                     <a:solidFill>
                       <a:srgbClr val="000000"/>
                     </a:solidFill>
@@ -11352,7 +11359,7 @@
               </a:ln>
               <a:extLst>
                 <a:ext uri="{91240B29-F687-4f45-9708-019B960494DF}">
-                  <a14:hiddenLine xmlns:a14="http://schemas.microsoft.com/office/drawing/2010/main" xmlns="" w="9525">
+                  <a14:hiddenLine xmlns="" xmlns:a14="http://schemas.microsoft.com/office/drawing/2010/main" w="9525">
                     <a:solidFill>
                       <a:srgbClr val="000000"/>
                     </a:solidFill>
@@ -11442,7 +11449,7 @@
               </a:ln>
               <a:extLst>
                 <a:ext uri="{91240B29-F687-4f45-9708-019B960494DF}">
-                  <a14:hiddenLine xmlns:a14="http://schemas.microsoft.com/office/drawing/2010/main" xmlns="" w="9525">
+                  <a14:hiddenLine xmlns="" xmlns:a14="http://schemas.microsoft.com/office/drawing/2010/main" w="9525">
                     <a:solidFill>
                       <a:srgbClr val="000000"/>
                     </a:solidFill>
@@ -11510,7 +11517,7 @@
               </a:ln>
               <a:extLst>
                 <a:ext uri="{91240B29-F687-4f45-9708-019B960494DF}">
-                  <a14:hiddenLine xmlns:a14="http://schemas.microsoft.com/office/drawing/2010/main" xmlns="" w="9525">
+                  <a14:hiddenLine xmlns="" xmlns:a14="http://schemas.microsoft.com/office/drawing/2010/main" w="9525">
                     <a:solidFill>
                       <a:srgbClr val="000000"/>
                     </a:solidFill>
@@ -11600,7 +11607,7 @@
               </a:ln>
               <a:extLst>
                 <a:ext uri="{91240B29-F687-4f45-9708-019B960494DF}">
-                  <a14:hiddenLine xmlns:a14="http://schemas.microsoft.com/office/drawing/2010/main" xmlns="" w="9525">
+                  <a14:hiddenLine xmlns="" xmlns:a14="http://schemas.microsoft.com/office/drawing/2010/main" w="9525">
                     <a:solidFill>
                       <a:srgbClr val="000000"/>
                     </a:solidFill>
@@ -11668,7 +11675,7 @@
               </a:ln>
               <a:extLst>
                 <a:ext uri="{91240B29-F687-4f45-9708-019B960494DF}">
-                  <a14:hiddenLine xmlns:a14="http://schemas.microsoft.com/office/drawing/2010/main" xmlns="" w="9525">
+                  <a14:hiddenLine xmlns="" xmlns:a14="http://schemas.microsoft.com/office/drawing/2010/main" w="9525">
                     <a:solidFill>
                       <a:srgbClr val="000000"/>
                     </a:solidFill>
@@ -11758,7 +11765,7 @@
               </a:ln>
               <a:extLst>
                 <a:ext uri="{91240B29-F687-4f45-9708-019B960494DF}">
-                  <a14:hiddenLine xmlns:a14="http://schemas.microsoft.com/office/drawing/2010/main" xmlns="" w="9525">
+                  <a14:hiddenLine xmlns="" xmlns:a14="http://schemas.microsoft.com/office/drawing/2010/main" w="9525">
                     <a:solidFill>
                       <a:srgbClr val="000000"/>
                     </a:solidFill>
@@ -11792,7 +11799,7 @@
               </a:ln>
               <a:extLst>
                 <a:ext uri="{91240B29-F687-4f45-9708-019B960494DF}">
-                  <a14:hiddenLine xmlns:a14="http://schemas.microsoft.com/office/drawing/2010/main" xmlns="" w="9525">
+                  <a14:hiddenLine xmlns="" xmlns:a14="http://schemas.microsoft.com/office/drawing/2010/main" w="9525">
                     <a:solidFill>
                       <a:srgbClr val="000000"/>
                     </a:solidFill>
@@ -12372,7 +12379,7 @@
           <a:p>
             <a:r>
               <a:rPr lang="en-CN" dirty="0"/>
-              <a:t>石子堂读书会</a:t>
+              <a:t>石子塘读书会</a:t>
             </a:r>
           </a:p>
         </p:txBody>
@@ -13039,6 +13046,5400 @@
 <file path=ppt/slides/slide7.xml><?xml version="1.0" encoding="utf-8"?>
 <p:sld xmlns:a="http://schemas.openxmlformats.org/drawingml/2006/main" xmlns:r="http://schemas.openxmlformats.org/officeDocument/2006/relationships" xmlns:p="http://schemas.openxmlformats.org/presentationml/2006/main">
   <p:cSld>
+    <p:bg>
+      <p:bgPr>
+        <a:blipFill>
+          <a:blip r:embed="rId2">
+            <a:duotone>
+              <a:schemeClr val="bg2">
+                <a:shade val="88000"/>
+                <a:hueMod val="106000"/>
+                <a:satMod val="140000"/>
+                <a:lumMod val="54000"/>
+              </a:schemeClr>
+              <a:schemeClr val="bg2">
+                <a:tint val="98000"/>
+                <a:hueMod val="90000"/>
+                <a:satMod val="150000"/>
+                <a:lumMod val="160000"/>
+              </a:schemeClr>
+            </a:duotone>
+          </a:blip>
+          <a:stretch/>
+        </a:blipFill>
+        <a:effectLst/>
+      </p:bgPr>
+    </p:bg>
+    <p:spTree>
+      <p:nvGrpSpPr>
+        <p:cNvPr id="1" name=""/>
+        <p:cNvGrpSpPr/>
+        <p:nvPr/>
+      </p:nvGrpSpPr>
+      <p:grpSpPr>
+        <a:xfrm>
+          <a:off x="0" y="0"/>
+          <a:ext cx="0" cy="0"/>
+          <a:chOff x="0" y="0"/>
+          <a:chExt cx="0" cy="0"/>
+        </a:xfrm>
+      </p:grpSpPr>
+      <p:grpSp>
+        <p:nvGrpSpPr>
+          <p:cNvPr id="14" name="Group 13">
+            <a:extLst>
+              <a:ext uri="{FF2B5EF4-FFF2-40B4-BE49-F238E27FC236}">
+                <a16:creationId xmlns:a16="http://schemas.microsoft.com/office/drawing/2014/main" id="{4CB5CC6F-11C1-4C07-87C0-F043993E89EC}"/>
+              </a:ext>
+              <a:ext uri="{C183D7F6-B498-43B3-948B-1728B52AA6E4}">
+                <adec:decorative xmlns:adec="http://schemas.microsoft.com/office/drawing/2017/decorative" val="1"/>
+              </a:ext>
+            </a:extLst>
+          </p:cNvPr>
+          <p:cNvGrpSpPr>
+            <a:grpSpLocks noGrp="1" noUngrp="1" noRot="1" noChangeAspect="1" noMove="1" noResize="1"/>
+          </p:cNvGrpSpPr>
+          <p:nvPr>
+            <p:extLst>
+              <p:ext uri="{386F3935-93C4-4BCD-93E2-E3B085C9AB24}">
+                <p16:designElem xmlns:p16="http://schemas.microsoft.com/office/powerpoint/2015/main" val="1"/>
+              </p:ext>
+            </p:extLst>
+          </p:nvPr>
+        </p:nvGrpSpPr>
+        <p:grpSpPr>
+          <a:xfrm>
+            <a:off x="0" y="-1"/>
+            <a:ext cx="12192003" cy="6858001"/>
+            <a:chOff x="0" y="-1"/>
+            <a:chExt cx="12192003" cy="6858001"/>
+          </a:xfrm>
+        </p:grpSpPr>
+        <p:sp useBgFill="1">
+          <p:nvSpPr>
+            <p:cNvPr id="15" name="Rectangle 14">
+              <a:extLst>
+                <a:ext uri="{FF2B5EF4-FFF2-40B4-BE49-F238E27FC236}">
+                  <a16:creationId xmlns:a16="http://schemas.microsoft.com/office/drawing/2014/main" id="{FADA3C27-4EC6-4DCA-BB85-C75BAAE82827}"/>
+                </a:ext>
+                <a:ext uri="{C183D7F6-B498-43B3-948B-1728B52AA6E4}">
+                  <adec:decorative xmlns:adec="http://schemas.microsoft.com/office/drawing/2017/decorative" val="1"/>
+                </a:ext>
+              </a:extLst>
+            </p:cNvPr>
+            <p:cNvSpPr/>
+            <p:nvPr>
+              <p:extLst>
+                <p:ext uri="{386F3935-93C4-4BCD-93E2-E3B085C9AB24}">
+                  <p16:designElem xmlns:p16="http://schemas.microsoft.com/office/powerpoint/2015/main" val="1"/>
+                </p:ext>
+              </p:extLst>
+            </p:nvPr>
+          </p:nvSpPr>
+          <p:spPr>
+            <a:xfrm>
+              <a:off x="1" y="-1"/>
+              <a:ext cx="12192000" cy="6858000"/>
+            </a:xfrm>
+            <a:prstGeom prst="rect">
+              <a:avLst/>
+            </a:prstGeom>
+            <a:ln>
+              <a:noFill/>
+            </a:ln>
+          </p:spPr>
+          <p:style>
+            <a:lnRef idx="2">
+              <a:schemeClr val="accent1">
+                <a:shade val="50000"/>
+              </a:schemeClr>
+            </a:lnRef>
+            <a:fillRef idx="1">
+              <a:schemeClr val="accent1"/>
+            </a:fillRef>
+            <a:effectRef idx="0">
+              <a:schemeClr val="accent1"/>
+            </a:effectRef>
+            <a:fontRef idx="minor">
+              <a:schemeClr val="lt1"/>
+            </a:fontRef>
+          </p:style>
+          <p:txBody>
+            <a:bodyPr rtlCol="0" anchor="ctr"/>
+            <a:lstStyle/>
+            <a:p>
+              <a:pPr algn="ctr"/>
+              <a:endParaRPr lang="en-US"/>
+            </a:p>
+          </p:txBody>
+        </p:sp>
+        <p:pic>
+          <p:nvPicPr>
+            <p:cNvPr id="16" name="Picture 2">
+              <a:extLst>
+                <a:ext uri="{FF2B5EF4-FFF2-40B4-BE49-F238E27FC236}">
+                  <a16:creationId xmlns:a16="http://schemas.microsoft.com/office/drawing/2014/main" id="{2D8216BF-F79F-406D-A3B4-46744068AC43}"/>
+                </a:ext>
+                <a:ext uri="{C183D7F6-B498-43B3-948B-1728B52AA6E4}">
+                  <adec:decorative xmlns:adec="http://schemas.microsoft.com/office/drawing/2017/decorative" val="1"/>
+                </a:ext>
+              </a:extLst>
+            </p:cNvPr>
+            <p:cNvPicPr>
+              <a:picLocks noChangeAspect="1" noChangeArrowheads="1"/>
+            </p:cNvPicPr>
+            <p:nvPr>
+              <p:extLst>
+                <p:ext uri="{386F3935-93C4-4BCD-93E2-E3B085C9AB24}">
+                  <p16:designElem xmlns:p16="http://schemas.microsoft.com/office/powerpoint/2015/main" val="1"/>
+                </p:ext>
+              </p:extLst>
+            </p:nvPr>
+          </p:nvPicPr>
+          <p:blipFill>
+            <a:blip r:embed="rId3">
+              <a:alphaModFix amt="30000"/>
+              <a:duotone>
+                <a:prstClr val="black"/>
+                <a:schemeClr val="tx2">
+                  <a:tint val="45000"/>
+                  <a:satMod val="400000"/>
+                </a:schemeClr>
+              </a:duotone>
+              <a:extLst>
+                <a:ext uri="{28A0092B-C50C-407E-A947-70E740481C1C}">
+                  <a14:useLocalDpi xmlns:a14="http://schemas.microsoft.com/office/drawing/2010/main" val="0"/>
+                </a:ext>
+              </a:extLst>
+            </a:blip>
+            <a:srcRect/>
+            <a:stretch>
+              <a:fillRect/>
+            </a:stretch>
+          </p:blipFill>
+          <p:spPr bwMode="auto">
+            <a:xfrm>
+              <a:off x="0" y="-1"/>
+              <a:ext cx="12192003" cy="6858001"/>
+            </a:xfrm>
+            <a:prstGeom prst="rect">
+              <a:avLst/>
+            </a:prstGeom>
+            <a:noFill/>
+            <a:extLst>
+              <a:ext uri="{909E8E84-426E-40dd-AFC4-6F175D3DCCD1}">
+                <a14:hiddenFill xmlns="" xmlns:a16="http://schemas.microsoft.com/office/drawing/2014/main" xmlns:p14="http://schemas.microsoft.com/office/powerpoint/2010/main" xmlns:a14="http://schemas.microsoft.com/office/drawing/2010/main">
+                  <a:solidFill>
+                    <a:srgbClr val="FFFFFF"/>
+                  </a:solidFill>
+                </a14:hiddenFill>
+              </a:ext>
+            </a:extLst>
+          </p:spPr>
+        </p:pic>
+      </p:grpSp>
+      <p:grpSp>
+        <p:nvGrpSpPr>
+          <p:cNvPr id="18" name="Group 17">
+            <a:extLst>
+              <a:ext uri="{FF2B5EF4-FFF2-40B4-BE49-F238E27FC236}">
+                <a16:creationId xmlns:a16="http://schemas.microsoft.com/office/drawing/2014/main" id="{C6C16BE5-8A9A-432D-8A61-230FA03816DB}"/>
+              </a:ext>
+              <a:ext uri="{C183D7F6-B498-43B3-948B-1728B52AA6E4}">
+                <adec:decorative xmlns:adec="http://schemas.microsoft.com/office/drawing/2017/decorative" val="1"/>
+              </a:ext>
+            </a:extLst>
+          </p:cNvPr>
+          <p:cNvGrpSpPr>
+            <a:grpSpLocks noGrp="1" noUngrp="1" noRot="1" noChangeAspect="1" noMove="1" noResize="1"/>
+          </p:cNvGrpSpPr>
+          <p:nvPr>
+            <p:extLst>
+              <p:ext uri="{386F3935-93C4-4BCD-93E2-E3B085C9AB24}">
+                <p16:designElem xmlns:p16="http://schemas.microsoft.com/office/powerpoint/2015/main" val="1"/>
+              </p:ext>
+            </p:extLst>
+          </p:nvPr>
+        </p:nvGrpSpPr>
+        <p:grpSpPr>
+          <a:xfrm>
+            <a:off x="3181779" y="0"/>
+            <a:ext cx="2305051" cy="6858001"/>
+            <a:chOff x="0" y="0"/>
+            <a:chExt cx="2305051" cy="6858001"/>
+          </a:xfrm>
+          <a:gradFill flip="none" rotWithShape="1">
+            <a:gsLst>
+              <a:gs pos="0">
+                <a:schemeClr val="tx2"/>
+              </a:gs>
+              <a:gs pos="100000">
+                <a:schemeClr val="bg2">
+                  <a:lumMod val="60000"/>
+                  <a:lumOff val="40000"/>
+                </a:schemeClr>
+              </a:gs>
+            </a:gsLst>
+            <a:lin ang="5400000" scaled="0"/>
+            <a:tileRect/>
+          </a:gradFill>
+        </p:grpSpPr>
+        <p:sp>
+          <p:nvSpPr>
+            <p:cNvPr id="19" name="Rectangle 5">
+              <a:extLst>
+                <a:ext uri="{FF2B5EF4-FFF2-40B4-BE49-F238E27FC236}">
+                  <a16:creationId xmlns:a16="http://schemas.microsoft.com/office/drawing/2014/main" id="{2E852AB2-2672-41DF-9CF6-FCDEF1805EFF}"/>
+                </a:ext>
+                <a:ext uri="{C183D7F6-B498-43B3-948B-1728B52AA6E4}">
+                  <adec:decorative xmlns:adec="http://schemas.microsoft.com/office/drawing/2017/decorative" val="1"/>
+                </a:ext>
+              </a:extLst>
+            </p:cNvPr>
+            <p:cNvSpPr>
+              <a:spLocks noChangeArrowheads="1"/>
+            </p:cNvSpPr>
+            <p:nvPr>
+              <p:extLst>
+                <p:ext uri="{386F3935-93C4-4BCD-93E2-E3B085C9AB24}">
+                  <p16:designElem xmlns:p16="http://schemas.microsoft.com/office/powerpoint/2015/main" val="1"/>
+                </p:ext>
+              </p:extLst>
+            </p:nvPr>
+          </p:nvSpPr>
+          <p:spPr bwMode="auto">
+            <a:xfrm>
+              <a:off x="1209675" y="4763"/>
+              <a:ext cx="23813" cy="2181225"/>
+            </a:xfrm>
+            <a:prstGeom prst="rect">
+              <a:avLst/>
+            </a:prstGeom>
+            <a:grpFill/>
+            <a:ln>
+              <a:noFill/>
+            </a:ln>
+            <a:extLst>
+              <a:ext uri="{91240B29-F687-4f45-9708-019B960494DF}">
+                <a14:hiddenLine xmlns="" xmlns:a16="http://schemas.microsoft.com/office/drawing/2014/main" xmlns:p14="http://schemas.microsoft.com/office/powerpoint/2010/main" xmlns:a14="http://schemas.microsoft.com/office/drawing/2010/main" w="9525">
+                  <a:solidFill>
+                    <a:srgbClr val="000000"/>
+                  </a:solidFill>
+                  <a:miter lim="800000"/>
+                  <a:headEnd/>
+                  <a:tailEnd/>
+                </a14:hiddenLine>
+              </a:ext>
+            </a:extLst>
+          </p:spPr>
+        </p:sp>
+        <p:sp>
+          <p:nvSpPr>
+            <p:cNvPr id="20" name="Freeform 6">
+              <a:extLst>
+                <a:ext uri="{FF2B5EF4-FFF2-40B4-BE49-F238E27FC236}">
+                  <a16:creationId xmlns:a16="http://schemas.microsoft.com/office/drawing/2014/main" id="{90283F1A-A49E-441D-BDF5-35B8BEE426A2}"/>
+                </a:ext>
+                <a:ext uri="{C183D7F6-B498-43B3-948B-1728B52AA6E4}">
+                  <adec:decorative xmlns:adec="http://schemas.microsoft.com/office/drawing/2017/decorative" val="1"/>
+                </a:ext>
+              </a:extLst>
+            </p:cNvPr>
+            <p:cNvSpPr>
+              <a:spLocks noEditPoints="1"/>
+            </p:cNvSpPr>
+            <p:nvPr>
+              <p:extLst>
+                <p:ext uri="{386F3935-93C4-4BCD-93E2-E3B085C9AB24}">
+                  <p16:designElem xmlns:p16="http://schemas.microsoft.com/office/powerpoint/2015/main" val="1"/>
+                </p:ext>
+              </p:extLst>
+            </p:nvPr>
+          </p:nvSpPr>
+          <p:spPr bwMode="auto">
+            <a:xfrm>
+              <a:off x="1128713" y="2176463"/>
+              <a:ext cx="190500" cy="190500"/>
+            </a:xfrm>
+            <a:custGeom>
+              <a:avLst/>
+              <a:gdLst/>
+              <a:ahLst/>
+              <a:cxnLst/>
+              <a:rect l="0" t="0" r="r" b="b"/>
+              <a:pathLst>
+                <a:path w="40" h="40">
+                  <a:moveTo>
+                    <a:pt x="20" y="40"/>
+                  </a:moveTo>
+                  <a:cubicBezTo>
+                    <a:pt x="9" y="40"/>
+                    <a:pt x="0" y="31"/>
+                    <a:pt x="0" y="20"/>
+                  </a:cubicBezTo>
+                  <a:cubicBezTo>
+                    <a:pt x="0" y="9"/>
+                    <a:pt x="9" y="0"/>
+                    <a:pt x="20" y="0"/>
+                  </a:cubicBezTo>
+                  <a:cubicBezTo>
+                    <a:pt x="31" y="0"/>
+                    <a:pt x="40" y="9"/>
+                    <a:pt x="40" y="20"/>
+                  </a:cubicBezTo>
+                  <a:cubicBezTo>
+                    <a:pt x="40" y="31"/>
+                    <a:pt x="31" y="40"/>
+                    <a:pt x="20" y="40"/>
+                  </a:cubicBezTo>
+                  <a:close/>
+                  <a:moveTo>
+                    <a:pt x="20" y="4"/>
+                  </a:moveTo>
+                  <a:cubicBezTo>
+                    <a:pt x="11" y="4"/>
+                    <a:pt x="4" y="11"/>
+                    <a:pt x="4" y="20"/>
+                  </a:cubicBezTo>
+                  <a:cubicBezTo>
+                    <a:pt x="4" y="29"/>
+                    <a:pt x="11" y="36"/>
+                    <a:pt x="20" y="36"/>
+                  </a:cubicBezTo>
+                  <a:cubicBezTo>
+                    <a:pt x="28" y="36"/>
+                    <a:pt x="36" y="29"/>
+                    <a:pt x="36" y="20"/>
+                  </a:cubicBezTo>
+                  <a:cubicBezTo>
+                    <a:pt x="36" y="11"/>
+                    <a:pt x="28" y="4"/>
+                    <a:pt x="20" y="4"/>
+                  </a:cubicBezTo>
+                  <a:close/>
+                </a:path>
+              </a:pathLst>
+            </a:custGeom>
+            <a:grpFill/>
+            <a:ln>
+              <a:noFill/>
+            </a:ln>
+            <a:extLst>
+              <a:ext uri="{91240B29-F687-4f45-9708-019B960494DF}">
+                <a14:hiddenLine xmlns="" xmlns:a16="http://schemas.microsoft.com/office/drawing/2014/main" xmlns:p14="http://schemas.microsoft.com/office/powerpoint/2010/main" xmlns:a14="http://schemas.microsoft.com/office/drawing/2010/main" w="9525">
+                  <a:solidFill>
+                    <a:srgbClr val="000000"/>
+                  </a:solidFill>
+                  <a:round/>
+                  <a:headEnd/>
+                  <a:tailEnd/>
+                </a14:hiddenLine>
+              </a:ext>
+            </a:extLst>
+          </p:spPr>
+        </p:sp>
+        <p:sp>
+          <p:nvSpPr>
+            <p:cNvPr id="21" name="Freeform 7">
+              <a:extLst>
+                <a:ext uri="{FF2B5EF4-FFF2-40B4-BE49-F238E27FC236}">
+                  <a16:creationId xmlns:a16="http://schemas.microsoft.com/office/drawing/2014/main" id="{B0BC41A4-F3F1-4CD4-B266-D9DAA21710B6}"/>
+                </a:ext>
+                <a:ext uri="{C183D7F6-B498-43B3-948B-1728B52AA6E4}">
+                  <adec:decorative xmlns:adec="http://schemas.microsoft.com/office/drawing/2017/decorative" val="1"/>
+                </a:ext>
+              </a:extLst>
+            </p:cNvPr>
+            <p:cNvSpPr>
+              <a:spLocks noEditPoints="1"/>
+            </p:cNvSpPr>
+            <p:nvPr>
+              <p:extLst>
+                <p:ext uri="{386F3935-93C4-4BCD-93E2-E3B085C9AB24}">
+                  <p16:designElem xmlns:p16="http://schemas.microsoft.com/office/powerpoint/2015/main" val="1"/>
+                </p:ext>
+              </p:extLst>
+            </p:nvPr>
+          </p:nvSpPr>
+          <p:spPr bwMode="auto">
+            <a:xfrm>
+              <a:off x="1123950" y="4021138"/>
+              <a:ext cx="190500" cy="188913"/>
+            </a:xfrm>
+            <a:custGeom>
+              <a:avLst/>
+              <a:gdLst/>
+              <a:ahLst/>
+              <a:cxnLst/>
+              <a:rect l="0" t="0" r="r" b="b"/>
+              <a:pathLst>
+                <a:path w="40" h="40">
+                  <a:moveTo>
+                    <a:pt x="20" y="40"/>
+                  </a:moveTo>
+                  <a:cubicBezTo>
+                    <a:pt x="9" y="40"/>
+                    <a:pt x="0" y="31"/>
+                    <a:pt x="0" y="20"/>
+                  </a:cubicBezTo>
+                  <a:cubicBezTo>
+                    <a:pt x="0" y="9"/>
+                    <a:pt x="9" y="0"/>
+                    <a:pt x="20" y="0"/>
+                  </a:cubicBezTo>
+                  <a:cubicBezTo>
+                    <a:pt x="31" y="0"/>
+                    <a:pt x="40" y="9"/>
+                    <a:pt x="40" y="20"/>
+                  </a:cubicBezTo>
+                  <a:cubicBezTo>
+                    <a:pt x="40" y="31"/>
+                    <a:pt x="31" y="40"/>
+                    <a:pt x="20" y="40"/>
+                  </a:cubicBezTo>
+                  <a:close/>
+                  <a:moveTo>
+                    <a:pt x="20" y="4"/>
+                  </a:moveTo>
+                  <a:cubicBezTo>
+                    <a:pt x="11" y="4"/>
+                    <a:pt x="4" y="11"/>
+                    <a:pt x="4" y="20"/>
+                  </a:cubicBezTo>
+                  <a:cubicBezTo>
+                    <a:pt x="4" y="29"/>
+                    <a:pt x="11" y="36"/>
+                    <a:pt x="20" y="36"/>
+                  </a:cubicBezTo>
+                  <a:cubicBezTo>
+                    <a:pt x="29" y="36"/>
+                    <a:pt x="36" y="29"/>
+                    <a:pt x="36" y="20"/>
+                  </a:cubicBezTo>
+                  <a:cubicBezTo>
+                    <a:pt x="36" y="11"/>
+                    <a:pt x="29" y="4"/>
+                    <a:pt x="20" y="4"/>
+                  </a:cubicBezTo>
+                  <a:close/>
+                </a:path>
+              </a:pathLst>
+            </a:custGeom>
+            <a:grpFill/>
+            <a:ln>
+              <a:noFill/>
+            </a:ln>
+            <a:extLst>
+              <a:ext uri="{91240B29-F687-4f45-9708-019B960494DF}">
+                <a14:hiddenLine xmlns="" xmlns:a16="http://schemas.microsoft.com/office/drawing/2014/main" xmlns:p14="http://schemas.microsoft.com/office/powerpoint/2010/main" xmlns:a14="http://schemas.microsoft.com/office/drawing/2010/main" w="9525">
+                  <a:solidFill>
+                    <a:srgbClr val="000000"/>
+                  </a:solidFill>
+                  <a:round/>
+                  <a:headEnd/>
+                  <a:tailEnd/>
+                </a14:hiddenLine>
+              </a:ext>
+            </a:extLst>
+          </p:spPr>
+        </p:sp>
+        <p:sp>
+          <p:nvSpPr>
+            <p:cNvPr id="22" name="Rectangle 8">
+              <a:extLst>
+                <a:ext uri="{FF2B5EF4-FFF2-40B4-BE49-F238E27FC236}">
+                  <a16:creationId xmlns:a16="http://schemas.microsoft.com/office/drawing/2014/main" id="{6E29DA39-130F-41A1-A21E-4FB453948A9F}"/>
+                </a:ext>
+                <a:ext uri="{C183D7F6-B498-43B3-948B-1728B52AA6E4}">
+                  <adec:decorative xmlns:adec="http://schemas.microsoft.com/office/drawing/2017/decorative" val="1"/>
+                </a:ext>
+              </a:extLst>
+            </p:cNvPr>
+            <p:cNvSpPr>
+              <a:spLocks noChangeArrowheads="1"/>
+            </p:cNvSpPr>
+            <p:nvPr>
+              <p:extLst>
+                <p:ext uri="{386F3935-93C4-4BCD-93E2-E3B085C9AB24}">
+                  <p16:designElem xmlns:p16="http://schemas.microsoft.com/office/powerpoint/2015/main" val="1"/>
+                </p:ext>
+              </p:extLst>
+            </p:nvPr>
+          </p:nvSpPr>
+          <p:spPr bwMode="auto">
+            <a:xfrm>
+              <a:off x="414338" y="9525"/>
+              <a:ext cx="28575" cy="4481513"/>
+            </a:xfrm>
+            <a:prstGeom prst="rect">
+              <a:avLst/>
+            </a:prstGeom>
+            <a:grpFill/>
+            <a:ln>
+              <a:noFill/>
+            </a:ln>
+            <a:extLst>
+              <a:ext uri="{91240B29-F687-4f45-9708-019B960494DF}">
+                <a14:hiddenLine xmlns="" xmlns:a16="http://schemas.microsoft.com/office/drawing/2014/main" xmlns:p14="http://schemas.microsoft.com/office/powerpoint/2010/main" xmlns:a14="http://schemas.microsoft.com/office/drawing/2010/main" w="9525">
+                  <a:solidFill>
+                    <a:srgbClr val="000000"/>
+                  </a:solidFill>
+                  <a:miter lim="800000"/>
+                  <a:headEnd/>
+                  <a:tailEnd/>
+                </a14:hiddenLine>
+              </a:ext>
+            </a:extLst>
+          </p:spPr>
+        </p:sp>
+        <p:sp>
+          <p:nvSpPr>
+            <p:cNvPr id="23" name="Freeform 9">
+              <a:extLst>
+                <a:ext uri="{FF2B5EF4-FFF2-40B4-BE49-F238E27FC236}">
+                  <a16:creationId xmlns:a16="http://schemas.microsoft.com/office/drawing/2014/main" id="{39995AD4-F8DE-4CEB-B958-1DBF7EAC296F}"/>
+                </a:ext>
+                <a:ext uri="{C183D7F6-B498-43B3-948B-1728B52AA6E4}">
+                  <adec:decorative xmlns:adec="http://schemas.microsoft.com/office/drawing/2017/decorative" val="1"/>
+                </a:ext>
+              </a:extLst>
+            </p:cNvPr>
+            <p:cNvSpPr>
+              <a:spLocks noEditPoints="1"/>
+            </p:cNvSpPr>
+            <p:nvPr>
+              <p:extLst>
+                <p:ext uri="{386F3935-93C4-4BCD-93E2-E3B085C9AB24}">
+                  <p16:designElem xmlns:p16="http://schemas.microsoft.com/office/powerpoint/2015/main" val="1"/>
+                </p:ext>
+              </p:extLst>
+            </p:nvPr>
+          </p:nvSpPr>
+          <p:spPr bwMode="auto">
+            <a:xfrm>
+              <a:off x="333375" y="4481513"/>
+              <a:ext cx="190500" cy="190500"/>
+            </a:xfrm>
+            <a:custGeom>
+              <a:avLst/>
+              <a:gdLst/>
+              <a:ahLst/>
+              <a:cxnLst/>
+              <a:rect l="0" t="0" r="r" b="b"/>
+              <a:pathLst>
+                <a:path w="40" h="40">
+                  <a:moveTo>
+                    <a:pt x="20" y="40"/>
+                  </a:moveTo>
+                  <a:cubicBezTo>
+                    <a:pt x="9" y="40"/>
+                    <a:pt x="0" y="31"/>
+                    <a:pt x="0" y="20"/>
+                  </a:cubicBezTo>
+                  <a:cubicBezTo>
+                    <a:pt x="0" y="9"/>
+                    <a:pt x="9" y="0"/>
+                    <a:pt x="20" y="0"/>
+                  </a:cubicBezTo>
+                  <a:cubicBezTo>
+                    <a:pt x="31" y="0"/>
+                    <a:pt x="40" y="9"/>
+                    <a:pt x="40" y="20"/>
+                  </a:cubicBezTo>
+                  <a:cubicBezTo>
+                    <a:pt x="40" y="31"/>
+                    <a:pt x="31" y="40"/>
+                    <a:pt x="20" y="40"/>
+                  </a:cubicBezTo>
+                  <a:close/>
+                  <a:moveTo>
+                    <a:pt x="20" y="4"/>
+                  </a:moveTo>
+                  <a:cubicBezTo>
+                    <a:pt x="11" y="4"/>
+                    <a:pt x="4" y="11"/>
+                    <a:pt x="4" y="20"/>
+                  </a:cubicBezTo>
+                  <a:cubicBezTo>
+                    <a:pt x="4" y="29"/>
+                    <a:pt x="11" y="36"/>
+                    <a:pt x="20" y="36"/>
+                  </a:cubicBezTo>
+                  <a:cubicBezTo>
+                    <a:pt x="29" y="36"/>
+                    <a:pt x="36" y="29"/>
+                    <a:pt x="36" y="20"/>
+                  </a:cubicBezTo>
+                  <a:cubicBezTo>
+                    <a:pt x="36" y="11"/>
+                    <a:pt x="29" y="4"/>
+                    <a:pt x="20" y="4"/>
+                  </a:cubicBezTo>
+                  <a:close/>
+                </a:path>
+              </a:pathLst>
+            </a:custGeom>
+            <a:grpFill/>
+            <a:ln>
+              <a:noFill/>
+            </a:ln>
+            <a:extLst>
+              <a:ext uri="{91240B29-F687-4f45-9708-019B960494DF}">
+                <a14:hiddenLine xmlns="" xmlns:a16="http://schemas.microsoft.com/office/drawing/2014/main" xmlns:p14="http://schemas.microsoft.com/office/powerpoint/2010/main" xmlns:a14="http://schemas.microsoft.com/office/drawing/2010/main" w="9525">
+                  <a:solidFill>
+                    <a:srgbClr val="000000"/>
+                  </a:solidFill>
+                  <a:round/>
+                  <a:headEnd/>
+                  <a:tailEnd/>
+                </a14:hiddenLine>
+              </a:ext>
+            </a:extLst>
+          </p:spPr>
+        </p:sp>
+        <p:sp>
+          <p:nvSpPr>
+            <p:cNvPr id="24" name="Freeform 10">
+              <a:extLst>
+                <a:ext uri="{FF2B5EF4-FFF2-40B4-BE49-F238E27FC236}">
+                  <a16:creationId xmlns:a16="http://schemas.microsoft.com/office/drawing/2014/main" id="{D1F7DCE1-6887-4FE0-A7D7-3652030CFA17}"/>
+                </a:ext>
+                <a:ext uri="{C183D7F6-B498-43B3-948B-1728B52AA6E4}">
+                  <adec:decorative xmlns:adec="http://schemas.microsoft.com/office/drawing/2017/decorative" val="1"/>
+                </a:ext>
+              </a:extLst>
+            </p:cNvPr>
+            <p:cNvSpPr/>
+            <p:nvPr>
+              <p:extLst>
+                <p:ext uri="{386F3935-93C4-4BCD-93E2-E3B085C9AB24}">
+                  <p16:designElem xmlns:p16="http://schemas.microsoft.com/office/powerpoint/2015/main" val="1"/>
+                </p:ext>
+              </p:extLst>
+            </p:nvPr>
+          </p:nvSpPr>
+          <p:spPr bwMode="auto">
+            <a:xfrm>
+              <a:off x="190500" y="9525"/>
+              <a:ext cx="152400" cy="908050"/>
+            </a:xfrm>
+            <a:custGeom>
+              <a:avLst/>
+              <a:gdLst/>
+              <a:ahLst/>
+              <a:cxnLst/>
+              <a:rect l="0" t="0" r="r" b="b"/>
+              <a:pathLst>
+                <a:path w="96" h="572">
+                  <a:moveTo>
+                    <a:pt x="15" y="572"/>
+                  </a:moveTo>
+                  <a:lnTo>
+                    <a:pt x="0" y="566"/>
+                  </a:lnTo>
+                  <a:lnTo>
+                    <a:pt x="81" y="380"/>
+                  </a:lnTo>
+                  <a:lnTo>
+                    <a:pt x="81" y="0"/>
+                  </a:lnTo>
+                  <a:lnTo>
+                    <a:pt x="96" y="0"/>
+                  </a:lnTo>
+                  <a:lnTo>
+                    <a:pt x="96" y="383"/>
+                  </a:lnTo>
+                  <a:lnTo>
+                    <a:pt x="15" y="572"/>
+                  </a:lnTo>
+                  <a:close/>
+                </a:path>
+              </a:pathLst>
+            </a:custGeom>
+            <a:grpFill/>
+            <a:ln>
+              <a:noFill/>
+            </a:ln>
+            <a:extLst>
+              <a:ext uri="{91240B29-F687-4f45-9708-019B960494DF}">
+                <a14:hiddenLine xmlns="" xmlns:a16="http://schemas.microsoft.com/office/drawing/2014/main" xmlns:p14="http://schemas.microsoft.com/office/powerpoint/2010/main" xmlns:a14="http://schemas.microsoft.com/office/drawing/2010/main" w="9525">
+                  <a:solidFill>
+                    <a:srgbClr val="000000"/>
+                  </a:solidFill>
+                  <a:round/>
+                  <a:headEnd/>
+                  <a:tailEnd/>
+                </a14:hiddenLine>
+              </a:ext>
+            </a:extLst>
+          </p:spPr>
+        </p:sp>
+        <p:sp>
+          <p:nvSpPr>
+            <p:cNvPr id="25" name="Freeform 11">
+              <a:extLst>
+                <a:ext uri="{FF2B5EF4-FFF2-40B4-BE49-F238E27FC236}">
+                  <a16:creationId xmlns:a16="http://schemas.microsoft.com/office/drawing/2014/main" id="{4E46B0E1-9543-441D-AD1D-1308AF88CAD8}"/>
+                </a:ext>
+                <a:ext uri="{C183D7F6-B498-43B3-948B-1728B52AA6E4}">
+                  <adec:decorative xmlns:adec="http://schemas.microsoft.com/office/drawing/2017/decorative" val="1"/>
+                </a:ext>
+              </a:extLst>
+            </p:cNvPr>
+            <p:cNvSpPr/>
+            <p:nvPr>
+              <p:extLst>
+                <p:ext uri="{386F3935-93C4-4BCD-93E2-E3B085C9AB24}">
+                  <p16:designElem xmlns:p16="http://schemas.microsoft.com/office/powerpoint/2015/main" val="1"/>
+                </p:ext>
+              </p:extLst>
+            </p:nvPr>
+          </p:nvSpPr>
+          <p:spPr bwMode="auto">
+            <a:xfrm>
+              <a:off x="1290638" y="14288"/>
+              <a:ext cx="376238" cy="1801813"/>
+            </a:xfrm>
+            <a:custGeom>
+              <a:avLst/>
+              <a:gdLst/>
+              <a:ahLst/>
+              <a:cxnLst/>
+              <a:rect l="0" t="0" r="r" b="b"/>
+              <a:pathLst>
+                <a:path w="237" h="1135">
+                  <a:moveTo>
+                    <a:pt x="222" y="1135"/>
+                  </a:moveTo>
+                  <a:lnTo>
+                    <a:pt x="0" y="620"/>
+                  </a:lnTo>
+                  <a:lnTo>
+                    <a:pt x="0" y="0"/>
+                  </a:lnTo>
+                  <a:lnTo>
+                    <a:pt x="18" y="0"/>
+                  </a:lnTo>
+                  <a:lnTo>
+                    <a:pt x="18" y="617"/>
+                  </a:lnTo>
+                  <a:lnTo>
+                    <a:pt x="237" y="1129"/>
+                  </a:lnTo>
+                  <a:lnTo>
+                    <a:pt x="222" y="1135"/>
+                  </a:lnTo>
+                  <a:close/>
+                </a:path>
+              </a:pathLst>
+            </a:custGeom>
+            <a:grpFill/>
+            <a:ln>
+              <a:noFill/>
+            </a:ln>
+            <a:extLst>
+              <a:ext uri="{91240B29-F687-4f45-9708-019B960494DF}">
+                <a14:hiddenLine xmlns="" xmlns:a16="http://schemas.microsoft.com/office/drawing/2014/main" xmlns:p14="http://schemas.microsoft.com/office/powerpoint/2010/main" xmlns:a14="http://schemas.microsoft.com/office/drawing/2010/main" w="9525">
+                  <a:solidFill>
+                    <a:srgbClr val="000000"/>
+                  </a:solidFill>
+                  <a:round/>
+                  <a:headEnd/>
+                  <a:tailEnd/>
+                </a14:hiddenLine>
+              </a:ext>
+            </a:extLst>
+          </p:spPr>
+        </p:sp>
+        <p:sp>
+          <p:nvSpPr>
+            <p:cNvPr id="26" name="Freeform 12">
+              <a:extLst>
+                <a:ext uri="{FF2B5EF4-FFF2-40B4-BE49-F238E27FC236}">
+                  <a16:creationId xmlns:a16="http://schemas.microsoft.com/office/drawing/2014/main" id="{E8C112C9-8D48-4612-AE0B-CF59EC7432CA}"/>
+                </a:ext>
+                <a:ext uri="{C183D7F6-B498-43B3-948B-1728B52AA6E4}">
+                  <adec:decorative xmlns:adec="http://schemas.microsoft.com/office/drawing/2017/decorative" val="1"/>
+                </a:ext>
+              </a:extLst>
+            </p:cNvPr>
+            <p:cNvSpPr>
+              <a:spLocks noEditPoints="1"/>
+            </p:cNvSpPr>
+            <p:nvPr>
+              <p:extLst>
+                <p:ext uri="{386F3935-93C4-4BCD-93E2-E3B085C9AB24}">
+                  <p16:designElem xmlns:p16="http://schemas.microsoft.com/office/powerpoint/2015/main" val="1"/>
+                </p:ext>
+              </p:extLst>
+            </p:nvPr>
+          </p:nvSpPr>
+          <p:spPr bwMode="auto">
+            <a:xfrm>
+              <a:off x="1600200" y="1801813"/>
+              <a:ext cx="190500" cy="188913"/>
+            </a:xfrm>
+            <a:custGeom>
+              <a:avLst/>
+              <a:gdLst/>
+              <a:ahLst/>
+              <a:cxnLst/>
+              <a:rect l="0" t="0" r="r" b="b"/>
+              <a:pathLst>
+                <a:path w="40" h="40">
+                  <a:moveTo>
+                    <a:pt x="20" y="40"/>
+                  </a:moveTo>
+                  <a:cubicBezTo>
+                    <a:pt x="9" y="40"/>
+                    <a:pt x="0" y="31"/>
+                    <a:pt x="0" y="20"/>
+                  </a:cubicBezTo>
+                  <a:cubicBezTo>
+                    <a:pt x="0" y="9"/>
+                    <a:pt x="9" y="0"/>
+                    <a:pt x="20" y="0"/>
+                  </a:cubicBezTo>
+                  <a:cubicBezTo>
+                    <a:pt x="31" y="0"/>
+                    <a:pt x="40" y="9"/>
+                    <a:pt x="40" y="20"/>
+                  </a:cubicBezTo>
+                  <a:cubicBezTo>
+                    <a:pt x="40" y="31"/>
+                    <a:pt x="31" y="40"/>
+                    <a:pt x="20" y="40"/>
+                  </a:cubicBezTo>
+                  <a:close/>
+                  <a:moveTo>
+                    <a:pt x="20" y="4"/>
+                  </a:moveTo>
+                  <a:cubicBezTo>
+                    <a:pt x="11" y="4"/>
+                    <a:pt x="4" y="11"/>
+                    <a:pt x="4" y="20"/>
+                  </a:cubicBezTo>
+                  <a:cubicBezTo>
+                    <a:pt x="4" y="29"/>
+                    <a:pt x="11" y="36"/>
+                    <a:pt x="20" y="36"/>
+                  </a:cubicBezTo>
+                  <a:cubicBezTo>
+                    <a:pt x="28" y="36"/>
+                    <a:pt x="36" y="29"/>
+                    <a:pt x="36" y="20"/>
+                  </a:cubicBezTo>
+                  <a:cubicBezTo>
+                    <a:pt x="36" y="11"/>
+                    <a:pt x="28" y="4"/>
+                    <a:pt x="20" y="4"/>
+                  </a:cubicBezTo>
+                  <a:close/>
+                </a:path>
+              </a:pathLst>
+            </a:custGeom>
+            <a:grpFill/>
+            <a:ln>
+              <a:noFill/>
+            </a:ln>
+            <a:extLst>
+              <a:ext uri="{91240B29-F687-4f45-9708-019B960494DF}">
+                <a14:hiddenLine xmlns="" xmlns:a16="http://schemas.microsoft.com/office/drawing/2014/main" xmlns:p14="http://schemas.microsoft.com/office/powerpoint/2010/main" xmlns:a14="http://schemas.microsoft.com/office/drawing/2010/main" w="9525">
+                  <a:solidFill>
+                    <a:srgbClr val="000000"/>
+                  </a:solidFill>
+                  <a:round/>
+                  <a:headEnd/>
+                  <a:tailEnd/>
+                </a14:hiddenLine>
+              </a:ext>
+            </a:extLst>
+          </p:spPr>
+        </p:sp>
+        <p:sp>
+          <p:nvSpPr>
+            <p:cNvPr id="27" name="Freeform 13">
+              <a:extLst>
+                <a:ext uri="{FF2B5EF4-FFF2-40B4-BE49-F238E27FC236}">
+                  <a16:creationId xmlns:a16="http://schemas.microsoft.com/office/drawing/2014/main" id="{2D16C38C-4A3B-4060-9A3B-C47DD6DE7C39}"/>
+                </a:ext>
+                <a:ext uri="{C183D7F6-B498-43B3-948B-1728B52AA6E4}">
+                  <adec:decorative xmlns:adec="http://schemas.microsoft.com/office/drawing/2017/decorative" val="1"/>
+                </a:ext>
+              </a:extLst>
+            </p:cNvPr>
+            <p:cNvSpPr/>
+            <p:nvPr>
+              <p:extLst>
+                <p:ext uri="{386F3935-93C4-4BCD-93E2-E3B085C9AB24}">
+                  <p16:designElem xmlns:p16="http://schemas.microsoft.com/office/powerpoint/2015/main" val="1"/>
+                </p:ext>
+              </p:extLst>
+            </p:nvPr>
+          </p:nvSpPr>
+          <p:spPr bwMode="auto">
+            <a:xfrm>
+              <a:off x="1381125" y="9525"/>
+              <a:ext cx="371475" cy="1425575"/>
+            </a:xfrm>
+            <a:custGeom>
+              <a:avLst/>
+              <a:gdLst/>
+              <a:ahLst/>
+              <a:cxnLst/>
+              <a:rect l="0" t="0" r="r" b="b"/>
+              <a:pathLst>
+                <a:path w="234" h="898">
+                  <a:moveTo>
+                    <a:pt x="219" y="898"/>
+                  </a:moveTo>
+                  <a:lnTo>
+                    <a:pt x="0" y="383"/>
+                  </a:lnTo>
+                  <a:lnTo>
+                    <a:pt x="0" y="0"/>
+                  </a:lnTo>
+                  <a:lnTo>
+                    <a:pt x="15" y="0"/>
+                  </a:lnTo>
+                  <a:lnTo>
+                    <a:pt x="15" y="380"/>
+                  </a:lnTo>
+                  <a:lnTo>
+                    <a:pt x="234" y="892"/>
+                  </a:lnTo>
+                  <a:lnTo>
+                    <a:pt x="219" y="898"/>
+                  </a:lnTo>
+                  <a:close/>
+                </a:path>
+              </a:pathLst>
+            </a:custGeom>
+            <a:grpFill/>
+            <a:ln>
+              <a:noFill/>
+            </a:ln>
+            <a:extLst>
+              <a:ext uri="{91240B29-F687-4f45-9708-019B960494DF}">
+                <a14:hiddenLine xmlns="" xmlns:a16="http://schemas.microsoft.com/office/drawing/2014/main" xmlns:p14="http://schemas.microsoft.com/office/powerpoint/2010/main" xmlns:a14="http://schemas.microsoft.com/office/drawing/2010/main" w="9525">
+                  <a:solidFill>
+                    <a:srgbClr val="000000"/>
+                  </a:solidFill>
+                  <a:round/>
+                  <a:headEnd/>
+                  <a:tailEnd/>
+                </a14:hiddenLine>
+              </a:ext>
+            </a:extLst>
+          </p:spPr>
+        </p:sp>
+        <p:sp>
+          <p:nvSpPr>
+            <p:cNvPr id="28" name="Freeform 14">
+              <a:extLst>
+                <a:ext uri="{FF2B5EF4-FFF2-40B4-BE49-F238E27FC236}">
+                  <a16:creationId xmlns:a16="http://schemas.microsoft.com/office/drawing/2014/main" id="{0A9B4CAA-8439-44B3-B738-2123169FAA43}"/>
+                </a:ext>
+                <a:ext uri="{C183D7F6-B498-43B3-948B-1728B52AA6E4}">
+                  <adec:decorative xmlns:adec="http://schemas.microsoft.com/office/drawing/2017/decorative" val="1"/>
+                </a:ext>
+              </a:extLst>
+            </p:cNvPr>
+            <p:cNvSpPr/>
+            <p:nvPr>
+              <p:extLst>
+                <p:ext uri="{386F3935-93C4-4BCD-93E2-E3B085C9AB24}">
+                  <p16:designElem xmlns:p16="http://schemas.microsoft.com/office/powerpoint/2015/main" val="1"/>
+                </p:ext>
+              </p:extLst>
+            </p:nvPr>
+          </p:nvSpPr>
+          <p:spPr bwMode="auto">
+            <a:xfrm>
+              <a:off x="1643063" y="0"/>
+              <a:ext cx="152400" cy="912813"/>
+            </a:xfrm>
+            <a:custGeom>
+              <a:avLst/>
+              <a:gdLst/>
+              <a:ahLst/>
+              <a:cxnLst/>
+              <a:rect l="0" t="0" r="r" b="b"/>
+              <a:pathLst>
+                <a:path w="96" h="575">
+                  <a:moveTo>
+                    <a:pt x="96" y="575"/>
+                  </a:moveTo>
+                  <a:lnTo>
+                    <a:pt x="78" y="575"/>
+                  </a:lnTo>
+                  <a:lnTo>
+                    <a:pt x="78" y="192"/>
+                  </a:lnTo>
+                  <a:lnTo>
+                    <a:pt x="0" y="6"/>
+                  </a:lnTo>
+                  <a:lnTo>
+                    <a:pt x="15" y="0"/>
+                  </a:lnTo>
+                  <a:lnTo>
+                    <a:pt x="96" y="189"/>
+                  </a:lnTo>
+                  <a:lnTo>
+                    <a:pt x="96" y="575"/>
+                  </a:lnTo>
+                  <a:close/>
+                </a:path>
+              </a:pathLst>
+            </a:custGeom>
+            <a:grpFill/>
+            <a:ln>
+              <a:noFill/>
+            </a:ln>
+            <a:extLst>
+              <a:ext uri="{91240B29-F687-4f45-9708-019B960494DF}">
+                <a14:hiddenLine xmlns="" xmlns:a16="http://schemas.microsoft.com/office/drawing/2014/main" xmlns:p14="http://schemas.microsoft.com/office/powerpoint/2010/main" xmlns:a14="http://schemas.microsoft.com/office/drawing/2010/main" w="9525">
+                  <a:solidFill>
+                    <a:srgbClr val="000000"/>
+                  </a:solidFill>
+                  <a:round/>
+                  <a:headEnd/>
+                  <a:tailEnd/>
+                </a14:hiddenLine>
+              </a:ext>
+            </a:extLst>
+          </p:spPr>
+        </p:sp>
+        <p:sp>
+          <p:nvSpPr>
+            <p:cNvPr id="29" name="Freeform 15">
+              <a:extLst>
+                <a:ext uri="{FF2B5EF4-FFF2-40B4-BE49-F238E27FC236}">
+                  <a16:creationId xmlns:a16="http://schemas.microsoft.com/office/drawing/2014/main" id="{8C6EF933-69B7-48C8-9337-4E0DEF6E7559}"/>
+                </a:ext>
+                <a:ext uri="{C183D7F6-B498-43B3-948B-1728B52AA6E4}">
+                  <adec:decorative xmlns:adec="http://schemas.microsoft.com/office/drawing/2017/decorative" val="1"/>
+                </a:ext>
+              </a:extLst>
+            </p:cNvPr>
+            <p:cNvSpPr>
+              <a:spLocks noEditPoints="1"/>
+            </p:cNvSpPr>
+            <p:nvPr>
+              <p:extLst>
+                <p:ext uri="{386F3935-93C4-4BCD-93E2-E3B085C9AB24}">
+                  <p16:designElem xmlns:p16="http://schemas.microsoft.com/office/powerpoint/2015/main" val="1"/>
+                </p:ext>
+              </p:extLst>
+            </p:nvPr>
+          </p:nvSpPr>
+          <p:spPr bwMode="auto">
+            <a:xfrm>
+              <a:off x="1685925" y="1420813"/>
+              <a:ext cx="190500" cy="190500"/>
+            </a:xfrm>
+            <a:custGeom>
+              <a:avLst/>
+              <a:gdLst/>
+              <a:ahLst/>
+              <a:cxnLst/>
+              <a:rect l="0" t="0" r="r" b="b"/>
+              <a:pathLst>
+                <a:path w="40" h="40">
+                  <a:moveTo>
+                    <a:pt x="20" y="40"/>
+                  </a:moveTo>
+                  <a:cubicBezTo>
+                    <a:pt x="9" y="40"/>
+                    <a:pt x="0" y="31"/>
+                    <a:pt x="0" y="20"/>
+                  </a:cubicBezTo>
+                  <a:cubicBezTo>
+                    <a:pt x="0" y="9"/>
+                    <a:pt x="9" y="0"/>
+                    <a:pt x="20" y="0"/>
+                  </a:cubicBezTo>
+                  <a:cubicBezTo>
+                    <a:pt x="31" y="0"/>
+                    <a:pt x="40" y="9"/>
+                    <a:pt x="40" y="20"/>
+                  </a:cubicBezTo>
+                  <a:cubicBezTo>
+                    <a:pt x="40" y="31"/>
+                    <a:pt x="31" y="40"/>
+                    <a:pt x="20" y="40"/>
+                  </a:cubicBezTo>
+                  <a:close/>
+                  <a:moveTo>
+                    <a:pt x="20" y="4"/>
+                  </a:moveTo>
+                  <a:cubicBezTo>
+                    <a:pt x="11" y="4"/>
+                    <a:pt x="4" y="11"/>
+                    <a:pt x="4" y="20"/>
+                  </a:cubicBezTo>
+                  <a:cubicBezTo>
+                    <a:pt x="4" y="29"/>
+                    <a:pt x="11" y="36"/>
+                    <a:pt x="20" y="36"/>
+                  </a:cubicBezTo>
+                  <a:cubicBezTo>
+                    <a:pt x="29" y="36"/>
+                    <a:pt x="36" y="29"/>
+                    <a:pt x="36" y="20"/>
+                  </a:cubicBezTo>
+                  <a:cubicBezTo>
+                    <a:pt x="36" y="11"/>
+                    <a:pt x="29" y="4"/>
+                    <a:pt x="20" y="4"/>
+                  </a:cubicBezTo>
+                  <a:close/>
+                </a:path>
+              </a:pathLst>
+            </a:custGeom>
+            <a:grpFill/>
+            <a:ln>
+              <a:noFill/>
+            </a:ln>
+            <a:extLst>
+              <a:ext uri="{91240B29-F687-4f45-9708-019B960494DF}">
+                <a14:hiddenLine xmlns="" xmlns:a16="http://schemas.microsoft.com/office/drawing/2014/main" xmlns:p14="http://schemas.microsoft.com/office/powerpoint/2010/main" xmlns:a14="http://schemas.microsoft.com/office/drawing/2010/main" w="9525">
+                  <a:solidFill>
+                    <a:srgbClr val="000000"/>
+                  </a:solidFill>
+                  <a:round/>
+                  <a:headEnd/>
+                  <a:tailEnd/>
+                </a14:hiddenLine>
+              </a:ext>
+            </a:extLst>
+          </p:spPr>
+        </p:sp>
+        <p:sp>
+          <p:nvSpPr>
+            <p:cNvPr id="30" name="Freeform 16">
+              <a:extLst>
+                <a:ext uri="{FF2B5EF4-FFF2-40B4-BE49-F238E27FC236}">
+                  <a16:creationId xmlns:a16="http://schemas.microsoft.com/office/drawing/2014/main" id="{B428AEFA-3C03-48AA-AEA5-8E3F58904C0F}"/>
+                </a:ext>
+                <a:ext uri="{C183D7F6-B498-43B3-948B-1728B52AA6E4}">
+                  <adec:decorative xmlns:adec="http://schemas.microsoft.com/office/drawing/2017/decorative" val="1"/>
+                </a:ext>
+              </a:extLst>
+            </p:cNvPr>
+            <p:cNvSpPr>
+              <a:spLocks noEditPoints="1"/>
+            </p:cNvSpPr>
+            <p:nvPr>
+              <p:extLst>
+                <p:ext uri="{386F3935-93C4-4BCD-93E2-E3B085C9AB24}">
+                  <p16:designElem xmlns:p16="http://schemas.microsoft.com/office/powerpoint/2015/main" val="1"/>
+                </p:ext>
+              </p:extLst>
+            </p:nvPr>
+          </p:nvSpPr>
+          <p:spPr bwMode="auto">
+            <a:xfrm>
+              <a:off x="1685925" y="903288"/>
+              <a:ext cx="190500" cy="190500"/>
+            </a:xfrm>
+            <a:custGeom>
+              <a:avLst/>
+              <a:gdLst/>
+              <a:ahLst/>
+              <a:cxnLst/>
+              <a:rect l="0" t="0" r="r" b="b"/>
+              <a:pathLst>
+                <a:path w="40" h="40">
+                  <a:moveTo>
+                    <a:pt x="20" y="40"/>
+                  </a:moveTo>
+                  <a:cubicBezTo>
+                    <a:pt x="9" y="40"/>
+                    <a:pt x="0" y="31"/>
+                    <a:pt x="0" y="20"/>
+                  </a:cubicBezTo>
+                  <a:cubicBezTo>
+                    <a:pt x="0" y="9"/>
+                    <a:pt x="9" y="0"/>
+                    <a:pt x="20" y="0"/>
+                  </a:cubicBezTo>
+                  <a:cubicBezTo>
+                    <a:pt x="31" y="0"/>
+                    <a:pt x="40" y="9"/>
+                    <a:pt x="40" y="20"/>
+                  </a:cubicBezTo>
+                  <a:cubicBezTo>
+                    <a:pt x="40" y="31"/>
+                    <a:pt x="31" y="40"/>
+                    <a:pt x="20" y="40"/>
+                  </a:cubicBezTo>
+                  <a:close/>
+                  <a:moveTo>
+                    <a:pt x="20" y="4"/>
+                  </a:moveTo>
+                  <a:cubicBezTo>
+                    <a:pt x="11" y="4"/>
+                    <a:pt x="4" y="11"/>
+                    <a:pt x="4" y="20"/>
+                  </a:cubicBezTo>
+                  <a:cubicBezTo>
+                    <a:pt x="4" y="29"/>
+                    <a:pt x="11" y="36"/>
+                    <a:pt x="20" y="36"/>
+                  </a:cubicBezTo>
+                  <a:cubicBezTo>
+                    <a:pt x="29" y="36"/>
+                    <a:pt x="36" y="29"/>
+                    <a:pt x="36" y="20"/>
+                  </a:cubicBezTo>
+                  <a:cubicBezTo>
+                    <a:pt x="36" y="11"/>
+                    <a:pt x="29" y="4"/>
+                    <a:pt x="20" y="4"/>
+                  </a:cubicBezTo>
+                  <a:close/>
+                </a:path>
+              </a:pathLst>
+            </a:custGeom>
+            <a:grpFill/>
+            <a:ln>
+              <a:noFill/>
+            </a:ln>
+            <a:extLst>
+              <a:ext uri="{91240B29-F687-4f45-9708-019B960494DF}">
+                <a14:hiddenLine xmlns="" xmlns:a16="http://schemas.microsoft.com/office/drawing/2014/main" xmlns:p14="http://schemas.microsoft.com/office/powerpoint/2010/main" xmlns:a14="http://schemas.microsoft.com/office/drawing/2010/main" w="9525">
+                  <a:solidFill>
+                    <a:srgbClr val="000000"/>
+                  </a:solidFill>
+                  <a:round/>
+                  <a:headEnd/>
+                  <a:tailEnd/>
+                </a14:hiddenLine>
+              </a:ext>
+            </a:extLst>
+          </p:spPr>
+        </p:sp>
+        <p:sp>
+          <p:nvSpPr>
+            <p:cNvPr id="31" name="Freeform 17">
+              <a:extLst>
+                <a:ext uri="{FF2B5EF4-FFF2-40B4-BE49-F238E27FC236}">
+                  <a16:creationId xmlns:a16="http://schemas.microsoft.com/office/drawing/2014/main" id="{041D2508-FE53-47C0-887F-38BD1FB73C86}"/>
+                </a:ext>
+                <a:ext uri="{C183D7F6-B498-43B3-948B-1728B52AA6E4}">
+                  <adec:decorative xmlns:adec="http://schemas.microsoft.com/office/drawing/2017/decorative" val="1"/>
+                </a:ext>
+              </a:extLst>
+            </p:cNvPr>
+            <p:cNvSpPr/>
+            <p:nvPr>
+              <p:extLst>
+                <p:ext uri="{386F3935-93C4-4BCD-93E2-E3B085C9AB24}">
+                  <p16:designElem xmlns:p16="http://schemas.microsoft.com/office/powerpoint/2015/main" val="1"/>
+                </p:ext>
+              </p:extLst>
+            </p:nvPr>
+          </p:nvSpPr>
+          <p:spPr bwMode="auto">
+            <a:xfrm>
+              <a:off x="1743075" y="4763"/>
+              <a:ext cx="419100" cy="522288"/>
+            </a:xfrm>
+            <a:custGeom>
+              <a:avLst/>
+              <a:gdLst/>
+              <a:ahLst/>
+              <a:cxnLst/>
+              <a:rect l="0" t="0" r="r" b="b"/>
+              <a:pathLst>
+                <a:path w="264" h="329">
+                  <a:moveTo>
+                    <a:pt x="252" y="329"/>
+                  </a:moveTo>
+                  <a:lnTo>
+                    <a:pt x="45" y="120"/>
+                  </a:lnTo>
+                  <a:lnTo>
+                    <a:pt x="0" y="6"/>
+                  </a:lnTo>
+                  <a:lnTo>
+                    <a:pt x="15" y="0"/>
+                  </a:lnTo>
+                  <a:lnTo>
+                    <a:pt x="60" y="111"/>
+                  </a:lnTo>
+                  <a:lnTo>
+                    <a:pt x="264" y="317"/>
+                  </a:lnTo>
+                  <a:lnTo>
+                    <a:pt x="252" y="329"/>
+                  </a:lnTo>
+                  <a:close/>
+                </a:path>
+              </a:pathLst>
+            </a:custGeom>
+            <a:grpFill/>
+            <a:ln>
+              <a:noFill/>
+            </a:ln>
+            <a:extLst>
+              <a:ext uri="{91240B29-F687-4f45-9708-019B960494DF}">
+                <a14:hiddenLine xmlns="" xmlns:a16="http://schemas.microsoft.com/office/drawing/2014/main" xmlns:p14="http://schemas.microsoft.com/office/powerpoint/2010/main" xmlns:a14="http://schemas.microsoft.com/office/drawing/2010/main" w="9525">
+                  <a:solidFill>
+                    <a:srgbClr val="000000"/>
+                  </a:solidFill>
+                  <a:round/>
+                  <a:headEnd/>
+                  <a:tailEnd/>
+                </a14:hiddenLine>
+              </a:ext>
+            </a:extLst>
+          </p:spPr>
+        </p:sp>
+        <p:sp>
+          <p:nvSpPr>
+            <p:cNvPr id="32" name="Freeform 18">
+              <a:extLst>
+                <a:ext uri="{FF2B5EF4-FFF2-40B4-BE49-F238E27FC236}">
+                  <a16:creationId xmlns:a16="http://schemas.microsoft.com/office/drawing/2014/main" id="{2C0392BD-D896-4A41-B18B-1389FE1F0004}"/>
+                </a:ext>
+                <a:ext uri="{C183D7F6-B498-43B3-948B-1728B52AA6E4}">
+                  <adec:decorative xmlns:adec="http://schemas.microsoft.com/office/drawing/2017/decorative" val="1"/>
+                </a:ext>
+              </a:extLst>
+            </p:cNvPr>
+            <p:cNvSpPr>
+              <a:spLocks noEditPoints="1"/>
+            </p:cNvSpPr>
+            <p:nvPr>
+              <p:extLst>
+                <p:ext uri="{386F3935-93C4-4BCD-93E2-E3B085C9AB24}">
+                  <p16:designElem xmlns:p16="http://schemas.microsoft.com/office/powerpoint/2015/main" val="1"/>
+                </p:ext>
+              </p:extLst>
+            </p:nvPr>
+          </p:nvSpPr>
+          <p:spPr bwMode="auto">
+            <a:xfrm>
+              <a:off x="2119313" y="488950"/>
+              <a:ext cx="161925" cy="147638"/>
+            </a:xfrm>
+            <a:custGeom>
+              <a:avLst/>
+              <a:gdLst/>
+              <a:ahLst/>
+              <a:cxnLst/>
+              <a:rect l="0" t="0" r="r" b="b"/>
+              <a:pathLst>
+                <a:path w="34" h="31">
+                  <a:moveTo>
+                    <a:pt x="17" y="31"/>
+                  </a:moveTo>
+                  <a:cubicBezTo>
+                    <a:pt x="13" y="31"/>
+                    <a:pt x="9" y="30"/>
+                    <a:pt x="6" y="27"/>
+                  </a:cubicBezTo>
+                  <a:cubicBezTo>
+                    <a:pt x="0" y="20"/>
+                    <a:pt x="0" y="10"/>
+                    <a:pt x="6" y="4"/>
+                  </a:cubicBezTo>
+                  <a:cubicBezTo>
+                    <a:pt x="9" y="1"/>
+                    <a:pt x="13" y="0"/>
+                    <a:pt x="17" y="0"/>
+                  </a:cubicBezTo>
+                  <a:cubicBezTo>
+                    <a:pt x="21" y="0"/>
+                    <a:pt x="25" y="1"/>
+                    <a:pt x="28" y="4"/>
+                  </a:cubicBezTo>
+                  <a:cubicBezTo>
+                    <a:pt x="34" y="10"/>
+                    <a:pt x="34" y="20"/>
+                    <a:pt x="28" y="27"/>
+                  </a:cubicBezTo>
+                  <a:cubicBezTo>
+                    <a:pt x="25" y="30"/>
+                    <a:pt x="21" y="31"/>
+                    <a:pt x="17" y="31"/>
+                  </a:cubicBezTo>
+                  <a:close/>
+                  <a:moveTo>
+                    <a:pt x="17" y="4"/>
+                  </a:moveTo>
+                  <a:cubicBezTo>
+                    <a:pt x="14" y="4"/>
+                    <a:pt x="11" y="5"/>
+                    <a:pt x="9" y="7"/>
+                  </a:cubicBezTo>
+                  <a:cubicBezTo>
+                    <a:pt x="4" y="12"/>
+                    <a:pt x="4" y="19"/>
+                    <a:pt x="9" y="24"/>
+                  </a:cubicBezTo>
+                  <a:cubicBezTo>
+                    <a:pt x="11" y="26"/>
+                    <a:pt x="14" y="27"/>
+                    <a:pt x="17" y="27"/>
+                  </a:cubicBezTo>
+                  <a:cubicBezTo>
+                    <a:pt x="20" y="27"/>
+                    <a:pt x="23" y="26"/>
+                    <a:pt x="25" y="24"/>
+                  </a:cubicBezTo>
+                  <a:cubicBezTo>
+                    <a:pt x="30" y="19"/>
+                    <a:pt x="30" y="12"/>
+                    <a:pt x="25" y="7"/>
+                  </a:cubicBezTo>
+                  <a:cubicBezTo>
+                    <a:pt x="23" y="5"/>
+                    <a:pt x="20" y="4"/>
+                    <a:pt x="17" y="4"/>
+                  </a:cubicBezTo>
+                  <a:close/>
+                </a:path>
+              </a:pathLst>
+            </a:custGeom>
+            <a:grpFill/>
+            <a:ln>
+              <a:noFill/>
+            </a:ln>
+            <a:extLst>
+              <a:ext uri="{91240B29-F687-4f45-9708-019B960494DF}">
+                <a14:hiddenLine xmlns="" xmlns:a16="http://schemas.microsoft.com/office/drawing/2014/main" xmlns:p14="http://schemas.microsoft.com/office/powerpoint/2010/main" xmlns:a14="http://schemas.microsoft.com/office/drawing/2010/main" w="9525">
+                  <a:solidFill>
+                    <a:srgbClr val="000000"/>
+                  </a:solidFill>
+                  <a:round/>
+                  <a:headEnd/>
+                  <a:tailEnd/>
+                </a14:hiddenLine>
+              </a:ext>
+            </a:extLst>
+          </p:spPr>
+        </p:sp>
+        <p:sp>
+          <p:nvSpPr>
+            <p:cNvPr id="33" name="Freeform 19">
+              <a:extLst>
+                <a:ext uri="{FF2B5EF4-FFF2-40B4-BE49-F238E27FC236}">
+                  <a16:creationId xmlns:a16="http://schemas.microsoft.com/office/drawing/2014/main" id="{B3272EA3-C600-441C-BFC9-ACFF90CD4521}"/>
+                </a:ext>
+                <a:ext uri="{C183D7F6-B498-43B3-948B-1728B52AA6E4}">
+                  <adec:decorative xmlns:adec="http://schemas.microsoft.com/office/drawing/2017/decorative" val="1"/>
+                </a:ext>
+              </a:extLst>
+            </p:cNvPr>
+            <p:cNvSpPr/>
+            <p:nvPr>
+              <p:extLst>
+                <p:ext uri="{386F3935-93C4-4BCD-93E2-E3B085C9AB24}">
+                  <p16:designElem xmlns:p16="http://schemas.microsoft.com/office/powerpoint/2015/main" val="1"/>
+                </p:ext>
+              </p:extLst>
+            </p:nvPr>
+          </p:nvSpPr>
+          <p:spPr bwMode="auto">
+            <a:xfrm>
+              <a:off x="952500" y="4763"/>
+              <a:ext cx="152400" cy="908050"/>
+            </a:xfrm>
+            <a:custGeom>
+              <a:avLst/>
+              <a:gdLst/>
+              <a:ahLst/>
+              <a:cxnLst/>
+              <a:rect l="0" t="0" r="r" b="b"/>
+              <a:pathLst>
+                <a:path w="96" h="572">
+                  <a:moveTo>
+                    <a:pt x="15" y="572"/>
+                  </a:moveTo>
+                  <a:lnTo>
+                    <a:pt x="0" y="572"/>
+                  </a:lnTo>
+                  <a:lnTo>
+                    <a:pt x="0" y="189"/>
+                  </a:lnTo>
+                  <a:lnTo>
+                    <a:pt x="81" y="0"/>
+                  </a:lnTo>
+                  <a:lnTo>
+                    <a:pt x="96" y="6"/>
+                  </a:lnTo>
+                  <a:lnTo>
+                    <a:pt x="15" y="192"/>
+                  </a:lnTo>
+                  <a:lnTo>
+                    <a:pt x="15" y="572"/>
+                  </a:lnTo>
+                  <a:close/>
+                </a:path>
+              </a:pathLst>
+            </a:custGeom>
+            <a:grpFill/>
+            <a:ln>
+              <a:noFill/>
+            </a:ln>
+            <a:extLst>
+              <a:ext uri="{91240B29-F687-4f45-9708-019B960494DF}">
+                <a14:hiddenLine xmlns="" xmlns:a16="http://schemas.microsoft.com/office/drawing/2014/main" xmlns:p14="http://schemas.microsoft.com/office/powerpoint/2010/main" xmlns:a14="http://schemas.microsoft.com/office/drawing/2010/main" w="9525">
+                  <a:solidFill>
+                    <a:srgbClr val="000000"/>
+                  </a:solidFill>
+                  <a:round/>
+                  <a:headEnd/>
+                  <a:tailEnd/>
+                </a14:hiddenLine>
+              </a:ext>
+            </a:extLst>
+          </p:spPr>
+        </p:sp>
+        <p:sp>
+          <p:nvSpPr>
+            <p:cNvPr id="34" name="Freeform 20">
+              <a:extLst>
+                <a:ext uri="{FF2B5EF4-FFF2-40B4-BE49-F238E27FC236}">
+                  <a16:creationId xmlns:a16="http://schemas.microsoft.com/office/drawing/2014/main" id="{D8731AA3-BC2D-408B-9D72-C804B8B9EDD0}"/>
+                </a:ext>
+                <a:ext uri="{C183D7F6-B498-43B3-948B-1728B52AA6E4}">
+                  <adec:decorative xmlns:adec="http://schemas.microsoft.com/office/drawing/2017/decorative" val="1"/>
+                </a:ext>
+              </a:extLst>
+            </p:cNvPr>
+            <p:cNvSpPr>
+              <a:spLocks noEditPoints="1"/>
+            </p:cNvSpPr>
+            <p:nvPr>
+              <p:extLst>
+                <p:ext uri="{386F3935-93C4-4BCD-93E2-E3B085C9AB24}">
+                  <p16:designElem xmlns:p16="http://schemas.microsoft.com/office/powerpoint/2015/main" val="1"/>
+                </p:ext>
+              </p:extLst>
+            </p:nvPr>
+          </p:nvSpPr>
+          <p:spPr bwMode="auto">
+            <a:xfrm>
+              <a:off x="866775" y="903288"/>
+              <a:ext cx="190500" cy="190500"/>
+            </a:xfrm>
+            <a:custGeom>
+              <a:avLst/>
+              <a:gdLst/>
+              <a:ahLst/>
+              <a:cxnLst/>
+              <a:rect l="0" t="0" r="r" b="b"/>
+              <a:pathLst>
+                <a:path w="40" h="40">
+                  <a:moveTo>
+                    <a:pt x="20" y="40"/>
+                  </a:moveTo>
+                  <a:cubicBezTo>
+                    <a:pt x="9" y="40"/>
+                    <a:pt x="0" y="31"/>
+                    <a:pt x="0" y="20"/>
+                  </a:cubicBezTo>
+                  <a:cubicBezTo>
+                    <a:pt x="0" y="9"/>
+                    <a:pt x="9" y="0"/>
+                    <a:pt x="20" y="0"/>
+                  </a:cubicBezTo>
+                  <a:cubicBezTo>
+                    <a:pt x="31" y="0"/>
+                    <a:pt x="40" y="9"/>
+                    <a:pt x="40" y="20"/>
+                  </a:cubicBezTo>
+                  <a:cubicBezTo>
+                    <a:pt x="40" y="31"/>
+                    <a:pt x="31" y="40"/>
+                    <a:pt x="20" y="40"/>
+                  </a:cubicBezTo>
+                  <a:close/>
+                  <a:moveTo>
+                    <a:pt x="20" y="4"/>
+                  </a:moveTo>
+                  <a:cubicBezTo>
+                    <a:pt x="11" y="4"/>
+                    <a:pt x="4" y="12"/>
+                    <a:pt x="4" y="20"/>
+                  </a:cubicBezTo>
+                  <a:cubicBezTo>
+                    <a:pt x="4" y="29"/>
+                    <a:pt x="11" y="36"/>
+                    <a:pt x="20" y="36"/>
+                  </a:cubicBezTo>
+                  <a:cubicBezTo>
+                    <a:pt x="29" y="36"/>
+                    <a:pt x="36" y="29"/>
+                    <a:pt x="36" y="20"/>
+                  </a:cubicBezTo>
+                  <a:cubicBezTo>
+                    <a:pt x="36" y="12"/>
+                    <a:pt x="29" y="4"/>
+                    <a:pt x="20" y="4"/>
+                  </a:cubicBezTo>
+                  <a:close/>
+                </a:path>
+              </a:pathLst>
+            </a:custGeom>
+            <a:grpFill/>
+            <a:ln>
+              <a:noFill/>
+            </a:ln>
+            <a:extLst>
+              <a:ext uri="{91240B29-F687-4f45-9708-019B960494DF}">
+                <a14:hiddenLine xmlns="" xmlns:a16="http://schemas.microsoft.com/office/drawing/2014/main" xmlns:p14="http://schemas.microsoft.com/office/powerpoint/2010/main" xmlns:a14="http://schemas.microsoft.com/office/drawing/2010/main" w="9525">
+                  <a:solidFill>
+                    <a:srgbClr val="000000"/>
+                  </a:solidFill>
+                  <a:round/>
+                  <a:headEnd/>
+                  <a:tailEnd/>
+                </a14:hiddenLine>
+              </a:ext>
+            </a:extLst>
+          </p:spPr>
+        </p:sp>
+        <p:sp>
+          <p:nvSpPr>
+            <p:cNvPr id="35" name="Freeform 21">
+              <a:extLst>
+                <a:ext uri="{FF2B5EF4-FFF2-40B4-BE49-F238E27FC236}">
+                  <a16:creationId xmlns:a16="http://schemas.microsoft.com/office/drawing/2014/main" id="{BE934A31-790A-459C-A997-670583ADCC5F}"/>
+                </a:ext>
+                <a:ext uri="{C183D7F6-B498-43B3-948B-1728B52AA6E4}">
+                  <adec:decorative xmlns:adec="http://schemas.microsoft.com/office/drawing/2017/decorative" val="1"/>
+                </a:ext>
+              </a:extLst>
+            </p:cNvPr>
+            <p:cNvSpPr>
+              <a:spLocks noEditPoints="1"/>
+            </p:cNvSpPr>
+            <p:nvPr>
+              <p:extLst>
+                <p:ext uri="{386F3935-93C4-4BCD-93E2-E3B085C9AB24}">
+                  <p16:designElem xmlns:p16="http://schemas.microsoft.com/office/powerpoint/2015/main" val="1"/>
+                </p:ext>
+              </p:extLst>
+            </p:nvPr>
+          </p:nvSpPr>
+          <p:spPr bwMode="auto">
+            <a:xfrm>
+              <a:off x="890588" y="1554163"/>
+              <a:ext cx="190500" cy="190500"/>
+            </a:xfrm>
+            <a:custGeom>
+              <a:avLst/>
+              <a:gdLst/>
+              <a:ahLst/>
+              <a:cxnLst/>
+              <a:rect l="0" t="0" r="r" b="b"/>
+              <a:pathLst>
+                <a:path w="40" h="40">
+                  <a:moveTo>
+                    <a:pt x="20" y="40"/>
+                  </a:moveTo>
+                  <a:cubicBezTo>
+                    <a:pt x="9" y="40"/>
+                    <a:pt x="0" y="31"/>
+                    <a:pt x="0" y="20"/>
+                  </a:cubicBezTo>
+                  <a:cubicBezTo>
+                    <a:pt x="0" y="9"/>
+                    <a:pt x="9" y="0"/>
+                    <a:pt x="20" y="0"/>
+                  </a:cubicBezTo>
+                  <a:cubicBezTo>
+                    <a:pt x="31" y="0"/>
+                    <a:pt x="40" y="9"/>
+                    <a:pt x="40" y="20"/>
+                  </a:cubicBezTo>
+                  <a:cubicBezTo>
+                    <a:pt x="40" y="31"/>
+                    <a:pt x="31" y="40"/>
+                    <a:pt x="20" y="40"/>
+                  </a:cubicBezTo>
+                  <a:close/>
+                  <a:moveTo>
+                    <a:pt x="20" y="4"/>
+                  </a:moveTo>
+                  <a:cubicBezTo>
+                    <a:pt x="11" y="4"/>
+                    <a:pt x="4" y="11"/>
+                    <a:pt x="4" y="20"/>
+                  </a:cubicBezTo>
+                  <a:cubicBezTo>
+                    <a:pt x="4" y="28"/>
+                    <a:pt x="11" y="36"/>
+                    <a:pt x="20" y="36"/>
+                  </a:cubicBezTo>
+                  <a:cubicBezTo>
+                    <a:pt x="29" y="36"/>
+                    <a:pt x="36" y="28"/>
+                    <a:pt x="36" y="20"/>
+                  </a:cubicBezTo>
+                  <a:cubicBezTo>
+                    <a:pt x="36" y="11"/>
+                    <a:pt x="29" y="4"/>
+                    <a:pt x="20" y="4"/>
+                  </a:cubicBezTo>
+                  <a:close/>
+                </a:path>
+              </a:pathLst>
+            </a:custGeom>
+            <a:grpFill/>
+            <a:ln>
+              <a:noFill/>
+            </a:ln>
+            <a:extLst>
+              <a:ext uri="{91240B29-F687-4f45-9708-019B960494DF}">
+                <a14:hiddenLine xmlns="" xmlns:a16="http://schemas.microsoft.com/office/drawing/2014/main" xmlns:p14="http://schemas.microsoft.com/office/powerpoint/2010/main" xmlns:a14="http://schemas.microsoft.com/office/drawing/2010/main" w="9525">
+                  <a:solidFill>
+                    <a:srgbClr val="000000"/>
+                  </a:solidFill>
+                  <a:round/>
+                  <a:headEnd/>
+                  <a:tailEnd/>
+                </a14:hiddenLine>
+              </a:ext>
+            </a:extLst>
+          </p:spPr>
+        </p:sp>
+        <p:sp>
+          <p:nvSpPr>
+            <p:cNvPr id="36" name="Freeform 22">
+              <a:extLst>
+                <a:ext uri="{FF2B5EF4-FFF2-40B4-BE49-F238E27FC236}">
+                  <a16:creationId xmlns:a16="http://schemas.microsoft.com/office/drawing/2014/main" id="{241F679B-BBF0-49DA-A9F3-D623BA7523E3}"/>
+                </a:ext>
+                <a:ext uri="{C183D7F6-B498-43B3-948B-1728B52AA6E4}">
+                  <adec:decorative xmlns:adec="http://schemas.microsoft.com/office/drawing/2017/decorative" val="1"/>
+                </a:ext>
+              </a:extLst>
+            </p:cNvPr>
+            <p:cNvSpPr/>
+            <p:nvPr>
+              <p:extLst>
+                <p:ext uri="{386F3935-93C4-4BCD-93E2-E3B085C9AB24}">
+                  <p16:designElem xmlns:p16="http://schemas.microsoft.com/office/powerpoint/2015/main" val="1"/>
+                </p:ext>
+              </p:extLst>
+            </p:nvPr>
+          </p:nvSpPr>
+          <p:spPr bwMode="auto">
+            <a:xfrm>
+              <a:off x="738188" y="5622925"/>
+              <a:ext cx="338138" cy="1216025"/>
+            </a:xfrm>
+            <a:custGeom>
+              <a:avLst/>
+              <a:gdLst/>
+              <a:ahLst/>
+              <a:cxnLst/>
+              <a:rect l="0" t="0" r="r" b="b"/>
+              <a:pathLst>
+                <a:path w="213" h="766">
+                  <a:moveTo>
+                    <a:pt x="213" y="766"/>
+                  </a:moveTo>
+                  <a:lnTo>
+                    <a:pt x="195" y="766"/>
+                  </a:lnTo>
+                  <a:lnTo>
+                    <a:pt x="195" y="464"/>
+                  </a:lnTo>
+                  <a:lnTo>
+                    <a:pt x="0" y="6"/>
+                  </a:lnTo>
+                  <a:lnTo>
+                    <a:pt x="12" y="0"/>
+                  </a:lnTo>
+                  <a:lnTo>
+                    <a:pt x="213" y="461"/>
+                  </a:lnTo>
+                  <a:lnTo>
+                    <a:pt x="213" y="766"/>
+                  </a:lnTo>
+                  <a:close/>
+                </a:path>
+              </a:pathLst>
+            </a:custGeom>
+            <a:grpFill/>
+            <a:ln>
+              <a:noFill/>
+            </a:ln>
+            <a:extLst>
+              <a:ext uri="{91240B29-F687-4f45-9708-019B960494DF}">
+                <a14:hiddenLine xmlns="" xmlns:a16="http://schemas.microsoft.com/office/drawing/2014/main" xmlns:p14="http://schemas.microsoft.com/office/powerpoint/2010/main" xmlns:a14="http://schemas.microsoft.com/office/drawing/2010/main" w="9525">
+                  <a:solidFill>
+                    <a:srgbClr val="000000"/>
+                  </a:solidFill>
+                  <a:round/>
+                  <a:headEnd/>
+                  <a:tailEnd/>
+                </a14:hiddenLine>
+              </a:ext>
+            </a:extLst>
+          </p:spPr>
+        </p:sp>
+        <p:sp>
+          <p:nvSpPr>
+            <p:cNvPr id="37" name="Freeform 23">
+              <a:extLst>
+                <a:ext uri="{FF2B5EF4-FFF2-40B4-BE49-F238E27FC236}">
+                  <a16:creationId xmlns:a16="http://schemas.microsoft.com/office/drawing/2014/main" id="{0BDC4BE0-E1FF-48B5-A064-70F561454E97}"/>
+                </a:ext>
+                <a:ext uri="{C183D7F6-B498-43B3-948B-1728B52AA6E4}">
+                  <adec:decorative xmlns:adec="http://schemas.microsoft.com/office/drawing/2017/decorative" val="1"/>
+                </a:ext>
+              </a:extLst>
+            </p:cNvPr>
+            <p:cNvSpPr>
+              <a:spLocks noEditPoints="1"/>
+            </p:cNvSpPr>
+            <p:nvPr>
+              <p:extLst>
+                <p:ext uri="{386F3935-93C4-4BCD-93E2-E3B085C9AB24}">
+                  <p16:designElem xmlns:p16="http://schemas.microsoft.com/office/powerpoint/2015/main" val="1"/>
+                </p:ext>
+              </p:extLst>
+            </p:nvPr>
+          </p:nvSpPr>
+          <p:spPr bwMode="auto">
+            <a:xfrm>
+              <a:off x="647700" y="5480050"/>
+              <a:ext cx="157163" cy="157163"/>
+            </a:xfrm>
+            <a:custGeom>
+              <a:avLst/>
+              <a:gdLst/>
+              <a:ahLst/>
+              <a:cxnLst/>
+              <a:rect l="0" t="0" r="r" b="b"/>
+              <a:pathLst>
+                <a:path w="33" h="33">
+                  <a:moveTo>
+                    <a:pt x="17" y="33"/>
+                  </a:moveTo>
+                  <a:cubicBezTo>
+                    <a:pt x="8" y="33"/>
+                    <a:pt x="0" y="26"/>
+                    <a:pt x="0" y="17"/>
+                  </a:cubicBezTo>
+                  <a:cubicBezTo>
+                    <a:pt x="0" y="8"/>
+                    <a:pt x="8" y="0"/>
+                    <a:pt x="17" y="0"/>
+                  </a:cubicBezTo>
+                  <a:cubicBezTo>
+                    <a:pt x="26" y="0"/>
+                    <a:pt x="33" y="8"/>
+                    <a:pt x="33" y="17"/>
+                  </a:cubicBezTo>
+                  <a:cubicBezTo>
+                    <a:pt x="33" y="26"/>
+                    <a:pt x="26" y="33"/>
+                    <a:pt x="17" y="33"/>
+                  </a:cubicBezTo>
+                  <a:close/>
+                  <a:moveTo>
+                    <a:pt x="17" y="4"/>
+                  </a:moveTo>
+                  <a:cubicBezTo>
+                    <a:pt x="10" y="4"/>
+                    <a:pt x="4" y="10"/>
+                    <a:pt x="4" y="17"/>
+                  </a:cubicBezTo>
+                  <a:cubicBezTo>
+                    <a:pt x="4" y="24"/>
+                    <a:pt x="10" y="29"/>
+                    <a:pt x="17" y="29"/>
+                  </a:cubicBezTo>
+                  <a:cubicBezTo>
+                    <a:pt x="23" y="29"/>
+                    <a:pt x="29" y="24"/>
+                    <a:pt x="29" y="17"/>
+                  </a:cubicBezTo>
+                  <a:cubicBezTo>
+                    <a:pt x="29" y="10"/>
+                    <a:pt x="23" y="4"/>
+                    <a:pt x="17" y="4"/>
+                  </a:cubicBezTo>
+                  <a:close/>
+                </a:path>
+              </a:pathLst>
+            </a:custGeom>
+            <a:grpFill/>
+            <a:ln>
+              <a:noFill/>
+            </a:ln>
+            <a:extLst>
+              <a:ext uri="{91240B29-F687-4f45-9708-019B960494DF}">
+                <a14:hiddenLine xmlns="" xmlns:a16="http://schemas.microsoft.com/office/drawing/2014/main" xmlns:p14="http://schemas.microsoft.com/office/powerpoint/2010/main" xmlns:a14="http://schemas.microsoft.com/office/drawing/2010/main" w="9525">
+                  <a:solidFill>
+                    <a:srgbClr val="000000"/>
+                  </a:solidFill>
+                  <a:round/>
+                  <a:headEnd/>
+                  <a:tailEnd/>
+                </a14:hiddenLine>
+              </a:ext>
+            </a:extLst>
+          </p:spPr>
+        </p:sp>
+        <p:sp>
+          <p:nvSpPr>
+            <p:cNvPr id="38" name="Freeform 24">
+              <a:extLst>
+                <a:ext uri="{FF2B5EF4-FFF2-40B4-BE49-F238E27FC236}">
+                  <a16:creationId xmlns:a16="http://schemas.microsoft.com/office/drawing/2014/main" id="{245FC7BA-96DB-41CB-B43A-8EEE482C3176}"/>
+                </a:ext>
+                <a:ext uri="{C183D7F6-B498-43B3-948B-1728B52AA6E4}">
+                  <adec:decorative xmlns:adec="http://schemas.microsoft.com/office/drawing/2017/decorative" val="1"/>
+                </a:ext>
+              </a:extLst>
+            </p:cNvPr>
+            <p:cNvSpPr>
+              <a:spLocks noEditPoints="1"/>
+            </p:cNvSpPr>
+            <p:nvPr>
+              <p:extLst>
+                <p:ext uri="{386F3935-93C4-4BCD-93E2-E3B085C9AB24}">
+                  <p16:designElem xmlns:p16="http://schemas.microsoft.com/office/powerpoint/2015/main" val="1"/>
+                </p:ext>
+              </p:extLst>
+            </p:nvPr>
+          </p:nvSpPr>
+          <p:spPr bwMode="auto">
+            <a:xfrm>
+              <a:off x="66675" y="903288"/>
+              <a:ext cx="190500" cy="190500"/>
+            </a:xfrm>
+            <a:custGeom>
+              <a:avLst/>
+              <a:gdLst/>
+              <a:ahLst/>
+              <a:cxnLst/>
+              <a:rect l="0" t="0" r="r" b="b"/>
+              <a:pathLst>
+                <a:path w="40" h="40">
+                  <a:moveTo>
+                    <a:pt x="20" y="40"/>
+                  </a:moveTo>
+                  <a:cubicBezTo>
+                    <a:pt x="9" y="40"/>
+                    <a:pt x="0" y="31"/>
+                    <a:pt x="0" y="20"/>
+                  </a:cubicBezTo>
+                  <a:cubicBezTo>
+                    <a:pt x="0" y="9"/>
+                    <a:pt x="9" y="0"/>
+                    <a:pt x="20" y="0"/>
+                  </a:cubicBezTo>
+                  <a:cubicBezTo>
+                    <a:pt x="32" y="0"/>
+                    <a:pt x="40" y="9"/>
+                    <a:pt x="40" y="20"/>
+                  </a:cubicBezTo>
+                  <a:cubicBezTo>
+                    <a:pt x="40" y="31"/>
+                    <a:pt x="32" y="40"/>
+                    <a:pt x="20" y="40"/>
+                  </a:cubicBezTo>
+                  <a:close/>
+                  <a:moveTo>
+                    <a:pt x="20" y="4"/>
+                  </a:moveTo>
+                  <a:cubicBezTo>
+                    <a:pt x="12" y="4"/>
+                    <a:pt x="4" y="12"/>
+                    <a:pt x="4" y="20"/>
+                  </a:cubicBezTo>
+                  <a:cubicBezTo>
+                    <a:pt x="4" y="29"/>
+                    <a:pt x="12" y="36"/>
+                    <a:pt x="20" y="36"/>
+                  </a:cubicBezTo>
+                  <a:cubicBezTo>
+                    <a:pt x="29" y="36"/>
+                    <a:pt x="36" y="29"/>
+                    <a:pt x="36" y="20"/>
+                  </a:cubicBezTo>
+                  <a:cubicBezTo>
+                    <a:pt x="36" y="12"/>
+                    <a:pt x="29" y="4"/>
+                    <a:pt x="20" y="4"/>
+                  </a:cubicBezTo>
+                  <a:close/>
+                </a:path>
+              </a:pathLst>
+            </a:custGeom>
+            <a:grpFill/>
+            <a:ln>
+              <a:noFill/>
+            </a:ln>
+            <a:extLst>
+              <a:ext uri="{91240B29-F687-4f45-9708-019B960494DF}">
+                <a14:hiddenLine xmlns="" xmlns:a16="http://schemas.microsoft.com/office/drawing/2014/main" xmlns:p14="http://schemas.microsoft.com/office/powerpoint/2010/main" xmlns:a14="http://schemas.microsoft.com/office/drawing/2010/main" w="9525">
+                  <a:solidFill>
+                    <a:srgbClr val="000000"/>
+                  </a:solidFill>
+                  <a:round/>
+                  <a:headEnd/>
+                  <a:tailEnd/>
+                </a14:hiddenLine>
+              </a:ext>
+            </a:extLst>
+          </p:spPr>
+        </p:sp>
+        <p:sp>
+          <p:nvSpPr>
+            <p:cNvPr id="39" name="Freeform 25">
+              <a:extLst>
+                <a:ext uri="{FF2B5EF4-FFF2-40B4-BE49-F238E27FC236}">
+                  <a16:creationId xmlns:a16="http://schemas.microsoft.com/office/drawing/2014/main" id="{3BBD03A9-646B-40EE-9A27-15297EC93641}"/>
+                </a:ext>
+                <a:ext uri="{C183D7F6-B498-43B3-948B-1728B52AA6E4}">
+                  <adec:decorative xmlns:adec="http://schemas.microsoft.com/office/drawing/2017/decorative" val="1"/>
+                </a:ext>
+              </a:extLst>
+            </p:cNvPr>
+            <p:cNvSpPr/>
+            <p:nvPr>
+              <p:extLst>
+                <p:ext uri="{386F3935-93C4-4BCD-93E2-E3B085C9AB24}">
+                  <p16:designElem xmlns:p16="http://schemas.microsoft.com/office/powerpoint/2015/main" val="1"/>
+                </p:ext>
+              </p:extLst>
+            </p:nvPr>
+          </p:nvSpPr>
+          <p:spPr bwMode="auto">
+            <a:xfrm>
+              <a:off x="0" y="3897313"/>
+              <a:ext cx="133350" cy="266700"/>
+            </a:xfrm>
+            <a:custGeom>
+              <a:avLst/>
+              <a:gdLst/>
+              <a:ahLst/>
+              <a:cxnLst/>
+              <a:rect l="0" t="0" r="r" b="b"/>
+              <a:pathLst>
+                <a:path w="84" h="168">
+                  <a:moveTo>
+                    <a:pt x="69" y="168"/>
+                  </a:moveTo>
+                  <a:lnTo>
+                    <a:pt x="0" y="6"/>
+                  </a:lnTo>
+                  <a:lnTo>
+                    <a:pt x="12" y="0"/>
+                  </a:lnTo>
+                  <a:lnTo>
+                    <a:pt x="84" y="162"/>
+                  </a:lnTo>
+                  <a:lnTo>
+                    <a:pt x="69" y="168"/>
+                  </a:lnTo>
+                  <a:close/>
+                </a:path>
+              </a:pathLst>
+            </a:custGeom>
+            <a:grpFill/>
+            <a:ln>
+              <a:noFill/>
+            </a:ln>
+            <a:extLst>
+              <a:ext uri="{91240B29-F687-4f45-9708-019B960494DF}">
+                <a14:hiddenLine xmlns="" xmlns:a16="http://schemas.microsoft.com/office/drawing/2014/main" xmlns:p14="http://schemas.microsoft.com/office/powerpoint/2010/main" xmlns:a14="http://schemas.microsoft.com/office/drawing/2010/main" w="9525">
+                  <a:solidFill>
+                    <a:srgbClr val="000000"/>
+                  </a:solidFill>
+                  <a:round/>
+                  <a:headEnd/>
+                  <a:tailEnd/>
+                </a14:hiddenLine>
+              </a:ext>
+            </a:extLst>
+          </p:spPr>
+        </p:sp>
+        <p:sp>
+          <p:nvSpPr>
+            <p:cNvPr id="40" name="Freeform 26">
+              <a:extLst>
+                <a:ext uri="{FF2B5EF4-FFF2-40B4-BE49-F238E27FC236}">
+                  <a16:creationId xmlns:a16="http://schemas.microsoft.com/office/drawing/2014/main" id="{4D738FC2-47B4-4BC9-B109-05C56DC00D5F}"/>
+                </a:ext>
+                <a:ext uri="{C183D7F6-B498-43B3-948B-1728B52AA6E4}">
+                  <adec:decorative xmlns:adec="http://schemas.microsoft.com/office/drawing/2017/decorative" val="1"/>
+                </a:ext>
+              </a:extLst>
+            </p:cNvPr>
+            <p:cNvSpPr>
+              <a:spLocks noEditPoints="1"/>
+            </p:cNvSpPr>
+            <p:nvPr>
+              <p:extLst>
+                <p:ext uri="{386F3935-93C4-4BCD-93E2-E3B085C9AB24}">
+                  <p16:designElem xmlns:p16="http://schemas.microsoft.com/office/powerpoint/2015/main" val="1"/>
+                </p:ext>
+              </p:extLst>
+            </p:nvPr>
+          </p:nvSpPr>
+          <p:spPr bwMode="auto">
+            <a:xfrm>
+              <a:off x="66675" y="4149725"/>
+              <a:ext cx="190500" cy="188913"/>
+            </a:xfrm>
+            <a:custGeom>
+              <a:avLst/>
+              <a:gdLst/>
+              <a:ahLst/>
+              <a:cxnLst/>
+              <a:rect l="0" t="0" r="r" b="b"/>
+              <a:pathLst>
+                <a:path w="40" h="40">
+                  <a:moveTo>
+                    <a:pt x="20" y="40"/>
+                  </a:moveTo>
+                  <a:cubicBezTo>
+                    <a:pt x="9" y="40"/>
+                    <a:pt x="0" y="31"/>
+                    <a:pt x="0" y="20"/>
+                  </a:cubicBezTo>
+                  <a:cubicBezTo>
+                    <a:pt x="0" y="9"/>
+                    <a:pt x="9" y="0"/>
+                    <a:pt x="20" y="0"/>
+                  </a:cubicBezTo>
+                  <a:cubicBezTo>
+                    <a:pt x="31" y="0"/>
+                    <a:pt x="40" y="9"/>
+                    <a:pt x="40" y="20"/>
+                  </a:cubicBezTo>
+                  <a:cubicBezTo>
+                    <a:pt x="40" y="31"/>
+                    <a:pt x="31" y="40"/>
+                    <a:pt x="20" y="40"/>
+                  </a:cubicBezTo>
+                  <a:close/>
+                  <a:moveTo>
+                    <a:pt x="20" y="4"/>
+                  </a:moveTo>
+                  <a:cubicBezTo>
+                    <a:pt x="11" y="4"/>
+                    <a:pt x="4" y="11"/>
+                    <a:pt x="4" y="20"/>
+                  </a:cubicBezTo>
+                  <a:cubicBezTo>
+                    <a:pt x="4" y="28"/>
+                    <a:pt x="11" y="36"/>
+                    <a:pt x="20" y="36"/>
+                  </a:cubicBezTo>
+                  <a:cubicBezTo>
+                    <a:pt x="29" y="36"/>
+                    <a:pt x="36" y="28"/>
+                    <a:pt x="36" y="20"/>
+                  </a:cubicBezTo>
+                  <a:cubicBezTo>
+                    <a:pt x="36" y="11"/>
+                    <a:pt x="29" y="4"/>
+                    <a:pt x="20" y="4"/>
+                  </a:cubicBezTo>
+                  <a:close/>
+                </a:path>
+              </a:pathLst>
+            </a:custGeom>
+            <a:grpFill/>
+            <a:ln>
+              <a:noFill/>
+            </a:ln>
+            <a:extLst>
+              <a:ext uri="{91240B29-F687-4f45-9708-019B960494DF}">
+                <a14:hiddenLine xmlns="" xmlns:a16="http://schemas.microsoft.com/office/drawing/2014/main" xmlns:p14="http://schemas.microsoft.com/office/powerpoint/2010/main" xmlns:a14="http://schemas.microsoft.com/office/drawing/2010/main" w="9525">
+                  <a:solidFill>
+                    <a:srgbClr val="000000"/>
+                  </a:solidFill>
+                  <a:round/>
+                  <a:headEnd/>
+                  <a:tailEnd/>
+                </a14:hiddenLine>
+              </a:ext>
+            </a:extLst>
+          </p:spPr>
+        </p:sp>
+        <p:sp>
+          <p:nvSpPr>
+            <p:cNvPr id="41" name="Freeform 27">
+              <a:extLst>
+                <a:ext uri="{FF2B5EF4-FFF2-40B4-BE49-F238E27FC236}">
+                  <a16:creationId xmlns:a16="http://schemas.microsoft.com/office/drawing/2014/main" id="{148BE0A7-2537-452C-BA13-B78D302CBFF1}"/>
+                </a:ext>
+                <a:ext uri="{C183D7F6-B498-43B3-948B-1728B52AA6E4}">
+                  <adec:decorative xmlns:adec="http://schemas.microsoft.com/office/drawing/2017/decorative" val="1"/>
+                </a:ext>
+              </a:extLst>
+            </p:cNvPr>
+            <p:cNvSpPr/>
+            <p:nvPr>
+              <p:extLst>
+                <p:ext uri="{386F3935-93C4-4BCD-93E2-E3B085C9AB24}">
+                  <p16:designElem xmlns:p16="http://schemas.microsoft.com/office/powerpoint/2015/main" val="1"/>
+                </p:ext>
+              </p:extLst>
+            </p:nvPr>
+          </p:nvSpPr>
+          <p:spPr bwMode="auto">
+            <a:xfrm>
+              <a:off x="0" y="1644650"/>
+              <a:ext cx="133350" cy="269875"/>
+            </a:xfrm>
+            <a:custGeom>
+              <a:avLst/>
+              <a:gdLst/>
+              <a:ahLst/>
+              <a:cxnLst/>
+              <a:rect l="0" t="0" r="r" b="b"/>
+              <a:pathLst>
+                <a:path w="84" h="170">
+                  <a:moveTo>
+                    <a:pt x="12" y="170"/>
+                  </a:moveTo>
+                  <a:lnTo>
+                    <a:pt x="0" y="164"/>
+                  </a:lnTo>
+                  <a:lnTo>
+                    <a:pt x="69" y="0"/>
+                  </a:lnTo>
+                  <a:lnTo>
+                    <a:pt x="84" y="6"/>
+                  </a:lnTo>
+                  <a:lnTo>
+                    <a:pt x="12" y="170"/>
+                  </a:lnTo>
+                  <a:close/>
+                </a:path>
+              </a:pathLst>
+            </a:custGeom>
+            <a:grpFill/>
+            <a:ln>
+              <a:noFill/>
+            </a:ln>
+            <a:extLst>
+              <a:ext uri="{91240B29-F687-4f45-9708-019B960494DF}">
+                <a14:hiddenLine xmlns="" xmlns:a16="http://schemas.microsoft.com/office/drawing/2014/main" xmlns:p14="http://schemas.microsoft.com/office/powerpoint/2010/main" xmlns:a14="http://schemas.microsoft.com/office/drawing/2010/main" w="9525">
+                  <a:solidFill>
+                    <a:srgbClr val="000000"/>
+                  </a:solidFill>
+                  <a:round/>
+                  <a:headEnd/>
+                  <a:tailEnd/>
+                </a14:hiddenLine>
+              </a:ext>
+            </a:extLst>
+          </p:spPr>
+        </p:sp>
+        <p:sp>
+          <p:nvSpPr>
+            <p:cNvPr id="42" name="Freeform 28">
+              <a:extLst>
+                <a:ext uri="{FF2B5EF4-FFF2-40B4-BE49-F238E27FC236}">
+                  <a16:creationId xmlns:a16="http://schemas.microsoft.com/office/drawing/2014/main" id="{CF6A9D45-D849-4BF5-BBA0-D7BE29B88414}"/>
+                </a:ext>
+                <a:ext uri="{C183D7F6-B498-43B3-948B-1728B52AA6E4}">
+                  <adec:decorative xmlns:adec="http://schemas.microsoft.com/office/drawing/2017/decorative" val="1"/>
+                </a:ext>
+              </a:extLst>
+            </p:cNvPr>
+            <p:cNvSpPr>
+              <a:spLocks noEditPoints="1"/>
+            </p:cNvSpPr>
+            <p:nvPr>
+              <p:extLst>
+                <p:ext uri="{386F3935-93C4-4BCD-93E2-E3B085C9AB24}">
+                  <p16:designElem xmlns:p16="http://schemas.microsoft.com/office/powerpoint/2015/main" val="1"/>
+                </p:ext>
+              </p:extLst>
+            </p:nvPr>
+          </p:nvSpPr>
+          <p:spPr bwMode="auto">
+            <a:xfrm>
+              <a:off x="66675" y="1468438"/>
+              <a:ext cx="190500" cy="190500"/>
+            </a:xfrm>
+            <a:custGeom>
+              <a:avLst/>
+              <a:gdLst/>
+              <a:ahLst/>
+              <a:cxnLst/>
+              <a:rect l="0" t="0" r="r" b="b"/>
+              <a:pathLst>
+                <a:path w="40" h="40">
+                  <a:moveTo>
+                    <a:pt x="20" y="40"/>
+                  </a:moveTo>
+                  <a:cubicBezTo>
+                    <a:pt x="9" y="40"/>
+                    <a:pt x="0" y="31"/>
+                    <a:pt x="0" y="20"/>
+                  </a:cubicBezTo>
+                  <a:cubicBezTo>
+                    <a:pt x="0" y="9"/>
+                    <a:pt x="9" y="0"/>
+                    <a:pt x="20" y="0"/>
+                  </a:cubicBezTo>
+                  <a:cubicBezTo>
+                    <a:pt x="31" y="0"/>
+                    <a:pt x="40" y="9"/>
+                    <a:pt x="40" y="20"/>
+                  </a:cubicBezTo>
+                  <a:cubicBezTo>
+                    <a:pt x="40" y="31"/>
+                    <a:pt x="31" y="40"/>
+                    <a:pt x="20" y="40"/>
+                  </a:cubicBezTo>
+                  <a:close/>
+                  <a:moveTo>
+                    <a:pt x="20" y="4"/>
+                  </a:moveTo>
+                  <a:cubicBezTo>
+                    <a:pt x="11" y="4"/>
+                    <a:pt x="4" y="11"/>
+                    <a:pt x="4" y="20"/>
+                  </a:cubicBezTo>
+                  <a:cubicBezTo>
+                    <a:pt x="4" y="28"/>
+                    <a:pt x="11" y="36"/>
+                    <a:pt x="20" y="36"/>
+                  </a:cubicBezTo>
+                  <a:cubicBezTo>
+                    <a:pt x="29" y="36"/>
+                    <a:pt x="36" y="28"/>
+                    <a:pt x="36" y="20"/>
+                  </a:cubicBezTo>
+                  <a:cubicBezTo>
+                    <a:pt x="36" y="11"/>
+                    <a:pt x="29" y="4"/>
+                    <a:pt x="20" y="4"/>
+                  </a:cubicBezTo>
+                  <a:close/>
+                </a:path>
+              </a:pathLst>
+            </a:custGeom>
+            <a:grpFill/>
+            <a:ln>
+              <a:noFill/>
+            </a:ln>
+            <a:extLst>
+              <a:ext uri="{91240B29-F687-4f45-9708-019B960494DF}">
+                <a14:hiddenLine xmlns="" xmlns:a16="http://schemas.microsoft.com/office/drawing/2014/main" xmlns:p14="http://schemas.microsoft.com/office/powerpoint/2010/main" xmlns:a14="http://schemas.microsoft.com/office/drawing/2010/main" w="9525">
+                  <a:solidFill>
+                    <a:srgbClr val="000000"/>
+                  </a:solidFill>
+                  <a:round/>
+                  <a:headEnd/>
+                  <a:tailEnd/>
+                </a14:hiddenLine>
+              </a:ext>
+            </a:extLst>
+          </p:spPr>
+        </p:sp>
+        <p:sp>
+          <p:nvSpPr>
+            <p:cNvPr id="43" name="Freeform 29">
+              <a:extLst>
+                <a:ext uri="{FF2B5EF4-FFF2-40B4-BE49-F238E27FC236}">
+                  <a16:creationId xmlns:a16="http://schemas.microsoft.com/office/drawing/2014/main" id="{13F44E41-B5E8-472D-80F2-4539AD3D4CCC}"/>
+                </a:ext>
+                <a:ext uri="{C183D7F6-B498-43B3-948B-1728B52AA6E4}">
+                  <adec:decorative xmlns:adec="http://schemas.microsoft.com/office/drawing/2017/decorative" val="1"/>
+                </a:ext>
+              </a:extLst>
+            </p:cNvPr>
+            <p:cNvSpPr/>
+            <p:nvPr>
+              <p:extLst>
+                <p:ext uri="{386F3935-93C4-4BCD-93E2-E3B085C9AB24}">
+                  <p16:designElem xmlns:p16="http://schemas.microsoft.com/office/powerpoint/2015/main" val="1"/>
+                </p:ext>
+              </p:extLst>
+            </p:nvPr>
+          </p:nvSpPr>
+          <p:spPr bwMode="auto">
+            <a:xfrm>
+              <a:off x="695325" y="4763"/>
+              <a:ext cx="309563" cy="1558925"/>
+            </a:xfrm>
+            <a:custGeom>
+              <a:avLst/>
+              <a:gdLst/>
+              <a:ahLst/>
+              <a:cxnLst/>
+              <a:rect l="0" t="0" r="r" b="b"/>
+              <a:pathLst>
+                <a:path w="195" h="982">
+                  <a:moveTo>
+                    <a:pt x="195" y="982"/>
+                  </a:moveTo>
+                  <a:lnTo>
+                    <a:pt x="177" y="982"/>
+                  </a:lnTo>
+                  <a:lnTo>
+                    <a:pt x="177" y="805"/>
+                  </a:lnTo>
+                  <a:lnTo>
+                    <a:pt x="0" y="629"/>
+                  </a:lnTo>
+                  <a:lnTo>
+                    <a:pt x="0" y="0"/>
+                  </a:lnTo>
+                  <a:lnTo>
+                    <a:pt x="18" y="0"/>
+                  </a:lnTo>
+                  <a:lnTo>
+                    <a:pt x="18" y="623"/>
+                  </a:lnTo>
+                  <a:lnTo>
+                    <a:pt x="195" y="796"/>
+                  </a:lnTo>
+                  <a:lnTo>
+                    <a:pt x="195" y="982"/>
+                  </a:lnTo>
+                  <a:close/>
+                </a:path>
+              </a:pathLst>
+            </a:custGeom>
+            <a:grpFill/>
+            <a:ln>
+              <a:noFill/>
+            </a:ln>
+            <a:extLst>
+              <a:ext uri="{91240B29-F687-4f45-9708-019B960494DF}">
+                <a14:hiddenLine xmlns="" xmlns:a16="http://schemas.microsoft.com/office/drawing/2014/main" xmlns:p14="http://schemas.microsoft.com/office/powerpoint/2010/main" xmlns:a14="http://schemas.microsoft.com/office/drawing/2010/main" w="9525">
+                  <a:solidFill>
+                    <a:srgbClr val="000000"/>
+                  </a:solidFill>
+                  <a:round/>
+                  <a:headEnd/>
+                  <a:tailEnd/>
+                </a14:hiddenLine>
+              </a:ext>
+            </a:extLst>
+          </p:spPr>
+        </p:sp>
+        <p:sp>
+          <p:nvSpPr>
+            <p:cNvPr id="44" name="Freeform 30">
+              <a:extLst>
+                <a:ext uri="{FF2B5EF4-FFF2-40B4-BE49-F238E27FC236}">
+                  <a16:creationId xmlns:a16="http://schemas.microsoft.com/office/drawing/2014/main" id="{CE052494-AAF2-4C3C-A072-317B7F98737C}"/>
+                </a:ext>
+                <a:ext uri="{C183D7F6-B498-43B3-948B-1728B52AA6E4}">
+                  <adec:decorative xmlns:adec="http://schemas.microsoft.com/office/drawing/2017/decorative" val="1"/>
+                </a:ext>
+              </a:extLst>
+            </p:cNvPr>
+            <p:cNvSpPr>
+              <a:spLocks noEditPoints="1"/>
+            </p:cNvSpPr>
+            <p:nvPr>
+              <p:extLst>
+                <p:ext uri="{386F3935-93C4-4BCD-93E2-E3B085C9AB24}">
+                  <p16:designElem xmlns:p16="http://schemas.microsoft.com/office/powerpoint/2015/main" val="1"/>
+                </p:ext>
+              </p:extLst>
+            </p:nvPr>
+          </p:nvSpPr>
+          <p:spPr bwMode="auto">
+            <a:xfrm>
+              <a:off x="57150" y="4881563"/>
+              <a:ext cx="190500" cy="188913"/>
+            </a:xfrm>
+            <a:custGeom>
+              <a:avLst/>
+              <a:gdLst/>
+              <a:ahLst/>
+              <a:cxnLst/>
+              <a:rect l="0" t="0" r="r" b="b"/>
+              <a:pathLst>
+                <a:path w="40" h="40">
+                  <a:moveTo>
+                    <a:pt x="20" y="40"/>
+                  </a:moveTo>
+                  <a:cubicBezTo>
+                    <a:pt x="9" y="40"/>
+                    <a:pt x="0" y="31"/>
+                    <a:pt x="0" y="20"/>
+                  </a:cubicBezTo>
+                  <a:cubicBezTo>
+                    <a:pt x="0" y="9"/>
+                    <a:pt x="9" y="0"/>
+                    <a:pt x="20" y="0"/>
+                  </a:cubicBezTo>
+                  <a:cubicBezTo>
+                    <a:pt x="31" y="0"/>
+                    <a:pt x="40" y="9"/>
+                    <a:pt x="40" y="20"/>
+                  </a:cubicBezTo>
+                  <a:cubicBezTo>
+                    <a:pt x="40" y="31"/>
+                    <a:pt x="31" y="40"/>
+                    <a:pt x="20" y="40"/>
+                  </a:cubicBezTo>
+                  <a:close/>
+                  <a:moveTo>
+                    <a:pt x="20" y="4"/>
+                  </a:moveTo>
+                  <a:cubicBezTo>
+                    <a:pt x="12" y="4"/>
+                    <a:pt x="4" y="11"/>
+                    <a:pt x="4" y="20"/>
+                  </a:cubicBezTo>
+                  <a:cubicBezTo>
+                    <a:pt x="4" y="29"/>
+                    <a:pt x="12" y="36"/>
+                    <a:pt x="20" y="36"/>
+                  </a:cubicBezTo>
+                  <a:cubicBezTo>
+                    <a:pt x="29" y="36"/>
+                    <a:pt x="36" y="29"/>
+                    <a:pt x="36" y="20"/>
+                  </a:cubicBezTo>
+                  <a:cubicBezTo>
+                    <a:pt x="36" y="11"/>
+                    <a:pt x="29" y="4"/>
+                    <a:pt x="20" y="4"/>
+                  </a:cubicBezTo>
+                  <a:close/>
+                </a:path>
+              </a:pathLst>
+            </a:custGeom>
+            <a:grpFill/>
+            <a:ln>
+              <a:noFill/>
+            </a:ln>
+            <a:extLst>
+              <a:ext uri="{91240B29-F687-4f45-9708-019B960494DF}">
+                <a14:hiddenLine xmlns="" xmlns:a16="http://schemas.microsoft.com/office/drawing/2014/main" xmlns:p14="http://schemas.microsoft.com/office/powerpoint/2010/main" xmlns:a14="http://schemas.microsoft.com/office/drawing/2010/main" w="9525">
+                  <a:solidFill>
+                    <a:srgbClr val="000000"/>
+                  </a:solidFill>
+                  <a:round/>
+                  <a:headEnd/>
+                  <a:tailEnd/>
+                </a14:hiddenLine>
+              </a:ext>
+            </a:extLst>
+          </p:spPr>
+        </p:sp>
+        <p:sp>
+          <p:nvSpPr>
+            <p:cNvPr id="45" name="Freeform 31">
+              <a:extLst>
+                <a:ext uri="{FF2B5EF4-FFF2-40B4-BE49-F238E27FC236}">
+                  <a16:creationId xmlns:a16="http://schemas.microsoft.com/office/drawing/2014/main" id="{90345C3D-13FE-4815-9563-58A52B457B82}"/>
+                </a:ext>
+                <a:ext uri="{C183D7F6-B498-43B3-948B-1728B52AA6E4}">
+                  <adec:decorative xmlns:adec="http://schemas.microsoft.com/office/drawing/2017/decorative" val="1"/>
+                </a:ext>
+              </a:extLst>
+            </p:cNvPr>
+            <p:cNvSpPr/>
+            <p:nvPr>
+              <p:extLst>
+                <p:ext uri="{386F3935-93C4-4BCD-93E2-E3B085C9AB24}">
+                  <p16:designElem xmlns:p16="http://schemas.microsoft.com/office/powerpoint/2015/main" val="1"/>
+                </p:ext>
+              </p:extLst>
+            </p:nvPr>
+          </p:nvSpPr>
+          <p:spPr bwMode="auto">
+            <a:xfrm>
+              <a:off x="138113" y="5060950"/>
+              <a:ext cx="304800" cy="1778000"/>
+            </a:xfrm>
+            <a:custGeom>
+              <a:avLst/>
+              <a:gdLst/>
+              <a:ahLst/>
+              <a:cxnLst/>
+              <a:rect l="0" t="0" r="r" b="b"/>
+              <a:pathLst>
+                <a:path w="192" h="1120">
+                  <a:moveTo>
+                    <a:pt x="192" y="1120"/>
+                  </a:moveTo>
+                  <a:lnTo>
+                    <a:pt x="177" y="1120"/>
+                  </a:lnTo>
+                  <a:lnTo>
+                    <a:pt x="177" y="360"/>
+                  </a:lnTo>
+                  <a:lnTo>
+                    <a:pt x="0" y="183"/>
+                  </a:lnTo>
+                  <a:lnTo>
+                    <a:pt x="0" y="0"/>
+                  </a:lnTo>
+                  <a:lnTo>
+                    <a:pt x="15" y="0"/>
+                  </a:lnTo>
+                  <a:lnTo>
+                    <a:pt x="15" y="177"/>
+                  </a:lnTo>
+                  <a:lnTo>
+                    <a:pt x="192" y="354"/>
+                  </a:lnTo>
+                  <a:lnTo>
+                    <a:pt x="192" y="1120"/>
+                  </a:lnTo>
+                  <a:close/>
+                </a:path>
+              </a:pathLst>
+            </a:custGeom>
+            <a:grpFill/>
+            <a:ln>
+              <a:noFill/>
+            </a:ln>
+            <a:extLst>
+              <a:ext uri="{91240B29-F687-4f45-9708-019B960494DF}">
+                <a14:hiddenLine xmlns="" xmlns:a16="http://schemas.microsoft.com/office/drawing/2014/main" xmlns:p14="http://schemas.microsoft.com/office/powerpoint/2010/main" xmlns:a14="http://schemas.microsoft.com/office/drawing/2010/main" w="9525">
+                  <a:solidFill>
+                    <a:srgbClr val="000000"/>
+                  </a:solidFill>
+                  <a:round/>
+                  <a:headEnd/>
+                  <a:tailEnd/>
+                </a14:hiddenLine>
+              </a:ext>
+            </a:extLst>
+          </p:spPr>
+        </p:sp>
+        <p:sp>
+          <p:nvSpPr>
+            <p:cNvPr id="46" name="Freeform 32">
+              <a:extLst>
+                <a:ext uri="{FF2B5EF4-FFF2-40B4-BE49-F238E27FC236}">
+                  <a16:creationId xmlns:a16="http://schemas.microsoft.com/office/drawing/2014/main" id="{37908D29-2BB3-4D6C-92DB-864F630573AD}"/>
+                </a:ext>
+                <a:ext uri="{C183D7F6-B498-43B3-948B-1728B52AA6E4}">
+                  <adec:decorative xmlns:adec="http://schemas.microsoft.com/office/drawing/2017/decorative" val="1"/>
+                </a:ext>
+              </a:extLst>
+            </p:cNvPr>
+            <p:cNvSpPr>
+              <a:spLocks noEditPoints="1"/>
+            </p:cNvSpPr>
+            <p:nvPr>
+              <p:extLst>
+                <p:ext uri="{386F3935-93C4-4BCD-93E2-E3B085C9AB24}">
+                  <p16:designElem xmlns:p16="http://schemas.microsoft.com/office/powerpoint/2015/main" val="1"/>
+                </p:ext>
+              </p:extLst>
+            </p:nvPr>
+          </p:nvSpPr>
+          <p:spPr bwMode="auto">
+            <a:xfrm>
+              <a:off x="561975" y="6430963"/>
+              <a:ext cx="190500" cy="188913"/>
+            </a:xfrm>
+            <a:custGeom>
+              <a:avLst/>
+              <a:gdLst/>
+              <a:ahLst/>
+              <a:cxnLst/>
+              <a:rect l="0" t="0" r="r" b="b"/>
+              <a:pathLst>
+                <a:path w="40" h="40">
+                  <a:moveTo>
+                    <a:pt x="20" y="40"/>
+                  </a:moveTo>
+                  <a:cubicBezTo>
+                    <a:pt x="9" y="40"/>
+                    <a:pt x="0" y="31"/>
+                    <a:pt x="0" y="20"/>
+                  </a:cubicBezTo>
+                  <a:cubicBezTo>
+                    <a:pt x="0" y="9"/>
+                    <a:pt x="9" y="0"/>
+                    <a:pt x="20" y="0"/>
+                  </a:cubicBezTo>
+                  <a:cubicBezTo>
+                    <a:pt x="31" y="0"/>
+                    <a:pt x="40" y="9"/>
+                    <a:pt x="40" y="20"/>
+                  </a:cubicBezTo>
+                  <a:cubicBezTo>
+                    <a:pt x="40" y="31"/>
+                    <a:pt x="31" y="40"/>
+                    <a:pt x="20" y="40"/>
+                  </a:cubicBezTo>
+                  <a:close/>
+                  <a:moveTo>
+                    <a:pt x="20" y="4"/>
+                  </a:moveTo>
+                  <a:cubicBezTo>
+                    <a:pt x="12" y="4"/>
+                    <a:pt x="4" y="11"/>
+                    <a:pt x="4" y="20"/>
+                  </a:cubicBezTo>
+                  <a:cubicBezTo>
+                    <a:pt x="4" y="29"/>
+                    <a:pt x="12" y="36"/>
+                    <a:pt x="20" y="36"/>
+                  </a:cubicBezTo>
+                  <a:cubicBezTo>
+                    <a:pt x="29" y="36"/>
+                    <a:pt x="36" y="29"/>
+                    <a:pt x="36" y="20"/>
+                  </a:cubicBezTo>
+                  <a:cubicBezTo>
+                    <a:pt x="36" y="11"/>
+                    <a:pt x="29" y="4"/>
+                    <a:pt x="20" y="4"/>
+                  </a:cubicBezTo>
+                  <a:close/>
+                </a:path>
+              </a:pathLst>
+            </a:custGeom>
+            <a:grpFill/>
+            <a:ln>
+              <a:noFill/>
+            </a:ln>
+            <a:extLst>
+              <a:ext uri="{91240B29-F687-4f45-9708-019B960494DF}">
+                <a14:hiddenLine xmlns="" xmlns:a16="http://schemas.microsoft.com/office/drawing/2014/main" xmlns:p14="http://schemas.microsoft.com/office/powerpoint/2010/main" xmlns:a14="http://schemas.microsoft.com/office/drawing/2010/main" w="9525">
+                  <a:solidFill>
+                    <a:srgbClr val="000000"/>
+                  </a:solidFill>
+                  <a:round/>
+                  <a:headEnd/>
+                  <a:tailEnd/>
+                </a14:hiddenLine>
+              </a:ext>
+            </a:extLst>
+          </p:spPr>
+        </p:sp>
+        <p:sp>
+          <p:nvSpPr>
+            <p:cNvPr id="47" name="Rectangle 33">
+              <a:extLst>
+                <a:ext uri="{FF2B5EF4-FFF2-40B4-BE49-F238E27FC236}">
+                  <a16:creationId xmlns:a16="http://schemas.microsoft.com/office/drawing/2014/main" id="{174B5792-73C4-4FBF-BAD9-F9A5BBC5916E}"/>
+                </a:ext>
+                <a:ext uri="{C183D7F6-B498-43B3-948B-1728B52AA6E4}">
+                  <adec:decorative xmlns:adec="http://schemas.microsoft.com/office/drawing/2017/decorative" val="1"/>
+                </a:ext>
+              </a:extLst>
+            </p:cNvPr>
+            <p:cNvSpPr>
+              <a:spLocks noChangeArrowheads="1"/>
+            </p:cNvSpPr>
+            <p:nvPr>
+              <p:extLst>
+                <p:ext uri="{386F3935-93C4-4BCD-93E2-E3B085C9AB24}">
+                  <p16:designElem xmlns:p16="http://schemas.microsoft.com/office/powerpoint/2015/main" val="1"/>
+                </p:ext>
+              </p:extLst>
+            </p:nvPr>
+          </p:nvSpPr>
+          <p:spPr bwMode="auto">
+            <a:xfrm>
+              <a:off x="642938" y="6610350"/>
+              <a:ext cx="23813" cy="242888"/>
+            </a:xfrm>
+            <a:prstGeom prst="rect">
+              <a:avLst/>
+            </a:prstGeom>
+            <a:grpFill/>
+            <a:ln>
+              <a:noFill/>
+            </a:ln>
+            <a:extLst>
+              <a:ext uri="{91240B29-F687-4f45-9708-019B960494DF}">
+                <a14:hiddenLine xmlns="" xmlns:a16="http://schemas.microsoft.com/office/drawing/2014/main" xmlns:p14="http://schemas.microsoft.com/office/powerpoint/2010/main" xmlns:a14="http://schemas.microsoft.com/office/drawing/2010/main" w="9525">
+                  <a:solidFill>
+                    <a:srgbClr val="000000"/>
+                  </a:solidFill>
+                  <a:miter lim="800000"/>
+                  <a:headEnd/>
+                  <a:tailEnd/>
+                </a14:hiddenLine>
+              </a:ext>
+            </a:extLst>
+          </p:spPr>
+        </p:sp>
+        <p:sp>
+          <p:nvSpPr>
+            <p:cNvPr id="48" name="Freeform 34">
+              <a:extLst>
+                <a:ext uri="{FF2B5EF4-FFF2-40B4-BE49-F238E27FC236}">
+                  <a16:creationId xmlns:a16="http://schemas.microsoft.com/office/drawing/2014/main" id="{D4741BB8-0638-4A06-85A7-69FE81BC4457}"/>
+                </a:ext>
+                <a:ext uri="{C183D7F6-B498-43B3-948B-1728B52AA6E4}">
+                  <adec:decorative xmlns:adec="http://schemas.microsoft.com/office/drawing/2017/decorative" val="1"/>
+                </a:ext>
+              </a:extLst>
+            </p:cNvPr>
+            <p:cNvSpPr>
+              <a:spLocks noEditPoints="1"/>
+            </p:cNvSpPr>
+            <p:nvPr>
+              <p:extLst>
+                <p:ext uri="{386F3935-93C4-4BCD-93E2-E3B085C9AB24}">
+                  <p16:designElem xmlns:p16="http://schemas.microsoft.com/office/powerpoint/2015/main" val="1"/>
+                </p:ext>
+              </p:extLst>
+            </p:nvPr>
+          </p:nvSpPr>
+          <p:spPr bwMode="auto">
+            <a:xfrm>
+              <a:off x="76200" y="6430963"/>
+              <a:ext cx="190500" cy="188913"/>
+            </a:xfrm>
+            <a:custGeom>
+              <a:avLst/>
+              <a:gdLst/>
+              <a:ahLst/>
+              <a:cxnLst/>
+              <a:rect l="0" t="0" r="r" b="b"/>
+              <a:pathLst>
+                <a:path w="40" h="40">
+                  <a:moveTo>
+                    <a:pt x="20" y="40"/>
+                  </a:moveTo>
+                  <a:cubicBezTo>
+                    <a:pt x="9" y="40"/>
+                    <a:pt x="0" y="31"/>
+                    <a:pt x="0" y="20"/>
+                  </a:cubicBezTo>
+                  <a:cubicBezTo>
+                    <a:pt x="0" y="9"/>
+                    <a:pt x="9" y="0"/>
+                    <a:pt x="20" y="0"/>
+                  </a:cubicBezTo>
+                  <a:cubicBezTo>
+                    <a:pt x="32" y="0"/>
+                    <a:pt x="40" y="9"/>
+                    <a:pt x="40" y="20"/>
+                  </a:cubicBezTo>
+                  <a:cubicBezTo>
+                    <a:pt x="40" y="31"/>
+                    <a:pt x="32" y="40"/>
+                    <a:pt x="20" y="40"/>
+                  </a:cubicBezTo>
+                  <a:close/>
+                  <a:moveTo>
+                    <a:pt x="20" y="4"/>
+                  </a:moveTo>
+                  <a:cubicBezTo>
+                    <a:pt x="12" y="4"/>
+                    <a:pt x="4" y="11"/>
+                    <a:pt x="4" y="20"/>
+                  </a:cubicBezTo>
+                  <a:cubicBezTo>
+                    <a:pt x="4" y="29"/>
+                    <a:pt x="12" y="36"/>
+                    <a:pt x="20" y="36"/>
+                  </a:cubicBezTo>
+                  <a:cubicBezTo>
+                    <a:pt x="29" y="36"/>
+                    <a:pt x="36" y="29"/>
+                    <a:pt x="36" y="20"/>
+                  </a:cubicBezTo>
+                  <a:cubicBezTo>
+                    <a:pt x="36" y="11"/>
+                    <a:pt x="29" y="4"/>
+                    <a:pt x="20" y="4"/>
+                  </a:cubicBezTo>
+                  <a:close/>
+                </a:path>
+              </a:pathLst>
+            </a:custGeom>
+            <a:grpFill/>
+            <a:ln>
+              <a:noFill/>
+            </a:ln>
+            <a:extLst>
+              <a:ext uri="{91240B29-F687-4f45-9708-019B960494DF}">
+                <a14:hiddenLine xmlns="" xmlns:a16="http://schemas.microsoft.com/office/drawing/2014/main" xmlns:p14="http://schemas.microsoft.com/office/powerpoint/2010/main" xmlns:a14="http://schemas.microsoft.com/office/drawing/2010/main" w="9525">
+                  <a:solidFill>
+                    <a:srgbClr val="000000"/>
+                  </a:solidFill>
+                  <a:round/>
+                  <a:headEnd/>
+                  <a:tailEnd/>
+                </a14:hiddenLine>
+              </a:ext>
+            </a:extLst>
+          </p:spPr>
+        </p:sp>
+        <p:sp>
+          <p:nvSpPr>
+            <p:cNvPr id="49" name="Freeform 35">
+              <a:extLst>
+                <a:ext uri="{FF2B5EF4-FFF2-40B4-BE49-F238E27FC236}">
+                  <a16:creationId xmlns:a16="http://schemas.microsoft.com/office/drawing/2014/main" id="{FBDB982D-6E9A-426E-86B1-69031E104037}"/>
+                </a:ext>
+                <a:ext uri="{C183D7F6-B498-43B3-948B-1728B52AA6E4}">
+                  <adec:decorative xmlns:adec="http://schemas.microsoft.com/office/drawing/2017/decorative" val="1"/>
+                </a:ext>
+              </a:extLst>
+            </p:cNvPr>
+            <p:cNvSpPr/>
+            <p:nvPr>
+              <p:extLst>
+                <p:ext uri="{386F3935-93C4-4BCD-93E2-E3B085C9AB24}">
+                  <p16:designElem xmlns:p16="http://schemas.microsoft.com/office/powerpoint/2015/main" val="1"/>
+                </p:ext>
+              </p:extLst>
+            </p:nvPr>
+          </p:nvSpPr>
+          <p:spPr bwMode="auto">
+            <a:xfrm>
+              <a:off x="0" y="5978525"/>
+              <a:ext cx="190500" cy="461963"/>
+            </a:xfrm>
+            <a:custGeom>
+              <a:avLst/>
+              <a:gdLst/>
+              <a:ahLst/>
+              <a:cxnLst/>
+              <a:rect l="0" t="0" r="r" b="b"/>
+              <a:pathLst>
+                <a:path w="120" h="291">
+                  <a:moveTo>
+                    <a:pt x="120" y="291"/>
+                  </a:moveTo>
+                  <a:lnTo>
+                    <a:pt x="105" y="291"/>
+                  </a:lnTo>
+                  <a:lnTo>
+                    <a:pt x="105" y="114"/>
+                  </a:lnTo>
+                  <a:lnTo>
+                    <a:pt x="0" y="9"/>
+                  </a:lnTo>
+                  <a:lnTo>
+                    <a:pt x="12" y="0"/>
+                  </a:lnTo>
+                  <a:lnTo>
+                    <a:pt x="120" y="108"/>
+                  </a:lnTo>
+                  <a:lnTo>
+                    <a:pt x="120" y="291"/>
+                  </a:lnTo>
+                  <a:close/>
+                </a:path>
+              </a:pathLst>
+            </a:custGeom>
+            <a:grpFill/>
+            <a:ln>
+              <a:noFill/>
+            </a:ln>
+            <a:extLst>
+              <a:ext uri="{91240B29-F687-4f45-9708-019B960494DF}">
+                <a14:hiddenLine xmlns="" xmlns:a16="http://schemas.microsoft.com/office/drawing/2014/main" xmlns:p14="http://schemas.microsoft.com/office/powerpoint/2010/main" xmlns:a14="http://schemas.microsoft.com/office/drawing/2010/main" w="9525">
+                  <a:solidFill>
+                    <a:srgbClr val="000000"/>
+                  </a:solidFill>
+                  <a:round/>
+                  <a:headEnd/>
+                  <a:tailEnd/>
+                </a14:hiddenLine>
+              </a:ext>
+            </a:extLst>
+          </p:spPr>
+        </p:sp>
+        <p:sp>
+          <p:nvSpPr>
+            <p:cNvPr id="50" name="Freeform 36">
+              <a:extLst>
+                <a:ext uri="{FF2B5EF4-FFF2-40B4-BE49-F238E27FC236}">
+                  <a16:creationId xmlns:a16="http://schemas.microsoft.com/office/drawing/2014/main" id="{400B8260-9575-48DB-9175-B1C85302418B}"/>
+                </a:ext>
+                <a:ext uri="{C183D7F6-B498-43B3-948B-1728B52AA6E4}">
+                  <adec:decorative xmlns:adec="http://schemas.microsoft.com/office/drawing/2017/decorative" val="1"/>
+                </a:ext>
+              </a:extLst>
+            </p:cNvPr>
+            <p:cNvSpPr/>
+            <p:nvPr>
+              <p:extLst>
+                <p:ext uri="{386F3935-93C4-4BCD-93E2-E3B085C9AB24}">
+                  <p16:designElem xmlns:p16="http://schemas.microsoft.com/office/powerpoint/2015/main" val="1"/>
+                </p:ext>
+              </p:extLst>
+            </p:nvPr>
+          </p:nvSpPr>
+          <p:spPr bwMode="auto">
+            <a:xfrm>
+              <a:off x="1014413" y="1801813"/>
+              <a:ext cx="214313" cy="755650"/>
+            </a:xfrm>
+            <a:custGeom>
+              <a:avLst/>
+              <a:gdLst/>
+              <a:ahLst/>
+              <a:cxnLst/>
+              <a:rect l="0" t="0" r="r" b="b"/>
+              <a:pathLst>
+                <a:path w="135" h="476">
+                  <a:moveTo>
+                    <a:pt x="12" y="476"/>
+                  </a:moveTo>
+                  <a:lnTo>
+                    <a:pt x="0" y="476"/>
+                  </a:lnTo>
+                  <a:lnTo>
+                    <a:pt x="0" y="128"/>
+                  </a:lnTo>
+                  <a:lnTo>
+                    <a:pt x="126" y="0"/>
+                  </a:lnTo>
+                  <a:lnTo>
+                    <a:pt x="135" y="9"/>
+                  </a:lnTo>
+                  <a:lnTo>
+                    <a:pt x="12" y="131"/>
+                  </a:lnTo>
+                  <a:lnTo>
+                    <a:pt x="12" y="476"/>
+                  </a:lnTo>
+                  <a:close/>
+                </a:path>
+              </a:pathLst>
+            </a:custGeom>
+            <a:grpFill/>
+            <a:ln>
+              <a:noFill/>
+            </a:ln>
+            <a:extLst>
+              <a:ext uri="{91240B29-F687-4f45-9708-019B960494DF}">
+                <a14:hiddenLine xmlns="" xmlns:a16="http://schemas.microsoft.com/office/drawing/2014/main" xmlns:p14="http://schemas.microsoft.com/office/powerpoint/2010/main" xmlns:a14="http://schemas.microsoft.com/office/drawing/2010/main" w="9525">
+                  <a:solidFill>
+                    <a:srgbClr val="000000"/>
+                  </a:solidFill>
+                  <a:round/>
+                  <a:headEnd/>
+                  <a:tailEnd/>
+                </a14:hiddenLine>
+              </a:ext>
+            </a:extLst>
+          </p:spPr>
+        </p:sp>
+        <p:sp>
+          <p:nvSpPr>
+            <p:cNvPr id="51" name="Freeform 37">
+              <a:extLst>
+                <a:ext uri="{FF2B5EF4-FFF2-40B4-BE49-F238E27FC236}">
+                  <a16:creationId xmlns:a16="http://schemas.microsoft.com/office/drawing/2014/main" id="{52FB1DD3-BAEC-4974-89F5-36B695945918}"/>
+                </a:ext>
+                <a:ext uri="{C183D7F6-B498-43B3-948B-1728B52AA6E4}">
+                  <adec:decorative xmlns:adec="http://schemas.microsoft.com/office/drawing/2017/decorative" val="1"/>
+                </a:ext>
+              </a:extLst>
+            </p:cNvPr>
+            <p:cNvSpPr>
+              <a:spLocks noEditPoints="1"/>
+            </p:cNvSpPr>
+            <p:nvPr>
+              <p:extLst>
+                <p:ext uri="{386F3935-93C4-4BCD-93E2-E3B085C9AB24}">
+                  <p16:designElem xmlns:p16="http://schemas.microsoft.com/office/powerpoint/2015/main" val="1"/>
+                </p:ext>
+              </p:extLst>
+            </p:nvPr>
+          </p:nvSpPr>
+          <p:spPr bwMode="auto">
+            <a:xfrm>
+              <a:off x="938213" y="2547938"/>
+              <a:ext cx="166688" cy="160338"/>
+            </a:xfrm>
+            <a:custGeom>
+              <a:avLst/>
+              <a:gdLst/>
+              <a:ahLst/>
+              <a:cxnLst/>
+              <a:rect l="0" t="0" r="r" b="b"/>
+              <a:pathLst>
+                <a:path w="35" h="34">
+                  <a:moveTo>
+                    <a:pt x="18" y="34"/>
+                  </a:moveTo>
+                  <a:cubicBezTo>
+                    <a:pt x="8" y="34"/>
+                    <a:pt x="0" y="26"/>
+                    <a:pt x="0" y="17"/>
+                  </a:cubicBezTo>
+                  <a:cubicBezTo>
+                    <a:pt x="0" y="7"/>
+                    <a:pt x="8" y="0"/>
+                    <a:pt x="18" y="0"/>
+                  </a:cubicBezTo>
+                  <a:cubicBezTo>
+                    <a:pt x="27" y="0"/>
+                    <a:pt x="35" y="7"/>
+                    <a:pt x="35" y="17"/>
+                  </a:cubicBezTo>
+                  <a:cubicBezTo>
+                    <a:pt x="35" y="26"/>
+                    <a:pt x="27" y="34"/>
+                    <a:pt x="18" y="34"/>
+                  </a:cubicBezTo>
+                  <a:close/>
+                  <a:moveTo>
+                    <a:pt x="18" y="4"/>
+                  </a:moveTo>
+                  <a:cubicBezTo>
+                    <a:pt x="10" y="4"/>
+                    <a:pt x="4" y="10"/>
+                    <a:pt x="4" y="17"/>
+                  </a:cubicBezTo>
+                  <a:cubicBezTo>
+                    <a:pt x="4" y="24"/>
+                    <a:pt x="10" y="30"/>
+                    <a:pt x="18" y="30"/>
+                  </a:cubicBezTo>
+                  <a:cubicBezTo>
+                    <a:pt x="25" y="30"/>
+                    <a:pt x="31" y="24"/>
+                    <a:pt x="31" y="17"/>
+                  </a:cubicBezTo>
+                  <a:cubicBezTo>
+                    <a:pt x="31" y="10"/>
+                    <a:pt x="25" y="4"/>
+                    <a:pt x="18" y="4"/>
+                  </a:cubicBezTo>
+                  <a:close/>
+                </a:path>
+              </a:pathLst>
+            </a:custGeom>
+            <a:grpFill/>
+            <a:ln>
+              <a:noFill/>
+            </a:ln>
+            <a:extLst>
+              <a:ext uri="{91240B29-F687-4f45-9708-019B960494DF}">
+                <a14:hiddenLine xmlns="" xmlns:a16="http://schemas.microsoft.com/office/drawing/2014/main" xmlns:p14="http://schemas.microsoft.com/office/powerpoint/2010/main" xmlns:a14="http://schemas.microsoft.com/office/drawing/2010/main" w="9525">
+                  <a:solidFill>
+                    <a:srgbClr val="000000"/>
+                  </a:solidFill>
+                  <a:round/>
+                  <a:headEnd/>
+                  <a:tailEnd/>
+                </a14:hiddenLine>
+              </a:ext>
+            </a:extLst>
+          </p:spPr>
+        </p:sp>
+        <p:sp>
+          <p:nvSpPr>
+            <p:cNvPr id="52" name="Freeform 38">
+              <a:extLst>
+                <a:ext uri="{FF2B5EF4-FFF2-40B4-BE49-F238E27FC236}">
+                  <a16:creationId xmlns:a16="http://schemas.microsoft.com/office/drawing/2014/main" id="{E51161AB-FDC1-4703-9C29-C410366B99F6}"/>
+                </a:ext>
+                <a:ext uri="{C183D7F6-B498-43B3-948B-1728B52AA6E4}">
+                  <adec:decorative xmlns:adec="http://schemas.microsoft.com/office/drawing/2017/decorative" val="1"/>
+                </a:ext>
+              </a:extLst>
+            </p:cNvPr>
+            <p:cNvSpPr/>
+            <p:nvPr>
+              <p:extLst>
+                <p:ext uri="{386F3935-93C4-4BCD-93E2-E3B085C9AB24}">
+                  <p16:designElem xmlns:p16="http://schemas.microsoft.com/office/powerpoint/2015/main" val="1"/>
+                </p:ext>
+              </p:extLst>
+            </p:nvPr>
+          </p:nvSpPr>
+          <p:spPr bwMode="auto">
+            <a:xfrm>
+              <a:off x="595313" y="4763"/>
+              <a:ext cx="638175" cy="4025900"/>
+            </a:xfrm>
+            <a:custGeom>
+              <a:avLst/>
+              <a:gdLst/>
+              <a:ahLst/>
+              <a:cxnLst/>
+              <a:rect l="0" t="0" r="r" b="b"/>
+              <a:pathLst>
+                <a:path w="402" h="2536">
+                  <a:moveTo>
+                    <a:pt x="402" y="2536"/>
+                  </a:moveTo>
+                  <a:lnTo>
+                    <a:pt x="387" y="2536"/>
+                  </a:lnTo>
+                  <a:lnTo>
+                    <a:pt x="387" y="2311"/>
+                  </a:lnTo>
+                  <a:lnTo>
+                    <a:pt x="0" y="1925"/>
+                  </a:lnTo>
+                  <a:lnTo>
+                    <a:pt x="0" y="0"/>
+                  </a:lnTo>
+                  <a:lnTo>
+                    <a:pt x="15" y="0"/>
+                  </a:lnTo>
+                  <a:lnTo>
+                    <a:pt x="15" y="1916"/>
+                  </a:lnTo>
+                  <a:lnTo>
+                    <a:pt x="402" y="2302"/>
+                  </a:lnTo>
+                  <a:lnTo>
+                    <a:pt x="402" y="2536"/>
+                  </a:lnTo>
+                  <a:close/>
+                </a:path>
+              </a:pathLst>
+            </a:custGeom>
+            <a:grpFill/>
+            <a:ln>
+              <a:noFill/>
+            </a:ln>
+            <a:extLst>
+              <a:ext uri="{91240B29-F687-4f45-9708-019B960494DF}">
+                <a14:hiddenLine xmlns="" xmlns:a16="http://schemas.microsoft.com/office/drawing/2014/main" xmlns:p14="http://schemas.microsoft.com/office/powerpoint/2010/main" xmlns:a14="http://schemas.microsoft.com/office/drawing/2010/main" w="9525">
+                  <a:solidFill>
+                    <a:srgbClr val="000000"/>
+                  </a:solidFill>
+                  <a:round/>
+                  <a:headEnd/>
+                  <a:tailEnd/>
+                </a14:hiddenLine>
+              </a:ext>
+            </a:extLst>
+          </p:spPr>
+        </p:sp>
+        <p:sp>
+          <p:nvSpPr>
+            <p:cNvPr id="53" name="Freeform 39">
+              <a:extLst>
+                <a:ext uri="{FF2B5EF4-FFF2-40B4-BE49-F238E27FC236}">
+                  <a16:creationId xmlns:a16="http://schemas.microsoft.com/office/drawing/2014/main" id="{DE6123AD-33B5-429C-B8F7-DB1A8FDABFE7}"/>
+                </a:ext>
+                <a:ext uri="{C183D7F6-B498-43B3-948B-1728B52AA6E4}">
+                  <adec:decorative xmlns:adec="http://schemas.microsoft.com/office/drawing/2017/decorative" val="1"/>
+                </a:ext>
+              </a:extLst>
+            </p:cNvPr>
+            <p:cNvSpPr/>
+            <p:nvPr>
+              <p:extLst>
+                <p:ext uri="{386F3935-93C4-4BCD-93E2-E3B085C9AB24}">
+                  <p16:designElem xmlns:p16="http://schemas.microsoft.com/office/powerpoint/2015/main" val="1"/>
+                </p:ext>
+              </p:extLst>
+            </p:nvPr>
+          </p:nvSpPr>
+          <p:spPr bwMode="auto">
+            <a:xfrm>
+              <a:off x="1223963" y="1382713"/>
+              <a:ext cx="142875" cy="476250"/>
+            </a:xfrm>
+            <a:custGeom>
+              <a:avLst/>
+              <a:gdLst/>
+              <a:ahLst/>
+              <a:cxnLst/>
+              <a:rect l="0" t="0" r="r" b="b"/>
+              <a:pathLst>
+                <a:path w="90" h="300">
+                  <a:moveTo>
+                    <a:pt x="90" y="300"/>
+                  </a:moveTo>
+                  <a:lnTo>
+                    <a:pt x="78" y="300"/>
+                  </a:lnTo>
+                  <a:lnTo>
+                    <a:pt x="78" y="84"/>
+                  </a:lnTo>
+                  <a:lnTo>
+                    <a:pt x="0" y="9"/>
+                  </a:lnTo>
+                  <a:lnTo>
+                    <a:pt x="9" y="0"/>
+                  </a:lnTo>
+                  <a:lnTo>
+                    <a:pt x="90" y="81"/>
+                  </a:lnTo>
+                  <a:lnTo>
+                    <a:pt x="90" y="300"/>
+                  </a:lnTo>
+                  <a:close/>
+                </a:path>
+              </a:pathLst>
+            </a:custGeom>
+            <a:grpFill/>
+            <a:ln>
+              <a:noFill/>
+            </a:ln>
+            <a:extLst>
+              <a:ext uri="{91240B29-F687-4f45-9708-019B960494DF}">
+                <a14:hiddenLine xmlns="" xmlns:a16="http://schemas.microsoft.com/office/drawing/2014/main" xmlns:p14="http://schemas.microsoft.com/office/powerpoint/2010/main" xmlns:a14="http://schemas.microsoft.com/office/drawing/2010/main" w="9525">
+                  <a:solidFill>
+                    <a:srgbClr val="000000"/>
+                  </a:solidFill>
+                  <a:round/>
+                  <a:headEnd/>
+                  <a:tailEnd/>
+                </a14:hiddenLine>
+              </a:ext>
+            </a:extLst>
+          </p:spPr>
+        </p:sp>
+        <p:sp>
+          <p:nvSpPr>
+            <p:cNvPr id="54" name="Freeform 40">
+              <a:extLst>
+                <a:ext uri="{FF2B5EF4-FFF2-40B4-BE49-F238E27FC236}">
+                  <a16:creationId xmlns:a16="http://schemas.microsoft.com/office/drawing/2014/main" id="{8C454A1D-B20A-4994-8C14-EE5DD3B9939C}"/>
+                </a:ext>
+                <a:ext uri="{C183D7F6-B498-43B3-948B-1728B52AA6E4}">
+                  <adec:decorative xmlns:adec="http://schemas.microsoft.com/office/drawing/2017/decorative" val="1"/>
+                </a:ext>
+              </a:extLst>
+            </p:cNvPr>
+            <p:cNvSpPr>
+              <a:spLocks noEditPoints="1"/>
+            </p:cNvSpPr>
+            <p:nvPr>
+              <p:extLst>
+                <p:ext uri="{386F3935-93C4-4BCD-93E2-E3B085C9AB24}">
+                  <p16:designElem xmlns:p16="http://schemas.microsoft.com/office/powerpoint/2015/main" val="1"/>
+                </p:ext>
+              </p:extLst>
+            </p:nvPr>
+          </p:nvSpPr>
+          <p:spPr bwMode="auto">
+            <a:xfrm>
+              <a:off x="1300163" y="1849438"/>
+              <a:ext cx="109538" cy="107950"/>
+            </a:xfrm>
+            <a:custGeom>
+              <a:avLst/>
+              <a:gdLst/>
+              <a:ahLst/>
+              <a:cxnLst/>
+              <a:rect l="0" t="0" r="r" b="b"/>
+              <a:pathLst>
+                <a:path w="23" h="23">
+                  <a:moveTo>
+                    <a:pt x="12" y="23"/>
+                  </a:moveTo>
+                  <a:cubicBezTo>
+                    <a:pt x="5" y="23"/>
+                    <a:pt x="0" y="18"/>
+                    <a:pt x="0" y="12"/>
+                  </a:cubicBezTo>
+                  <a:cubicBezTo>
+                    <a:pt x="0" y="5"/>
+                    <a:pt x="5" y="0"/>
+                    <a:pt x="12" y="0"/>
+                  </a:cubicBezTo>
+                  <a:cubicBezTo>
+                    <a:pt x="18" y="0"/>
+                    <a:pt x="23" y="5"/>
+                    <a:pt x="23" y="12"/>
+                  </a:cubicBezTo>
+                  <a:cubicBezTo>
+                    <a:pt x="23" y="18"/>
+                    <a:pt x="18" y="23"/>
+                    <a:pt x="12" y="23"/>
+                  </a:cubicBezTo>
+                  <a:close/>
+                  <a:moveTo>
+                    <a:pt x="12" y="4"/>
+                  </a:moveTo>
+                  <a:cubicBezTo>
+                    <a:pt x="8" y="4"/>
+                    <a:pt x="4" y="8"/>
+                    <a:pt x="4" y="12"/>
+                  </a:cubicBezTo>
+                  <a:cubicBezTo>
+                    <a:pt x="4" y="16"/>
+                    <a:pt x="8" y="19"/>
+                    <a:pt x="12" y="19"/>
+                  </a:cubicBezTo>
+                  <a:cubicBezTo>
+                    <a:pt x="16" y="19"/>
+                    <a:pt x="19" y="16"/>
+                    <a:pt x="19" y="12"/>
+                  </a:cubicBezTo>
+                  <a:cubicBezTo>
+                    <a:pt x="19" y="8"/>
+                    <a:pt x="16" y="4"/>
+                    <a:pt x="12" y="4"/>
+                  </a:cubicBezTo>
+                  <a:close/>
+                </a:path>
+              </a:pathLst>
+            </a:custGeom>
+            <a:grpFill/>
+            <a:ln>
+              <a:noFill/>
+            </a:ln>
+            <a:extLst>
+              <a:ext uri="{91240B29-F687-4f45-9708-019B960494DF}">
+                <a14:hiddenLine xmlns="" xmlns:a16="http://schemas.microsoft.com/office/drawing/2014/main" xmlns:p14="http://schemas.microsoft.com/office/powerpoint/2010/main" xmlns:a14="http://schemas.microsoft.com/office/drawing/2010/main" w="9525">
+                  <a:solidFill>
+                    <a:srgbClr val="000000"/>
+                  </a:solidFill>
+                  <a:round/>
+                  <a:headEnd/>
+                  <a:tailEnd/>
+                </a14:hiddenLine>
+              </a:ext>
+            </a:extLst>
+          </p:spPr>
+        </p:sp>
+        <p:sp>
+          <p:nvSpPr>
+            <p:cNvPr id="55" name="Freeform 41">
+              <a:extLst>
+                <a:ext uri="{FF2B5EF4-FFF2-40B4-BE49-F238E27FC236}">
+                  <a16:creationId xmlns:a16="http://schemas.microsoft.com/office/drawing/2014/main" id="{CFA7BB74-790B-45D7-B94B-DD4D83ED8195}"/>
+                </a:ext>
+                <a:ext uri="{C183D7F6-B498-43B3-948B-1728B52AA6E4}">
+                  <adec:decorative xmlns:adec="http://schemas.microsoft.com/office/drawing/2017/decorative" val="1"/>
+                </a:ext>
+              </a:extLst>
+            </p:cNvPr>
+            <p:cNvSpPr/>
+            <p:nvPr>
+              <p:extLst>
+                <p:ext uri="{386F3935-93C4-4BCD-93E2-E3B085C9AB24}">
+                  <p16:designElem xmlns:p16="http://schemas.microsoft.com/office/powerpoint/2015/main" val="1"/>
+                </p:ext>
+              </p:extLst>
+            </p:nvPr>
+          </p:nvSpPr>
+          <p:spPr bwMode="auto">
+            <a:xfrm>
+              <a:off x="280988" y="3417888"/>
+              <a:ext cx="142875" cy="474663"/>
+            </a:xfrm>
+            <a:custGeom>
+              <a:avLst/>
+              <a:gdLst/>
+              <a:ahLst/>
+              <a:cxnLst/>
+              <a:rect l="0" t="0" r="r" b="b"/>
+              <a:pathLst>
+                <a:path w="90" h="299">
+                  <a:moveTo>
+                    <a:pt x="12" y="299"/>
+                  </a:moveTo>
+                  <a:lnTo>
+                    <a:pt x="0" y="299"/>
+                  </a:lnTo>
+                  <a:lnTo>
+                    <a:pt x="0" y="80"/>
+                  </a:lnTo>
+                  <a:lnTo>
+                    <a:pt x="81" y="0"/>
+                  </a:lnTo>
+                  <a:lnTo>
+                    <a:pt x="90" y="8"/>
+                  </a:lnTo>
+                  <a:lnTo>
+                    <a:pt x="12" y="83"/>
+                  </a:lnTo>
+                  <a:lnTo>
+                    <a:pt x="12" y="299"/>
+                  </a:lnTo>
+                  <a:close/>
+                </a:path>
+              </a:pathLst>
+            </a:custGeom>
+            <a:grpFill/>
+            <a:ln>
+              <a:noFill/>
+            </a:ln>
+            <a:extLst>
+              <a:ext uri="{91240B29-F687-4f45-9708-019B960494DF}">
+                <a14:hiddenLine xmlns="" xmlns:a16="http://schemas.microsoft.com/office/drawing/2014/main" xmlns:p14="http://schemas.microsoft.com/office/powerpoint/2010/main" xmlns:a14="http://schemas.microsoft.com/office/drawing/2010/main" w="9525">
+                  <a:solidFill>
+                    <a:srgbClr val="000000"/>
+                  </a:solidFill>
+                  <a:round/>
+                  <a:headEnd/>
+                  <a:tailEnd/>
+                </a14:hiddenLine>
+              </a:ext>
+            </a:extLst>
+          </p:spPr>
+        </p:sp>
+        <p:sp>
+          <p:nvSpPr>
+            <p:cNvPr id="56" name="Freeform 42">
+              <a:extLst>
+                <a:ext uri="{FF2B5EF4-FFF2-40B4-BE49-F238E27FC236}">
+                  <a16:creationId xmlns:a16="http://schemas.microsoft.com/office/drawing/2014/main" id="{19BBC3FC-0052-4BDB-8D6A-421E07EE2637}"/>
+                </a:ext>
+                <a:ext uri="{C183D7F6-B498-43B3-948B-1728B52AA6E4}">
+                  <adec:decorative xmlns:adec="http://schemas.microsoft.com/office/drawing/2017/decorative" val="1"/>
+                </a:ext>
+              </a:extLst>
+            </p:cNvPr>
+            <p:cNvSpPr>
+              <a:spLocks noEditPoints="1"/>
+            </p:cNvSpPr>
+            <p:nvPr>
+              <p:extLst>
+                <p:ext uri="{386F3935-93C4-4BCD-93E2-E3B085C9AB24}">
+                  <p16:designElem xmlns:p16="http://schemas.microsoft.com/office/powerpoint/2015/main" val="1"/>
+                </p:ext>
+              </p:extLst>
+            </p:nvPr>
+          </p:nvSpPr>
+          <p:spPr bwMode="auto">
+            <a:xfrm>
+              <a:off x="238125" y="3883025"/>
+              <a:ext cx="109538" cy="109538"/>
+            </a:xfrm>
+            <a:custGeom>
+              <a:avLst/>
+              <a:gdLst/>
+              <a:ahLst/>
+              <a:cxnLst/>
+              <a:rect l="0" t="0" r="r" b="b"/>
+              <a:pathLst>
+                <a:path w="23" h="23">
+                  <a:moveTo>
+                    <a:pt x="11" y="23"/>
+                  </a:moveTo>
+                  <a:cubicBezTo>
+                    <a:pt x="5" y="23"/>
+                    <a:pt x="0" y="18"/>
+                    <a:pt x="0" y="12"/>
+                  </a:cubicBezTo>
+                  <a:cubicBezTo>
+                    <a:pt x="0" y="5"/>
+                    <a:pt x="5" y="0"/>
+                    <a:pt x="11" y="0"/>
+                  </a:cubicBezTo>
+                  <a:cubicBezTo>
+                    <a:pt x="17" y="0"/>
+                    <a:pt x="23" y="5"/>
+                    <a:pt x="23" y="12"/>
+                  </a:cubicBezTo>
+                  <a:cubicBezTo>
+                    <a:pt x="23" y="18"/>
+                    <a:pt x="17" y="23"/>
+                    <a:pt x="11" y="23"/>
+                  </a:cubicBezTo>
+                  <a:close/>
+                  <a:moveTo>
+                    <a:pt x="11" y="4"/>
+                  </a:moveTo>
+                  <a:cubicBezTo>
+                    <a:pt x="7" y="4"/>
+                    <a:pt x="4" y="8"/>
+                    <a:pt x="4" y="12"/>
+                  </a:cubicBezTo>
+                  <a:cubicBezTo>
+                    <a:pt x="4" y="16"/>
+                    <a:pt x="7" y="19"/>
+                    <a:pt x="11" y="19"/>
+                  </a:cubicBezTo>
+                  <a:cubicBezTo>
+                    <a:pt x="15" y="19"/>
+                    <a:pt x="19" y="16"/>
+                    <a:pt x="19" y="12"/>
+                  </a:cubicBezTo>
+                  <a:cubicBezTo>
+                    <a:pt x="19" y="8"/>
+                    <a:pt x="15" y="4"/>
+                    <a:pt x="11" y="4"/>
+                  </a:cubicBezTo>
+                  <a:close/>
+                </a:path>
+              </a:pathLst>
+            </a:custGeom>
+            <a:grpFill/>
+            <a:ln>
+              <a:noFill/>
+            </a:ln>
+            <a:extLst>
+              <a:ext uri="{91240B29-F687-4f45-9708-019B960494DF}">
+                <a14:hiddenLine xmlns="" xmlns:a16="http://schemas.microsoft.com/office/drawing/2014/main" xmlns:p14="http://schemas.microsoft.com/office/powerpoint/2010/main" xmlns:a14="http://schemas.microsoft.com/office/drawing/2010/main" w="9525">
+                  <a:solidFill>
+                    <a:srgbClr val="000000"/>
+                  </a:solidFill>
+                  <a:round/>
+                  <a:headEnd/>
+                  <a:tailEnd/>
+                </a14:hiddenLine>
+              </a:ext>
+            </a:extLst>
+          </p:spPr>
+        </p:sp>
+        <p:sp>
+          <p:nvSpPr>
+            <p:cNvPr id="57" name="Freeform 43">
+              <a:extLst>
+                <a:ext uri="{FF2B5EF4-FFF2-40B4-BE49-F238E27FC236}">
+                  <a16:creationId xmlns:a16="http://schemas.microsoft.com/office/drawing/2014/main" id="{42A3E4B3-707A-4D0A-BEED-61A77E960804}"/>
+                </a:ext>
+                <a:ext uri="{C183D7F6-B498-43B3-948B-1728B52AA6E4}">
+                  <adec:decorative xmlns:adec="http://schemas.microsoft.com/office/drawing/2017/decorative" val="1"/>
+                </a:ext>
+              </a:extLst>
+            </p:cNvPr>
+            <p:cNvSpPr/>
+            <p:nvPr>
+              <p:extLst>
+                <p:ext uri="{386F3935-93C4-4BCD-93E2-E3B085C9AB24}">
+                  <p16:designElem xmlns:p16="http://schemas.microsoft.com/office/powerpoint/2015/main" val="1"/>
+                </p:ext>
+              </p:extLst>
+            </p:nvPr>
+          </p:nvSpPr>
+          <p:spPr bwMode="auto">
+            <a:xfrm>
+              <a:off x="4763" y="2166938"/>
+              <a:ext cx="114300" cy="452438"/>
+            </a:xfrm>
+            <a:custGeom>
+              <a:avLst/>
+              <a:gdLst/>
+              <a:ahLst/>
+              <a:cxnLst/>
+              <a:rect l="0" t="0" r="r" b="b"/>
+              <a:pathLst>
+                <a:path w="72" h="285">
+                  <a:moveTo>
+                    <a:pt x="6" y="285"/>
+                  </a:moveTo>
+                  <a:lnTo>
+                    <a:pt x="0" y="276"/>
+                  </a:lnTo>
+                  <a:lnTo>
+                    <a:pt x="60" y="216"/>
+                  </a:lnTo>
+                  <a:lnTo>
+                    <a:pt x="60" y="0"/>
+                  </a:lnTo>
+                  <a:lnTo>
+                    <a:pt x="72" y="0"/>
+                  </a:lnTo>
+                  <a:lnTo>
+                    <a:pt x="72" y="222"/>
+                  </a:lnTo>
+                  <a:lnTo>
+                    <a:pt x="6" y="285"/>
+                  </a:lnTo>
+                  <a:close/>
+                </a:path>
+              </a:pathLst>
+            </a:custGeom>
+            <a:grpFill/>
+            <a:ln>
+              <a:noFill/>
+            </a:ln>
+            <a:extLst>
+              <a:ext uri="{91240B29-F687-4f45-9708-019B960494DF}">
+                <a14:hiddenLine xmlns="" xmlns:a16="http://schemas.microsoft.com/office/drawing/2014/main" xmlns:p14="http://schemas.microsoft.com/office/powerpoint/2010/main" xmlns:a14="http://schemas.microsoft.com/office/drawing/2010/main" w="9525">
+                  <a:solidFill>
+                    <a:srgbClr val="000000"/>
+                  </a:solidFill>
+                  <a:round/>
+                  <a:headEnd/>
+                  <a:tailEnd/>
+                </a14:hiddenLine>
+              </a:ext>
+            </a:extLst>
+          </p:spPr>
+        </p:sp>
+        <p:sp>
+          <p:nvSpPr>
+            <p:cNvPr id="58" name="Freeform 44">
+              <a:extLst>
+                <a:ext uri="{FF2B5EF4-FFF2-40B4-BE49-F238E27FC236}">
+                  <a16:creationId xmlns:a16="http://schemas.microsoft.com/office/drawing/2014/main" id="{089BBE83-D985-45E9-B442-1326F6FBA58E}"/>
+                </a:ext>
+                <a:ext uri="{C183D7F6-B498-43B3-948B-1728B52AA6E4}">
+                  <adec:decorative xmlns:adec="http://schemas.microsoft.com/office/drawing/2017/decorative" val="1"/>
+                </a:ext>
+              </a:extLst>
+            </p:cNvPr>
+            <p:cNvSpPr>
+              <a:spLocks noEditPoints="1"/>
+            </p:cNvSpPr>
+            <p:nvPr>
+              <p:extLst>
+                <p:ext uri="{386F3935-93C4-4BCD-93E2-E3B085C9AB24}">
+                  <p16:designElem xmlns:p16="http://schemas.microsoft.com/office/powerpoint/2015/main" val="1"/>
+                </p:ext>
+              </p:extLst>
+            </p:nvPr>
+          </p:nvSpPr>
+          <p:spPr bwMode="auto">
+            <a:xfrm>
+              <a:off x="52388" y="2066925"/>
+              <a:ext cx="109538" cy="109538"/>
+            </a:xfrm>
+            <a:custGeom>
+              <a:avLst/>
+              <a:gdLst/>
+              <a:ahLst/>
+              <a:cxnLst/>
+              <a:rect l="0" t="0" r="r" b="b"/>
+              <a:pathLst>
+                <a:path w="23" h="23">
+                  <a:moveTo>
+                    <a:pt x="12" y="23"/>
+                  </a:moveTo>
+                  <a:cubicBezTo>
+                    <a:pt x="5" y="23"/>
+                    <a:pt x="0" y="18"/>
+                    <a:pt x="0" y="12"/>
+                  </a:cubicBezTo>
+                  <a:cubicBezTo>
+                    <a:pt x="0" y="5"/>
+                    <a:pt x="5" y="0"/>
+                    <a:pt x="12" y="0"/>
+                  </a:cubicBezTo>
+                  <a:cubicBezTo>
+                    <a:pt x="18" y="0"/>
+                    <a:pt x="23" y="5"/>
+                    <a:pt x="23" y="12"/>
+                  </a:cubicBezTo>
+                  <a:cubicBezTo>
+                    <a:pt x="23" y="18"/>
+                    <a:pt x="18" y="23"/>
+                    <a:pt x="12" y="23"/>
+                  </a:cubicBezTo>
+                  <a:close/>
+                  <a:moveTo>
+                    <a:pt x="12" y="4"/>
+                  </a:moveTo>
+                  <a:cubicBezTo>
+                    <a:pt x="8" y="4"/>
+                    <a:pt x="4" y="8"/>
+                    <a:pt x="4" y="12"/>
+                  </a:cubicBezTo>
+                  <a:cubicBezTo>
+                    <a:pt x="4" y="16"/>
+                    <a:pt x="8" y="19"/>
+                    <a:pt x="12" y="19"/>
+                  </a:cubicBezTo>
+                  <a:cubicBezTo>
+                    <a:pt x="16" y="19"/>
+                    <a:pt x="19" y="16"/>
+                    <a:pt x="19" y="12"/>
+                  </a:cubicBezTo>
+                  <a:cubicBezTo>
+                    <a:pt x="19" y="8"/>
+                    <a:pt x="16" y="4"/>
+                    <a:pt x="12" y="4"/>
+                  </a:cubicBezTo>
+                  <a:close/>
+                </a:path>
+              </a:pathLst>
+            </a:custGeom>
+            <a:grpFill/>
+            <a:ln>
+              <a:noFill/>
+            </a:ln>
+            <a:extLst>
+              <a:ext uri="{91240B29-F687-4f45-9708-019B960494DF}">
+                <a14:hiddenLine xmlns="" xmlns:a16="http://schemas.microsoft.com/office/drawing/2014/main" xmlns:p14="http://schemas.microsoft.com/office/powerpoint/2010/main" xmlns:a14="http://schemas.microsoft.com/office/drawing/2010/main" w="9525">
+                  <a:solidFill>
+                    <a:srgbClr val="000000"/>
+                  </a:solidFill>
+                  <a:round/>
+                  <a:headEnd/>
+                  <a:tailEnd/>
+                </a14:hiddenLine>
+              </a:ext>
+            </a:extLst>
+          </p:spPr>
+        </p:sp>
+        <p:sp>
+          <p:nvSpPr>
+            <p:cNvPr id="59" name="Rectangle 45">
+              <a:extLst>
+                <a:ext uri="{FF2B5EF4-FFF2-40B4-BE49-F238E27FC236}">
+                  <a16:creationId xmlns:a16="http://schemas.microsoft.com/office/drawing/2014/main" id="{FE1B194F-F703-4020-92ED-DBDB5C2344C5}"/>
+                </a:ext>
+                <a:ext uri="{C183D7F6-B498-43B3-948B-1728B52AA6E4}">
+                  <adec:decorative xmlns:adec="http://schemas.microsoft.com/office/drawing/2017/decorative" val="1"/>
+                </a:ext>
+              </a:extLst>
+            </p:cNvPr>
+            <p:cNvSpPr>
+              <a:spLocks noChangeArrowheads="1"/>
+            </p:cNvSpPr>
+            <p:nvPr>
+              <p:extLst>
+                <p:ext uri="{386F3935-93C4-4BCD-93E2-E3B085C9AB24}">
+                  <p16:designElem xmlns:p16="http://schemas.microsoft.com/office/powerpoint/2015/main" val="1"/>
+                </p:ext>
+              </p:extLst>
+            </p:nvPr>
+          </p:nvSpPr>
+          <p:spPr bwMode="auto">
+            <a:xfrm>
+              <a:off x="1228725" y="4662488"/>
+              <a:ext cx="23813" cy="2181225"/>
+            </a:xfrm>
+            <a:prstGeom prst="rect">
+              <a:avLst/>
+            </a:prstGeom>
+            <a:grpFill/>
+            <a:ln>
+              <a:noFill/>
+            </a:ln>
+            <a:extLst>
+              <a:ext uri="{91240B29-F687-4f45-9708-019B960494DF}">
+                <a14:hiddenLine xmlns="" xmlns:a16="http://schemas.microsoft.com/office/drawing/2014/main" xmlns:p14="http://schemas.microsoft.com/office/powerpoint/2010/main" xmlns:a14="http://schemas.microsoft.com/office/drawing/2010/main" w="9525">
+                  <a:solidFill>
+                    <a:srgbClr val="000000"/>
+                  </a:solidFill>
+                  <a:miter lim="800000"/>
+                  <a:headEnd/>
+                  <a:tailEnd/>
+                </a14:hiddenLine>
+              </a:ext>
+            </a:extLst>
+          </p:spPr>
+        </p:sp>
+        <p:sp>
+          <p:nvSpPr>
+            <p:cNvPr id="60" name="Freeform 46">
+              <a:extLst>
+                <a:ext uri="{FF2B5EF4-FFF2-40B4-BE49-F238E27FC236}">
+                  <a16:creationId xmlns:a16="http://schemas.microsoft.com/office/drawing/2014/main" id="{D7A22662-B7AF-4857-AD78-716690A26849}"/>
+                </a:ext>
+                <a:ext uri="{C183D7F6-B498-43B3-948B-1728B52AA6E4}">
+                  <adec:decorative xmlns:adec="http://schemas.microsoft.com/office/drawing/2017/decorative" val="1"/>
+                </a:ext>
+              </a:extLst>
+            </p:cNvPr>
+            <p:cNvSpPr/>
+            <p:nvPr>
+              <p:extLst>
+                <p:ext uri="{386F3935-93C4-4BCD-93E2-E3B085C9AB24}">
+                  <p16:designElem xmlns:p16="http://schemas.microsoft.com/office/powerpoint/2015/main" val="1"/>
+                </p:ext>
+              </p:extLst>
+            </p:nvPr>
+          </p:nvSpPr>
+          <p:spPr bwMode="auto">
+            <a:xfrm>
+              <a:off x="1319213" y="5041900"/>
+              <a:ext cx="371475" cy="1801813"/>
+            </a:xfrm>
+            <a:custGeom>
+              <a:avLst/>
+              <a:gdLst/>
+              <a:ahLst/>
+              <a:cxnLst/>
+              <a:rect l="0" t="0" r="r" b="b"/>
+              <a:pathLst>
+                <a:path w="234" h="1135">
+                  <a:moveTo>
+                    <a:pt x="15" y="1135"/>
+                  </a:moveTo>
+                  <a:lnTo>
+                    <a:pt x="0" y="1135"/>
+                  </a:lnTo>
+                  <a:lnTo>
+                    <a:pt x="0" y="515"/>
+                  </a:lnTo>
+                  <a:lnTo>
+                    <a:pt x="0" y="512"/>
+                  </a:lnTo>
+                  <a:lnTo>
+                    <a:pt x="219" y="0"/>
+                  </a:lnTo>
+                  <a:lnTo>
+                    <a:pt x="234" y="6"/>
+                  </a:lnTo>
+                  <a:lnTo>
+                    <a:pt x="15" y="518"/>
+                  </a:lnTo>
+                  <a:lnTo>
+                    <a:pt x="15" y="1135"/>
+                  </a:lnTo>
+                  <a:close/>
+                </a:path>
+              </a:pathLst>
+            </a:custGeom>
+            <a:grpFill/>
+            <a:ln>
+              <a:noFill/>
+            </a:ln>
+            <a:extLst>
+              <a:ext uri="{91240B29-F687-4f45-9708-019B960494DF}">
+                <a14:hiddenLine xmlns="" xmlns:a16="http://schemas.microsoft.com/office/drawing/2014/main" xmlns:p14="http://schemas.microsoft.com/office/powerpoint/2010/main" xmlns:a14="http://schemas.microsoft.com/office/drawing/2010/main" w="9525">
+                  <a:solidFill>
+                    <a:srgbClr val="000000"/>
+                  </a:solidFill>
+                  <a:round/>
+                  <a:headEnd/>
+                  <a:tailEnd/>
+                </a14:hiddenLine>
+              </a:ext>
+            </a:extLst>
+          </p:spPr>
+        </p:sp>
+        <p:sp>
+          <p:nvSpPr>
+            <p:cNvPr id="61" name="Freeform 47">
+              <a:extLst>
+                <a:ext uri="{FF2B5EF4-FFF2-40B4-BE49-F238E27FC236}">
+                  <a16:creationId xmlns:a16="http://schemas.microsoft.com/office/drawing/2014/main" id="{62C16BE5-0C4B-48FC-ABA4-36A8F2DFE1F1}"/>
+                </a:ext>
+                <a:ext uri="{C183D7F6-B498-43B3-948B-1728B52AA6E4}">
+                  <adec:decorative xmlns:adec="http://schemas.microsoft.com/office/drawing/2017/decorative" val="1"/>
+                </a:ext>
+              </a:extLst>
+            </p:cNvPr>
+            <p:cNvSpPr>
+              <a:spLocks noEditPoints="1"/>
+            </p:cNvSpPr>
+            <p:nvPr>
+              <p:extLst>
+                <p:ext uri="{386F3935-93C4-4BCD-93E2-E3B085C9AB24}">
+                  <p16:designElem xmlns:p16="http://schemas.microsoft.com/office/powerpoint/2015/main" val="1"/>
+                </p:ext>
+              </p:extLst>
+            </p:nvPr>
+          </p:nvSpPr>
+          <p:spPr bwMode="auto">
+            <a:xfrm>
+              <a:off x="1147763" y="4481513"/>
+              <a:ext cx="190500" cy="190500"/>
+            </a:xfrm>
+            <a:custGeom>
+              <a:avLst/>
+              <a:gdLst/>
+              <a:ahLst/>
+              <a:cxnLst/>
+              <a:rect l="0" t="0" r="r" b="b"/>
+              <a:pathLst>
+                <a:path w="40" h="40">
+                  <a:moveTo>
+                    <a:pt x="20" y="40"/>
+                  </a:moveTo>
+                  <a:cubicBezTo>
+                    <a:pt x="9" y="40"/>
+                    <a:pt x="0" y="31"/>
+                    <a:pt x="0" y="20"/>
+                  </a:cubicBezTo>
+                  <a:cubicBezTo>
+                    <a:pt x="0" y="9"/>
+                    <a:pt x="9" y="0"/>
+                    <a:pt x="20" y="0"/>
+                  </a:cubicBezTo>
+                  <a:cubicBezTo>
+                    <a:pt x="31" y="0"/>
+                    <a:pt x="40" y="9"/>
+                    <a:pt x="40" y="20"/>
+                  </a:cubicBezTo>
+                  <a:cubicBezTo>
+                    <a:pt x="40" y="31"/>
+                    <a:pt x="31" y="40"/>
+                    <a:pt x="20" y="40"/>
+                  </a:cubicBezTo>
+                  <a:close/>
+                  <a:moveTo>
+                    <a:pt x="20" y="4"/>
+                  </a:moveTo>
+                  <a:cubicBezTo>
+                    <a:pt x="11" y="4"/>
+                    <a:pt x="4" y="11"/>
+                    <a:pt x="4" y="20"/>
+                  </a:cubicBezTo>
+                  <a:cubicBezTo>
+                    <a:pt x="4" y="29"/>
+                    <a:pt x="11" y="36"/>
+                    <a:pt x="20" y="36"/>
+                  </a:cubicBezTo>
+                  <a:cubicBezTo>
+                    <a:pt x="28" y="36"/>
+                    <a:pt x="36" y="29"/>
+                    <a:pt x="36" y="20"/>
+                  </a:cubicBezTo>
+                  <a:cubicBezTo>
+                    <a:pt x="36" y="11"/>
+                    <a:pt x="28" y="4"/>
+                    <a:pt x="20" y="4"/>
+                  </a:cubicBezTo>
+                  <a:close/>
+                </a:path>
+              </a:pathLst>
+            </a:custGeom>
+            <a:grpFill/>
+            <a:ln>
+              <a:noFill/>
+            </a:ln>
+            <a:extLst>
+              <a:ext uri="{91240B29-F687-4f45-9708-019B960494DF}">
+                <a14:hiddenLine xmlns="" xmlns:a16="http://schemas.microsoft.com/office/drawing/2014/main" xmlns:p14="http://schemas.microsoft.com/office/powerpoint/2010/main" xmlns:a14="http://schemas.microsoft.com/office/drawing/2010/main" w="9525">
+                  <a:solidFill>
+                    <a:srgbClr val="000000"/>
+                  </a:solidFill>
+                  <a:round/>
+                  <a:headEnd/>
+                  <a:tailEnd/>
+                </a14:hiddenLine>
+              </a:ext>
+            </a:extLst>
+          </p:spPr>
+        </p:sp>
+        <p:sp>
+          <p:nvSpPr>
+            <p:cNvPr id="62" name="Freeform 48">
+              <a:extLst>
+                <a:ext uri="{FF2B5EF4-FFF2-40B4-BE49-F238E27FC236}">
+                  <a16:creationId xmlns:a16="http://schemas.microsoft.com/office/drawing/2014/main" id="{C2327DB7-B7F2-4829-909E-A03D6225224D}"/>
+                </a:ext>
+                <a:ext uri="{C183D7F6-B498-43B3-948B-1728B52AA6E4}">
+                  <adec:decorative xmlns:adec="http://schemas.microsoft.com/office/drawing/2017/decorative" val="1"/>
+                </a:ext>
+              </a:extLst>
+            </p:cNvPr>
+            <p:cNvSpPr/>
+            <p:nvPr>
+              <p:extLst>
+                <p:ext uri="{386F3935-93C4-4BCD-93E2-E3B085C9AB24}">
+                  <p16:designElem xmlns:p16="http://schemas.microsoft.com/office/powerpoint/2015/main" val="1"/>
+                </p:ext>
+              </p:extLst>
+            </p:nvPr>
+          </p:nvSpPr>
+          <p:spPr bwMode="auto">
+            <a:xfrm>
+              <a:off x="819150" y="3983038"/>
+              <a:ext cx="347663" cy="2860675"/>
+            </a:xfrm>
+            <a:custGeom>
+              <a:avLst/>
+              <a:gdLst/>
+              <a:ahLst/>
+              <a:cxnLst/>
+              <a:rect l="0" t="0" r="r" b="b"/>
+              <a:pathLst>
+                <a:path w="219" h="1802">
+                  <a:moveTo>
+                    <a:pt x="219" y="1802"/>
+                  </a:moveTo>
+                  <a:lnTo>
+                    <a:pt x="201" y="1802"/>
+                  </a:lnTo>
+                  <a:lnTo>
+                    <a:pt x="201" y="1185"/>
+                  </a:lnTo>
+                  <a:lnTo>
+                    <a:pt x="0" y="3"/>
+                  </a:lnTo>
+                  <a:lnTo>
+                    <a:pt x="15" y="0"/>
+                  </a:lnTo>
+                  <a:lnTo>
+                    <a:pt x="219" y="1185"/>
+                  </a:lnTo>
+                  <a:lnTo>
+                    <a:pt x="219" y="1802"/>
+                  </a:lnTo>
+                  <a:close/>
+                </a:path>
+              </a:pathLst>
+            </a:custGeom>
+            <a:grpFill/>
+            <a:ln>
+              <a:noFill/>
+            </a:ln>
+            <a:extLst>
+              <a:ext uri="{91240B29-F687-4f45-9708-019B960494DF}">
+                <a14:hiddenLine xmlns="" xmlns:a16="http://schemas.microsoft.com/office/drawing/2014/main" xmlns:p14="http://schemas.microsoft.com/office/powerpoint/2010/main" xmlns:a14="http://schemas.microsoft.com/office/drawing/2010/main" w="9525">
+                  <a:solidFill>
+                    <a:srgbClr val="000000"/>
+                  </a:solidFill>
+                  <a:round/>
+                  <a:headEnd/>
+                  <a:tailEnd/>
+                </a14:hiddenLine>
+              </a:ext>
+            </a:extLst>
+          </p:spPr>
+        </p:sp>
+        <p:sp>
+          <p:nvSpPr>
+            <p:cNvPr id="63" name="Freeform 49">
+              <a:extLst>
+                <a:ext uri="{FF2B5EF4-FFF2-40B4-BE49-F238E27FC236}">
+                  <a16:creationId xmlns:a16="http://schemas.microsoft.com/office/drawing/2014/main" id="{167918EB-9EB1-413F-8C39-F018CCDCCD81}"/>
+                </a:ext>
+                <a:ext uri="{C183D7F6-B498-43B3-948B-1728B52AA6E4}">
+                  <adec:decorative xmlns:adec="http://schemas.microsoft.com/office/drawing/2017/decorative" val="1"/>
+                </a:ext>
+              </a:extLst>
+            </p:cNvPr>
+            <p:cNvSpPr>
+              <a:spLocks noEditPoints="1"/>
+            </p:cNvSpPr>
+            <p:nvPr>
+              <p:extLst>
+                <p:ext uri="{386F3935-93C4-4BCD-93E2-E3B085C9AB24}">
+                  <p16:designElem xmlns:p16="http://schemas.microsoft.com/office/powerpoint/2015/main" val="1"/>
+                </p:ext>
+              </p:extLst>
+            </p:nvPr>
+          </p:nvSpPr>
+          <p:spPr bwMode="auto">
+            <a:xfrm>
+              <a:off x="728663" y="3806825"/>
+              <a:ext cx="190500" cy="190500"/>
+            </a:xfrm>
+            <a:custGeom>
+              <a:avLst/>
+              <a:gdLst/>
+              <a:ahLst/>
+              <a:cxnLst/>
+              <a:rect l="0" t="0" r="r" b="b"/>
+              <a:pathLst>
+                <a:path w="40" h="40">
+                  <a:moveTo>
+                    <a:pt x="20" y="40"/>
+                  </a:moveTo>
+                  <a:cubicBezTo>
+                    <a:pt x="9" y="40"/>
+                    <a:pt x="0" y="31"/>
+                    <a:pt x="0" y="20"/>
+                  </a:cubicBezTo>
+                  <a:cubicBezTo>
+                    <a:pt x="0" y="9"/>
+                    <a:pt x="9" y="0"/>
+                    <a:pt x="20" y="0"/>
+                  </a:cubicBezTo>
+                  <a:cubicBezTo>
+                    <a:pt x="31" y="0"/>
+                    <a:pt x="40" y="9"/>
+                    <a:pt x="40" y="20"/>
+                  </a:cubicBezTo>
+                  <a:cubicBezTo>
+                    <a:pt x="40" y="31"/>
+                    <a:pt x="31" y="40"/>
+                    <a:pt x="20" y="40"/>
+                  </a:cubicBezTo>
+                  <a:close/>
+                  <a:moveTo>
+                    <a:pt x="20" y="4"/>
+                  </a:moveTo>
+                  <a:cubicBezTo>
+                    <a:pt x="11" y="4"/>
+                    <a:pt x="4" y="11"/>
+                    <a:pt x="4" y="20"/>
+                  </a:cubicBezTo>
+                  <a:cubicBezTo>
+                    <a:pt x="4" y="28"/>
+                    <a:pt x="11" y="36"/>
+                    <a:pt x="20" y="36"/>
+                  </a:cubicBezTo>
+                  <a:cubicBezTo>
+                    <a:pt x="29" y="36"/>
+                    <a:pt x="36" y="28"/>
+                    <a:pt x="36" y="20"/>
+                  </a:cubicBezTo>
+                  <a:cubicBezTo>
+                    <a:pt x="36" y="11"/>
+                    <a:pt x="29" y="4"/>
+                    <a:pt x="20" y="4"/>
+                  </a:cubicBezTo>
+                  <a:close/>
+                </a:path>
+              </a:pathLst>
+            </a:custGeom>
+            <a:grpFill/>
+            <a:ln>
+              <a:noFill/>
+            </a:ln>
+            <a:extLst>
+              <a:ext uri="{91240B29-F687-4f45-9708-019B960494DF}">
+                <a14:hiddenLine xmlns="" xmlns:a16="http://schemas.microsoft.com/office/drawing/2014/main" xmlns:p14="http://schemas.microsoft.com/office/powerpoint/2010/main" xmlns:a14="http://schemas.microsoft.com/office/drawing/2010/main" w="9525">
+                  <a:solidFill>
+                    <a:srgbClr val="000000"/>
+                  </a:solidFill>
+                  <a:round/>
+                  <a:headEnd/>
+                  <a:tailEnd/>
+                </a14:hiddenLine>
+              </a:ext>
+            </a:extLst>
+          </p:spPr>
+        </p:sp>
+        <p:sp>
+          <p:nvSpPr>
+            <p:cNvPr id="64" name="Freeform 50">
+              <a:extLst>
+                <a:ext uri="{FF2B5EF4-FFF2-40B4-BE49-F238E27FC236}">
+                  <a16:creationId xmlns:a16="http://schemas.microsoft.com/office/drawing/2014/main" id="{B971E245-631A-4364-A177-C1D1B6B4D338}"/>
+                </a:ext>
+                <a:ext uri="{C183D7F6-B498-43B3-948B-1728B52AA6E4}">
+                  <adec:decorative xmlns:adec="http://schemas.microsoft.com/office/drawing/2017/decorative" val="1"/>
+                </a:ext>
+              </a:extLst>
+            </p:cNvPr>
+            <p:cNvSpPr>
+              <a:spLocks noEditPoints="1"/>
+            </p:cNvSpPr>
+            <p:nvPr>
+              <p:extLst>
+                <p:ext uri="{386F3935-93C4-4BCD-93E2-E3B085C9AB24}">
+                  <p16:designElem xmlns:p16="http://schemas.microsoft.com/office/powerpoint/2015/main" val="1"/>
+                </p:ext>
+              </p:extLst>
+            </p:nvPr>
+          </p:nvSpPr>
+          <p:spPr bwMode="auto">
+            <a:xfrm>
+              <a:off x="1624013" y="4867275"/>
+              <a:ext cx="190500" cy="188913"/>
+            </a:xfrm>
+            <a:custGeom>
+              <a:avLst/>
+              <a:gdLst/>
+              <a:ahLst/>
+              <a:cxnLst/>
+              <a:rect l="0" t="0" r="r" b="b"/>
+              <a:pathLst>
+                <a:path w="40" h="40">
+                  <a:moveTo>
+                    <a:pt x="20" y="40"/>
+                  </a:moveTo>
+                  <a:cubicBezTo>
+                    <a:pt x="9" y="40"/>
+                    <a:pt x="0" y="31"/>
+                    <a:pt x="0" y="20"/>
+                  </a:cubicBezTo>
+                  <a:cubicBezTo>
+                    <a:pt x="0" y="9"/>
+                    <a:pt x="9" y="0"/>
+                    <a:pt x="20" y="0"/>
+                  </a:cubicBezTo>
+                  <a:cubicBezTo>
+                    <a:pt x="31" y="0"/>
+                    <a:pt x="40" y="9"/>
+                    <a:pt x="40" y="20"/>
+                  </a:cubicBezTo>
+                  <a:cubicBezTo>
+                    <a:pt x="40" y="31"/>
+                    <a:pt x="31" y="40"/>
+                    <a:pt x="20" y="40"/>
+                  </a:cubicBezTo>
+                  <a:close/>
+                  <a:moveTo>
+                    <a:pt x="20" y="4"/>
+                  </a:moveTo>
+                  <a:cubicBezTo>
+                    <a:pt x="11" y="4"/>
+                    <a:pt x="4" y="11"/>
+                    <a:pt x="4" y="20"/>
+                  </a:cubicBezTo>
+                  <a:cubicBezTo>
+                    <a:pt x="4" y="29"/>
+                    <a:pt x="11" y="36"/>
+                    <a:pt x="20" y="36"/>
+                  </a:cubicBezTo>
+                  <a:cubicBezTo>
+                    <a:pt x="28" y="36"/>
+                    <a:pt x="36" y="29"/>
+                    <a:pt x="36" y="20"/>
+                  </a:cubicBezTo>
+                  <a:cubicBezTo>
+                    <a:pt x="36" y="11"/>
+                    <a:pt x="28" y="4"/>
+                    <a:pt x="20" y="4"/>
+                  </a:cubicBezTo>
+                  <a:close/>
+                </a:path>
+              </a:pathLst>
+            </a:custGeom>
+            <a:grpFill/>
+            <a:ln>
+              <a:noFill/>
+            </a:ln>
+            <a:extLst>
+              <a:ext uri="{91240B29-F687-4f45-9708-019B960494DF}">
+                <a14:hiddenLine xmlns="" xmlns:a16="http://schemas.microsoft.com/office/drawing/2014/main" xmlns:p14="http://schemas.microsoft.com/office/powerpoint/2010/main" xmlns:a14="http://schemas.microsoft.com/office/drawing/2010/main" w="9525">
+                  <a:solidFill>
+                    <a:srgbClr val="000000"/>
+                  </a:solidFill>
+                  <a:round/>
+                  <a:headEnd/>
+                  <a:tailEnd/>
+                </a14:hiddenLine>
+              </a:ext>
+            </a:extLst>
+          </p:spPr>
+        </p:sp>
+        <p:sp>
+          <p:nvSpPr>
+            <p:cNvPr id="65" name="Freeform 51">
+              <a:extLst>
+                <a:ext uri="{FF2B5EF4-FFF2-40B4-BE49-F238E27FC236}">
+                  <a16:creationId xmlns:a16="http://schemas.microsoft.com/office/drawing/2014/main" id="{1D4C1872-66E3-45EB-BDE7-26C02A1763E1}"/>
+                </a:ext>
+                <a:ext uri="{C183D7F6-B498-43B3-948B-1728B52AA6E4}">
+                  <adec:decorative xmlns:adec="http://schemas.microsoft.com/office/drawing/2017/decorative" val="1"/>
+                </a:ext>
+              </a:extLst>
+            </p:cNvPr>
+            <p:cNvSpPr/>
+            <p:nvPr>
+              <p:extLst>
+                <p:ext uri="{386F3935-93C4-4BCD-93E2-E3B085C9AB24}">
+                  <p16:designElem xmlns:p16="http://schemas.microsoft.com/office/powerpoint/2015/main" val="1"/>
+                </p:ext>
+              </p:extLst>
+            </p:nvPr>
+          </p:nvSpPr>
+          <p:spPr bwMode="auto">
+            <a:xfrm>
+              <a:off x="1404938" y="5422900"/>
+              <a:ext cx="371475" cy="1425575"/>
+            </a:xfrm>
+            <a:custGeom>
+              <a:avLst/>
+              <a:gdLst/>
+              <a:ahLst/>
+              <a:cxnLst/>
+              <a:rect l="0" t="0" r="r" b="b"/>
+              <a:pathLst>
+                <a:path w="234" h="898">
+                  <a:moveTo>
+                    <a:pt x="18" y="898"/>
+                  </a:moveTo>
+                  <a:lnTo>
+                    <a:pt x="0" y="898"/>
+                  </a:lnTo>
+                  <a:lnTo>
+                    <a:pt x="0" y="515"/>
+                  </a:lnTo>
+                  <a:lnTo>
+                    <a:pt x="0" y="512"/>
+                  </a:lnTo>
+                  <a:lnTo>
+                    <a:pt x="222" y="0"/>
+                  </a:lnTo>
+                  <a:lnTo>
+                    <a:pt x="234" y="6"/>
+                  </a:lnTo>
+                  <a:lnTo>
+                    <a:pt x="18" y="518"/>
+                  </a:lnTo>
+                  <a:lnTo>
+                    <a:pt x="18" y="898"/>
+                  </a:lnTo>
+                  <a:close/>
+                </a:path>
+              </a:pathLst>
+            </a:custGeom>
+            <a:grpFill/>
+            <a:ln>
+              <a:noFill/>
+            </a:ln>
+            <a:extLst>
+              <a:ext uri="{91240B29-F687-4f45-9708-019B960494DF}">
+                <a14:hiddenLine xmlns="" xmlns:a16="http://schemas.microsoft.com/office/drawing/2014/main" xmlns:p14="http://schemas.microsoft.com/office/powerpoint/2010/main" xmlns:a14="http://schemas.microsoft.com/office/drawing/2010/main" w="9525">
+                  <a:solidFill>
+                    <a:srgbClr val="000000"/>
+                  </a:solidFill>
+                  <a:round/>
+                  <a:headEnd/>
+                  <a:tailEnd/>
+                </a14:hiddenLine>
+              </a:ext>
+            </a:extLst>
+          </p:spPr>
+        </p:sp>
+        <p:sp>
+          <p:nvSpPr>
+            <p:cNvPr id="66" name="Freeform 52">
+              <a:extLst>
+                <a:ext uri="{FF2B5EF4-FFF2-40B4-BE49-F238E27FC236}">
+                  <a16:creationId xmlns:a16="http://schemas.microsoft.com/office/drawing/2014/main" id="{D2BC0771-493C-4FEF-958F-859C5392439F}"/>
+                </a:ext>
+                <a:ext uri="{C183D7F6-B498-43B3-948B-1728B52AA6E4}">
+                  <adec:decorative xmlns:adec="http://schemas.microsoft.com/office/drawing/2017/decorative" val="1"/>
+                </a:ext>
+              </a:extLst>
+            </p:cNvPr>
+            <p:cNvSpPr/>
+            <p:nvPr>
+              <p:extLst>
+                <p:ext uri="{386F3935-93C4-4BCD-93E2-E3B085C9AB24}">
+                  <p16:designElem xmlns:p16="http://schemas.microsoft.com/office/powerpoint/2015/main" val="1"/>
+                </p:ext>
+              </p:extLst>
+            </p:nvPr>
+          </p:nvSpPr>
+          <p:spPr bwMode="auto">
+            <a:xfrm>
+              <a:off x="1666875" y="5945188"/>
+              <a:ext cx="152400" cy="912813"/>
+            </a:xfrm>
+            <a:custGeom>
+              <a:avLst/>
+              <a:gdLst/>
+              <a:ahLst/>
+              <a:cxnLst/>
+              <a:rect l="0" t="0" r="r" b="b"/>
+              <a:pathLst>
+                <a:path w="96" h="575">
+                  <a:moveTo>
+                    <a:pt x="15" y="575"/>
+                  </a:moveTo>
+                  <a:lnTo>
+                    <a:pt x="0" y="569"/>
+                  </a:lnTo>
+                  <a:lnTo>
+                    <a:pt x="81" y="383"/>
+                  </a:lnTo>
+                  <a:lnTo>
+                    <a:pt x="81" y="0"/>
+                  </a:lnTo>
+                  <a:lnTo>
+                    <a:pt x="96" y="0"/>
+                  </a:lnTo>
+                  <a:lnTo>
+                    <a:pt x="96" y="386"/>
+                  </a:lnTo>
+                  <a:lnTo>
+                    <a:pt x="15" y="575"/>
+                  </a:lnTo>
+                  <a:close/>
+                </a:path>
+              </a:pathLst>
+            </a:custGeom>
+            <a:grpFill/>
+            <a:ln>
+              <a:noFill/>
+            </a:ln>
+            <a:extLst>
+              <a:ext uri="{91240B29-F687-4f45-9708-019B960494DF}">
+                <a14:hiddenLine xmlns="" xmlns:a16="http://schemas.microsoft.com/office/drawing/2014/main" xmlns:p14="http://schemas.microsoft.com/office/powerpoint/2010/main" xmlns:a14="http://schemas.microsoft.com/office/drawing/2010/main" w="9525">
+                  <a:solidFill>
+                    <a:srgbClr val="000000"/>
+                  </a:solidFill>
+                  <a:round/>
+                  <a:headEnd/>
+                  <a:tailEnd/>
+                </a14:hiddenLine>
+              </a:ext>
+            </a:extLst>
+          </p:spPr>
+        </p:sp>
+        <p:sp>
+          <p:nvSpPr>
+            <p:cNvPr id="67" name="Freeform 53">
+              <a:extLst>
+                <a:ext uri="{FF2B5EF4-FFF2-40B4-BE49-F238E27FC236}">
+                  <a16:creationId xmlns:a16="http://schemas.microsoft.com/office/drawing/2014/main" id="{E339169B-1EE1-4E4F-BA0C-BD3AD57FD75F}"/>
+                </a:ext>
+                <a:ext uri="{C183D7F6-B498-43B3-948B-1728B52AA6E4}">
+                  <adec:decorative xmlns:adec="http://schemas.microsoft.com/office/drawing/2017/decorative" val="1"/>
+                </a:ext>
+              </a:extLst>
+            </p:cNvPr>
+            <p:cNvSpPr>
+              <a:spLocks noEditPoints="1"/>
+            </p:cNvSpPr>
+            <p:nvPr>
+              <p:extLst>
+                <p:ext uri="{386F3935-93C4-4BCD-93E2-E3B085C9AB24}">
+                  <p16:designElem xmlns:p16="http://schemas.microsoft.com/office/powerpoint/2015/main" val="1"/>
+                </p:ext>
+              </p:extLst>
+            </p:nvPr>
+          </p:nvSpPr>
+          <p:spPr bwMode="auto">
+            <a:xfrm>
+              <a:off x="1709738" y="5246688"/>
+              <a:ext cx="190500" cy="190500"/>
+            </a:xfrm>
+            <a:custGeom>
+              <a:avLst/>
+              <a:gdLst/>
+              <a:ahLst/>
+              <a:cxnLst/>
+              <a:rect l="0" t="0" r="r" b="b"/>
+              <a:pathLst>
+                <a:path w="40" h="40">
+                  <a:moveTo>
+                    <a:pt x="20" y="40"/>
+                  </a:moveTo>
+                  <a:cubicBezTo>
+                    <a:pt x="9" y="40"/>
+                    <a:pt x="0" y="31"/>
+                    <a:pt x="0" y="20"/>
+                  </a:cubicBezTo>
+                  <a:cubicBezTo>
+                    <a:pt x="0" y="9"/>
+                    <a:pt x="9" y="0"/>
+                    <a:pt x="20" y="0"/>
+                  </a:cubicBezTo>
+                  <a:cubicBezTo>
+                    <a:pt x="31" y="0"/>
+                    <a:pt x="40" y="9"/>
+                    <a:pt x="40" y="20"/>
+                  </a:cubicBezTo>
+                  <a:cubicBezTo>
+                    <a:pt x="40" y="31"/>
+                    <a:pt x="31" y="40"/>
+                    <a:pt x="20" y="40"/>
+                  </a:cubicBezTo>
+                  <a:close/>
+                  <a:moveTo>
+                    <a:pt x="20" y="4"/>
+                  </a:moveTo>
+                  <a:cubicBezTo>
+                    <a:pt x="11" y="4"/>
+                    <a:pt x="4" y="11"/>
+                    <a:pt x="4" y="20"/>
+                  </a:cubicBezTo>
+                  <a:cubicBezTo>
+                    <a:pt x="4" y="29"/>
+                    <a:pt x="11" y="36"/>
+                    <a:pt x="20" y="36"/>
+                  </a:cubicBezTo>
+                  <a:cubicBezTo>
+                    <a:pt x="29" y="36"/>
+                    <a:pt x="36" y="29"/>
+                    <a:pt x="36" y="20"/>
+                  </a:cubicBezTo>
+                  <a:cubicBezTo>
+                    <a:pt x="36" y="11"/>
+                    <a:pt x="29" y="4"/>
+                    <a:pt x="20" y="4"/>
+                  </a:cubicBezTo>
+                  <a:close/>
+                </a:path>
+              </a:pathLst>
+            </a:custGeom>
+            <a:grpFill/>
+            <a:ln>
+              <a:noFill/>
+            </a:ln>
+            <a:extLst>
+              <a:ext uri="{91240B29-F687-4f45-9708-019B960494DF}">
+                <a14:hiddenLine xmlns="" xmlns:a16="http://schemas.microsoft.com/office/drawing/2014/main" xmlns:p14="http://schemas.microsoft.com/office/powerpoint/2010/main" xmlns:a14="http://schemas.microsoft.com/office/drawing/2010/main" w="9525">
+                  <a:solidFill>
+                    <a:srgbClr val="000000"/>
+                  </a:solidFill>
+                  <a:round/>
+                  <a:headEnd/>
+                  <a:tailEnd/>
+                </a14:hiddenLine>
+              </a:ext>
+            </a:extLst>
+          </p:spPr>
+        </p:sp>
+        <p:sp>
+          <p:nvSpPr>
+            <p:cNvPr id="68" name="Freeform 54">
+              <a:extLst>
+                <a:ext uri="{FF2B5EF4-FFF2-40B4-BE49-F238E27FC236}">
+                  <a16:creationId xmlns:a16="http://schemas.microsoft.com/office/drawing/2014/main" id="{BBC80538-8C59-46A3-B187-66C9A6D3F2D0}"/>
+                </a:ext>
+                <a:ext uri="{C183D7F6-B498-43B3-948B-1728B52AA6E4}">
+                  <adec:decorative xmlns:adec="http://schemas.microsoft.com/office/drawing/2017/decorative" val="1"/>
+                </a:ext>
+              </a:extLst>
+            </p:cNvPr>
+            <p:cNvSpPr>
+              <a:spLocks noEditPoints="1"/>
+            </p:cNvSpPr>
+            <p:nvPr>
+              <p:extLst>
+                <p:ext uri="{386F3935-93C4-4BCD-93E2-E3B085C9AB24}">
+                  <p16:designElem xmlns:p16="http://schemas.microsoft.com/office/powerpoint/2015/main" val="1"/>
+                </p:ext>
+              </p:extLst>
+            </p:nvPr>
+          </p:nvSpPr>
+          <p:spPr bwMode="auto">
+            <a:xfrm>
+              <a:off x="1709738" y="5764213"/>
+              <a:ext cx="190500" cy="190500"/>
+            </a:xfrm>
+            <a:custGeom>
+              <a:avLst/>
+              <a:gdLst/>
+              <a:ahLst/>
+              <a:cxnLst/>
+              <a:rect l="0" t="0" r="r" b="b"/>
+              <a:pathLst>
+                <a:path w="40" h="40">
+                  <a:moveTo>
+                    <a:pt x="20" y="40"/>
+                  </a:moveTo>
+                  <a:cubicBezTo>
+                    <a:pt x="9" y="40"/>
+                    <a:pt x="0" y="31"/>
+                    <a:pt x="0" y="20"/>
+                  </a:cubicBezTo>
+                  <a:cubicBezTo>
+                    <a:pt x="0" y="9"/>
+                    <a:pt x="9" y="0"/>
+                    <a:pt x="20" y="0"/>
+                  </a:cubicBezTo>
+                  <a:cubicBezTo>
+                    <a:pt x="31" y="0"/>
+                    <a:pt x="40" y="9"/>
+                    <a:pt x="40" y="20"/>
+                  </a:cubicBezTo>
+                  <a:cubicBezTo>
+                    <a:pt x="40" y="31"/>
+                    <a:pt x="31" y="40"/>
+                    <a:pt x="20" y="40"/>
+                  </a:cubicBezTo>
+                  <a:close/>
+                  <a:moveTo>
+                    <a:pt x="20" y="4"/>
+                  </a:moveTo>
+                  <a:cubicBezTo>
+                    <a:pt x="11" y="4"/>
+                    <a:pt x="4" y="11"/>
+                    <a:pt x="4" y="20"/>
+                  </a:cubicBezTo>
+                  <a:cubicBezTo>
+                    <a:pt x="4" y="29"/>
+                    <a:pt x="11" y="36"/>
+                    <a:pt x="20" y="36"/>
+                  </a:cubicBezTo>
+                  <a:cubicBezTo>
+                    <a:pt x="29" y="36"/>
+                    <a:pt x="36" y="29"/>
+                    <a:pt x="36" y="20"/>
+                  </a:cubicBezTo>
+                  <a:cubicBezTo>
+                    <a:pt x="36" y="11"/>
+                    <a:pt x="29" y="4"/>
+                    <a:pt x="20" y="4"/>
+                  </a:cubicBezTo>
+                  <a:close/>
+                </a:path>
+              </a:pathLst>
+            </a:custGeom>
+            <a:grpFill/>
+            <a:ln>
+              <a:noFill/>
+            </a:ln>
+            <a:extLst>
+              <a:ext uri="{91240B29-F687-4f45-9708-019B960494DF}">
+                <a14:hiddenLine xmlns="" xmlns:a16="http://schemas.microsoft.com/office/drawing/2014/main" xmlns:p14="http://schemas.microsoft.com/office/powerpoint/2010/main" xmlns:a14="http://schemas.microsoft.com/office/drawing/2010/main" w="9525">
+                  <a:solidFill>
+                    <a:srgbClr val="000000"/>
+                  </a:solidFill>
+                  <a:round/>
+                  <a:headEnd/>
+                  <a:tailEnd/>
+                </a14:hiddenLine>
+              </a:ext>
+            </a:extLst>
+          </p:spPr>
+        </p:sp>
+        <p:sp>
+          <p:nvSpPr>
+            <p:cNvPr id="69" name="Freeform 55">
+              <a:extLst>
+                <a:ext uri="{FF2B5EF4-FFF2-40B4-BE49-F238E27FC236}">
+                  <a16:creationId xmlns:a16="http://schemas.microsoft.com/office/drawing/2014/main" id="{C5F9090C-11D8-4272-815D-11B1911DA399}"/>
+                </a:ext>
+                <a:ext uri="{C183D7F6-B498-43B3-948B-1728B52AA6E4}">
+                  <adec:decorative xmlns:adec="http://schemas.microsoft.com/office/drawing/2017/decorative" val="1"/>
+                </a:ext>
+              </a:extLst>
+            </p:cNvPr>
+            <p:cNvSpPr/>
+            <p:nvPr>
+              <p:extLst>
+                <p:ext uri="{386F3935-93C4-4BCD-93E2-E3B085C9AB24}">
+                  <p16:designElem xmlns:p16="http://schemas.microsoft.com/office/powerpoint/2015/main" val="1"/>
+                </p:ext>
+              </p:extLst>
+            </p:nvPr>
+          </p:nvSpPr>
+          <p:spPr bwMode="auto">
+            <a:xfrm>
+              <a:off x="1766888" y="6330950"/>
+              <a:ext cx="419100" cy="527050"/>
+            </a:xfrm>
+            <a:custGeom>
+              <a:avLst/>
+              <a:gdLst/>
+              <a:ahLst/>
+              <a:cxnLst/>
+              <a:rect l="0" t="0" r="r" b="b"/>
+              <a:pathLst>
+                <a:path w="264" h="332">
+                  <a:moveTo>
+                    <a:pt x="12" y="332"/>
+                  </a:moveTo>
+                  <a:lnTo>
+                    <a:pt x="0" y="326"/>
+                  </a:lnTo>
+                  <a:lnTo>
+                    <a:pt x="45" y="206"/>
+                  </a:lnTo>
+                  <a:lnTo>
+                    <a:pt x="255" y="0"/>
+                  </a:lnTo>
+                  <a:lnTo>
+                    <a:pt x="264" y="12"/>
+                  </a:lnTo>
+                  <a:lnTo>
+                    <a:pt x="60" y="215"/>
+                  </a:lnTo>
+                  <a:lnTo>
+                    <a:pt x="12" y="332"/>
+                  </a:lnTo>
+                  <a:close/>
+                </a:path>
+              </a:pathLst>
+            </a:custGeom>
+            <a:grpFill/>
+            <a:ln>
+              <a:noFill/>
+            </a:ln>
+            <a:extLst>
+              <a:ext uri="{91240B29-F687-4f45-9708-019B960494DF}">
+                <a14:hiddenLine xmlns="" xmlns:a16="http://schemas.microsoft.com/office/drawing/2014/main" xmlns:p14="http://schemas.microsoft.com/office/powerpoint/2010/main" xmlns:a14="http://schemas.microsoft.com/office/drawing/2010/main" w="9525">
+                  <a:solidFill>
+                    <a:srgbClr val="000000"/>
+                  </a:solidFill>
+                  <a:round/>
+                  <a:headEnd/>
+                  <a:tailEnd/>
+                </a14:hiddenLine>
+              </a:ext>
+            </a:extLst>
+          </p:spPr>
+        </p:sp>
+        <p:sp>
+          <p:nvSpPr>
+            <p:cNvPr id="70" name="Freeform 56">
+              <a:extLst>
+                <a:ext uri="{FF2B5EF4-FFF2-40B4-BE49-F238E27FC236}">
+                  <a16:creationId xmlns:a16="http://schemas.microsoft.com/office/drawing/2014/main" id="{A361F786-6FA9-4EAD-81EF-BF4734D46633}"/>
+                </a:ext>
+                <a:ext uri="{C183D7F6-B498-43B3-948B-1728B52AA6E4}">
+                  <adec:decorative xmlns:adec="http://schemas.microsoft.com/office/drawing/2017/decorative" val="1"/>
+                </a:ext>
+              </a:extLst>
+            </p:cNvPr>
+            <p:cNvSpPr>
+              <a:spLocks noEditPoints="1"/>
+            </p:cNvSpPr>
+            <p:nvPr>
+              <p:extLst>
+                <p:ext uri="{386F3935-93C4-4BCD-93E2-E3B085C9AB24}">
+                  <p16:designElem xmlns:p16="http://schemas.microsoft.com/office/powerpoint/2015/main" val="1"/>
+                </p:ext>
+              </p:extLst>
+            </p:nvPr>
+          </p:nvSpPr>
+          <p:spPr bwMode="auto">
+            <a:xfrm>
+              <a:off x="2147888" y="6221413"/>
+              <a:ext cx="157163" cy="147638"/>
+            </a:xfrm>
+            <a:custGeom>
+              <a:avLst/>
+              <a:gdLst/>
+              <a:ahLst/>
+              <a:cxnLst/>
+              <a:rect l="0" t="0" r="r" b="b"/>
+              <a:pathLst>
+                <a:path w="33" h="31">
+                  <a:moveTo>
+                    <a:pt x="16" y="31"/>
+                  </a:moveTo>
+                  <a:cubicBezTo>
+                    <a:pt x="12" y="31"/>
+                    <a:pt x="8" y="29"/>
+                    <a:pt x="5" y="26"/>
+                  </a:cubicBezTo>
+                  <a:cubicBezTo>
+                    <a:pt x="2" y="24"/>
+                    <a:pt x="0" y="20"/>
+                    <a:pt x="0" y="15"/>
+                  </a:cubicBezTo>
+                  <a:cubicBezTo>
+                    <a:pt x="0" y="11"/>
+                    <a:pt x="2" y="7"/>
+                    <a:pt x="5" y="4"/>
+                  </a:cubicBezTo>
+                  <a:cubicBezTo>
+                    <a:pt x="8" y="1"/>
+                    <a:pt x="12" y="0"/>
+                    <a:pt x="16" y="0"/>
+                  </a:cubicBezTo>
+                  <a:cubicBezTo>
+                    <a:pt x="20" y="0"/>
+                    <a:pt x="24" y="1"/>
+                    <a:pt x="27" y="4"/>
+                  </a:cubicBezTo>
+                  <a:cubicBezTo>
+                    <a:pt x="33" y="10"/>
+                    <a:pt x="33" y="20"/>
+                    <a:pt x="27" y="26"/>
+                  </a:cubicBezTo>
+                  <a:cubicBezTo>
+                    <a:pt x="24" y="29"/>
+                    <a:pt x="20" y="31"/>
+                    <a:pt x="16" y="31"/>
+                  </a:cubicBezTo>
+                  <a:close/>
+                  <a:moveTo>
+                    <a:pt x="16" y="4"/>
+                  </a:moveTo>
+                  <a:cubicBezTo>
+                    <a:pt x="13" y="4"/>
+                    <a:pt x="10" y="5"/>
+                    <a:pt x="8" y="7"/>
+                  </a:cubicBezTo>
+                  <a:cubicBezTo>
+                    <a:pt x="6" y="9"/>
+                    <a:pt x="4" y="12"/>
+                    <a:pt x="4" y="15"/>
+                  </a:cubicBezTo>
+                  <a:cubicBezTo>
+                    <a:pt x="4" y="19"/>
+                    <a:pt x="6" y="21"/>
+                    <a:pt x="8" y="24"/>
+                  </a:cubicBezTo>
+                  <a:cubicBezTo>
+                    <a:pt x="10" y="26"/>
+                    <a:pt x="13" y="27"/>
+                    <a:pt x="16" y="27"/>
+                  </a:cubicBezTo>
+                  <a:cubicBezTo>
+                    <a:pt x="19" y="27"/>
+                    <a:pt x="22" y="26"/>
+                    <a:pt x="24" y="24"/>
+                  </a:cubicBezTo>
+                  <a:cubicBezTo>
+                    <a:pt x="29" y="19"/>
+                    <a:pt x="29" y="12"/>
+                    <a:pt x="24" y="7"/>
+                  </a:cubicBezTo>
+                  <a:cubicBezTo>
+                    <a:pt x="22" y="5"/>
+                    <a:pt x="19" y="4"/>
+                    <a:pt x="16" y="4"/>
+                  </a:cubicBezTo>
+                  <a:close/>
+                </a:path>
+              </a:pathLst>
+            </a:custGeom>
+            <a:grpFill/>
+            <a:ln>
+              <a:noFill/>
+            </a:ln>
+            <a:extLst>
+              <a:ext uri="{91240B29-F687-4f45-9708-019B960494DF}">
+                <a14:hiddenLine xmlns="" xmlns:a16="http://schemas.microsoft.com/office/drawing/2014/main" xmlns:p14="http://schemas.microsoft.com/office/powerpoint/2010/main" xmlns:a14="http://schemas.microsoft.com/office/drawing/2010/main" w="9525">
+                  <a:solidFill>
+                    <a:srgbClr val="000000"/>
+                  </a:solidFill>
+                  <a:round/>
+                  <a:headEnd/>
+                  <a:tailEnd/>
+                </a14:hiddenLine>
+              </a:ext>
+            </a:extLst>
+          </p:spPr>
+        </p:sp>
+        <p:sp>
+          <p:nvSpPr>
+            <p:cNvPr id="71" name="Freeform 57">
+              <a:extLst>
+                <a:ext uri="{FF2B5EF4-FFF2-40B4-BE49-F238E27FC236}">
+                  <a16:creationId xmlns:a16="http://schemas.microsoft.com/office/drawing/2014/main" id="{63B2A436-CEC8-477C-ACDD-6E5D2ABBC064}"/>
+                </a:ext>
+                <a:ext uri="{C183D7F6-B498-43B3-948B-1728B52AA6E4}">
+                  <adec:decorative xmlns:adec="http://schemas.microsoft.com/office/drawing/2017/decorative" val="1"/>
+                </a:ext>
+              </a:extLst>
+            </p:cNvPr>
+            <p:cNvSpPr/>
+            <p:nvPr>
+              <p:extLst>
+                <p:ext uri="{386F3935-93C4-4BCD-93E2-E3B085C9AB24}">
+                  <p16:designElem xmlns:p16="http://schemas.microsoft.com/office/powerpoint/2015/main" val="1"/>
+                </p:ext>
+              </p:extLst>
+            </p:nvPr>
+          </p:nvSpPr>
+          <p:spPr bwMode="auto">
+            <a:xfrm>
+              <a:off x="504825" y="9525"/>
+              <a:ext cx="233363" cy="5103813"/>
+            </a:xfrm>
+            <a:custGeom>
+              <a:avLst/>
+              <a:gdLst/>
+              <a:ahLst/>
+              <a:cxnLst/>
+              <a:rect l="0" t="0" r="r" b="b"/>
+              <a:pathLst>
+                <a:path w="147" h="3215">
+                  <a:moveTo>
+                    <a:pt x="132" y="3215"/>
+                  </a:moveTo>
+                  <a:lnTo>
+                    <a:pt x="129" y="2754"/>
+                  </a:lnTo>
+                  <a:lnTo>
+                    <a:pt x="0" y="1901"/>
+                  </a:lnTo>
+                  <a:lnTo>
+                    <a:pt x="0" y="0"/>
+                  </a:lnTo>
+                  <a:lnTo>
+                    <a:pt x="15" y="0"/>
+                  </a:lnTo>
+                  <a:lnTo>
+                    <a:pt x="15" y="1898"/>
+                  </a:lnTo>
+                  <a:lnTo>
+                    <a:pt x="144" y="2754"/>
+                  </a:lnTo>
+                  <a:lnTo>
+                    <a:pt x="147" y="3215"/>
+                  </a:lnTo>
+                  <a:lnTo>
+                    <a:pt x="132" y="3215"/>
+                  </a:lnTo>
+                  <a:close/>
+                </a:path>
+              </a:pathLst>
+            </a:custGeom>
+            <a:grpFill/>
+            <a:ln>
+              <a:noFill/>
+            </a:ln>
+            <a:extLst>
+              <a:ext uri="{91240B29-F687-4f45-9708-019B960494DF}">
+                <a14:hiddenLine xmlns="" xmlns:a16="http://schemas.microsoft.com/office/drawing/2014/main" xmlns:p14="http://schemas.microsoft.com/office/powerpoint/2010/main" xmlns:a14="http://schemas.microsoft.com/office/drawing/2010/main" w="9525">
+                  <a:solidFill>
+                    <a:srgbClr val="000000"/>
+                  </a:solidFill>
+                  <a:round/>
+                  <a:headEnd/>
+                  <a:tailEnd/>
+                </a14:hiddenLine>
+              </a:ext>
+            </a:extLst>
+          </p:spPr>
+        </p:sp>
+        <p:sp>
+          <p:nvSpPr>
+            <p:cNvPr id="72" name="Freeform 58">
+              <a:extLst>
+                <a:ext uri="{FF2B5EF4-FFF2-40B4-BE49-F238E27FC236}">
+                  <a16:creationId xmlns:a16="http://schemas.microsoft.com/office/drawing/2014/main" id="{7FAE92CD-EBFF-4DB4-9F5D-00D33E902E46}"/>
+                </a:ext>
+                <a:ext uri="{C183D7F6-B498-43B3-948B-1728B52AA6E4}">
+                  <adec:decorative xmlns:adec="http://schemas.microsoft.com/office/drawing/2017/decorative" val="1"/>
+                </a:ext>
+              </a:extLst>
+            </p:cNvPr>
+            <p:cNvSpPr>
+              <a:spLocks noEditPoints="1"/>
+            </p:cNvSpPr>
+            <p:nvPr>
+              <p:extLst>
+                <p:ext uri="{386F3935-93C4-4BCD-93E2-E3B085C9AB24}">
+                  <p16:designElem xmlns:p16="http://schemas.microsoft.com/office/powerpoint/2015/main" val="1"/>
+                </p:ext>
+              </p:extLst>
+            </p:nvPr>
+          </p:nvSpPr>
+          <p:spPr bwMode="auto">
+            <a:xfrm>
+              <a:off x="633413" y="5103813"/>
+              <a:ext cx="185738" cy="185738"/>
+            </a:xfrm>
+            <a:custGeom>
+              <a:avLst/>
+              <a:gdLst/>
+              <a:ahLst/>
+              <a:cxnLst/>
+              <a:rect l="0" t="0" r="r" b="b"/>
+              <a:pathLst>
+                <a:path w="39" h="39">
+                  <a:moveTo>
+                    <a:pt x="20" y="39"/>
+                  </a:moveTo>
+                  <a:cubicBezTo>
+                    <a:pt x="9" y="39"/>
+                    <a:pt x="0" y="30"/>
+                    <a:pt x="0" y="19"/>
+                  </a:cubicBezTo>
+                  <a:cubicBezTo>
+                    <a:pt x="0" y="9"/>
+                    <a:pt x="9" y="0"/>
+                    <a:pt x="20" y="0"/>
+                  </a:cubicBezTo>
+                  <a:cubicBezTo>
+                    <a:pt x="30" y="0"/>
+                    <a:pt x="39" y="9"/>
+                    <a:pt x="39" y="19"/>
+                  </a:cubicBezTo>
+                  <a:cubicBezTo>
+                    <a:pt x="39" y="30"/>
+                    <a:pt x="30" y="39"/>
+                    <a:pt x="20" y="39"/>
+                  </a:cubicBezTo>
+                  <a:close/>
+                  <a:moveTo>
+                    <a:pt x="20" y="4"/>
+                  </a:moveTo>
+                  <a:cubicBezTo>
+                    <a:pt x="11" y="4"/>
+                    <a:pt x="4" y="11"/>
+                    <a:pt x="4" y="19"/>
+                  </a:cubicBezTo>
+                  <a:cubicBezTo>
+                    <a:pt x="4" y="28"/>
+                    <a:pt x="11" y="35"/>
+                    <a:pt x="20" y="35"/>
+                  </a:cubicBezTo>
+                  <a:cubicBezTo>
+                    <a:pt x="28" y="35"/>
+                    <a:pt x="35" y="28"/>
+                    <a:pt x="35" y="19"/>
+                  </a:cubicBezTo>
+                  <a:cubicBezTo>
+                    <a:pt x="35" y="11"/>
+                    <a:pt x="28" y="4"/>
+                    <a:pt x="20" y="4"/>
+                  </a:cubicBezTo>
+                  <a:close/>
+                </a:path>
+              </a:pathLst>
+            </a:custGeom>
+            <a:grpFill/>
+            <a:ln>
+              <a:noFill/>
+            </a:ln>
+            <a:extLst>
+              <a:ext uri="{91240B29-F687-4f45-9708-019B960494DF}">
+                <a14:hiddenLine xmlns="" xmlns:a16="http://schemas.microsoft.com/office/drawing/2014/main" xmlns:p14="http://schemas.microsoft.com/office/powerpoint/2010/main" xmlns:a14="http://schemas.microsoft.com/office/drawing/2010/main" w="9525">
+                  <a:solidFill>
+                    <a:srgbClr val="000000"/>
+                  </a:solidFill>
+                  <a:round/>
+                  <a:headEnd/>
+                  <a:tailEnd/>
+                </a14:hiddenLine>
+              </a:ext>
+            </a:extLst>
+          </p:spPr>
+        </p:sp>
+      </p:grpSp>
+      <p:sp>
+        <p:nvSpPr>
+          <p:cNvPr id="2" name="Title 1">
+            <a:extLst>
+              <a:ext uri="{FF2B5EF4-FFF2-40B4-BE49-F238E27FC236}">
+                <a16:creationId xmlns:a16="http://schemas.microsoft.com/office/drawing/2014/main" id="{B76F8486-46F1-0544-8384-CBA183EDA7BF}"/>
+              </a:ext>
+            </a:extLst>
+          </p:cNvPr>
+          <p:cNvSpPr>
+            <a:spLocks noGrp="1"/>
+          </p:cNvSpPr>
+          <p:nvPr>
+            <p:ph type="title"/>
+          </p:nvPr>
+        </p:nvSpPr>
+        <p:spPr>
+          <a:xfrm>
+            <a:off x="5491209" y="618518"/>
+            <a:ext cx="5877676" cy="1478570"/>
+          </a:xfrm>
+        </p:spPr>
+        <p:txBody>
+          <a:bodyPr>
+            <a:normAutofit/>
+          </a:bodyPr>
+          <a:lstStyle/>
+          <a:p>
+            <a:r>
+              <a:rPr lang="zh-CN" altLang="en-US" dirty="0"/>
+              <a:t>石子塘读书会</a:t>
+            </a:r>
+            <a:endParaRPr lang="en-CN" dirty="0"/>
+          </a:p>
+        </p:txBody>
+      </p:sp>
+      <p:pic>
+        <p:nvPicPr>
+          <p:cNvPr id="5" name="Content Placeholder 4" descr="A close up of a map&#10;&#10;Description automatically generated">
+            <a:extLst>
+              <a:ext uri="{FF2B5EF4-FFF2-40B4-BE49-F238E27FC236}">
+                <a16:creationId xmlns:a16="http://schemas.microsoft.com/office/drawing/2014/main" id="{91BCEF5D-8037-D24B-9E1C-59ADBA8D41C9}"/>
+              </a:ext>
+            </a:extLst>
+          </p:cNvPr>
+          <p:cNvPicPr>
+            <a:picLocks noChangeAspect="1"/>
+          </p:cNvPicPr>
+          <p:nvPr/>
+        </p:nvPicPr>
+        <p:blipFill rotWithShape="1">
+          <a:blip r:embed="rId4"/>
+          <a:srcRect l="4310"/>
+          <a:stretch/>
+        </p:blipFill>
+        <p:spPr>
+          <a:xfrm>
+            <a:off x="-5597" y="1"/>
+            <a:ext cx="4635583" cy="3427413"/>
+          </a:xfrm>
+          <a:custGeom>
+            <a:avLst/>
+            <a:gdLst/>
+            <a:ahLst/>
+            <a:cxnLst/>
+            <a:rect l="l" t="t" r="r" b="b"/>
+            <a:pathLst>
+              <a:path w="4635583" h="3427413">
+                <a:moveTo>
+                  <a:pt x="0" y="0"/>
+                </a:moveTo>
+                <a:lnTo>
+                  <a:pt x="4635583" y="0"/>
+                </a:lnTo>
+                <a:lnTo>
+                  <a:pt x="4635583" y="3427413"/>
+                </a:lnTo>
+                <a:lnTo>
+                  <a:pt x="0" y="3427413"/>
+                </a:lnTo>
+                <a:close/>
+              </a:path>
+            </a:pathLst>
+          </a:custGeom>
+        </p:spPr>
+      </p:pic>
+      <p:pic>
+        <p:nvPicPr>
+          <p:cNvPr id="7" name="Picture 6" descr="A close up of a map&#10;&#10;Description automatically generated">
+            <a:extLst>
+              <a:ext uri="{FF2B5EF4-FFF2-40B4-BE49-F238E27FC236}">
+                <a16:creationId xmlns:a16="http://schemas.microsoft.com/office/drawing/2014/main" id="{080C2CC1-50A1-5D4C-BB9F-3C04B7EE5272}"/>
+              </a:ext>
+            </a:extLst>
+          </p:cNvPr>
+          <p:cNvPicPr>
+            <a:picLocks noChangeAspect="1"/>
+          </p:cNvPicPr>
+          <p:nvPr/>
+        </p:nvPicPr>
+        <p:blipFill rotWithShape="1">
+          <a:blip r:embed="rId5"/>
+          <a:srcRect b="4200"/>
+          <a:stretch/>
+        </p:blipFill>
+        <p:spPr>
+          <a:xfrm>
+            <a:off x="-5597" y="3427414"/>
+            <a:ext cx="4635583" cy="3430587"/>
+          </a:xfrm>
+          <a:custGeom>
+            <a:avLst/>
+            <a:gdLst/>
+            <a:ahLst/>
+            <a:cxnLst/>
+            <a:rect l="l" t="t" r="r" b="b"/>
+            <a:pathLst>
+              <a:path w="4635583" h="3430587">
+                <a:moveTo>
+                  <a:pt x="0" y="0"/>
+                </a:moveTo>
+                <a:lnTo>
+                  <a:pt x="4635583" y="0"/>
+                </a:lnTo>
+                <a:lnTo>
+                  <a:pt x="4635583" y="3430587"/>
+                </a:lnTo>
+                <a:lnTo>
+                  <a:pt x="0" y="3430587"/>
+                </a:lnTo>
+                <a:close/>
+              </a:path>
+            </a:pathLst>
+          </a:custGeom>
+        </p:spPr>
+      </p:pic>
+      <p:cxnSp>
+        <p:nvCxnSpPr>
+          <p:cNvPr id="74" name="Straight Connector 73">
+            <a:extLst>
+              <a:ext uri="{FF2B5EF4-FFF2-40B4-BE49-F238E27FC236}">
+                <a16:creationId xmlns:a16="http://schemas.microsoft.com/office/drawing/2014/main" id="{E104AA93-67FD-43AC-92F9-5840A89E43A1}"/>
+              </a:ext>
+              <a:ext uri="{C183D7F6-B498-43B3-948B-1728B52AA6E4}">
+                <adec:decorative xmlns:adec="http://schemas.microsoft.com/office/drawing/2017/decorative" val="1"/>
+              </a:ext>
+            </a:extLst>
+          </p:cNvPr>
+          <p:cNvCxnSpPr>
+            <a:cxnSpLocks noGrp="1" noRot="1" noChangeAspect="1" noMove="1" noResize="1" noEditPoints="1" noAdjustHandles="1" noChangeArrowheads="1" noChangeShapeType="1"/>
+          </p:cNvCxnSpPr>
+          <p:nvPr>
+            <p:extLst>
+              <p:ext uri="{386F3935-93C4-4BCD-93E2-E3B085C9AB24}">
+                <p16:designElem xmlns:p16="http://schemas.microsoft.com/office/powerpoint/2015/main" val="1"/>
+              </p:ext>
+            </p:extLst>
+          </p:nvPr>
+        </p:nvCxnSpPr>
+        <p:spPr>
+          <a:xfrm>
+            <a:off x="4632483" y="-464"/>
+            <a:ext cx="2646" cy="6858465"/>
+          </a:xfrm>
+          <a:prstGeom prst="line">
+            <a:avLst/>
+          </a:prstGeom>
+          <a:solidFill>
+            <a:schemeClr val="tx2">
+              <a:alpha val="60000"/>
+            </a:schemeClr>
+          </a:solidFill>
+          <a:ln w="19050">
+            <a:solidFill>
+              <a:schemeClr val="tx2">
+                <a:alpha val="60000"/>
+              </a:schemeClr>
+            </a:solidFill>
+          </a:ln>
+          <a:effectLst>
+            <a:outerShdw blurRad="50800" dist="38100" dir="2700000" algn="tl" rotWithShape="0">
+              <a:srgbClr val="000000">
+                <a:alpha val="58000"/>
+              </a:srgbClr>
+            </a:outerShdw>
+          </a:effectLst>
+        </p:spPr>
+      </p:cxnSp>
+      <p:cxnSp>
+        <p:nvCxnSpPr>
+          <p:cNvPr id="76" name="Straight Connector 75">
+            <a:extLst>
+              <a:ext uri="{FF2B5EF4-FFF2-40B4-BE49-F238E27FC236}">
+                <a16:creationId xmlns:a16="http://schemas.microsoft.com/office/drawing/2014/main" id="{95AE1CAD-A877-4C0B-91F7-CA9C684C9455}"/>
+              </a:ext>
+              <a:ext uri="{C183D7F6-B498-43B3-948B-1728B52AA6E4}">
+                <adec:decorative xmlns:adec="http://schemas.microsoft.com/office/drawing/2017/decorative" val="1"/>
+              </a:ext>
+            </a:extLst>
+          </p:cNvPr>
+          <p:cNvCxnSpPr>
+            <a:cxnSpLocks noGrp="1" noRot="1" noChangeAspect="1" noMove="1" noResize="1" noEditPoints="1" noAdjustHandles="1" noChangeArrowheads="1" noChangeShapeType="1"/>
+          </p:cNvCxnSpPr>
+          <p:nvPr>
+            <p:extLst>
+              <p:ext uri="{386F3935-93C4-4BCD-93E2-E3B085C9AB24}">
+                <p16:designElem xmlns:p16="http://schemas.microsoft.com/office/powerpoint/2015/main" val="1"/>
+              </p:ext>
+            </p:extLst>
+          </p:nvPr>
+        </p:nvCxnSpPr>
+        <p:spPr>
+          <a:xfrm>
+            <a:off x="-5597" y="3427414"/>
+            <a:ext cx="4635583" cy="0"/>
+          </a:xfrm>
+          <a:prstGeom prst="line">
+            <a:avLst/>
+          </a:prstGeom>
+          <a:solidFill>
+            <a:schemeClr val="tx2">
+              <a:alpha val="60000"/>
+            </a:schemeClr>
+          </a:solidFill>
+          <a:ln w="19050">
+            <a:solidFill>
+              <a:schemeClr val="tx2">
+                <a:alpha val="60000"/>
+              </a:schemeClr>
+            </a:solidFill>
+          </a:ln>
+          <a:effectLst>
+            <a:outerShdw blurRad="50800" dist="38100" dir="2700000" algn="tl" rotWithShape="0">
+              <a:srgbClr val="000000">
+                <a:alpha val="58000"/>
+              </a:srgbClr>
+            </a:outerShdw>
+          </a:effectLst>
+        </p:spPr>
+      </p:cxnSp>
+      <p:pic>
+        <p:nvPicPr>
+          <p:cNvPr id="9" name="Content Placeholder 8" descr="A close up of a tree&#10;&#10;Description automatically generated">
+            <a:extLst>
+              <a:ext uri="{FF2B5EF4-FFF2-40B4-BE49-F238E27FC236}">
+                <a16:creationId xmlns:a16="http://schemas.microsoft.com/office/drawing/2014/main" id="{C4A67933-3685-064D-B478-7DFFAF78041E}"/>
+              </a:ext>
+            </a:extLst>
+          </p:cNvPr>
+          <p:cNvPicPr>
+            <a:picLocks noGrp="1" noChangeAspect="1"/>
+          </p:cNvPicPr>
+          <p:nvPr>
+            <p:ph idx="1"/>
+          </p:nvPr>
+        </p:nvPicPr>
+        <p:blipFill>
+          <a:blip r:embed="rId6"/>
+          <a:stretch>
+            <a:fillRect/>
+          </a:stretch>
+        </p:blipFill>
+        <p:spPr>
+          <a:xfrm>
+            <a:off x="5491163" y="2260979"/>
+            <a:ext cx="5878512" cy="3518729"/>
+          </a:xfrm>
+        </p:spPr>
+      </p:pic>
+    </p:spTree>
+    <p:extLst>
+      <p:ext uri="{BB962C8B-B14F-4D97-AF65-F5344CB8AC3E}">
+        <p14:creationId xmlns:p14="http://schemas.microsoft.com/office/powerpoint/2010/main" val="2292310480"/>
+      </p:ext>
+    </p:extLst>
+  </p:cSld>
+  <p:clrMapOvr>
+    <a:masterClrMapping/>
+  </p:clrMapOvr>
+</p:sld>
+</file>
+
+<file path=ppt/slides/slide8.xml><?xml version="1.0" encoding="utf-8"?>
+<p:sld xmlns:a="http://schemas.openxmlformats.org/drawingml/2006/main" xmlns:r="http://schemas.openxmlformats.org/officeDocument/2006/relationships" xmlns:p="http://schemas.openxmlformats.org/presentationml/2006/main">
+  <p:cSld>
     <p:spTree>
       <p:nvGrpSpPr>
         <p:cNvPr id="1" name=""/>
@@ -13058,7 +18459,7 @@
           <p:cNvPr id="2" name="Title 1">
             <a:extLst>
               <a:ext uri="{FF2B5EF4-FFF2-40B4-BE49-F238E27FC236}">
-                <a16:creationId xmlns:a16="http://schemas.microsoft.com/office/drawing/2014/main" id="{B76F8486-46F1-0544-8384-CBA183EDA7BF}"/>
+                <a16:creationId xmlns:a16="http://schemas.microsoft.com/office/drawing/2014/main" id="{E49D4DD8-F084-1B4F-8999-5E67942BDC8E}"/>
               </a:ext>
             </a:extLst>
           </p:cNvPr>
@@ -13074,19 +18475,361 @@
           <a:bodyPr/>
           <a:lstStyle/>
           <a:p>
+            <a:endParaRPr lang="en-CN"/>
+          </a:p>
+        </p:txBody>
+      </p:sp>
+      <p:pic>
+        <p:nvPicPr>
+          <p:cNvPr id="5" name="Content Placeholder 4" descr="A close up of a tree&#10;&#10;Description automatically generated">
+            <a:extLst>
+              <a:ext uri="{FF2B5EF4-FFF2-40B4-BE49-F238E27FC236}">
+                <a16:creationId xmlns:a16="http://schemas.microsoft.com/office/drawing/2014/main" id="{6328AD6B-2699-514F-8160-0A69D15938A4}"/>
+              </a:ext>
+            </a:extLst>
+          </p:cNvPr>
+          <p:cNvPicPr>
+            <a:picLocks noGrp="1" noChangeAspect="1"/>
+          </p:cNvPicPr>
+          <p:nvPr>
+            <p:ph idx="1"/>
+          </p:nvPr>
+        </p:nvPicPr>
+        <p:blipFill>
+          <a:blip r:embed="rId2"/>
+          <a:stretch>
+            <a:fillRect/>
+          </a:stretch>
+        </p:blipFill>
+        <p:spPr>
+          <a:xfrm>
+            <a:off x="0" y="-217715"/>
+            <a:ext cx="12184656" cy="7293429"/>
+          </a:xfrm>
+        </p:spPr>
+      </p:pic>
+    </p:spTree>
+    <p:extLst>
+      <p:ext uri="{BB962C8B-B14F-4D97-AF65-F5344CB8AC3E}">
+        <p14:creationId xmlns:p14="http://schemas.microsoft.com/office/powerpoint/2010/main" val="2446723565"/>
+      </p:ext>
+    </p:extLst>
+  </p:cSld>
+  <p:clrMapOvr>
+    <a:masterClrMapping/>
+  </p:clrMapOvr>
+</p:sld>
+</file>
+
+<file path=ppt/slides/slide9.xml><?xml version="1.0" encoding="utf-8"?>
+<p:sld xmlns:a="http://schemas.openxmlformats.org/drawingml/2006/main" xmlns:r="http://schemas.openxmlformats.org/officeDocument/2006/relationships" xmlns:p="http://schemas.openxmlformats.org/presentationml/2006/main">
+  <p:cSld>
+    <p:bg>
+      <p:bgPr>
+        <a:solidFill>
+          <a:schemeClr val="bg1"/>
+        </a:solidFill>
+        <a:effectLst/>
+      </p:bgPr>
+    </p:bg>
+    <p:spTree>
+      <p:nvGrpSpPr>
+        <p:cNvPr id="1" name=""/>
+        <p:cNvGrpSpPr/>
+        <p:nvPr/>
+      </p:nvGrpSpPr>
+      <p:grpSpPr>
+        <a:xfrm>
+          <a:off x="0" y="0"/>
+          <a:ext cx="0" cy="0"/>
+          <a:chOff x="0" y="0"/>
+          <a:chExt cx="0" cy="0"/>
+        </a:xfrm>
+      </p:grpSpPr>
+      <p:sp useBgFill="1">
+        <p:nvSpPr>
+          <p:cNvPr id="12" name="Rectangle 11">
+            <a:extLst>
+              <a:ext uri="{FF2B5EF4-FFF2-40B4-BE49-F238E27FC236}">
+                <a16:creationId xmlns:a16="http://schemas.microsoft.com/office/drawing/2014/main" id="{6697F791-5FFA-4164-899F-EB52EA72B024}"/>
+              </a:ext>
+              <a:ext uri="{C183D7F6-B498-43B3-948B-1728B52AA6E4}">
+                <adec:decorative xmlns:adec="http://schemas.microsoft.com/office/drawing/2017/decorative" val="1"/>
+              </a:ext>
+            </a:extLst>
+          </p:cNvPr>
+          <p:cNvSpPr>
+            <a:spLocks noGrp="1" noRot="1" noChangeAspect="1" noMove="1" noResize="1" noEditPoints="1" noAdjustHandles="1" noChangeArrowheads="1" noChangeShapeType="1" noTextEdit="1"/>
+          </p:cNvSpPr>
+          <p:nvPr>
+            <p:extLst>
+              <p:ext uri="{386F3935-93C4-4BCD-93E2-E3B085C9AB24}">
+                <p16:designElem xmlns:p16="http://schemas.microsoft.com/office/powerpoint/2015/main" val="1"/>
+              </p:ext>
+            </p:extLst>
+          </p:nvPr>
+        </p:nvSpPr>
+        <p:spPr>
+          <a:xfrm>
+            <a:off x="0" y="-1"/>
+            <a:ext cx="12192000" cy="6858000"/>
+          </a:xfrm>
+          <a:prstGeom prst="rect">
+            <a:avLst/>
+          </a:prstGeom>
+          <a:ln>
+            <a:noFill/>
+          </a:ln>
+        </p:spPr>
+        <p:style>
+          <a:lnRef idx="2">
+            <a:schemeClr val="accent1">
+              <a:shade val="50000"/>
+            </a:schemeClr>
+          </a:lnRef>
+          <a:fillRef idx="1">
+            <a:schemeClr val="accent1"/>
+          </a:fillRef>
+          <a:effectRef idx="0">
+            <a:schemeClr val="accent1"/>
+          </a:effectRef>
+          <a:fontRef idx="minor">
+            <a:schemeClr val="lt1"/>
+          </a:fontRef>
+        </p:style>
+        <p:txBody>
+          <a:bodyPr rtlCol="0" anchor="ctr"/>
+          <a:lstStyle/>
+          <a:p>
+            <a:pPr algn="ctr"/>
+            <a:endParaRPr lang="en-US"/>
+          </a:p>
+        </p:txBody>
+      </p:sp>
+      <p:pic>
+        <p:nvPicPr>
+          <p:cNvPr id="14" name="Picture 2">
+            <a:extLst>
+              <a:ext uri="{FF2B5EF4-FFF2-40B4-BE49-F238E27FC236}">
+                <a16:creationId xmlns:a16="http://schemas.microsoft.com/office/drawing/2014/main" id="{4E28A1A9-FB81-4816-AAEA-C3B430946951}"/>
+              </a:ext>
+              <a:ext uri="{C183D7F6-B498-43B3-948B-1728B52AA6E4}">
+                <adec:decorative xmlns:adec="http://schemas.microsoft.com/office/drawing/2017/decorative" val="1"/>
+              </a:ext>
+            </a:extLst>
+          </p:cNvPr>
+          <p:cNvPicPr>
+            <a:picLocks noGrp="1" noRot="1" noChangeAspect="1" noMove="1" noResize="1" noEditPoints="1" noAdjustHandles="1" noChangeArrowheads="1" noChangeShapeType="1" noCrop="1"/>
+          </p:cNvPicPr>
+          <p:nvPr>
+            <p:extLst>
+              <p:ext uri="{386F3935-93C4-4BCD-93E2-E3B085C9AB24}">
+                <p16:designElem xmlns:p16="http://schemas.microsoft.com/office/powerpoint/2015/main" val="1"/>
+              </p:ext>
+            </p:extLst>
+          </p:nvPr>
+        </p:nvPicPr>
+        <p:blipFill>
+          <a:blip r:embed="rId2">
+            <a:extLst>
+              <a:ext uri="{28A0092B-C50C-407E-A947-70E740481C1C}">
+                <a14:useLocalDpi xmlns:a14="http://schemas.microsoft.com/office/drawing/2010/main" val="0"/>
+              </a:ext>
+            </a:extLst>
+          </a:blip>
+          <a:srcRect/>
+          <a:stretch>
+            <a:fillRect/>
+          </a:stretch>
+        </p:blipFill>
+        <p:spPr bwMode="auto">
+          <a:xfrm>
+            <a:off x="1190" y="-2"/>
+            <a:ext cx="4061525" cy="6858001"/>
+          </a:xfrm>
+          <a:prstGeom prst="rect">
+            <a:avLst/>
+          </a:prstGeom>
+          <a:extLst>
+            <a:ext uri="{909E8E84-426E-40dd-AFC4-6F175D3DCCD1}">
+              <a14:hiddenFill xmlns="" xmlns:a16="http://schemas.microsoft.com/office/drawing/2014/main" xmlns:p14="http://schemas.microsoft.com/office/powerpoint/2010/main" xmlns:a14="http://schemas.microsoft.com/office/drawing/2010/main">
+                <a:solidFill>
+                  <a:srgbClr val="FFFFFF"/>
+                </a:solidFill>
+              </a14:hiddenFill>
+            </a:ext>
+          </a:extLst>
+        </p:spPr>
+      </p:pic>
+      <p:sp>
+        <p:nvSpPr>
+          <p:cNvPr id="16" name="Rectangle 15">
+            <a:extLst>
+              <a:ext uri="{FF2B5EF4-FFF2-40B4-BE49-F238E27FC236}">
+                <a16:creationId xmlns:a16="http://schemas.microsoft.com/office/drawing/2014/main" id="{B773AB25-A422-41AA-9737-5E04C1966DE1}"/>
+              </a:ext>
+              <a:ext uri="{C183D7F6-B498-43B3-948B-1728B52AA6E4}">
+                <adec:decorative xmlns:adec="http://schemas.microsoft.com/office/drawing/2017/decorative" val="1"/>
+              </a:ext>
+            </a:extLst>
+          </p:cNvPr>
+          <p:cNvSpPr>
+            <a:spLocks noGrp="1" noRot="1" noChangeAspect="1" noMove="1" noResize="1" noEditPoints="1" noAdjustHandles="1" noChangeArrowheads="1" noChangeShapeType="1" noTextEdit="1"/>
+          </p:cNvSpPr>
+          <p:nvPr>
+            <p:extLst>
+              <p:ext uri="{386F3935-93C4-4BCD-93E2-E3B085C9AB24}">
+                <p16:designElem xmlns:p16="http://schemas.microsoft.com/office/powerpoint/2015/main" val="1"/>
+              </p:ext>
+            </p:extLst>
+          </p:nvPr>
+        </p:nvSpPr>
+        <p:spPr>
+          <a:xfrm>
+            <a:off x="0" y="1853"/>
+            <a:ext cx="4055621" cy="6858000"/>
+          </a:xfrm>
+          <a:prstGeom prst="rect">
+            <a:avLst/>
+          </a:prstGeom>
+          <a:ln>
+            <a:noFill/>
+          </a:ln>
+          <a:effectLst>
+            <a:outerShdw blurRad="76200" dist="38100" algn="l" rotWithShape="0">
+              <a:prstClr val="black">
+                <a:alpha val="37000"/>
+              </a:prstClr>
+            </a:outerShdw>
+          </a:effectLst>
+        </p:spPr>
+        <p:style>
+          <a:lnRef idx="2">
+            <a:schemeClr val="accent1">
+              <a:shade val="50000"/>
+            </a:schemeClr>
+          </a:lnRef>
+          <a:fillRef idx="1003">
+            <a:schemeClr val="dk2"/>
+          </a:fillRef>
+          <a:effectRef idx="0">
+            <a:schemeClr val="accent1"/>
+          </a:effectRef>
+          <a:fontRef idx="minor">
+            <a:schemeClr val="lt1"/>
+          </a:fontRef>
+        </p:style>
+        <p:txBody>
+          <a:bodyPr rtlCol="0" anchor="ctr"/>
+          <a:lstStyle/>
+          <a:p>
+            <a:pPr algn="ctr"/>
+            <a:endParaRPr lang="en-US"/>
+          </a:p>
+        </p:txBody>
+      </p:sp>
+      <p:pic>
+        <p:nvPicPr>
+          <p:cNvPr id="18" name="Picture 2">
+            <a:extLst>
+              <a:ext uri="{FF2B5EF4-FFF2-40B4-BE49-F238E27FC236}">
+                <a16:creationId xmlns:a16="http://schemas.microsoft.com/office/drawing/2014/main" id="{AF0552B8-DE8C-40DF-B29F-1728E6A10619}"/>
+              </a:ext>
+              <a:ext uri="{C183D7F6-B498-43B3-948B-1728B52AA6E4}">
+                <adec:decorative xmlns:adec="http://schemas.microsoft.com/office/drawing/2017/decorative" val="1"/>
+              </a:ext>
+            </a:extLst>
+          </p:cNvPr>
+          <p:cNvPicPr>
+            <a:picLocks noGrp="1" noRot="1" noChangeAspect="1" noMove="1" noResize="1" noEditPoints="1" noAdjustHandles="1" noChangeArrowheads="1" noChangeShapeType="1" noCrop="1"/>
+          </p:cNvPicPr>
+          <p:nvPr>
+            <p:extLst>
+              <p:ext uri="{386F3935-93C4-4BCD-93E2-E3B085C9AB24}">
+                <p16:designElem xmlns:p16="http://schemas.microsoft.com/office/powerpoint/2015/main" val="1"/>
+              </p:ext>
+            </p:extLst>
+          </p:nvPr>
+        </p:nvPicPr>
+        <p:blipFill>
+          <a:blip r:embed="rId2">
+            <a:alphaModFix amt="30000"/>
+            <a:extLst>
+              <a:ext uri="{28A0092B-C50C-407E-A947-70E740481C1C}">
+                <a14:useLocalDpi xmlns:a14="http://schemas.microsoft.com/office/drawing/2010/main" val="0"/>
+              </a:ext>
+            </a:extLst>
+          </a:blip>
+          <a:srcRect/>
+          <a:stretch>
+            <a:fillRect/>
+          </a:stretch>
+        </p:blipFill>
+        <p:spPr bwMode="auto">
+          <a:xfrm>
+            <a:off x="-22530" y="23283"/>
+            <a:ext cx="4078152" cy="6858001"/>
+          </a:xfrm>
+          <a:prstGeom prst="rect">
+            <a:avLst/>
+          </a:prstGeom>
+          <a:noFill/>
+          <a:extLst>
+            <a:ext uri="{909E8E84-426E-40dd-AFC4-6F175D3DCCD1}">
+              <a14:hiddenFill xmlns="" xmlns:a16="http://schemas.microsoft.com/office/drawing/2014/main" xmlns:p14="http://schemas.microsoft.com/office/powerpoint/2010/main" xmlns:a14="http://schemas.microsoft.com/office/drawing/2010/main">
+                <a:solidFill>
+                  <a:srgbClr val="FFFFFF"/>
+                </a:solidFill>
+              </a14:hiddenFill>
+            </a:ext>
+          </a:extLst>
+        </p:spPr>
+      </p:pic>
+      <p:sp>
+        <p:nvSpPr>
+          <p:cNvPr id="2" name="Title 1">
+            <a:extLst>
+              <a:ext uri="{FF2B5EF4-FFF2-40B4-BE49-F238E27FC236}">
+                <a16:creationId xmlns:a16="http://schemas.microsoft.com/office/drawing/2014/main" id="{E08162D0-906E-1F47-98FF-F8DF527793A4}"/>
+              </a:ext>
+            </a:extLst>
+          </p:cNvPr>
+          <p:cNvSpPr>
+            <a:spLocks noGrp="1"/>
+          </p:cNvSpPr>
+          <p:nvPr>
+            <p:ph type="title"/>
+          </p:nvPr>
+        </p:nvSpPr>
+        <p:spPr>
+          <a:xfrm>
+            <a:off x="855266" y="618518"/>
+            <a:ext cx="2851417" cy="1478570"/>
+          </a:xfrm>
+        </p:spPr>
+        <p:txBody>
+          <a:bodyPr>
+            <a:normAutofit/>
+          </a:bodyPr>
+          <a:lstStyle/>
+          <a:p>
             <a:r>
-              <a:rPr lang="en-CN" dirty="0"/>
-              <a:t>对象</a:t>
+              <a:rPr lang="en-CN" sz="3200">
+                <a:solidFill>
+                  <a:srgbClr val="FFFFFF"/>
+                </a:solidFill>
+              </a:rPr>
+              <a:t>安排</a:t>
             </a:r>
           </a:p>
         </p:txBody>
       </p:sp>
       <p:sp>
         <p:nvSpPr>
-          <p:cNvPr id="3" name="Content Placeholder 2">
+          <p:cNvPr id="9" name="Content Placeholder 8">
             <a:extLst>
               <a:ext uri="{FF2B5EF4-FFF2-40B4-BE49-F238E27FC236}">
-                <a16:creationId xmlns:a16="http://schemas.microsoft.com/office/drawing/2014/main" id="{00FFD85B-0DEC-EE45-A043-D8B0881A6889}"/>
+                <a16:creationId xmlns:a16="http://schemas.microsoft.com/office/drawing/2014/main" id="{6EB901F5-94D5-4BAA-AF00-03C8300A3CBD}"/>
               </a:ext>
             </a:extLst>
           </p:cNvPr>
@@ -13097,39 +18840,2840 @@
             <p:ph idx="1"/>
           </p:nvPr>
         </p:nvSpPr>
-        <p:spPr/>
+        <p:spPr>
+          <a:xfrm>
+            <a:off x="844620" y="2249487"/>
+            <a:ext cx="2862444" cy="3957302"/>
+          </a:xfrm>
+        </p:spPr>
         <p:txBody>
-          <a:bodyPr/>
+          <a:bodyPr>
+            <a:normAutofit/>
+          </a:bodyPr>
           <a:lstStyle/>
           <a:p>
-            <a:r>
-              <a:rPr lang="en-CN" dirty="0"/>
-              <a:t>石子堂</a:t>
-            </a:r>
+            <a:pPr marL="0" indent="0">
+              <a:buNone/>
+            </a:pPr>
+            <a:endParaRPr lang="en-US" sz="1800" dirty="0">
+              <a:solidFill>
+                <a:srgbClr val="FFFFFF"/>
+              </a:solidFill>
+            </a:endParaRPr>
           </a:p>
           <a:p>
             <a:r>
-              <a:rPr lang="en-CN" dirty="0"/>
-              <a:t>石子堂</a:t>
+              <a:rPr lang="en-US" sz="1800" dirty="0" err="1">
+                <a:solidFill>
+                  <a:srgbClr val="FFFFFF"/>
+                </a:solidFill>
+              </a:rPr>
+              <a:t>大学生活</a:t>
             </a:r>
+            <a:endParaRPr lang="en-US" sz="1800" dirty="0">
+              <a:solidFill>
+                <a:srgbClr val="FFFFFF"/>
+              </a:solidFill>
+            </a:endParaRPr>
           </a:p>
           <a:p>
             <a:r>
-              <a:rPr lang="en-CN" dirty="0"/>
-              <a:t>石子塘</a:t>
+              <a:rPr lang="en-US" sz="1800" dirty="0" err="1">
+                <a:solidFill>
+                  <a:srgbClr val="FFFFFF"/>
+                </a:solidFill>
+              </a:rPr>
+              <a:t>英语</a:t>
             </a:r>
+            <a:endParaRPr lang="en-US" sz="1800" dirty="0">
+              <a:solidFill>
+                <a:srgbClr val="FFFFFF"/>
+              </a:solidFill>
+            </a:endParaRPr>
+          </a:p>
+          <a:p>
+            <a:r>
+              <a:rPr lang="en-US" sz="1800" dirty="0" err="1">
+                <a:solidFill>
+                  <a:srgbClr val="FFFFFF"/>
+                </a:solidFill>
+              </a:rPr>
+              <a:t>互联网</a:t>
+            </a:r>
+            <a:endParaRPr lang="en-US" sz="1800" dirty="0">
+              <a:solidFill>
+                <a:srgbClr val="FFFFFF"/>
+              </a:solidFill>
+            </a:endParaRPr>
+          </a:p>
+          <a:p>
+            <a:r>
+              <a:rPr lang="en-US" sz="1800" dirty="0" err="1">
+                <a:solidFill>
+                  <a:srgbClr val="FFFFFF"/>
+                </a:solidFill>
+              </a:rPr>
+              <a:t>股市</a:t>
+            </a:r>
+            <a:endParaRPr lang="en-US" sz="1800" dirty="0">
+              <a:solidFill>
+                <a:srgbClr val="FFFFFF"/>
+              </a:solidFill>
+            </a:endParaRPr>
           </a:p>
         </p:txBody>
       </p:sp>
+      <p:grpSp>
+        <p:nvGrpSpPr>
+          <p:cNvPr id="20" name="Group 19">
+            <a:extLst>
+              <a:ext uri="{FF2B5EF4-FFF2-40B4-BE49-F238E27FC236}">
+                <a16:creationId xmlns:a16="http://schemas.microsoft.com/office/drawing/2014/main" id="{6AD0D387-1584-4477-B5F8-52B50D4F2205}"/>
+              </a:ext>
+              <a:ext uri="{C183D7F6-B498-43B3-948B-1728B52AA6E4}">
+                <adec:decorative xmlns:adec="http://schemas.microsoft.com/office/drawing/2017/decorative" val="1"/>
+              </a:ext>
+            </a:extLst>
+          </p:cNvPr>
+          <p:cNvGrpSpPr>
+            <a:grpSpLocks noGrp="1" noUngrp="1" noRot="1" noChangeAspect="1" noMove="1" noResize="1"/>
+          </p:cNvGrpSpPr>
+          <p:nvPr>
+            <p:extLst>
+              <p:ext uri="{386F3935-93C4-4BCD-93E2-E3B085C9AB24}">
+                <p16:designElem xmlns:p16="http://schemas.microsoft.com/office/powerpoint/2015/main" val="1"/>
+              </p:ext>
+            </p:extLst>
+          </p:nvPr>
+        </p:nvGrpSpPr>
+        <p:grpSpPr>
+          <a:xfrm>
+            <a:off x="0" y="0"/>
+            <a:ext cx="1220788" cy="6858001"/>
+            <a:chOff x="-14288" y="0"/>
+            <a:chExt cx="1220788" cy="6858001"/>
+          </a:xfrm>
+          <a:gradFill flip="none" rotWithShape="1">
+            <a:gsLst>
+              <a:gs pos="0">
+                <a:schemeClr val="bg2"/>
+              </a:gs>
+              <a:gs pos="100000">
+                <a:schemeClr val="tx2">
+                  <a:lumMod val="60000"/>
+                  <a:lumOff val="40000"/>
+                </a:schemeClr>
+              </a:gs>
+            </a:gsLst>
+            <a:lin ang="5400000" scaled="0"/>
+            <a:tileRect/>
+          </a:gradFill>
+        </p:grpSpPr>
+        <p:sp>
+          <p:nvSpPr>
+            <p:cNvPr id="21" name="Rectangle 5">
+              <a:extLst>
+                <a:ext uri="{FF2B5EF4-FFF2-40B4-BE49-F238E27FC236}">
+                  <a16:creationId xmlns:a16="http://schemas.microsoft.com/office/drawing/2014/main" id="{22C90122-8CF0-4164-B596-168DE41D39A4}"/>
+                </a:ext>
+                <a:ext uri="{C183D7F6-B498-43B3-948B-1728B52AA6E4}">
+                  <adec:decorative xmlns:adec="http://schemas.microsoft.com/office/drawing/2017/decorative" val="1"/>
+                </a:ext>
+              </a:extLst>
+            </p:cNvPr>
+            <p:cNvSpPr>
+              <a:spLocks noChangeArrowheads="1"/>
+            </p:cNvSpPr>
+            <p:nvPr>
+              <p:extLst>
+                <p:ext uri="{386F3935-93C4-4BCD-93E2-E3B085C9AB24}">
+                  <p16:designElem xmlns:p16="http://schemas.microsoft.com/office/powerpoint/2015/main" val="1"/>
+                </p:ext>
+              </p:extLst>
+            </p:nvPr>
+          </p:nvSpPr>
+          <p:spPr bwMode="auto">
+            <a:xfrm>
+              <a:off x="114300" y="4763"/>
+              <a:ext cx="23813" cy="2181225"/>
+            </a:xfrm>
+            <a:prstGeom prst="rect">
+              <a:avLst/>
+            </a:prstGeom>
+            <a:grpFill/>
+            <a:ln>
+              <a:noFill/>
+            </a:ln>
+            <a:extLst>
+              <a:ext uri="{91240B29-F687-4f45-9708-019B960494DF}">
+                <a14:hiddenLine xmlns="" xmlns:a16="http://schemas.microsoft.com/office/drawing/2014/main" xmlns:p14="http://schemas.microsoft.com/office/powerpoint/2010/main" xmlns:a14="http://schemas.microsoft.com/office/drawing/2010/main" w="9525">
+                  <a:solidFill>
+                    <a:srgbClr val="000000"/>
+                  </a:solidFill>
+                  <a:miter lim="800000"/>
+                  <a:headEnd/>
+                  <a:tailEnd/>
+                </a14:hiddenLine>
+              </a:ext>
+            </a:extLst>
+          </p:spPr>
+        </p:sp>
+        <p:sp>
+          <p:nvSpPr>
+            <p:cNvPr id="22" name="Freeform 6">
+              <a:extLst>
+                <a:ext uri="{FF2B5EF4-FFF2-40B4-BE49-F238E27FC236}">
+                  <a16:creationId xmlns:a16="http://schemas.microsoft.com/office/drawing/2014/main" id="{E74D534E-37A6-4D27-9C47-0B2F0527838E}"/>
+                </a:ext>
+                <a:ext uri="{C183D7F6-B498-43B3-948B-1728B52AA6E4}">
+                  <adec:decorative xmlns:adec="http://schemas.microsoft.com/office/drawing/2017/decorative" val="1"/>
+                </a:ext>
+              </a:extLst>
+            </p:cNvPr>
+            <p:cNvSpPr>
+              <a:spLocks noEditPoints="1"/>
+            </p:cNvSpPr>
+            <p:nvPr>
+              <p:extLst>
+                <p:ext uri="{386F3935-93C4-4BCD-93E2-E3B085C9AB24}">
+                  <p16:designElem xmlns:p16="http://schemas.microsoft.com/office/powerpoint/2015/main" val="1"/>
+                </p:ext>
+              </p:extLst>
+            </p:nvPr>
+          </p:nvSpPr>
+          <p:spPr bwMode="auto">
+            <a:xfrm>
+              <a:off x="33337" y="2176463"/>
+              <a:ext cx="190500" cy="190500"/>
+            </a:xfrm>
+            <a:custGeom>
+              <a:avLst/>
+              <a:gdLst/>
+              <a:ahLst/>
+              <a:cxnLst/>
+              <a:rect l="0" t="0" r="r" b="b"/>
+              <a:pathLst>
+                <a:path w="40" h="40">
+                  <a:moveTo>
+                    <a:pt x="20" y="40"/>
+                  </a:moveTo>
+                  <a:cubicBezTo>
+                    <a:pt x="9" y="40"/>
+                    <a:pt x="0" y="31"/>
+                    <a:pt x="0" y="20"/>
+                  </a:cubicBezTo>
+                  <a:cubicBezTo>
+                    <a:pt x="0" y="9"/>
+                    <a:pt x="9" y="0"/>
+                    <a:pt x="20" y="0"/>
+                  </a:cubicBezTo>
+                  <a:cubicBezTo>
+                    <a:pt x="31" y="0"/>
+                    <a:pt x="40" y="9"/>
+                    <a:pt x="40" y="20"/>
+                  </a:cubicBezTo>
+                  <a:cubicBezTo>
+                    <a:pt x="40" y="31"/>
+                    <a:pt x="31" y="40"/>
+                    <a:pt x="20" y="40"/>
+                  </a:cubicBezTo>
+                  <a:close/>
+                  <a:moveTo>
+                    <a:pt x="20" y="4"/>
+                  </a:moveTo>
+                  <a:cubicBezTo>
+                    <a:pt x="11" y="4"/>
+                    <a:pt x="4" y="11"/>
+                    <a:pt x="4" y="20"/>
+                  </a:cubicBezTo>
+                  <a:cubicBezTo>
+                    <a:pt x="4" y="29"/>
+                    <a:pt x="11" y="36"/>
+                    <a:pt x="20" y="36"/>
+                  </a:cubicBezTo>
+                  <a:cubicBezTo>
+                    <a:pt x="28" y="36"/>
+                    <a:pt x="36" y="29"/>
+                    <a:pt x="36" y="20"/>
+                  </a:cubicBezTo>
+                  <a:cubicBezTo>
+                    <a:pt x="36" y="11"/>
+                    <a:pt x="28" y="4"/>
+                    <a:pt x="20" y="4"/>
+                  </a:cubicBezTo>
+                  <a:close/>
+                </a:path>
+              </a:pathLst>
+            </a:custGeom>
+            <a:grpFill/>
+            <a:ln>
+              <a:noFill/>
+            </a:ln>
+            <a:extLst>
+              <a:ext uri="{91240B29-F687-4f45-9708-019B960494DF}">
+                <a14:hiddenLine xmlns="" xmlns:a16="http://schemas.microsoft.com/office/drawing/2014/main" xmlns:p14="http://schemas.microsoft.com/office/powerpoint/2010/main" xmlns:a14="http://schemas.microsoft.com/office/drawing/2010/main" w="9525">
+                  <a:solidFill>
+                    <a:srgbClr val="000000"/>
+                  </a:solidFill>
+                  <a:round/>
+                  <a:headEnd/>
+                  <a:tailEnd/>
+                </a14:hiddenLine>
+              </a:ext>
+            </a:extLst>
+          </p:spPr>
+        </p:sp>
+        <p:sp>
+          <p:nvSpPr>
+            <p:cNvPr id="23" name="Freeform 7">
+              <a:extLst>
+                <a:ext uri="{FF2B5EF4-FFF2-40B4-BE49-F238E27FC236}">
+                  <a16:creationId xmlns:a16="http://schemas.microsoft.com/office/drawing/2014/main" id="{1C1C156E-D2E0-468A-9B19-79521D69BF55}"/>
+                </a:ext>
+                <a:ext uri="{C183D7F6-B498-43B3-948B-1728B52AA6E4}">
+                  <adec:decorative xmlns:adec="http://schemas.microsoft.com/office/drawing/2017/decorative" val="1"/>
+                </a:ext>
+              </a:extLst>
+            </p:cNvPr>
+            <p:cNvSpPr>
+              <a:spLocks noEditPoints="1"/>
+            </p:cNvSpPr>
+            <p:nvPr>
+              <p:extLst>
+                <p:ext uri="{386F3935-93C4-4BCD-93E2-E3B085C9AB24}">
+                  <p16:designElem xmlns:p16="http://schemas.microsoft.com/office/powerpoint/2015/main" val="1"/>
+                </p:ext>
+              </p:extLst>
+            </p:nvPr>
+          </p:nvSpPr>
+          <p:spPr bwMode="auto">
+            <a:xfrm>
+              <a:off x="28575" y="4021138"/>
+              <a:ext cx="190500" cy="188913"/>
+            </a:xfrm>
+            <a:custGeom>
+              <a:avLst/>
+              <a:gdLst/>
+              <a:ahLst/>
+              <a:cxnLst/>
+              <a:rect l="0" t="0" r="r" b="b"/>
+              <a:pathLst>
+                <a:path w="40" h="40">
+                  <a:moveTo>
+                    <a:pt x="20" y="40"/>
+                  </a:moveTo>
+                  <a:cubicBezTo>
+                    <a:pt x="9" y="40"/>
+                    <a:pt x="0" y="31"/>
+                    <a:pt x="0" y="20"/>
+                  </a:cubicBezTo>
+                  <a:cubicBezTo>
+                    <a:pt x="0" y="9"/>
+                    <a:pt x="9" y="0"/>
+                    <a:pt x="20" y="0"/>
+                  </a:cubicBezTo>
+                  <a:cubicBezTo>
+                    <a:pt x="31" y="0"/>
+                    <a:pt x="40" y="9"/>
+                    <a:pt x="40" y="20"/>
+                  </a:cubicBezTo>
+                  <a:cubicBezTo>
+                    <a:pt x="40" y="31"/>
+                    <a:pt x="31" y="40"/>
+                    <a:pt x="20" y="40"/>
+                  </a:cubicBezTo>
+                  <a:close/>
+                  <a:moveTo>
+                    <a:pt x="20" y="4"/>
+                  </a:moveTo>
+                  <a:cubicBezTo>
+                    <a:pt x="12" y="4"/>
+                    <a:pt x="4" y="11"/>
+                    <a:pt x="4" y="20"/>
+                  </a:cubicBezTo>
+                  <a:cubicBezTo>
+                    <a:pt x="4" y="29"/>
+                    <a:pt x="12" y="36"/>
+                    <a:pt x="20" y="36"/>
+                  </a:cubicBezTo>
+                  <a:cubicBezTo>
+                    <a:pt x="29" y="36"/>
+                    <a:pt x="36" y="29"/>
+                    <a:pt x="36" y="20"/>
+                  </a:cubicBezTo>
+                  <a:cubicBezTo>
+                    <a:pt x="36" y="11"/>
+                    <a:pt x="29" y="4"/>
+                    <a:pt x="20" y="4"/>
+                  </a:cubicBezTo>
+                  <a:close/>
+                </a:path>
+              </a:pathLst>
+            </a:custGeom>
+            <a:grpFill/>
+            <a:ln>
+              <a:noFill/>
+            </a:ln>
+            <a:extLst>
+              <a:ext uri="{91240B29-F687-4f45-9708-019B960494DF}">
+                <a14:hiddenLine xmlns="" xmlns:a16="http://schemas.microsoft.com/office/drawing/2014/main" xmlns:p14="http://schemas.microsoft.com/office/powerpoint/2010/main" xmlns:a14="http://schemas.microsoft.com/office/drawing/2010/main" w="9525">
+                  <a:solidFill>
+                    <a:srgbClr val="000000"/>
+                  </a:solidFill>
+                  <a:round/>
+                  <a:headEnd/>
+                  <a:tailEnd/>
+                </a14:hiddenLine>
+              </a:ext>
+            </a:extLst>
+          </p:spPr>
+        </p:sp>
+        <p:sp>
+          <p:nvSpPr>
+            <p:cNvPr id="24" name="Freeform 8">
+              <a:extLst>
+                <a:ext uri="{FF2B5EF4-FFF2-40B4-BE49-F238E27FC236}">
+                  <a16:creationId xmlns:a16="http://schemas.microsoft.com/office/drawing/2014/main" id="{14C97F11-4F6C-4DFF-89BC-3AEA5B7FF74F}"/>
+                </a:ext>
+                <a:ext uri="{C183D7F6-B498-43B3-948B-1728B52AA6E4}">
+                  <adec:decorative xmlns:adec="http://schemas.microsoft.com/office/drawing/2017/decorative" val="1"/>
+                </a:ext>
+              </a:extLst>
+            </p:cNvPr>
+            <p:cNvSpPr/>
+            <p:nvPr>
+              <p:extLst>
+                <p:ext uri="{386F3935-93C4-4BCD-93E2-E3B085C9AB24}">
+                  <p16:designElem xmlns:p16="http://schemas.microsoft.com/office/powerpoint/2015/main" val="1"/>
+                </p:ext>
+              </p:extLst>
+            </p:nvPr>
+          </p:nvSpPr>
+          <p:spPr bwMode="auto">
+            <a:xfrm>
+              <a:off x="200025" y="4763"/>
+              <a:ext cx="369888" cy="1811338"/>
+            </a:xfrm>
+            <a:custGeom>
+              <a:avLst/>
+              <a:gdLst/>
+              <a:ahLst/>
+              <a:cxnLst/>
+              <a:rect l="0" t="0" r="r" b="b"/>
+              <a:pathLst>
+                <a:path w="233" h="1141">
+                  <a:moveTo>
+                    <a:pt x="218" y="1141"/>
+                  </a:moveTo>
+                  <a:lnTo>
+                    <a:pt x="0" y="626"/>
+                  </a:lnTo>
+                  <a:lnTo>
+                    <a:pt x="0" y="0"/>
+                  </a:lnTo>
+                  <a:lnTo>
+                    <a:pt x="15" y="0"/>
+                  </a:lnTo>
+                  <a:lnTo>
+                    <a:pt x="15" y="623"/>
+                  </a:lnTo>
+                  <a:lnTo>
+                    <a:pt x="233" y="1135"/>
+                  </a:lnTo>
+                  <a:lnTo>
+                    <a:pt x="218" y="1141"/>
+                  </a:lnTo>
+                  <a:close/>
+                </a:path>
+              </a:pathLst>
+            </a:custGeom>
+            <a:grpFill/>
+            <a:ln>
+              <a:noFill/>
+            </a:ln>
+            <a:extLst>
+              <a:ext uri="{91240B29-F687-4f45-9708-019B960494DF}">
+                <a14:hiddenLine xmlns="" xmlns:a16="http://schemas.microsoft.com/office/drawing/2014/main" xmlns:p14="http://schemas.microsoft.com/office/powerpoint/2010/main" xmlns:a14="http://schemas.microsoft.com/office/drawing/2010/main" w="9525">
+                  <a:solidFill>
+                    <a:srgbClr val="000000"/>
+                  </a:solidFill>
+                  <a:round/>
+                  <a:headEnd/>
+                  <a:tailEnd/>
+                </a14:hiddenLine>
+              </a:ext>
+            </a:extLst>
+          </p:spPr>
+        </p:sp>
+        <p:sp>
+          <p:nvSpPr>
+            <p:cNvPr id="25" name="Freeform 9">
+              <a:extLst>
+                <a:ext uri="{FF2B5EF4-FFF2-40B4-BE49-F238E27FC236}">
+                  <a16:creationId xmlns:a16="http://schemas.microsoft.com/office/drawing/2014/main" id="{773C2106-77CE-42E1-839F-925EAEBB2FF9}"/>
+                </a:ext>
+                <a:ext uri="{C183D7F6-B498-43B3-948B-1728B52AA6E4}">
+                  <adec:decorative xmlns:adec="http://schemas.microsoft.com/office/drawing/2017/decorative" val="1"/>
+                </a:ext>
+              </a:extLst>
+            </p:cNvPr>
+            <p:cNvSpPr>
+              <a:spLocks noEditPoints="1"/>
+            </p:cNvSpPr>
+            <p:nvPr>
+              <p:extLst>
+                <p:ext uri="{386F3935-93C4-4BCD-93E2-E3B085C9AB24}">
+                  <p16:designElem xmlns:p16="http://schemas.microsoft.com/office/powerpoint/2015/main" val="1"/>
+                </p:ext>
+              </p:extLst>
+            </p:nvPr>
+          </p:nvSpPr>
+          <p:spPr bwMode="auto">
+            <a:xfrm>
+              <a:off x="503237" y="1801813"/>
+              <a:ext cx="190500" cy="188913"/>
+            </a:xfrm>
+            <a:custGeom>
+              <a:avLst/>
+              <a:gdLst/>
+              <a:ahLst/>
+              <a:cxnLst/>
+              <a:rect l="0" t="0" r="r" b="b"/>
+              <a:pathLst>
+                <a:path w="40" h="40">
+                  <a:moveTo>
+                    <a:pt x="20" y="40"/>
+                  </a:moveTo>
+                  <a:cubicBezTo>
+                    <a:pt x="9" y="40"/>
+                    <a:pt x="0" y="31"/>
+                    <a:pt x="0" y="20"/>
+                  </a:cubicBezTo>
+                  <a:cubicBezTo>
+                    <a:pt x="0" y="9"/>
+                    <a:pt x="9" y="0"/>
+                    <a:pt x="20" y="0"/>
+                  </a:cubicBezTo>
+                  <a:cubicBezTo>
+                    <a:pt x="33" y="0"/>
+                    <a:pt x="40" y="6"/>
+                    <a:pt x="40" y="20"/>
+                  </a:cubicBezTo>
+                  <a:cubicBezTo>
+                    <a:pt x="40" y="31"/>
+                    <a:pt x="31" y="40"/>
+                    <a:pt x="20" y="40"/>
+                  </a:cubicBezTo>
+                  <a:close/>
+                  <a:moveTo>
+                    <a:pt x="20" y="4"/>
+                  </a:moveTo>
+                  <a:cubicBezTo>
+                    <a:pt x="11" y="4"/>
+                    <a:pt x="4" y="11"/>
+                    <a:pt x="4" y="20"/>
+                  </a:cubicBezTo>
+                  <a:cubicBezTo>
+                    <a:pt x="4" y="29"/>
+                    <a:pt x="11" y="36"/>
+                    <a:pt x="20" y="36"/>
+                  </a:cubicBezTo>
+                  <a:cubicBezTo>
+                    <a:pt x="28" y="36"/>
+                    <a:pt x="36" y="29"/>
+                    <a:pt x="36" y="20"/>
+                  </a:cubicBezTo>
+                  <a:cubicBezTo>
+                    <a:pt x="36" y="9"/>
+                    <a:pt x="31" y="4"/>
+                    <a:pt x="20" y="4"/>
+                  </a:cubicBezTo>
+                  <a:close/>
+                </a:path>
+              </a:pathLst>
+            </a:custGeom>
+            <a:grpFill/>
+            <a:ln>
+              <a:noFill/>
+            </a:ln>
+            <a:extLst>
+              <a:ext uri="{91240B29-F687-4f45-9708-019B960494DF}">
+                <a14:hiddenLine xmlns="" xmlns:a16="http://schemas.microsoft.com/office/drawing/2014/main" xmlns:p14="http://schemas.microsoft.com/office/powerpoint/2010/main" xmlns:a14="http://schemas.microsoft.com/office/drawing/2010/main" w="9525">
+                  <a:solidFill>
+                    <a:srgbClr val="000000"/>
+                  </a:solidFill>
+                  <a:round/>
+                  <a:headEnd/>
+                  <a:tailEnd/>
+                </a14:hiddenLine>
+              </a:ext>
+            </a:extLst>
+          </p:spPr>
+        </p:sp>
+        <p:sp>
+          <p:nvSpPr>
+            <p:cNvPr id="26" name="Freeform 10">
+              <a:extLst>
+                <a:ext uri="{FF2B5EF4-FFF2-40B4-BE49-F238E27FC236}">
+                  <a16:creationId xmlns:a16="http://schemas.microsoft.com/office/drawing/2014/main" id="{E2807D33-BD1F-4B09-8D93-63C06DB3C0F7}"/>
+                </a:ext>
+                <a:ext uri="{C183D7F6-B498-43B3-948B-1728B52AA6E4}">
+                  <adec:decorative xmlns:adec="http://schemas.microsoft.com/office/drawing/2017/decorative" val="1"/>
+                </a:ext>
+              </a:extLst>
+            </p:cNvPr>
+            <p:cNvSpPr/>
+            <p:nvPr>
+              <p:extLst>
+                <p:ext uri="{386F3935-93C4-4BCD-93E2-E3B085C9AB24}">
+                  <p16:designElem xmlns:p16="http://schemas.microsoft.com/office/powerpoint/2015/main" val="1"/>
+                </p:ext>
+              </p:extLst>
+            </p:nvPr>
+          </p:nvSpPr>
+          <p:spPr bwMode="auto">
+            <a:xfrm>
+              <a:off x="285750" y="4763"/>
+              <a:ext cx="369888" cy="1430338"/>
+            </a:xfrm>
+            <a:custGeom>
+              <a:avLst/>
+              <a:gdLst/>
+              <a:ahLst/>
+              <a:cxnLst/>
+              <a:rect l="0" t="0" r="r" b="b"/>
+              <a:pathLst>
+                <a:path w="233" h="901">
+                  <a:moveTo>
+                    <a:pt x="221" y="901"/>
+                  </a:moveTo>
+                  <a:lnTo>
+                    <a:pt x="0" y="383"/>
+                  </a:lnTo>
+                  <a:lnTo>
+                    <a:pt x="0" y="0"/>
+                  </a:lnTo>
+                  <a:lnTo>
+                    <a:pt x="18" y="0"/>
+                  </a:lnTo>
+                  <a:lnTo>
+                    <a:pt x="18" y="380"/>
+                  </a:lnTo>
+                  <a:lnTo>
+                    <a:pt x="233" y="895"/>
+                  </a:lnTo>
+                  <a:lnTo>
+                    <a:pt x="221" y="901"/>
+                  </a:lnTo>
+                  <a:close/>
+                </a:path>
+              </a:pathLst>
+            </a:custGeom>
+            <a:grpFill/>
+            <a:ln>
+              <a:noFill/>
+            </a:ln>
+            <a:extLst>
+              <a:ext uri="{91240B29-F687-4f45-9708-019B960494DF}">
+                <a14:hiddenLine xmlns="" xmlns:a16="http://schemas.microsoft.com/office/drawing/2014/main" xmlns:p14="http://schemas.microsoft.com/office/powerpoint/2010/main" xmlns:a14="http://schemas.microsoft.com/office/drawing/2010/main" w="9525">
+                  <a:solidFill>
+                    <a:srgbClr val="000000"/>
+                  </a:solidFill>
+                  <a:round/>
+                  <a:headEnd/>
+                  <a:tailEnd/>
+                </a14:hiddenLine>
+              </a:ext>
+            </a:extLst>
+          </p:spPr>
+        </p:sp>
+        <p:sp>
+          <p:nvSpPr>
+            <p:cNvPr id="27" name="Freeform 11">
+              <a:extLst>
+                <a:ext uri="{FF2B5EF4-FFF2-40B4-BE49-F238E27FC236}">
+                  <a16:creationId xmlns:a16="http://schemas.microsoft.com/office/drawing/2014/main" id="{84BDF3E8-157B-47D1-AF8E-FE1EFF0612E4}"/>
+                </a:ext>
+                <a:ext uri="{C183D7F6-B498-43B3-948B-1728B52AA6E4}">
+                  <adec:decorative xmlns:adec="http://schemas.microsoft.com/office/drawing/2017/decorative" val="1"/>
+                </a:ext>
+              </a:extLst>
+            </p:cNvPr>
+            <p:cNvSpPr/>
+            <p:nvPr>
+              <p:extLst>
+                <p:ext uri="{386F3935-93C4-4BCD-93E2-E3B085C9AB24}">
+                  <p16:designElem xmlns:p16="http://schemas.microsoft.com/office/powerpoint/2015/main" val="1"/>
+                </p:ext>
+              </p:extLst>
+            </p:nvPr>
+          </p:nvSpPr>
+          <p:spPr bwMode="auto">
+            <a:xfrm>
+              <a:off x="546100" y="0"/>
+              <a:ext cx="152400" cy="912813"/>
+            </a:xfrm>
+            <a:custGeom>
+              <a:avLst/>
+              <a:gdLst/>
+              <a:ahLst/>
+              <a:cxnLst/>
+              <a:rect l="0" t="0" r="r" b="b"/>
+              <a:pathLst>
+                <a:path w="96" h="575">
+                  <a:moveTo>
+                    <a:pt x="96" y="575"/>
+                  </a:moveTo>
+                  <a:lnTo>
+                    <a:pt x="78" y="575"/>
+                  </a:lnTo>
+                  <a:lnTo>
+                    <a:pt x="78" y="192"/>
+                  </a:lnTo>
+                  <a:lnTo>
+                    <a:pt x="0" y="6"/>
+                  </a:lnTo>
+                  <a:lnTo>
+                    <a:pt x="15" y="0"/>
+                  </a:lnTo>
+                  <a:lnTo>
+                    <a:pt x="96" y="189"/>
+                  </a:lnTo>
+                  <a:lnTo>
+                    <a:pt x="96" y="575"/>
+                  </a:lnTo>
+                  <a:close/>
+                </a:path>
+              </a:pathLst>
+            </a:custGeom>
+            <a:grpFill/>
+            <a:ln>
+              <a:noFill/>
+            </a:ln>
+            <a:extLst>
+              <a:ext uri="{91240B29-F687-4f45-9708-019B960494DF}">
+                <a14:hiddenLine xmlns="" xmlns:a16="http://schemas.microsoft.com/office/drawing/2014/main" xmlns:p14="http://schemas.microsoft.com/office/powerpoint/2010/main" xmlns:a14="http://schemas.microsoft.com/office/drawing/2010/main" w="9525">
+                  <a:solidFill>
+                    <a:srgbClr val="000000"/>
+                  </a:solidFill>
+                  <a:round/>
+                  <a:headEnd/>
+                  <a:tailEnd/>
+                </a14:hiddenLine>
+              </a:ext>
+            </a:extLst>
+          </p:spPr>
+        </p:sp>
+        <p:sp>
+          <p:nvSpPr>
+            <p:cNvPr id="28" name="Freeform 12">
+              <a:extLst>
+                <a:ext uri="{FF2B5EF4-FFF2-40B4-BE49-F238E27FC236}">
+                  <a16:creationId xmlns:a16="http://schemas.microsoft.com/office/drawing/2014/main" id="{68B482B5-E0FD-406A-99B2-297DF333546D}"/>
+                </a:ext>
+                <a:ext uri="{C183D7F6-B498-43B3-948B-1728B52AA6E4}">
+                  <adec:decorative xmlns:adec="http://schemas.microsoft.com/office/drawing/2017/decorative" val="1"/>
+                </a:ext>
+              </a:extLst>
+            </p:cNvPr>
+            <p:cNvSpPr>
+              <a:spLocks noEditPoints="1"/>
+            </p:cNvSpPr>
+            <p:nvPr>
+              <p:extLst>
+                <p:ext uri="{386F3935-93C4-4BCD-93E2-E3B085C9AB24}">
+                  <p16:designElem xmlns:p16="http://schemas.microsoft.com/office/powerpoint/2015/main" val="1"/>
+                </p:ext>
+              </p:extLst>
+            </p:nvPr>
+          </p:nvSpPr>
+          <p:spPr bwMode="auto">
+            <a:xfrm>
+              <a:off x="588962" y="1420813"/>
+              <a:ext cx="190500" cy="190500"/>
+            </a:xfrm>
+            <a:custGeom>
+              <a:avLst/>
+              <a:gdLst/>
+              <a:ahLst/>
+              <a:cxnLst/>
+              <a:rect l="0" t="0" r="r" b="b"/>
+              <a:pathLst>
+                <a:path w="40" h="40">
+                  <a:moveTo>
+                    <a:pt x="20" y="40"/>
+                  </a:moveTo>
+                  <a:cubicBezTo>
+                    <a:pt x="9" y="40"/>
+                    <a:pt x="0" y="31"/>
+                    <a:pt x="0" y="20"/>
+                  </a:cubicBezTo>
+                  <a:cubicBezTo>
+                    <a:pt x="0" y="9"/>
+                    <a:pt x="9" y="0"/>
+                    <a:pt x="20" y="0"/>
+                  </a:cubicBezTo>
+                  <a:cubicBezTo>
+                    <a:pt x="33" y="0"/>
+                    <a:pt x="40" y="7"/>
+                    <a:pt x="40" y="20"/>
+                  </a:cubicBezTo>
+                  <a:cubicBezTo>
+                    <a:pt x="40" y="31"/>
+                    <a:pt x="31" y="40"/>
+                    <a:pt x="20" y="40"/>
+                  </a:cubicBezTo>
+                  <a:close/>
+                  <a:moveTo>
+                    <a:pt x="20" y="4"/>
+                  </a:moveTo>
+                  <a:cubicBezTo>
+                    <a:pt x="11" y="4"/>
+                    <a:pt x="4" y="11"/>
+                    <a:pt x="4" y="20"/>
+                  </a:cubicBezTo>
+                  <a:cubicBezTo>
+                    <a:pt x="4" y="29"/>
+                    <a:pt x="11" y="36"/>
+                    <a:pt x="20" y="36"/>
+                  </a:cubicBezTo>
+                  <a:cubicBezTo>
+                    <a:pt x="29" y="36"/>
+                    <a:pt x="36" y="29"/>
+                    <a:pt x="36" y="20"/>
+                  </a:cubicBezTo>
+                  <a:cubicBezTo>
+                    <a:pt x="36" y="9"/>
+                    <a:pt x="31" y="4"/>
+                    <a:pt x="20" y="4"/>
+                  </a:cubicBezTo>
+                  <a:close/>
+                </a:path>
+              </a:pathLst>
+            </a:custGeom>
+            <a:grpFill/>
+            <a:ln>
+              <a:noFill/>
+            </a:ln>
+            <a:extLst>
+              <a:ext uri="{91240B29-F687-4f45-9708-019B960494DF}">
+                <a14:hiddenLine xmlns="" xmlns:a16="http://schemas.microsoft.com/office/drawing/2014/main" xmlns:p14="http://schemas.microsoft.com/office/powerpoint/2010/main" xmlns:a14="http://schemas.microsoft.com/office/drawing/2010/main" w="9525">
+                  <a:solidFill>
+                    <a:srgbClr val="000000"/>
+                  </a:solidFill>
+                  <a:round/>
+                  <a:headEnd/>
+                  <a:tailEnd/>
+                </a14:hiddenLine>
+              </a:ext>
+            </a:extLst>
+          </p:spPr>
+        </p:sp>
+        <p:sp>
+          <p:nvSpPr>
+            <p:cNvPr id="29" name="Freeform 13">
+              <a:extLst>
+                <a:ext uri="{FF2B5EF4-FFF2-40B4-BE49-F238E27FC236}">
+                  <a16:creationId xmlns:a16="http://schemas.microsoft.com/office/drawing/2014/main" id="{B8750F30-12E8-410B-8709-78F1EF3BBE78}"/>
+                </a:ext>
+                <a:ext uri="{C183D7F6-B498-43B3-948B-1728B52AA6E4}">
+                  <adec:decorative xmlns:adec="http://schemas.microsoft.com/office/drawing/2017/decorative" val="1"/>
+                </a:ext>
+              </a:extLst>
+            </p:cNvPr>
+            <p:cNvSpPr>
+              <a:spLocks noEditPoints="1"/>
+            </p:cNvSpPr>
+            <p:nvPr>
+              <p:extLst>
+                <p:ext uri="{386F3935-93C4-4BCD-93E2-E3B085C9AB24}">
+                  <p16:designElem xmlns:p16="http://schemas.microsoft.com/office/powerpoint/2015/main" val="1"/>
+                </p:ext>
+              </p:extLst>
+            </p:nvPr>
+          </p:nvSpPr>
+          <p:spPr bwMode="auto">
+            <a:xfrm>
+              <a:off x="588962" y="903288"/>
+              <a:ext cx="190500" cy="190500"/>
+            </a:xfrm>
+            <a:custGeom>
+              <a:avLst/>
+              <a:gdLst/>
+              <a:ahLst/>
+              <a:cxnLst/>
+              <a:rect l="0" t="0" r="r" b="b"/>
+              <a:pathLst>
+                <a:path w="40" h="40">
+                  <a:moveTo>
+                    <a:pt x="20" y="40"/>
+                  </a:moveTo>
+                  <a:cubicBezTo>
+                    <a:pt x="9" y="40"/>
+                    <a:pt x="0" y="31"/>
+                    <a:pt x="0" y="20"/>
+                  </a:cubicBezTo>
+                  <a:cubicBezTo>
+                    <a:pt x="0" y="9"/>
+                    <a:pt x="9" y="0"/>
+                    <a:pt x="20" y="0"/>
+                  </a:cubicBezTo>
+                  <a:cubicBezTo>
+                    <a:pt x="31" y="0"/>
+                    <a:pt x="40" y="9"/>
+                    <a:pt x="40" y="20"/>
+                  </a:cubicBezTo>
+                  <a:cubicBezTo>
+                    <a:pt x="40" y="31"/>
+                    <a:pt x="31" y="40"/>
+                    <a:pt x="20" y="40"/>
+                  </a:cubicBezTo>
+                  <a:close/>
+                  <a:moveTo>
+                    <a:pt x="20" y="4"/>
+                  </a:moveTo>
+                  <a:cubicBezTo>
+                    <a:pt x="11" y="4"/>
+                    <a:pt x="4" y="11"/>
+                    <a:pt x="4" y="20"/>
+                  </a:cubicBezTo>
+                  <a:cubicBezTo>
+                    <a:pt x="4" y="29"/>
+                    <a:pt x="11" y="36"/>
+                    <a:pt x="20" y="36"/>
+                  </a:cubicBezTo>
+                  <a:cubicBezTo>
+                    <a:pt x="29" y="36"/>
+                    <a:pt x="36" y="29"/>
+                    <a:pt x="36" y="20"/>
+                  </a:cubicBezTo>
+                  <a:cubicBezTo>
+                    <a:pt x="36" y="11"/>
+                    <a:pt x="29" y="4"/>
+                    <a:pt x="20" y="4"/>
+                  </a:cubicBezTo>
+                  <a:close/>
+                </a:path>
+              </a:pathLst>
+            </a:custGeom>
+            <a:grpFill/>
+            <a:ln>
+              <a:noFill/>
+            </a:ln>
+            <a:extLst>
+              <a:ext uri="{91240B29-F687-4f45-9708-019B960494DF}">
+                <a14:hiddenLine xmlns="" xmlns:a16="http://schemas.microsoft.com/office/drawing/2014/main" xmlns:p14="http://schemas.microsoft.com/office/powerpoint/2010/main" xmlns:a14="http://schemas.microsoft.com/office/drawing/2010/main" w="9525">
+                  <a:solidFill>
+                    <a:srgbClr val="000000"/>
+                  </a:solidFill>
+                  <a:round/>
+                  <a:headEnd/>
+                  <a:tailEnd/>
+                </a14:hiddenLine>
+              </a:ext>
+            </a:extLst>
+          </p:spPr>
+        </p:sp>
+        <p:sp>
+          <p:nvSpPr>
+            <p:cNvPr id="30" name="Freeform 14">
+              <a:extLst>
+                <a:ext uri="{FF2B5EF4-FFF2-40B4-BE49-F238E27FC236}">
+                  <a16:creationId xmlns:a16="http://schemas.microsoft.com/office/drawing/2014/main" id="{DB2D030A-4700-4CC4-A971-F119F8372C0A}"/>
+                </a:ext>
+                <a:ext uri="{C183D7F6-B498-43B3-948B-1728B52AA6E4}">
+                  <adec:decorative xmlns:adec="http://schemas.microsoft.com/office/drawing/2017/decorative" val="1"/>
+                </a:ext>
+              </a:extLst>
+            </p:cNvPr>
+            <p:cNvSpPr/>
+            <p:nvPr>
+              <p:extLst>
+                <p:ext uri="{386F3935-93C4-4BCD-93E2-E3B085C9AB24}">
+                  <p16:designElem xmlns:p16="http://schemas.microsoft.com/office/powerpoint/2015/main" val="1"/>
+                </p:ext>
+              </p:extLst>
+            </p:nvPr>
+          </p:nvSpPr>
+          <p:spPr bwMode="auto">
+            <a:xfrm>
+              <a:off x="641350" y="0"/>
+              <a:ext cx="422275" cy="527050"/>
+            </a:xfrm>
+            <a:custGeom>
+              <a:avLst/>
+              <a:gdLst/>
+              <a:ahLst/>
+              <a:cxnLst/>
+              <a:rect l="0" t="0" r="r" b="b"/>
+              <a:pathLst>
+                <a:path w="266" h="332">
+                  <a:moveTo>
+                    <a:pt x="257" y="332"/>
+                  </a:moveTo>
+                  <a:lnTo>
+                    <a:pt x="48" y="123"/>
+                  </a:lnTo>
+                  <a:lnTo>
+                    <a:pt x="0" y="6"/>
+                  </a:lnTo>
+                  <a:lnTo>
+                    <a:pt x="15" y="0"/>
+                  </a:lnTo>
+                  <a:lnTo>
+                    <a:pt x="63" y="114"/>
+                  </a:lnTo>
+                  <a:lnTo>
+                    <a:pt x="266" y="320"/>
+                  </a:lnTo>
+                  <a:lnTo>
+                    <a:pt x="257" y="332"/>
+                  </a:lnTo>
+                  <a:close/>
+                </a:path>
+              </a:pathLst>
+            </a:custGeom>
+            <a:grpFill/>
+            <a:ln>
+              <a:noFill/>
+            </a:ln>
+            <a:extLst>
+              <a:ext uri="{91240B29-F687-4f45-9708-019B960494DF}">
+                <a14:hiddenLine xmlns="" xmlns:a16="http://schemas.microsoft.com/office/drawing/2014/main" xmlns:p14="http://schemas.microsoft.com/office/powerpoint/2010/main" xmlns:a14="http://schemas.microsoft.com/office/drawing/2010/main" w="9525">
+                  <a:solidFill>
+                    <a:srgbClr val="000000"/>
+                  </a:solidFill>
+                  <a:round/>
+                  <a:headEnd/>
+                  <a:tailEnd/>
+                </a14:hiddenLine>
+              </a:ext>
+            </a:extLst>
+          </p:spPr>
+        </p:sp>
+        <p:sp>
+          <p:nvSpPr>
+            <p:cNvPr id="31" name="Freeform 15">
+              <a:extLst>
+                <a:ext uri="{FF2B5EF4-FFF2-40B4-BE49-F238E27FC236}">
+                  <a16:creationId xmlns:a16="http://schemas.microsoft.com/office/drawing/2014/main" id="{B4E516DB-F66E-4E88-8CAA-67153F56189D}"/>
+                </a:ext>
+                <a:ext uri="{C183D7F6-B498-43B3-948B-1728B52AA6E4}">
+                  <adec:decorative xmlns:adec="http://schemas.microsoft.com/office/drawing/2017/decorative" val="1"/>
+                </a:ext>
+              </a:extLst>
+            </p:cNvPr>
+            <p:cNvSpPr>
+              <a:spLocks noEditPoints="1"/>
+            </p:cNvSpPr>
+            <p:nvPr>
+              <p:extLst>
+                <p:ext uri="{386F3935-93C4-4BCD-93E2-E3B085C9AB24}">
+                  <p16:designElem xmlns:p16="http://schemas.microsoft.com/office/powerpoint/2015/main" val="1"/>
+                </p:ext>
+              </p:extLst>
+            </p:nvPr>
+          </p:nvSpPr>
+          <p:spPr bwMode="auto">
+            <a:xfrm>
+              <a:off x="1020762" y="488950"/>
+              <a:ext cx="161925" cy="147638"/>
+            </a:xfrm>
+            <a:custGeom>
+              <a:avLst/>
+              <a:gdLst/>
+              <a:ahLst/>
+              <a:cxnLst/>
+              <a:rect l="0" t="0" r="r" b="b"/>
+              <a:pathLst>
+                <a:path w="34" h="31">
+                  <a:moveTo>
+                    <a:pt x="17" y="31"/>
+                  </a:moveTo>
+                  <a:cubicBezTo>
+                    <a:pt x="13" y="31"/>
+                    <a:pt x="9" y="30"/>
+                    <a:pt x="6" y="27"/>
+                  </a:cubicBezTo>
+                  <a:cubicBezTo>
+                    <a:pt x="0" y="20"/>
+                    <a:pt x="0" y="10"/>
+                    <a:pt x="6" y="4"/>
+                  </a:cubicBezTo>
+                  <a:cubicBezTo>
+                    <a:pt x="9" y="1"/>
+                    <a:pt x="13" y="0"/>
+                    <a:pt x="17" y="0"/>
+                  </a:cubicBezTo>
+                  <a:cubicBezTo>
+                    <a:pt x="21" y="0"/>
+                    <a:pt x="25" y="1"/>
+                    <a:pt x="28" y="4"/>
+                  </a:cubicBezTo>
+                  <a:cubicBezTo>
+                    <a:pt x="34" y="10"/>
+                    <a:pt x="34" y="20"/>
+                    <a:pt x="28" y="27"/>
+                  </a:cubicBezTo>
+                  <a:cubicBezTo>
+                    <a:pt x="25" y="30"/>
+                    <a:pt x="21" y="31"/>
+                    <a:pt x="17" y="31"/>
+                  </a:cubicBezTo>
+                  <a:close/>
+                  <a:moveTo>
+                    <a:pt x="17" y="4"/>
+                  </a:moveTo>
+                  <a:cubicBezTo>
+                    <a:pt x="14" y="4"/>
+                    <a:pt x="11" y="5"/>
+                    <a:pt x="9" y="7"/>
+                  </a:cubicBezTo>
+                  <a:cubicBezTo>
+                    <a:pt x="4" y="12"/>
+                    <a:pt x="4" y="19"/>
+                    <a:pt x="9" y="24"/>
+                  </a:cubicBezTo>
+                  <a:cubicBezTo>
+                    <a:pt x="11" y="26"/>
+                    <a:pt x="14" y="27"/>
+                    <a:pt x="17" y="27"/>
+                  </a:cubicBezTo>
+                  <a:cubicBezTo>
+                    <a:pt x="20" y="27"/>
+                    <a:pt x="23" y="26"/>
+                    <a:pt x="25" y="24"/>
+                  </a:cubicBezTo>
+                  <a:cubicBezTo>
+                    <a:pt x="30" y="19"/>
+                    <a:pt x="30" y="12"/>
+                    <a:pt x="25" y="7"/>
+                  </a:cubicBezTo>
+                  <a:cubicBezTo>
+                    <a:pt x="23" y="5"/>
+                    <a:pt x="20" y="4"/>
+                    <a:pt x="17" y="4"/>
+                  </a:cubicBezTo>
+                  <a:close/>
+                </a:path>
+              </a:pathLst>
+            </a:custGeom>
+            <a:grpFill/>
+            <a:ln>
+              <a:noFill/>
+            </a:ln>
+            <a:extLst>
+              <a:ext uri="{91240B29-F687-4f45-9708-019B960494DF}">
+                <a14:hiddenLine xmlns="" xmlns:a16="http://schemas.microsoft.com/office/drawing/2014/main" xmlns:p14="http://schemas.microsoft.com/office/powerpoint/2010/main" xmlns:a14="http://schemas.microsoft.com/office/drawing/2010/main" w="9525">
+                  <a:solidFill>
+                    <a:srgbClr val="000000"/>
+                  </a:solidFill>
+                  <a:round/>
+                  <a:headEnd/>
+                  <a:tailEnd/>
+                </a14:hiddenLine>
+              </a:ext>
+            </a:extLst>
+          </p:spPr>
+        </p:sp>
+        <p:sp>
+          <p:nvSpPr>
+            <p:cNvPr id="32" name="Line 16">
+              <a:extLst>
+                <a:ext uri="{FF2B5EF4-FFF2-40B4-BE49-F238E27FC236}">
+                  <a16:creationId xmlns:a16="http://schemas.microsoft.com/office/drawing/2014/main" id="{DF749FDD-DD56-4DC9-A379-77E1106981DC}"/>
+                </a:ext>
+                <a:ext uri="{C183D7F6-B498-43B3-948B-1728B52AA6E4}">
+                  <adec:decorative xmlns:adec="http://schemas.microsoft.com/office/drawing/2017/decorative" val="1"/>
+                </a:ext>
+              </a:extLst>
+            </p:cNvPr>
+            <p:cNvSpPr>
+              <a:spLocks noChangeShapeType="1"/>
+            </p:cNvSpPr>
+            <p:nvPr>
+              <p:extLst>
+                <p:ext uri="{386F3935-93C4-4BCD-93E2-E3B085C9AB24}">
+                  <p16:designElem xmlns:p16="http://schemas.microsoft.com/office/powerpoint/2015/main" val="1"/>
+                </p:ext>
+              </p:extLst>
+            </p:nvPr>
+          </p:nvSpPr>
+          <p:spPr bwMode="auto">
+            <a:xfrm>
+              <a:off x="-4763" y="9525"/>
+              <a:ext cx="0" cy="0"/>
+            </a:xfrm>
+            <a:prstGeom prst="line">
+              <a:avLst/>
+            </a:prstGeom>
+            <a:grpFill/>
+            <a:ln w="15" cap="flat">
+              <a:solidFill>
+                <a:srgbClr val="FFFFFF"/>
+              </a:solidFill>
+              <a:prstDash val="solid"/>
+              <a:miter lim="800000"/>
+              <a:headEnd/>
+              <a:tailEnd/>
+            </a:ln>
+          </p:spPr>
+        </p:sp>
+        <p:sp>
+          <p:nvSpPr>
+            <p:cNvPr id="33" name="Freeform 17">
+              <a:extLst>
+                <a:ext uri="{FF2B5EF4-FFF2-40B4-BE49-F238E27FC236}">
+                  <a16:creationId xmlns:a16="http://schemas.microsoft.com/office/drawing/2014/main" id="{6AD95087-E0AF-45D3-B824-EFFCBBECDEB1}"/>
+                </a:ext>
+                <a:ext uri="{C183D7F6-B498-43B3-948B-1728B52AA6E4}">
+                  <adec:decorative xmlns:adec="http://schemas.microsoft.com/office/drawing/2017/decorative" val="1"/>
+                </a:ext>
+              </a:extLst>
+            </p:cNvPr>
+            <p:cNvSpPr/>
+            <p:nvPr>
+              <p:extLst>
+                <p:ext uri="{386F3935-93C4-4BCD-93E2-E3B085C9AB24}">
+                  <p16:designElem xmlns:p16="http://schemas.microsoft.com/office/powerpoint/2015/main" val="1"/>
+                </p:ext>
+              </p:extLst>
+            </p:nvPr>
+          </p:nvSpPr>
+          <p:spPr bwMode="auto">
+            <a:xfrm>
+              <a:off x="9525" y="1801813"/>
+              <a:ext cx="123825" cy="127000"/>
+            </a:xfrm>
+            <a:custGeom>
+              <a:avLst/>
+              <a:gdLst/>
+              <a:ahLst/>
+              <a:cxnLst/>
+              <a:rect l="0" t="0" r="r" b="b"/>
+              <a:pathLst>
+                <a:path w="78" h="80">
+                  <a:moveTo>
+                    <a:pt x="6" y="80"/>
+                  </a:moveTo>
+                  <a:lnTo>
+                    <a:pt x="0" y="71"/>
+                  </a:lnTo>
+                  <a:lnTo>
+                    <a:pt x="69" y="0"/>
+                  </a:lnTo>
+                  <a:lnTo>
+                    <a:pt x="78" y="9"/>
+                  </a:lnTo>
+                  <a:lnTo>
+                    <a:pt x="6" y="80"/>
+                  </a:lnTo>
+                  <a:close/>
+                </a:path>
+              </a:pathLst>
+            </a:custGeom>
+            <a:grpFill/>
+            <a:ln>
+              <a:noFill/>
+            </a:ln>
+            <a:extLst>
+              <a:ext uri="{91240B29-F687-4f45-9708-019B960494DF}">
+                <a14:hiddenLine xmlns="" xmlns:a16="http://schemas.microsoft.com/office/drawing/2014/main" xmlns:p14="http://schemas.microsoft.com/office/powerpoint/2010/main" xmlns:a14="http://schemas.microsoft.com/office/drawing/2010/main" w="9525">
+                  <a:solidFill>
+                    <a:srgbClr val="000000"/>
+                  </a:solidFill>
+                  <a:round/>
+                  <a:headEnd/>
+                  <a:tailEnd/>
+                </a14:hiddenLine>
+              </a:ext>
+            </a:extLst>
+          </p:spPr>
+        </p:sp>
+        <p:sp>
+          <p:nvSpPr>
+            <p:cNvPr id="34" name="Freeform 18">
+              <a:extLst>
+                <a:ext uri="{FF2B5EF4-FFF2-40B4-BE49-F238E27FC236}">
+                  <a16:creationId xmlns:a16="http://schemas.microsoft.com/office/drawing/2014/main" id="{2D21010F-3DE2-4881-B9D5-3415C4E05DAC}"/>
+                </a:ext>
+                <a:ext uri="{C183D7F6-B498-43B3-948B-1728B52AA6E4}">
+                  <adec:decorative xmlns:adec="http://schemas.microsoft.com/office/drawing/2017/decorative" val="1"/>
+                </a:ext>
+              </a:extLst>
+            </p:cNvPr>
+            <p:cNvSpPr/>
+            <p:nvPr>
+              <p:extLst>
+                <p:ext uri="{386F3935-93C4-4BCD-93E2-E3B085C9AB24}">
+                  <p16:designElem xmlns:p16="http://schemas.microsoft.com/office/powerpoint/2015/main" val="1"/>
+                </p:ext>
+              </p:extLst>
+            </p:nvPr>
+          </p:nvSpPr>
+          <p:spPr bwMode="auto">
+            <a:xfrm>
+              <a:off x="-9525" y="3549650"/>
+              <a:ext cx="147638" cy="481013"/>
+            </a:xfrm>
+            <a:custGeom>
+              <a:avLst/>
+              <a:gdLst/>
+              <a:ahLst/>
+              <a:cxnLst/>
+              <a:rect l="0" t="0" r="r" b="b"/>
+              <a:pathLst>
+                <a:path w="93" h="303">
+                  <a:moveTo>
+                    <a:pt x="93" y="303"/>
+                  </a:moveTo>
+                  <a:lnTo>
+                    <a:pt x="78" y="303"/>
+                  </a:lnTo>
+                  <a:lnTo>
+                    <a:pt x="78" y="78"/>
+                  </a:lnTo>
+                  <a:lnTo>
+                    <a:pt x="0" y="12"/>
+                  </a:lnTo>
+                  <a:lnTo>
+                    <a:pt x="12" y="0"/>
+                  </a:lnTo>
+                  <a:lnTo>
+                    <a:pt x="93" y="69"/>
+                  </a:lnTo>
+                  <a:lnTo>
+                    <a:pt x="93" y="303"/>
+                  </a:lnTo>
+                  <a:close/>
+                </a:path>
+              </a:pathLst>
+            </a:custGeom>
+            <a:grpFill/>
+            <a:ln>
+              <a:noFill/>
+            </a:ln>
+            <a:extLst>
+              <a:ext uri="{91240B29-F687-4f45-9708-019B960494DF}">
+                <a14:hiddenLine xmlns="" xmlns:a16="http://schemas.microsoft.com/office/drawing/2014/main" xmlns:p14="http://schemas.microsoft.com/office/powerpoint/2010/main" xmlns:a14="http://schemas.microsoft.com/office/drawing/2010/main" w="9525">
+                  <a:solidFill>
+                    <a:srgbClr val="000000"/>
+                  </a:solidFill>
+                  <a:round/>
+                  <a:headEnd/>
+                  <a:tailEnd/>
+                </a14:hiddenLine>
+              </a:ext>
+            </a:extLst>
+          </p:spPr>
+        </p:sp>
+        <p:sp>
+          <p:nvSpPr>
+            <p:cNvPr id="35" name="Freeform 19">
+              <a:extLst>
+                <a:ext uri="{FF2B5EF4-FFF2-40B4-BE49-F238E27FC236}">
+                  <a16:creationId xmlns:a16="http://schemas.microsoft.com/office/drawing/2014/main" id="{2AFDF4BC-8E99-4A2C-9EF2-4B98A05C2E3B}"/>
+                </a:ext>
+                <a:ext uri="{C183D7F6-B498-43B3-948B-1728B52AA6E4}">
+                  <adec:decorative xmlns:adec="http://schemas.microsoft.com/office/drawing/2017/decorative" val="1"/>
+                </a:ext>
+              </a:extLst>
+            </p:cNvPr>
+            <p:cNvSpPr/>
+            <p:nvPr>
+              <p:extLst>
+                <p:ext uri="{386F3935-93C4-4BCD-93E2-E3B085C9AB24}">
+                  <p16:designElem xmlns:p16="http://schemas.microsoft.com/office/powerpoint/2015/main" val="1"/>
+                </p:ext>
+              </p:extLst>
+            </p:nvPr>
+          </p:nvSpPr>
+          <p:spPr bwMode="auto">
+            <a:xfrm>
+              <a:off x="128587" y="1382713"/>
+              <a:ext cx="142875" cy="476250"/>
+            </a:xfrm>
+            <a:custGeom>
+              <a:avLst/>
+              <a:gdLst/>
+              <a:ahLst/>
+              <a:cxnLst/>
+              <a:rect l="0" t="0" r="r" b="b"/>
+              <a:pathLst>
+                <a:path w="90" h="300">
+                  <a:moveTo>
+                    <a:pt x="90" y="300"/>
+                  </a:moveTo>
+                  <a:lnTo>
+                    <a:pt x="78" y="300"/>
+                  </a:lnTo>
+                  <a:lnTo>
+                    <a:pt x="78" y="84"/>
+                  </a:lnTo>
+                  <a:lnTo>
+                    <a:pt x="0" y="9"/>
+                  </a:lnTo>
+                  <a:lnTo>
+                    <a:pt x="9" y="0"/>
+                  </a:lnTo>
+                  <a:lnTo>
+                    <a:pt x="90" y="81"/>
+                  </a:lnTo>
+                  <a:lnTo>
+                    <a:pt x="90" y="300"/>
+                  </a:lnTo>
+                  <a:close/>
+                </a:path>
+              </a:pathLst>
+            </a:custGeom>
+            <a:grpFill/>
+            <a:ln>
+              <a:noFill/>
+            </a:ln>
+            <a:extLst>
+              <a:ext uri="{91240B29-F687-4f45-9708-019B960494DF}">
+                <a14:hiddenLine xmlns="" xmlns:a16="http://schemas.microsoft.com/office/drawing/2014/main" xmlns:p14="http://schemas.microsoft.com/office/powerpoint/2010/main" xmlns:a14="http://schemas.microsoft.com/office/drawing/2010/main" w="9525">
+                  <a:solidFill>
+                    <a:srgbClr val="000000"/>
+                  </a:solidFill>
+                  <a:round/>
+                  <a:headEnd/>
+                  <a:tailEnd/>
+                </a14:hiddenLine>
+              </a:ext>
+            </a:extLst>
+          </p:spPr>
+        </p:sp>
+        <p:sp>
+          <p:nvSpPr>
+            <p:cNvPr id="36" name="Freeform 20">
+              <a:extLst>
+                <a:ext uri="{FF2B5EF4-FFF2-40B4-BE49-F238E27FC236}">
+                  <a16:creationId xmlns:a16="http://schemas.microsoft.com/office/drawing/2014/main" id="{BB8EAEE8-22EA-4103-A02E-5043474C4BE1}"/>
+                </a:ext>
+                <a:ext uri="{C183D7F6-B498-43B3-948B-1728B52AA6E4}">
+                  <adec:decorative xmlns:adec="http://schemas.microsoft.com/office/drawing/2017/decorative" val="1"/>
+                </a:ext>
+              </a:extLst>
+            </p:cNvPr>
+            <p:cNvSpPr>
+              <a:spLocks noEditPoints="1"/>
+            </p:cNvSpPr>
+            <p:nvPr>
+              <p:extLst>
+                <p:ext uri="{386F3935-93C4-4BCD-93E2-E3B085C9AB24}">
+                  <p16:designElem xmlns:p16="http://schemas.microsoft.com/office/powerpoint/2015/main" val="1"/>
+                </p:ext>
+              </p:extLst>
+            </p:nvPr>
+          </p:nvSpPr>
+          <p:spPr bwMode="auto">
+            <a:xfrm>
+              <a:off x="204787" y="1849438"/>
+              <a:ext cx="114300" cy="107950"/>
+            </a:xfrm>
+            <a:custGeom>
+              <a:avLst/>
+              <a:gdLst/>
+              <a:ahLst/>
+              <a:cxnLst/>
+              <a:rect l="0" t="0" r="r" b="b"/>
+              <a:pathLst>
+                <a:path w="24" h="23">
+                  <a:moveTo>
+                    <a:pt x="12" y="23"/>
+                  </a:moveTo>
+                  <a:cubicBezTo>
+                    <a:pt x="6" y="23"/>
+                    <a:pt x="0" y="18"/>
+                    <a:pt x="0" y="12"/>
+                  </a:cubicBezTo>
+                  <a:cubicBezTo>
+                    <a:pt x="0" y="5"/>
+                    <a:pt x="6" y="0"/>
+                    <a:pt x="12" y="0"/>
+                  </a:cubicBezTo>
+                  <a:cubicBezTo>
+                    <a:pt x="18" y="0"/>
+                    <a:pt x="24" y="5"/>
+                    <a:pt x="24" y="12"/>
+                  </a:cubicBezTo>
+                  <a:cubicBezTo>
+                    <a:pt x="24" y="18"/>
+                    <a:pt x="18" y="23"/>
+                    <a:pt x="12" y="23"/>
+                  </a:cubicBezTo>
+                  <a:close/>
+                  <a:moveTo>
+                    <a:pt x="12" y="4"/>
+                  </a:moveTo>
+                  <a:cubicBezTo>
+                    <a:pt x="8" y="4"/>
+                    <a:pt x="4" y="8"/>
+                    <a:pt x="4" y="12"/>
+                  </a:cubicBezTo>
+                  <a:cubicBezTo>
+                    <a:pt x="4" y="16"/>
+                    <a:pt x="8" y="19"/>
+                    <a:pt x="12" y="19"/>
+                  </a:cubicBezTo>
+                  <a:cubicBezTo>
+                    <a:pt x="16" y="19"/>
+                    <a:pt x="20" y="16"/>
+                    <a:pt x="20" y="12"/>
+                  </a:cubicBezTo>
+                  <a:cubicBezTo>
+                    <a:pt x="20" y="8"/>
+                    <a:pt x="16" y="4"/>
+                    <a:pt x="12" y="4"/>
+                  </a:cubicBezTo>
+                  <a:close/>
+                </a:path>
+              </a:pathLst>
+            </a:custGeom>
+            <a:grpFill/>
+            <a:ln>
+              <a:noFill/>
+            </a:ln>
+            <a:extLst>
+              <a:ext uri="{91240B29-F687-4f45-9708-019B960494DF}">
+                <a14:hiddenLine xmlns="" xmlns:a16="http://schemas.microsoft.com/office/drawing/2014/main" xmlns:p14="http://schemas.microsoft.com/office/powerpoint/2010/main" xmlns:a14="http://schemas.microsoft.com/office/drawing/2010/main" w="9525">
+                  <a:solidFill>
+                    <a:srgbClr val="000000"/>
+                  </a:solidFill>
+                  <a:round/>
+                  <a:headEnd/>
+                  <a:tailEnd/>
+                </a14:hiddenLine>
+              </a:ext>
+            </a:extLst>
+          </p:spPr>
+        </p:sp>
+        <p:sp>
+          <p:nvSpPr>
+            <p:cNvPr id="37" name="Rectangle 21">
+              <a:extLst>
+                <a:ext uri="{FF2B5EF4-FFF2-40B4-BE49-F238E27FC236}">
+                  <a16:creationId xmlns:a16="http://schemas.microsoft.com/office/drawing/2014/main" id="{7148ABD2-E447-429F-B97E-86494051C101}"/>
+                </a:ext>
+                <a:ext uri="{C183D7F6-B498-43B3-948B-1728B52AA6E4}">
+                  <adec:decorative xmlns:adec="http://schemas.microsoft.com/office/drawing/2017/decorative" val="1"/>
+                </a:ext>
+              </a:extLst>
+            </p:cNvPr>
+            <p:cNvSpPr>
+              <a:spLocks noChangeArrowheads="1"/>
+            </p:cNvSpPr>
+            <p:nvPr>
+              <p:extLst>
+                <p:ext uri="{386F3935-93C4-4BCD-93E2-E3B085C9AB24}">
+                  <p16:designElem xmlns:p16="http://schemas.microsoft.com/office/powerpoint/2015/main" val="1"/>
+                </p:ext>
+              </p:extLst>
+            </p:nvPr>
+          </p:nvSpPr>
+          <p:spPr bwMode="auto">
+            <a:xfrm>
+              <a:off x="133350" y="4662488"/>
+              <a:ext cx="23813" cy="2181225"/>
+            </a:xfrm>
+            <a:prstGeom prst="rect">
+              <a:avLst/>
+            </a:prstGeom>
+            <a:grpFill/>
+            <a:ln>
+              <a:noFill/>
+            </a:ln>
+            <a:extLst>
+              <a:ext uri="{91240B29-F687-4f45-9708-019B960494DF}">
+                <a14:hiddenLine xmlns="" xmlns:a16="http://schemas.microsoft.com/office/drawing/2014/main" xmlns:p14="http://schemas.microsoft.com/office/powerpoint/2010/main" xmlns:a14="http://schemas.microsoft.com/office/drawing/2010/main" w="9525">
+                  <a:solidFill>
+                    <a:srgbClr val="000000"/>
+                  </a:solidFill>
+                  <a:miter lim="800000"/>
+                  <a:headEnd/>
+                  <a:tailEnd/>
+                </a14:hiddenLine>
+              </a:ext>
+            </a:extLst>
+          </p:spPr>
+        </p:sp>
+        <p:sp>
+          <p:nvSpPr>
+            <p:cNvPr id="38" name="Freeform 22">
+              <a:extLst>
+                <a:ext uri="{FF2B5EF4-FFF2-40B4-BE49-F238E27FC236}">
+                  <a16:creationId xmlns:a16="http://schemas.microsoft.com/office/drawing/2014/main" id="{99900F4A-F8CA-456E-9FA0-34572621C09B}"/>
+                </a:ext>
+                <a:ext uri="{C183D7F6-B498-43B3-948B-1728B52AA6E4}">
+                  <adec:decorative xmlns:adec="http://schemas.microsoft.com/office/drawing/2017/decorative" val="1"/>
+                </a:ext>
+              </a:extLst>
+            </p:cNvPr>
+            <p:cNvSpPr/>
+            <p:nvPr>
+              <p:extLst>
+                <p:ext uri="{386F3935-93C4-4BCD-93E2-E3B085C9AB24}">
+                  <p16:designElem xmlns:p16="http://schemas.microsoft.com/office/powerpoint/2015/main" val="1"/>
+                </p:ext>
+              </p:extLst>
+            </p:nvPr>
+          </p:nvSpPr>
+          <p:spPr bwMode="auto">
+            <a:xfrm>
+              <a:off x="223837" y="5041900"/>
+              <a:ext cx="369888" cy="1801813"/>
+            </a:xfrm>
+            <a:custGeom>
+              <a:avLst/>
+              <a:gdLst/>
+              <a:ahLst/>
+              <a:cxnLst/>
+              <a:rect l="0" t="0" r="r" b="b"/>
+              <a:pathLst>
+                <a:path w="233" h="1135">
+                  <a:moveTo>
+                    <a:pt x="15" y="1135"/>
+                  </a:moveTo>
+                  <a:lnTo>
+                    <a:pt x="0" y="1135"/>
+                  </a:lnTo>
+                  <a:lnTo>
+                    <a:pt x="0" y="515"/>
+                  </a:lnTo>
+                  <a:lnTo>
+                    <a:pt x="0" y="512"/>
+                  </a:lnTo>
+                  <a:lnTo>
+                    <a:pt x="218" y="0"/>
+                  </a:lnTo>
+                  <a:lnTo>
+                    <a:pt x="233" y="6"/>
+                  </a:lnTo>
+                  <a:lnTo>
+                    <a:pt x="15" y="518"/>
+                  </a:lnTo>
+                  <a:lnTo>
+                    <a:pt x="15" y="1135"/>
+                  </a:lnTo>
+                  <a:close/>
+                </a:path>
+              </a:pathLst>
+            </a:custGeom>
+            <a:grpFill/>
+            <a:ln>
+              <a:noFill/>
+            </a:ln>
+            <a:extLst>
+              <a:ext uri="{91240B29-F687-4f45-9708-019B960494DF}">
+                <a14:hiddenLine xmlns="" xmlns:a16="http://schemas.microsoft.com/office/drawing/2014/main" xmlns:p14="http://schemas.microsoft.com/office/powerpoint/2010/main" xmlns:a14="http://schemas.microsoft.com/office/drawing/2010/main" w="9525">
+                  <a:solidFill>
+                    <a:srgbClr val="000000"/>
+                  </a:solidFill>
+                  <a:round/>
+                  <a:headEnd/>
+                  <a:tailEnd/>
+                </a14:hiddenLine>
+              </a:ext>
+            </a:extLst>
+          </p:spPr>
+        </p:sp>
+        <p:sp>
+          <p:nvSpPr>
+            <p:cNvPr id="39" name="Freeform 23">
+              <a:extLst>
+                <a:ext uri="{FF2B5EF4-FFF2-40B4-BE49-F238E27FC236}">
+                  <a16:creationId xmlns:a16="http://schemas.microsoft.com/office/drawing/2014/main" id="{DF5CD0A9-E49B-4968-886B-41C1A66D2329}"/>
+                </a:ext>
+                <a:ext uri="{C183D7F6-B498-43B3-948B-1728B52AA6E4}">
+                  <adec:decorative xmlns:adec="http://schemas.microsoft.com/office/drawing/2017/decorative" val="1"/>
+                </a:ext>
+              </a:extLst>
+            </p:cNvPr>
+            <p:cNvSpPr>
+              <a:spLocks noEditPoints="1"/>
+            </p:cNvSpPr>
+            <p:nvPr>
+              <p:extLst>
+                <p:ext uri="{386F3935-93C4-4BCD-93E2-E3B085C9AB24}">
+                  <p16:designElem xmlns:p16="http://schemas.microsoft.com/office/powerpoint/2015/main" val="1"/>
+                </p:ext>
+              </p:extLst>
+            </p:nvPr>
+          </p:nvSpPr>
+          <p:spPr bwMode="auto">
+            <a:xfrm>
+              <a:off x="52387" y="4481513"/>
+              <a:ext cx="190500" cy="190500"/>
+            </a:xfrm>
+            <a:custGeom>
+              <a:avLst/>
+              <a:gdLst/>
+              <a:ahLst/>
+              <a:cxnLst/>
+              <a:rect l="0" t="0" r="r" b="b"/>
+              <a:pathLst>
+                <a:path w="40" h="40">
+                  <a:moveTo>
+                    <a:pt x="20" y="40"/>
+                  </a:moveTo>
+                  <a:cubicBezTo>
+                    <a:pt x="9" y="40"/>
+                    <a:pt x="0" y="31"/>
+                    <a:pt x="0" y="20"/>
+                  </a:cubicBezTo>
+                  <a:cubicBezTo>
+                    <a:pt x="0" y="9"/>
+                    <a:pt x="9" y="0"/>
+                    <a:pt x="20" y="0"/>
+                  </a:cubicBezTo>
+                  <a:cubicBezTo>
+                    <a:pt x="31" y="0"/>
+                    <a:pt x="40" y="9"/>
+                    <a:pt x="40" y="20"/>
+                  </a:cubicBezTo>
+                  <a:cubicBezTo>
+                    <a:pt x="40" y="31"/>
+                    <a:pt x="31" y="40"/>
+                    <a:pt x="20" y="40"/>
+                  </a:cubicBezTo>
+                  <a:close/>
+                  <a:moveTo>
+                    <a:pt x="20" y="4"/>
+                  </a:moveTo>
+                  <a:cubicBezTo>
+                    <a:pt x="11" y="4"/>
+                    <a:pt x="4" y="11"/>
+                    <a:pt x="4" y="20"/>
+                  </a:cubicBezTo>
+                  <a:cubicBezTo>
+                    <a:pt x="4" y="29"/>
+                    <a:pt x="11" y="36"/>
+                    <a:pt x="20" y="36"/>
+                  </a:cubicBezTo>
+                  <a:cubicBezTo>
+                    <a:pt x="28" y="36"/>
+                    <a:pt x="36" y="29"/>
+                    <a:pt x="36" y="20"/>
+                  </a:cubicBezTo>
+                  <a:cubicBezTo>
+                    <a:pt x="36" y="11"/>
+                    <a:pt x="28" y="4"/>
+                    <a:pt x="20" y="4"/>
+                  </a:cubicBezTo>
+                  <a:close/>
+                </a:path>
+              </a:pathLst>
+            </a:custGeom>
+            <a:grpFill/>
+            <a:ln>
+              <a:noFill/>
+            </a:ln>
+            <a:extLst>
+              <a:ext uri="{91240B29-F687-4f45-9708-019B960494DF}">
+                <a14:hiddenLine xmlns="" xmlns:a16="http://schemas.microsoft.com/office/drawing/2014/main" xmlns:p14="http://schemas.microsoft.com/office/powerpoint/2010/main" xmlns:a14="http://schemas.microsoft.com/office/drawing/2010/main" w="9525">
+                  <a:solidFill>
+                    <a:srgbClr val="000000"/>
+                  </a:solidFill>
+                  <a:round/>
+                  <a:headEnd/>
+                  <a:tailEnd/>
+                </a14:hiddenLine>
+              </a:ext>
+            </a:extLst>
+          </p:spPr>
+        </p:sp>
+        <p:sp>
+          <p:nvSpPr>
+            <p:cNvPr id="40" name="Freeform 24">
+              <a:extLst>
+                <a:ext uri="{FF2B5EF4-FFF2-40B4-BE49-F238E27FC236}">
+                  <a16:creationId xmlns:a16="http://schemas.microsoft.com/office/drawing/2014/main" id="{7E462582-7383-4272-A323-85C9D137C47C}"/>
+                </a:ext>
+                <a:ext uri="{C183D7F6-B498-43B3-948B-1728B52AA6E4}">
+                  <adec:decorative xmlns:adec="http://schemas.microsoft.com/office/drawing/2017/decorative" val="1"/>
+                </a:ext>
+              </a:extLst>
+            </p:cNvPr>
+            <p:cNvSpPr/>
+            <p:nvPr>
+              <p:extLst>
+                <p:ext uri="{386F3935-93C4-4BCD-93E2-E3B085C9AB24}">
+                  <p16:designElem xmlns:p16="http://schemas.microsoft.com/office/powerpoint/2015/main" val="1"/>
+                </p:ext>
+              </p:extLst>
+            </p:nvPr>
+          </p:nvSpPr>
+          <p:spPr bwMode="auto">
+            <a:xfrm>
+              <a:off x="-14288" y="5627688"/>
+              <a:ext cx="85725" cy="1216025"/>
+            </a:xfrm>
+            <a:custGeom>
+              <a:avLst/>
+              <a:gdLst/>
+              <a:ahLst/>
+              <a:cxnLst/>
+              <a:rect l="0" t="0" r="r" b="b"/>
+              <a:pathLst>
+                <a:path w="54" h="766">
+                  <a:moveTo>
+                    <a:pt x="54" y="766"/>
+                  </a:moveTo>
+                  <a:lnTo>
+                    <a:pt x="36" y="766"/>
+                  </a:lnTo>
+                  <a:lnTo>
+                    <a:pt x="36" y="149"/>
+                  </a:lnTo>
+                  <a:lnTo>
+                    <a:pt x="0" y="3"/>
+                  </a:lnTo>
+                  <a:lnTo>
+                    <a:pt x="18" y="0"/>
+                  </a:lnTo>
+                  <a:lnTo>
+                    <a:pt x="54" y="146"/>
+                  </a:lnTo>
+                  <a:lnTo>
+                    <a:pt x="54" y="766"/>
+                  </a:lnTo>
+                  <a:close/>
+                </a:path>
+              </a:pathLst>
+            </a:custGeom>
+            <a:grpFill/>
+            <a:ln>
+              <a:noFill/>
+            </a:ln>
+            <a:extLst>
+              <a:ext uri="{91240B29-F687-4f45-9708-019B960494DF}">
+                <a14:hiddenLine xmlns="" xmlns:a16="http://schemas.microsoft.com/office/drawing/2014/main" xmlns:p14="http://schemas.microsoft.com/office/powerpoint/2010/main" xmlns:a14="http://schemas.microsoft.com/office/drawing/2010/main" w="9525">
+                  <a:solidFill>
+                    <a:srgbClr val="000000"/>
+                  </a:solidFill>
+                  <a:round/>
+                  <a:headEnd/>
+                  <a:tailEnd/>
+                </a14:hiddenLine>
+              </a:ext>
+            </a:extLst>
+          </p:spPr>
+        </p:sp>
+        <p:sp>
+          <p:nvSpPr>
+            <p:cNvPr id="41" name="Freeform 25">
+              <a:extLst>
+                <a:ext uri="{FF2B5EF4-FFF2-40B4-BE49-F238E27FC236}">
+                  <a16:creationId xmlns:a16="http://schemas.microsoft.com/office/drawing/2014/main" id="{CB472F67-7C37-4D80-B346-DE30D44B55A0}"/>
+                </a:ext>
+                <a:ext uri="{C183D7F6-B498-43B3-948B-1728B52AA6E4}">
+                  <adec:decorative xmlns:adec="http://schemas.microsoft.com/office/drawing/2017/decorative" val="1"/>
+                </a:ext>
+              </a:extLst>
+            </p:cNvPr>
+            <p:cNvSpPr>
+              <a:spLocks noEditPoints="1"/>
+            </p:cNvSpPr>
+            <p:nvPr>
+              <p:extLst>
+                <p:ext uri="{386F3935-93C4-4BCD-93E2-E3B085C9AB24}">
+                  <p16:designElem xmlns:p16="http://schemas.microsoft.com/office/powerpoint/2015/main" val="1"/>
+                </p:ext>
+              </p:extLst>
+            </p:nvPr>
+          </p:nvSpPr>
+          <p:spPr bwMode="auto">
+            <a:xfrm>
+              <a:off x="527050" y="4867275"/>
+              <a:ext cx="190500" cy="188913"/>
+            </a:xfrm>
+            <a:custGeom>
+              <a:avLst/>
+              <a:gdLst/>
+              <a:ahLst/>
+              <a:cxnLst/>
+              <a:rect l="0" t="0" r="r" b="b"/>
+              <a:pathLst>
+                <a:path w="40" h="40">
+                  <a:moveTo>
+                    <a:pt x="20" y="40"/>
+                  </a:moveTo>
+                  <a:cubicBezTo>
+                    <a:pt x="9" y="40"/>
+                    <a:pt x="0" y="31"/>
+                    <a:pt x="0" y="20"/>
+                  </a:cubicBezTo>
+                  <a:cubicBezTo>
+                    <a:pt x="0" y="9"/>
+                    <a:pt x="9" y="0"/>
+                    <a:pt x="20" y="0"/>
+                  </a:cubicBezTo>
+                  <a:cubicBezTo>
+                    <a:pt x="31" y="0"/>
+                    <a:pt x="40" y="9"/>
+                    <a:pt x="40" y="20"/>
+                  </a:cubicBezTo>
+                  <a:cubicBezTo>
+                    <a:pt x="40" y="31"/>
+                    <a:pt x="31" y="40"/>
+                    <a:pt x="20" y="40"/>
+                  </a:cubicBezTo>
+                  <a:close/>
+                  <a:moveTo>
+                    <a:pt x="20" y="4"/>
+                  </a:moveTo>
+                  <a:cubicBezTo>
+                    <a:pt x="11" y="4"/>
+                    <a:pt x="4" y="11"/>
+                    <a:pt x="4" y="20"/>
+                  </a:cubicBezTo>
+                  <a:cubicBezTo>
+                    <a:pt x="4" y="29"/>
+                    <a:pt x="11" y="36"/>
+                    <a:pt x="20" y="36"/>
+                  </a:cubicBezTo>
+                  <a:cubicBezTo>
+                    <a:pt x="29" y="36"/>
+                    <a:pt x="36" y="29"/>
+                    <a:pt x="36" y="20"/>
+                  </a:cubicBezTo>
+                  <a:cubicBezTo>
+                    <a:pt x="36" y="11"/>
+                    <a:pt x="29" y="4"/>
+                    <a:pt x="20" y="4"/>
+                  </a:cubicBezTo>
+                  <a:close/>
+                </a:path>
+              </a:pathLst>
+            </a:custGeom>
+            <a:grpFill/>
+            <a:ln>
+              <a:noFill/>
+            </a:ln>
+            <a:extLst>
+              <a:ext uri="{91240B29-F687-4f45-9708-019B960494DF}">
+                <a14:hiddenLine xmlns="" xmlns:a16="http://schemas.microsoft.com/office/drawing/2014/main" xmlns:p14="http://schemas.microsoft.com/office/powerpoint/2010/main" xmlns:a14="http://schemas.microsoft.com/office/drawing/2010/main" w="9525">
+                  <a:solidFill>
+                    <a:srgbClr val="000000"/>
+                  </a:solidFill>
+                  <a:round/>
+                  <a:headEnd/>
+                  <a:tailEnd/>
+                </a14:hiddenLine>
+              </a:ext>
+            </a:extLst>
+          </p:spPr>
+        </p:sp>
+        <p:sp>
+          <p:nvSpPr>
+            <p:cNvPr id="42" name="Freeform 26">
+              <a:extLst>
+                <a:ext uri="{FF2B5EF4-FFF2-40B4-BE49-F238E27FC236}">
+                  <a16:creationId xmlns:a16="http://schemas.microsoft.com/office/drawing/2014/main" id="{19A8AE83-358F-4D4E-91C7-F09E35097AA1}"/>
+                </a:ext>
+                <a:ext uri="{C183D7F6-B498-43B3-948B-1728B52AA6E4}">
+                  <adec:decorative xmlns:adec="http://schemas.microsoft.com/office/drawing/2017/decorative" val="1"/>
+                </a:ext>
+              </a:extLst>
+            </p:cNvPr>
+            <p:cNvSpPr/>
+            <p:nvPr>
+              <p:extLst>
+                <p:ext uri="{386F3935-93C4-4BCD-93E2-E3B085C9AB24}">
+                  <p16:designElem xmlns:p16="http://schemas.microsoft.com/office/powerpoint/2015/main" val="1"/>
+                </p:ext>
+              </p:extLst>
+            </p:nvPr>
+          </p:nvSpPr>
+          <p:spPr bwMode="auto">
+            <a:xfrm>
+              <a:off x="309562" y="5422900"/>
+              <a:ext cx="374650" cy="1425575"/>
+            </a:xfrm>
+            <a:custGeom>
+              <a:avLst/>
+              <a:gdLst/>
+              <a:ahLst/>
+              <a:cxnLst/>
+              <a:rect l="0" t="0" r="r" b="b"/>
+              <a:pathLst>
+                <a:path w="236" h="898">
+                  <a:moveTo>
+                    <a:pt x="18" y="898"/>
+                  </a:moveTo>
+                  <a:lnTo>
+                    <a:pt x="0" y="898"/>
+                  </a:lnTo>
+                  <a:lnTo>
+                    <a:pt x="0" y="515"/>
+                  </a:lnTo>
+                  <a:lnTo>
+                    <a:pt x="3" y="512"/>
+                  </a:lnTo>
+                  <a:lnTo>
+                    <a:pt x="221" y="0"/>
+                  </a:lnTo>
+                  <a:lnTo>
+                    <a:pt x="236" y="6"/>
+                  </a:lnTo>
+                  <a:lnTo>
+                    <a:pt x="18" y="518"/>
+                  </a:lnTo>
+                  <a:lnTo>
+                    <a:pt x="18" y="898"/>
+                  </a:lnTo>
+                  <a:close/>
+                </a:path>
+              </a:pathLst>
+            </a:custGeom>
+            <a:grpFill/>
+            <a:ln>
+              <a:noFill/>
+            </a:ln>
+            <a:extLst>
+              <a:ext uri="{91240B29-F687-4f45-9708-019B960494DF}">
+                <a14:hiddenLine xmlns="" xmlns:a16="http://schemas.microsoft.com/office/drawing/2014/main" xmlns:p14="http://schemas.microsoft.com/office/powerpoint/2010/main" xmlns:a14="http://schemas.microsoft.com/office/drawing/2010/main" w="9525">
+                  <a:solidFill>
+                    <a:srgbClr val="000000"/>
+                  </a:solidFill>
+                  <a:round/>
+                  <a:headEnd/>
+                  <a:tailEnd/>
+                </a14:hiddenLine>
+              </a:ext>
+            </a:extLst>
+          </p:spPr>
+        </p:sp>
+        <p:sp>
+          <p:nvSpPr>
+            <p:cNvPr id="43" name="Freeform 27">
+              <a:extLst>
+                <a:ext uri="{FF2B5EF4-FFF2-40B4-BE49-F238E27FC236}">
+                  <a16:creationId xmlns:a16="http://schemas.microsoft.com/office/drawing/2014/main" id="{C4B79436-9285-45DE-A9FB-B3DD7507380C}"/>
+                </a:ext>
+                <a:ext uri="{C183D7F6-B498-43B3-948B-1728B52AA6E4}">
+                  <adec:decorative xmlns:adec="http://schemas.microsoft.com/office/drawing/2017/decorative" val="1"/>
+                </a:ext>
+              </a:extLst>
+            </p:cNvPr>
+            <p:cNvSpPr/>
+            <p:nvPr>
+              <p:extLst>
+                <p:ext uri="{386F3935-93C4-4BCD-93E2-E3B085C9AB24}">
+                  <p16:designElem xmlns:p16="http://schemas.microsoft.com/office/powerpoint/2015/main" val="1"/>
+                </p:ext>
+              </p:extLst>
+            </p:nvPr>
+          </p:nvSpPr>
+          <p:spPr bwMode="auto">
+            <a:xfrm>
+              <a:off x="569912" y="5945188"/>
+              <a:ext cx="152400" cy="912813"/>
+            </a:xfrm>
+            <a:custGeom>
+              <a:avLst/>
+              <a:gdLst/>
+              <a:ahLst/>
+              <a:cxnLst/>
+              <a:rect l="0" t="0" r="r" b="b"/>
+              <a:pathLst>
+                <a:path w="96" h="575">
+                  <a:moveTo>
+                    <a:pt x="15" y="575"/>
+                  </a:moveTo>
+                  <a:lnTo>
+                    <a:pt x="0" y="569"/>
+                  </a:lnTo>
+                  <a:lnTo>
+                    <a:pt x="81" y="383"/>
+                  </a:lnTo>
+                  <a:lnTo>
+                    <a:pt x="81" y="0"/>
+                  </a:lnTo>
+                  <a:lnTo>
+                    <a:pt x="96" y="0"/>
+                  </a:lnTo>
+                  <a:lnTo>
+                    <a:pt x="96" y="386"/>
+                  </a:lnTo>
+                  <a:lnTo>
+                    <a:pt x="15" y="575"/>
+                  </a:lnTo>
+                  <a:close/>
+                </a:path>
+              </a:pathLst>
+            </a:custGeom>
+            <a:grpFill/>
+            <a:ln>
+              <a:noFill/>
+            </a:ln>
+            <a:extLst>
+              <a:ext uri="{91240B29-F687-4f45-9708-019B960494DF}">
+                <a14:hiddenLine xmlns="" xmlns:a16="http://schemas.microsoft.com/office/drawing/2014/main" xmlns:p14="http://schemas.microsoft.com/office/powerpoint/2010/main" xmlns:a14="http://schemas.microsoft.com/office/drawing/2010/main" w="9525">
+                  <a:solidFill>
+                    <a:srgbClr val="000000"/>
+                  </a:solidFill>
+                  <a:round/>
+                  <a:headEnd/>
+                  <a:tailEnd/>
+                </a14:hiddenLine>
+              </a:ext>
+            </a:extLst>
+          </p:spPr>
+        </p:sp>
+        <p:sp>
+          <p:nvSpPr>
+            <p:cNvPr id="44" name="Freeform 28">
+              <a:extLst>
+                <a:ext uri="{FF2B5EF4-FFF2-40B4-BE49-F238E27FC236}">
+                  <a16:creationId xmlns:a16="http://schemas.microsoft.com/office/drawing/2014/main" id="{B0BF8BF3-C90A-483A-B61E-13D2C41FBAC5}"/>
+                </a:ext>
+                <a:ext uri="{C183D7F6-B498-43B3-948B-1728B52AA6E4}">
+                  <adec:decorative xmlns:adec="http://schemas.microsoft.com/office/drawing/2017/decorative" val="1"/>
+                </a:ext>
+              </a:extLst>
+            </p:cNvPr>
+            <p:cNvSpPr>
+              <a:spLocks noEditPoints="1"/>
+            </p:cNvSpPr>
+            <p:nvPr>
+              <p:extLst>
+                <p:ext uri="{386F3935-93C4-4BCD-93E2-E3B085C9AB24}">
+                  <p16:designElem xmlns:p16="http://schemas.microsoft.com/office/powerpoint/2015/main" val="1"/>
+                </p:ext>
+              </p:extLst>
+            </p:nvPr>
+          </p:nvSpPr>
+          <p:spPr bwMode="auto">
+            <a:xfrm>
+              <a:off x="612775" y="5246688"/>
+              <a:ext cx="190500" cy="190500"/>
+            </a:xfrm>
+            <a:custGeom>
+              <a:avLst/>
+              <a:gdLst/>
+              <a:ahLst/>
+              <a:cxnLst/>
+              <a:rect l="0" t="0" r="r" b="b"/>
+              <a:pathLst>
+                <a:path w="40" h="40">
+                  <a:moveTo>
+                    <a:pt x="20" y="40"/>
+                  </a:moveTo>
+                  <a:cubicBezTo>
+                    <a:pt x="9" y="40"/>
+                    <a:pt x="0" y="31"/>
+                    <a:pt x="0" y="20"/>
+                  </a:cubicBezTo>
+                  <a:cubicBezTo>
+                    <a:pt x="0" y="9"/>
+                    <a:pt x="9" y="0"/>
+                    <a:pt x="20" y="0"/>
+                  </a:cubicBezTo>
+                  <a:cubicBezTo>
+                    <a:pt x="31" y="0"/>
+                    <a:pt x="40" y="9"/>
+                    <a:pt x="40" y="20"/>
+                  </a:cubicBezTo>
+                  <a:cubicBezTo>
+                    <a:pt x="40" y="31"/>
+                    <a:pt x="31" y="40"/>
+                    <a:pt x="20" y="40"/>
+                  </a:cubicBezTo>
+                  <a:close/>
+                  <a:moveTo>
+                    <a:pt x="20" y="4"/>
+                  </a:moveTo>
+                  <a:cubicBezTo>
+                    <a:pt x="12" y="4"/>
+                    <a:pt x="4" y="11"/>
+                    <a:pt x="4" y="20"/>
+                  </a:cubicBezTo>
+                  <a:cubicBezTo>
+                    <a:pt x="4" y="29"/>
+                    <a:pt x="12" y="36"/>
+                    <a:pt x="20" y="36"/>
+                  </a:cubicBezTo>
+                  <a:cubicBezTo>
+                    <a:pt x="29" y="36"/>
+                    <a:pt x="36" y="29"/>
+                    <a:pt x="36" y="20"/>
+                  </a:cubicBezTo>
+                  <a:cubicBezTo>
+                    <a:pt x="36" y="11"/>
+                    <a:pt x="29" y="4"/>
+                    <a:pt x="20" y="4"/>
+                  </a:cubicBezTo>
+                  <a:close/>
+                </a:path>
+              </a:pathLst>
+            </a:custGeom>
+            <a:grpFill/>
+            <a:ln>
+              <a:noFill/>
+            </a:ln>
+            <a:extLst>
+              <a:ext uri="{91240B29-F687-4f45-9708-019B960494DF}">
+                <a14:hiddenLine xmlns="" xmlns:a16="http://schemas.microsoft.com/office/drawing/2014/main" xmlns:p14="http://schemas.microsoft.com/office/powerpoint/2010/main" xmlns:a14="http://schemas.microsoft.com/office/drawing/2010/main" w="9525">
+                  <a:solidFill>
+                    <a:srgbClr val="000000"/>
+                  </a:solidFill>
+                  <a:round/>
+                  <a:headEnd/>
+                  <a:tailEnd/>
+                </a14:hiddenLine>
+              </a:ext>
+            </a:extLst>
+          </p:spPr>
+        </p:sp>
+        <p:sp>
+          <p:nvSpPr>
+            <p:cNvPr id="45" name="Freeform 29">
+              <a:extLst>
+                <a:ext uri="{FF2B5EF4-FFF2-40B4-BE49-F238E27FC236}">
+                  <a16:creationId xmlns:a16="http://schemas.microsoft.com/office/drawing/2014/main" id="{31011274-F329-444B-9B06-69DD2EC44907}"/>
+                </a:ext>
+                <a:ext uri="{C183D7F6-B498-43B3-948B-1728B52AA6E4}">
+                  <adec:decorative xmlns:adec="http://schemas.microsoft.com/office/drawing/2017/decorative" val="1"/>
+                </a:ext>
+              </a:extLst>
+            </p:cNvPr>
+            <p:cNvSpPr>
+              <a:spLocks noEditPoints="1"/>
+            </p:cNvSpPr>
+            <p:nvPr>
+              <p:extLst>
+                <p:ext uri="{386F3935-93C4-4BCD-93E2-E3B085C9AB24}">
+                  <p16:designElem xmlns:p16="http://schemas.microsoft.com/office/powerpoint/2015/main" val="1"/>
+                </p:ext>
+              </p:extLst>
+            </p:nvPr>
+          </p:nvSpPr>
+          <p:spPr bwMode="auto">
+            <a:xfrm>
+              <a:off x="612775" y="5764213"/>
+              <a:ext cx="190500" cy="190500"/>
+            </a:xfrm>
+            <a:custGeom>
+              <a:avLst/>
+              <a:gdLst/>
+              <a:ahLst/>
+              <a:cxnLst/>
+              <a:rect l="0" t="0" r="r" b="b"/>
+              <a:pathLst>
+                <a:path w="40" h="40">
+                  <a:moveTo>
+                    <a:pt x="20" y="40"/>
+                  </a:moveTo>
+                  <a:cubicBezTo>
+                    <a:pt x="9" y="40"/>
+                    <a:pt x="0" y="31"/>
+                    <a:pt x="0" y="20"/>
+                  </a:cubicBezTo>
+                  <a:cubicBezTo>
+                    <a:pt x="0" y="9"/>
+                    <a:pt x="9" y="0"/>
+                    <a:pt x="20" y="0"/>
+                  </a:cubicBezTo>
+                  <a:cubicBezTo>
+                    <a:pt x="31" y="0"/>
+                    <a:pt x="40" y="9"/>
+                    <a:pt x="40" y="20"/>
+                  </a:cubicBezTo>
+                  <a:cubicBezTo>
+                    <a:pt x="40" y="31"/>
+                    <a:pt x="31" y="40"/>
+                    <a:pt x="20" y="40"/>
+                  </a:cubicBezTo>
+                  <a:close/>
+                  <a:moveTo>
+                    <a:pt x="20" y="4"/>
+                  </a:moveTo>
+                  <a:cubicBezTo>
+                    <a:pt x="12" y="4"/>
+                    <a:pt x="4" y="11"/>
+                    <a:pt x="4" y="20"/>
+                  </a:cubicBezTo>
+                  <a:cubicBezTo>
+                    <a:pt x="4" y="29"/>
+                    <a:pt x="12" y="36"/>
+                    <a:pt x="20" y="36"/>
+                  </a:cubicBezTo>
+                  <a:cubicBezTo>
+                    <a:pt x="29" y="36"/>
+                    <a:pt x="36" y="29"/>
+                    <a:pt x="36" y="20"/>
+                  </a:cubicBezTo>
+                  <a:cubicBezTo>
+                    <a:pt x="36" y="11"/>
+                    <a:pt x="29" y="4"/>
+                    <a:pt x="20" y="4"/>
+                  </a:cubicBezTo>
+                  <a:close/>
+                </a:path>
+              </a:pathLst>
+            </a:custGeom>
+            <a:grpFill/>
+            <a:ln>
+              <a:noFill/>
+            </a:ln>
+            <a:extLst>
+              <a:ext uri="{91240B29-F687-4f45-9708-019B960494DF}">
+                <a14:hiddenLine xmlns="" xmlns:a16="http://schemas.microsoft.com/office/drawing/2014/main" xmlns:p14="http://schemas.microsoft.com/office/powerpoint/2010/main" xmlns:a14="http://schemas.microsoft.com/office/drawing/2010/main" w="9525">
+                  <a:solidFill>
+                    <a:srgbClr val="000000"/>
+                  </a:solidFill>
+                  <a:round/>
+                  <a:headEnd/>
+                  <a:tailEnd/>
+                </a14:hiddenLine>
+              </a:ext>
+            </a:extLst>
+          </p:spPr>
+        </p:sp>
+        <p:sp>
+          <p:nvSpPr>
+            <p:cNvPr id="46" name="Freeform 30">
+              <a:extLst>
+                <a:ext uri="{FF2B5EF4-FFF2-40B4-BE49-F238E27FC236}">
+                  <a16:creationId xmlns:a16="http://schemas.microsoft.com/office/drawing/2014/main" id="{DB8B1D39-5B9A-4B4E-849B-A5821A246004}"/>
+                </a:ext>
+                <a:ext uri="{C183D7F6-B498-43B3-948B-1728B52AA6E4}">
+                  <adec:decorative xmlns:adec="http://schemas.microsoft.com/office/drawing/2017/decorative" val="1"/>
+                </a:ext>
+              </a:extLst>
+            </p:cNvPr>
+            <p:cNvSpPr/>
+            <p:nvPr>
+              <p:extLst>
+                <p:ext uri="{386F3935-93C4-4BCD-93E2-E3B085C9AB24}">
+                  <p16:designElem xmlns:p16="http://schemas.microsoft.com/office/powerpoint/2015/main" val="1"/>
+                </p:ext>
+              </p:extLst>
+            </p:nvPr>
+          </p:nvSpPr>
+          <p:spPr bwMode="auto">
+            <a:xfrm>
+              <a:off x="669925" y="6330950"/>
+              <a:ext cx="417513" cy="517525"/>
+            </a:xfrm>
+            <a:custGeom>
+              <a:avLst/>
+              <a:gdLst/>
+              <a:ahLst/>
+              <a:cxnLst/>
+              <a:rect l="0" t="0" r="r" b="b"/>
+              <a:pathLst>
+                <a:path w="263" h="326">
+                  <a:moveTo>
+                    <a:pt x="15" y="326"/>
+                  </a:moveTo>
+                  <a:lnTo>
+                    <a:pt x="0" y="320"/>
+                  </a:lnTo>
+                  <a:lnTo>
+                    <a:pt x="45" y="206"/>
+                  </a:lnTo>
+                  <a:lnTo>
+                    <a:pt x="48" y="206"/>
+                  </a:lnTo>
+                  <a:lnTo>
+                    <a:pt x="254" y="0"/>
+                  </a:lnTo>
+                  <a:lnTo>
+                    <a:pt x="263" y="12"/>
+                  </a:lnTo>
+                  <a:lnTo>
+                    <a:pt x="60" y="215"/>
+                  </a:lnTo>
+                  <a:lnTo>
+                    <a:pt x="15" y="326"/>
+                  </a:lnTo>
+                  <a:close/>
+                </a:path>
+              </a:pathLst>
+            </a:custGeom>
+            <a:grpFill/>
+            <a:ln>
+              <a:noFill/>
+            </a:ln>
+            <a:extLst>
+              <a:ext uri="{91240B29-F687-4f45-9708-019B960494DF}">
+                <a14:hiddenLine xmlns="" xmlns:a16="http://schemas.microsoft.com/office/drawing/2014/main" xmlns:p14="http://schemas.microsoft.com/office/powerpoint/2010/main" xmlns:a14="http://schemas.microsoft.com/office/drawing/2010/main" w="9525">
+                  <a:solidFill>
+                    <a:srgbClr val="000000"/>
+                  </a:solidFill>
+                  <a:round/>
+                  <a:headEnd/>
+                  <a:tailEnd/>
+                </a14:hiddenLine>
+              </a:ext>
+            </a:extLst>
+          </p:spPr>
+        </p:sp>
+        <p:sp>
+          <p:nvSpPr>
+            <p:cNvPr id="47" name="Freeform 31">
+              <a:extLst>
+                <a:ext uri="{FF2B5EF4-FFF2-40B4-BE49-F238E27FC236}">
+                  <a16:creationId xmlns:a16="http://schemas.microsoft.com/office/drawing/2014/main" id="{336ECD63-75C2-4A32-A31B-30BB3097240E}"/>
+                </a:ext>
+                <a:ext uri="{C183D7F6-B498-43B3-948B-1728B52AA6E4}">
+                  <adec:decorative xmlns:adec="http://schemas.microsoft.com/office/drawing/2017/decorative" val="1"/>
+                </a:ext>
+              </a:extLst>
+            </p:cNvPr>
+            <p:cNvSpPr>
+              <a:spLocks noEditPoints="1"/>
+            </p:cNvSpPr>
+            <p:nvPr>
+              <p:extLst>
+                <p:ext uri="{386F3935-93C4-4BCD-93E2-E3B085C9AB24}">
+                  <p16:designElem xmlns:p16="http://schemas.microsoft.com/office/powerpoint/2015/main" val="1"/>
+                </p:ext>
+              </p:extLst>
+            </p:nvPr>
+          </p:nvSpPr>
+          <p:spPr bwMode="auto">
+            <a:xfrm>
+              <a:off x="1049337" y="6221413"/>
+              <a:ext cx="157163" cy="147638"/>
+            </a:xfrm>
+            <a:custGeom>
+              <a:avLst/>
+              <a:gdLst/>
+              <a:ahLst/>
+              <a:cxnLst/>
+              <a:rect l="0" t="0" r="r" b="b"/>
+              <a:pathLst>
+                <a:path w="33" h="31">
+                  <a:moveTo>
+                    <a:pt x="16" y="31"/>
+                  </a:moveTo>
+                  <a:cubicBezTo>
+                    <a:pt x="12" y="31"/>
+                    <a:pt x="8" y="29"/>
+                    <a:pt x="5" y="26"/>
+                  </a:cubicBezTo>
+                  <a:cubicBezTo>
+                    <a:pt x="2" y="24"/>
+                    <a:pt x="0" y="20"/>
+                    <a:pt x="0" y="15"/>
+                  </a:cubicBezTo>
+                  <a:cubicBezTo>
+                    <a:pt x="0" y="11"/>
+                    <a:pt x="2" y="7"/>
+                    <a:pt x="5" y="4"/>
+                  </a:cubicBezTo>
+                  <a:cubicBezTo>
+                    <a:pt x="8" y="1"/>
+                    <a:pt x="12" y="0"/>
+                    <a:pt x="16" y="0"/>
+                  </a:cubicBezTo>
+                  <a:cubicBezTo>
+                    <a:pt x="20" y="0"/>
+                    <a:pt x="24" y="1"/>
+                    <a:pt x="27" y="4"/>
+                  </a:cubicBezTo>
+                  <a:cubicBezTo>
+                    <a:pt x="33" y="10"/>
+                    <a:pt x="33" y="20"/>
+                    <a:pt x="27" y="26"/>
+                  </a:cubicBezTo>
+                  <a:cubicBezTo>
+                    <a:pt x="24" y="29"/>
+                    <a:pt x="20" y="31"/>
+                    <a:pt x="16" y="31"/>
+                  </a:cubicBezTo>
+                  <a:close/>
+                  <a:moveTo>
+                    <a:pt x="16" y="4"/>
+                  </a:moveTo>
+                  <a:cubicBezTo>
+                    <a:pt x="13" y="4"/>
+                    <a:pt x="10" y="5"/>
+                    <a:pt x="8" y="7"/>
+                  </a:cubicBezTo>
+                  <a:cubicBezTo>
+                    <a:pt x="6" y="9"/>
+                    <a:pt x="4" y="12"/>
+                    <a:pt x="4" y="15"/>
+                  </a:cubicBezTo>
+                  <a:cubicBezTo>
+                    <a:pt x="4" y="19"/>
+                    <a:pt x="6" y="21"/>
+                    <a:pt x="8" y="24"/>
+                  </a:cubicBezTo>
+                  <a:cubicBezTo>
+                    <a:pt x="10" y="26"/>
+                    <a:pt x="13" y="27"/>
+                    <a:pt x="16" y="27"/>
+                  </a:cubicBezTo>
+                  <a:cubicBezTo>
+                    <a:pt x="19" y="27"/>
+                    <a:pt x="22" y="26"/>
+                    <a:pt x="24" y="24"/>
+                  </a:cubicBezTo>
+                  <a:cubicBezTo>
+                    <a:pt x="29" y="19"/>
+                    <a:pt x="29" y="12"/>
+                    <a:pt x="24" y="7"/>
+                  </a:cubicBezTo>
+                  <a:cubicBezTo>
+                    <a:pt x="22" y="5"/>
+                    <a:pt x="19" y="4"/>
+                    <a:pt x="16" y="4"/>
+                  </a:cubicBezTo>
+                  <a:close/>
+                </a:path>
+              </a:pathLst>
+            </a:custGeom>
+            <a:grpFill/>
+            <a:ln>
+              <a:noFill/>
+            </a:ln>
+            <a:extLst>
+              <a:ext uri="{91240B29-F687-4f45-9708-019B960494DF}">
+                <a14:hiddenLine xmlns="" xmlns:a16="http://schemas.microsoft.com/office/drawing/2014/main" xmlns:p14="http://schemas.microsoft.com/office/powerpoint/2010/main" xmlns:a14="http://schemas.microsoft.com/office/drawing/2010/main" w="9525">
+                  <a:solidFill>
+                    <a:srgbClr val="000000"/>
+                  </a:solidFill>
+                  <a:round/>
+                  <a:headEnd/>
+                  <a:tailEnd/>
+                </a14:hiddenLine>
+              </a:ext>
+            </a:extLst>
+          </p:spPr>
+        </p:sp>
+      </p:grpSp>
+      <p:graphicFrame>
+        <p:nvGraphicFramePr>
+          <p:cNvPr id="7" name="Table 4">
+            <a:extLst>
+              <a:ext uri="{FF2B5EF4-FFF2-40B4-BE49-F238E27FC236}">
+                <a16:creationId xmlns:a16="http://schemas.microsoft.com/office/drawing/2014/main" id="{E97DAE33-827E-8342-8922-B70627F6C5FF}"/>
+              </a:ext>
+            </a:extLst>
+          </p:cNvPr>
+          <p:cNvGraphicFramePr>
+            <a:graphicFrameLocks/>
+          </p:cNvGraphicFramePr>
+          <p:nvPr>
+            <p:extLst>
+              <p:ext uri="{D42A27DB-BD31-4B8C-83A1-F6EECF244321}">
+                <p14:modId xmlns:p14="http://schemas.microsoft.com/office/powerpoint/2010/main" val="4155587480"/>
+              </p:ext>
+            </p:extLst>
+          </p:nvPr>
+        </p:nvGraphicFramePr>
+        <p:xfrm>
+          <a:off x="5623857" y="1213900"/>
+          <a:ext cx="5019887" cy="4425696"/>
+        </p:xfrm>
+        <a:graphic>
+          <a:graphicData uri="http://schemas.openxmlformats.org/drawingml/2006/table">
+            <a:tbl>
+              <a:tblPr firstRow="1" bandRow="1">
+                <a:tableStyleId>{8799B23B-EC83-4686-B30A-512413B5E67A}</a:tableStyleId>
+              </a:tblPr>
+              <a:tblGrid>
+                <a:gridCol w="1834727">
+                  <a:extLst>
+                    <a:ext uri="{9D8B030D-6E8A-4147-A177-3AD203B41FA5}">
+                      <a16:colId xmlns:a16="http://schemas.microsoft.com/office/drawing/2014/main" val="370696502"/>
+                    </a:ext>
+                  </a:extLst>
+                </a:gridCol>
+                <a:gridCol w="1592580">
+                  <a:extLst>
+                    <a:ext uri="{9D8B030D-6E8A-4147-A177-3AD203B41FA5}">
+                      <a16:colId xmlns:a16="http://schemas.microsoft.com/office/drawing/2014/main" val="3378703446"/>
+                    </a:ext>
+                  </a:extLst>
+                </a:gridCol>
+                <a:gridCol w="1592580">
+                  <a:extLst>
+                    <a:ext uri="{9D8B030D-6E8A-4147-A177-3AD203B41FA5}">
+                      <a16:colId xmlns:a16="http://schemas.microsoft.com/office/drawing/2014/main" val="932287647"/>
+                    </a:ext>
+                  </a:extLst>
+                </a:gridCol>
+              </a:tblGrid>
+              <a:tr h="737616">
+                <a:tc>
+                  <a:txBody>
+                    <a:bodyPr/>
+                    <a:lstStyle/>
+                    <a:p>
+                      <a:r>
+                        <a:rPr lang="en-CN" sz="3300"/>
+                        <a:t>主持</a:t>
+                      </a:r>
+                    </a:p>
+                  </a:txBody>
+                  <a:tcPr marL="167640" marR="167640" marT="83820" marB="83820"/>
+                </a:tc>
+                <a:tc>
+                  <a:txBody>
+                    <a:bodyPr/>
+                    <a:lstStyle/>
+                    <a:p>
+                      <a:endParaRPr lang="en-CN" sz="3300"/>
+                    </a:p>
+                  </a:txBody>
+                  <a:tcPr marL="167640" marR="167640" marT="83820" marB="83820"/>
+                </a:tc>
+                <a:tc>
+                  <a:txBody>
+                    <a:bodyPr/>
+                    <a:lstStyle/>
+                    <a:p>
+                      <a:endParaRPr lang="en-CN" sz="3300"/>
+                    </a:p>
+                  </a:txBody>
+                  <a:tcPr marL="167640" marR="167640" marT="83820" marB="83820"/>
+                </a:tc>
+                <a:extLst>
+                  <a:ext uri="{0D108BD9-81ED-4DB2-BD59-A6C34878D82A}">
+                    <a16:rowId xmlns:a16="http://schemas.microsoft.com/office/drawing/2014/main" val="1426171144"/>
+                  </a:ext>
+                </a:extLst>
+              </a:tr>
+              <a:tr h="737616">
+                <a:tc>
+                  <a:txBody>
+                    <a:bodyPr/>
+                    <a:lstStyle/>
+                    <a:p>
+                      <a:r>
+                        <a:rPr lang="en-CN" sz="3300"/>
+                        <a:t>分享</a:t>
+                      </a:r>
+                      <a:r>
+                        <a:rPr lang="en-US" altLang="zh-CN" sz="3300"/>
+                        <a:t>1</a:t>
+                      </a:r>
+                      <a:endParaRPr lang="en-CN" sz="3300"/>
+                    </a:p>
+                  </a:txBody>
+                  <a:tcPr marL="167640" marR="167640" marT="83820" marB="83820"/>
+                </a:tc>
+                <a:tc>
+                  <a:txBody>
+                    <a:bodyPr/>
+                    <a:lstStyle/>
+                    <a:p>
+                      <a:endParaRPr lang="en-CN" sz="3300"/>
+                    </a:p>
+                  </a:txBody>
+                  <a:tcPr marL="167640" marR="167640" marT="83820" marB="83820"/>
+                </a:tc>
+                <a:tc>
+                  <a:txBody>
+                    <a:bodyPr/>
+                    <a:lstStyle/>
+                    <a:p>
+                      <a:endParaRPr lang="en-CN" sz="3300"/>
+                    </a:p>
+                  </a:txBody>
+                  <a:tcPr marL="167640" marR="167640" marT="83820" marB="83820"/>
+                </a:tc>
+                <a:extLst>
+                  <a:ext uri="{0D108BD9-81ED-4DB2-BD59-A6C34878D82A}">
+                    <a16:rowId xmlns:a16="http://schemas.microsoft.com/office/drawing/2014/main" val="3890096257"/>
+                  </a:ext>
+                </a:extLst>
+              </a:tr>
+              <a:tr h="737616">
+                <a:tc>
+                  <a:txBody>
+                    <a:bodyPr/>
+                    <a:lstStyle/>
+                    <a:p>
+                      <a:r>
+                        <a:rPr lang="en-CN" sz="3300"/>
+                        <a:t>评估</a:t>
+                      </a:r>
+                      <a:r>
+                        <a:rPr lang="en-US" altLang="zh-CN" sz="3300"/>
+                        <a:t>1</a:t>
+                      </a:r>
+                      <a:endParaRPr lang="en-CN" sz="3300"/>
+                    </a:p>
+                  </a:txBody>
+                  <a:tcPr marL="167640" marR="167640" marT="83820" marB="83820"/>
+                </a:tc>
+                <a:tc>
+                  <a:txBody>
+                    <a:bodyPr/>
+                    <a:lstStyle/>
+                    <a:p>
+                      <a:endParaRPr lang="en-CN" sz="3300"/>
+                    </a:p>
+                  </a:txBody>
+                  <a:tcPr marL="167640" marR="167640" marT="83820" marB="83820"/>
+                </a:tc>
+                <a:tc>
+                  <a:txBody>
+                    <a:bodyPr/>
+                    <a:lstStyle/>
+                    <a:p>
+                      <a:endParaRPr lang="en-CN" sz="3300"/>
+                    </a:p>
+                  </a:txBody>
+                  <a:tcPr marL="167640" marR="167640" marT="83820" marB="83820"/>
+                </a:tc>
+                <a:extLst>
+                  <a:ext uri="{0D108BD9-81ED-4DB2-BD59-A6C34878D82A}">
+                    <a16:rowId xmlns:a16="http://schemas.microsoft.com/office/drawing/2014/main" val="1508928802"/>
+                  </a:ext>
+                </a:extLst>
+              </a:tr>
+              <a:tr h="737616">
+                <a:tc>
+                  <a:txBody>
+                    <a:bodyPr/>
+                    <a:lstStyle/>
+                    <a:p>
+                      <a:r>
+                        <a:rPr lang="en-CN" sz="3300"/>
+                        <a:t>分享</a:t>
+                      </a:r>
+                      <a:r>
+                        <a:rPr lang="en-US" altLang="zh-CN" sz="3300"/>
+                        <a:t>2</a:t>
+                      </a:r>
+                      <a:endParaRPr lang="en-CN" sz="3300"/>
+                    </a:p>
+                  </a:txBody>
+                  <a:tcPr marL="167640" marR="167640" marT="83820" marB="83820"/>
+                </a:tc>
+                <a:tc>
+                  <a:txBody>
+                    <a:bodyPr/>
+                    <a:lstStyle/>
+                    <a:p>
+                      <a:endParaRPr lang="en-CN" sz="3300"/>
+                    </a:p>
+                  </a:txBody>
+                  <a:tcPr marL="167640" marR="167640" marT="83820" marB="83820"/>
+                </a:tc>
+                <a:tc>
+                  <a:txBody>
+                    <a:bodyPr/>
+                    <a:lstStyle/>
+                    <a:p>
+                      <a:endParaRPr lang="en-CN" sz="3300"/>
+                    </a:p>
+                  </a:txBody>
+                  <a:tcPr marL="167640" marR="167640" marT="83820" marB="83820"/>
+                </a:tc>
+                <a:extLst>
+                  <a:ext uri="{0D108BD9-81ED-4DB2-BD59-A6C34878D82A}">
+                    <a16:rowId xmlns:a16="http://schemas.microsoft.com/office/drawing/2014/main" val="1042972130"/>
+                  </a:ext>
+                </a:extLst>
+              </a:tr>
+              <a:tr h="737616">
+                <a:tc>
+                  <a:txBody>
+                    <a:bodyPr/>
+                    <a:lstStyle/>
+                    <a:p>
+                      <a:r>
+                        <a:rPr lang="en-CN" sz="3300"/>
+                        <a:t>评估</a:t>
+                      </a:r>
+                      <a:r>
+                        <a:rPr lang="en-US" altLang="zh-CN" sz="3300"/>
+                        <a:t>2</a:t>
+                      </a:r>
+                      <a:endParaRPr lang="en-CN" sz="3300"/>
+                    </a:p>
+                  </a:txBody>
+                  <a:tcPr marL="167640" marR="167640" marT="83820" marB="83820"/>
+                </a:tc>
+                <a:tc>
+                  <a:txBody>
+                    <a:bodyPr/>
+                    <a:lstStyle/>
+                    <a:p>
+                      <a:endParaRPr lang="en-CN" sz="3300"/>
+                    </a:p>
+                  </a:txBody>
+                  <a:tcPr marL="167640" marR="167640" marT="83820" marB="83820"/>
+                </a:tc>
+                <a:tc>
+                  <a:txBody>
+                    <a:bodyPr/>
+                    <a:lstStyle/>
+                    <a:p>
+                      <a:endParaRPr lang="en-CN" sz="3300"/>
+                    </a:p>
+                  </a:txBody>
+                  <a:tcPr marL="167640" marR="167640" marT="83820" marB="83820"/>
+                </a:tc>
+                <a:extLst>
+                  <a:ext uri="{0D108BD9-81ED-4DB2-BD59-A6C34878D82A}">
+                    <a16:rowId xmlns:a16="http://schemas.microsoft.com/office/drawing/2014/main" val="1523846934"/>
+                  </a:ext>
+                </a:extLst>
+              </a:tr>
+              <a:tr h="737616">
+                <a:tc>
+                  <a:txBody>
+                    <a:bodyPr/>
+                    <a:lstStyle/>
+                    <a:p>
+                      <a:r>
+                        <a:rPr lang="en-CN" sz="3300"/>
+                        <a:t>总评估</a:t>
+                      </a:r>
+                    </a:p>
+                  </a:txBody>
+                  <a:tcPr marL="167640" marR="167640" marT="83820" marB="83820"/>
+                </a:tc>
+                <a:tc>
+                  <a:txBody>
+                    <a:bodyPr/>
+                    <a:lstStyle/>
+                    <a:p>
+                      <a:endParaRPr lang="en-CN" sz="3300"/>
+                    </a:p>
+                  </a:txBody>
+                  <a:tcPr marL="167640" marR="167640" marT="83820" marB="83820"/>
+                </a:tc>
+                <a:tc>
+                  <a:txBody>
+                    <a:bodyPr/>
+                    <a:lstStyle/>
+                    <a:p>
+                      <a:endParaRPr lang="en-CN" sz="3300"/>
+                    </a:p>
+                  </a:txBody>
+                  <a:tcPr marL="167640" marR="167640" marT="83820" marB="83820"/>
+                </a:tc>
+                <a:extLst>
+                  <a:ext uri="{0D108BD9-81ED-4DB2-BD59-A6C34878D82A}">
+                    <a16:rowId xmlns:a16="http://schemas.microsoft.com/office/drawing/2014/main" val="1984625572"/>
+                  </a:ext>
+                </a:extLst>
+              </a:tr>
+            </a:tbl>
+          </a:graphicData>
+        </a:graphic>
+      </p:graphicFrame>
     </p:spTree>
     <p:extLst>
       <p:ext uri="{BB962C8B-B14F-4D97-AF65-F5344CB8AC3E}">
-        <p14:creationId xmlns:p14="http://schemas.microsoft.com/office/powerpoint/2010/main" val="2292310480"/>
+        <p14:creationId xmlns:p14="http://schemas.microsoft.com/office/powerpoint/2010/main" val="3338093388"/>
       </p:ext>
     </p:extLst>
   </p:cSld>
   <p:clrMapOvr>
-    <a:masterClrMapping/>
+    <a:overrideClrMapping bg1="lt1" tx1="dk1" bg2="lt2" tx2="dk2" accent1="accent1" accent2="accent2" accent3="accent3" accent4="accent4" accent5="accent5" accent6="accent6" hlink="hlink" folHlink="folHlink"/>
   </p:clrMapOvr>
 </p:sld>
 </file>

--- a/shizitang/shizitang.pptx
+++ b/shizitang/shizitang.pptx
@@ -13,7 +13,8 @@
     <p:sldId id="261" r:id="rId7"/>
     <p:sldId id="262" r:id="rId8"/>
     <p:sldId id="263" r:id="rId9"/>
-    <p:sldId id="264" r:id="rId10"/>
+    <p:sldId id="265" r:id="rId10"/>
+    <p:sldId id="264" r:id="rId11"/>
   </p:sldIdLst>
   <p:sldSz cx="12192000" cy="6858000"/>
   <p:notesSz cx="6858000" cy="9144000"/>
@@ -170,7 +171,7 @@
           <a:noFill/>
           <a:extLst>
             <a:ext uri="{909E8E84-426E-40dd-AFC4-6F175D3DCCD1}">
-              <a14:hiddenFill xmlns="" xmlns:a14="http://schemas.microsoft.com/office/drawing/2010/main">
+              <a14:hiddenFill xmlns:a14="http://schemas.microsoft.com/office/drawing/2010/main" xmlns="">
                 <a:solidFill>
                   <a:srgbClr val="FFFFFF"/>
                 </a:solidFill>
@@ -230,7 +231,7 @@
             </a:ln>
             <a:extLst>
               <a:ext uri="{91240B29-F687-4f45-9708-019B960494DF}">
-                <a14:hiddenLine xmlns="" xmlns:a14="http://schemas.microsoft.com/office/drawing/2010/main" w="9525">
+                <a14:hiddenLine xmlns:a14="http://schemas.microsoft.com/office/drawing/2010/main" xmlns="" w="9525">
                   <a:solidFill>
                     <a:srgbClr val="000000"/>
                   </a:solidFill>
@@ -320,7 +321,7 @@
             </a:ln>
             <a:extLst>
               <a:ext uri="{91240B29-F687-4f45-9708-019B960494DF}">
-                <a14:hiddenLine xmlns="" xmlns:a14="http://schemas.microsoft.com/office/drawing/2010/main" w="9525">
+                <a14:hiddenLine xmlns:a14="http://schemas.microsoft.com/office/drawing/2010/main" xmlns="" w="9525">
                   <a:solidFill>
                     <a:srgbClr val="000000"/>
                   </a:solidFill>
@@ -410,7 +411,7 @@
             </a:ln>
             <a:extLst>
               <a:ext uri="{91240B29-F687-4f45-9708-019B960494DF}">
-                <a14:hiddenLine xmlns="" xmlns:a14="http://schemas.microsoft.com/office/drawing/2010/main" w="9525">
+                <a14:hiddenLine xmlns:a14="http://schemas.microsoft.com/office/drawing/2010/main" xmlns="" w="9525">
                   <a:solidFill>
                     <a:srgbClr val="000000"/>
                   </a:solidFill>
@@ -444,7 +445,7 @@
             </a:ln>
             <a:extLst>
               <a:ext uri="{91240B29-F687-4f45-9708-019B960494DF}">
-                <a14:hiddenLine xmlns="" xmlns:a14="http://schemas.microsoft.com/office/drawing/2010/main" w="9525">
+                <a14:hiddenLine xmlns:a14="http://schemas.microsoft.com/office/drawing/2010/main" xmlns="" w="9525">
                   <a:solidFill>
                     <a:srgbClr val="000000"/>
                   </a:solidFill>
@@ -534,7 +535,7 @@
             </a:ln>
             <a:extLst>
               <a:ext uri="{91240B29-F687-4f45-9708-019B960494DF}">
-                <a14:hiddenLine xmlns="" xmlns:a14="http://schemas.microsoft.com/office/drawing/2010/main" w="9525">
+                <a14:hiddenLine xmlns:a14="http://schemas.microsoft.com/office/drawing/2010/main" xmlns="" w="9525">
                   <a:solidFill>
                     <a:srgbClr val="000000"/>
                   </a:solidFill>
@@ -596,7 +597,7 @@
             </a:ln>
             <a:extLst>
               <a:ext uri="{91240B29-F687-4f45-9708-019B960494DF}">
-                <a14:hiddenLine xmlns="" xmlns:a14="http://schemas.microsoft.com/office/drawing/2010/main" w="9525">
+                <a14:hiddenLine xmlns:a14="http://schemas.microsoft.com/office/drawing/2010/main" xmlns="" w="9525">
                   <a:solidFill>
                     <a:srgbClr val="000000"/>
                   </a:solidFill>
@@ -658,7 +659,7 @@
             </a:ln>
             <a:extLst>
               <a:ext uri="{91240B29-F687-4f45-9708-019B960494DF}">
-                <a14:hiddenLine xmlns="" xmlns:a14="http://schemas.microsoft.com/office/drawing/2010/main" w="9525">
+                <a14:hiddenLine xmlns:a14="http://schemas.microsoft.com/office/drawing/2010/main" xmlns="" w="9525">
                   <a:solidFill>
                     <a:srgbClr val="000000"/>
                   </a:solidFill>
@@ -748,7 +749,7 @@
             </a:ln>
             <a:extLst>
               <a:ext uri="{91240B29-F687-4f45-9708-019B960494DF}">
-                <a14:hiddenLine xmlns="" xmlns:a14="http://schemas.microsoft.com/office/drawing/2010/main" w="9525">
+                <a14:hiddenLine xmlns:a14="http://schemas.microsoft.com/office/drawing/2010/main" xmlns="" w="9525">
                   <a:solidFill>
                     <a:srgbClr val="000000"/>
                   </a:solidFill>
@@ -810,7 +811,7 @@
             </a:ln>
             <a:extLst>
               <a:ext uri="{91240B29-F687-4f45-9708-019B960494DF}">
-                <a14:hiddenLine xmlns="" xmlns:a14="http://schemas.microsoft.com/office/drawing/2010/main" w="9525">
+                <a14:hiddenLine xmlns:a14="http://schemas.microsoft.com/office/drawing/2010/main" xmlns="" w="9525">
                   <a:solidFill>
                     <a:srgbClr val="000000"/>
                   </a:solidFill>
@@ -872,7 +873,7 @@
             </a:ln>
             <a:extLst>
               <a:ext uri="{91240B29-F687-4f45-9708-019B960494DF}">
-                <a14:hiddenLine xmlns="" xmlns:a14="http://schemas.microsoft.com/office/drawing/2010/main" w="9525">
+                <a14:hiddenLine xmlns:a14="http://schemas.microsoft.com/office/drawing/2010/main" xmlns="" w="9525">
                   <a:solidFill>
                     <a:srgbClr val="000000"/>
                   </a:solidFill>
@@ -962,7 +963,7 @@
             </a:ln>
             <a:extLst>
               <a:ext uri="{91240B29-F687-4f45-9708-019B960494DF}">
-                <a14:hiddenLine xmlns="" xmlns:a14="http://schemas.microsoft.com/office/drawing/2010/main" w="9525">
+                <a14:hiddenLine xmlns:a14="http://schemas.microsoft.com/office/drawing/2010/main" xmlns="" w="9525">
                   <a:solidFill>
                     <a:srgbClr val="000000"/>
                   </a:solidFill>
@@ -1052,7 +1053,7 @@
             </a:ln>
             <a:extLst>
               <a:ext uri="{91240B29-F687-4f45-9708-019B960494DF}">
-                <a14:hiddenLine xmlns="" xmlns:a14="http://schemas.microsoft.com/office/drawing/2010/main" w="9525">
+                <a14:hiddenLine xmlns:a14="http://schemas.microsoft.com/office/drawing/2010/main" xmlns="" w="9525">
                   <a:solidFill>
                     <a:srgbClr val="000000"/>
                   </a:solidFill>
@@ -1114,7 +1115,7 @@
             </a:ln>
             <a:extLst>
               <a:ext uri="{91240B29-F687-4f45-9708-019B960494DF}">
-                <a14:hiddenLine xmlns="" xmlns:a14="http://schemas.microsoft.com/office/drawing/2010/main" w="9525">
+                <a14:hiddenLine xmlns:a14="http://schemas.microsoft.com/office/drawing/2010/main" xmlns="" w="9525">
                   <a:solidFill>
                     <a:srgbClr val="000000"/>
                   </a:solidFill>
@@ -1224,7 +1225,7 @@
             </a:ln>
             <a:extLst>
               <a:ext uri="{91240B29-F687-4f45-9708-019B960494DF}">
-                <a14:hiddenLine xmlns="" xmlns:a14="http://schemas.microsoft.com/office/drawing/2010/main" w="9525">
+                <a14:hiddenLine xmlns:a14="http://schemas.microsoft.com/office/drawing/2010/main" xmlns="" w="9525">
                   <a:solidFill>
                     <a:srgbClr val="000000"/>
                   </a:solidFill>
@@ -1286,7 +1287,7 @@
             </a:ln>
             <a:extLst>
               <a:ext uri="{91240B29-F687-4f45-9708-019B960494DF}">
-                <a14:hiddenLine xmlns="" xmlns:a14="http://schemas.microsoft.com/office/drawing/2010/main" w="9525">
+                <a14:hiddenLine xmlns:a14="http://schemas.microsoft.com/office/drawing/2010/main" xmlns="" w="9525">
                   <a:solidFill>
                     <a:srgbClr val="000000"/>
                   </a:solidFill>
@@ -1376,7 +1377,7 @@
             </a:ln>
             <a:extLst>
               <a:ext uri="{91240B29-F687-4f45-9708-019B960494DF}">
-                <a14:hiddenLine xmlns="" xmlns:a14="http://schemas.microsoft.com/office/drawing/2010/main" w="9525">
+                <a14:hiddenLine xmlns:a14="http://schemas.microsoft.com/office/drawing/2010/main" xmlns="" w="9525">
                   <a:solidFill>
                     <a:srgbClr val="000000"/>
                   </a:solidFill>
@@ -1466,7 +1467,7 @@
             </a:ln>
             <a:extLst>
               <a:ext uri="{91240B29-F687-4f45-9708-019B960494DF}">
-                <a14:hiddenLine xmlns="" xmlns:a14="http://schemas.microsoft.com/office/drawing/2010/main" w="9525">
+                <a14:hiddenLine xmlns:a14="http://schemas.microsoft.com/office/drawing/2010/main" xmlns="" w="9525">
                   <a:solidFill>
                     <a:srgbClr val="000000"/>
                   </a:solidFill>
@@ -1528,7 +1529,7 @@
             </a:ln>
             <a:extLst>
               <a:ext uri="{91240B29-F687-4f45-9708-019B960494DF}">
-                <a14:hiddenLine xmlns="" xmlns:a14="http://schemas.microsoft.com/office/drawing/2010/main" w="9525">
+                <a14:hiddenLine xmlns:a14="http://schemas.microsoft.com/office/drawing/2010/main" xmlns="" w="9525">
                   <a:solidFill>
                     <a:srgbClr val="000000"/>
                   </a:solidFill>
@@ -1618,7 +1619,7 @@
             </a:ln>
             <a:extLst>
               <a:ext uri="{91240B29-F687-4f45-9708-019B960494DF}">
-                <a14:hiddenLine xmlns="" xmlns:a14="http://schemas.microsoft.com/office/drawing/2010/main" w="9525">
+                <a14:hiddenLine xmlns:a14="http://schemas.microsoft.com/office/drawing/2010/main" xmlns="" w="9525">
                   <a:solidFill>
                     <a:srgbClr val="000000"/>
                   </a:solidFill>
@@ -1708,7 +1709,7 @@
             </a:ln>
             <a:extLst>
               <a:ext uri="{91240B29-F687-4f45-9708-019B960494DF}">
-                <a14:hiddenLine xmlns="" xmlns:a14="http://schemas.microsoft.com/office/drawing/2010/main" w="9525">
+                <a14:hiddenLine xmlns:a14="http://schemas.microsoft.com/office/drawing/2010/main" xmlns="" w="9525">
                   <a:solidFill>
                     <a:srgbClr val="000000"/>
                   </a:solidFill>
@@ -1764,7 +1765,7 @@
             </a:ln>
             <a:extLst>
               <a:ext uri="{91240B29-F687-4f45-9708-019B960494DF}">
-                <a14:hiddenLine xmlns="" xmlns:a14="http://schemas.microsoft.com/office/drawing/2010/main" w="9525">
+                <a14:hiddenLine xmlns:a14="http://schemas.microsoft.com/office/drawing/2010/main" xmlns="" w="9525">
                   <a:solidFill>
                     <a:srgbClr val="000000"/>
                   </a:solidFill>
@@ -1854,7 +1855,7 @@
             </a:ln>
             <a:extLst>
               <a:ext uri="{91240B29-F687-4f45-9708-019B960494DF}">
-                <a14:hiddenLine xmlns="" xmlns:a14="http://schemas.microsoft.com/office/drawing/2010/main" w="9525">
+                <a14:hiddenLine xmlns:a14="http://schemas.microsoft.com/office/drawing/2010/main" xmlns="" w="9525">
                   <a:solidFill>
                     <a:srgbClr val="000000"/>
                   </a:solidFill>
@@ -1910,7 +1911,7 @@
             </a:ln>
             <a:extLst>
               <a:ext uri="{91240B29-F687-4f45-9708-019B960494DF}">
-                <a14:hiddenLine xmlns="" xmlns:a14="http://schemas.microsoft.com/office/drawing/2010/main" w="9525">
+                <a14:hiddenLine xmlns:a14="http://schemas.microsoft.com/office/drawing/2010/main" xmlns="" w="9525">
                   <a:solidFill>
                     <a:srgbClr val="000000"/>
                   </a:solidFill>
@@ -2000,7 +2001,7 @@
             </a:ln>
             <a:extLst>
               <a:ext uri="{91240B29-F687-4f45-9708-019B960494DF}">
-                <a14:hiddenLine xmlns="" xmlns:a14="http://schemas.microsoft.com/office/drawing/2010/main" w="9525">
+                <a14:hiddenLine xmlns:a14="http://schemas.microsoft.com/office/drawing/2010/main" xmlns="" w="9525">
                   <a:solidFill>
                     <a:srgbClr val="000000"/>
                   </a:solidFill>
@@ -2068,7 +2069,7 @@
             </a:ln>
             <a:extLst>
               <a:ext uri="{91240B29-F687-4f45-9708-019B960494DF}">
-                <a14:hiddenLine xmlns="" xmlns:a14="http://schemas.microsoft.com/office/drawing/2010/main" w="9525">
+                <a14:hiddenLine xmlns:a14="http://schemas.microsoft.com/office/drawing/2010/main" xmlns="" w="9525">
                   <a:solidFill>
                     <a:srgbClr val="000000"/>
                   </a:solidFill>
@@ -2158,7 +2159,7 @@
             </a:ln>
             <a:extLst>
               <a:ext uri="{91240B29-F687-4f45-9708-019B960494DF}">
-                <a14:hiddenLine xmlns="" xmlns:a14="http://schemas.microsoft.com/office/drawing/2010/main" w="9525">
+                <a14:hiddenLine xmlns:a14="http://schemas.microsoft.com/office/drawing/2010/main" xmlns="" w="9525">
                   <a:solidFill>
                     <a:srgbClr val="000000"/>
                   </a:solidFill>
@@ -2226,7 +2227,7 @@
             </a:ln>
             <a:extLst>
               <a:ext uri="{91240B29-F687-4f45-9708-019B960494DF}">
-                <a14:hiddenLine xmlns="" xmlns:a14="http://schemas.microsoft.com/office/drawing/2010/main" w="9525">
+                <a14:hiddenLine xmlns:a14="http://schemas.microsoft.com/office/drawing/2010/main" xmlns="" w="9525">
                   <a:solidFill>
                     <a:srgbClr val="000000"/>
                   </a:solidFill>
@@ -2316,7 +2317,7 @@
             </a:ln>
             <a:extLst>
               <a:ext uri="{91240B29-F687-4f45-9708-019B960494DF}">
-                <a14:hiddenLine xmlns="" xmlns:a14="http://schemas.microsoft.com/office/drawing/2010/main" w="9525">
+                <a14:hiddenLine xmlns:a14="http://schemas.microsoft.com/office/drawing/2010/main" xmlns="" w="9525">
                   <a:solidFill>
                     <a:srgbClr val="000000"/>
                   </a:solidFill>
@@ -2350,7 +2351,7 @@
             </a:ln>
             <a:extLst>
               <a:ext uri="{91240B29-F687-4f45-9708-019B960494DF}">
-                <a14:hiddenLine xmlns="" xmlns:a14="http://schemas.microsoft.com/office/drawing/2010/main" w="9525">
+                <a14:hiddenLine xmlns:a14="http://schemas.microsoft.com/office/drawing/2010/main" xmlns="" w="9525">
                   <a:solidFill>
                     <a:srgbClr val="000000"/>
                   </a:solidFill>
@@ -2440,7 +2441,7 @@
             </a:ln>
             <a:extLst>
               <a:ext uri="{91240B29-F687-4f45-9708-019B960494DF}">
-                <a14:hiddenLine xmlns="" xmlns:a14="http://schemas.microsoft.com/office/drawing/2010/main" w="9525">
+                <a14:hiddenLine xmlns:a14="http://schemas.microsoft.com/office/drawing/2010/main" xmlns="" w="9525">
                   <a:solidFill>
                     <a:srgbClr val="000000"/>
                   </a:solidFill>
@@ -2502,7 +2503,7 @@
             </a:ln>
             <a:extLst>
               <a:ext uri="{91240B29-F687-4f45-9708-019B960494DF}">
-                <a14:hiddenLine xmlns="" xmlns:a14="http://schemas.microsoft.com/office/drawing/2010/main" w="9525">
+                <a14:hiddenLine xmlns:a14="http://schemas.microsoft.com/office/drawing/2010/main" xmlns="" w="9525">
                   <a:solidFill>
                     <a:srgbClr val="000000"/>
                   </a:solidFill>
@@ -2564,7 +2565,7 @@
             </a:ln>
             <a:extLst>
               <a:ext uri="{91240B29-F687-4f45-9708-019B960494DF}">
-                <a14:hiddenLine xmlns="" xmlns:a14="http://schemas.microsoft.com/office/drawing/2010/main" w="9525">
+                <a14:hiddenLine xmlns:a14="http://schemas.microsoft.com/office/drawing/2010/main" xmlns="" w="9525">
                   <a:solidFill>
                     <a:srgbClr val="000000"/>
                   </a:solidFill>
@@ -2654,7 +2655,7 @@
             </a:ln>
             <a:extLst>
               <a:ext uri="{91240B29-F687-4f45-9708-019B960494DF}">
-                <a14:hiddenLine xmlns="" xmlns:a14="http://schemas.microsoft.com/office/drawing/2010/main" w="9525">
+                <a14:hiddenLine xmlns:a14="http://schemas.microsoft.com/office/drawing/2010/main" xmlns="" w="9525">
                   <a:solidFill>
                     <a:srgbClr val="000000"/>
                   </a:solidFill>
@@ -2722,7 +2723,7 @@
             </a:ln>
             <a:extLst>
               <a:ext uri="{91240B29-F687-4f45-9708-019B960494DF}">
-                <a14:hiddenLine xmlns="" xmlns:a14="http://schemas.microsoft.com/office/drawing/2010/main" w="9525">
+                <a14:hiddenLine xmlns:a14="http://schemas.microsoft.com/office/drawing/2010/main" xmlns="" w="9525">
                   <a:solidFill>
                     <a:srgbClr val="000000"/>
                   </a:solidFill>
@@ -2784,7 +2785,7 @@
             </a:ln>
             <a:extLst>
               <a:ext uri="{91240B29-F687-4f45-9708-019B960494DF}">
-                <a14:hiddenLine xmlns="" xmlns:a14="http://schemas.microsoft.com/office/drawing/2010/main" w="9525">
+                <a14:hiddenLine xmlns:a14="http://schemas.microsoft.com/office/drawing/2010/main" xmlns="" w="9525">
                   <a:solidFill>
                     <a:srgbClr val="000000"/>
                   </a:solidFill>
@@ -2874,7 +2875,7 @@
             </a:ln>
             <a:extLst>
               <a:ext uri="{91240B29-F687-4f45-9708-019B960494DF}">
-                <a14:hiddenLine xmlns="" xmlns:a14="http://schemas.microsoft.com/office/drawing/2010/main" w="9525">
+                <a14:hiddenLine xmlns:a14="http://schemas.microsoft.com/office/drawing/2010/main" xmlns="" w="9525">
                   <a:solidFill>
                     <a:srgbClr val="000000"/>
                   </a:solidFill>
@@ -2936,7 +2937,7 @@
             </a:ln>
             <a:extLst>
               <a:ext uri="{91240B29-F687-4f45-9708-019B960494DF}">
-                <a14:hiddenLine xmlns="" xmlns:a14="http://schemas.microsoft.com/office/drawing/2010/main" w="9525">
+                <a14:hiddenLine xmlns:a14="http://schemas.microsoft.com/office/drawing/2010/main" xmlns="" w="9525">
                   <a:solidFill>
                     <a:srgbClr val="000000"/>
                   </a:solidFill>
@@ -3026,7 +3027,7 @@
             </a:ln>
             <a:extLst>
               <a:ext uri="{91240B29-F687-4f45-9708-019B960494DF}">
-                <a14:hiddenLine xmlns="" xmlns:a14="http://schemas.microsoft.com/office/drawing/2010/main" w="9525">
+                <a14:hiddenLine xmlns:a14="http://schemas.microsoft.com/office/drawing/2010/main" xmlns="" w="9525">
                   <a:solidFill>
                     <a:srgbClr val="000000"/>
                   </a:solidFill>
@@ -3088,7 +3089,7 @@
             </a:ln>
             <a:extLst>
               <a:ext uri="{91240B29-F687-4f45-9708-019B960494DF}">
-                <a14:hiddenLine xmlns="" xmlns:a14="http://schemas.microsoft.com/office/drawing/2010/main" w="9525">
+                <a14:hiddenLine xmlns:a14="http://schemas.microsoft.com/office/drawing/2010/main" xmlns="" w="9525">
                   <a:solidFill>
                     <a:srgbClr val="000000"/>
                   </a:solidFill>
@@ -3178,7 +3179,7 @@
             </a:ln>
             <a:extLst>
               <a:ext uri="{91240B29-F687-4f45-9708-019B960494DF}">
-                <a14:hiddenLine xmlns="" xmlns:a14="http://schemas.microsoft.com/office/drawing/2010/main" w="9525">
+                <a14:hiddenLine xmlns:a14="http://schemas.microsoft.com/office/drawing/2010/main" xmlns="" w="9525">
                   <a:solidFill>
                     <a:srgbClr val="000000"/>
                   </a:solidFill>
@@ -3212,7 +3213,7 @@
             </a:ln>
             <a:extLst>
               <a:ext uri="{91240B29-F687-4f45-9708-019B960494DF}">
-                <a14:hiddenLine xmlns="" xmlns:a14="http://schemas.microsoft.com/office/drawing/2010/main" w="9525">
+                <a14:hiddenLine xmlns:a14="http://schemas.microsoft.com/office/drawing/2010/main" xmlns="" w="9525">
                   <a:solidFill>
                     <a:srgbClr val="000000"/>
                   </a:solidFill>
@@ -3277,7 +3278,7 @@
             </a:ln>
             <a:extLst>
               <a:ext uri="{91240B29-F687-4f45-9708-019B960494DF}">
-                <a14:hiddenLine xmlns="" xmlns:a14="http://schemas.microsoft.com/office/drawing/2010/main" w="9525">
+                <a14:hiddenLine xmlns:a14="http://schemas.microsoft.com/office/drawing/2010/main" xmlns="" w="9525">
                   <a:solidFill>
                     <a:srgbClr val="000000"/>
                   </a:solidFill>
@@ -3367,7 +3368,7 @@
             </a:ln>
             <a:extLst>
               <a:ext uri="{91240B29-F687-4f45-9708-019B960494DF}">
-                <a14:hiddenLine xmlns="" xmlns:a14="http://schemas.microsoft.com/office/drawing/2010/main" w="9525">
+                <a14:hiddenLine xmlns:a14="http://schemas.microsoft.com/office/drawing/2010/main" xmlns="" w="9525">
                   <a:solidFill>
                     <a:srgbClr val="000000"/>
                   </a:solidFill>
@@ -3429,7 +3430,7 @@
             </a:ln>
             <a:extLst>
               <a:ext uri="{91240B29-F687-4f45-9708-019B960494DF}">
-                <a14:hiddenLine xmlns="" xmlns:a14="http://schemas.microsoft.com/office/drawing/2010/main" w="9525">
+                <a14:hiddenLine xmlns:a14="http://schemas.microsoft.com/office/drawing/2010/main" xmlns="" w="9525">
                   <a:solidFill>
                     <a:srgbClr val="000000"/>
                   </a:solidFill>
@@ -3519,7 +3520,7 @@
             </a:ln>
             <a:extLst>
               <a:ext uri="{91240B29-F687-4f45-9708-019B960494DF}">
-                <a14:hiddenLine xmlns="" xmlns:a14="http://schemas.microsoft.com/office/drawing/2010/main" w="9525">
+                <a14:hiddenLine xmlns:a14="http://schemas.microsoft.com/office/drawing/2010/main" xmlns="" w="9525">
                   <a:solidFill>
                     <a:srgbClr val="000000"/>
                   </a:solidFill>
@@ -3609,7 +3610,7 @@
             </a:ln>
             <a:extLst>
               <a:ext uri="{91240B29-F687-4f45-9708-019B960494DF}">
-                <a14:hiddenLine xmlns="" xmlns:a14="http://schemas.microsoft.com/office/drawing/2010/main" w="9525">
+                <a14:hiddenLine xmlns:a14="http://schemas.microsoft.com/office/drawing/2010/main" xmlns="" w="9525">
                   <a:solidFill>
                     <a:srgbClr val="000000"/>
                   </a:solidFill>
@@ -3674,7 +3675,7 @@
             </a:ln>
             <a:extLst>
               <a:ext uri="{91240B29-F687-4f45-9708-019B960494DF}">
-                <a14:hiddenLine xmlns="" xmlns:a14="http://schemas.microsoft.com/office/drawing/2010/main" w="9525">
+                <a14:hiddenLine xmlns:a14="http://schemas.microsoft.com/office/drawing/2010/main" xmlns="" w="9525">
                   <a:solidFill>
                     <a:srgbClr val="000000"/>
                   </a:solidFill>
@@ -3736,7 +3737,7 @@
             </a:ln>
             <a:extLst>
               <a:ext uri="{91240B29-F687-4f45-9708-019B960494DF}">
-                <a14:hiddenLine xmlns="" xmlns:a14="http://schemas.microsoft.com/office/drawing/2010/main" w="9525">
+                <a14:hiddenLine xmlns:a14="http://schemas.microsoft.com/office/drawing/2010/main" xmlns="" w="9525">
                   <a:solidFill>
                     <a:srgbClr val="000000"/>
                   </a:solidFill>
@@ -3826,7 +3827,7 @@
             </a:ln>
             <a:extLst>
               <a:ext uri="{91240B29-F687-4f45-9708-019B960494DF}">
-                <a14:hiddenLine xmlns="" xmlns:a14="http://schemas.microsoft.com/office/drawing/2010/main" w="9525">
+                <a14:hiddenLine xmlns:a14="http://schemas.microsoft.com/office/drawing/2010/main" xmlns="" w="9525">
                   <a:solidFill>
                     <a:srgbClr val="000000"/>
                   </a:solidFill>
@@ -3916,7 +3917,7 @@
             </a:ln>
             <a:extLst>
               <a:ext uri="{91240B29-F687-4f45-9708-019B960494DF}">
-                <a14:hiddenLine xmlns="" xmlns:a14="http://schemas.microsoft.com/office/drawing/2010/main" w="9525">
+                <a14:hiddenLine xmlns:a14="http://schemas.microsoft.com/office/drawing/2010/main" xmlns="" w="9525">
                   <a:solidFill>
                     <a:srgbClr val="000000"/>
                   </a:solidFill>
@@ -3978,7 +3979,7 @@
             </a:ln>
             <a:extLst>
               <a:ext uri="{91240B29-F687-4f45-9708-019B960494DF}">
-                <a14:hiddenLine xmlns="" xmlns:a14="http://schemas.microsoft.com/office/drawing/2010/main" w="9525">
+                <a14:hiddenLine xmlns:a14="http://schemas.microsoft.com/office/drawing/2010/main" xmlns="" w="9525">
                   <a:solidFill>
                     <a:srgbClr val="000000"/>
                   </a:solidFill>
@@ -4098,7 +4099,7 @@
             </a:ln>
             <a:extLst>
               <a:ext uri="{91240B29-F687-4f45-9708-019B960494DF}">
-                <a14:hiddenLine xmlns="" xmlns:a14="http://schemas.microsoft.com/office/drawing/2010/main" w="9525">
+                <a14:hiddenLine xmlns:a14="http://schemas.microsoft.com/office/drawing/2010/main" xmlns="" w="9525">
                   <a:solidFill>
                     <a:srgbClr val="000000"/>
                   </a:solidFill>
@@ -4166,7 +4167,7 @@
             </a:ln>
             <a:extLst>
               <a:ext uri="{91240B29-F687-4f45-9708-019B960494DF}">
-                <a14:hiddenLine xmlns="" xmlns:a14="http://schemas.microsoft.com/office/drawing/2010/main" w="9525">
+                <a14:hiddenLine xmlns:a14="http://schemas.microsoft.com/office/drawing/2010/main" xmlns="" w="9525">
                   <a:solidFill>
                     <a:srgbClr val="000000"/>
                   </a:solidFill>
@@ -4256,7 +4257,7 @@
             </a:ln>
             <a:extLst>
               <a:ext uri="{91240B29-F687-4f45-9708-019B960494DF}">
-                <a14:hiddenLine xmlns="" xmlns:a14="http://schemas.microsoft.com/office/drawing/2010/main" w="9525">
+                <a14:hiddenLine xmlns:a14="http://schemas.microsoft.com/office/drawing/2010/main" xmlns="" w="9525">
                   <a:solidFill>
                     <a:srgbClr val="000000"/>
                   </a:solidFill>
@@ -4396,7 +4397,7 @@
           <a:p>
             <a:fld id="{48A87A34-81AB-432B-8DAE-1953F412C126}" type="datetimeFigureOut">
               <a:rPr lang="en-US" dirty="0"/>
-              <a:t>8/10/20</a:t>
+              <a:t>8/11/20</a:t>
             </a:fld>
             <a:endParaRPr lang="en-US" dirty="0"/>
           </a:p>
@@ -4658,7 +4659,7 @@
           <a:p>
             <a:fld id="{48A87A34-81AB-432B-8DAE-1953F412C126}" type="datetimeFigureOut">
               <a:rPr lang="en-US" dirty="0"/>
-              <a:t>8/10/20</a:t>
+              <a:t>8/11/20</a:t>
             </a:fld>
             <a:endParaRPr lang="en-US" dirty="0"/>
           </a:p>
@@ -4849,7 +4850,7 @@
           <a:p>
             <a:fld id="{48A87A34-81AB-432B-8DAE-1953F412C126}" type="datetimeFigureOut">
               <a:rPr lang="en-US" dirty="0"/>
-              <a:t>8/10/20</a:t>
+              <a:t>8/11/20</a:t>
             </a:fld>
             <a:endParaRPr lang="en-US" dirty="0"/>
           </a:p>
@@ -5107,7 +5108,7 @@
           <a:p>
             <a:fld id="{48A87A34-81AB-432B-8DAE-1953F412C126}" type="datetimeFigureOut">
               <a:rPr lang="en-US" dirty="0"/>
-              <a:t>8/10/20</a:t>
+              <a:t>8/11/20</a:t>
             </a:fld>
             <a:endParaRPr lang="en-US" dirty="0"/>
           </a:p>
@@ -5536,7 +5537,7 @@
           <a:p>
             <a:fld id="{48A87A34-81AB-432B-8DAE-1953F412C126}" type="datetimeFigureOut">
               <a:rPr lang="en-US" dirty="0"/>
-              <a:t>8/10/20</a:t>
+              <a:t>8/11/20</a:t>
             </a:fld>
             <a:endParaRPr lang="en-US" dirty="0"/>
           </a:p>
@@ -6077,7 +6078,7 @@
           <a:p>
             <a:fld id="{48A87A34-81AB-432B-8DAE-1953F412C126}" type="datetimeFigureOut">
               <a:rPr lang="en-US" dirty="0"/>
-              <a:t>8/10/20</a:t>
+              <a:t>8/11/20</a:t>
             </a:fld>
             <a:endParaRPr lang="en-US" dirty="0"/>
           </a:p>
@@ -6792,7 +6793,7 @@
           <a:p>
             <a:fld id="{48A87A34-81AB-432B-8DAE-1953F412C126}" type="datetimeFigureOut">
               <a:rPr lang="en-US" dirty="0"/>
-              <a:t>8/10/20</a:t>
+              <a:t>8/11/20</a:t>
             </a:fld>
             <a:endParaRPr lang="en-US" dirty="0"/>
           </a:p>
@@ -6957,7 +6958,7 @@
           <a:p>
             <a:fld id="{48A87A34-81AB-432B-8DAE-1953F412C126}" type="datetimeFigureOut">
               <a:rPr lang="en-US" dirty="0"/>
-              <a:t>8/10/20</a:t>
+              <a:t>8/11/20</a:t>
             </a:fld>
             <a:endParaRPr lang="en-US" dirty="0"/>
           </a:p>
@@ -7132,7 +7133,7 @@
           <a:p>
             <a:fld id="{48A87A34-81AB-432B-8DAE-1953F412C126}" type="datetimeFigureOut">
               <a:rPr lang="en-US" dirty="0"/>
-              <a:t>8/10/20</a:t>
+              <a:t>8/11/20</a:t>
             </a:fld>
             <a:endParaRPr lang="en-US" dirty="0"/>
           </a:p>
@@ -7297,7 +7298,7 @@
           <a:p>
             <a:fld id="{48A87A34-81AB-432B-8DAE-1953F412C126}" type="datetimeFigureOut">
               <a:rPr lang="en-US" dirty="0"/>
-              <a:t>8/10/20</a:t>
+              <a:t>8/11/20</a:t>
             </a:fld>
             <a:endParaRPr lang="en-US" dirty="0"/>
           </a:p>
@@ -7542,7 +7543,7 @@
           <a:p>
             <a:fld id="{48A87A34-81AB-432B-8DAE-1953F412C126}" type="datetimeFigureOut">
               <a:rPr lang="en-US" dirty="0"/>
-              <a:t>8/10/20</a:t>
+              <a:t>8/11/20</a:t>
             </a:fld>
             <a:endParaRPr lang="en-US" dirty="0"/>
           </a:p>
@@ -7769,7 +7770,7 @@
           <a:p>
             <a:fld id="{48A87A34-81AB-432B-8DAE-1953F412C126}" type="datetimeFigureOut">
               <a:rPr lang="en-US" dirty="0"/>
-              <a:t>8/10/20</a:t>
+              <a:t>8/11/20</a:t>
             </a:fld>
             <a:endParaRPr lang="en-US" dirty="0"/>
           </a:p>
@@ -8145,7 +8146,7 @@
           <a:p>
             <a:fld id="{48A87A34-81AB-432B-8DAE-1953F412C126}" type="datetimeFigureOut">
               <a:rPr lang="en-US" dirty="0"/>
-              <a:t>8/10/20</a:t>
+              <a:t>8/11/20</a:t>
             </a:fld>
             <a:endParaRPr lang="en-US" dirty="0"/>
           </a:p>
@@ -8258,7 +8259,7 @@
           <a:p>
             <a:fld id="{48A87A34-81AB-432B-8DAE-1953F412C126}" type="datetimeFigureOut">
               <a:rPr lang="en-US" dirty="0"/>
-              <a:t>8/10/20</a:t>
+              <a:t>8/11/20</a:t>
             </a:fld>
             <a:endParaRPr lang="en-US" dirty="0"/>
           </a:p>
@@ -8348,7 +8349,7 @@
           <a:p>
             <a:fld id="{48A87A34-81AB-432B-8DAE-1953F412C126}" type="datetimeFigureOut">
               <a:rPr lang="en-US" dirty="0"/>
-              <a:t>8/10/20</a:t>
+              <a:t>8/11/20</a:t>
             </a:fld>
             <a:endParaRPr lang="en-US" dirty="0"/>
           </a:p>
@@ -8592,7 +8593,7 @@
           <a:p>
             <a:fld id="{48A87A34-81AB-432B-8DAE-1953F412C126}" type="datetimeFigureOut">
               <a:rPr lang="en-US" dirty="0"/>
-              <a:t>8/10/20</a:t>
+              <a:t>8/11/20</a:t>
             </a:fld>
             <a:endParaRPr lang="en-US" dirty="0"/>
           </a:p>
@@ -8867,7 +8868,7 @@
           <a:p>
             <a:fld id="{48A87A34-81AB-432B-8DAE-1953F412C126}" type="datetimeFigureOut">
               <a:rPr lang="en-US" dirty="0"/>
-              <a:t>8/10/20</a:t>
+              <a:t>8/11/20</a:t>
             </a:fld>
             <a:endParaRPr lang="en-US" dirty="0"/>
           </a:p>
@@ -8978,7 +8979,7 @@
           <a:noFill/>
           <a:extLst>
             <a:ext uri="{909E8E84-426E-40dd-AFC4-6F175D3DCCD1}">
-              <a14:hiddenFill xmlns="" xmlns:a14="http://schemas.microsoft.com/office/drawing/2010/main">
+              <a14:hiddenFill xmlns:a14="http://schemas.microsoft.com/office/drawing/2010/main" xmlns="">
                 <a:solidFill>
                   <a:srgbClr val="FFFFFF"/>
                 </a:solidFill>
@@ -9052,7 +9053,7 @@
               </a:ln>
               <a:extLst>
                 <a:ext uri="{91240B29-F687-4f45-9708-019B960494DF}">
-                  <a14:hiddenLine xmlns="" xmlns:a14="http://schemas.microsoft.com/office/drawing/2010/main" w="9525">
+                  <a14:hiddenLine xmlns:a14="http://schemas.microsoft.com/office/drawing/2010/main" xmlns="" w="9525">
                     <a:solidFill>
                       <a:srgbClr val="000000"/>
                     </a:solidFill>
@@ -9142,7 +9143,7 @@
               </a:ln>
               <a:extLst>
                 <a:ext uri="{91240B29-F687-4f45-9708-019B960494DF}">
-                  <a14:hiddenLine xmlns="" xmlns:a14="http://schemas.microsoft.com/office/drawing/2010/main" w="9525">
+                  <a14:hiddenLine xmlns:a14="http://schemas.microsoft.com/office/drawing/2010/main" xmlns="" w="9525">
                     <a:solidFill>
                       <a:srgbClr val="000000"/>
                     </a:solidFill>
@@ -9232,7 +9233,7 @@
               </a:ln>
               <a:extLst>
                 <a:ext uri="{91240B29-F687-4f45-9708-019B960494DF}">
-                  <a14:hiddenLine xmlns="" xmlns:a14="http://schemas.microsoft.com/office/drawing/2010/main" w="9525">
+                  <a14:hiddenLine xmlns:a14="http://schemas.microsoft.com/office/drawing/2010/main" xmlns="" w="9525">
                     <a:solidFill>
                       <a:srgbClr val="000000"/>
                     </a:solidFill>
@@ -9294,7 +9295,7 @@
               </a:ln>
               <a:extLst>
                 <a:ext uri="{91240B29-F687-4f45-9708-019B960494DF}">
-                  <a14:hiddenLine xmlns="" xmlns:a14="http://schemas.microsoft.com/office/drawing/2010/main" w="9525">
+                  <a14:hiddenLine xmlns:a14="http://schemas.microsoft.com/office/drawing/2010/main" xmlns="" w="9525">
                     <a:solidFill>
                       <a:srgbClr val="000000"/>
                     </a:solidFill>
@@ -9384,7 +9385,7 @@
               </a:ln>
               <a:extLst>
                 <a:ext uri="{91240B29-F687-4f45-9708-019B960494DF}">
-                  <a14:hiddenLine xmlns="" xmlns:a14="http://schemas.microsoft.com/office/drawing/2010/main" w="9525">
+                  <a14:hiddenLine xmlns:a14="http://schemas.microsoft.com/office/drawing/2010/main" xmlns="" w="9525">
                     <a:solidFill>
                       <a:srgbClr val="000000"/>
                     </a:solidFill>
@@ -9446,7 +9447,7 @@
               </a:ln>
               <a:extLst>
                 <a:ext uri="{91240B29-F687-4f45-9708-019B960494DF}">
-                  <a14:hiddenLine xmlns="" xmlns:a14="http://schemas.microsoft.com/office/drawing/2010/main" w="9525">
+                  <a14:hiddenLine xmlns:a14="http://schemas.microsoft.com/office/drawing/2010/main" xmlns="" w="9525">
                     <a:solidFill>
                       <a:srgbClr val="000000"/>
                     </a:solidFill>
@@ -9508,7 +9509,7 @@
               </a:ln>
               <a:extLst>
                 <a:ext uri="{91240B29-F687-4f45-9708-019B960494DF}">
-                  <a14:hiddenLine xmlns="" xmlns:a14="http://schemas.microsoft.com/office/drawing/2010/main" w="9525">
+                  <a14:hiddenLine xmlns:a14="http://schemas.microsoft.com/office/drawing/2010/main" xmlns="" w="9525">
                     <a:solidFill>
                       <a:srgbClr val="000000"/>
                     </a:solidFill>
@@ -9598,7 +9599,7 @@
               </a:ln>
               <a:extLst>
                 <a:ext uri="{91240B29-F687-4f45-9708-019B960494DF}">
-                  <a14:hiddenLine xmlns="" xmlns:a14="http://schemas.microsoft.com/office/drawing/2010/main" w="9525">
+                  <a14:hiddenLine xmlns:a14="http://schemas.microsoft.com/office/drawing/2010/main" xmlns="" w="9525">
                     <a:solidFill>
                       <a:srgbClr val="000000"/>
                     </a:solidFill>
@@ -9688,7 +9689,7 @@
               </a:ln>
               <a:extLst>
                 <a:ext uri="{91240B29-F687-4f45-9708-019B960494DF}">
-                  <a14:hiddenLine xmlns="" xmlns:a14="http://schemas.microsoft.com/office/drawing/2010/main" w="9525">
+                  <a14:hiddenLine xmlns:a14="http://schemas.microsoft.com/office/drawing/2010/main" xmlns="" w="9525">
                     <a:solidFill>
                       <a:srgbClr val="000000"/>
                     </a:solidFill>
@@ -9750,7 +9751,7 @@
               </a:ln>
               <a:extLst>
                 <a:ext uri="{91240B29-F687-4f45-9708-019B960494DF}">
-                  <a14:hiddenLine xmlns="" xmlns:a14="http://schemas.microsoft.com/office/drawing/2010/main" w="9525">
+                  <a14:hiddenLine xmlns:a14="http://schemas.microsoft.com/office/drawing/2010/main" xmlns="" w="9525">
                     <a:solidFill>
                       <a:srgbClr val="000000"/>
                     </a:solidFill>
@@ -9860,7 +9861,7 @@
               </a:ln>
               <a:extLst>
                 <a:ext uri="{91240B29-F687-4f45-9708-019B960494DF}">
-                  <a14:hiddenLine xmlns="" xmlns:a14="http://schemas.microsoft.com/office/drawing/2010/main" w="9525">
+                  <a14:hiddenLine xmlns:a14="http://schemas.microsoft.com/office/drawing/2010/main" xmlns="" w="9525">
                     <a:solidFill>
                       <a:srgbClr val="000000"/>
                     </a:solidFill>
@@ -9944,7 +9945,7 @@
               </a:ln>
               <a:extLst>
                 <a:ext uri="{91240B29-F687-4f45-9708-019B960494DF}">
-                  <a14:hiddenLine xmlns="" xmlns:a14="http://schemas.microsoft.com/office/drawing/2010/main" w="9525">
+                  <a14:hiddenLine xmlns:a14="http://schemas.microsoft.com/office/drawing/2010/main" xmlns="" w="9525">
                     <a:solidFill>
                       <a:srgbClr val="000000"/>
                     </a:solidFill>
@@ -10006,7 +10007,7 @@
               </a:ln>
               <a:extLst>
                 <a:ext uri="{91240B29-F687-4f45-9708-019B960494DF}">
-                  <a14:hiddenLine xmlns="" xmlns:a14="http://schemas.microsoft.com/office/drawing/2010/main" w="9525">
+                  <a14:hiddenLine xmlns:a14="http://schemas.microsoft.com/office/drawing/2010/main" xmlns="" w="9525">
                     <a:solidFill>
                       <a:srgbClr val="000000"/>
                     </a:solidFill>
@@ -10068,7 +10069,7 @@
               </a:ln>
               <a:extLst>
                 <a:ext uri="{91240B29-F687-4f45-9708-019B960494DF}">
-                  <a14:hiddenLine xmlns="" xmlns:a14="http://schemas.microsoft.com/office/drawing/2010/main" w="9525">
+                  <a14:hiddenLine xmlns:a14="http://schemas.microsoft.com/office/drawing/2010/main" xmlns="" w="9525">
                     <a:solidFill>
                       <a:srgbClr val="000000"/>
                     </a:solidFill>
@@ -10158,7 +10159,7 @@
               </a:ln>
               <a:extLst>
                 <a:ext uri="{91240B29-F687-4f45-9708-019B960494DF}">
-                  <a14:hiddenLine xmlns="" xmlns:a14="http://schemas.microsoft.com/office/drawing/2010/main" w="9525">
+                  <a14:hiddenLine xmlns:a14="http://schemas.microsoft.com/office/drawing/2010/main" xmlns="" w="9525">
                     <a:solidFill>
                       <a:srgbClr val="000000"/>
                     </a:solidFill>
@@ -10192,7 +10193,7 @@
               </a:ln>
               <a:extLst>
                 <a:ext uri="{91240B29-F687-4f45-9708-019B960494DF}">
-                  <a14:hiddenLine xmlns="" xmlns:a14="http://schemas.microsoft.com/office/drawing/2010/main" w="9525">
+                  <a14:hiddenLine xmlns:a14="http://schemas.microsoft.com/office/drawing/2010/main" xmlns="" w="9525">
                     <a:solidFill>
                       <a:srgbClr val="000000"/>
                     </a:solidFill>
@@ -10257,7 +10258,7 @@
               </a:ln>
               <a:extLst>
                 <a:ext uri="{91240B29-F687-4f45-9708-019B960494DF}">
-                  <a14:hiddenLine xmlns="" xmlns:a14="http://schemas.microsoft.com/office/drawing/2010/main" w="9525">
+                  <a14:hiddenLine xmlns:a14="http://schemas.microsoft.com/office/drawing/2010/main" xmlns="" w="9525">
                     <a:solidFill>
                       <a:srgbClr val="000000"/>
                     </a:solidFill>
@@ -10347,7 +10348,7 @@
               </a:ln>
               <a:extLst>
                 <a:ext uri="{91240B29-F687-4f45-9708-019B960494DF}">
-                  <a14:hiddenLine xmlns="" xmlns:a14="http://schemas.microsoft.com/office/drawing/2010/main" w="9525">
+                  <a14:hiddenLine xmlns:a14="http://schemas.microsoft.com/office/drawing/2010/main" xmlns="" w="9525">
                     <a:solidFill>
                       <a:srgbClr val="000000"/>
                     </a:solidFill>
@@ -10409,7 +10410,7 @@
               </a:ln>
               <a:extLst>
                 <a:ext uri="{91240B29-F687-4f45-9708-019B960494DF}">
-                  <a14:hiddenLine xmlns="" xmlns:a14="http://schemas.microsoft.com/office/drawing/2010/main" w="9525">
+                  <a14:hiddenLine xmlns:a14="http://schemas.microsoft.com/office/drawing/2010/main" xmlns="" w="9525">
                     <a:solidFill>
                       <a:srgbClr val="000000"/>
                     </a:solidFill>
@@ -10499,7 +10500,7 @@
               </a:ln>
               <a:extLst>
                 <a:ext uri="{91240B29-F687-4f45-9708-019B960494DF}">
-                  <a14:hiddenLine xmlns="" xmlns:a14="http://schemas.microsoft.com/office/drawing/2010/main" w="9525">
+                  <a14:hiddenLine xmlns:a14="http://schemas.microsoft.com/office/drawing/2010/main" xmlns="" w="9525">
                     <a:solidFill>
                       <a:srgbClr val="000000"/>
                     </a:solidFill>
@@ -10564,7 +10565,7 @@
               </a:ln>
               <a:extLst>
                 <a:ext uri="{91240B29-F687-4f45-9708-019B960494DF}">
-                  <a14:hiddenLine xmlns="" xmlns:a14="http://schemas.microsoft.com/office/drawing/2010/main" w="9525">
+                  <a14:hiddenLine xmlns:a14="http://schemas.microsoft.com/office/drawing/2010/main" xmlns="" w="9525">
                     <a:solidFill>
                       <a:srgbClr val="000000"/>
                     </a:solidFill>
@@ -10626,7 +10627,7 @@
               </a:ln>
               <a:extLst>
                 <a:ext uri="{91240B29-F687-4f45-9708-019B960494DF}">
-                  <a14:hiddenLine xmlns="" xmlns:a14="http://schemas.microsoft.com/office/drawing/2010/main" w="9525">
+                  <a14:hiddenLine xmlns:a14="http://schemas.microsoft.com/office/drawing/2010/main" xmlns="" w="9525">
                     <a:solidFill>
                       <a:srgbClr val="000000"/>
                     </a:solidFill>
@@ -10716,7 +10717,7 @@
               </a:ln>
               <a:extLst>
                 <a:ext uri="{91240B29-F687-4f45-9708-019B960494DF}">
-                  <a14:hiddenLine xmlns="" xmlns:a14="http://schemas.microsoft.com/office/drawing/2010/main" w="9525">
+                  <a14:hiddenLine xmlns:a14="http://schemas.microsoft.com/office/drawing/2010/main" xmlns="" w="9525">
                     <a:solidFill>
                       <a:srgbClr val="000000"/>
                     </a:solidFill>
@@ -10806,7 +10807,7 @@
               </a:ln>
               <a:extLst>
                 <a:ext uri="{91240B29-F687-4f45-9708-019B960494DF}">
-                  <a14:hiddenLine xmlns="" xmlns:a14="http://schemas.microsoft.com/office/drawing/2010/main" w="9525">
+                  <a14:hiddenLine xmlns:a14="http://schemas.microsoft.com/office/drawing/2010/main" xmlns="" w="9525">
                     <a:solidFill>
                       <a:srgbClr val="000000"/>
                     </a:solidFill>
@@ -10871,7 +10872,7 @@
               </a:ln>
               <a:extLst>
                 <a:ext uri="{91240B29-F687-4f45-9708-019B960494DF}">
-                  <a14:hiddenLine xmlns="" xmlns:a14="http://schemas.microsoft.com/office/drawing/2010/main" w="9525">
+                  <a14:hiddenLine xmlns:a14="http://schemas.microsoft.com/office/drawing/2010/main" xmlns="" w="9525">
                     <a:solidFill>
                       <a:srgbClr val="000000"/>
                     </a:solidFill>
@@ -10991,7 +10992,7 @@
               </a:ln>
               <a:extLst>
                 <a:ext uri="{91240B29-F687-4f45-9708-019B960494DF}">
-                  <a14:hiddenLine xmlns="" xmlns:a14="http://schemas.microsoft.com/office/drawing/2010/main" w="9525">
+                  <a14:hiddenLine xmlns:a14="http://schemas.microsoft.com/office/drawing/2010/main" xmlns="" w="9525">
                     <a:solidFill>
                       <a:srgbClr val="000000"/>
                     </a:solidFill>
@@ -11089,7 +11090,7 @@
               </a:ln>
               <a:extLst>
                 <a:ext uri="{91240B29-F687-4f45-9708-019B960494DF}">
-                  <a14:hiddenLine xmlns="" xmlns:a14="http://schemas.microsoft.com/office/drawing/2010/main" w="9525">
+                  <a14:hiddenLine xmlns:a14="http://schemas.microsoft.com/office/drawing/2010/main" xmlns="" w="9525">
                     <a:solidFill>
                       <a:srgbClr val="000000"/>
                     </a:solidFill>
@@ -11204,7 +11205,7 @@
               </a:ln>
               <a:extLst>
                 <a:ext uri="{91240B29-F687-4f45-9708-019B960494DF}">
-                  <a14:hiddenLine xmlns="" xmlns:a14="http://schemas.microsoft.com/office/drawing/2010/main" w="9525">
+                  <a14:hiddenLine xmlns:a14="http://schemas.microsoft.com/office/drawing/2010/main" xmlns="" w="9525">
                     <a:solidFill>
                       <a:srgbClr val="000000"/>
                     </a:solidFill>
@@ -11294,7 +11295,7 @@
               </a:ln>
               <a:extLst>
                 <a:ext uri="{91240B29-F687-4f45-9708-019B960494DF}">
-                  <a14:hiddenLine xmlns="" xmlns:a14="http://schemas.microsoft.com/office/drawing/2010/main" w="9525">
+                  <a14:hiddenLine xmlns:a14="http://schemas.microsoft.com/office/drawing/2010/main" xmlns="" w="9525">
                     <a:solidFill>
                       <a:srgbClr val="000000"/>
                     </a:solidFill>
@@ -11359,7 +11360,7 @@
               </a:ln>
               <a:extLst>
                 <a:ext uri="{91240B29-F687-4f45-9708-019B960494DF}">
-                  <a14:hiddenLine xmlns="" xmlns:a14="http://schemas.microsoft.com/office/drawing/2010/main" w="9525">
+                  <a14:hiddenLine xmlns:a14="http://schemas.microsoft.com/office/drawing/2010/main" xmlns="" w="9525">
                     <a:solidFill>
                       <a:srgbClr val="000000"/>
                     </a:solidFill>
@@ -11449,7 +11450,7 @@
               </a:ln>
               <a:extLst>
                 <a:ext uri="{91240B29-F687-4f45-9708-019B960494DF}">
-                  <a14:hiddenLine xmlns="" xmlns:a14="http://schemas.microsoft.com/office/drawing/2010/main" w="9525">
+                  <a14:hiddenLine xmlns:a14="http://schemas.microsoft.com/office/drawing/2010/main" xmlns="" w="9525">
                     <a:solidFill>
                       <a:srgbClr val="000000"/>
                     </a:solidFill>
@@ -11517,7 +11518,7 @@
               </a:ln>
               <a:extLst>
                 <a:ext uri="{91240B29-F687-4f45-9708-019B960494DF}">
-                  <a14:hiddenLine xmlns="" xmlns:a14="http://schemas.microsoft.com/office/drawing/2010/main" w="9525">
+                  <a14:hiddenLine xmlns:a14="http://schemas.microsoft.com/office/drawing/2010/main" xmlns="" w="9525">
                     <a:solidFill>
                       <a:srgbClr val="000000"/>
                     </a:solidFill>
@@ -11607,7 +11608,7 @@
               </a:ln>
               <a:extLst>
                 <a:ext uri="{91240B29-F687-4f45-9708-019B960494DF}">
-                  <a14:hiddenLine xmlns="" xmlns:a14="http://schemas.microsoft.com/office/drawing/2010/main" w="9525">
+                  <a14:hiddenLine xmlns:a14="http://schemas.microsoft.com/office/drawing/2010/main" xmlns="" w="9525">
                     <a:solidFill>
                       <a:srgbClr val="000000"/>
                     </a:solidFill>
@@ -11675,7 +11676,7 @@
               </a:ln>
               <a:extLst>
                 <a:ext uri="{91240B29-F687-4f45-9708-019B960494DF}">
-                  <a14:hiddenLine xmlns="" xmlns:a14="http://schemas.microsoft.com/office/drawing/2010/main" w="9525">
+                  <a14:hiddenLine xmlns:a14="http://schemas.microsoft.com/office/drawing/2010/main" xmlns="" w="9525">
                     <a:solidFill>
                       <a:srgbClr val="000000"/>
                     </a:solidFill>
@@ -11765,7 +11766,7 @@
               </a:ln>
               <a:extLst>
                 <a:ext uri="{91240B29-F687-4f45-9708-019B960494DF}">
-                  <a14:hiddenLine xmlns="" xmlns:a14="http://schemas.microsoft.com/office/drawing/2010/main" w="9525">
+                  <a14:hiddenLine xmlns:a14="http://schemas.microsoft.com/office/drawing/2010/main" xmlns="" w="9525">
                     <a:solidFill>
                       <a:srgbClr val="000000"/>
                     </a:solidFill>
@@ -11799,7 +11800,7 @@
               </a:ln>
               <a:extLst>
                 <a:ext uri="{91240B29-F687-4f45-9708-019B960494DF}">
-                  <a14:hiddenLine xmlns="" xmlns:a14="http://schemas.microsoft.com/office/drawing/2010/main" w="9525">
+                  <a14:hiddenLine xmlns:a14="http://schemas.microsoft.com/office/drawing/2010/main" xmlns="" w="9525">
                     <a:solidFill>
                       <a:srgbClr val="000000"/>
                     </a:solidFill>
@@ -11940,7 +11941,7 @@
             <a:fld id="{48A87A34-81AB-432B-8DAE-1953F412C126}" type="datetimeFigureOut">
               <a:rPr lang="en-US" dirty="0"/>
               <a:pPr/>
-              <a:t>8/10/20</a:t>
+              <a:t>8/11/20</a:t>
             </a:fld>
             <a:endParaRPr lang="en-US" dirty="0"/>
           </a:p>
@@ -12402,13 +12403,59 @@
         </p:nvSpPr>
         <p:spPr/>
         <p:txBody>
-          <a:bodyPr/>
+          <a:bodyPr>
+            <a:normAutofit fontScale="92500" lnSpcReduction="20000"/>
+          </a:bodyPr>
           <a:lstStyle/>
           <a:p>
             <a:r>
               <a:rPr lang="en-CN" dirty="0"/>
-              <a:t>见面会</a:t>
+              <a:t>第一次见面会</a:t>
             </a:r>
+          </a:p>
+          <a:p>
+            <a:r>
+              <a:rPr lang="en-CN" dirty="0"/>
+              <a:t>周六上午</a:t>
+            </a:r>
+            <a:r>
+              <a:rPr lang="en-US" altLang="zh-CN" dirty="0"/>
+              <a:t>9:30-10:30</a:t>
+            </a:r>
+          </a:p>
+          <a:p>
+            <a:r>
+              <a:rPr lang="en-US" altLang="zh-CN" dirty="0"/>
+              <a:t>8</a:t>
+            </a:r>
+            <a:r>
+              <a:rPr lang="zh-CN" altLang="en-US" dirty="0"/>
+              <a:t>月</a:t>
+            </a:r>
+            <a:r>
+              <a:rPr lang="en-US" altLang="zh-CN" dirty="0"/>
+              <a:t>15</a:t>
+            </a:r>
+            <a:r>
+              <a:rPr lang="zh-CN" altLang="en-US" dirty="0"/>
+              <a:t>日</a:t>
+            </a:r>
+            <a:endParaRPr lang="en-US" altLang="zh-CN" dirty="0"/>
+          </a:p>
+          <a:p>
+            <a:r>
+              <a:rPr lang="zh-CN" altLang="en-US" dirty="0"/>
+              <a:t>演讲者：张婷</a:t>
+            </a:r>
+            <a:r>
+              <a:rPr lang="en-US" altLang="zh-CN" dirty="0"/>
+              <a:t>---</a:t>
+            </a:r>
+            <a:r>
+              <a:rPr lang="zh-CN" altLang="en-US" dirty="0"/>
+              <a:t>高考背后的故事</a:t>
+            </a:r>
+            <a:endParaRPr lang="en-CN" dirty="0"/>
           </a:p>
         </p:txBody>
       </p:sp>
@@ -12421,6 +12468,3163 @@
   </p:cSld>
   <p:clrMapOvr>
     <a:masterClrMapping/>
+  </p:clrMapOvr>
+</p:sld>
+</file>
+
+<file path=ppt/slides/slide10.xml><?xml version="1.0" encoding="utf-8"?>
+<p:sld xmlns:a="http://schemas.openxmlformats.org/drawingml/2006/main" xmlns:r="http://schemas.openxmlformats.org/officeDocument/2006/relationships" xmlns:p="http://schemas.openxmlformats.org/presentationml/2006/main">
+  <p:cSld>
+    <p:bg>
+      <p:bgPr>
+        <a:solidFill>
+          <a:schemeClr val="bg1"/>
+        </a:solidFill>
+        <a:effectLst/>
+      </p:bgPr>
+    </p:bg>
+    <p:spTree>
+      <p:nvGrpSpPr>
+        <p:cNvPr id="1" name=""/>
+        <p:cNvGrpSpPr/>
+        <p:nvPr/>
+      </p:nvGrpSpPr>
+      <p:grpSpPr>
+        <a:xfrm>
+          <a:off x="0" y="0"/>
+          <a:ext cx="0" cy="0"/>
+          <a:chOff x="0" y="0"/>
+          <a:chExt cx="0" cy="0"/>
+        </a:xfrm>
+      </p:grpSpPr>
+      <p:sp useBgFill="1">
+        <p:nvSpPr>
+          <p:cNvPr id="12" name="Rectangle 11">
+            <a:extLst>
+              <a:ext uri="{FF2B5EF4-FFF2-40B4-BE49-F238E27FC236}">
+                <a16:creationId xmlns:a16="http://schemas.microsoft.com/office/drawing/2014/main" id="{6697F791-5FFA-4164-899F-EB52EA72B024}"/>
+              </a:ext>
+              <a:ext uri="{C183D7F6-B498-43B3-948B-1728B52AA6E4}">
+                <adec:decorative xmlns:adec="http://schemas.microsoft.com/office/drawing/2017/decorative" val="1"/>
+              </a:ext>
+            </a:extLst>
+          </p:cNvPr>
+          <p:cNvSpPr>
+            <a:spLocks noGrp="1" noRot="1" noChangeAspect="1" noMove="1" noResize="1" noEditPoints="1" noAdjustHandles="1" noChangeArrowheads="1" noChangeShapeType="1" noTextEdit="1"/>
+          </p:cNvSpPr>
+          <p:nvPr>
+            <p:extLst>
+              <p:ext uri="{386F3935-93C4-4BCD-93E2-E3B085C9AB24}">
+                <p16:designElem xmlns:p16="http://schemas.microsoft.com/office/powerpoint/2015/main" val="1"/>
+              </p:ext>
+            </p:extLst>
+          </p:nvPr>
+        </p:nvSpPr>
+        <p:spPr>
+          <a:xfrm>
+            <a:off x="0" y="-1"/>
+            <a:ext cx="12192000" cy="6858000"/>
+          </a:xfrm>
+          <a:prstGeom prst="rect">
+            <a:avLst/>
+          </a:prstGeom>
+          <a:ln>
+            <a:noFill/>
+          </a:ln>
+        </p:spPr>
+        <p:style>
+          <a:lnRef idx="2">
+            <a:schemeClr val="accent1">
+              <a:shade val="50000"/>
+            </a:schemeClr>
+          </a:lnRef>
+          <a:fillRef idx="1">
+            <a:schemeClr val="accent1"/>
+          </a:fillRef>
+          <a:effectRef idx="0">
+            <a:schemeClr val="accent1"/>
+          </a:effectRef>
+          <a:fontRef idx="minor">
+            <a:schemeClr val="lt1"/>
+          </a:fontRef>
+        </p:style>
+        <p:txBody>
+          <a:bodyPr rtlCol="0" anchor="ctr"/>
+          <a:lstStyle/>
+          <a:p>
+            <a:pPr algn="ctr"/>
+            <a:endParaRPr lang="en-US"/>
+          </a:p>
+        </p:txBody>
+      </p:sp>
+      <p:pic>
+        <p:nvPicPr>
+          <p:cNvPr id="14" name="Picture 2">
+            <a:extLst>
+              <a:ext uri="{FF2B5EF4-FFF2-40B4-BE49-F238E27FC236}">
+                <a16:creationId xmlns:a16="http://schemas.microsoft.com/office/drawing/2014/main" id="{4E28A1A9-FB81-4816-AAEA-C3B430946951}"/>
+              </a:ext>
+              <a:ext uri="{C183D7F6-B498-43B3-948B-1728B52AA6E4}">
+                <adec:decorative xmlns:adec="http://schemas.microsoft.com/office/drawing/2017/decorative" val="1"/>
+              </a:ext>
+            </a:extLst>
+          </p:cNvPr>
+          <p:cNvPicPr>
+            <a:picLocks noGrp="1" noRot="1" noChangeAspect="1" noMove="1" noResize="1" noEditPoints="1" noAdjustHandles="1" noChangeArrowheads="1" noChangeShapeType="1" noCrop="1"/>
+          </p:cNvPicPr>
+          <p:nvPr>
+            <p:extLst>
+              <p:ext uri="{386F3935-93C4-4BCD-93E2-E3B085C9AB24}">
+                <p16:designElem xmlns:p16="http://schemas.microsoft.com/office/powerpoint/2015/main" val="1"/>
+              </p:ext>
+            </p:extLst>
+          </p:nvPr>
+        </p:nvPicPr>
+        <p:blipFill>
+          <a:blip r:embed="rId2">
+            <a:extLst>
+              <a:ext uri="{28A0092B-C50C-407E-A947-70E740481C1C}">
+                <a14:useLocalDpi xmlns:a14="http://schemas.microsoft.com/office/drawing/2010/main" val="0"/>
+              </a:ext>
+            </a:extLst>
+          </a:blip>
+          <a:srcRect/>
+          <a:stretch>
+            <a:fillRect/>
+          </a:stretch>
+        </p:blipFill>
+        <p:spPr bwMode="auto">
+          <a:xfrm>
+            <a:off x="1190" y="-2"/>
+            <a:ext cx="4061525" cy="6858001"/>
+          </a:xfrm>
+          <a:prstGeom prst="rect">
+            <a:avLst/>
+          </a:prstGeom>
+          <a:extLst>
+            <a:ext uri="{909E8E84-426E-40dd-AFC4-6F175D3DCCD1}">
+              <a14:hiddenFill xmlns:a14="http://schemas.microsoft.com/office/drawing/2010/main" xmlns:p14="http://schemas.microsoft.com/office/powerpoint/2010/main" xmlns:a16="http://schemas.microsoft.com/office/drawing/2014/main" xmlns="">
+                <a:solidFill>
+                  <a:srgbClr val="FFFFFF"/>
+                </a:solidFill>
+              </a14:hiddenFill>
+            </a:ext>
+          </a:extLst>
+        </p:spPr>
+      </p:pic>
+      <p:sp>
+        <p:nvSpPr>
+          <p:cNvPr id="16" name="Rectangle 15">
+            <a:extLst>
+              <a:ext uri="{FF2B5EF4-FFF2-40B4-BE49-F238E27FC236}">
+                <a16:creationId xmlns:a16="http://schemas.microsoft.com/office/drawing/2014/main" id="{B773AB25-A422-41AA-9737-5E04C1966DE1}"/>
+              </a:ext>
+              <a:ext uri="{C183D7F6-B498-43B3-948B-1728B52AA6E4}">
+                <adec:decorative xmlns:adec="http://schemas.microsoft.com/office/drawing/2017/decorative" val="1"/>
+              </a:ext>
+            </a:extLst>
+          </p:cNvPr>
+          <p:cNvSpPr>
+            <a:spLocks noGrp="1" noRot="1" noChangeAspect="1" noMove="1" noResize="1" noEditPoints="1" noAdjustHandles="1" noChangeArrowheads="1" noChangeShapeType="1" noTextEdit="1"/>
+          </p:cNvSpPr>
+          <p:nvPr>
+            <p:extLst>
+              <p:ext uri="{386F3935-93C4-4BCD-93E2-E3B085C9AB24}">
+                <p16:designElem xmlns:p16="http://schemas.microsoft.com/office/powerpoint/2015/main" val="1"/>
+              </p:ext>
+            </p:extLst>
+          </p:nvPr>
+        </p:nvSpPr>
+        <p:spPr>
+          <a:xfrm>
+            <a:off x="0" y="1853"/>
+            <a:ext cx="4055621" cy="6858000"/>
+          </a:xfrm>
+          <a:prstGeom prst="rect">
+            <a:avLst/>
+          </a:prstGeom>
+          <a:ln>
+            <a:noFill/>
+          </a:ln>
+          <a:effectLst>
+            <a:outerShdw blurRad="76200" dist="38100" algn="l" rotWithShape="0">
+              <a:prstClr val="black">
+                <a:alpha val="37000"/>
+              </a:prstClr>
+            </a:outerShdw>
+          </a:effectLst>
+        </p:spPr>
+        <p:style>
+          <a:lnRef idx="2">
+            <a:schemeClr val="accent1">
+              <a:shade val="50000"/>
+            </a:schemeClr>
+          </a:lnRef>
+          <a:fillRef idx="1003">
+            <a:schemeClr val="dk2"/>
+          </a:fillRef>
+          <a:effectRef idx="0">
+            <a:schemeClr val="accent1"/>
+          </a:effectRef>
+          <a:fontRef idx="minor">
+            <a:schemeClr val="lt1"/>
+          </a:fontRef>
+        </p:style>
+        <p:txBody>
+          <a:bodyPr rtlCol="0" anchor="ctr"/>
+          <a:lstStyle/>
+          <a:p>
+            <a:pPr algn="ctr"/>
+            <a:endParaRPr lang="en-US"/>
+          </a:p>
+        </p:txBody>
+      </p:sp>
+      <p:pic>
+        <p:nvPicPr>
+          <p:cNvPr id="18" name="Picture 2">
+            <a:extLst>
+              <a:ext uri="{FF2B5EF4-FFF2-40B4-BE49-F238E27FC236}">
+                <a16:creationId xmlns:a16="http://schemas.microsoft.com/office/drawing/2014/main" id="{AF0552B8-DE8C-40DF-B29F-1728E6A10619}"/>
+              </a:ext>
+              <a:ext uri="{C183D7F6-B498-43B3-948B-1728B52AA6E4}">
+                <adec:decorative xmlns:adec="http://schemas.microsoft.com/office/drawing/2017/decorative" val="1"/>
+              </a:ext>
+            </a:extLst>
+          </p:cNvPr>
+          <p:cNvPicPr>
+            <a:picLocks noGrp="1" noRot="1" noChangeAspect="1" noMove="1" noResize="1" noEditPoints="1" noAdjustHandles="1" noChangeArrowheads="1" noChangeShapeType="1" noCrop="1"/>
+          </p:cNvPicPr>
+          <p:nvPr>
+            <p:extLst>
+              <p:ext uri="{386F3935-93C4-4BCD-93E2-E3B085C9AB24}">
+                <p16:designElem xmlns:p16="http://schemas.microsoft.com/office/powerpoint/2015/main" val="1"/>
+              </p:ext>
+            </p:extLst>
+          </p:nvPr>
+        </p:nvPicPr>
+        <p:blipFill>
+          <a:blip r:embed="rId2">
+            <a:alphaModFix amt="30000"/>
+            <a:extLst>
+              <a:ext uri="{28A0092B-C50C-407E-A947-70E740481C1C}">
+                <a14:useLocalDpi xmlns:a14="http://schemas.microsoft.com/office/drawing/2010/main" val="0"/>
+              </a:ext>
+            </a:extLst>
+          </a:blip>
+          <a:srcRect/>
+          <a:stretch>
+            <a:fillRect/>
+          </a:stretch>
+        </p:blipFill>
+        <p:spPr bwMode="auto">
+          <a:xfrm>
+            <a:off x="-22530" y="23283"/>
+            <a:ext cx="4078152" cy="6858001"/>
+          </a:xfrm>
+          <a:prstGeom prst="rect">
+            <a:avLst/>
+          </a:prstGeom>
+          <a:noFill/>
+          <a:extLst>
+            <a:ext uri="{909E8E84-426E-40dd-AFC4-6F175D3DCCD1}">
+              <a14:hiddenFill xmlns:a14="http://schemas.microsoft.com/office/drawing/2010/main" xmlns:p14="http://schemas.microsoft.com/office/powerpoint/2010/main" xmlns:a16="http://schemas.microsoft.com/office/drawing/2014/main" xmlns="">
+                <a:solidFill>
+                  <a:srgbClr val="FFFFFF"/>
+                </a:solidFill>
+              </a14:hiddenFill>
+            </a:ext>
+          </a:extLst>
+        </p:spPr>
+      </p:pic>
+      <p:sp>
+        <p:nvSpPr>
+          <p:cNvPr id="2" name="Title 1">
+            <a:extLst>
+              <a:ext uri="{FF2B5EF4-FFF2-40B4-BE49-F238E27FC236}">
+                <a16:creationId xmlns:a16="http://schemas.microsoft.com/office/drawing/2014/main" id="{E08162D0-906E-1F47-98FF-F8DF527793A4}"/>
+              </a:ext>
+            </a:extLst>
+          </p:cNvPr>
+          <p:cNvSpPr>
+            <a:spLocks noGrp="1"/>
+          </p:cNvSpPr>
+          <p:nvPr>
+            <p:ph type="title"/>
+          </p:nvPr>
+        </p:nvSpPr>
+        <p:spPr>
+          <a:xfrm>
+            <a:off x="855266" y="618518"/>
+            <a:ext cx="2851417" cy="1478570"/>
+          </a:xfrm>
+        </p:spPr>
+        <p:txBody>
+          <a:bodyPr>
+            <a:normAutofit/>
+          </a:bodyPr>
+          <a:lstStyle/>
+          <a:p>
+            <a:r>
+              <a:rPr lang="en-CN" sz="3200" dirty="0">
+                <a:solidFill>
+                  <a:srgbClr val="FFFFFF"/>
+                </a:solidFill>
+              </a:rPr>
+              <a:t>读书会规划</a:t>
+            </a:r>
+          </a:p>
+        </p:txBody>
+      </p:sp>
+      <p:sp>
+        <p:nvSpPr>
+          <p:cNvPr id="9" name="Content Placeholder 8">
+            <a:extLst>
+              <a:ext uri="{FF2B5EF4-FFF2-40B4-BE49-F238E27FC236}">
+                <a16:creationId xmlns:a16="http://schemas.microsoft.com/office/drawing/2014/main" id="{6EB901F5-94D5-4BAA-AF00-03C8300A3CBD}"/>
+              </a:ext>
+            </a:extLst>
+          </p:cNvPr>
+          <p:cNvSpPr>
+            <a:spLocks noGrp="1"/>
+          </p:cNvSpPr>
+          <p:nvPr>
+            <p:ph idx="1"/>
+          </p:nvPr>
+        </p:nvSpPr>
+        <p:spPr>
+          <a:xfrm>
+            <a:off x="844620" y="2249487"/>
+            <a:ext cx="2862444" cy="3957302"/>
+          </a:xfrm>
+        </p:spPr>
+        <p:txBody>
+          <a:bodyPr>
+            <a:normAutofit/>
+          </a:bodyPr>
+          <a:lstStyle/>
+          <a:p>
+            <a:pPr marL="0" indent="0">
+              <a:buNone/>
+            </a:pPr>
+            <a:endParaRPr lang="en-US" sz="1800" dirty="0">
+              <a:solidFill>
+                <a:srgbClr val="FFFFFF"/>
+              </a:solidFill>
+            </a:endParaRPr>
+          </a:p>
+          <a:p>
+            <a:r>
+              <a:rPr lang="en-US" sz="1800" dirty="0" err="1">
+                <a:solidFill>
+                  <a:srgbClr val="FFFFFF"/>
+                </a:solidFill>
+              </a:rPr>
+              <a:t>大学生活</a:t>
+            </a:r>
+            <a:endParaRPr lang="en-US" sz="1800" dirty="0">
+              <a:solidFill>
+                <a:srgbClr val="FFFFFF"/>
+              </a:solidFill>
+            </a:endParaRPr>
+          </a:p>
+          <a:p>
+            <a:r>
+              <a:rPr lang="en-US" sz="1800" dirty="0" err="1">
+                <a:solidFill>
+                  <a:srgbClr val="FFFFFF"/>
+                </a:solidFill>
+              </a:rPr>
+              <a:t>英语</a:t>
+            </a:r>
+            <a:endParaRPr lang="en-US" sz="1800" dirty="0">
+              <a:solidFill>
+                <a:srgbClr val="FFFFFF"/>
+              </a:solidFill>
+            </a:endParaRPr>
+          </a:p>
+          <a:p>
+            <a:r>
+              <a:rPr lang="en-US" sz="1800" dirty="0" err="1">
+                <a:solidFill>
+                  <a:srgbClr val="FFFFFF"/>
+                </a:solidFill>
+              </a:rPr>
+              <a:t>互联网</a:t>
+            </a:r>
+            <a:endParaRPr lang="en-US" sz="1800" dirty="0">
+              <a:solidFill>
+                <a:srgbClr val="FFFFFF"/>
+              </a:solidFill>
+            </a:endParaRPr>
+          </a:p>
+          <a:p>
+            <a:r>
+              <a:rPr lang="en-US" sz="1800" dirty="0" err="1">
+                <a:solidFill>
+                  <a:srgbClr val="FFFFFF"/>
+                </a:solidFill>
+              </a:rPr>
+              <a:t>股市</a:t>
+            </a:r>
+            <a:endParaRPr lang="en-US" sz="1800" dirty="0">
+              <a:solidFill>
+                <a:srgbClr val="FFFFFF"/>
+              </a:solidFill>
+            </a:endParaRPr>
+          </a:p>
+        </p:txBody>
+      </p:sp>
+      <p:grpSp>
+        <p:nvGrpSpPr>
+          <p:cNvPr id="20" name="Group 19">
+            <a:extLst>
+              <a:ext uri="{FF2B5EF4-FFF2-40B4-BE49-F238E27FC236}">
+                <a16:creationId xmlns:a16="http://schemas.microsoft.com/office/drawing/2014/main" id="{6AD0D387-1584-4477-B5F8-52B50D4F2205}"/>
+              </a:ext>
+              <a:ext uri="{C183D7F6-B498-43B3-948B-1728B52AA6E4}">
+                <adec:decorative xmlns:adec="http://schemas.microsoft.com/office/drawing/2017/decorative" val="1"/>
+              </a:ext>
+            </a:extLst>
+          </p:cNvPr>
+          <p:cNvGrpSpPr>
+            <a:grpSpLocks noGrp="1" noUngrp="1" noRot="1" noChangeAspect="1" noMove="1" noResize="1"/>
+          </p:cNvGrpSpPr>
+          <p:nvPr>
+            <p:extLst>
+              <p:ext uri="{386F3935-93C4-4BCD-93E2-E3B085C9AB24}">
+                <p16:designElem xmlns:p16="http://schemas.microsoft.com/office/powerpoint/2015/main" val="1"/>
+              </p:ext>
+            </p:extLst>
+          </p:nvPr>
+        </p:nvGrpSpPr>
+        <p:grpSpPr>
+          <a:xfrm>
+            <a:off x="0" y="0"/>
+            <a:ext cx="1220788" cy="6858001"/>
+            <a:chOff x="-14288" y="0"/>
+            <a:chExt cx="1220788" cy="6858001"/>
+          </a:xfrm>
+          <a:gradFill flip="none" rotWithShape="1">
+            <a:gsLst>
+              <a:gs pos="0">
+                <a:schemeClr val="bg2"/>
+              </a:gs>
+              <a:gs pos="100000">
+                <a:schemeClr val="tx2">
+                  <a:lumMod val="60000"/>
+                  <a:lumOff val="40000"/>
+                </a:schemeClr>
+              </a:gs>
+            </a:gsLst>
+            <a:lin ang="5400000" scaled="0"/>
+            <a:tileRect/>
+          </a:gradFill>
+        </p:grpSpPr>
+        <p:sp>
+          <p:nvSpPr>
+            <p:cNvPr id="21" name="Rectangle 5">
+              <a:extLst>
+                <a:ext uri="{FF2B5EF4-FFF2-40B4-BE49-F238E27FC236}">
+                  <a16:creationId xmlns:a16="http://schemas.microsoft.com/office/drawing/2014/main" id="{22C90122-8CF0-4164-B596-168DE41D39A4}"/>
+                </a:ext>
+                <a:ext uri="{C183D7F6-B498-43B3-948B-1728B52AA6E4}">
+                  <adec:decorative xmlns:adec="http://schemas.microsoft.com/office/drawing/2017/decorative" val="1"/>
+                </a:ext>
+              </a:extLst>
+            </p:cNvPr>
+            <p:cNvSpPr>
+              <a:spLocks noChangeArrowheads="1"/>
+            </p:cNvSpPr>
+            <p:nvPr>
+              <p:extLst>
+                <p:ext uri="{386F3935-93C4-4BCD-93E2-E3B085C9AB24}">
+                  <p16:designElem xmlns:p16="http://schemas.microsoft.com/office/powerpoint/2015/main" val="1"/>
+                </p:ext>
+              </p:extLst>
+            </p:nvPr>
+          </p:nvSpPr>
+          <p:spPr bwMode="auto">
+            <a:xfrm>
+              <a:off x="114300" y="4763"/>
+              <a:ext cx="23813" cy="2181225"/>
+            </a:xfrm>
+            <a:prstGeom prst="rect">
+              <a:avLst/>
+            </a:prstGeom>
+            <a:grpFill/>
+            <a:ln>
+              <a:noFill/>
+            </a:ln>
+            <a:extLst>
+              <a:ext uri="{91240B29-F687-4f45-9708-019B960494DF}">
+                <a14:hiddenLine xmlns:a14="http://schemas.microsoft.com/office/drawing/2010/main" xmlns:p14="http://schemas.microsoft.com/office/powerpoint/2010/main" xmlns:a16="http://schemas.microsoft.com/office/drawing/2014/main" xmlns="" w="9525">
+                  <a:solidFill>
+                    <a:srgbClr val="000000"/>
+                  </a:solidFill>
+                  <a:miter lim="800000"/>
+                  <a:headEnd/>
+                  <a:tailEnd/>
+                </a14:hiddenLine>
+              </a:ext>
+            </a:extLst>
+          </p:spPr>
+        </p:sp>
+        <p:sp>
+          <p:nvSpPr>
+            <p:cNvPr id="22" name="Freeform 6">
+              <a:extLst>
+                <a:ext uri="{FF2B5EF4-FFF2-40B4-BE49-F238E27FC236}">
+                  <a16:creationId xmlns:a16="http://schemas.microsoft.com/office/drawing/2014/main" id="{E74D534E-37A6-4D27-9C47-0B2F0527838E}"/>
+                </a:ext>
+                <a:ext uri="{C183D7F6-B498-43B3-948B-1728B52AA6E4}">
+                  <adec:decorative xmlns:adec="http://schemas.microsoft.com/office/drawing/2017/decorative" val="1"/>
+                </a:ext>
+              </a:extLst>
+            </p:cNvPr>
+            <p:cNvSpPr>
+              <a:spLocks noEditPoints="1"/>
+            </p:cNvSpPr>
+            <p:nvPr>
+              <p:extLst>
+                <p:ext uri="{386F3935-93C4-4BCD-93E2-E3B085C9AB24}">
+                  <p16:designElem xmlns:p16="http://schemas.microsoft.com/office/powerpoint/2015/main" val="1"/>
+                </p:ext>
+              </p:extLst>
+            </p:nvPr>
+          </p:nvSpPr>
+          <p:spPr bwMode="auto">
+            <a:xfrm>
+              <a:off x="33337" y="2176463"/>
+              <a:ext cx="190500" cy="190500"/>
+            </a:xfrm>
+            <a:custGeom>
+              <a:avLst/>
+              <a:gdLst/>
+              <a:ahLst/>
+              <a:cxnLst/>
+              <a:rect l="0" t="0" r="r" b="b"/>
+              <a:pathLst>
+                <a:path w="40" h="40">
+                  <a:moveTo>
+                    <a:pt x="20" y="40"/>
+                  </a:moveTo>
+                  <a:cubicBezTo>
+                    <a:pt x="9" y="40"/>
+                    <a:pt x="0" y="31"/>
+                    <a:pt x="0" y="20"/>
+                  </a:cubicBezTo>
+                  <a:cubicBezTo>
+                    <a:pt x="0" y="9"/>
+                    <a:pt x="9" y="0"/>
+                    <a:pt x="20" y="0"/>
+                  </a:cubicBezTo>
+                  <a:cubicBezTo>
+                    <a:pt x="31" y="0"/>
+                    <a:pt x="40" y="9"/>
+                    <a:pt x="40" y="20"/>
+                  </a:cubicBezTo>
+                  <a:cubicBezTo>
+                    <a:pt x="40" y="31"/>
+                    <a:pt x="31" y="40"/>
+                    <a:pt x="20" y="40"/>
+                  </a:cubicBezTo>
+                  <a:close/>
+                  <a:moveTo>
+                    <a:pt x="20" y="4"/>
+                  </a:moveTo>
+                  <a:cubicBezTo>
+                    <a:pt x="11" y="4"/>
+                    <a:pt x="4" y="11"/>
+                    <a:pt x="4" y="20"/>
+                  </a:cubicBezTo>
+                  <a:cubicBezTo>
+                    <a:pt x="4" y="29"/>
+                    <a:pt x="11" y="36"/>
+                    <a:pt x="20" y="36"/>
+                  </a:cubicBezTo>
+                  <a:cubicBezTo>
+                    <a:pt x="28" y="36"/>
+                    <a:pt x="36" y="29"/>
+                    <a:pt x="36" y="20"/>
+                  </a:cubicBezTo>
+                  <a:cubicBezTo>
+                    <a:pt x="36" y="11"/>
+                    <a:pt x="28" y="4"/>
+                    <a:pt x="20" y="4"/>
+                  </a:cubicBezTo>
+                  <a:close/>
+                </a:path>
+              </a:pathLst>
+            </a:custGeom>
+            <a:grpFill/>
+            <a:ln>
+              <a:noFill/>
+            </a:ln>
+            <a:extLst>
+              <a:ext uri="{91240B29-F687-4f45-9708-019B960494DF}">
+                <a14:hiddenLine xmlns:a14="http://schemas.microsoft.com/office/drawing/2010/main" xmlns:p14="http://schemas.microsoft.com/office/powerpoint/2010/main" xmlns:a16="http://schemas.microsoft.com/office/drawing/2014/main" xmlns="" w="9525">
+                  <a:solidFill>
+                    <a:srgbClr val="000000"/>
+                  </a:solidFill>
+                  <a:round/>
+                  <a:headEnd/>
+                  <a:tailEnd/>
+                </a14:hiddenLine>
+              </a:ext>
+            </a:extLst>
+          </p:spPr>
+        </p:sp>
+        <p:sp>
+          <p:nvSpPr>
+            <p:cNvPr id="23" name="Freeform 7">
+              <a:extLst>
+                <a:ext uri="{FF2B5EF4-FFF2-40B4-BE49-F238E27FC236}">
+                  <a16:creationId xmlns:a16="http://schemas.microsoft.com/office/drawing/2014/main" id="{1C1C156E-D2E0-468A-9B19-79521D69BF55}"/>
+                </a:ext>
+                <a:ext uri="{C183D7F6-B498-43B3-948B-1728B52AA6E4}">
+                  <adec:decorative xmlns:adec="http://schemas.microsoft.com/office/drawing/2017/decorative" val="1"/>
+                </a:ext>
+              </a:extLst>
+            </p:cNvPr>
+            <p:cNvSpPr>
+              <a:spLocks noEditPoints="1"/>
+            </p:cNvSpPr>
+            <p:nvPr>
+              <p:extLst>
+                <p:ext uri="{386F3935-93C4-4BCD-93E2-E3B085C9AB24}">
+                  <p16:designElem xmlns:p16="http://schemas.microsoft.com/office/powerpoint/2015/main" val="1"/>
+                </p:ext>
+              </p:extLst>
+            </p:nvPr>
+          </p:nvSpPr>
+          <p:spPr bwMode="auto">
+            <a:xfrm>
+              <a:off x="28575" y="4021138"/>
+              <a:ext cx="190500" cy="188913"/>
+            </a:xfrm>
+            <a:custGeom>
+              <a:avLst/>
+              <a:gdLst/>
+              <a:ahLst/>
+              <a:cxnLst/>
+              <a:rect l="0" t="0" r="r" b="b"/>
+              <a:pathLst>
+                <a:path w="40" h="40">
+                  <a:moveTo>
+                    <a:pt x="20" y="40"/>
+                  </a:moveTo>
+                  <a:cubicBezTo>
+                    <a:pt x="9" y="40"/>
+                    <a:pt x="0" y="31"/>
+                    <a:pt x="0" y="20"/>
+                  </a:cubicBezTo>
+                  <a:cubicBezTo>
+                    <a:pt x="0" y="9"/>
+                    <a:pt x="9" y="0"/>
+                    <a:pt x="20" y="0"/>
+                  </a:cubicBezTo>
+                  <a:cubicBezTo>
+                    <a:pt x="31" y="0"/>
+                    <a:pt x="40" y="9"/>
+                    <a:pt x="40" y="20"/>
+                  </a:cubicBezTo>
+                  <a:cubicBezTo>
+                    <a:pt x="40" y="31"/>
+                    <a:pt x="31" y="40"/>
+                    <a:pt x="20" y="40"/>
+                  </a:cubicBezTo>
+                  <a:close/>
+                  <a:moveTo>
+                    <a:pt x="20" y="4"/>
+                  </a:moveTo>
+                  <a:cubicBezTo>
+                    <a:pt x="12" y="4"/>
+                    <a:pt x="4" y="11"/>
+                    <a:pt x="4" y="20"/>
+                  </a:cubicBezTo>
+                  <a:cubicBezTo>
+                    <a:pt x="4" y="29"/>
+                    <a:pt x="12" y="36"/>
+                    <a:pt x="20" y="36"/>
+                  </a:cubicBezTo>
+                  <a:cubicBezTo>
+                    <a:pt x="29" y="36"/>
+                    <a:pt x="36" y="29"/>
+                    <a:pt x="36" y="20"/>
+                  </a:cubicBezTo>
+                  <a:cubicBezTo>
+                    <a:pt x="36" y="11"/>
+                    <a:pt x="29" y="4"/>
+                    <a:pt x="20" y="4"/>
+                  </a:cubicBezTo>
+                  <a:close/>
+                </a:path>
+              </a:pathLst>
+            </a:custGeom>
+            <a:grpFill/>
+            <a:ln>
+              <a:noFill/>
+            </a:ln>
+            <a:extLst>
+              <a:ext uri="{91240B29-F687-4f45-9708-019B960494DF}">
+                <a14:hiddenLine xmlns:a14="http://schemas.microsoft.com/office/drawing/2010/main" xmlns:p14="http://schemas.microsoft.com/office/powerpoint/2010/main" xmlns:a16="http://schemas.microsoft.com/office/drawing/2014/main" xmlns="" w="9525">
+                  <a:solidFill>
+                    <a:srgbClr val="000000"/>
+                  </a:solidFill>
+                  <a:round/>
+                  <a:headEnd/>
+                  <a:tailEnd/>
+                </a14:hiddenLine>
+              </a:ext>
+            </a:extLst>
+          </p:spPr>
+        </p:sp>
+        <p:sp>
+          <p:nvSpPr>
+            <p:cNvPr id="24" name="Freeform 8">
+              <a:extLst>
+                <a:ext uri="{FF2B5EF4-FFF2-40B4-BE49-F238E27FC236}">
+                  <a16:creationId xmlns:a16="http://schemas.microsoft.com/office/drawing/2014/main" id="{14C97F11-4F6C-4DFF-89BC-3AEA5B7FF74F}"/>
+                </a:ext>
+                <a:ext uri="{C183D7F6-B498-43B3-948B-1728B52AA6E4}">
+                  <adec:decorative xmlns:adec="http://schemas.microsoft.com/office/drawing/2017/decorative" val="1"/>
+                </a:ext>
+              </a:extLst>
+            </p:cNvPr>
+            <p:cNvSpPr/>
+            <p:nvPr>
+              <p:extLst>
+                <p:ext uri="{386F3935-93C4-4BCD-93E2-E3B085C9AB24}">
+                  <p16:designElem xmlns:p16="http://schemas.microsoft.com/office/powerpoint/2015/main" val="1"/>
+                </p:ext>
+              </p:extLst>
+            </p:nvPr>
+          </p:nvSpPr>
+          <p:spPr bwMode="auto">
+            <a:xfrm>
+              <a:off x="200025" y="4763"/>
+              <a:ext cx="369888" cy="1811338"/>
+            </a:xfrm>
+            <a:custGeom>
+              <a:avLst/>
+              <a:gdLst/>
+              <a:ahLst/>
+              <a:cxnLst/>
+              <a:rect l="0" t="0" r="r" b="b"/>
+              <a:pathLst>
+                <a:path w="233" h="1141">
+                  <a:moveTo>
+                    <a:pt x="218" y="1141"/>
+                  </a:moveTo>
+                  <a:lnTo>
+                    <a:pt x="0" y="626"/>
+                  </a:lnTo>
+                  <a:lnTo>
+                    <a:pt x="0" y="0"/>
+                  </a:lnTo>
+                  <a:lnTo>
+                    <a:pt x="15" y="0"/>
+                  </a:lnTo>
+                  <a:lnTo>
+                    <a:pt x="15" y="623"/>
+                  </a:lnTo>
+                  <a:lnTo>
+                    <a:pt x="233" y="1135"/>
+                  </a:lnTo>
+                  <a:lnTo>
+                    <a:pt x="218" y="1141"/>
+                  </a:lnTo>
+                  <a:close/>
+                </a:path>
+              </a:pathLst>
+            </a:custGeom>
+            <a:grpFill/>
+            <a:ln>
+              <a:noFill/>
+            </a:ln>
+            <a:extLst>
+              <a:ext uri="{91240B29-F687-4f45-9708-019B960494DF}">
+                <a14:hiddenLine xmlns:a14="http://schemas.microsoft.com/office/drawing/2010/main" xmlns:p14="http://schemas.microsoft.com/office/powerpoint/2010/main" xmlns:a16="http://schemas.microsoft.com/office/drawing/2014/main" xmlns="" w="9525">
+                  <a:solidFill>
+                    <a:srgbClr val="000000"/>
+                  </a:solidFill>
+                  <a:round/>
+                  <a:headEnd/>
+                  <a:tailEnd/>
+                </a14:hiddenLine>
+              </a:ext>
+            </a:extLst>
+          </p:spPr>
+        </p:sp>
+        <p:sp>
+          <p:nvSpPr>
+            <p:cNvPr id="25" name="Freeform 9">
+              <a:extLst>
+                <a:ext uri="{FF2B5EF4-FFF2-40B4-BE49-F238E27FC236}">
+                  <a16:creationId xmlns:a16="http://schemas.microsoft.com/office/drawing/2014/main" id="{773C2106-77CE-42E1-839F-925EAEBB2FF9}"/>
+                </a:ext>
+                <a:ext uri="{C183D7F6-B498-43B3-948B-1728B52AA6E4}">
+                  <adec:decorative xmlns:adec="http://schemas.microsoft.com/office/drawing/2017/decorative" val="1"/>
+                </a:ext>
+              </a:extLst>
+            </p:cNvPr>
+            <p:cNvSpPr>
+              <a:spLocks noEditPoints="1"/>
+            </p:cNvSpPr>
+            <p:nvPr>
+              <p:extLst>
+                <p:ext uri="{386F3935-93C4-4BCD-93E2-E3B085C9AB24}">
+                  <p16:designElem xmlns:p16="http://schemas.microsoft.com/office/powerpoint/2015/main" val="1"/>
+                </p:ext>
+              </p:extLst>
+            </p:nvPr>
+          </p:nvSpPr>
+          <p:spPr bwMode="auto">
+            <a:xfrm>
+              <a:off x="503237" y="1801813"/>
+              <a:ext cx="190500" cy="188913"/>
+            </a:xfrm>
+            <a:custGeom>
+              <a:avLst/>
+              <a:gdLst/>
+              <a:ahLst/>
+              <a:cxnLst/>
+              <a:rect l="0" t="0" r="r" b="b"/>
+              <a:pathLst>
+                <a:path w="40" h="40">
+                  <a:moveTo>
+                    <a:pt x="20" y="40"/>
+                  </a:moveTo>
+                  <a:cubicBezTo>
+                    <a:pt x="9" y="40"/>
+                    <a:pt x="0" y="31"/>
+                    <a:pt x="0" y="20"/>
+                  </a:cubicBezTo>
+                  <a:cubicBezTo>
+                    <a:pt x="0" y="9"/>
+                    <a:pt x="9" y="0"/>
+                    <a:pt x="20" y="0"/>
+                  </a:cubicBezTo>
+                  <a:cubicBezTo>
+                    <a:pt x="33" y="0"/>
+                    <a:pt x="40" y="6"/>
+                    <a:pt x="40" y="20"/>
+                  </a:cubicBezTo>
+                  <a:cubicBezTo>
+                    <a:pt x="40" y="31"/>
+                    <a:pt x="31" y="40"/>
+                    <a:pt x="20" y="40"/>
+                  </a:cubicBezTo>
+                  <a:close/>
+                  <a:moveTo>
+                    <a:pt x="20" y="4"/>
+                  </a:moveTo>
+                  <a:cubicBezTo>
+                    <a:pt x="11" y="4"/>
+                    <a:pt x="4" y="11"/>
+                    <a:pt x="4" y="20"/>
+                  </a:cubicBezTo>
+                  <a:cubicBezTo>
+                    <a:pt x="4" y="29"/>
+                    <a:pt x="11" y="36"/>
+                    <a:pt x="20" y="36"/>
+                  </a:cubicBezTo>
+                  <a:cubicBezTo>
+                    <a:pt x="28" y="36"/>
+                    <a:pt x="36" y="29"/>
+                    <a:pt x="36" y="20"/>
+                  </a:cubicBezTo>
+                  <a:cubicBezTo>
+                    <a:pt x="36" y="9"/>
+                    <a:pt x="31" y="4"/>
+                    <a:pt x="20" y="4"/>
+                  </a:cubicBezTo>
+                  <a:close/>
+                </a:path>
+              </a:pathLst>
+            </a:custGeom>
+            <a:grpFill/>
+            <a:ln>
+              <a:noFill/>
+            </a:ln>
+            <a:extLst>
+              <a:ext uri="{91240B29-F687-4f45-9708-019B960494DF}">
+                <a14:hiddenLine xmlns:a14="http://schemas.microsoft.com/office/drawing/2010/main" xmlns:p14="http://schemas.microsoft.com/office/powerpoint/2010/main" xmlns:a16="http://schemas.microsoft.com/office/drawing/2014/main" xmlns="" w="9525">
+                  <a:solidFill>
+                    <a:srgbClr val="000000"/>
+                  </a:solidFill>
+                  <a:round/>
+                  <a:headEnd/>
+                  <a:tailEnd/>
+                </a14:hiddenLine>
+              </a:ext>
+            </a:extLst>
+          </p:spPr>
+        </p:sp>
+        <p:sp>
+          <p:nvSpPr>
+            <p:cNvPr id="26" name="Freeform 10">
+              <a:extLst>
+                <a:ext uri="{FF2B5EF4-FFF2-40B4-BE49-F238E27FC236}">
+                  <a16:creationId xmlns:a16="http://schemas.microsoft.com/office/drawing/2014/main" id="{E2807D33-BD1F-4B09-8D93-63C06DB3C0F7}"/>
+                </a:ext>
+                <a:ext uri="{C183D7F6-B498-43B3-948B-1728B52AA6E4}">
+                  <adec:decorative xmlns:adec="http://schemas.microsoft.com/office/drawing/2017/decorative" val="1"/>
+                </a:ext>
+              </a:extLst>
+            </p:cNvPr>
+            <p:cNvSpPr/>
+            <p:nvPr>
+              <p:extLst>
+                <p:ext uri="{386F3935-93C4-4BCD-93E2-E3B085C9AB24}">
+                  <p16:designElem xmlns:p16="http://schemas.microsoft.com/office/powerpoint/2015/main" val="1"/>
+                </p:ext>
+              </p:extLst>
+            </p:nvPr>
+          </p:nvSpPr>
+          <p:spPr bwMode="auto">
+            <a:xfrm>
+              <a:off x="285750" y="4763"/>
+              <a:ext cx="369888" cy="1430338"/>
+            </a:xfrm>
+            <a:custGeom>
+              <a:avLst/>
+              <a:gdLst/>
+              <a:ahLst/>
+              <a:cxnLst/>
+              <a:rect l="0" t="0" r="r" b="b"/>
+              <a:pathLst>
+                <a:path w="233" h="901">
+                  <a:moveTo>
+                    <a:pt x="221" y="901"/>
+                  </a:moveTo>
+                  <a:lnTo>
+                    <a:pt x="0" y="383"/>
+                  </a:lnTo>
+                  <a:lnTo>
+                    <a:pt x="0" y="0"/>
+                  </a:lnTo>
+                  <a:lnTo>
+                    <a:pt x="18" y="0"/>
+                  </a:lnTo>
+                  <a:lnTo>
+                    <a:pt x="18" y="380"/>
+                  </a:lnTo>
+                  <a:lnTo>
+                    <a:pt x="233" y="895"/>
+                  </a:lnTo>
+                  <a:lnTo>
+                    <a:pt x="221" y="901"/>
+                  </a:lnTo>
+                  <a:close/>
+                </a:path>
+              </a:pathLst>
+            </a:custGeom>
+            <a:grpFill/>
+            <a:ln>
+              <a:noFill/>
+            </a:ln>
+            <a:extLst>
+              <a:ext uri="{91240B29-F687-4f45-9708-019B960494DF}">
+                <a14:hiddenLine xmlns:a14="http://schemas.microsoft.com/office/drawing/2010/main" xmlns:p14="http://schemas.microsoft.com/office/powerpoint/2010/main" xmlns:a16="http://schemas.microsoft.com/office/drawing/2014/main" xmlns="" w="9525">
+                  <a:solidFill>
+                    <a:srgbClr val="000000"/>
+                  </a:solidFill>
+                  <a:round/>
+                  <a:headEnd/>
+                  <a:tailEnd/>
+                </a14:hiddenLine>
+              </a:ext>
+            </a:extLst>
+          </p:spPr>
+        </p:sp>
+        <p:sp>
+          <p:nvSpPr>
+            <p:cNvPr id="27" name="Freeform 11">
+              <a:extLst>
+                <a:ext uri="{FF2B5EF4-FFF2-40B4-BE49-F238E27FC236}">
+                  <a16:creationId xmlns:a16="http://schemas.microsoft.com/office/drawing/2014/main" id="{84BDF3E8-157B-47D1-AF8E-FE1EFF0612E4}"/>
+                </a:ext>
+                <a:ext uri="{C183D7F6-B498-43B3-948B-1728B52AA6E4}">
+                  <adec:decorative xmlns:adec="http://schemas.microsoft.com/office/drawing/2017/decorative" val="1"/>
+                </a:ext>
+              </a:extLst>
+            </p:cNvPr>
+            <p:cNvSpPr/>
+            <p:nvPr>
+              <p:extLst>
+                <p:ext uri="{386F3935-93C4-4BCD-93E2-E3B085C9AB24}">
+                  <p16:designElem xmlns:p16="http://schemas.microsoft.com/office/powerpoint/2015/main" val="1"/>
+                </p:ext>
+              </p:extLst>
+            </p:nvPr>
+          </p:nvSpPr>
+          <p:spPr bwMode="auto">
+            <a:xfrm>
+              <a:off x="546100" y="0"/>
+              <a:ext cx="152400" cy="912813"/>
+            </a:xfrm>
+            <a:custGeom>
+              <a:avLst/>
+              <a:gdLst/>
+              <a:ahLst/>
+              <a:cxnLst/>
+              <a:rect l="0" t="0" r="r" b="b"/>
+              <a:pathLst>
+                <a:path w="96" h="575">
+                  <a:moveTo>
+                    <a:pt x="96" y="575"/>
+                  </a:moveTo>
+                  <a:lnTo>
+                    <a:pt x="78" y="575"/>
+                  </a:lnTo>
+                  <a:lnTo>
+                    <a:pt x="78" y="192"/>
+                  </a:lnTo>
+                  <a:lnTo>
+                    <a:pt x="0" y="6"/>
+                  </a:lnTo>
+                  <a:lnTo>
+                    <a:pt x="15" y="0"/>
+                  </a:lnTo>
+                  <a:lnTo>
+                    <a:pt x="96" y="189"/>
+                  </a:lnTo>
+                  <a:lnTo>
+                    <a:pt x="96" y="575"/>
+                  </a:lnTo>
+                  <a:close/>
+                </a:path>
+              </a:pathLst>
+            </a:custGeom>
+            <a:grpFill/>
+            <a:ln>
+              <a:noFill/>
+            </a:ln>
+            <a:extLst>
+              <a:ext uri="{91240B29-F687-4f45-9708-019B960494DF}">
+                <a14:hiddenLine xmlns:a14="http://schemas.microsoft.com/office/drawing/2010/main" xmlns:p14="http://schemas.microsoft.com/office/powerpoint/2010/main" xmlns:a16="http://schemas.microsoft.com/office/drawing/2014/main" xmlns="" w="9525">
+                  <a:solidFill>
+                    <a:srgbClr val="000000"/>
+                  </a:solidFill>
+                  <a:round/>
+                  <a:headEnd/>
+                  <a:tailEnd/>
+                </a14:hiddenLine>
+              </a:ext>
+            </a:extLst>
+          </p:spPr>
+        </p:sp>
+        <p:sp>
+          <p:nvSpPr>
+            <p:cNvPr id="28" name="Freeform 12">
+              <a:extLst>
+                <a:ext uri="{FF2B5EF4-FFF2-40B4-BE49-F238E27FC236}">
+                  <a16:creationId xmlns:a16="http://schemas.microsoft.com/office/drawing/2014/main" id="{68B482B5-E0FD-406A-99B2-297DF333546D}"/>
+                </a:ext>
+                <a:ext uri="{C183D7F6-B498-43B3-948B-1728B52AA6E4}">
+                  <adec:decorative xmlns:adec="http://schemas.microsoft.com/office/drawing/2017/decorative" val="1"/>
+                </a:ext>
+              </a:extLst>
+            </p:cNvPr>
+            <p:cNvSpPr>
+              <a:spLocks noEditPoints="1"/>
+            </p:cNvSpPr>
+            <p:nvPr>
+              <p:extLst>
+                <p:ext uri="{386F3935-93C4-4BCD-93E2-E3B085C9AB24}">
+                  <p16:designElem xmlns:p16="http://schemas.microsoft.com/office/powerpoint/2015/main" val="1"/>
+                </p:ext>
+              </p:extLst>
+            </p:nvPr>
+          </p:nvSpPr>
+          <p:spPr bwMode="auto">
+            <a:xfrm>
+              <a:off x="588962" y="1420813"/>
+              <a:ext cx="190500" cy="190500"/>
+            </a:xfrm>
+            <a:custGeom>
+              <a:avLst/>
+              <a:gdLst/>
+              <a:ahLst/>
+              <a:cxnLst/>
+              <a:rect l="0" t="0" r="r" b="b"/>
+              <a:pathLst>
+                <a:path w="40" h="40">
+                  <a:moveTo>
+                    <a:pt x="20" y="40"/>
+                  </a:moveTo>
+                  <a:cubicBezTo>
+                    <a:pt x="9" y="40"/>
+                    <a:pt x="0" y="31"/>
+                    <a:pt x="0" y="20"/>
+                  </a:cubicBezTo>
+                  <a:cubicBezTo>
+                    <a:pt x="0" y="9"/>
+                    <a:pt x="9" y="0"/>
+                    <a:pt x="20" y="0"/>
+                  </a:cubicBezTo>
+                  <a:cubicBezTo>
+                    <a:pt x="33" y="0"/>
+                    <a:pt x="40" y="7"/>
+                    <a:pt x="40" y="20"/>
+                  </a:cubicBezTo>
+                  <a:cubicBezTo>
+                    <a:pt x="40" y="31"/>
+                    <a:pt x="31" y="40"/>
+                    <a:pt x="20" y="40"/>
+                  </a:cubicBezTo>
+                  <a:close/>
+                  <a:moveTo>
+                    <a:pt x="20" y="4"/>
+                  </a:moveTo>
+                  <a:cubicBezTo>
+                    <a:pt x="11" y="4"/>
+                    <a:pt x="4" y="11"/>
+                    <a:pt x="4" y="20"/>
+                  </a:cubicBezTo>
+                  <a:cubicBezTo>
+                    <a:pt x="4" y="29"/>
+                    <a:pt x="11" y="36"/>
+                    <a:pt x="20" y="36"/>
+                  </a:cubicBezTo>
+                  <a:cubicBezTo>
+                    <a:pt x="29" y="36"/>
+                    <a:pt x="36" y="29"/>
+                    <a:pt x="36" y="20"/>
+                  </a:cubicBezTo>
+                  <a:cubicBezTo>
+                    <a:pt x="36" y="9"/>
+                    <a:pt x="31" y="4"/>
+                    <a:pt x="20" y="4"/>
+                  </a:cubicBezTo>
+                  <a:close/>
+                </a:path>
+              </a:pathLst>
+            </a:custGeom>
+            <a:grpFill/>
+            <a:ln>
+              <a:noFill/>
+            </a:ln>
+            <a:extLst>
+              <a:ext uri="{91240B29-F687-4f45-9708-019B960494DF}">
+                <a14:hiddenLine xmlns:a14="http://schemas.microsoft.com/office/drawing/2010/main" xmlns:p14="http://schemas.microsoft.com/office/powerpoint/2010/main" xmlns:a16="http://schemas.microsoft.com/office/drawing/2014/main" xmlns="" w="9525">
+                  <a:solidFill>
+                    <a:srgbClr val="000000"/>
+                  </a:solidFill>
+                  <a:round/>
+                  <a:headEnd/>
+                  <a:tailEnd/>
+                </a14:hiddenLine>
+              </a:ext>
+            </a:extLst>
+          </p:spPr>
+        </p:sp>
+        <p:sp>
+          <p:nvSpPr>
+            <p:cNvPr id="29" name="Freeform 13">
+              <a:extLst>
+                <a:ext uri="{FF2B5EF4-FFF2-40B4-BE49-F238E27FC236}">
+                  <a16:creationId xmlns:a16="http://schemas.microsoft.com/office/drawing/2014/main" id="{B8750F30-12E8-410B-8709-78F1EF3BBE78}"/>
+                </a:ext>
+                <a:ext uri="{C183D7F6-B498-43B3-948B-1728B52AA6E4}">
+                  <adec:decorative xmlns:adec="http://schemas.microsoft.com/office/drawing/2017/decorative" val="1"/>
+                </a:ext>
+              </a:extLst>
+            </p:cNvPr>
+            <p:cNvSpPr>
+              <a:spLocks noEditPoints="1"/>
+            </p:cNvSpPr>
+            <p:nvPr>
+              <p:extLst>
+                <p:ext uri="{386F3935-93C4-4BCD-93E2-E3B085C9AB24}">
+                  <p16:designElem xmlns:p16="http://schemas.microsoft.com/office/powerpoint/2015/main" val="1"/>
+                </p:ext>
+              </p:extLst>
+            </p:nvPr>
+          </p:nvSpPr>
+          <p:spPr bwMode="auto">
+            <a:xfrm>
+              <a:off x="588962" y="903288"/>
+              <a:ext cx="190500" cy="190500"/>
+            </a:xfrm>
+            <a:custGeom>
+              <a:avLst/>
+              <a:gdLst/>
+              <a:ahLst/>
+              <a:cxnLst/>
+              <a:rect l="0" t="0" r="r" b="b"/>
+              <a:pathLst>
+                <a:path w="40" h="40">
+                  <a:moveTo>
+                    <a:pt x="20" y="40"/>
+                  </a:moveTo>
+                  <a:cubicBezTo>
+                    <a:pt x="9" y="40"/>
+                    <a:pt x="0" y="31"/>
+                    <a:pt x="0" y="20"/>
+                  </a:cubicBezTo>
+                  <a:cubicBezTo>
+                    <a:pt x="0" y="9"/>
+                    <a:pt x="9" y="0"/>
+                    <a:pt x="20" y="0"/>
+                  </a:cubicBezTo>
+                  <a:cubicBezTo>
+                    <a:pt x="31" y="0"/>
+                    <a:pt x="40" y="9"/>
+                    <a:pt x="40" y="20"/>
+                  </a:cubicBezTo>
+                  <a:cubicBezTo>
+                    <a:pt x="40" y="31"/>
+                    <a:pt x="31" y="40"/>
+                    <a:pt x="20" y="40"/>
+                  </a:cubicBezTo>
+                  <a:close/>
+                  <a:moveTo>
+                    <a:pt x="20" y="4"/>
+                  </a:moveTo>
+                  <a:cubicBezTo>
+                    <a:pt x="11" y="4"/>
+                    <a:pt x="4" y="11"/>
+                    <a:pt x="4" y="20"/>
+                  </a:cubicBezTo>
+                  <a:cubicBezTo>
+                    <a:pt x="4" y="29"/>
+                    <a:pt x="11" y="36"/>
+                    <a:pt x="20" y="36"/>
+                  </a:cubicBezTo>
+                  <a:cubicBezTo>
+                    <a:pt x="29" y="36"/>
+                    <a:pt x="36" y="29"/>
+                    <a:pt x="36" y="20"/>
+                  </a:cubicBezTo>
+                  <a:cubicBezTo>
+                    <a:pt x="36" y="11"/>
+                    <a:pt x="29" y="4"/>
+                    <a:pt x="20" y="4"/>
+                  </a:cubicBezTo>
+                  <a:close/>
+                </a:path>
+              </a:pathLst>
+            </a:custGeom>
+            <a:grpFill/>
+            <a:ln>
+              <a:noFill/>
+            </a:ln>
+            <a:extLst>
+              <a:ext uri="{91240B29-F687-4f45-9708-019B960494DF}">
+                <a14:hiddenLine xmlns:a14="http://schemas.microsoft.com/office/drawing/2010/main" xmlns:p14="http://schemas.microsoft.com/office/powerpoint/2010/main" xmlns:a16="http://schemas.microsoft.com/office/drawing/2014/main" xmlns="" w="9525">
+                  <a:solidFill>
+                    <a:srgbClr val="000000"/>
+                  </a:solidFill>
+                  <a:round/>
+                  <a:headEnd/>
+                  <a:tailEnd/>
+                </a14:hiddenLine>
+              </a:ext>
+            </a:extLst>
+          </p:spPr>
+        </p:sp>
+        <p:sp>
+          <p:nvSpPr>
+            <p:cNvPr id="30" name="Freeform 14">
+              <a:extLst>
+                <a:ext uri="{FF2B5EF4-FFF2-40B4-BE49-F238E27FC236}">
+                  <a16:creationId xmlns:a16="http://schemas.microsoft.com/office/drawing/2014/main" id="{DB2D030A-4700-4CC4-A971-F119F8372C0A}"/>
+                </a:ext>
+                <a:ext uri="{C183D7F6-B498-43B3-948B-1728B52AA6E4}">
+                  <adec:decorative xmlns:adec="http://schemas.microsoft.com/office/drawing/2017/decorative" val="1"/>
+                </a:ext>
+              </a:extLst>
+            </p:cNvPr>
+            <p:cNvSpPr/>
+            <p:nvPr>
+              <p:extLst>
+                <p:ext uri="{386F3935-93C4-4BCD-93E2-E3B085C9AB24}">
+                  <p16:designElem xmlns:p16="http://schemas.microsoft.com/office/powerpoint/2015/main" val="1"/>
+                </p:ext>
+              </p:extLst>
+            </p:nvPr>
+          </p:nvSpPr>
+          <p:spPr bwMode="auto">
+            <a:xfrm>
+              <a:off x="641350" y="0"/>
+              <a:ext cx="422275" cy="527050"/>
+            </a:xfrm>
+            <a:custGeom>
+              <a:avLst/>
+              <a:gdLst/>
+              <a:ahLst/>
+              <a:cxnLst/>
+              <a:rect l="0" t="0" r="r" b="b"/>
+              <a:pathLst>
+                <a:path w="266" h="332">
+                  <a:moveTo>
+                    <a:pt x="257" y="332"/>
+                  </a:moveTo>
+                  <a:lnTo>
+                    <a:pt x="48" y="123"/>
+                  </a:lnTo>
+                  <a:lnTo>
+                    <a:pt x="0" y="6"/>
+                  </a:lnTo>
+                  <a:lnTo>
+                    <a:pt x="15" y="0"/>
+                  </a:lnTo>
+                  <a:lnTo>
+                    <a:pt x="63" y="114"/>
+                  </a:lnTo>
+                  <a:lnTo>
+                    <a:pt x="266" y="320"/>
+                  </a:lnTo>
+                  <a:lnTo>
+                    <a:pt x="257" y="332"/>
+                  </a:lnTo>
+                  <a:close/>
+                </a:path>
+              </a:pathLst>
+            </a:custGeom>
+            <a:grpFill/>
+            <a:ln>
+              <a:noFill/>
+            </a:ln>
+            <a:extLst>
+              <a:ext uri="{91240B29-F687-4f45-9708-019B960494DF}">
+                <a14:hiddenLine xmlns:a14="http://schemas.microsoft.com/office/drawing/2010/main" xmlns:p14="http://schemas.microsoft.com/office/powerpoint/2010/main" xmlns:a16="http://schemas.microsoft.com/office/drawing/2014/main" xmlns="" w="9525">
+                  <a:solidFill>
+                    <a:srgbClr val="000000"/>
+                  </a:solidFill>
+                  <a:round/>
+                  <a:headEnd/>
+                  <a:tailEnd/>
+                </a14:hiddenLine>
+              </a:ext>
+            </a:extLst>
+          </p:spPr>
+        </p:sp>
+        <p:sp>
+          <p:nvSpPr>
+            <p:cNvPr id="31" name="Freeform 15">
+              <a:extLst>
+                <a:ext uri="{FF2B5EF4-FFF2-40B4-BE49-F238E27FC236}">
+                  <a16:creationId xmlns:a16="http://schemas.microsoft.com/office/drawing/2014/main" id="{B4E516DB-F66E-4E88-8CAA-67153F56189D}"/>
+                </a:ext>
+                <a:ext uri="{C183D7F6-B498-43B3-948B-1728B52AA6E4}">
+                  <adec:decorative xmlns:adec="http://schemas.microsoft.com/office/drawing/2017/decorative" val="1"/>
+                </a:ext>
+              </a:extLst>
+            </p:cNvPr>
+            <p:cNvSpPr>
+              <a:spLocks noEditPoints="1"/>
+            </p:cNvSpPr>
+            <p:nvPr>
+              <p:extLst>
+                <p:ext uri="{386F3935-93C4-4BCD-93E2-E3B085C9AB24}">
+                  <p16:designElem xmlns:p16="http://schemas.microsoft.com/office/powerpoint/2015/main" val="1"/>
+                </p:ext>
+              </p:extLst>
+            </p:nvPr>
+          </p:nvSpPr>
+          <p:spPr bwMode="auto">
+            <a:xfrm>
+              <a:off x="1020762" y="488950"/>
+              <a:ext cx="161925" cy="147638"/>
+            </a:xfrm>
+            <a:custGeom>
+              <a:avLst/>
+              <a:gdLst/>
+              <a:ahLst/>
+              <a:cxnLst/>
+              <a:rect l="0" t="0" r="r" b="b"/>
+              <a:pathLst>
+                <a:path w="34" h="31">
+                  <a:moveTo>
+                    <a:pt x="17" y="31"/>
+                  </a:moveTo>
+                  <a:cubicBezTo>
+                    <a:pt x="13" y="31"/>
+                    <a:pt x="9" y="30"/>
+                    <a:pt x="6" y="27"/>
+                  </a:cubicBezTo>
+                  <a:cubicBezTo>
+                    <a:pt x="0" y="20"/>
+                    <a:pt x="0" y="10"/>
+                    <a:pt x="6" y="4"/>
+                  </a:cubicBezTo>
+                  <a:cubicBezTo>
+                    <a:pt x="9" y="1"/>
+                    <a:pt x="13" y="0"/>
+                    <a:pt x="17" y="0"/>
+                  </a:cubicBezTo>
+                  <a:cubicBezTo>
+                    <a:pt x="21" y="0"/>
+                    <a:pt x="25" y="1"/>
+                    <a:pt x="28" y="4"/>
+                  </a:cubicBezTo>
+                  <a:cubicBezTo>
+                    <a:pt x="34" y="10"/>
+                    <a:pt x="34" y="20"/>
+                    <a:pt x="28" y="27"/>
+                  </a:cubicBezTo>
+                  <a:cubicBezTo>
+                    <a:pt x="25" y="30"/>
+                    <a:pt x="21" y="31"/>
+                    <a:pt x="17" y="31"/>
+                  </a:cubicBezTo>
+                  <a:close/>
+                  <a:moveTo>
+                    <a:pt x="17" y="4"/>
+                  </a:moveTo>
+                  <a:cubicBezTo>
+                    <a:pt x="14" y="4"/>
+                    <a:pt x="11" y="5"/>
+                    <a:pt x="9" y="7"/>
+                  </a:cubicBezTo>
+                  <a:cubicBezTo>
+                    <a:pt x="4" y="12"/>
+                    <a:pt x="4" y="19"/>
+                    <a:pt x="9" y="24"/>
+                  </a:cubicBezTo>
+                  <a:cubicBezTo>
+                    <a:pt x="11" y="26"/>
+                    <a:pt x="14" y="27"/>
+                    <a:pt x="17" y="27"/>
+                  </a:cubicBezTo>
+                  <a:cubicBezTo>
+                    <a:pt x="20" y="27"/>
+                    <a:pt x="23" y="26"/>
+                    <a:pt x="25" y="24"/>
+                  </a:cubicBezTo>
+                  <a:cubicBezTo>
+                    <a:pt x="30" y="19"/>
+                    <a:pt x="30" y="12"/>
+                    <a:pt x="25" y="7"/>
+                  </a:cubicBezTo>
+                  <a:cubicBezTo>
+                    <a:pt x="23" y="5"/>
+                    <a:pt x="20" y="4"/>
+                    <a:pt x="17" y="4"/>
+                  </a:cubicBezTo>
+                  <a:close/>
+                </a:path>
+              </a:pathLst>
+            </a:custGeom>
+            <a:grpFill/>
+            <a:ln>
+              <a:noFill/>
+            </a:ln>
+            <a:extLst>
+              <a:ext uri="{91240B29-F687-4f45-9708-019B960494DF}">
+                <a14:hiddenLine xmlns:a14="http://schemas.microsoft.com/office/drawing/2010/main" xmlns:p14="http://schemas.microsoft.com/office/powerpoint/2010/main" xmlns:a16="http://schemas.microsoft.com/office/drawing/2014/main" xmlns="" w="9525">
+                  <a:solidFill>
+                    <a:srgbClr val="000000"/>
+                  </a:solidFill>
+                  <a:round/>
+                  <a:headEnd/>
+                  <a:tailEnd/>
+                </a14:hiddenLine>
+              </a:ext>
+            </a:extLst>
+          </p:spPr>
+        </p:sp>
+        <p:sp>
+          <p:nvSpPr>
+            <p:cNvPr id="32" name="Line 16">
+              <a:extLst>
+                <a:ext uri="{FF2B5EF4-FFF2-40B4-BE49-F238E27FC236}">
+                  <a16:creationId xmlns:a16="http://schemas.microsoft.com/office/drawing/2014/main" id="{DF749FDD-DD56-4DC9-A379-77E1106981DC}"/>
+                </a:ext>
+                <a:ext uri="{C183D7F6-B498-43B3-948B-1728B52AA6E4}">
+                  <adec:decorative xmlns:adec="http://schemas.microsoft.com/office/drawing/2017/decorative" val="1"/>
+                </a:ext>
+              </a:extLst>
+            </p:cNvPr>
+            <p:cNvSpPr>
+              <a:spLocks noChangeShapeType="1"/>
+            </p:cNvSpPr>
+            <p:nvPr>
+              <p:extLst>
+                <p:ext uri="{386F3935-93C4-4BCD-93E2-E3B085C9AB24}">
+                  <p16:designElem xmlns:p16="http://schemas.microsoft.com/office/powerpoint/2015/main" val="1"/>
+                </p:ext>
+              </p:extLst>
+            </p:nvPr>
+          </p:nvSpPr>
+          <p:spPr bwMode="auto">
+            <a:xfrm>
+              <a:off x="-4763" y="9525"/>
+              <a:ext cx="0" cy="0"/>
+            </a:xfrm>
+            <a:prstGeom prst="line">
+              <a:avLst/>
+            </a:prstGeom>
+            <a:grpFill/>
+            <a:ln w="15" cap="flat">
+              <a:solidFill>
+                <a:srgbClr val="FFFFFF"/>
+              </a:solidFill>
+              <a:prstDash val="solid"/>
+              <a:miter lim="800000"/>
+              <a:headEnd/>
+              <a:tailEnd/>
+            </a:ln>
+          </p:spPr>
+        </p:sp>
+        <p:sp>
+          <p:nvSpPr>
+            <p:cNvPr id="33" name="Freeform 17">
+              <a:extLst>
+                <a:ext uri="{FF2B5EF4-FFF2-40B4-BE49-F238E27FC236}">
+                  <a16:creationId xmlns:a16="http://schemas.microsoft.com/office/drawing/2014/main" id="{6AD95087-E0AF-45D3-B824-EFFCBBECDEB1}"/>
+                </a:ext>
+                <a:ext uri="{C183D7F6-B498-43B3-948B-1728B52AA6E4}">
+                  <adec:decorative xmlns:adec="http://schemas.microsoft.com/office/drawing/2017/decorative" val="1"/>
+                </a:ext>
+              </a:extLst>
+            </p:cNvPr>
+            <p:cNvSpPr/>
+            <p:nvPr>
+              <p:extLst>
+                <p:ext uri="{386F3935-93C4-4BCD-93E2-E3B085C9AB24}">
+                  <p16:designElem xmlns:p16="http://schemas.microsoft.com/office/powerpoint/2015/main" val="1"/>
+                </p:ext>
+              </p:extLst>
+            </p:nvPr>
+          </p:nvSpPr>
+          <p:spPr bwMode="auto">
+            <a:xfrm>
+              <a:off x="9525" y="1801813"/>
+              <a:ext cx="123825" cy="127000"/>
+            </a:xfrm>
+            <a:custGeom>
+              <a:avLst/>
+              <a:gdLst/>
+              <a:ahLst/>
+              <a:cxnLst/>
+              <a:rect l="0" t="0" r="r" b="b"/>
+              <a:pathLst>
+                <a:path w="78" h="80">
+                  <a:moveTo>
+                    <a:pt x="6" y="80"/>
+                  </a:moveTo>
+                  <a:lnTo>
+                    <a:pt x="0" y="71"/>
+                  </a:lnTo>
+                  <a:lnTo>
+                    <a:pt x="69" y="0"/>
+                  </a:lnTo>
+                  <a:lnTo>
+                    <a:pt x="78" y="9"/>
+                  </a:lnTo>
+                  <a:lnTo>
+                    <a:pt x="6" y="80"/>
+                  </a:lnTo>
+                  <a:close/>
+                </a:path>
+              </a:pathLst>
+            </a:custGeom>
+            <a:grpFill/>
+            <a:ln>
+              <a:noFill/>
+            </a:ln>
+            <a:extLst>
+              <a:ext uri="{91240B29-F687-4f45-9708-019B960494DF}">
+                <a14:hiddenLine xmlns:a14="http://schemas.microsoft.com/office/drawing/2010/main" xmlns:p14="http://schemas.microsoft.com/office/powerpoint/2010/main" xmlns:a16="http://schemas.microsoft.com/office/drawing/2014/main" xmlns="" w="9525">
+                  <a:solidFill>
+                    <a:srgbClr val="000000"/>
+                  </a:solidFill>
+                  <a:round/>
+                  <a:headEnd/>
+                  <a:tailEnd/>
+                </a14:hiddenLine>
+              </a:ext>
+            </a:extLst>
+          </p:spPr>
+        </p:sp>
+        <p:sp>
+          <p:nvSpPr>
+            <p:cNvPr id="34" name="Freeform 18">
+              <a:extLst>
+                <a:ext uri="{FF2B5EF4-FFF2-40B4-BE49-F238E27FC236}">
+                  <a16:creationId xmlns:a16="http://schemas.microsoft.com/office/drawing/2014/main" id="{2D21010F-3DE2-4881-B9D5-3415C4E05DAC}"/>
+                </a:ext>
+                <a:ext uri="{C183D7F6-B498-43B3-948B-1728B52AA6E4}">
+                  <adec:decorative xmlns:adec="http://schemas.microsoft.com/office/drawing/2017/decorative" val="1"/>
+                </a:ext>
+              </a:extLst>
+            </p:cNvPr>
+            <p:cNvSpPr/>
+            <p:nvPr>
+              <p:extLst>
+                <p:ext uri="{386F3935-93C4-4BCD-93E2-E3B085C9AB24}">
+                  <p16:designElem xmlns:p16="http://schemas.microsoft.com/office/powerpoint/2015/main" val="1"/>
+                </p:ext>
+              </p:extLst>
+            </p:nvPr>
+          </p:nvSpPr>
+          <p:spPr bwMode="auto">
+            <a:xfrm>
+              <a:off x="-9525" y="3549650"/>
+              <a:ext cx="147638" cy="481013"/>
+            </a:xfrm>
+            <a:custGeom>
+              <a:avLst/>
+              <a:gdLst/>
+              <a:ahLst/>
+              <a:cxnLst/>
+              <a:rect l="0" t="0" r="r" b="b"/>
+              <a:pathLst>
+                <a:path w="93" h="303">
+                  <a:moveTo>
+                    <a:pt x="93" y="303"/>
+                  </a:moveTo>
+                  <a:lnTo>
+                    <a:pt x="78" y="303"/>
+                  </a:lnTo>
+                  <a:lnTo>
+                    <a:pt x="78" y="78"/>
+                  </a:lnTo>
+                  <a:lnTo>
+                    <a:pt x="0" y="12"/>
+                  </a:lnTo>
+                  <a:lnTo>
+                    <a:pt x="12" y="0"/>
+                  </a:lnTo>
+                  <a:lnTo>
+                    <a:pt x="93" y="69"/>
+                  </a:lnTo>
+                  <a:lnTo>
+                    <a:pt x="93" y="303"/>
+                  </a:lnTo>
+                  <a:close/>
+                </a:path>
+              </a:pathLst>
+            </a:custGeom>
+            <a:grpFill/>
+            <a:ln>
+              <a:noFill/>
+            </a:ln>
+            <a:extLst>
+              <a:ext uri="{91240B29-F687-4f45-9708-019B960494DF}">
+                <a14:hiddenLine xmlns:a14="http://schemas.microsoft.com/office/drawing/2010/main" xmlns:p14="http://schemas.microsoft.com/office/powerpoint/2010/main" xmlns:a16="http://schemas.microsoft.com/office/drawing/2014/main" xmlns="" w="9525">
+                  <a:solidFill>
+                    <a:srgbClr val="000000"/>
+                  </a:solidFill>
+                  <a:round/>
+                  <a:headEnd/>
+                  <a:tailEnd/>
+                </a14:hiddenLine>
+              </a:ext>
+            </a:extLst>
+          </p:spPr>
+        </p:sp>
+        <p:sp>
+          <p:nvSpPr>
+            <p:cNvPr id="35" name="Freeform 19">
+              <a:extLst>
+                <a:ext uri="{FF2B5EF4-FFF2-40B4-BE49-F238E27FC236}">
+                  <a16:creationId xmlns:a16="http://schemas.microsoft.com/office/drawing/2014/main" id="{2AFDF4BC-8E99-4A2C-9EF2-4B98A05C2E3B}"/>
+                </a:ext>
+                <a:ext uri="{C183D7F6-B498-43B3-948B-1728B52AA6E4}">
+                  <adec:decorative xmlns:adec="http://schemas.microsoft.com/office/drawing/2017/decorative" val="1"/>
+                </a:ext>
+              </a:extLst>
+            </p:cNvPr>
+            <p:cNvSpPr/>
+            <p:nvPr>
+              <p:extLst>
+                <p:ext uri="{386F3935-93C4-4BCD-93E2-E3B085C9AB24}">
+                  <p16:designElem xmlns:p16="http://schemas.microsoft.com/office/powerpoint/2015/main" val="1"/>
+                </p:ext>
+              </p:extLst>
+            </p:nvPr>
+          </p:nvSpPr>
+          <p:spPr bwMode="auto">
+            <a:xfrm>
+              <a:off x="128587" y="1382713"/>
+              <a:ext cx="142875" cy="476250"/>
+            </a:xfrm>
+            <a:custGeom>
+              <a:avLst/>
+              <a:gdLst/>
+              <a:ahLst/>
+              <a:cxnLst/>
+              <a:rect l="0" t="0" r="r" b="b"/>
+              <a:pathLst>
+                <a:path w="90" h="300">
+                  <a:moveTo>
+                    <a:pt x="90" y="300"/>
+                  </a:moveTo>
+                  <a:lnTo>
+                    <a:pt x="78" y="300"/>
+                  </a:lnTo>
+                  <a:lnTo>
+                    <a:pt x="78" y="84"/>
+                  </a:lnTo>
+                  <a:lnTo>
+                    <a:pt x="0" y="9"/>
+                  </a:lnTo>
+                  <a:lnTo>
+                    <a:pt x="9" y="0"/>
+                  </a:lnTo>
+                  <a:lnTo>
+                    <a:pt x="90" y="81"/>
+                  </a:lnTo>
+                  <a:lnTo>
+                    <a:pt x="90" y="300"/>
+                  </a:lnTo>
+                  <a:close/>
+                </a:path>
+              </a:pathLst>
+            </a:custGeom>
+            <a:grpFill/>
+            <a:ln>
+              <a:noFill/>
+            </a:ln>
+            <a:extLst>
+              <a:ext uri="{91240B29-F687-4f45-9708-019B960494DF}">
+                <a14:hiddenLine xmlns:a14="http://schemas.microsoft.com/office/drawing/2010/main" xmlns:p14="http://schemas.microsoft.com/office/powerpoint/2010/main" xmlns:a16="http://schemas.microsoft.com/office/drawing/2014/main" xmlns="" w="9525">
+                  <a:solidFill>
+                    <a:srgbClr val="000000"/>
+                  </a:solidFill>
+                  <a:round/>
+                  <a:headEnd/>
+                  <a:tailEnd/>
+                </a14:hiddenLine>
+              </a:ext>
+            </a:extLst>
+          </p:spPr>
+        </p:sp>
+        <p:sp>
+          <p:nvSpPr>
+            <p:cNvPr id="36" name="Freeform 20">
+              <a:extLst>
+                <a:ext uri="{FF2B5EF4-FFF2-40B4-BE49-F238E27FC236}">
+                  <a16:creationId xmlns:a16="http://schemas.microsoft.com/office/drawing/2014/main" id="{BB8EAEE8-22EA-4103-A02E-5043474C4BE1}"/>
+                </a:ext>
+                <a:ext uri="{C183D7F6-B498-43B3-948B-1728B52AA6E4}">
+                  <adec:decorative xmlns:adec="http://schemas.microsoft.com/office/drawing/2017/decorative" val="1"/>
+                </a:ext>
+              </a:extLst>
+            </p:cNvPr>
+            <p:cNvSpPr>
+              <a:spLocks noEditPoints="1"/>
+            </p:cNvSpPr>
+            <p:nvPr>
+              <p:extLst>
+                <p:ext uri="{386F3935-93C4-4BCD-93E2-E3B085C9AB24}">
+                  <p16:designElem xmlns:p16="http://schemas.microsoft.com/office/powerpoint/2015/main" val="1"/>
+                </p:ext>
+              </p:extLst>
+            </p:nvPr>
+          </p:nvSpPr>
+          <p:spPr bwMode="auto">
+            <a:xfrm>
+              <a:off x="204787" y="1849438"/>
+              <a:ext cx="114300" cy="107950"/>
+            </a:xfrm>
+            <a:custGeom>
+              <a:avLst/>
+              <a:gdLst/>
+              <a:ahLst/>
+              <a:cxnLst/>
+              <a:rect l="0" t="0" r="r" b="b"/>
+              <a:pathLst>
+                <a:path w="24" h="23">
+                  <a:moveTo>
+                    <a:pt x="12" y="23"/>
+                  </a:moveTo>
+                  <a:cubicBezTo>
+                    <a:pt x="6" y="23"/>
+                    <a:pt x="0" y="18"/>
+                    <a:pt x="0" y="12"/>
+                  </a:cubicBezTo>
+                  <a:cubicBezTo>
+                    <a:pt x="0" y="5"/>
+                    <a:pt x="6" y="0"/>
+                    <a:pt x="12" y="0"/>
+                  </a:cubicBezTo>
+                  <a:cubicBezTo>
+                    <a:pt x="18" y="0"/>
+                    <a:pt x="24" y="5"/>
+                    <a:pt x="24" y="12"/>
+                  </a:cubicBezTo>
+                  <a:cubicBezTo>
+                    <a:pt x="24" y="18"/>
+                    <a:pt x="18" y="23"/>
+                    <a:pt x="12" y="23"/>
+                  </a:cubicBezTo>
+                  <a:close/>
+                  <a:moveTo>
+                    <a:pt x="12" y="4"/>
+                  </a:moveTo>
+                  <a:cubicBezTo>
+                    <a:pt x="8" y="4"/>
+                    <a:pt x="4" y="8"/>
+                    <a:pt x="4" y="12"/>
+                  </a:cubicBezTo>
+                  <a:cubicBezTo>
+                    <a:pt x="4" y="16"/>
+                    <a:pt x="8" y="19"/>
+                    <a:pt x="12" y="19"/>
+                  </a:cubicBezTo>
+                  <a:cubicBezTo>
+                    <a:pt x="16" y="19"/>
+                    <a:pt x="20" y="16"/>
+                    <a:pt x="20" y="12"/>
+                  </a:cubicBezTo>
+                  <a:cubicBezTo>
+                    <a:pt x="20" y="8"/>
+                    <a:pt x="16" y="4"/>
+                    <a:pt x="12" y="4"/>
+                  </a:cubicBezTo>
+                  <a:close/>
+                </a:path>
+              </a:pathLst>
+            </a:custGeom>
+            <a:grpFill/>
+            <a:ln>
+              <a:noFill/>
+            </a:ln>
+            <a:extLst>
+              <a:ext uri="{91240B29-F687-4f45-9708-019B960494DF}">
+                <a14:hiddenLine xmlns:a14="http://schemas.microsoft.com/office/drawing/2010/main" xmlns:p14="http://schemas.microsoft.com/office/powerpoint/2010/main" xmlns:a16="http://schemas.microsoft.com/office/drawing/2014/main" xmlns="" w="9525">
+                  <a:solidFill>
+                    <a:srgbClr val="000000"/>
+                  </a:solidFill>
+                  <a:round/>
+                  <a:headEnd/>
+                  <a:tailEnd/>
+                </a14:hiddenLine>
+              </a:ext>
+            </a:extLst>
+          </p:spPr>
+        </p:sp>
+        <p:sp>
+          <p:nvSpPr>
+            <p:cNvPr id="37" name="Rectangle 21">
+              <a:extLst>
+                <a:ext uri="{FF2B5EF4-FFF2-40B4-BE49-F238E27FC236}">
+                  <a16:creationId xmlns:a16="http://schemas.microsoft.com/office/drawing/2014/main" id="{7148ABD2-E447-429F-B97E-86494051C101}"/>
+                </a:ext>
+                <a:ext uri="{C183D7F6-B498-43B3-948B-1728B52AA6E4}">
+                  <adec:decorative xmlns:adec="http://schemas.microsoft.com/office/drawing/2017/decorative" val="1"/>
+                </a:ext>
+              </a:extLst>
+            </p:cNvPr>
+            <p:cNvSpPr>
+              <a:spLocks noChangeArrowheads="1"/>
+            </p:cNvSpPr>
+            <p:nvPr>
+              <p:extLst>
+                <p:ext uri="{386F3935-93C4-4BCD-93E2-E3B085C9AB24}">
+                  <p16:designElem xmlns:p16="http://schemas.microsoft.com/office/powerpoint/2015/main" val="1"/>
+                </p:ext>
+              </p:extLst>
+            </p:nvPr>
+          </p:nvSpPr>
+          <p:spPr bwMode="auto">
+            <a:xfrm>
+              <a:off x="133350" y="4662488"/>
+              <a:ext cx="23813" cy="2181225"/>
+            </a:xfrm>
+            <a:prstGeom prst="rect">
+              <a:avLst/>
+            </a:prstGeom>
+            <a:grpFill/>
+            <a:ln>
+              <a:noFill/>
+            </a:ln>
+            <a:extLst>
+              <a:ext uri="{91240B29-F687-4f45-9708-019B960494DF}">
+                <a14:hiddenLine xmlns:a14="http://schemas.microsoft.com/office/drawing/2010/main" xmlns:p14="http://schemas.microsoft.com/office/powerpoint/2010/main" xmlns:a16="http://schemas.microsoft.com/office/drawing/2014/main" xmlns="" w="9525">
+                  <a:solidFill>
+                    <a:srgbClr val="000000"/>
+                  </a:solidFill>
+                  <a:miter lim="800000"/>
+                  <a:headEnd/>
+                  <a:tailEnd/>
+                </a14:hiddenLine>
+              </a:ext>
+            </a:extLst>
+          </p:spPr>
+        </p:sp>
+        <p:sp>
+          <p:nvSpPr>
+            <p:cNvPr id="38" name="Freeform 22">
+              <a:extLst>
+                <a:ext uri="{FF2B5EF4-FFF2-40B4-BE49-F238E27FC236}">
+                  <a16:creationId xmlns:a16="http://schemas.microsoft.com/office/drawing/2014/main" id="{99900F4A-F8CA-456E-9FA0-34572621C09B}"/>
+                </a:ext>
+                <a:ext uri="{C183D7F6-B498-43B3-948B-1728B52AA6E4}">
+                  <adec:decorative xmlns:adec="http://schemas.microsoft.com/office/drawing/2017/decorative" val="1"/>
+                </a:ext>
+              </a:extLst>
+            </p:cNvPr>
+            <p:cNvSpPr/>
+            <p:nvPr>
+              <p:extLst>
+                <p:ext uri="{386F3935-93C4-4BCD-93E2-E3B085C9AB24}">
+                  <p16:designElem xmlns:p16="http://schemas.microsoft.com/office/powerpoint/2015/main" val="1"/>
+                </p:ext>
+              </p:extLst>
+            </p:nvPr>
+          </p:nvSpPr>
+          <p:spPr bwMode="auto">
+            <a:xfrm>
+              <a:off x="223837" y="5041900"/>
+              <a:ext cx="369888" cy="1801813"/>
+            </a:xfrm>
+            <a:custGeom>
+              <a:avLst/>
+              <a:gdLst/>
+              <a:ahLst/>
+              <a:cxnLst/>
+              <a:rect l="0" t="0" r="r" b="b"/>
+              <a:pathLst>
+                <a:path w="233" h="1135">
+                  <a:moveTo>
+                    <a:pt x="15" y="1135"/>
+                  </a:moveTo>
+                  <a:lnTo>
+                    <a:pt x="0" y="1135"/>
+                  </a:lnTo>
+                  <a:lnTo>
+                    <a:pt x="0" y="515"/>
+                  </a:lnTo>
+                  <a:lnTo>
+                    <a:pt x="0" y="512"/>
+                  </a:lnTo>
+                  <a:lnTo>
+                    <a:pt x="218" y="0"/>
+                  </a:lnTo>
+                  <a:lnTo>
+                    <a:pt x="233" y="6"/>
+                  </a:lnTo>
+                  <a:lnTo>
+                    <a:pt x="15" y="518"/>
+                  </a:lnTo>
+                  <a:lnTo>
+                    <a:pt x="15" y="1135"/>
+                  </a:lnTo>
+                  <a:close/>
+                </a:path>
+              </a:pathLst>
+            </a:custGeom>
+            <a:grpFill/>
+            <a:ln>
+              <a:noFill/>
+            </a:ln>
+            <a:extLst>
+              <a:ext uri="{91240B29-F687-4f45-9708-019B960494DF}">
+                <a14:hiddenLine xmlns:a14="http://schemas.microsoft.com/office/drawing/2010/main" xmlns:p14="http://schemas.microsoft.com/office/powerpoint/2010/main" xmlns:a16="http://schemas.microsoft.com/office/drawing/2014/main" xmlns="" w="9525">
+                  <a:solidFill>
+                    <a:srgbClr val="000000"/>
+                  </a:solidFill>
+                  <a:round/>
+                  <a:headEnd/>
+                  <a:tailEnd/>
+                </a14:hiddenLine>
+              </a:ext>
+            </a:extLst>
+          </p:spPr>
+        </p:sp>
+        <p:sp>
+          <p:nvSpPr>
+            <p:cNvPr id="39" name="Freeform 23">
+              <a:extLst>
+                <a:ext uri="{FF2B5EF4-FFF2-40B4-BE49-F238E27FC236}">
+                  <a16:creationId xmlns:a16="http://schemas.microsoft.com/office/drawing/2014/main" id="{DF5CD0A9-E49B-4968-886B-41C1A66D2329}"/>
+                </a:ext>
+                <a:ext uri="{C183D7F6-B498-43B3-948B-1728B52AA6E4}">
+                  <adec:decorative xmlns:adec="http://schemas.microsoft.com/office/drawing/2017/decorative" val="1"/>
+                </a:ext>
+              </a:extLst>
+            </p:cNvPr>
+            <p:cNvSpPr>
+              <a:spLocks noEditPoints="1"/>
+            </p:cNvSpPr>
+            <p:nvPr>
+              <p:extLst>
+                <p:ext uri="{386F3935-93C4-4BCD-93E2-E3B085C9AB24}">
+                  <p16:designElem xmlns:p16="http://schemas.microsoft.com/office/powerpoint/2015/main" val="1"/>
+                </p:ext>
+              </p:extLst>
+            </p:nvPr>
+          </p:nvSpPr>
+          <p:spPr bwMode="auto">
+            <a:xfrm>
+              <a:off x="52387" y="4481513"/>
+              <a:ext cx="190500" cy="190500"/>
+            </a:xfrm>
+            <a:custGeom>
+              <a:avLst/>
+              <a:gdLst/>
+              <a:ahLst/>
+              <a:cxnLst/>
+              <a:rect l="0" t="0" r="r" b="b"/>
+              <a:pathLst>
+                <a:path w="40" h="40">
+                  <a:moveTo>
+                    <a:pt x="20" y="40"/>
+                  </a:moveTo>
+                  <a:cubicBezTo>
+                    <a:pt x="9" y="40"/>
+                    <a:pt x="0" y="31"/>
+                    <a:pt x="0" y="20"/>
+                  </a:cubicBezTo>
+                  <a:cubicBezTo>
+                    <a:pt x="0" y="9"/>
+                    <a:pt x="9" y="0"/>
+                    <a:pt x="20" y="0"/>
+                  </a:cubicBezTo>
+                  <a:cubicBezTo>
+                    <a:pt x="31" y="0"/>
+                    <a:pt x="40" y="9"/>
+                    <a:pt x="40" y="20"/>
+                  </a:cubicBezTo>
+                  <a:cubicBezTo>
+                    <a:pt x="40" y="31"/>
+                    <a:pt x="31" y="40"/>
+                    <a:pt x="20" y="40"/>
+                  </a:cubicBezTo>
+                  <a:close/>
+                  <a:moveTo>
+                    <a:pt x="20" y="4"/>
+                  </a:moveTo>
+                  <a:cubicBezTo>
+                    <a:pt x="11" y="4"/>
+                    <a:pt x="4" y="11"/>
+                    <a:pt x="4" y="20"/>
+                  </a:cubicBezTo>
+                  <a:cubicBezTo>
+                    <a:pt x="4" y="29"/>
+                    <a:pt x="11" y="36"/>
+                    <a:pt x="20" y="36"/>
+                  </a:cubicBezTo>
+                  <a:cubicBezTo>
+                    <a:pt x="28" y="36"/>
+                    <a:pt x="36" y="29"/>
+                    <a:pt x="36" y="20"/>
+                  </a:cubicBezTo>
+                  <a:cubicBezTo>
+                    <a:pt x="36" y="11"/>
+                    <a:pt x="28" y="4"/>
+                    <a:pt x="20" y="4"/>
+                  </a:cubicBezTo>
+                  <a:close/>
+                </a:path>
+              </a:pathLst>
+            </a:custGeom>
+            <a:grpFill/>
+            <a:ln>
+              <a:noFill/>
+            </a:ln>
+            <a:extLst>
+              <a:ext uri="{91240B29-F687-4f45-9708-019B960494DF}">
+                <a14:hiddenLine xmlns:a14="http://schemas.microsoft.com/office/drawing/2010/main" xmlns:p14="http://schemas.microsoft.com/office/powerpoint/2010/main" xmlns:a16="http://schemas.microsoft.com/office/drawing/2014/main" xmlns="" w="9525">
+                  <a:solidFill>
+                    <a:srgbClr val="000000"/>
+                  </a:solidFill>
+                  <a:round/>
+                  <a:headEnd/>
+                  <a:tailEnd/>
+                </a14:hiddenLine>
+              </a:ext>
+            </a:extLst>
+          </p:spPr>
+        </p:sp>
+        <p:sp>
+          <p:nvSpPr>
+            <p:cNvPr id="40" name="Freeform 24">
+              <a:extLst>
+                <a:ext uri="{FF2B5EF4-FFF2-40B4-BE49-F238E27FC236}">
+                  <a16:creationId xmlns:a16="http://schemas.microsoft.com/office/drawing/2014/main" id="{7E462582-7383-4272-A323-85C9D137C47C}"/>
+                </a:ext>
+                <a:ext uri="{C183D7F6-B498-43B3-948B-1728B52AA6E4}">
+                  <adec:decorative xmlns:adec="http://schemas.microsoft.com/office/drawing/2017/decorative" val="1"/>
+                </a:ext>
+              </a:extLst>
+            </p:cNvPr>
+            <p:cNvSpPr/>
+            <p:nvPr>
+              <p:extLst>
+                <p:ext uri="{386F3935-93C4-4BCD-93E2-E3B085C9AB24}">
+                  <p16:designElem xmlns:p16="http://schemas.microsoft.com/office/powerpoint/2015/main" val="1"/>
+                </p:ext>
+              </p:extLst>
+            </p:nvPr>
+          </p:nvSpPr>
+          <p:spPr bwMode="auto">
+            <a:xfrm>
+              <a:off x="-14288" y="5627688"/>
+              <a:ext cx="85725" cy="1216025"/>
+            </a:xfrm>
+            <a:custGeom>
+              <a:avLst/>
+              <a:gdLst/>
+              <a:ahLst/>
+              <a:cxnLst/>
+              <a:rect l="0" t="0" r="r" b="b"/>
+              <a:pathLst>
+                <a:path w="54" h="766">
+                  <a:moveTo>
+                    <a:pt x="54" y="766"/>
+                  </a:moveTo>
+                  <a:lnTo>
+                    <a:pt x="36" y="766"/>
+                  </a:lnTo>
+                  <a:lnTo>
+                    <a:pt x="36" y="149"/>
+                  </a:lnTo>
+                  <a:lnTo>
+                    <a:pt x="0" y="3"/>
+                  </a:lnTo>
+                  <a:lnTo>
+                    <a:pt x="18" y="0"/>
+                  </a:lnTo>
+                  <a:lnTo>
+                    <a:pt x="54" y="146"/>
+                  </a:lnTo>
+                  <a:lnTo>
+                    <a:pt x="54" y="766"/>
+                  </a:lnTo>
+                  <a:close/>
+                </a:path>
+              </a:pathLst>
+            </a:custGeom>
+            <a:grpFill/>
+            <a:ln>
+              <a:noFill/>
+            </a:ln>
+            <a:extLst>
+              <a:ext uri="{91240B29-F687-4f45-9708-019B960494DF}">
+                <a14:hiddenLine xmlns:a14="http://schemas.microsoft.com/office/drawing/2010/main" xmlns:p14="http://schemas.microsoft.com/office/powerpoint/2010/main" xmlns:a16="http://schemas.microsoft.com/office/drawing/2014/main" xmlns="" w="9525">
+                  <a:solidFill>
+                    <a:srgbClr val="000000"/>
+                  </a:solidFill>
+                  <a:round/>
+                  <a:headEnd/>
+                  <a:tailEnd/>
+                </a14:hiddenLine>
+              </a:ext>
+            </a:extLst>
+          </p:spPr>
+        </p:sp>
+        <p:sp>
+          <p:nvSpPr>
+            <p:cNvPr id="41" name="Freeform 25">
+              <a:extLst>
+                <a:ext uri="{FF2B5EF4-FFF2-40B4-BE49-F238E27FC236}">
+                  <a16:creationId xmlns:a16="http://schemas.microsoft.com/office/drawing/2014/main" id="{CB472F67-7C37-4D80-B346-DE30D44B55A0}"/>
+                </a:ext>
+                <a:ext uri="{C183D7F6-B498-43B3-948B-1728B52AA6E4}">
+                  <adec:decorative xmlns:adec="http://schemas.microsoft.com/office/drawing/2017/decorative" val="1"/>
+                </a:ext>
+              </a:extLst>
+            </p:cNvPr>
+            <p:cNvSpPr>
+              <a:spLocks noEditPoints="1"/>
+            </p:cNvSpPr>
+            <p:nvPr>
+              <p:extLst>
+                <p:ext uri="{386F3935-93C4-4BCD-93E2-E3B085C9AB24}">
+                  <p16:designElem xmlns:p16="http://schemas.microsoft.com/office/powerpoint/2015/main" val="1"/>
+                </p:ext>
+              </p:extLst>
+            </p:nvPr>
+          </p:nvSpPr>
+          <p:spPr bwMode="auto">
+            <a:xfrm>
+              <a:off x="527050" y="4867275"/>
+              <a:ext cx="190500" cy="188913"/>
+            </a:xfrm>
+            <a:custGeom>
+              <a:avLst/>
+              <a:gdLst/>
+              <a:ahLst/>
+              <a:cxnLst/>
+              <a:rect l="0" t="0" r="r" b="b"/>
+              <a:pathLst>
+                <a:path w="40" h="40">
+                  <a:moveTo>
+                    <a:pt x="20" y="40"/>
+                  </a:moveTo>
+                  <a:cubicBezTo>
+                    <a:pt x="9" y="40"/>
+                    <a:pt x="0" y="31"/>
+                    <a:pt x="0" y="20"/>
+                  </a:cubicBezTo>
+                  <a:cubicBezTo>
+                    <a:pt x="0" y="9"/>
+                    <a:pt x="9" y="0"/>
+                    <a:pt x="20" y="0"/>
+                  </a:cubicBezTo>
+                  <a:cubicBezTo>
+                    <a:pt x="31" y="0"/>
+                    <a:pt x="40" y="9"/>
+                    <a:pt x="40" y="20"/>
+                  </a:cubicBezTo>
+                  <a:cubicBezTo>
+                    <a:pt x="40" y="31"/>
+                    <a:pt x="31" y="40"/>
+                    <a:pt x="20" y="40"/>
+                  </a:cubicBezTo>
+                  <a:close/>
+                  <a:moveTo>
+                    <a:pt x="20" y="4"/>
+                  </a:moveTo>
+                  <a:cubicBezTo>
+                    <a:pt x="11" y="4"/>
+                    <a:pt x="4" y="11"/>
+                    <a:pt x="4" y="20"/>
+                  </a:cubicBezTo>
+                  <a:cubicBezTo>
+                    <a:pt x="4" y="29"/>
+                    <a:pt x="11" y="36"/>
+                    <a:pt x="20" y="36"/>
+                  </a:cubicBezTo>
+                  <a:cubicBezTo>
+                    <a:pt x="29" y="36"/>
+                    <a:pt x="36" y="29"/>
+                    <a:pt x="36" y="20"/>
+                  </a:cubicBezTo>
+                  <a:cubicBezTo>
+                    <a:pt x="36" y="11"/>
+                    <a:pt x="29" y="4"/>
+                    <a:pt x="20" y="4"/>
+                  </a:cubicBezTo>
+                  <a:close/>
+                </a:path>
+              </a:pathLst>
+            </a:custGeom>
+            <a:grpFill/>
+            <a:ln>
+              <a:noFill/>
+            </a:ln>
+            <a:extLst>
+              <a:ext uri="{91240B29-F687-4f45-9708-019B960494DF}">
+                <a14:hiddenLine xmlns:a14="http://schemas.microsoft.com/office/drawing/2010/main" xmlns:p14="http://schemas.microsoft.com/office/powerpoint/2010/main" xmlns:a16="http://schemas.microsoft.com/office/drawing/2014/main" xmlns="" w="9525">
+                  <a:solidFill>
+                    <a:srgbClr val="000000"/>
+                  </a:solidFill>
+                  <a:round/>
+                  <a:headEnd/>
+                  <a:tailEnd/>
+                </a14:hiddenLine>
+              </a:ext>
+            </a:extLst>
+          </p:spPr>
+        </p:sp>
+        <p:sp>
+          <p:nvSpPr>
+            <p:cNvPr id="42" name="Freeform 26">
+              <a:extLst>
+                <a:ext uri="{FF2B5EF4-FFF2-40B4-BE49-F238E27FC236}">
+                  <a16:creationId xmlns:a16="http://schemas.microsoft.com/office/drawing/2014/main" id="{19A8AE83-358F-4D4E-91C7-F09E35097AA1}"/>
+                </a:ext>
+                <a:ext uri="{C183D7F6-B498-43B3-948B-1728B52AA6E4}">
+                  <adec:decorative xmlns:adec="http://schemas.microsoft.com/office/drawing/2017/decorative" val="1"/>
+                </a:ext>
+              </a:extLst>
+            </p:cNvPr>
+            <p:cNvSpPr/>
+            <p:nvPr>
+              <p:extLst>
+                <p:ext uri="{386F3935-93C4-4BCD-93E2-E3B085C9AB24}">
+                  <p16:designElem xmlns:p16="http://schemas.microsoft.com/office/powerpoint/2015/main" val="1"/>
+                </p:ext>
+              </p:extLst>
+            </p:nvPr>
+          </p:nvSpPr>
+          <p:spPr bwMode="auto">
+            <a:xfrm>
+              <a:off x="309562" y="5422900"/>
+              <a:ext cx="374650" cy="1425575"/>
+            </a:xfrm>
+            <a:custGeom>
+              <a:avLst/>
+              <a:gdLst/>
+              <a:ahLst/>
+              <a:cxnLst/>
+              <a:rect l="0" t="0" r="r" b="b"/>
+              <a:pathLst>
+                <a:path w="236" h="898">
+                  <a:moveTo>
+                    <a:pt x="18" y="898"/>
+                  </a:moveTo>
+                  <a:lnTo>
+                    <a:pt x="0" y="898"/>
+                  </a:lnTo>
+                  <a:lnTo>
+                    <a:pt x="0" y="515"/>
+                  </a:lnTo>
+                  <a:lnTo>
+                    <a:pt x="3" y="512"/>
+                  </a:lnTo>
+                  <a:lnTo>
+                    <a:pt x="221" y="0"/>
+                  </a:lnTo>
+                  <a:lnTo>
+                    <a:pt x="236" y="6"/>
+                  </a:lnTo>
+                  <a:lnTo>
+                    <a:pt x="18" y="518"/>
+                  </a:lnTo>
+                  <a:lnTo>
+                    <a:pt x="18" y="898"/>
+                  </a:lnTo>
+                  <a:close/>
+                </a:path>
+              </a:pathLst>
+            </a:custGeom>
+            <a:grpFill/>
+            <a:ln>
+              <a:noFill/>
+            </a:ln>
+            <a:extLst>
+              <a:ext uri="{91240B29-F687-4f45-9708-019B960494DF}">
+                <a14:hiddenLine xmlns:a14="http://schemas.microsoft.com/office/drawing/2010/main" xmlns:p14="http://schemas.microsoft.com/office/powerpoint/2010/main" xmlns:a16="http://schemas.microsoft.com/office/drawing/2014/main" xmlns="" w="9525">
+                  <a:solidFill>
+                    <a:srgbClr val="000000"/>
+                  </a:solidFill>
+                  <a:round/>
+                  <a:headEnd/>
+                  <a:tailEnd/>
+                </a14:hiddenLine>
+              </a:ext>
+            </a:extLst>
+          </p:spPr>
+        </p:sp>
+        <p:sp>
+          <p:nvSpPr>
+            <p:cNvPr id="43" name="Freeform 27">
+              <a:extLst>
+                <a:ext uri="{FF2B5EF4-FFF2-40B4-BE49-F238E27FC236}">
+                  <a16:creationId xmlns:a16="http://schemas.microsoft.com/office/drawing/2014/main" id="{C4B79436-9285-45DE-A9FB-B3DD7507380C}"/>
+                </a:ext>
+                <a:ext uri="{C183D7F6-B498-43B3-948B-1728B52AA6E4}">
+                  <adec:decorative xmlns:adec="http://schemas.microsoft.com/office/drawing/2017/decorative" val="1"/>
+                </a:ext>
+              </a:extLst>
+            </p:cNvPr>
+            <p:cNvSpPr/>
+            <p:nvPr>
+              <p:extLst>
+                <p:ext uri="{386F3935-93C4-4BCD-93E2-E3B085C9AB24}">
+                  <p16:designElem xmlns:p16="http://schemas.microsoft.com/office/powerpoint/2015/main" val="1"/>
+                </p:ext>
+              </p:extLst>
+            </p:nvPr>
+          </p:nvSpPr>
+          <p:spPr bwMode="auto">
+            <a:xfrm>
+              <a:off x="569912" y="5945188"/>
+              <a:ext cx="152400" cy="912813"/>
+            </a:xfrm>
+            <a:custGeom>
+              <a:avLst/>
+              <a:gdLst/>
+              <a:ahLst/>
+              <a:cxnLst/>
+              <a:rect l="0" t="0" r="r" b="b"/>
+              <a:pathLst>
+                <a:path w="96" h="575">
+                  <a:moveTo>
+                    <a:pt x="15" y="575"/>
+                  </a:moveTo>
+                  <a:lnTo>
+                    <a:pt x="0" y="569"/>
+                  </a:lnTo>
+                  <a:lnTo>
+                    <a:pt x="81" y="383"/>
+                  </a:lnTo>
+                  <a:lnTo>
+                    <a:pt x="81" y="0"/>
+                  </a:lnTo>
+                  <a:lnTo>
+                    <a:pt x="96" y="0"/>
+                  </a:lnTo>
+                  <a:lnTo>
+                    <a:pt x="96" y="386"/>
+                  </a:lnTo>
+                  <a:lnTo>
+                    <a:pt x="15" y="575"/>
+                  </a:lnTo>
+                  <a:close/>
+                </a:path>
+              </a:pathLst>
+            </a:custGeom>
+            <a:grpFill/>
+            <a:ln>
+              <a:noFill/>
+            </a:ln>
+            <a:extLst>
+              <a:ext uri="{91240B29-F687-4f45-9708-019B960494DF}">
+                <a14:hiddenLine xmlns:a14="http://schemas.microsoft.com/office/drawing/2010/main" xmlns:p14="http://schemas.microsoft.com/office/powerpoint/2010/main" xmlns:a16="http://schemas.microsoft.com/office/drawing/2014/main" xmlns="" w="9525">
+                  <a:solidFill>
+                    <a:srgbClr val="000000"/>
+                  </a:solidFill>
+                  <a:round/>
+                  <a:headEnd/>
+                  <a:tailEnd/>
+                </a14:hiddenLine>
+              </a:ext>
+            </a:extLst>
+          </p:spPr>
+        </p:sp>
+        <p:sp>
+          <p:nvSpPr>
+            <p:cNvPr id="44" name="Freeform 28">
+              <a:extLst>
+                <a:ext uri="{FF2B5EF4-FFF2-40B4-BE49-F238E27FC236}">
+                  <a16:creationId xmlns:a16="http://schemas.microsoft.com/office/drawing/2014/main" id="{B0BF8BF3-C90A-483A-B61E-13D2C41FBAC5}"/>
+                </a:ext>
+                <a:ext uri="{C183D7F6-B498-43B3-948B-1728B52AA6E4}">
+                  <adec:decorative xmlns:adec="http://schemas.microsoft.com/office/drawing/2017/decorative" val="1"/>
+                </a:ext>
+              </a:extLst>
+            </p:cNvPr>
+            <p:cNvSpPr>
+              <a:spLocks noEditPoints="1"/>
+            </p:cNvSpPr>
+            <p:nvPr>
+              <p:extLst>
+                <p:ext uri="{386F3935-93C4-4BCD-93E2-E3B085C9AB24}">
+                  <p16:designElem xmlns:p16="http://schemas.microsoft.com/office/powerpoint/2015/main" val="1"/>
+                </p:ext>
+              </p:extLst>
+            </p:nvPr>
+          </p:nvSpPr>
+          <p:spPr bwMode="auto">
+            <a:xfrm>
+              <a:off x="612775" y="5246688"/>
+              <a:ext cx="190500" cy="190500"/>
+            </a:xfrm>
+            <a:custGeom>
+              <a:avLst/>
+              <a:gdLst/>
+              <a:ahLst/>
+              <a:cxnLst/>
+              <a:rect l="0" t="0" r="r" b="b"/>
+              <a:pathLst>
+                <a:path w="40" h="40">
+                  <a:moveTo>
+                    <a:pt x="20" y="40"/>
+                  </a:moveTo>
+                  <a:cubicBezTo>
+                    <a:pt x="9" y="40"/>
+                    <a:pt x="0" y="31"/>
+                    <a:pt x="0" y="20"/>
+                  </a:cubicBezTo>
+                  <a:cubicBezTo>
+                    <a:pt x="0" y="9"/>
+                    <a:pt x="9" y="0"/>
+                    <a:pt x="20" y="0"/>
+                  </a:cubicBezTo>
+                  <a:cubicBezTo>
+                    <a:pt x="31" y="0"/>
+                    <a:pt x="40" y="9"/>
+                    <a:pt x="40" y="20"/>
+                  </a:cubicBezTo>
+                  <a:cubicBezTo>
+                    <a:pt x="40" y="31"/>
+                    <a:pt x="31" y="40"/>
+                    <a:pt x="20" y="40"/>
+                  </a:cubicBezTo>
+                  <a:close/>
+                  <a:moveTo>
+                    <a:pt x="20" y="4"/>
+                  </a:moveTo>
+                  <a:cubicBezTo>
+                    <a:pt x="12" y="4"/>
+                    <a:pt x="4" y="11"/>
+                    <a:pt x="4" y="20"/>
+                  </a:cubicBezTo>
+                  <a:cubicBezTo>
+                    <a:pt x="4" y="29"/>
+                    <a:pt x="12" y="36"/>
+                    <a:pt x="20" y="36"/>
+                  </a:cubicBezTo>
+                  <a:cubicBezTo>
+                    <a:pt x="29" y="36"/>
+                    <a:pt x="36" y="29"/>
+                    <a:pt x="36" y="20"/>
+                  </a:cubicBezTo>
+                  <a:cubicBezTo>
+                    <a:pt x="36" y="11"/>
+                    <a:pt x="29" y="4"/>
+                    <a:pt x="20" y="4"/>
+                  </a:cubicBezTo>
+                  <a:close/>
+                </a:path>
+              </a:pathLst>
+            </a:custGeom>
+            <a:grpFill/>
+            <a:ln>
+              <a:noFill/>
+            </a:ln>
+            <a:extLst>
+              <a:ext uri="{91240B29-F687-4f45-9708-019B960494DF}">
+                <a14:hiddenLine xmlns:a14="http://schemas.microsoft.com/office/drawing/2010/main" xmlns:p14="http://schemas.microsoft.com/office/powerpoint/2010/main" xmlns:a16="http://schemas.microsoft.com/office/drawing/2014/main" xmlns="" w="9525">
+                  <a:solidFill>
+                    <a:srgbClr val="000000"/>
+                  </a:solidFill>
+                  <a:round/>
+                  <a:headEnd/>
+                  <a:tailEnd/>
+                </a14:hiddenLine>
+              </a:ext>
+            </a:extLst>
+          </p:spPr>
+        </p:sp>
+        <p:sp>
+          <p:nvSpPr>
+            <p:cNvPr id="45" name="Freeform 29">
+              <a:extLst>
+                <a:ext uri="{FF2B5EF4-FFF2-40B4-BE49-F238E27FC236}">
+                  <a16:creationId xmlns:a16="http://schemas.microsoft.com/office/drawing/2014/main" id="{31011274-F329-444B-9B06-69DD2EC44907}"/>
+                </a:ext>
+                <a:ext uri="{C183D7F6-B498-43B3-948B-1728B52AA6E4}">
+                  <adec:decorative xmlns:adec="http://schemas.microsoft.com/office/drawing/2017/decorative" val="1"/>
+                </a:ext>
+              </a:extLst>
+            </p:cNvPr>
+            <p:cNvSpPr>
+              <a:spLocks noEditPoints="1"/>
+            </p:cNvSpPr>
+            <p:nvPr>
+              <p:extLst>
+                <p:ext uri="{386F3935-93C4-4BCD-93E2-E3B085C9AB24}">
+                  <p16:designElem xmlns:p16="http://schemas.microsoft.com/office/powerpoint/2015/main" val="1"/>
+                </p:ext>
+              </p:extLst>
+            </p:nvPr>
+          </p:nvSpPr>
+          <p:spPr bwMode="auto">
+            <a:xfrm>
+              <a:off x="612775" y="5764213"/>
+              <a:ext cx="190500" cy="190500"/>
+            </a:xfrm>
+            <a:custGeom>
+              <a:avLst/>
+              <a:gdLst/>
+              <a:ahLst/>
+              <a:cxnLst/>
+              <a:rect l="0" t="0" r="r" b="b"/>
+              <a:pathLst>
+                <a:path w="40" h="40">
+                  <a:moveTo>
+                    <a:pt x="20" y="40"/>
+                  </a:moveTo>
+                  <a:cubicBezTo>
+                    <a:pt x="9" y="40"/>
+                    <a:pt x="0" y="31"/>
+                    <a:pt x="0" y="20"/>
+                  </a:cubicBezTo>
+                  <a:cubicBezTo>
+                    <a:pt x="0" y="9"/>
+                    <a:pt x="9" y="0"/>
+                    <a:pt x="20" y="0"/>
+                  </a:cubicBezTo>
+                  <a:cubicBezTo>
+                    <a:pt x="31" y="0"/>
+                    <a:pt x="40" y="9"/>
+                    <a:pt x="40" y="20"/>
+                  </a:cubicBezTo>
+                  <a:cubicBezTo>
+                    <a:pt x="40" y="31"/>
+                    <a:pt x="31" y="40"/>
+                    <a:pt x="20" y="40"/>
+                  </a:cubicBezTo>
+                  <a:close/>
+                  <a:moveTo>
+                    <a:pt x="20" y="4"/>
+                  </a:moveTo>
+                  <a:cubicBezTo>
+                    <a:pt x="12" y="4"/>
+                    <a:pt x="4" y="11"/>
+                    <a:pt x="4" y="20"/>
+                  </a:cubicBezTo>
+                  <a:cubicBezTo>
+                    <a:pt x="4" y="29"/>
+                    <a:pt x="12" y="36"/>
+                    <a:pt x="20" y="36"/>
+                  </a:cubicBezTo>
+                  <a:cubicBezTo>
+                    <a:pt x="29" y="36"/>
+                    <a:pt x="36" y="29"/>
+                    <a:pt x="36" y="20"/>
+                  </a:cubicBezTo>
+                  <a:cubicBezTo>
+                    <a:pt x="36" y="11"/>
+                    <a:pt x="29" y="4"/>
+                    <a:pt x="20" y="4"/>
+                  </a:cubicBezTo>
+                  <a:close/>
+                </a:path>
+              </a:pathLst>
+            </a:custGeom>
+            <a:grpFill/>
+            <a:ln>
+              <a:noFill/>
+            </a:ln>
+            <a:extLst>
+              <a:ext uri="{91240B29-F687-4f45-9708-019B960494DF}">
+                <a14:hiddenLine xmlns:a14="http://schemas.microsoft.com/office/drawing/2010/main" xmlns:p14="http://schemas.microsoft.com/office/powerpoint/2010/main" xmlns:a16="http://schemas.microsoft.com/office/drawing/2014/main" xmlns="" w="9525">
+                  <a:solidFill>
+                    <a:srgbClr val="000000"/>
+                  </a:solidFill>
+                  <a:round/>
+                  <a:headEnd/>
+                  <a:tailEnd/>
+                </a14:hiddenLine>
+              </a:ext>
+            </a:extLst>
+          </p:spPr>
+        </p:sp>
+        <p:sp>
+          <p:nvSpPr>
+            <p:cNvPr id="46" name="Freeform 30">
+              <a:extLst>
+                <a:ext uri="{FF2B5EF4-FFF2-40B4-BE49-F238E27FC236}">
+                  <a16:creationId xmlns:a16="http://schemas.microsoft.com/office/drawing/2014/main" id="{DB8B1D39-5B9A-4B4E-849B-A5821A246004}"/>
+                </a:ext>
+                <a:ext uri="{C183D7F6-B498-43B3-948B-1728B52AA6E4}">
+                  <adec:decorative xmlns:adec="http://schemas.microsoft.com/office/drawing/2017/decorative" val="1"/>
+                </a:ext>
+              </a:extLst>
+            </p:cNvPr>
+            <p:cNvSpPr/>
+            <p:nvPr>
+              <p:extLst>
+                <p:ext uri="{386F3935-93C4-4BCD-93E2-E3B085C9AB24}">
+                  <p16:designElem xmlns:p16="http://schemas.microsoft.com/office/powerpoint/2015/main" val="1"/>
+                </p:ext>
+              </p:extLst>
+            </p:nvPr>
+          </p:nvSpPr>
+          <p:spPr bwMode="auto">
+            <a:xfrm>
+              <a:off x="669925" y="6330950"/>
+              <a:ext cx="417513" cy="517525"/>
+            </a:xfrm>
+            <a:custGeom>
+              <a:avLst/>
+              <a:gdLst/>
+              <a:ahLst/>
+              <a:cxnLst/>
+              <a:rect l="0" t="0" r="r" b="b"/>
+              <a:pathLst>
+                <a:path w="263" h="326">
+                  <a:moveTo>
+                    <a:pt x="15" y="326"/>
+                  </a:moveTo>
+                  <a:lnTo>
+                    <a:pt x="0" y="320"/>
+                  </a:lnTo>
+                  <a:lnTo>
+                    <a:pt x="45" y="206"/>
+                  </a:lnTo>
+                  <a:lnTo>
+                    <a:pt x="48" y="206"/>
+                  </a:lnTo>
+                  <a:lnTo>
+                    <a:pt x="254" y="0"/>
+                  </a:lnTo>
+                  <a:lnTo>
+                    <a:pt x="263" y="12"/>
+                  </a:lnTo>
+                  <a:lnTo>
+                    <a:pt x="60" y="215"/>
+                  </a:lnTo>
+                  <a:lnTo>
+                    <a:pt x="15" y="326"/>
+                  </a:lnTo>
+                  <a:close/>
+                </a:path>
+              </a:pathLst>
+            </a:custGeom>
+            <a:grpFill/>
+            <a:ln>
+              <a:noFill/>
+            </a:ln>
+            <a:extLst>
+              <a:ext uri="{91240B29-F687-4f45-9708-019B960494DF}">
+                <a14:hiddenLine xmlns:a14="http://schemas.microsoft.com/office/drawing/2010/main" xmlns:p14="http://schemas.microsoft.com/office/powerpoint/2010/main" xmlns:a16="http://schemas.microsoft.com/office/drawing/2014/main" xmlns="" w="9525">
+                  <a:solidFill>
+                    <a:srgbClr val="000000"/>
+                  </a:solidFill>
+                  <a:round/>
+                  <a:headEnd/>
+                  <a:tailEnd/>
+                </a14:hiddenLine>
+              </a:ext>
+            </a:extLst>
+          </p:spPr>
+        </p:sp>
+        <p:sp>
+          <p:nvSpPr>
+            <p:cNvPr id="47" name="Freeform 31">
+              <a:extLst>
+                <a:ext uri="{FF2B5EF4-FFF2-40B4-BE49-F238E27FC236}">
+                  <a16:creationId xmlns:a16="http://schemas.microsoft.com/office/drawing/2014/main" id="{336ECD63-75C2-4A32-A31B-30BB3097240E}"/>
+                </a:ext>
+                <a:ext uri="{C183D7F6-B498-43B3-948B-1728B52AA6E4}">
+                  <adec:decorative xmlns:adec="http://schemas.microsoft.com/office/drawing/2017/decorative" val="1"/>
+                </a:ext>
+              </a:extLst>
+            </p:cNvPr>
+            <p:cNvSpPr>
+              <a:spLocks noEditPoints="1"/>
+            </p:cNvSpPr>
+            <p:nvPr>
+              <p:extLst>
+                <p:ext uri="{386F3935-93C4-4BCD-93E2-E3B085C9AB24}">
+                  <p16:designElem xmlns:p16="http://schemas.microsoft.com/office/powerpoint/2015/main" val="1"/>
+                </p:ext>
+              </p:extLst>
+            </p:nvPr>
+          </p:nvSpPr>
+          <p:spPr bwMode="auto">
+            <a:xfrm>
+              <a:off x="1049337" y="6221413"/>
+              <a:ext cx="157163" cy="147638"/>
+            </a:xfrm>
+            <a:custGeom>
+              <a:avLst/>
+              <a:gdLst/>
+              <a:ahLst/>
+              <a:cxnLst/>
+              <a:rect l="0" t="0" r="r" b="b"/>
+              <a:pathLst>
+                <a:path w="33" h="31">
+                  <a:moveTo>
+                    <a:pt x="16" y="31"/>
+                  </a:moveTo>
+                  <a:cubicBezTo>
+                    <a:pt x="12" y="31"/>
+                    <a:pt x="8" y="29"/>
+                    <a:pt x="5" y="26"/>
+                  </a:cubicBezTo>
+                  <a:cubicBezTo>
+                    <a:pt x="2" y="24"/>
+                    <a:pt x="0" y="20"/>
+                    <a:pt x="0" y="15"/>
+                  </a:cubicBezTo>
+                  <a:cubicBezTo>
+                    <a:pt x="0" y="11"/>
+                    <a:pt x="2" y="7"/>
+                    <a:pt x="5" y="4"/>
+                  </a:cubicBezTo>
+                  <a:cubicBezTo>
+                    <a:pt x="8" y="1"/>
+                    <a:pt x="12" y="0"/>
+                    <a:pt x="16" y="0"/>
+                  </a:cubicBezTo>
+                  <a:cubicBezTo>
+                    <a:pt x="20" y="0"/>
+                    <a:pt x="24" y="1"/>
+                    <a:pt x="27" y="4"/>
+                  </a:cubicBezTo>
+                  <a:cubicBezTo>
+                    <a:pt x="33" y="10"/>
+                    <a:pt x="33" y="20"/>
+                    <a:pt x="27" y="26"/>
+                  </a:cubicBezTo>
+                  <a:cubicBezTo>
+                    <a:pt x="24" y="29"/>
+                    <a:pt x="20" y="31"/>
+                    <a:pt x="16" y="31"/>
+                  </a:cubicBezTo>
+                  <a:close/>
+                  <a:moveTo>
+                    <a:pt x="16" y="4"/>
+                  </a:moveTo>
+                  <a:cubicBezTo>
+                    <a:pt x="13" y="4"/>
+                    <a:pt x="10" y="5"/>
+                    <a:pt x="8" y="7"/>
+                  </a:cubicBezTo>
+                  <a:cubicBezTo>
+                    <a:pt x="6" y="9"/>
+                    <a:pt x="4" y="12"/>
+                    <a:pt x="4" y="15"/>
+                  </a:cubicBezTo>
+                  <a:cubicBezTo>
+                    <a:pt x="4" y="19"/>
+                    <a:pt x="6" y="21"/>
+                    <a:pt x="8" y="24"/>
+                  </a:cubicBezTo>
+                  <a:cubicBezTo>
+                    <a:pt x="10" y="26"/>
+                    <a:pt x="13" y="27"/>
+                    <a:pt x="16" y="27"/>
+                  </a:cubicBezTo>
+                  <a:cubicBezTo>
+                    <a:pt x="19" y="27"/>
+                    <a:pt x="22" y="26"/>
+                    <a:pt x="24" y="24"/>
+                  </a:cubicBezTo>
+                  <a:cubicBezTo>
+                    <a:pt x="29" y="19"/>
+                    <a:pt x="29" y="12"/>
+                    <a:pt x="24" y="7"/>
+                  </a:cubicBezTo>
+                  <a:cubicBezTo>
+                    <a:pt x="22" y="5"/>
+                    <a:pt x="19" y="4"/>
+                    <a:pt x="16" y="4"/>
+                  </a:cubicBezTo>
+                  <a:close/>
+                </a:path>
+              </a:pathLst>
+            </a:custGeom>
+            <a:grpFill/>
+            <a:ln>
+              <a:noFill/>
+            </a:ln>
+            <a:extLst>
+              <a:ext uri="{91240B29-F687-4f45-9708-019B960494DF}">
+                <a14:hiddenLine xmlns:a14="http://schemas.microsoft.com/office/drawing/2010/main" xmlns:p14="http://schemas.microsoft.com/office/powerpoint/2010/main" xmlns:a16="http://schemas.microsoft.com/office/drawing/2014/main" xmlns="" w="9525">
+                  <a:solidFill>
+                    <a:srgbClr val="000000"/>
+                  </a:solidFill>
+                  <a:round/>
+                  <a:headEnd/>
+                  <a:tailEnd/>
+                </a14:hiddenLine>
+              </a:ext>
+            </a:extLst>
+          </p:spPr>
+        </p:sp>
+      </p:grpSp>
+      <p:graphicFrame>
+        <p:nvGraphicFramePr>
+          <p:cNvPr id="7" name="Table 4">
+            <a:extLst>
+              <a:ext uri="{FF2B5EF4-FFF2-40B4-BE49-F238E27FC236}">
+                <a16:creationId xmlns:a16="http://schemas.microsoft.com/office/drawing/2014/main" id="{E97DAE33-827E-8342-8922-B70627F6C5FF}"/>
+              </a:ext>
+            </a:extLst>
+          </p:cNvPr>
+          <p:cNvGraphicFramePr>
+            <a:graphicFrameLocks/>
+          </p:cNvGraphicFramePr>
+          <p:nvPr>
+            <p:extLst>
+              <p:ext uri="{D42A27DB-BD31-4B8C-83A1-F6EECF244321}">
+                <p14:modId xmlns:p14="http://schemas.microsoft.com/office/powerpoint/2010/main" val="4155587480"/>
+              </p:ext>
+            </p:extLst>
+          </p:nvPr>
+        </p:nvGraphicFramePr>
+        <p:xfrm>
+          <a:off x="5623857" y="1213900"/>
+          <a:ext cx="5019887" cy="4425696"/>
+        </p:xfrm>
+        <a:graphic>
+          <a:graphicData uri="http://schemas.openxmlformats.org/drawingml/2006/table">
+            <a:tbl>
+              <a:tblPr firstRow="1" bandRow="1">
+                <a:tableStyleId>{8799B23B-EC83-4686-B30A-512413B5E67A}</a:tableStyleId>
+              </a:tblPr>
+              <a:tblGrid>
+                <a:gridCol w="1834727">
+                  <a:extLst>
+                    <a:ext uri="{9D8B030D-6E8A-4147-A177-3AD203B41FA5}">
+                      <a16:colId xmlns:a16="http://schemas.microsoft.com/office/drawing/2014/main" val="370696502"/>
+                    </a:ext>
+                  </a:extLst>
+                </a:gridCol>
+                <a:gridCol w="1592580">
+                  <a:extLst>
+                    <a:ext uri="{9D8B030D-6E8A-4147-A177-3AD203B41FA5}">
+                      <a16:colId xmlns:a16="http://schemas.microsoft.com/office/drawing/2014/main" val="3378703446"/>
+                    </a:ext>
+                  </a:extLst>
+                </a:gridCol>
+                <a:gridCol w="1592580">
+                  <a:extLst>
+                    <a:ext uri="{9D8B030D-6E8A-4147-A177-3AD203B41FA5}">
+                      <a16:colId xmlns:a16="http://schemas.microsoft.com/office/drawing/2014/main" val="932287647"/>
+                    </a:ext>
+                  </a:extLst>
+                </a:gridCol>
+              </a:tblGrid>
+              <a:tr h="737616">
+                <a:tc>
+                  <a:txBody>
+                    <a:bodyPr/>
+                    <a:lstStyle/>
+                    <a:p>
+                      <a:r>
+                        <a:rPr lang="en-CN" sz="3300"/>
+                        <a:t>主持</a:t>
+                      </a:r>
+                    </a:p>
+                  </a:txBody>
+                  <a:tcPr marL="167640" marR="167640" marT="83820" marB="83820"/>
+                </a:tc>
+                <a:tc>
+                  <a:txBody>
+                    <a:bodyPr/>
+                    <a:lstStyle/>
+                    <a:p>
+                      <a:endParaRPr lang="en-CN" sz="3300"/>
+                    </a:p>
+                  </a:txBody>
+                  <a:tcPr marL="167640" marR="167640" marT="83820" marB="83820"/>
+                </a:tc>
+                <a:tc>
+                  <a:txBody>
+                    <a:bodyPr/>
+                    <a:lstStyle/>
+                    <a:p>
+                      <a:endParaRPr lang="en-CN" sz="3300"/>
+                    </a:p>
+                  </a:txBody>
+                  <a:tcPr marL="167640" marR="167640" marT="83820" marB="83820"/>
+                </a:tc>
+                <a:extLst>
+                  <a:ext uri="{0D108BD9-81ED-4DB2-BD59-A6C34878D82A}">
+                    <a16:rowId xmlns:a16="http://schemas.microsoft.com/office/drawing/2014/main" val="1426171144"/>
+                  </a:ext>
+                </a:extLst>
+              </a:tr>
+              <a:tr h="737616">
+                <a:tc>
+                  <a:txBody>
+                    <a:bodyPr/>
+                    <a:lstStyle/>
+                    <a:p>
+                      <a:r>
+                        <a:rPr lang="en-CN" sz="3300"/>
+                        <a:t>分享</a:t>
+                      </a:r>
+                      <a:r>
+                        <a:rPr lang="en-US" altLang="zh-CN" sz="3300"/>
+                        <a:t>1</a:t>
+                      </a:r>
+                      <a:endParaRPr lang="en-CN" sz="3300"/>
+                    </a:p>
+                  </a:txBody>
+                  <a:tcPr marL="167640" marR="167640" marT="83820" marB="83820"/>
+                </a:tc>
+                <a:tc>
+                  <a:txBody>
+                    <a:bodyPr/>
+                    <a:lstStyle/>
+                    <a:p>
+                      <a:endParaRPr lang="en-CN" sz="3300"/>
+                    </a:p>
+                  </a:txBody>
+                  <a:tcPr marL="167640" marR="167640" marT="83820" marB="83820"/>
+                </a:tc>
+                <a:tc>
+                  <a:txBody>
+                    <a:bodyPr/>
+                    <a:lstStyle/>
+                    <a:p>
+                      <a:endParaRPr lang="en-CN" sz="3300"/>
+                    </a:p>
+                  </a:txBody>
+                  <a:tcPr marL="167640" marR="167640" marT="83820" marB="83820"/>
+                </a:tc>
+                <a:extLst>
+                  <a:ext uri="{0D108BD9-81ED-4DB2-BD59-A6C34878D82A}">
+                    <a16:rowId xmlns:a16="http://schemas.microsoft.com/office/drawing/2014/main" val="3890096257"/>
+                  </a:ext>
+                </a:extLst>
+              </a:tr>
+              <a:tr h="737616">
+                <a:tc>
+                  <a:txBody>
+                    <a:bodyPr/>
+                    <a:lstStyle/>
+                    <a:p>
+                      <a:r>
+                        <a:rPr lang="en-CN" sz="3300"/>
+                        <a:t>评估</a:t>
+                      </a:r>
+                      <a:r>
+                        <a:rPr lang="en-US" altLang="zh-CN" sz="3300"/>
+                        <a:t>1</a:t>
+                      </a:r>
+                      <a:endParaRPr lang="en-CN" sz="3300"/>
+                    </a:p>
+                  </a:txBody>
+                  <a:tcPr marL="167640" marR="167640" marT="83820" marB="83820"/>
+                </a:tc>
+                <a:tc>
+                  <a:txBody>
+                    <a:bodyPr/>
+                    <a:lstStyle/>
+                    <a:p>
+                      <a:endParaRPr lang="en-CN" sz="3300"/>
+                    </a:p>
+                  </a:txBody>
+                  <a:tcPr marL="167640" marR="167640" marT="83820" marB="83820"/>
+                </a:tc>
+                <a:tc>
+                  <a:txBody>
+                    <a:bodyPr/>
+                    <a:lstStyle/>
+                    <a:p>
+                      <a:endParaRPr lang="en-CN" sz="3300"/>
+                    </a:p>
+                  </a:txBody>
+                  <a:tcPr marL="167640" marR="167640" marT="83820" marB="83820"/>
+                </a:tc>
+                <a:extLst>
+                  <a:ext uri="{0D108BD9-81ED-4DB2-BD59-A6C34878D82A}">
+                    <a16:rowId xmlns:a16="http://schemas.microsoft.com/office/drawing/2014/main" val="1508928802"/>
+                  </a:ext>
+                </a:extLst>
+              </a:tr>
+              <a:tr h="737616">
+                <a:tc>
+                  <a:txBody>
+                    <a:bodyPr/>
+                    <a:lstStyle/>
+                    <a:p>
+                      <a:r>
+                        <a:rPr lang="en-CN" sz="3300"/>
+                        <a:t>分享</a:t>
+                      </a:r>
+                      <a:r>
+                        <a:rPr lang="en-US" altLang="zh-CN" sz="3300"/>
+                        <a:t>2</a:t>
+                      </a:r>
+                      <a:endParaRPr lang="en-CN" sz="3300"/>
+                    </a:p>
+                  </a:txBody>
+                  <a:tcPr marL="167640" marR="167640" marT="83820" marB="83820"/>
+                </a:tc>
+                <a:tc>
+                  <a:txBody>
+                    <a:bodyPr/>
+                    <a:lstStyle/>
+                    <a:p>
+                      <a:endParaRPr lang="en-CN" sz="3300"/>
+                    </a:p>
+                  </a:txBody>
+                  <a:tcPr marL="167640" marR="167640" marT="83820" marB="83820"/>
+                </a:tc>
+                <a:tc>
+                  <a:txBody>
+                    <a:bodyPr/>
+                    <a:lstStyle/>
+                    <a:p>
+                      <a:endParaRPr lang="en-CN" sz="3300"/>
+                    </a:p>
+                  </a:txBody>
+                  <a:tcPr marL="167640" marR="167640" marT="83820" marB="83820"/>
+                </a:tc>
+                <a:extLst>
+                  <a:ext uri="{0D108BD9-81ED-4DB2-BD59-A6C34878D82A}">
+                    <a16:rowId xmlns:a16="http://schemas.microsoft.com/office/drawing/2014/main" val="1042972130"/>
+                  </a:ext>
+                </a:extLst>
+              </a:tr>
+              <a:tr h="737616">
+                <a:tc>
+                  <a:txBody>
+                    <a:bodyPr/>
+                    <a:lstStyle/>
+                    <a:p>
+                      <a:r>
+                        <a:rPr lang="en-CN" sz="3300"/>
+                        <a:t>评估</a:t>
+                      </a:r>
+                      <a:r>
+                        <a:rPr lang="en-US" altLang="zh-CN" sz="3300"/>
+                        <a:t>2</a:t>
+                      </a:r>
+                      <a:endParaRPr lang="en-CN" sz="3300"/>
+                    </a:p>
+                  </a:txBody>
+                  <a:tcPr marL="167640" marR="167640" marT="83820" marB="83820"/>
+                </a:tc>
+                <a:tc>
+                  <a:txBody>
+                    <a:bodyPr/>
+                    <a:lstStyle/>
+                    <a:p>
+                      <a:endParaRPr lang="en-CN" sz="3300"/>
+                    </a:p>
+                  </a:txBody>
+                  <a:tcPr marL="167640" marR="167640" marT="83820" marB="83820"/>
+                </a:tc>
+                <a:tc>
+                  <a:txBody>
+                    <a:bodyPr/>
+                    <a:lstStyle/>
+                    <a:p>
+                      <a:endParaRPr lang="en-CN" sz="3300"/>
+                    </a:p>
+                  </a:txBody>
+                  <a:tcPr marL="167640" marR="167640" marT="83820" marB="83820"/>
+                </a:tc>
+                <a:extLst>
+                  <a:ext uri="{0D108BD9-81ED-4DB2-BD59-A6C34878D82A}">
+                    <a16:rowId xmlns:a16="http://schemas.microsoft.com/office/drawing/2014/main" val="1523846934"/>
+                  </a:ext>
+                </a:extLst>
+              </a:tr>
+              <a:tr h="737616">
+                <a:tc>
+                  <a:txBody>
+                    <a:bodyPr/>
+                    <a:lstStyle/>
+                    <a:p>
+                      <a:r>
+                        <a:rPr lang="en-CN" sz="3300"/>
+                        <a:t>总评估</a:t>
+                      </a:r>
+                    </a:p>
+                  </a:txBody>
+                  <a:tcPr marL="167640" marR="167640" marT="83820" marB="83820"/>
+                </a:tc>
+                <a:tc>
+                  <a:txBody>
+                    <a:bodyPr/>
+                    <a:lstStyle/>
+                    <a:p>
+                      <a:endParaRPr lang="en-CN" sz="3300"/>
+                    </a:p>
+                  </a:txBody>
+                  <a:tcPr marL="167640" marR="167640" marT="83820" marB="83820"/>
+                </a:tc>
+                <a:tc>
+                  <a:txBody>
+                    <a:bodyPr/>
+                    <a:lstStyle/>
+                    <a:p>
+                      <a:endParaRPr lang="en-CN" sz="3300"/>
+                    </a:p>
+                  </a:txBody>
+                  <a:tcPr marL="167640" marR="167640" marT="83820" marB="83820"/>
+                </a:tc>
+                <a:extLst>
+                  <a:ext uri="{0D108BD9-81ED-4DB2-BD59-A6C34878D82A}">
+                    <a16:rowId xmlns:a16="http://schemas.microsoft.com/office/drawing/2014/main" val="1984625572"/>
+                  </a:ext>
+                </a:extLst>
+              </a:tr>
+            </a:tbl>
+          </a:graphicData>
+        </a:graphic>
+      </p:graphicFrame>
+    </p:spTree>
+    <p:extLst>
+      <p:ext uri="{BB962C8B-B14F-4D97-AF65-F5344CB8AC3E}">
+        <p14:creationId xmlns:p14="http://schemas.microsoft.com/office/powerpoint/2010/main" val="3338093388"/>
+      </p:ext>
+    </p:extLst>
+  </p:cSld>
+  <p:clrMapOvr>
+    <a:overrideClrMapping bg1="lt1" tx1="dk1" bg2="lt2" tx2="dk2" accent1="accent1" accent2="accent2" accent3="accent3" accent4="accent4" accent5="accent5" accent6="accent6" hlink="hlink" folHlink="folHlink"/>
   </p:clrMapOvr>
 </p:sld>
 </file>
@@ -12531,6 +15735,147 @@
   <p:clrMapOvr>
     <a:masterClrMapping/>
   </p:clrMapOvr>
+  <p:timing>
+    <p:tnLst>
+      <p:par>
+        <p:cTn id="1" dur="indefinite" restart="never" nodeType="tmRoot">
+          <p:childTnLst>
+            <p:seq concurrent="1" nextAc="seek">
+              <p:cTn id="2" dur="indefinite" nodeType="mainSeq">
+                <p:childTnLst>
+                  <p:par>
+                    <p:cTn id="3" fill="hold">
+                      <p:stCondLst>
+                        <p:cond delay="indefinite"/>
+                      </p:stCondLst>
+                      <p:childTnLst>
+                        <p:par>
+                          <p:cTn id="4" fill="hold">
+                            <p:stCondLst>
+                              <p:cond delay="0"/>
+                            </p:stCondLst>
+                            <p:childTnLst>
+                              <p:par>
+                                <p:cTn id="5" presetID="1" presetClass="entr" presetSubtype="0" fill="hold" nodeType="clickEffect">
+                                  <p:stCondLst>
+                                    <p:cond delay="0"/>
+                                  </p:stCondLst>
+                                  <p:childTnLst>
+                                    <p:set>
+                                      <p:cBhvr>
+                                        <p:cTn id="6" dur="1" fill="hold">
+                                          <p:stCondLst>
+                                            <p:cond delay="0"/>
+                                          </p:stCondLst>
+                                        </p:cTn>
+                                        <p:tgtEl>
+                                          <p:spTgt spid="3">
+                                            <p:txEl>
+                                              <p:pRg st="0" end="0"/>
+                                            </p:txEl>
+                                          </p:spTgt>
+                                        </p:tgtEl>
+                                        <p:attrNameLst>
+                                          <p:attrName>style.visibility</p:attrName>
+                                        </p:attrNameLst>
+                                      </p:cBhvr>
+                                      <p:to>
+                                        <p:strVal val="visible"/>
+                                      </p:to>
+                                    </p:set>
+                                  </p:childTnLst>
+                                </p:cTn>
+                              </p:par>
+                              <p:par>
+                                <p:cTn id="7" presetID="1" presetClass="entr" presetSubtype="0" fill="hold" nodeType="withEffect">
+                                  <p:stCondLst>
+                                    <p:cond delay="0"/>
+                                  </p:stCondLst>
+                                  <p:childTnLst>
+                                    <p:set>
+                                      <p:cBhvr>
+                                        <p:cTn id="8" dur="1" fill="hold">
+                                          <p:stCondLst>
+                                            <p:cond delay="0"/>
+                                          </p:stCondLst>
+                                        </p:cTn>
+                                        <p:tgtEl>
+                                          <p:spTgt spid="3">
+                                            <p:txEl>
+                                              <p:pRg st="1" end="1"/>
+                                            </p:txEl>
+                                          </p:spTgt>
+                                        </p:tgtEl>
+                                        <p:attrNameLst>
+                                          <p:attrName>style.visibility</p:attrName>
+                                        </p:attrNameLst>
+                                      </p:cBhvr>
+                                      <p:to>
+                                        <p:strVal val="visible"/>
+                                      </p:to>
+                                    </p:set>
+                                  </p:childTnLst>
+                                </p:cTn>
+                              </p:par>
+                              <p:par>
+                                <p:cTn id="9" presetID="1" presetClass="entr" presetSubtype="0" fill="hold" nodeType="withEffect">
+                                  <p:stCondLst>
+                                    <p:cond delay="0"/>
+                                  </p:stCondLst>
+                                  <p:childTnLst>
+                                    <p:set>
+                                      <p:cBhvr>
+                                        <p:cTn id="10" dur="1" fill="hold">
+                                          <p:stCondLst>
+                                            <p:cond delay="0"/>
+                                          </p:stCondLst>
+                                        </p:cTn>
+                                        <p:tgtEl>
+                                          <p:spTgt spid="3">
+                                            <p:txEl>
+                                              <p:pRg st="3" end="3"/>
+                                            </p:txEl>
+                                          </p:spTgt>
+                                        </p:tgtEl>
+                                        <p:attrNameLst>
+                                          <p:attrName>style.visibility</p:attrName>
+                                        </p:attrNameLst>
+                                      </p:cBhvr>
+                                      <p:to>
+                                        <p:strVal val="visible"/>
+                                      </p:to>
+                                    </p:set>
+                                  </p:childTnLst>
+                                </p:cTn>
+                              </p:par>
+                            </p:childTnLst>
+                          </p:cTn>
+                        </p:par>
+                      </p:childTnLst>
+                    </p:cTn>
+                  </p:par>
+                </p:childTnLst>
+              </p:cTn>
+              <p:prevCondLst>
+                <p:cond evt="onPrev" delay="0">
+                  <p:tgtEl>
+                    <p:sldTgt/>
+                  </p:tgtEl>
+                </p:cond>
+              </p:prevCondLst>
+              <p:nextCondLst>
+                <p:cond evt="onNext" delay="0">
+                  <p:tgtEl>
+                    <p:sldTgt/>
+                  </p:tgtEl>
+                </p:cond>
+              </p:nextCondLst>
+            </p:seq>
+          </p:childTnLst>
+        </p:cTn>
+      </p:par>
+    </p:tnLst>
+  </p:timing>
 </p:sld>
 </file>
 
@@ -12702,6 +16047,11 @@
               <a:rPr lang="en-CN" dirty="0"/>
               <a:t>表达</a:t>
             </a:r>
+            <a:r>
+              <a:rPr lang="zh-CN" altLang="en-US" dirty="0"/>
+              <a:t>（能说）</a:t>
+            </a:r>
+            <a:endParaRPr lang="en-CN" dirty="0"/>
           </a:p>
           <a:p>
             <a:r>
@@ -12872,7 +16222,7 @@
             </a:r>
             <a:r>
               <a:rPr lang="zh-CN" altLang="en-US" dirty="0"/>
-              <a:t>两周一次，时长一小时</a:t>
+              <a:t>两周一次，时长一小时，周六上午</a:t>
             </a:r>
             <a:endParaRPr lang="en-CN" dirty="0"/>
           </a:p>
@@ -13228,7 +16578,7 @@
             <a:noFill/>
             <a:extLst>
               <a:ext uri="{909E8E84-426E-40dd-AFC4-6F175D3DCCD1}">
-                <a14:hiddenFill xmlns="" xmlns:a16="http://schemas.microsoft.com/office/drawing/2014/main" xmlns:p14="http://schemas.microsoft.com/office/powerpoint/2010/main" xmlns:a14="http://schemas.microsoft.com/office/drawing/2010/main">
+                <a14:hiddenFill xmlns:a14="http://schemas.microsoft.com/office/drawing/2010/main" xmlns:p14="http://schemas.microsoft.com/office/powerpoint/2010/main" xmlns:a16="http://schemas.microsoft.com/office/drawing/2014/main" xmlns="">
                   <a:solidFill>
                     <a:srgbClr val="FFFFFF"/>
                   </a:solidFill>
@@ -13321,7 +16671,7 @@
             </a:ln>
             <a:extLst>
               <a:ext uri="{91240B29-F687-4f45-9708-019B960494DF}">
-                <a14:hiddenLine xmlns="" xmlns:a16="http://schemas.microsoft.com/office/drawing/2014/main" xmlns:p14="http://schemas.microsoft.com/office/powerpoint/2010/main" xmlns:a14="http://schemas.microsoft.com/office/drawing/2010/main" w="9525">
+                <a14:hiddenLine xmlns:a14="http://schemas.microsoft.com/office/drawing/2010/main" xmlns:p14="http://schemas.microsoft.com/office/powerpoint/2010/main" xmlns:a16="http://schemas.microsoft.com/office/drawing/2014/main" xmlns="" w="9525">
                   <a:solidFill>
                     <a:srgbClr val="000000"/>
                   </a:solidFill>
@@ -13426,7 +16776,7 @@
             </a:ln>
             <a:extLst>
               <a:ext uri="{91240B29-F687-4f45-9708-019B960494DF}">
-                <a14:hiddenLine xmlns="" xmlns:a16="http://schemas.microsoft.com/office/drawing/2014/main" xmlns:p14="http://schemas.microsoft.com/office/powerpoint/2010/main" xmlns:a14="http://schemas.microsoft.com/office/drawing/2010/main" w="9525">
+                <a14:hiddenLine xmlns:a14="http://schemas.microsoft.com/office/drawing/2010/main" xmlns:p14="http://schemas.microsoft.com/office/powerpoint/2010/main" xmlns:a16="http://schemas.microsoft.com/office/drawing/2014/main" xmlns="" w="9525">
                   <a:solidFill>
                     <a:srgbClr val="000000"/>
                   </a:solidFill>
@@ -13531,7 +16881,7 @@
             </a:ln>
             <a:extLst>
               <a:ext uri="{91240B29-F687-4f45-9708-019B960494DF}">
-                <a14:hiddenLine xmlns="" xmlns:a16="http://schemas.microsoft.com/office/drawing/2014/main" xmlns:p14="http://schemas.microsoft.com/office/powerpoint/2010/main" xmlns:a14="http://schemas.microsoft.com/office/drawing/2010/main" w="9525">
+                <a14:hiddenLine xmlns:a14="http://schemas.microsoft.com/office/drawing/2010/main" xmlns:p14="http://schemas.microsoft.com/office/powerpoint/2010/main" xmlns:a16="http://schemas.microsoft.com/office/drawing/2014/main" xmlns="" w="9525">
                   <a:solidFill>
                     <a:srgbClr val="000000"/>
                   </a:solidFill>
@@ -13580,7 +16930,7 @@
             </a:ln>
             <a:extLst>
               <a:ext uri="{91240B29-F687-4f45-9708-019B960494DF}">
-                <a14:hiddenLine xmlns="" xmlns:a16="http://schemas.microsoft.com/office/drawing/2014/main" xmlns:p14="http://schemas.microsoft.com/office/powerpoint/2010/main" xmlns:a14="http://schemas.microsoft.com/office/drawing/2010/main" w="9525">
+                <a14:hiddenLine xmlns:a14="http://schemas.microsoft.com/office/drawing/2010/main" xmlns:p14="http://schemas.microsoft.com/office/powerpoint/2010/main" xmlns:a16="http://schemas.microsoft.com/office/drawing/2014/main" xmlns="" w="9525">
                   <a:solidFill>
                     <a:srgbClr val="000000"/>
                   </a:solidFill>
@@ -13685,7 +17035,7 @@
             </a:ln>
             <a:extLst>
               <a:ext uri="{91240B29-F687-4f45-9708-019B960494DF}">
-                <a14:hiddenLine xmlns="" xmlns:a16="http://schemas.microsoft.com/office/drawing/2014/main" xmlns:p14="http://schemas.microsoft.com/office/powerpoint/2010/main" xmlns:a14="http://schemas.microsoft.com/office/drawing/2010/main" w="9525">
+                <a14:hiddenLine xmlns:a14="http://schemas.microsoft.com/office/drawing/2010/main" xmlns:p14="http://schemas.microsoft.com/office/powerpoint/2010/main" xmlns:a16="http://schemas.microsoft.com/office/drawing/2014/main" xmlns="" w="9525">
                   <a:solidFill>
                     <a:srgbClr val="000000"/>
                   </a:solidFill>
@@ -13762,7 +17112,7 @@
             </a:ln>
             <a:extLst>
               <a:ext uri="{91240B29-F687-4f45-9708-019B960494DF}">
-                <a14:hiddenLine xmlns="" xmlns:a16="http://schemas.microsoft.com/office/drawing/2014/main" xmlns:p14="http://schemas.microsoft.com/office/powerpoint/2010/main" xmlns:a14="http://schemas.microsoft.com/office/drawing/2010/main" w="9525">
+                <a14:hiddenLine xmlns:a14="http://schemas.microsoft.com/office/drawing/2010/main" xmlns:p14="http://schemas.microsoft.com/office/powerpoint/2010/main" xmlns:a16="http://schemas.microsoft.com/office/drawing/2014/main" xmlns="" w="9525">
                   <a:solidFill>
                     <a:srgbClr val="000000"/>
                   </a:solidFill>
@@ -13839,7 +17189,7 @@
             </a:ln>
             <a:extLst>
               <a:ext uri="{91240B29-F687-4f45-9708-019B960494DF}">
-                <a14:hiddenLine xmlns="" xmlns:a16="http://schemas.microsoft.com/office/drawing/2014/main" xmlns:p14="http://schemas.microsoft.com/office/powerpoint/2010/main" xmlns:a14="http://schemas.microsoft.com/office/drawing/2010/main" w="9525">
+                <a14:hiddenLine xmlns:a14="http://schemas.microsoft.com/office/drawing/2010/main" xmlns:p14="http://schemas.microsoft.com/office/powerpoint/2010/main" xmlns:a16="http://schemas.microsoft.com/office/drawing/2014/main" xmlns="" w="9525">
                   <a:solidFill>
                     <a:srgbClr val="000000"/>
                   </a:solidFill>
@@ -13944,7 +17294,7 @@
             </a:ln>
             <a:extLst>
               <a:ext uri="{91240B29-F687-4f45-9708-019B960494DF}">
-                <a14:hiddenLine xmlns="" xmlns:a16="http://schemas.microsoft.com/office/drawing/2014/main" xmlns:p14="http://schemas.microsoft.com/office/powerpoint/2010/main" xmlns:a14="http://schemas.microsoft.com/office/drawing/2010/main" w="9525">
+                <a14:hiddenLine xmlns:a14="http://schemas.microsoft.com/office/drawing/2010/main" xmlns:p14="http://schemas.microsoft.com/office/powerpoint/2010/main" xmlns:a16="http://schemas.microsoft.com/office/drawing/2014/main" xmlns="" w="9525">
                   <a:solidFill>
                     <a:srgbClr val="000000"/>
                   </a:solidFill>
@@ -14021,7 +17371,7 @@
             </a:ln>
             <a:extLst>
               <a:ext uri="{91240B29-F687-4f45-9708-019B960494DF}">
-                <a14:hiddenLine xmlns="" xmlns:a16="http://schemas.microsoft.com/office/drawing/2014/main" xmlns:p14="http://schemas.microsoft.com/office/powerpoint/2010/main" xmlns:a14="http://schemas.microsoft.com/office/drawing/2010/main" w="9525">
+                <a14:hiddenLine xmlns:a14="http://schemas.microsoft.com/office/drawing/2010/main" xmlns:p14="http://schemas.microsoft.com/office/powerpoint/2010/main" xmlns:a16="http://schemas.microsoft.com/office/drawing/2014/main" xmlns="" w="9525">
                   <a:solidFill>
                     <a:srgbClr val="000000"/>
                   </a:solidFill>
@@ -14098,7 +17448,7 @@
             </a:ln>
             <a:extLst>
               <a:ext uri="{91240B29-F687-4f45-9708-019B960494DF}">
-                <a14:hiddenLine xmlns="" xmlns:a16="http://schemas.microsoft.com/office/drawing/2014/main" xmlns:p14="http://schemas.microsoft.com/office/powerpoint/2010/main" xmlns:a14="http://schemas.microsoft.com/office/drawing/2010/main" w="9525">
+                <a14:hiddenLine xmlns:a14="http://schemas.microsoft.com/office/drawing/2010/main" xmlns:p14="http://schemas.microsoft.com/office/powerpoint/2010/main" xmlns:a16="http://schemas.microsoft.com/office/drawing/2014/main" xmlns="" w="9525">
                   <a:solidFill>
                     <a:srgbClr val="000000"/>
                   </a:solidFill>
@@ -14203,7 +17553,7 @@
             </a:ln>
             <a:extLst>
               <a:ext uri="{91240B29-F687-4f45-9708-019B960494DF}">
-                <a14:hiddenLine xmlns="" xmlns:a16="http://schemas.microsoft.com/office/drawing/2014/main" xmlns:p14="http://schemas.microsoft.com/office/powerpoint/2010/main" xmlns:a14="http://schemas.microsoft.com/office/drawing/2010/main" w="9525">
+                <a14:hiddenLine xmlns:a14="http://schemas.microsoft.com/office/drawing/2010/main" xmlns:p14="http://schemas.microsoft.com/office/powerpoint/2010/main" xmlns:a16="http://schemas.microsoft.com/office/drawing/2014/main" xmlns="" w="9525">
                   <a:solidFill>
                     <a:srgbClr val="000000"/>
                   </a:solidFill>
@@ -14308,7 +17658,7 @@
             </a:ln>
             <a:extLst>
               <a:ext uri="{91240B29-F687-4f45-9708-019B960494DF}">
-                <a14:hiddenLine xmlns="" xmlns:a16="http://schemas.microsoft.com/office/drawing/2014/main" xmlns:p14="http://schemas.microsoft.com/office/powerpoint/2010/main" xmlns:a14="http://schemas.microsoft.com/office/drawing/2010/main" w="9525">
+                <a14:hiddenLine xmlns:a14="http://schemas.microsoft.com/office/drawing/2010/main" xmlns:p14="http://schemas.microsoft.com/office/powerpoint/2010/main" xmlns:a16="http://schemas.microsoft.com/office/drawing/2014/main" xmlns="" w="9525">
                   <a:solidFill>
                     <a:srgbClr val="000000"/>
                   </a:solidFill>
@@ -14385,7 +17735,7 @@
             </a:ln>
             <a:extLst>
               <a:ext uri="{91240B29-F687-4f45-9708-019B960494DF}">
-                <a14:hiddenLine xmlns="" xmlns:a16="http://schemas.microsoft.com/office/drawing/2014/main" xmlns:p14="http://schemas.microsoft.com/office/powerpoint/2010/main" xmlns:a14="http://schemas.microsoft.com/office/drawing/2010/main" w="9525">
+                <a14:hiddenLine xmlns:a14="http://schemas.microsoft.com/office/drawing/2010/main" xmlns:p14="http://schemas.microsoft.com/office/powerpoint/2010/main" xmlns:a16="http://schemas.microsoft.com/office/drawing/2014/main" xmlns="" w="9525">
                   <a:solidFill>
                     <a:srgbClr val="000000"/>
                   </a:solidFill>
@@ -14510,7 +17860,7 @@
             </a:ln>
             <a:extLst>
               <a:ext uri="{91240B29-F687-4f45-9708-019B960494DF}">
-                <a14:hiddenLine xmlns="" xmlns:a16="http://schemas.microsoft.com/office/drawing/2014/main" xmlns:p14="http://schemas.microsoft.com/office/powerpoint/2010/main" xmlns:a14="http://schemas.microsoft.com/office/drawing/2010/main" w="9525">
+                <a14:hiddenLine xmlns:a14="http://schemas.microsoft.com/office/drawing/2010/main" xmlns:p14="http://schemas.microsoft.com/office/powerpoint/2010/main" xmlns:a16="http://schemas.microsoft.com/office/drawing/2014/main" xmlns="" w="9525">
                   <a:solidFill>
                     <a:srgbClr val="000000"/>
                   </a:solidFill>
@@ -14587,7 +17937,7 @@
             </a:ln>
             <a:extLst>
               <a:ext uri="{91240B29-F687-4f45-9708-019B960494DF}">
-                <a14:hiddenLine xmlns="" xmlns:a16="http://schemas.microsoft.com/office/drawing/2014/main" xmlns:p14="http://schemas.microsoft.com/office/powerpoint/2010/main" xmlns:a14="http://schemas.microsoft.com/office/drawing/2010/main" w="9525">
+                <a14:hiddenLine xmlns:a14="http://schemas.microsoft.com/office/drawing/2010/main" xmlns:p14="http://schemas.microsoft.com/office/powerpoint/2010/main" xmlns:a16="http://schemas.microsoft.com/office/drawing/2014/main" xmlns="" w="9525">
                   <a:solidFill>
                     <a:srgbClr val="000000"/>
                   </a:solidFill>
@@ -14692,7 +18042,7 @@
             </a:ln>
             <a:extLst>
               <a:ext uri="{91240B29-F687-4f45-9708-019B960494DF}">
-                <a14:hiddenLine xmlns="" xmlns:a16="http://schemas.microsoft.com/office/drawing/2014/main" xmlns:p14="http://schemas.microsoft.com/office/powerpoint/2010/main" xmlns:a14="http://schemas.microsoft.com/office/drawing/2010/main" w="9525">
+                <a14:hiddenLine xmlns:a14="http://schemas.microsoft.com/office/drawing/2010/main" xmlns:p14="http://schemas.microsoft.com/office/powerpoint/2010/main" xmlns:a16="http://schemas.microsoft.com/office/drawing/2014/main" xmlns="" w="9525">
                   <a:solidFill>
                     <a:srgbClr val="000000"/>
                   </a:solidFill>
@@ -14797,7 +18147,7 @@
             </a:ln>
             <a:extLst>
               <a:ext uri="{91240B29-F687-4f45-9708-019B960494DF}">
-                <a14:hiddenLine xmlns="" xmlns:a16="http://schemas.microsoft.com/office/drawing/2014/main" xmlns:p14="http://schemas.microsoft.com/office/powerpoint/2010/main" xmlns:a14="http://schemas.microsoft.com/office/drawing/2010/main" w="9525">
+                <a14:hiddenLine xmlns:a14="http://schemas.microsoft.com/office/drawing/2010/main" xmlns:p14="http://schemas.microsoft.com/office/powerpoint/2010/main" xmlns:a16="http://schemas.microsoft.com/office/drawing/2014/main" xmlns="" w="9525">
                   <a:solidFill>
                     <a:srgbClr val="000000"/>
                   </a:solidFill>
@@ -14874,7 +18224,7 @@
             </a:ln>
             <a:extLst>
               <a:ext uri="{91240B29-F687-4f45-9708-019B960494DF}">
-                <a14:hiddenLine xmlns="" xmlns:a16="http://schemas.microsoft.com/office/drawing/2014/main" xmlns:p14="http://schemas.microsoft.com/office/powerpoint/2010/main" xmlns:a14="http://schemas.microsoft.com/office/drawing/2010/main" w="9525">
+                <a14:hiddenLine xmlns:a14="http://schemas.microsoft.com/office/drawing/2010/main" xmlns:p14="http://schemas.microsoft.com/office/powerpoint/2010/main" xmlns:a16="http://schemas.microsoft.com/office/drawing/2014/main" xmlns="" w="9525">
                   <a:solidFill>
                     <a:srgbClr val="000000"/>
                   </a:solidFill>
@@ -14979,7 +18329,7 @@
             </a:ln>
             <a:extLst>
               <a:ext uri="{91240B29-F687-4f45-9708-019B960494DF}">
-                <a14:hiddenLine xmlns="" xmlns:a16="http://schemas.microsoft.com/office/drawing/2014/main" xmlns:p14="http://schemas.microsoft.com/office/powerpoint/2010/main" xmlns:a14="http://schemas.microsoft.com/office/drawing/2010/main" w="9525">
+                <a14:hiddenLine xmlns:a14="http://schemas.microsoft.com/office/drawing/2010/main" xmlns:p14="http://schemas.microsoft.com/office/powerpoint/2010/main" xmlns:a16="http://schemas.microsoft.com/office/drawing/2014/main" xmlns="" w="9525">
                   <a:solidFill>
                     <a:srgbClr val="000000"/>
                   </a:solidFill>
@@ -15084,7 +18434,7 @@
             </a:ln>
             <a:extLst>
               <a:ext uri="{91240B29-F687-4f45-9708-019B960494DF}">
-                <a14:hiddenLine xmlns="" xmlns:a16="http://schemas.microsoft.com/office/drawing/2014/main" xmlns:p14="http://schemas.microsoft.com/office/powerpoint/2010/main" xmlns:a14="http://schemas.microsoft.com/office/drawing/2010/main" w="9525">
+                <a14:hiddenLine xmlns:a14="http://schemas.microsoft.com/office/drawing/2010/main" xmlns:p14="http://schemas.microsoft.com/office/powerpoint/2010/main" xmlns:a16="http://schemas.microsoft.com/office/drawing/2014/main" xmlns="" w="9525">
                   <a:solidFill>
                     <a:srgbClr val="000000"/>
                   </a:solidFill>
@@ -15155,7 +18505,7 @@
             </a:ln>
             <a:extLst>
               <a:ext uri="{91240B29-F687-4f45-9708-019B960494DF}">
-                <a14:hiddenLine xmlns="" xmlns:a16="http://schemas.microsoft.com/office/drawing/2014/main" xmlns:p14="http://schemas.microsoft.com/office/powerpoint/2010/main" xmlns:a14="http://schemas.microsoft.com/office/drawing/2010/main" w="9525">
+                <a14:hiddenLine xmlns:a14="http://schemas.microsoft.com/office/drawing/2010/main" xmlns:p14="http://schemas.microsoft.com/office/powerpoint/2010/main" xmlns:a16="http://schemas.microsoft.com/office/drawing/2014/main" xmlns="" w="9525">
                   <a:solidFill>
                     <a:srgbClr val="000000"/>
                   </a:solidFill>
@@ -15260,7 +18610,7 @@
             </a:ln>
             <a:extLst>
               <a:ext uri="{91240B29-F687-4f45-9708-019B960494DF}">
-                <a14:hiddenLine xmlns="" xmlns:a16="http://schemas.microsoft.com/office/drawing/2014/main" xmlns:p14="http://schemas.microsoft.com/office/powerpoint/2010/main" xmlns:a14="http://schemas.microsoft.com/office/drawing/2010/main" w="9525">
+                <a14:hiddenLine xmlns:a14="http://schemas.microsoft.com/office/drawing/2010/main" xmlns:p14="http://schemas.microsoft.com/office/powerpoint/2010/main" xmlns:a16="http://schemas.microsoft.com/office/drawing/2014/main" xmlns="" w="9525">
                   <a:solidFill>
                     <a:srgbClr val="000000"/>
                   </a:solidFill>
@@ -15331,7 +18681,7 @@
             </a:ln>
             <a:extLst>
               <a:ext uri="{91240B29-F687-4f45-9708-019B960494DF}">
-                <a14:hiddenLine xmlns="" xmlns:a16="http://schemas.microsoft.com/office/drawing/2014/main" xmlns:p14="http://schemas.microsoft.com/office/powerpoint/2010/main" xmlns:a14="http://schemas.microsoft.com/office/drawing/2010/main" w="9525">
+                <a14:hiddenLine xmlns:a14="http://schemas.microsoft.com/office/drawing/2010/main" xmlns:p14="http://schemas.microsoft.com/office/powerpoint/2010/main" xmlns:a16="http://schemas.microsoft.com/office/drawing/2014/main" xmlns="" w="9525">
                   <a:solidFill>
                     <a:srgbClr val="000000"/>
                   </a:solidFill>
@@ -15436,7 +18786,7 @@
             </a:ln>
             <a:extLst>
               <a:ext uri="{91240B29-F687-4f45-9708-019B960494DF}">
-                <a14:hiddenLine xmlns="" xmlns:a16="http://schemas.microsoft.com/office/drawing/2014/main" xmlns:p14="http://schemas.microsoft.com/office/powerpoint/2010/main" xmlns:a14="http://schemas.microsoft.com/office/drawing/2010/main" w="9525">
+                <a14:hiddenLine xmlns:a14="http://schemas.microsoft.com/office/drawing/2010/main" xmlns:p14="http://schemas.microsoft.com/office/powerpoint/2010/main" xmlns:a16="http://schemas.microsoft.com/office/drawing/2014/main" xmlns="" w="9525">
                   <a:solidFill>
                     <a:srgbClr val="000000"/>
                   </a:solidFill>
@@ -15519,7 +18869,7 @@
             </a:ln>
             <a:extLst>
               <a:ext uri="{91240B29-F687-4f45-9708-019B960494DF}">
-                <a14:hiddenLine xmlns="" xmlns:a16="http://schemas.microsoft.com/office/drawing/2014/main" xmlns:p14="http://schemas.microsoft.com/office/powerpoint/2010/main" xmlns:a14="http://schemas.microsoft.com/office/drawing/2010/main" w="9525">
+                <a14:hiddenLine xmlns:a14="http://schemas.microsoft.com/office/drawing/2010/main" xmlns:p14="http://schemas.microsoft.com/office/powerpoint/2010/main" xmlns:a16="http://schemas.microsoft.com/office/drawing/2014/main" xmlns="" w="9525">
                   <a:solidFill>
                     <a:srgbClr val="000000"/>
                   </a:solidFill>
@@ -15624,7 +18974,7 @@
             </a:ln>
             <a:extLst>
               <a:ext uri="{91240B29-F687-4f45-9708-019B960494DF}">
-                <a14:hiddenLine xmlns="" xmlns:a16="http://schemas.microsoft.com/office/drawing/2014/main" xmlns:p14="http://schemas.microsoft.com/office/powerpoint/2010/main" xmlns:a14="http://schemas.microsoft.com/office/drawing/2010/main" w="9525">
+                <a14:hiddenLine xmlns:a14="http://schemas.microsoft.com/office/drawing/2010/main" xmlns:p14="http://schemas.microsoft.com/office/powerpoint/2010/main" xmlns:a16="http://schemas.microsoft.com/office/drawing/2014/main" xmlns="" w="9525">
                   <a:solidFill>
                     <a:srgbClr val="000000"/>
                   </a:solidFill>
@@ -15707,7 +19057,7 @@
             </a:ln>
             <a:extLst>
               <a:ext uri="{91240B29-F687-4f45-9708-019B960494DF}">
-                <a14:hiddenLine xmlns="" xmlns:a16="http://schemas.microsoft.com/office/drawing/2014/main" xmlns:p14="http://schemas.microsoft.com/office/powerpoint/2010/main" xmlns:a14="http://schemas.microsoft.com/office/drawing/2010/main" w="9525">
+                <a14:hiddenLine xmlns:a14="http://schemas.microsoft.com/office/drawing/2010/main" xmlns:p14="http://schemas.microsoft.com/office/powerpoint/2010/main" xmlns:a16="http://schemas.microsoft.com/office/drawing/2014/main" xmlns="" w="9525">
                   <a:solidFill>
                     <a:srgbClr val="000000"/>
                   </a:solidFill>
@@ -15812,7 +19162,7 @@
             </a:ln>
             <a:extLst>
               <a:ext uri="{91240B29-F687-4f45-9708-019B960494DF}">
-                <a14:hiddenLine xmlns="" xmlns:a16="http://schemas.microsoft.com/office/drawing/2014/main" xmlns:p14="http://schemas.microsoft.com/office/powerpoint/2010/main" xmlns:a14="http://schemas.microsoft.com/office/drawing/2010/main" w="9525">
+                <a14:hiddenLine xmlns:a14="http://schemas.microsoft.com/office/drawing/2010/main" xmlns:p14="http://schemas.microsoft.com/office/powerpoint/2010/main" xmlns:a16="http://schemas.microsoft.com/office/drawing/2014/main" xmlns="" w="9525">
                   <a:solidFill>
                     <a:srgbClr val="000000"/>
                   </a:solidFill>
@@ -15861,7 +19211,7 @@
             </a:ln>
             <a:extLst>
               <a:ext uri="{91240B29-F687-4f45-9708-019B960494DF}">
-                <a14:hiddenLine xmlns="" xmlns:a16="http://schemas.microsoft.com/office/drawing/2014/main" xmlns:p14="http://schemas.microsoft.com/office/powerpoint/2010/main" xmlns:a14="http://schemas.microsoft.com/office/drawing/2010/main" w="9525">
+                <a14:hiddenLine xmlns:a14="http://schemas.microsoft.com/office/drawing/2010/main" xmlns:p14="http://schemas.microsoft.com/office/powerpoint/2010/main" xmlns:a16="http://schemas.microsoft.com/office/drawing/2014/main" xmlns="" w="9525">
                   <a:solidFill>
                     <a:srgbClr val="000000"/>
                   </a:solidFill>
@@ -15966,7 +19316,7 @@
             </a:ln>
             <a:extLst>
               <a:ext uri="{91240B29-F687-4f45-9708-019B960494DF}">
-                <a14:hiddenLine xmlns="" xmlns:a16="http://schemas.microsoft.com/office/drawing/2014/main" xmlns:p14="http://schemas.microsoft.com/office/powerpoint/2010/main" xmlns:a14="http://schemas.microsoft.com/office/drawing/2010/main" w="9525">
+                <a14:hiddenLine xmlns:a14="http://schemas.microsoft.com/office/drawing/2010/main" xmlns:p14="http://schemas.microsoft.com/office/powerpoint/2010/main" xmlns:a16="http://schemas.microsoft.com/office/drawing/2014/main" xmlns="" w="9525">
                   <a:solidFill>
                     <a:srgbClr val="000000"/>
                   </a:solidFill>
@@ -16043,7 +19393,7 @@
             </a:ln>
             <a:extLst>
               <a:ext uri="{91240B29-F687-4f45-9708-019B960494DF}">
-                <a14:hiddenLine xmlns="" xmlns:a16="http://schemas.microsoft.com/office/drawing/2014/main" xmlns:p14="http://schemas.microsoft.com/office/powerpoint/2010/main" xmlns:a14="http://schemas.microsoft.com/office/drawing/2010/main" w="9525">
+                <a14:hiddenLine xmlns:a14="http://schemas.microsoft.com/office/drawing/2010/main" xmlns:p14="http://schemas.microsoft.com/office/powerpoint/2010/main" xmlns:a16="http://schemas.microsoft.com/office/drawing/2014/main" xmlns="" w="9525">
                   <a:solidFill>
                     <a:srgbClr val="000000"/>
                   </a:solidFill>
@@ -16120,7 +19470,7 @@
             </a:ln>
             <a:extLst>
               <a:ext uri="{91240B29-F687-4f45-9708-019B960494DF}">
-                <a14:hiddenLine xmlns="" xmlns:a16="http://schemas.microsoft.com/office/drawing/2014/main" xmlns:p14="http://schemas.microsoft.com/office/powerpoint/2010/main" xmlns:a14="http://schemas.microsoft.com/office/drawing/2010/main" w="9525">
+                <a14:hiddenLine xmlns:a14="http://schemas.microsoft.com/office/drawing/2010/main" xmlns:p14="http://schemas.microsoft.com/office/powerpoint/2010/main" xmlns:a16="http://schemas.microsoft.com/office/drawing/2014/main" xmlns="" w="9525">
                   <a:solidFill>
                     <a:srgbClr val="000000"/>
                   </a:solidFill>
@@ -16225,7 +19575,7 @@
             </a:ln>
             <a:extLst>
               <a:ext uri="{91240B29-F687-4f45-9708-019B960494DF}">
-                <a14:hiddenLine xmlns="" xmlns:a16="http://schemas.microsoft.com/office/drawing/2014/main" xmlns:p14="http://schemas.microsoft.com/office/powerpoint/2010/main" xmlns:a14="http://schemas.microsoft.com/office/drawing/2010/main" w="9525">
+                <a14:hiddenLine xmlns:a14="http://schemas.microsoft.com/office/drawing/2010/main" xmlns:p14="http://schemas.microsoft.com/office/powerpoint/2010/main" xmlns:a16="http://schemas.microsoft.com/office/drawing/2014/main" xmlns="" w="9525">
                   <a:solidFill>
                     <a:srgbClr val="000000"/>
                   </a:solidFill>
@@ -16308,7 +19658,7 @@
             </a:ln>
             <a:extLst>
               <a:ext uri="{91240B29-F687-4f45-9708-019B960494DF}">
-                <a14:hiddenLine xmlns="" xmlns:a16="http://schemas.microsoft.com/office/drawing/2014/main" xmlns:p14="http://schemas.microsoft.com/office/powerpoint/2010/main" xmlns:a14="http://schemas.microsoft.com/office/drawing/2010/main" w="9525">
+                <a14:hiddenLine xmlns:a14="http://schemas.microsoft.com/office/drawing/2010/main" xmlns:p14="http://schemas.microsoft.com/office/powerpoint/2010/main" xmlns:a16="http://schemas.microsoft.com/office/drawing/2014/main" xmlns="" w="9525">
                   <a:solidFill>
                     <a:srgbClr val="000000"/>
                   </a:solidFill>
@@ -16385,7 +19735,7 @@
             </a:ln>
             <a:extLst>
               <a:ext uri="{91240B29-F687-4f45-9708-019B960494DF}">
-                <a14:hiddenLine xmlns="" xmlns:a16="http://schemas.microsoft.com/office/drawing/2014/main" xmlns:p14="http://schemas.microsoft.com/office/powerpoint/2010/main" xmlns:a14="http://schemas.microsoft.com/office/drawing/2010/main" w="9525">
+                <a14:hiddenLine xmlns:a14="http://schemas.microsoft.com/office/drawing/2010/main" xmlns:p14="http://schemas.microsoft.com/office/powerpoint/2010/main" xmlns:a16="http://schemas.microsoft.com/office/drawing/2014/main" xmlns="" w="9525">
                   <a:solidFill>
                     <a:srgbClr val="000000"/>
                   </a:solidFill>
@@ -16490,7 +19840,7 @@
             </a:ln>
             <a:extLst>
               <a:ext uri="{91240B29-F687-4f45-9708-019B960494DF}">
-                <a14:hiddenLine xmlns="" xmlns:a16="http://schemas.microsoft.com/office/drawing/2014/main" xmlns:p14="http://schemas.microsoft.com/office/powerpoint/2010/main" xmlns:a14="http://schemas.microsoft.com/office/drawing/2010/main" w="9525">
+                <a14:hiddenLine xmlns:a14="http://schemas.microsoft.com/office/drawing/2010/main" xmlns:p14="http://schemas.microsoft.com/office/powerpoint/2010/main" xmlns:a16="http://schemas.microsoft.com/office/drawing/2014/main" xmlns="" w="9525">
                   <a:solidFill>
                     <a:srgbClr val="000000"/>
                   </a:solidFill>
@@ -16567,7 +19917,7 @@
             </a:ln>
             <a:extLst>
               <a:ext uri="{91240B29-F687-4f45-9708-019B960494DF}">
-                <a14:hiddenLine xmlns="" xmlns:a16="http://schemas.microsoft.com/office/drawing/2014/main" xmlns:p14="http://schemas.microsoft.com/office/powerpoint/2010/main" xmlns:a14="http://schemas.microsoft.com/office/drawing/2010/main" w="9525">
+                <a14:hiddenLine xmlns:a14="http://schemas.microsoft.com/office/drawing/2010/main" xmlns:p14="http://schemas.microsoft.com/office/powerpoint/2010/main" xmlns:a16="http://schemas.microsoft.com/office/drawing/2014/main" xmlns="" w="9525">
                   <a:solidFill>
                     <a:srgbClr val="000000"/>
                   </a:solidFill>
@@ -16672,7 +20022,7 @@
             </a:ln>
             <a:extLst>
               <a:ext uri="{91240B29-F687-4f45-9708-019B960494DF}">
-                <a14:hiddenLine xmlns="" xmlns:a16="http://schemas.microsoft.com/office/drawing/2014/main" xmlns:p14="http://schemas.microsoft.com/office/powerpoint/2010/main" xmlns:a14="http://schemas.microsoft.com/office/drawing/2010/main" w="9525">
+                <a14:hiddenLine xmlns:a14="http://schemas.microsoft.com/office/drawing/2010/main" xmlns:p14="http://schemas.microsoft.com/office/powerpoint/2010/main" xmlns:a16="http://schemas.microsoft.com/office/drawing/2014/main" xmlns="" w="9525">
                   <a:solidFill>
                     <a:srgbClr val="000000"/>
                   </a:solidFill>
@@ -16749,7 +20099,7 @@
             </a:ln>
             <a:extLst>
               <a:ext uri="{91240B29-F687-4f45-9708-019B960494DF}">
-                <a14:hiddenLine xmlns="" xmlns:a16="http://schemas.microsoft.com/office/drawing/2014/main" xmlns:p14="http://schemas.microsoft.com/office/powerpoint/2010/main" xmlns:a14="http://schemas.microsoft.com/office/drawing/2010/main" w="9525">
+                <a14:hiddenLine xmlns:a14="http://schemas.microsoft.com/office/drawing/2010/main" xmlns:p14="http://schemas.microsoft.com/office/powerpoint/2010/main" xmlns:a16="http://schemas.microsoft.com/office/drawing/2014/main" xmlns="" w="9525">
                   <a:solidFill>
                     <a:srgbClr val="000000"/>
                   </a:solidFill>
@@ -16854,7 +20204,7 @@
             </a:ln>
             <a:extLst>
               <a:ext uri="{91240B29-F687-4f45-9708-019B960494DF}">
-                <a14:hiddenLine xmlns="" xmlns:a16="http://schemas.microsoft.com/office/drawing/2014/main" xmlns:p14="http://schemas.microsoft.com/office/powerpoint/2010/main" xmlns:a14="http://schemas.microsoft.com/office/drawing/2010/main" w="9525">
+                <a14:hiddenLine xmlns:a14="http://schemas.microsoft.com/office/drawing/2010/main" xmlns:p14="http://schemas.microsoft.com/office/powerpoint/2010/main" xmlns:a16="http://schemas.microsoft.com/office/drawing/2014/main" xmlns="" w="9525">
                   <a:solidFill>
                     <a:srgbClr val="000000"/>
                   </a:solidFill>
@@ -16903,7 +20253,7 @@
             </a:ln>
             <a:extLst>
               <a:ext uri="{91240B29-F687-4f45-9708-019B960494DF}">
-                <a14:hiddenLine xmlns="" xmlns:a16="http://schemas.microsoft.com/office/drawing/2014/main" xmlns:p14="http://schemas.microsoft.com/office/powerpoint/2010/main" xmlns:a14="http://schemas.microsoft.com/office/drawing/2010/main" w="9525">
+                <a14:hiddenLine xmlns:a14="http://schemas.microsoft.com/office/drawing/2010/main" xmlns:p14="http://schemas.microsoft.com/office/powerpoint/2010/main" xmlns:a16="http://schemas.microsoft.com/office/drawing/2014/main" xmlns="" w="9525">
                   <a:solidFill>
                     <a:srgbClr val="000000"/>
                   </a:solidFill>
@@ -16983,7 +20333,7 @@
             </a:ln>
             <a:extLst>
               <a:ext uri="{91240B29-F687-4f45-9708-019B960494DF}">
-                <a14:hiddenLine xmlns="" xmlns:a16="http://schemas.microsoft.com/office/drawing/2014/main" xmlns:p14="http://schemas.microsoft.com/office/powerpoint/2010/main" xmlns:a14="http://schemas.microsoft.com/office/drawing/2010/main" w="9525">
+                <a14:hiddenLine xmlns:a14="http://schemas.microsoft.com/office/drawing/2010/main" xmlns:p14="http://schemas.microsoft.com/office/powerpoint/2010/main" xmlns:a16="http://schemas.microsoft.com/office/drawing/2014/main" xmlns="" w="9525">
                   <a:solidFill>
                     <a:srgbClr val="000000"/>
                   </a:solidFill>
@@ -17088,7 +20438,7 @@
             </a:ln>
             <a:extLst>
               <a:ext uri="{91240B29-F687-4f45-9708-019B960494DF}">
-                <a14:hiddenLine xmlns="" xmlns:a16="http://schemas.microsoft.com/office/drawing/2014/main" xmlns:p14="http://schemas.microsoft.com/office/powerpoint/2010/main" xmlns:a14="http://schemas.microsoft.com/office/drawing/2010/main" w="9525">
+                <a14:hiddenLine xmlns:a14="http://schemas.microsoft.com/office/drawing/2010/main" xmlns:p14="http://schemas.microsoft.com/office/powerpoint/2010/main" xmlns:a16="http://schemas.microsoft.com/office/drawing/2014/main" xmlns="" w="9525">
                   <a:solidFill>
                     <a:srgbClr val="000000"/>
                   </a:solidFill>
@@ -17165,7 +20515,7 @@
             </a:ln>
             <a:extLst>
               <a:ext uri="{91240B29-F687-4f45-9708-019B960494DF}">
-                <a14:hiddenLine xmlns="" xmlns:a16="http://schemas.microsoft.com/office/drawing/2014/main" xmlns:p14="http://schemas.microsoft.com/office/powerpoint/2010/main" xmlns:a14="http://schemas.microsoft.com/office/drawing/2010/main" w="9525">
+                <a14:hiddenLine xmlns:a14="http://schemas.microsoft.com/office/drawing/2010/main" xmlns:p14="http://schemas.microsoft.com/office/powerpoint/2010/main" xmlns:a16="http://schemas.microsoft.com/office/drawing/2014/main" xmlns="" w="9525">
                   <a:solidFill>
                     <a:srgbClr val="000000"/>
                   </a:solidFill>
@@ -17270,7 +20620,7 @@
             </a:ln>
             <a:extLst>
               <a:ext uri="{91240B29-F687-4f45-9708-019B960494DF}">
-                <a14:hiddenLine xmlns="" xmlns:a16="http://schemas.microsoft.com/office/drawing/2014/main" xmlns:p14="http://schemas.microsoft.com/office/powerpoint/2010/main" xmlns:a14="http://schemas.microsoft.com/office/drawing/2010/main" w="9525">
+                <a14:hiddenLine xmlns:a14="http://schemas.microsoft.com/office/drawing/2010/main" xmlns:p14="http://schemas.microsoft.com/office/powerpoint/2010/main" xmlns:a16="http://schemas.microsoft.com/office/drawing/2014/main" xmlns="" w="9525">
                   <a:solidFill>
                     <a:srgbClr val="000000"/>
                   </a:solidFill>
@@ -17375,7 +20725,7 @@
             </a:ln>
             <a:extLst>
               <a:ext uri="{91240B29-F687-4f45-9708-019B960494DF}">
-                <a14:hiddenLine xmlns="" xmlns:a16="http://schemas.microsoft.com/office/drawing/2014/main" xmlns:p14="http://schemas.microsoft.com/office/powerpoint/2010/main" xmlns:a14="http://schemas.microsoft.com/office/drawing/2010/main" w="9525">
+                <a14:hiddenLine xmlns:a14="http://schemas.microsoft.com/office/drawing/2010/main" xmlns:p14="http://schemas.microsoft.com/office/powerpoint/2010/main" xmlns:a16="http://schemas.microsoft.com/office/drawing/2014/main" xmlns="" w="9525">
                   <a:solidFill>
                     <a:srgbClr val="000000"/>
                   </a:solidFill>
@@ -17455,7 +20805,7 @@
             </a:ln>
             <a:extLst>
               <a:ext uri="{91240B29-F687-4f45-9708-019B960494DF}">
-                <a14:hiddenLine xmlns="" xmlns:a16="http://schemas.microsoft.com/office/drawing/2014/main" xmlns:p14="http://schemas.microsoft.com/office/powerpoint/2010/main" xmlns:a14="http://schemas.microsoft.com/office/drawing/2010/main" w="9525">
+                <a14:hiddenLine xmlns:a14="http://schemas.microsoft.com/office/drawing/2010/main" xmlns:p14="http://schemas.microsoft.com/office/powerpoint/2010/main" xmlns:a16="http://schemas.microsoft.com/office/drawing/2014/main" xmlns="" w="9525">
                   <a:solidFill>
                     <a:srgbClr val="000000"/>
                   </a:solidFill>
@@ -17532,7 +20882,7 @@
             </a:ln>
             <a:extLst>
               <a:ext uri="{91240B29-F687-4f45-9708-019B960494DF}">
-                <a14:hiddenLine xmlns="" xmlns:a16="http://schemas.microsoft.com/office/drawing/2014/main" xmlns:p14="http://schemas.microsoft.com/office/powerpoint/2010/main" xmlns:a14="http://schemas.microsoft.com/office/drawing/2010/main" w="9525">
+                <a14:hiddenLine xmlns:a14="http://schemas.microsoft.com/office/drawing/2010/main" xmlns:p14="http://schemas.microsoft.com/office/powerpoint/2010/main" xmlns:a16="http://schemas.microsoft.com/office/drawing/2014/main" xmlns="" w="9525">
                   <a:solidFill>
                     <a:srgbClr val="000000"/>
                   </a:solidFill>
@@ -17637,7 +20987,7 @@
             </a:ln>
             <a:extLst>
               <a:ext uri="{91240B29-F687-4f45-9708-019B960494DF}">
-                <a14:hiddenLine xmlns="" xmlns:a16="http://schemas.microsoft.com/office/drawing/2014/main" xmlns:p14="http://schemas.microsoft.com/office/powerpoint/2010/main" xmlns:a14="http://schemas.microsoft.com/office/drawing/2010/main" w="9525">
+                <a14:hiddenLine xmlns:a14="http://schemas.microsoft.com/office/drawing/2010/main" xmlns:p14="http://schemas.microsoft.com/office/powerpoint/2010/main" xmlns:a16="http://schemas.microsoft.com/office/drawing/2014/main" xmlns="" w="9525">
                   <a:solidFill>
                     <a:srgbClr val="000000"/>
                   </a:solidFill>
@@ -17742,7 +21092,7 @@
             </a:ln>
             <a:extLst>
               <a:ext uri="{91240B29-F687-4f45-9708-019B960494DF}">
-                <a14:hiddenLine xmlns="" xmlns:a16="http://schemas.microsoft.com/office/drawing/2014/main" xmlns:p14="http://schemas.microsoft.com/office/powerpoint/2010/main" xmlns:a14="http://schemas.microsoft.com/office/drawing/2010/main" w="9525">
+                <a14:hiddenLine xmlns:a14="http://schemas.microsoft.com/office/drawing/2010/main" xmlns:p14="http://schemas.microsoft.com/office/powerpoint/2010/main" xmlns:a16="http://schemas.microsoft.com/office/drawing/2014/main" xmlns="" w="9525">
                   <a:solidFill>
                     <a:srgbClr val="000000"/>
                   </a:solidFill>
@@ -17819,7 +21169,7 @@
             </a:ln>
             <a:extLst>
               <a:ext uri="{91240B29-F687-4f45-9708-019B960494DF}">
-                <a14:hiddenLine xmlns="" xmlns:a16="http://schemas.microsoft.com/office/drawing/2014/main" xmlns:p14="http://schemas.microsoft.com/office/powerpoint/2010/main" xmlns:a14="http://schemas.microsoft.com/office/drawing/2010/main" w="9525">
+                <a14:hiddenLine xmlns:a14="http://schemas.microsoft.com/office/drawing/2010/main" xmlns:p14="http://schemas.microsoft.com/office/powerpoint/2010/main" xmlns:a16="http://schemas.microsoft.com/office/drawing/2014/main" xmlns="" w="9525">
                   <a:solidFill>
                     <a:srgbClr val="000000"/>
                   </a:solidFill>
@@ -17954,7 +21304,7 @@
             </a:ln>
             <a:extLst>
               <a:ext uri="{91240B29-F687-4f45-9708-019B960494DF}">
-                <a14:hiddenLine xmlns="" xmlns:a16="http://schemas.microsoft.com/office/drawing/2014/main" xmlns:p14="http://schemas.microsoft.com/office/powerpoint/2010/main" xmlns:a14="http://schemas.microsoft.com/office/drawing/2010/main" w="9525">
+                <a14:hiddenLine xmlns:a14="http://schemas.microsoft.com/office/drawing/2010/main" xmlns:p14="http://schemas.microsoft.com/office/powerpoint/2010/main" xmlns:a16="http://schemas.microsoft.com/office/drawing/2014/main" xmlns="" w="9525">
                   <a:solidFill>
                     <a:srgbClr val="000000"/>
                   </a:solidFill>
@@ -18037,7 +21387,7 @@
             </a:ln>
             <a:extLst>
               <a:ext uri="{91240B29-F687-4f45-9708-019B960494DF}">
-                <a14:hiddenLine xmlns="" xmlns:a16="http://schemas.microsoft.com/office/drawing/2014/main" xmlns:p14="http://schemas.microsoft.com/office/powerpoint/2010/main" xmlns:a14="http://schemas.microsoft.com/office/drawing/2010/main" w="9525">
+                <a14:hiddenLine xmlns:a14="http://schemas.microsoft.com/office/drawing/2010/main" xmlns:p14="http://schemas.microsoft.com/office/powerpoint/2010/main" xmlns:a16="http://schemas.microsoft.com/office/drawing/2014/main" xmlns="" w="9525">
                   <a:solidFill>
                     <a:srgbClr val="000000"/>
                   </a:solidFill>
@@ -18142,7 +21492,7 @@
             </a:ln>
             <a:extLst>
               <a:ext uri="{91240B29-F687-4f45-9708-019B960494DF}">
-                <a14:hiddenLine xmlns="" xmlns:a16="http://schemas.microsoft.com/office/drawing/2014/main" xmlns:p14="http://schemas.microsoft.com/office/powerpoint/2010/main" xmlns:a14="http://schemas.microsoft.com/office/drawing/2010/main" w="9525">
+                <a14:hiddenLine xmlns:a14="http://schemas.microsoft.com/office/drawing/2010/main" xmlns:p14="http://schemas.microsoft.com/office/powerpoint/2010/main" xmlns:a16="http://schemas.microsoft.com/office/drawing/2014/main" xmlns="" w="9525">
                   <a:solidFill>
                     <a:srgbClr val="000000"/>
                   </a:solidFill>
@@ -18526,9 +21876,25 @@
   <p:cSld>
     <p:bg>
       <p:bgPr>
-        <a:solidFill>
-          <a:schemeClr val="bg1"/>
-        </a:solidFill>
+        <a:blipFill>
+          <a:blip r:embed="rId2">
+            <a:duotone>
+              <a:schemeClr val="bg2">
+                <a:shade val="88000"/>
+                <a:hueMod val="106000"/>
+                <a:satMod val="140000"/>
+                <a:lumMod val="54000"/>
+              </a:schemeClr>
+              <a:schemeClr val="bg2">
+                <a:tint val="98000"/>
+                <a:hueMod val="90000"/>
+                <a:satMod val="150000"/>
+                <a:lumMod val="160000"/>
+              </a:schemeClr>
+            </a:duotone>
+          </a:blip>
+          <a:stretch/>
+        </a:blipFill>
         <a:effectLst/>
       </p:bgPr>
     </p:bg>
@@ -18548,10 +21914,10 @@
       </p:grpSpPr>
       <p:sp useBgFill="1">
         <p:nvSpPr>
-          <p:cNvPr id="12" name="Rectangle 11">
+          <p:cNvPr id="109" name="Rectangle 61">
             <a:extLst>
               <a:ext uri="{FF2B5EF4-FFF2-40B4-BE49-F238E27FC236}">
-                <a16:creationId xmlns:a16="http://schemas.microsoft.com/office/drawing/2014/main" id="{6697F791-5FFA-4164-899F-EB52EA72B024}"/>
+                <a16:creationId xmlns:a16="http://schemas.microsoft.com/office/drawing/2014/main" id="{C2E4E997-8672-4FFD-B8EC-9932A8E4714B}"/>
               </a:ext>
               <a:ext uri="{C183D7F6-B498-43B3-948B-1728B52AA6E4}">
                 <adec:decorative xmlns:adec="http://schemas.microsoft.com/office/drawing/2017/decorative" val="1"/>
@@ -18571,7 +21937,7 @@
         </p:nvSpPr>
         <p:spPr>
           <a:xfrm>
-            <a:off x="0" y="-1"/>
+            <a:off x="0" y="0"/>
             <a:ext cx="12192000" cy="6858000"/>
           </a:xfrm>
           <a:prstGeom prst="rect">
@@ -18580,128 +21946,6 @@
           <a:ln>
             <a:noFill/>
           </a:ln>
-        </p:spPr>
-        <p:style>
-          <a:lnRef idx="2">
-            <a:schemeClr val="accent1">
-              <a:shade val="50000"/>
-            </a:schemeClr>
-          </a:lnRef>
-          <a:fillRef idx="1">
-            <a:schemeClr val="accent1"/>
-          </a:fillRef>
-          <a:effectRef idx="0">
-            <a:schemeClr val="accent1"/>
-          </a:effectRef>
-          <a:fontRef idx="minor">
-            <a:schemeClr val="lt1"/>
-          </a:fontRef>
-        </p:style>
-        <p:txBody>
-          <a:bodyPr rtlCol="0" anchor="ctr"/>
-          <a:lstStyle/>
-          <a:p>
-            <a:pPr algn="ctr"/>
-            <a:endParaRPr lang="en-US"/>
-          </a:p>
-        </p:txBody>
-      </p:sp>
-      <p:pic>
-        <p:nvPicPr>
-          <p:cNvPr id="14" name="Picture 2">
-            <a:extLst>
-              <a:ext uri="{FF2B5EF4-FFF2-40B4-BE49-F238E27FC236}">
-                <a16:creationId xmlns:a16="http://schemas.microsoft.com/office/drawing/2014/main" id="{4E28A1A9-FB81-4816-AAEA-C3B430946951}"/>
-              </a:ext>
-              <a:ext uri="{C183D7F6-B498-43B3-948B-1728B52AA6E4}">
-                <adec:decorative xmlns:adec="http://schemas.microsoft.com/office/drawing/2017/decorative" val="1"/>
-              </a:ext>
-            </a:extLst>
-          </p:cNvPr>
-          <p:cNvPicPr>
-            <a:picLocks noGrp="1" noRot="1" noChangeAspect="1" noMove="1" noResize="1" noEditPoints="1" noAdjustHandles="1" noChangeArrowheads="1" noChangeShapeType="1" noCrop="1"/>
-          </p:cNvPicPr>
-          <p:nvPr>
-            <p:extLst>
-              <p:ext uri="{386F3935-93C4-4BCD-93E2-E3B085C9AB24}">
-                <p16:designElem xmlns:p16="http://schemas.microsoft.com/office/powerpoint/2015/main" val="1"/>
-              </p:ext>
-            </p:extLst>
-          </p:nvPr>
-        </p:nvPicPr>
-        <p:blipFill>
-          <a:blip r:embed="rId2">
-            <a:extLst>
-              <a:ext uri="{28A0092B-C50C-407E-A947-70E740481C1C}">
-                <a14:useLocalDpi xmlns:a14="http://schemas.microsoft.com/office/drawing/2010/main" val="0"/>
-              </a:ext>
-            </a:extLst>
-          </a:blip>
-          <a:srcRect/>
-          <a:stretch>
-            <a:fillRect/>
-          </a:stretch>
-        </p:blipFill>
-        <p:spPr bwMode="auto">
-          <a:xfrm>
-            <a:off x="1190" y="-2"/>
-            <a:ext cx="4061525" cy="6858001"/>
-          </a:xfrm>
-          <a:prstGeom prst="rect">
-            <a:avLst/>
-          </a:prstGeom>
-          <a:extLst>
-            <a:ext uri="{909E8E84-426E-40dd-AFC4-6F175D3DCCD1}">
-              <a14:hiddenFill xmlns="" xmlns:a16="http://schemas.microsoft.com/office/drawing/2014/main" xmlns:p14="http://schemas.microsoft.com/office/powerpoint/2010/main" xmlns:a14="http://schemas.microsoft.com/office/drawing/2010/main">
-                <a:solidFill>
-                  <a:srgbClr val="FFFFFF"/>
-                </a:solidFill>
-              </a14:hiddenFill>
-            </a:ext>
-          </a:extLst>
-        </p:spPr>
-      </p:pic>
-      <p:sp>
-        <p:nvSpPr>
-          <p:cNvPr id="16" name="Rectangle 15">
-            <a:extLst>
-              <a:ext uri="{FF2B5EF4-FFF2-40B4-BE49-F238E27FC236}">
-                <a16:creationId xmlns:a16="http://schemas.microsoft.com/office/drawing/2014/main" id="{B773AB25-A422-41AA-9737-5E04C1966DE1}"/>
-              </a:ext>
-              <a:ext uri="{C183D7F6-B498-43B3-948B-1728B52AA6E4}">
-                <adec:decorative xmlns:adec="http://schemas.microsoft.com/office/drawing/2017/decorative" val="1"/>
-              </a:ext>
-            </a:extLst>
-          </p:cNvPr>
-          <p:cNvSpPr>
-            <a:spLocks noGrp="1" noRot="1" noChangeAspect="1" noMove="1" noResize="1" noEditPoints="1" noAdjustHandles="1" noChangeArrowheads="1" noChangeShapeType="1" noTextEdit="1"/>
-          </p:cNvSpPr>
-          <p:nvPr>
-            <p:extLst>
-              <p:ext uri="{386F3935-93C4-4BCD-93E2-E3B085C9AB24}">
-                <p16:designElem xmlns:p16="http://schemas.microsoft.com/office/powerpoint/2015/main" val="1"/>
-              </p:ext>
-            </p:extLst>
-          </p:nvPr>
-        </p:nvSpPr>
-        <p:spPr>
-          <a:xfrm>
-            <a:off x="0" y="1853"/>
-            <a:ext cx="4055621" cy="6858000"/>
-          </a:xfrm>
-          <a:prstGeom prst="rect">
-            <a:avLst/>
-          </a:prstGeom>
-          <a:ln>
-            <a:noFill/>
-          </a:ln>
-          <a:effectLst>
-            <a:outerShdw blurRad="76200" dist="38100" algn="l" rotWithShape="0">
-              <a:prstClr val="black">
-                <a:alpha val="37000"/>
-              </a:prstClr>
-            </a:outerShdw>
-          </a:effectLst>
         </p:spPr>
         <p:style>
           <a:lnRef idx="2">
@@ -18730,10 +21974,10 @@
       </p:sp>
       <p:pic>
         <p:nvPicPr>
-          <p:cNvPr id="18" name="Picture 2">
+          <p:cNvPr id="110" name="Picture 2">
             <a:extLst>
               <a:ext uri="{FF2B5EF4-FFF2-40B4-BE49-F238E27FC236}">
-                <a16:creationId xmlns:a16="http://schemas.microsoft.com/office/drawing/2014/main" id="{AF0552B8-DE8C-40DF-B29F-1728E6A10619}"/>
+                <a16:creationId xmlns:a16="http://schemas.microsoft.com/office/drawing/2014/main" id="{FE6BA9E6-1D9E-4D30-B528-D49FA1342E4E}"/>
               </a:ext>
               <a:ext uri="{C183D7F6-B498-43B3-948B-1728B52AA6E4}">
                 <adec:decorative xmlns:adec="http://schemas.microsoft.com/office/drawing/2017/decorative" val="1"/>
@@ -18752,7 +21996,7 @@
           </p:nvPr>
         </p:nvPicPr>
         <p:blipFill>
-          <a:blip r:embed="rId2">
+          <a:blip r:embed="rId3">
             <a:alphaModFix amt="30000"/>
             <a:extLst>
               <a:ext uri="{28A0092B-C50C-407E-A947-70E740481C1C}">
@@ -18767,8 +22011,8 @@
         </p:blipFill>
         <p:spPr bwMode="auto">
           <a:xfrm>
-            <a:off x="-22530" y="23283"/>
-            <a:ext cx="4078152" cy="6858001"/>
+            <a:off x="0" y="0"/>
+            <a:ext cx="12192003" cy="6858001"/>
           </a:xfrm>
           <a:prstGeom prst="rect">
             <a:avLst/>
@@ -18790,7 +22034,7 @@
           <p:cNvPr id="2" name="Title 1">
             <a:extLst>
               <a:ext uri="{FF2B5EF4-FFF2-40B4-BE49-F238E27FC236}">
-                <a16:creationId xmlns:a16="http://schemas.microsoft.com/office/drawing/2014/main" id="{E08162D0-906E-1F47-98FF-F8DF527793A4}"/>
+                <a16:creationId xmlns:a16="http://schemas.microsoft.com/office/drawing/2014/main" id="{E6353161-3DF0-E04B-BD57-92F282D59530}"/>
               </a:ext>
             </a:extLst>
           </p:cNvPr>
@@ -18803,8 +22047,8 @@
         </p:nvSpPr>
         <p:spPr>
           <a:xfrm>
-            <a:off x="855266" y="618518"/>
-            <a:ext cx="2851417" cy="1478570"/>
+            <a:off x="1141413" y="618518"/>
+            <a:ext cx="4459286" cy="3896332"/>
           </a:xfrm>
         </p:spPr>
         <p:txBody>
@@ -18814,121 +22058,80 @@
           <a:lstStyle/>
           <a:p>
             <a:r>
-              <a:rPr lang="en-CN" sz="3200">
-                <a:solidFill>
-                  <a:srgbClr val="FFFFFF"/>
-                </a:solidFill>
-              </a:rPr>
-              <a:t>安排</a:t>
+              <a:rPr lang="en-CN" sz="3200" dirty="0"/>
+              <a:t>演讲</a:t>
             </a:r>
+            <a:r>
+              <a:rPr lang="zh-CN" altLang="en-US" sz="3200" dirty="0"/>
+              <a:t>：张婷</a:t>
+            </a:r>
+            <a:br>
+              <a:rPr lang="en-US" altLang="zh-CN" sz="3200" dirty="0"/>
+            </a:br>
+            <a:r>
+              <a:rPr lang="zh-CN" altLang="en-US" sz="3200" dirty="0"/>
+              <a:t>高考佳绩背后的故事</a:t>
+            </a:r>
+            <a:endParaRPr lang="en-CN" sz="3200" dirty="0"/>
           </a:p>
         </p:txBody>
       </p:sp>
-      <p:sp>
-        <p:nvSpPr>
-          <p:cNvPr id="9" name="Content Placeholder 8">
+      <p:pic>
+        <p:nvPicPr>
+          <p:cNvPr id="5" name="Content Placeholder 4" descr="A picture containing photo, person, phone, front&#10;&#10;Description automatically generated">
             <a:extLst>
               <a:ext uri="{FF2B5EF4-FFF2-40B4-BE49-F238E27FC236}">
-                <a16:creationId xmlns:a16="http://schemas.microsoft.com/office/drawing/2014/main" id="{6EB901F5-94D5-4BAA-AF00-03C8300A3CBD}"/>
+                <a16:creationId xmlns:a16="http://schemas.microsoft.com/office/drawing/2014/main" id="{54D9E8A6-1E07-3541-9B35-5D4A4F1024FF}"/>
               </a:ext>
             </a:extLst>
           </p:cNvPr>
-          <p:cNvSpPr>
-            <a:spLocks noGrp="1"/>
-          </p:cNvSpPr>
-          <p:nvPr>
-            <p:ph idx="1"/>
-          </p:nvPr>
-        </p:nvSpPr>
+          <p:cNvPicPr>
+            <a:picLocks noChangeAspect="1"/>
+          </p:cNvPicPr>
+          <p:nvPr/>
+        </p:nvPicPr>
+        <p:blipFill>
+          <a:blip r:embed="rId4"/>
+          <a:stretch>
+            <a:fillRect/>
+          </a:stretch>
+        </p:blipFill>
         <p:spPr>
           <a:xfrm>
-            <a:off x="844620" y="2249487"/>
-            <a:ext cx="2862444" cy="3957302"/>
+            <a:off x="7250260" y="618518"/>
+            <a:ext cx="3147758" cy="5596015"/>
           </a:xfrm>
+          <a:prstGeom prst="round2DiagRect">
+            <a:avLst>
+              <a:gd name="adj1" fmla="val 5608"/>
+              <a:gd name="adj2" fmla="val 0"/>
+            </a:avLst>
+          </a:prstGeom>
+          <a:ln w="19050" cap="sq">
+            <a:solidFill>
+              <a:schemeClr val="tx2">
+                <a:lumMod val="60000"/>
+                <a:lumOff val="40000"/>
+                <a:alpha val="60000"/>
+              </a:schemeClr>
+            </a:solidFill>
+            <a:miter lim="800000"/>
+          </a:ln>
+          <a:effectLst>
+            <a:outerShdw blurRad="88900" dist="38100" dir="5400000" algn="t" rotWithShape="0">
+              <a:prstClr val="black">
+                <a:alpha val="40000"/>
+              </a:prstClr>
+            </a:outerShdw>
+          </a:effectLst>
         </p:spPr>
-        <p:txBody>
-          <a:bodyPr>
-            <a:normAutofit/>
-          </a:bodyPr>
-          <a:lstStyle/>
-          <a:p>
-            <a:pPr marL="0" indent="0">
-              <a:buNone/>
-            </a:pPr>
-            <a:endParaRPr lang="en-US" sz="1800" dirty="0">
-              <a:solidFill>
-                <a:srgbClr val="FFFFFF"/>
-              </a:solidFill>
-            </a:endParaRPr>
-          </a:p>
-          <a:p>
-            <a:r>
-              <a:rPr lang="en-US" sz="1800" dirty="0" err="1">
-                <a:solidFill>
-                  <a:srgbClr val="FFFFFF"/>
-                </a:solidFill>
-              </a:rPr>
-              <a:t>大学生活</a:t>
-            </a:r>
-            <a:endParaRPr lang="en-US" sz="1800" dirty="0">
-              <a:solidFill>
-                <a:srgbClr val="FFFFFF"/>
-              </a:solidFill>
-            </a:endParaRPr>
-          </a:p>
-          <a:p>
-            <a:r>
-              <a:rPr lang="en-US" sz="1800" dirty="0" err="1">
-                <a:solidFill>
-                  <a:srgbClr val="FFFFFF"/>
-                </a:solidFill>
-              </a:rPr>
-              <a:t>英语</a:t>
-            </a:r>
-            <a:endParaRPr lang="en-US" sz="1800" dirty="0">
-              <a:solidFill>
-                <a:srgbClr val="FFFFFF"/>
-              </a:solidFill>
-            </a:endParaRPr>
-          </a:p>
-          <a:p>
-            <a:r>
-              <a:rPr lang="en-US" sz="1800" dirty="0" err="1">
-                <a:solidFill>
-                  <a:srgbClr val="FFFFFF"/>
-                </a:solidFill>
-              </a:rPr>
-              <a:t>互联网</a:t>
-            </a:r>
-            <a:endParaRPr lang="en-US" sz="1800" dirty="0">
-              <a:solidFill>
-                <a:srgbClr val="FFFFFF"/>
-              </a:solidFill>
-            </a:endParaRPr>
-          </a:p>
-          <a:p>
-            <a:r>
-              <a:rPr lang="en-US" sz="1800" dirty="0" err="1">
-                <a:solidFill>
-                  <a:srgbClr val="FFFFFF"/>
-                </a:solidFill>
-              </a:rPr>
-              <a:t>股市</a:t>
-            </a:r>
-            <a:endParaRPr lang="en-US" sz="1800" dirty="0">
-              <a:solidFill>
-                <a:srgbClr val="FFFFFF"/>
-              </a:solidFill>
-            </a:endParaRPr>
-          </a:p>
-        </p:txBody>
-      </p:sp>
+      </p:pic>
       <p:grpSp>
         <p:nvGrpSpPr>
-          <p:cNvPr id="20" name="Group 19">
+          <p:cNvPr id="66" name="Group 65">
             <a:extLst>
               <a:ext uri="{FF2B5EF4-FFF2-40B4-BE49-F238E27FC236}">
-                <a16:creationId xmlns:a16="http://schemas.microsoft.com/office/drawing/2014/main" id="{6AD0D387-1584-4477-B5F8-52B50D4F2205}"/>
+                <a16:creationId xmlns:a16="http://schemas.microsoft.com/office/drawing/2014/main" id="{453E4DEE-E996-40F8-8635-0FF43D7348F9}"/>
               </a:ext>
               <a:ext uri="{C183D7F6-B498-43B3-948B-1728B52AA6E4}">
                 <adec:decorative xmlns:adec="http://schemas.microsoft.com/office/drawing/2017/decorative" val="1"/>
@@ -18956,10 +22159,10 @@
           <a:gradFill flip="none" rotWithShape="1">
             <a:gsLst>
               <a:gs pos="0">
-                <a:schemeClr val="bg2"/>
+                <a:schemeClr val="tx2"/>
               </a:gs>
               <a:gs pos="100000">
-                <a:schemeClr val="tx2">
+                <a:schemeClr val="bg2">
                   <a:lumMod val="60000"/>
                   <a:lumOff val="40000"/>
                 </a:schemeClr>
@@ -18971,10 +22174,10 @@
         </p:grpSpPr>
         <p:sp>
           <p:nvSpPr>
-            <p:cNvPr id="21" name="Rectangle 5">
+            <p:cNvPr id="67" name="Rectangle 5">
               <a:extLst>
                 <a:ext uri="{FF2B5EF4-FFF2-40B4-BE49-F238E27FC236}">
-                  <a16:creationId xmlns:a16="http://schemas.microsoft.com/office/drawing/2014/main" id="{22C90122-8CF0-4164-B596-168DE41D39A4}"/>
+                  <a16:creationId xmlns:a16="http://schemas.microsoft.com/office/drawing/2014/main" id="{08BD1D3E-43CE-49EB-A424-0738950C6424}"/>
                 </a:ext>
                 <a:ext uri="{C183D7F6-B498-43B3-948B-1728B52AA6E4}">
                   <adec:decorative xmlns:adec="http://schemas.microsoft.com/office/drawing/2017/decorative" val="1"/>
@@ -19020,10 +22223,10 @@
         </p:sp>
         <p:sp>
           <p:nvSpPr>
-            <p:cNvPr id="22" name="Freeform 6">
+            <p:cNvPr id="68" name="Freeform 6">
               <a:extLst>
                 <a:ext uri="{FF2B5EF4-FFF2-40B4-BE49-F238E27FC236}">
-                  <a16:creationId xmlns:a16="http://schemas.microsoft.com/office/drawing/2014/main" id="{E74D534E-37A6-4D27-9C47-0B2F0527838E}"/>
+                  <a16:creationId xmlns:a16="http://schemas.microsoft.com/office/drawing/2014/main" id="{E9182037-E3FA-489A-95D5-29E4248420D8}"/>
                 </a:ext>
                 <a:ext uri="{C183D7F6-B498-43B3-948B-1728B52AA6E4}">
                   <adec:decorative xmlns:adec="http://schemas.microsoft.com/office/drawing/2017/decorative" val="1"/>
@@ -19125,10 +22328,10 @@
         </p:sp>
         <p:sp>
           <p:nvSpPr>
-            <p:cNvPr id="23" name="Freeform 7">
+            <p:cNvPr id="69" name="Freeform 7">
               <a:extLst>
                 <a:ext uri="{FF2B5EF4-FFF2-40B4-BE49-F238E27FC236}">
-                  <a16:creationId xmlns:a16="http://schemas.microsoft.com/office/drawing/2014/main" id="{1C1C156E-D2E0-468A-9B19-79521D69BF55}"/>
+                  <a16:creationId xmlns:a16="http://schemas.microsoft.com/office/drawing/2014/main" id="{E8864E76-AD7F-4BEE-B3F6-A78FA42AEFAC}"/>
                 </a:ext>
                 <a:ext uri="{C183D7F6-B498-43B3-948B-1728B52AA6E4}">
                   <adec:decorative xmlns:adec="http://schemas.microsoft.com/office/drawing/2017/decorative" val="1"/>
@@ -19230,10 +22433,10 @@
         </p:sp>
         <p:sp>
           <p:nvSpPr>
-            <p:cNvPr id="24" name="Freeform 8">
+            <p:cNvPr id="70" name="Freeform 8">
               <a:extLst>
                 <a:ext uri="{FF2B5EF4-FFF2-40B4-BE49-F238E27FC236}">
-                  <a16:creationId xmlns:a16="http://schemas.microsoft.com/office/drawing/2014/main" id="{14C97F11-4F6C-4DFF-89BC-3AEA5B7FF74F}"/>
+                  <a16:creationId xmlns:a16="http://schemas.microsoft.com/office/drawing/2014/main" id="{8AD071B3-046D-4479-91FE-01E9AD7C8AAB}"/>
                 </a:ext>
                 <a:ext uri="{C183D7F6-B498-43B3-948B-1728B52AA6E4}">
                   <adec:decorative xmlns:adec="http://schemas.microsoft.com/office/drawing/2017/decorative" val="1"/>
@@ -19307,10 +22510,10 @@
         </p:sp>
         <p:sp>
           <p:nvSpPr>
-            <p:cNvPr id="25" name="Freeform 9">
+            <p:cNvPr id="71" name="Freeform 9">
               <a:extLst>
                 <a:ext uri="{FF2B5EF4-FFF2-40B4-BE49-F238E27FC236}">
-                  <a16:creationId xmlns:a16="http://schemas.microsoft.com/office/drawing/2014/main" id="{773C2106-77CE-42E1-839F-925EAEBB2FF9}"/>
+                  <a16:creationId xmlns:a16="http://schemas.microsoft.com/office/drawing/2014/main" id="{91D776F5-E902-4A4D-A75D-A46E063C9F38}"/>
                 </a:ext>
                 <a:ext uri="{C183D7F6-B498-43B3-948B-1728B52AA6E4}">
                   <adec:decorative xmlns:adec="http://schemas.microsoft.com/office/drawing/2017/decorative" val="1"/>
@@ -19412,10 +22615,10 @@
         </p:sp>
         <p:sp>
           <p:nvSpPr>
-            <p:cNvPr id="26" name="Freeform 10">
+            <p:cNvPr id="72" name="Freeform 10">
               <a:extLst>
                 <a:ext uri="{FF2B5EF4-FFF2-40B4-BE49-F238E27FC236}">
-                  <a16:creationId xmlns:a16="http://schemas.microsoft.com/office/drawing/2014/main" id="{E2807D33-BD1F-4B09-8D93-63C06DB3C0F7}"/>
+                  <a16:creationId xmlns:a16="http://schemas.microsoft.com/office/drawing/2014/main" id="{EBED8F24-A998-4952-AB68-E2074F0746FE}"/>
                 </a:ext>
                 <a:ext uri="{C183D7F6-B498-43B3-948B-1728B52AA6E4}">
                   <adec:decorative xmlns:adec="http://schemas.microsoft.com/office/drawing/2017/decorative" val="1"/>
@@ -19489,10 +22692,10 @@
         </p:sp>
         <p:sp>
           <p:nvSpPr>
-            <p:cNvPr id="27" name="Freeform 11">
+            <p:cNvPr id="73" name="Freeform 11">
               <a:extLst>
                 <a:ext uri="{FF2B5EF4-FFF2-40B4-BE49-F238E27FC236}">
-                  <a16:creationId xmlns:a16="http://schemas.microsoft.com/office/drawing/2014/main" id="{84BDF3E8-157B-47D1-AF8E-FE1EFF0612E4}"/>
+                  <a16:creationId xmlns:a16="http://schemas.microsoft.com/office/drawing/2014/main" id="{74D7A646-8CDC-49B3-9C44-3EF38DB4264C}"/>
                 </a:ext>
                 <a:ext uri="{C183D7F6-B498-43B3-948B-1728B52AA6E4}">
                   <adec:decorative xmlns:adec="http://schemas.microsoft.com/office/drawing/2017/decorative" val="1"/>
@@ -19566,10 +22769,10 @@
         </p:sp>
         <p:sp>
           <p:nvSpPr>
-            <p:cNvPr id="28" name="Freeform 12">
+            <p:cNvPr id="74" name="Freeform 12">
               <a:extLst>
                 <a:ext uri="{FF2B5EF4-FFF2-40B4-BE49-F238E27FC236}">
-                  <a16:creationId xmlns:a16="http://schemas.microsoft.com/office/drawing/2014/main" id="{68B482B5-E0FD-406A-99B2-297DF333546D}"/>
+                  <a16:creationId xmlns:a16="http://schemas.microsoft.com/office/drawing/2014/main" id="{D4E99D14-E4F4-419B-9AAF-8D1CEAB28A2D}"/>
                 </a:ext>
                 <a:ext uri="{C183D7F6-B498-43B3-948B-1728B52AA6E4}">
                   <adec:decorative xmlns:adec="http://schemas.microsoft.com/office/drawing/2017/decorative" val="1"/>
@@ -19671,10 +22874,10 @@
         </p:sp>
         <p:sp>
           <p:nvSpPr>
-            <p:cNvPr id="29" name="Freeform 13">
+            <p:cNvPr id="75" name="Freeform 13">
               <a:extLst>
                 <a:ext uri="{FF2B5EF4-FFF2-40B4-BE49-F238E27FC236}">
-                  <a16:creationId xmlns:a16="http://schemas.microsoft.com/office/drawing/2014/main" id="{B8750F30-12E8-410B-8709-78F1EF3BBE78}"/>
+                  <a16:creationId xmlns:a16="http://schemas.microsoft.com/office/drawing/2014/main" id="{377E106C-5445-4A52-9F7E-DA1738744291}"/>
                 </a:ext>
                 <a:ext uri="{C183D7F6-B498-43B3-948B-1728B52AA6E4}">
                   <adec:decorative xmlns:adec="http://schemas.microsoft.com/office/drawing/2017/decorative" val="1"/>
@@ -19776,10 +22979,10 @@
         </p:sp>
         <p:sp>
           <p:nvSpPr>
-            <p:cNvPr id="30" name="Freeform 14">
+            <p:cNvPr id="76" name="Freeform 14">
               <a:extLst>
                 <a:ext uri="{FF2B5EF4-FFF2-40B4-BE49-F238E27FC236}">
-                  <a16:creationId xmlns:a16="http://schemas.microsoft.com/office/drawing/2014/main" id="{DB2D030A-4700-4CC4-A971-F119F8372C0A}"/>
+                  <a16:creationId xmlns:a16="http://schemas.microsoft.com/office/drawing/2014/main" id="{752BFE96-D378-4BAE-A64B-F851A34C4770}"/>
                 </a:ext>
                 <a:ext uri="{C183D7F6-B498-43B3-948B-1728B52AA6E4}">
                   <adec:decorative xmlns:adec="http://schemas.microsoft.com/office/drawing/2017/decorative" val="1"/>
@@ -19853,10 +23056,10 @@
         </p:sp>
         <p:sp>
           <p:nvSpPr>
-            <p:cNvPr id="31" name="Freeform 15">
+            <p:cNvPr id="77" name="Freeform 15">
               <a:extLst>
                 <a:ext uri="{FF2B5EF4-FFF2-40B4-BE49-F238E27FC236}">
-                  <a16:creationId xmlns:a16="http://schemas.microsoft.com/office/drawing/2014/main" id="{B4E516DB-F66E-4E88-8CAA-67153F56189D}"/>
+                  <a16:creationId xmlns:a16="http://schemas.microsoft.com/office/drawing/2014/main" id="{B88FFB19-5A5E-4078-B467-9D4ABD21BD9A}"/>
                 </a:ext>
                 <a:ext uri="{C183D7F6-B498-43B3-948B-1728B52AA6E4}">
                   <adec:decorative xmlns:adec="http://schemas.microsoft.com/office/drawing/2017/decorative" val="1"/>
@@ -19978,10 +23181,10 @@
         </p:sp>
         <p:sp>
           <p:nvSpPr>
-            <p:cNvPr id="32" name="Line 16">
+            <p:cNvPr id="78" name="Line 16">
               <a:extLst>
                 <a:ext uri="{FF2B5EF4-FFF2-40B4-BE49-F238E27FC236}">
-                  <a16:creationId xmlns:a16="http://schemas.microsoft.com/office/drawing/2014/main" id="{DF749FDD-DD56-4DC9-A379-77E1106981DC}"/>
+                  <a16:creationId xmlns:a16="http://schemas.microsoft.com/office/drawing/2014/main" id="{11042975-3D19-4728-BCDA-D3F5CD633EDB}"/>
                 </a:ext>
                 <a:ext uri="{C183D7F6-B498-43B3-948B-1728B52AA6E4}">
                   <adec:decorative xmlns:adec="http://schemas.microsoft.com/office/drawing/2017/decorative" val="1"/>
@@ -20021,10 +23224,10 @@
         </p:sp>
         <p:sp>
           <p:nvSpPr>
-            <p:cNvPr id="33" name="Freeform 17">
+            <p:cNvPr id="79" name="Freeform 17">
               <a:extLst>
                 <a:ext uri="{FF2B5EF4-FFF2-40B4-BE49-F238E27FC236}">
-                  <a16:creationId xmlns:a16="http://schemas.microsoft.com/office/drawing/2014/main" id="{6AD95087-E0AF-45D3-B824-EFFCBBECDEB1}"/>
+                  <a16:creationId xmlns:a16="http://schemas.microsoft.com/office/drawing/2014/main" id="{A28972BD-D2E1-4DCA-A907-2E3B6F606649}"/>
                 </a:ext>
                 <a:ext uri="{C183D7F6-B498-43B3-948B-1728B52AA6E4}">
                   <adec:decorative xmlns:adec="http://schemas.microsoft.com/office/drawing/2017/decorative" val="1"/>
@@ -20092,10 +23295,10 @@
         </p:sp>
         <p:sp>
           <p:nvSpPr>
-            <p:cNvPr id="34" name="Freeform 18">
+            <p:cNvPr id="80" name="Freeform 18">
               <a:extLst>
                 <a:ext uri="{FF2B5EF4-FFF2-40B4-BE49-F238E27FC236}">
-                  <a16:creationId xmlns:a16="http://schemas.microsoft.com/office/drawing/2014/main" id="{2D21010F-3DE2-4881-B9D5-3415C4E05DAC}"/>
+                  <a16:creationId xmlns:a16="http://schemas.microsoft.com/office/drawing/2014/main" id="{1C806824-5C2D-4747-B038-69EE4074B366}"/>
                 </a:ext>
                 <a:ext uri="{C183D7F6-B498-43B3-948B-1728B52AA6E4}">
                   <adec:decorative xmlns:adec="http://schemas.microsoft.com/office/drawing/2017/decorative" val="1"/>
@@ -20169,10 +23372,10 @@
         </p:sp>
         <p:sp>
           <p:nvSpPr>
-            <p:cNvPr id="35" name="Freeform 19">
+            <p:cNvPr id="81" name="Freeform 19">
               <a:extLst>
                 <a:ext uri="{FF2B5EF4-FFF2-40B4-BE49-F238E27FC236}">
-                  <a16:creationId xmlns:a16="http://schemas.microsoft.com/office/drawing/2014/main" id="{2AFDF4BC-8E99-4A2C-9EF2-4B98A05C2E3B}"/>
+                  <a16:creationId xmlns:a16="http://schemas.microsoft.com/office/drawing/2014/main" id="{3B33F710-16D7-4F48-BFCA-66C9CA2352CB}"/>
                 </a:ext>
                 <a:ext uri="{C183D7F6-B498-43B3-948B-1728B52AA6E4}">
                   <adec:decorative xmlns:adec="http://schemas.microsoft.com/office/drawing/2017/decorative" val="1"/>
@@ -20246,10 +23449,10 @@
         </p:sp>
         <p:sp>
           <p:nvSpPr>
-            <p:cNvPr id="36" name="Freeform 20">
+            <p:cNvPr id="82" name="Freeform 20">
               <a:extLst>
                 <a:ext uri="{FF2B5EF4-FFF2-40B4-BE49-F238E27FC236}">
-                  <a16:creationId xmlns:a16="http://schemas.microsoft.com/office/drawing/2014/main" id="{BB8EAEE8-22EA-4103-A02E-5043474C4BE1}"/>
+                  <a16:creationId xmlns:a16="http://schemas.microsoft.com/office/drawing/2014/main" id="{6C8C8ED4-90FA-4E97-AAF0-D5D51E6A935E}"/>
                 </a:ext>
                 <a:ext uri="{C183D7F6-B498-43B3-948B-1728B52AA6E4}">
                   <adec:decorative xmlns:adec="http://schemas.microsoft.com/office/drawing/2017/decorative" val="1"/>
@@ -20351,10 +23554,10 @@
         </p:sp>
         <p:sp>
           <p:nvSpPr>
-            <p:cNvPr id="37" name="Rectangle 21">
+            <p:cNvPr id="83" name="Rectangle 21">
               <a:extLst>
                 <a:ext uri="{FF2B5EF4-FFF2-40B4-BE49-F238E27FC236}">
-                  <a16:creationId xmlns:a16="http://schemas.microsoft.com/office/drawing/2014/main" id="{7148ABD2-E447-429F-B97E-86494051C101}"/>
+                  <a16:creationId xmlns:a16="http://schemas.microsoft.com/office/drawing/2014/main" id="{6C5EB9C1-B25F-4172-8A96-5950ECC828FC}"/>
                 </a:ext>
                 <a:ext uri="{C183D7F6-B498-43B3-948B-1728B52AA6E4}">
                   <adec:decorative xmlns:adec="http://schemas.microsoft.com/office/drawing/2017/decorative" val="1"/>
@@ -20400,10 +23603,10 @@
         </p:sp>
         <p:sp>
           <p:nvSpPr>
-            <p:cNvPr id="38" name="Freeform 22">
+            <p:cNvPr id="84" name="Freeform 22">
               <a:extLst>
                 <a:ext uri="{FF2B5EF4-FFF2-40B4-BE49-F238E27FC236}">
-                  <a16:creationId xmlns:a16="http://schemas.microsoft.com/office/drawing/2014/main" id="{99900F4A-F8CA-456E-9FA0-34572621C09B}"/>
+                  <a16:creationId xmlns:a16="http://schemas.microsoft.com/office/drawing/2014/main" id="{097E6E8A-9373-4655-882B-21715CCE97EE}"/>
                 </a:ext>
                 <a:ext uri="{C183D7F6-B498-43B3-948B-1728B52AA6E4}">
                   <adec:decorative xmlns:adec="http://schemas.microsoft.com/office/drawing/2017/decorative" val="1"/>
@@ -20480,10 +23683,10 @@
         </p:sp>
         <p:sp>
           <p:nvSpPr>
-            <p:cNvPr id="39" name="Freeform 23">
+            <p:cNvPr id="85" name="Freeform 23">
               <a:extLst>
                 <a:ext uri="{FF2B5EF4-FFF2-40B4-BE49-F238E27FC236}">
-                  <a16:creationId xmlns:a16="http://schemas.microsoft.com/office/drawing/2014/main" id="{DF5CD0A9-E49B-4968-886B-41C1A66D2329}"/>
+                  <a16:creationId xmlns:a16="http://schemas.microsoft.com/office/drawing/2014/main" id="{EB8CC766-1206-4372-ACAF-8230AF4D5421}"/>
                 </a:ext>
                 <a:ext uri="{C183D7F6-B498-43B3-948B-1728B52AA6E4}">
                   <adec:decorative xmlns:adec="http://schemas.microsoft.com/office/drawing/2017/decorative" val="1"/>
@@ -20585,10 +23788,10 @@
         </p:sp>
         <p:sp>
           <p:nvSpPr>
-            <p:cNvPr id="40" name="Freeform 24">
+            <p:cNvPr id="86" name="Freeform 24">
               <a:extLst>
                 <a:ext uri="{FF2B5EF4-FFF2-40B4-BE49-F238E27FC236}">
-                  <a16:creationId xmlns:a16="http://schemas.microsoft.com/office/drawing/2014/main" id="{7E462582-7383-4272-A323-85C9D137C47C}"/>
+                  <a16:creationId xmlns:a16="http://schemas.microsoft.com/office/drawing/2014/main" id="{1C8E2511-2489-47B2-9C19-C410910DD901}"/>
                 </a:ext>
                 <a:ext uri="{C183D7F6-B498-43B3-948B-1728B52AA6E4}">
                   <adec:decorative xmlns:adec="http://schemas.microsoft.com/office/drawing/2017/decorative" val="1"/>
@@ -20662,10 +23865,10 @@
         </p:sp>
         <p:sp>
           <p:nvSpPr>
-            <p:cNvPr id="41" name="Freeform 25">
+            <p:cNvPr id="87" name="Freeform 25">
               <a:extLst>
                 <a:ext uri="{FF2B5EF4-FFF2-40B4-BE49-F238E27FC236}">
-                  <a16:creationId xmlns:a16="http://schemas.microsoft.com/office/drawing/2014/main" id="{CB472F67-7C37-4D80-B346-DE30D44B55A0}"/>
+                  <a16:creationId xmlns:a16="http://schemas.microsoft.com/office/drawing/2014/main" id="{D7820196-0A47-47EF-832C-A688E8977D60}"/>
                 </a:ext>
                 <a:ext uri="{C183D7F6-B498-43B3-948B-1728B52AA6E4}">
                   <adec:decorative xmlns:adec="http://schemas.microsoft.com/office/drawing/2017/decorative" val="1"/>
@@ -20767,10 +23970,10 @@
         </p:sp>
         <p:sp>
           <p:nvSpPr>
-            <p:cNvPr id="42" name="Freeform 26">
+            <p:cNvPr id="88" name="Freeform 26">
               <a:extLst>
                 <a:ext uri="{FF2B5EF4-FFF2-40B4-BE49-F238E27FC236}">
-                  <a16:creationId xmlns:a16="http://schemas.microsoft.com/office/drawing/2014/main" id="{19A8AE83-358F-4D4E-91C7-F09E35097AA1}"/>
+                  <a16:creationId xmlns:a16="http://schemas.microsoft.com/office/drawing/2014/main" id="{4982E0BF-34AE-48A3-AD6B-E0F3CD05DB34}"/>
                 </a:ext>
                 <a:ext uri="{C183D7F6-B498-43B3-948B-1728B52AA6E4}">
                   <adec:decorative xmlns:adec="http://schemas.microsoft.com/office/drawing/2017/decorative" val="1"/>
@@ -20847,10 +24050,10 @@
         </p:sp>
         <p:sp>
           <p:nvSpPr>
-            <p:cNvPr id="43" name="Freeform 27">
+            <p:cNvPr id="89" name="Freeform 27">
               <a:extLst>
                 <a:ext uri="{FF2B5EF4-FFF2-40B4-BE49-F238E27FC236}">
-                  <a16:creationId xmlns:a16="http://schemas.microsoft.com/office/drawing/2014/main" id="{C4B79436-9285-45DE-A9FB-B3DD7507380C}"/>
+                  <a16:creationId xmlns:a16="http://schemas.microsoft.com/office/drawing/2014/main" id="{CD34643B-9DF2-4310-8868-48252C3393F0}"/>
                 </a:ext>
                 <a:ext uri="{C183D7F6-B498-43B3-948B-1728B52AA6E4}">
                   <adec:decorative xmlns:adec="http://schemas.microsoft.com/office/drawing/2017/decorative" val="1"/>
@@ -20924,10 +24127,10 @@
         </p:sp>
         <p:sp>
           <p:nvSpPr>
-            <p:cNvPr id="44" name="Freeform 28">
+            <p:cNvPr id="90" name="Freeform 28">
               <a:extLst>
                 <a:ext uri="{FF2B5EF4-FFF2-40B4-BE49-F238E27FC236}">
-                  <a16:creationId xmlns:a16="http://schemas.microsoft.com/office/drawing/2014/main" id="{B0BF8BF3-C90A-483A-B61E-13D2C41FBAC5}"/>
+                  <a16:creationId xmlns:a16="http://schemas.microsoft.com/office/drawing/2014/main" id="{4E020C4E-AF64-44A8-B830-779541D8D549}"/>
                 </a:ext>
                 <a:ext uri="{C183D7F6-B498-43B3-948B-1728B52AA6E4}">
                   <adec:decorative xmlns:adec="http://schemas.microsoft.com/office/drawing/2017/decorative" val="1"/>
@@ -21029,10 +24232,10 @@
         </p:sp>
         <p:sp>
           <p:nvSpPr>
-            <p:cNvPr id="45" name="Freeform 29">
+            <p:cNvPr id="91" name="Freeform 29">
               <a:extLst>
                 <a:ext uri="{FF2B5EF4-FFF2-40B4-BE49-F238E27FC236}">
-                  <a16:creationId xmlns:a16="http://schemas.microsoft.com/office/drawing/2014/main" id="{31011274-F329-444B-9B06-69DD2EC44907}"/>
+                  <a16:creationId xmlns:a16="http://schemas.microsoft.com/office/drawing/2014/main" id="{D97BC3D3-B1B3-4825-9169-BBEF1DBCF055}"/>
                 </a:ext>
                 <a:ext uri="{C183D7F6-B498-43B3-948B-1728B52AA6E4}">
                   <adec:decorative xmlns:adec="http://schemas.microsoft.com/office/drawing/2017/decorative" val="1"/>
@@ -21134,10 +24337,10 @@
         </p:sp>
         <p:sp>
           <p:nvSpPr>
-            <p:cNvPr id="46" name="Freeform 30">
+            <p:cNvPr id="92" name="Freeform 30">
               <a:extLst>
                 <a:ext uri="{FF2B5EF4-FFF2-40B4-BE49-F238E27FC236}">
-                  <a16:creationId xmlns:a16="http://schemas.microsoft.com/office/drawing/2014/main" id="{DB8B1D39-5B9A-4B4E-849B-A5821A246004}"/>
+                  <a16:creationId xmlns:a16="http://schemas.microsoft.com/office/drawing/2014/main" id="{A750DC4F-1DAF-470E-98C6-6C68DEB93363}"/>
                 </a:ext>
                 <a:ext uri="{C183D7F6-B498-43B3-948B-1728B52AA6E4}">
                   <adec:decorative xmlns:adec="http://schemas.microsoft.com/office/drawing/2017/decorative" val="1"/>
@@ -21214,10 +24417,10 @@
         </p:sp>
         <p:sp>
           <p:nvSpPr>
-            <p:cNvPr id="47" name="Freeform 31">
+            <p:cNvPr id="93" name="Freeform 31">
               <a:extLst>
                 <a:ext uri="{FF2B5EF4-FFF2-40B4-BE49-F238E27FC236}">
-                  <a16:creationId xmlns:a16="http://schemas.microsoft.com/office/drawing/2014/main" id="{336ECD63-75C2-4A32-A31B-30BB3097240E}"/>
+                  <a16:creationId xmlns:a16="http://schemas.microsoft.com/office/drawing/2014/main" id="{2F99594A-5BBD-4E10-A818-8BE52B7D952C}"/>
                 </a:ext>
                 <a:ext uri="{C183D7F6-B498-43B3-948B-1728B52AA6E4}">
                   <adec:decorative xmlns:adec="http://schemas.microsoft.com/office/drawing/2017/decorative" val="1"/>
@@ -21348,332 +24551,15 @@
           </p:spPr>
         </p:sp>
       </p:grpSp>
-      <p:graphicFrame>
-        <p:nvGraphicFramePr>
-          <p:cNvPr id="7" name="Table 4">
-            <a:extLst>
-              <a:ext uri="{FF2B5EF4-FFF2-40B4-BE49-F238E27FC236}">
-                <a16:creationId xmlns:a16="http://schemas.microsoft.com/office/drawing/2014/main" id="{E97DAE33-827E-8342-8922-B70627F6C5FF}"/>
-              </a:ext>
-            </a:extLst>
-          </p:cNvPr>
-          <p:cNvGraphicFramePr>
-            <a:graphicFrameLocks/>
-          </p:cNvGraphicFramePr>
-          <p:nvPr>
-            <p:extLst>
-              <p:ext uri="{D42A27DB-BD31-4B8C-83A1-F6EECF244321}">
-                <p14:modId xmlns:p14="http://schemas.microsoft.com/office/powerpoint/2010/main" val="4155587480"/>
-              </p:ext>
-            </p:extLst>
-          </p:nvPr>
-        </p:nvGraphicFramePr>
-        <p:xfrm>
-          <a:off x="5623857" y="1213900"/>
-          <a:ext cx="5019887" cy="4425696"/>
-        </p:xfrm>
-        <a:graphic>
-          <a:graphicData uri="http://schemas.openxmlformats.org/drawingml/2006/table">
-            <a:tbl>
-              <a:tblPr firstRow="1" bandRow="1">
-                <a:tableStyleId>{8799B23B-EC83-4686-B30A-512413B5E67A}</a:tableStyleId>
-              </a:tblPr>
-              <a:tblGrid>
-                <a:gridCol w="1834727">
-                  <a:extLst>
-                    <a:ext uri="{9D8B030D-6E8A-4147-A177-3AD203B41FA5}">
-                      <a16:colId xmlns:a16="http://schemas.microsoft.com/office/drawing/2014/main" val="370696502"/>
-                    </a:ext>
-                  </a:extLst>
-                </a:gridCol>
-                <a:gridCol w="1592580">
-                  <a:extLst>
-                    <a:ext uri="{9D8B030D-6E8A-4147-A177-3AD203B41FA5}">
-                      <a16:colId xmlns:a16="http://schemas.microsoft.com/office/drawing/2014/main" val="3378703446"/>
-                    </a:ext>
-                  </a:extLst>
-                </a:gridCol>
-                <a:gridCol w="1592580">
-                  <a:extLst>
-                    <a:ext uri="{9D8B030D-6E8A-4147-A177-3AD203B41FA5}">
-                      <a16:colId xmlns:a16="http://schemas.microsoft.com/office/drawing/2014/main" val="932287647"/>
-                    </a:ext>
-                  </a:extLst>
-                </a:gridCol>
-              </a:tblGrid>
-              <a:tr h="737616">
-                <a:tc>
-                  <a:txBody>
-                    <a:bodyPr/>
-                    <a:lstStyle/>
-                    <a:p>
-                      <a:r>
-                        <a:rPr lang="en-CN" sz="3300"/>
-                        <a:t>主持</a:t>
-                      </a:r>
-                    </a:p>
-                  </a:txBody>
-                  <a:tcPr marL="167640" marR="167640" marT="83820" marB="83820"/>
-                </a:tc>
-                <a:tc>
-                  <a:txBody>
-                    <a:bodyPr/>
-                    <a:lstStyle/>
-                    <a:p>
-                      <a:endParaRPr lang="en-CN" sz="3300"/>
-                    </a:p>
-                  </a:txBody>
-                  <a:tcPr marL="167640" marR="167640" marT="83820" marB="83820"/>
-                </a:tc>
-                <a:tc>
-                  <a:txBody>
-                    <a:bodyPr/>
-                    <a:lstStyle/>
-                    <a:p>
-                      <a:endParaRPr lang="en-CN" sz="3300"/>
-                    </a:p>
-                  </a:txBody>
-                  <a:tcPr marL="167640" marR="167640" marT="83820" marB="83820"/>
-                </a:tc>
-                <a:extLst>
-                  <a:ext uri="{0D108BD9-81ED-4DB2-BD59-A6C34878D82A}">
-                    <a16:rowId xmlns:a16="http://schemas.microsoft.com/office/drawing/2014/main" val="1426171144"/>
-                  </a:ext>
-                </a:extLst>
-              </a:tr>
-              <a:tr h="737616">
-                <a:tc>
-                  <a:txBody>
-                    <a:bodyPr/>
-                    <a:lstStyle/>
-                    <a:p>
-                      <a:r>
-                        <a:rPr lang="en-CN" sz="3300"/>
-                        <a:t>分享</a:t>
-                      </a:r>
-                      <a:r>
-                        <a:rPr lang="en-US" altLang="zh-CN" sz="3300"/>
-                        <a:t>1</a:t>
-                      </a:r>
-                      <a:endParaRPr lang="en-CN" sz="3300"/>
-                    </a:p>
-                  </a:txBody>
-                  <a:tcPr marL="167640" marR="167640" marT="83820" marB="83820"/>
-                </a:tc>
-                <a:tc>
-                  <a:txBody>
-                    <a:bodyPr/>
-                    <a:lstStyle/>
-                    <a:p>
-                      <a:endParaRPr lang="en-CN" sz="3300"/>
-                    </a:p>
-                  </a:txBody>
-                  <a:tcPr marL="167640" marR="167640" marT="83820" marB="83820"/>
-                </a:tc>
-                <a:tc>
-                  <a:txBody>
-                    <a:bodyPr/>
-                    <a:lstStyle/>
-                    <a:p>
-                      <a:endParaRPr lang="en-CN" sz="3300"/>
-                    </a:p>
-                  </a:txBody>
-                  <a:tcPr marL="167640" marR="167640" marT="83820" marB="83820"/>
-                </a:tc>
-                <a:extLst>
-                  <a:ext uri="{0D108BD9-81ED-4DB2-BD59-A6C34878D82A}">
-                    <a16:rowId xmlns:a16="http://schemas.microsoft.com/office/drawing/2014/main" val="3890096257"/>
-                  </a:ext>
-                </a:extLst>
-              </a:tr>
-              <a:tr h="737616">
-                <a:tc>
-                  <a:txBody>
-                    <a:bodyPr/>
-                    <a:lstStyle/>
-                    <a:p>
-                      <a:r>
-                        <a:rPr lang="en-CN" sz="3300"/>
-                        <a:t>评估</a:t>
-                      </a:r>
-                      <a:r>
-                        <a:rPr lang="en-US" altLang="zh-CN" sz="3300"/>
-                        <a:t>1</a:t>
-                      </a:r>
-                      <a:endParaRPr lang="en-CN" sz="3300"/>
-                    </a:p>
-                  </a:txBody>
-                  <a:tcPr marL="167640" marR="167640" marT="83820" marB="83820"/>
-                </a:tc>
-                <a:tc>
-                  <a:txBody>
-                    <a:bodyPr/>
-                    <a:lstStyle/>
-                    <a:p>
-                      <a:endParaRPr lang="en-CN" sz="3300"/>
-                    </a:p>
-                  </a:txBody>
-                  <a:tcPr marL="167640" marR="167640" marT="83820" marB="83820"/>
-                </a:tc>
-                <a:tc>
-                  <a:txBody>
-                    <a:bodyPr/>
-                    <a:lstStyle/>
-                    <a:p>
-                      <a:endParaRPr lang="en-CN" sz="3300"/>
-                    </a:p>
-                  </a:txBody>
-                  <a:tcPr marL="167640" marR="167640" marT="83820" marB="83820"/>
-                </a:tc>
-                <a:extLst>
-                  <a:ext uri="{0D108BD9-81ED-4DB2-BD59-A6C34878D82A}">
-                    <a16:rowId xmlns:a16="http://schemas.microsoft.com/office/drawing/2014/main" val="1508928802"/>
-                  </a:ext>
-                </a:extLst>
-              </a:tr>
-              <a:tr h="737616">
-                <a:tc>
-                  <a:txBody>
-                    <a:bodyPr/>
-                    <a:lstStyle/>
-                    <a:p>
-                      <a:r>
-                        <a:rPr lang="en-CN" sz="3300"/>
-                        <a:t>分享</a:t>
-                      </a:r>
-                      <a:r>
-                        <a:rPr lang="en-US" altLang="zh-CN" sz="3300"/>
-                        <a:t>2</a:t>
-                      </a:r>
-                      <a:endParaRPr lang="en-CN" sz="3300"/>
-                    </a:p>
-                  </a:txBody>
-                  <a:tcPr marL="167640" marR="167640" marT="83820" marB="83820"/>
-                </a:tc>
-                <a:tc>
-                  <a:txBody>
-                    <a:bodyPr/>
-                    <a:lstStyle/>
-                    <a:p>
-                      <a:endParaRPr lang="en-CN" sz="3300"/>
-                    </a:p>
-                  </a:txBody>
-                  <a:tcPr marL="167640" marR="167640" marT="83820" marB="83820"/>
-                </a:tc>
-                <a:tc>
-                  <a:txBody>
-                    <a:bodyPr/>
-                    <a:lstStyle/>
-                    <a:p>
-                      <a:endParaRPr lang="en-CN" sz="3300"/>
-                    </a:p>
-                  </a:txBody>
-                  <a:tcPr marL="167640" marR="167640" marT="83820" marB="83820"/>
-                </a:tc>
-                <a:extLst>
-                  <a:ext uri="{0D108BD9-81ED-4DB2-BD59-A6C34878D82A}">
-                    <a16:rowId xmlns:a16="http://schemas.microsoft.com/office/drawing/2014/main" val="1042972130"/>
-                  </a:ext>
-                </a:extLst>
-              </a:tr>
-              <a:tr h="737616">
-                <a:tc>
-                  <a:txBody>
-                    <a:bodyPr/>
-                    <a:lstStyle/>
-                    <a:p>
-                      <a:r>
-                        <a:rPr lang="en-CN" sz="3300"/>
-                        <a:t>评估</a:t>
-                      </a:r>
-                      <a:r>
-                        <a:rPr lang="en-US" altLang="zh-CN" sz="3300"/>
-                        <a:t>2</a:t>
-                      </a:r>
-                      <a:endParaRPr lang="en-CN" sz="3300"/>
-                    </a:p>
-                  </a:txBody>
-                  <a:tcPr marL="167640" marR="167640" marT="83820" marB="83820"/>
-                </a:tc>
-                <a:tc>
-                  <a:txBody>
-                    <a:bodyPr/>
-                    <a:lstStyle/>
-                    <a:p>
-                      <a:endParaRPr lang="en-CN" sz="3300"/>
-                    </a:p>
-                  </a:txBody>
-                  <a:tcPr marL="167640" marR="167640" marT="83820" marB="83820"/>
-                </a:tc>
-                <a:tc>
-                  <a:txBody>
-                    <a:bodyPr/>
-                    <a:lstStyle/>
-                    <a:p>
-                      <a:endParaRPr lang="en-CN" sz="3300"/>
-                    </a:p>
-                  </a:txBody>
-                  <a:tcPr marL="167640" marR="167640" marT="83820" marB="83820"/>
-                </a:tc>
-                <a:extLst>
-                  <a:ext uri="{0D108BD9-81ED-4DB2-BD59-A6C34878D82A}">
-                    <a16:rowId xmlns:a16="http://schemas.microsoft.com/office/drawing/2014/main" val="1523846934"/>
-                  </a:ext>
-                </a:extLst>
-              </a:tr>
-              <a:tr h="737616">
-                <a:tc>
-                  <a:txBody>
-                    <a:bodyPr/>
-                    <a:lstStyle/>
-                    <a:p>
-                      <a:r>
-                        <a:rPr lang="en-CN" sz="3300"/>
-                        <a:t>总评估</a:t>
-                      </a:r>
-                    </a:p>
-                  </a:txBody>
-                  <a:tcPr marL="167640" marR="167640" marT="83820" marB="83820"/>
-                </a:tc>
-                <a:tc>
-                  <a:txBody>
-                    <a:bodyPr/>
-                    <a:lstStyle/>
-                    <a:p>
-                      <a:endParaRPr lang="en-CN" sz="3300"/>
-                    </a:p>
-                  </a:txBody>
-                  <a:tcPr marL="167640" marR="167640" marT="83820" marB="83820"/>
-                </a:tc>
-                <a:tc>
-                  <a:txBody>
-                    <a:bodyPr/>
-                    <a:lstStyle/>
-                    <a:p>
-                      <a:endParaRPr lang="en-CN" sz="3300"/>
-                    </a:p>
-                  </a:txBody>
-                  <a:tcPr marL="167640" marR="167640" marT="83820" marB="83820"/>
-                </a:tc>
-                <a:extLst>
-                  <a:ext uri="{0D108BD9-81ED-4DB2-BD59-A6C34878D82A}">
-                    <a16:rowId xmlns:a16="http://schemas.microsoft.com/office/drawing/2014/main" val="1984625572"/>
-                  </a:ext>
-                </a:extLst>
-              </a:tr>
-            </a:tbl>
-          </a:graphicData>
-        </a:graphic>
-      </p:graphicFrame>
     </p:spTree>
     <p:extLst>
       <p:ext uri="{BB962C8B-B14F-4D97-AF65-F5344CB8AC3E}">
-        <p14:creationId xmlns:p14="http://schemas.microsoft.com/office/powerpoint/2010/main" val="3338093388"/>
+        <p14:creationId xmlns:p14="http://schemas.microsoft.com/office/powerpoint/2010/main" val="4177907221"/>
       </p:ext>
     </p:extLst>
   </p:cSld>
   <p:clrMapOvr>
-    <a:overrideClrMapping bg1="lt1" tx1="dk1" bg2="lt2" tx2="dk2" accent1="accent1" accent2="accent2" accent3="accent3" accent4="accent4" accent5="accent5" accent6="accent6" hlink="hlink" folHlink="folHlink"/>
+    <a:masterClrMapping/>
   </p:clrMapOvr>
 </p:sld>
 </file>

--- a/shizitang/shizitang.pptx
+++ b/shizitang/shizitang.pptx
@@ -4,17 +4,22 @@
   <p:sldMasterIdLst>
     <p:sldMasterId id="2147483648" r:id="rId1"/>
   </p:sldMasterIdLst>
+  <p:notesMasterIdLst>
+    <p:notesMasterId r:id="rId14"/>
+  </p:notesMasterIdLst>
   <p:sldIdLst>
     <p:sldId id="256" r:id="rId2"/>
     <p:sldId id="257" r:id="rId3"/>
-    <p:sldId id="258" r:id="rId4"/>
-    <p:sldId id="259" r:id="rId5"/>
-    <p:sldId id="260" r:id="rId6"/>
-    <p:sldId id="261" r:id="rId7"/>
-    <p:sldId id="262" r:id="rId8"/>
-    <p:sldId id="263" r:id="rId9"/>
+    <p:sldId id="259" r:id="rId4"/>
+    <p:sldId id="260" r:id="rId5"/>
+    <p:sldId id="261" r:id="rId6"/>
+    <p:sldId id="262" r:id="rId7"/>
+    <p:sldId id="263" r:id="rId8"/>
+    <p:sldId id="266" r:id="rId9"/>
     <p:sldId id="265" r:id="rId10"/>
-    <p:sldId id="264" r:id="rId11"/>
+    <p:sldId id="267" r:id="rId11"/>
+    <p:sldId id="264" r:id="rId12"/>
+    <p:sldId id="268" r:id="rId13"/>
   </p:sldIdLst>
   <p:sldSz cx="12192000" cy="6858000"/>
   <p:notesSz cx="6858000" cy="9144000"/>
@@ -121,6 +126,757 @@
 </p:presentation>
 </file>
 
+<file path=ppt/notesMasters/notesMaster1.xml><?xml version="1.0" encoding="utf-8"?>
+<p:notesMaster xmlns:a="http://schemas.openxmlformats.org/drawingml/2006/main" xmlns:r="http://schemas.openxmlformats.org/officeDocument/2006/relationships" xmlns:p="http://schemas.openxmlformats.org/presentationml/2006/main">
+  <p:cSld>
+    <p:bg>
+      <p:bgRef idx="1001">
+        <a:schemeClr val="bg1"/>
+      </p:bgRef>
+    </p:bg>
+    <p:spTree>
+      <p:nvGrpSpPr>
+        <p:cNvPr id="1" name=""/>
+        <p:cNvGrpSpPr/>
+        <p:nvPr/>
+      </p:nvGrpSpPr>
+      <p:grpSpPr>
+        <a:xfrm>
+          <a:off x="0" y="0"/>
+          <a:ext cx="0" cy="0"/>
+          <a:chOff x="0" y="0"/>
+          <a:chExt cx="0" cy="0"/>
+        </a:xfrm>
+      </p:grpSpPr>
+      <p:sp>
+        <p:nvSpPr>
+          <p:cNvPr id="2" name="Header Placeholder 1"/>
+          <p:cNvSpPr>
+            <a:spLocks noGrp="1"/>
+          </p:cNvSpPr>
+          <p:nvPr>
+            <p:ph type="hdr" sz="quarter"/>
+          </p:nvPr>
+        </p:nvSpPr>
+        <p:spPr>
+          <a:xfrm>
+            <a:off x="0" y="0"/>
+            <a:ext cx="2971800" cy="458788"/>
+          </a:xfrm>
+          <a:prstGeom prst="rect">
+            <a:avLst/>
+          </a:prstGeom>
+        </p:spPr>
+        <p:txBody>
+          <a:bodyPr vert="horz" lIns="91440" tIns="45720" rIns="91440" bIns="45720" rtlCol="0"/>
+          <a:lstStyle>
+            <a:lvl1pPr algn="l">
+              <a:defRPr sz="1200"/>
+            </a:lvl1pPr>
+          </a:lstStyle>
+          <a:p>
+            <a:endParaRPr lang="en-CN"/>
+          </a:p>
+        </p:txBody>
+      </p:sp>
+      <p:sp>
+        <p:nvSpPr>
+          <p:cNvPr id="3" name="Date Placeholder 2"/>
+          <p:cNvSpPr>
+            <a:spLocks noGrp="1"/>
+          </p:cNvSpPr>
+          <p:nvPr>
+            <p:ph type="dt" idx="1"/>
+          </p:nvPr>
+        </p:nvSpPr>
+        <p:spPr>
+          <a:xfrm>
+            <a:off x="3884613" y="0"/>
+            <a:ext cx="2971800" cy="458788"/>
+          </a:xfrm>
+          <a:prstGeom prst="rect">
+            <a:avLst/>
+          </a:prstGeom>
+        </p:spPr>
+        <p:txBody>
+          <a:bodyPr vert="horz" lIns="91440" tIns="45720" rIns="91440" bIns="45720" rtlCol="0"/>
+          <a:lstStyle>
+            <a:lvl1pPr algn="r">
+              <a:defRPr sz="1200"/>
+            </a:lvl1pPr>
+          </a:lstStyle>
+          <a:p>
+            <a:fld id="{75DFFA8A-A759-EE42-BF33-C24CD18C0D9E}" type="datetimeFigureOut">
+              <a:rPr lang="en-CN" smtClean="0"/>
+              <a:t>2020/8/14</a:t>
+            </a:fld>
+            <a:endParaRPr lang="en-CN"/>
+          </a:p>
+        </p:txBody>
+      </p:sp>
+      <p:sp>
+        <p:nvSpPr>
+          <p:cNvPr id="4" name="Slide Image Placeholder 3"/>
+          <p:cNvSpPr>
+            <a:spLocks noGrp="1" noRot="1" noChangeAspect="1"/>
+          </p:cNvSpPr>
+          <p:nvPr>
+            <p:ph type="sldImg" idx="2"/>
+          </p:nvPr>
+        </p:nvSpPr>
+        <p:spPr>
+          <a:xfrm>
+            <a:off x="685800" y="1143000"/>
+            <a:ext cx="5486400" cy="3086100"/>
+          </a:xfrm>
+          <a:prstGeom prst="rect">
+            <a:avLst/>
+          </a:prstGeom>
+          <a:noFill/>
+          <a:ln w="12700">
+            <a:solidFill>
+              <a:prstClr val="black"/>
+            </a:solidFill>
+          </a:ln>
+        </p:spPr>
+        <p:txBody>
+          <a:bodyPr vert="horz" lIns="91440" tIns="45720" rIns="91440" bIns="45720" rtlCol="0" anchor="ctr"/>
+          <a:lstStyle/>
+          <a:p>
+            <a:endParaRPr lang="en-CN"/>
+          </a:p>
+        </p:txBody>
+      </p:sp>
+      <p:sp>
+        <p:nvSpPr>
+          <p:cNvPr id="5" name="Notes Placeholder 4"/>
+          <p:cNvSpPr>
+            <a:spLocks noGrp="1"/>
+          </p:cNvSpPr>
+          <p:nvPr>
+            <p:ph type="body" sz="quarter" idx="3"/>
+          </p:nvPr>
+        </p:nvSpPr>
+        <p:spPr>
+          <a:xfrm>
+            <a:off x="685800" y="4400550"/>
+            <a:ext cx="5486400" cy="3600450"/>
+          </a:xfrm>
+          <a:prstGeom prst="rect">
+            <a:avLst/>
+          </a:prstGeom>
+        </p:spPr>
+        <p:txBody>
+          <a:bodyPr vert="horz" lIns="91440" tIns="45720" rIns="91440" bIns="45720" rtlCol="0"/>
+          <a:lstStyle/>
+          <a:p>
+            <a:pPr lvl="0"/>
+            <a:r>
+              <a:rPr lang="en-US"/>
+              <a:t>Click to edit Master text styles</a:t>
+            </a:r>
+          </a:p>
+          <a:p>
+            <a:pPr lvl="1"/>
+            <a:r>
+              <a:rPr lang="en-US"/>
+              <a:t>Second level</a:t>
+            </a:r>
+          </a:p>
+          <a:p>
+            <a:pPr lvl="2"/>
+            <a:r>
+              <a:rPr lang="en-US"/>
+              <a:t>Third level</a:t>
+            </a:r>
+          </a:p>
+          <a:p>
+            <a:pPr lvl="3"/>
+            <a:r>
+              <a:rPr lang="en-US"/>
+              <a:t>Fourth level</a:t>
+            </a:r>
+          </a:p>
+          <a:p>
+            <a:pPr lvl="4"/>
+            <a:r>
+              <a:rPr lang="en-US"/>
+              <a:t>Fifth level</a:t>
+            </a:r>
+            <a:endParaRPr lang="en-CN"/>
+          </a:p>
+        </p:txBody>
+      </p:sp>
+      <p:sp>
+        <p:nvSpPr>
+          <p:cNvPr id="6" name="Footer Placeholder 5"/>
+          <p:cNvSpPr>
+            <a:spLocks noGrp="1"/>
+          </p:cNvSpPr>
+          <p:nvPr>
+            <p:ph type="ftr" sz="quarter" idx="4"/>
+          </p:nvPr>
+        </p:nvSpPr>
+        <p:spPr>
+          <a:xfrm>
+            <a:off x="0" y="8685213"/>
+            <a:ext cx="2971800" cy="458787"/>
+          </a:xfrm>
+          <a:prstGeom prst="rect">
+            <a:avLst/>
+          </a:prstGeom>
+        </p:spPr>
+        <p:txBody>
+          <a:bodyPr vert="horz" lIns="91440" tIns="45720" rIns="91440" bIns="45720" rtlCol="0" anchor="b"/>
+          <a:lstStyle>
+            <a:lvl1pPr algn="l">
+              <a:defRPr sz="1200"/>
+            </a:lvl1pPr>
+          </a:lstStyle>
+          <a:p>
+            <a:endParaRPr lang="en-CN"/>
+          </a:p>
+        </p:txBody>
+      </p:sp>
+      <p:sp>
+        <p:nvSpPr>
+          <p:cNvPr id="7" name="Slide Number Placeholder 6"/>
+          <p:cNvSpPr>
+            <a:spLocks noGrp="1"/>
+          </p:cNvSpPr>
+          <p:nvPr>
+            <p:ph type="sldNum" sz="quarter" idx="5"/>
+          </p:nvPr>
+        </p:nvSpPr>
+        <p:spPr>
+          <a:xfrm>
+            <a:off x="3884613" y="8685213"/>
+            <a:ext cx="2971800" cy="458787"/>
+          </a:xfrm>
+          <a:prstGeom prst="rect">
+            <a:avLst/>
+          </a:prstGeom>
+        </p:spPr>
+        <p:txBody>
+          <a:bodyPr vert="horz" lIns="91440" tIns="45720" rIns="91440" bIns="45720" rtlCol="0" anchor="b"/>
+          <a:lstStyle>
+            <a:lvl1pPr algn="r">
+              <a:defRPr sz="1200"/>
+            </a:lvl1pPr>
+          </a:lstStyle>
+          <a:p>
+            <a:fld id="{E661B073-BD57-5544-BC4B-CE3FD5AC4141}" type="slidenum">
+              <a:rPr lang="en-CN" smtClean="0"/>
+              <a:t>‹#›</a:t>
+            </a:fld>
+            <a:endParaRPr lang="en-CN"/>
+          </a:p>
+        </p:txBody>
+      </p:sp>
+    </p:spTree>
+    <p:extLst>
+      <p:ext uri="{BB962C8B-B14F-4D97-AF65-F5344CB8AC3E}">
+        <p14:creationId xmlns:p14="http://schemas.microsoft.com/office/powerpoint/2010/main" val="1828564083"/>
+      </p:ext>
+    </p:extLst>
+  </p:cSld>
+  <p:clrMap bg1="lt1" tx1="dk1" bg2="lt2" tx2="dk2" accent1="accent1" accent2="accent2" accent3="accent3" accent4="accent4" accent5="accent5" accent6="accent6" hlink="hlink" folHlink="folHlink"/>
+  <p:notesStyle>
+    <a:lvl1pPr marL="0" algn="l" defTabSz="914400" rtl="0" eaLnBrk="1" latinLnBrk="0" hangingPunct="1">
+      <a:defRPr sz="1200" kern="1200">
+        <a:solidFill>
+          <a:schemeClr val="tx1"/>
+        </a:solidFill>
+        <a:latin typeface="+mn-lt"/>
+        <a:ea typeface="+mn-ea"/>
+        <a:cs typeface="+mn-cs"/>
+      </a:defRPr>
+    </a:lvl1pPr>
+    <a:lvl2pPr marL="457200" algn="l" defTabSz="914400" rtl="0" eaLnBrk="1" latinLnBrk="0" hangingPunct="1">
+      <a:defRPr sz="1200" kern="1200">
+        <a:solidFill>
+          <a:schemeClr val="tx1"/>
+        </a:solidFill>
+        <a:latin typeface="+mn-lt"/>
+        <a:ea typeface="+mn-ea"/>
+        <a:cs typeface="+mn-cs"/>
+      </a:defRPr>
+    </a:lvl2pPr>
+    <a:lvl3pPr marL="914400" algn="l" defTabSz="914400" rtl="0" eaLnBrk="1" latinLnBrk="0" hangingPunct="1">
+      <a:defRPr sz="1200" kern="1200">
+        <a:solidFill>
+          <a:schemeClr val="tx1"/>
+        </a:solidFill>
+        <a:latin typeface="+mn-lt"/>
+        <a:ea typeface="+mn-ea"/>
+        <a:cs typeface="+mn-cs"/>
+      </a:defRPr>
+    </a:lvl3pPr>
+    <a:lvl4pPr marL="1371600" algn="l" defTabSz="914400" rtl="0" eaLnBrk="1" latinLnBrk="0" hangingPunct="1">
+      <a:defRPr sz="1200" kern="1200">
+        <a:solidFill>
+          <a:schemeClr val="tx1"/>
+        </a:solidFill>
+        <a:latin typeface="+mn-lt"/>
+        <a:ea typeface="+mn-ea"/>
+        <a:cs typeface="+mn-cs"/>
+      </a:defRPr>
+    </a:lvl4pPr>
+    <a:lvl5pPr marL="1828800" algn="l" defTabSz="914400" rtl="0" eaLnBrk="1" latinLnBrk="0" hangingPunct="1">
+      <a:defRPr sz="1200" kern="1200">
+        <a:solidFill>
+          <a:schemeClr val="tx1"/>
+        </a:solidFill>
+        <a:latin typeface="+mn-lt"/>
+        <a:ea typeface="+mn-ea"/>
+        <a:cs typeface="+mn-cs"/>
+      </a:defRPr>
+    </a:lvl5pPr>
+    <a:lvl6pPr marL="2286000" algn="l" defTabSz="914400" rtl="0" eaLnBrk="1" latinLnBrk="0" hangingPunct="1">
+      <a:defRPr sz="1200" kern="1200">
+        <a:solidFill>
+          <a:schemeClr val="tx1"/>
+        </a:solidFill>
+        <a:latin typeface="+mn-lt"/>
+        <a:ea typeface="+mn-ea"/>
+        <a:cs typeface="+mn-cs"/>
+      </a:defRPr>
+    </a:lvl6pPr>
+    <a:lvl7pPr marL="2743200" algn="l" defTabSz="914400" rtl="0" eaLnBrk="1" latinLnBrk="0" hangingPunct="1">
+      <a:defRPr sz="1200" kern="1200">
+        <a:solidFill>
+          <a:schemeClr val="tx1"/>
+        </a:solidFill>
+        <a:latin typeface="+mn-lt"/>
+        <a:ea typeface="+mn-ea"/>
+        <a:cs typeface="+mn-cs"/>
+      </a:defRPr>
+    </a:lvl7pPr>
+    <a:lvl8pPr marL="3200400" algn="l" defTabSz="914400" rtl="0" eaLnBrk="1" latinLnBrk="0" hangingPunct="1">
+      <a:defRPr sz="1200" kern="1200">
+        <a:solidFill>
+          <a:schemeClr val="tx1"/>
+        </a:solidFill>
+        <a:latin typeface="+mn-lt"/>
+        <a:ea typeface="+mn-ea"/>
+        <a:cs typeface="+mn-cs"/>
+      </a:defRPr>
+    </a:lvl8pPr>
+    <a:lvl9pPr marL="3657600" algn="l" defTabSz="914400" rtl="0" eaLnBrk="1" latinLnBrk="0" hangingPunct="1">
+      <a:defRPr sz="1200" kern="1200">
+        <a:solidFill>
+          <a:schemeClr val="tx1"/>
+        </a:solidFill>
+        <a:latin typeface="+mn-lt"/>
+        <a:ea typeface="+mn-ea"/>
+        <a:cs typeface="+mn-cs"/>
+      </a:defRPr>
+    </a:lvl9pPr>
+  </p:notesStyle>
+</p:notesMaster>
+</file>
+
+<file path=ppt/notesSlides/notesSlide1.xml><?xml version="1.0" encoding="utf-8"?>
+<p:notes xmlns:a="http://schemas.openxmlformats.org/drawingml/2006/main" xmlns:r="http://schemas.openxmlformats.org/officeDocument/2006/relationships" xmlns:p="http://schemas.openxmlformats.org/presentationml/2006/main">
+  <p:cSld>
+    <p:spTree>
+      <p:nvGrpSpPr>
+        <p:cNvPr id="1" name=""/>
+        <p:cNvGrpSpPr/>
+        <p:nvPr/>
+      </p:nvGrpSpPr>
+      <p:grpSpPr>
+        <a:xfrm>
+          <a:off x="0" y="0"/>
+          <a:ext cx="0" cy="0"/>
+          <a:chOff x="0" y="0"/>
+          <a:chExt cx="0" cy="0"/>
+        </a:xfrm>
+      </p:grpSpPr>
+      <p:sp>
+        <p:nvSpPr>
+          <p:cNvPr id="2" name="Slide Image Placeholder 1"/>
+          <p:cNvSpPr>
+            <a:spLocks noGrp="1" noRot="1" noChangeAspect="1"/>
+          </p:cNvSpPr>
+          <p:nvPr>
+            <p:ph type="sldImg"/>
+          </p:nvPr>
+        </p:nvSpPr>
+        <p:spPr/>
+      </p:sp>
+      <p:sp>
+        <p:nvSpPr>
+          <p:cNvPr id="3" name="Notes Placeholder 2"/>
+          <p:cNvSpPr>
+            <a:spLocks noGrp="1"/>
+          </p:cNvSpPr>
+          <p:nvPr>
+            <p:ph type="body" idx="1"/>
+          </p:nvPr>
+        </p:nvSpPr>
+        <p:spPr/>
+        <p:txBody>
+          <a:bodyPr/>
+          <a:lstStyle/>
+          <a:p>
+            <a:r>
+              <a:rPr lang="zh-CN" altLang="en-US" sz="1200" b="0" i="0" kern="1200" dirty="0">
+                <a:solidFill>
+                  <a:schemeClr val="tx1"/>
+                </a:solidFill>
+                <a:effectLst/>
+                <a:latin typeface="+mn-lt"/>
+                <a:ea typeface="+mn-ea"/>
+                <a:cs typeface="+mn-cs"/>
+              </a:rPr>
+              <a:t>百度百科：出自文康</a:t>
+            </a:r>
+            <a:r>
+              <a:rPr lang="en-US" altLang="zh-CN" sz="1200" b="0" i="0" kern="1200" dirty="0">
+                <a:solidFill>
+                  <a:schemeClr val="tx1"/>
+                </a:solidFill>
+                <a:effectLst/>
+                <a:latin typeface="+mn-lt"/>
+                <a:ea typeface="+mn-ea"/>
+                <a:cs typeface="+mn-cs"/>
+              </a:rPr>
+              <a:t>《</a:t>
+            </a:r>
+            <a:r>
+              <a:rPr lang="zh-CN" altLang="en-US" sz="1200" b="0" i="0" kern="1200" dirty="0">
+                <a:solidFill>
+                  <a:schemeClr val="tx1"/>
+                </a:solidFill>
+                <a:effectLst/>
+                <a:latin typeface="+mn-lt"/>
+                <a:ea typeface="+mn-ea"/>
+                <a:cs typeface="+mn-cs"/>
+              </a:rPr>
+              <a:t>儿女英雄传</a:t>
+            </a:r>
+            <a:r>
+              <a:rPr lang="en-US" altLang="zh-CN" sz="1200" b="0" i="0" kern="1200" dirty="0">
+                <a:solidFill>
+                  <a:schemeClr val="tx1"/>
+                </a:solidFill>
+                <a:effectLst/>
+                <a:latin typeface="+mn-lt"/>
+                <a:ea typeface="+mn-ea"/>
+                <a:cs typeface="+mn-cs"/>
+              </a:rPr>
+              <a:t>》</a:t>
+            </a:r>
+            <a:r>
+              <a:rPr lang="zh-CN" altLang="en-US" sz="1200" b="0" i="0" kern="1200" dirty="0">
+                <a:solidFill>
+                  <a:schemeClr val="tx1"/>
+                </a:solidFill>
+                <a:effectLst/>
+                <a:latin typeface="+mn-lt"/>
+                <a:ea typeface="+mn-ea"/>
+                <a:cs typeface="+mn-cs"/>
+              </a:rPr>
+              <a:t>。</a:t>
+            </a:r>
+            <a:r>
+              <a:rPr lang="zh-CN" altLang="en-US" sz="1200" b="0" i="0" kern="1200" baseline="30000" dirty="0">
+                <a:solidFill>
+                  <a:schemeClr val="tx1"/>
+                </a:solidFill>
+                <a:effectLst/>
+                <a:latin typeface="+mn-lt"/>
+                <a:ea typeface="+mn-ea"/>
+                <a:cs typeface="+mn-cs"/>
+              </a:rPr>
+              <a:t> </a:t>
+            </a:r>
+            <a:r>
+              <a:rPr lang="en-US" altLang="zh-CN" sz="1200" b="0" i="0" kern="1200" baseline="30000" dirty="0">
+                <a:solidFill>
+                  <a:schemeClr val="tx1"/>
+                </a:solidFill>
+                <a:effectLst/>
+                <a:latin typeface="+mn-lt"/>
+                <a:ea typeface="+mn-ea"/>
+                <a:cs typeface="+mn-cs"/>
+              </a:rPr>
+              <a:t>[1]</a:t>
+            </a:r>
+            <a:r>
+              <a:rPr lang="zh-CN" altLang="en-US" sz="1200" b="0" i="0" u="none" strike="noStrike" kern="1200" dirty="0">
+                <a:solidFill>
+                  <a:schemeClr val="tx1"/>
+                </a:solidFill>
+                <a:effectLst/>
+                <a:latin typeface="+mn-lt"/>
+                <a:ea typeface="+mn-ea"/>
+                <a:cs typeface="+mn-cs"/>
+              </a:rPr>
+              <a:t> </a:t>
+            </a:r>
+            <a:r>
+              <a:rPr lang="zh-CN" altLang="en-US" sz="1200" b="0" i="0" kern="1200" dirty="0">
+                <a:solidFill>
+                  <a:schemeClr val="tx1"/>
+                </a:solidFill>
+                <a:effectLst/>
+                <a:latin typeface="+mn-lt"/>
+                <a:ea typeface="+mn-ea"/>
+                <a:cs typeface="+mn-cs"/>
+              </a:rPr>
+              <a:t> 书：家庭三代熟读四书五经。香：家族中有祖庙，自有香火。门：门当，泛指门槛，代表家庭当地有地位。第：代表第及。指家庭中有满城皆知的名人。</a:t>
+            </a:r>
+            <a:endParaRPr lang="en-US" altLang="zh-CN" sz="1200" b="0" i="0" kern="1200" dirty="0">
+              <a:solidFill>
+                <a:schemeClr val="tx1"/>
+              </a:solidFill>
+              <a:effectLst/>
+              <a:latin typeface="+mn-lt"/>
+              <a:ea typeface="+mn-ea"/>
+              <a:cs typeface="+mn-cs"/>
+            </a:endParaRPr>
+          </a:p>
+          <a:p>
+            <a:r>
+              <a:rPr lang="zh-CN" altLang="en-US" sz="1200" b="0" i="0" kern="1200" dirty="0">
+                <a:solidFill>
+                  <a:schemeClr val="tx1"/>
+                </a:solidFill>
+                <a:effectLst/>
+                <a:latin typeface="+mn-lt"/>
+                <a:ea typeface="+mn-ea"/>
+                <a:cs typeface="+mn-cs"/>
+              </a:rPr>
+              <a:t>有知识没文化</a:t>
+            </a:r>
+            <a:endParaRPr lang="en-CN" dirty="0"/>
+          </a:p>
+        </p:txBody>
+      </p:sp>
+      <p:sp>
+        <p:nvSpPr>
+          <p:cNvPr id="4" name="Slide Number Placeholder 3"/>
+          <p:cNvSpPr>
+            <a:spLocks noGrp="1"/>
+          </p:cNvSpPr>
+          <p:nvPr>
+            <p:ph type="sldNum" sz="quarter" idx="5"/>
+          </p:nvPr>
+        </p:nvSpPr>
+        <p:spPr/>
+        <p:txBody>
+          <a:bodyPr/>
+          <a:lstStyle/>
+          <a:p>
+            <a:fld id="{E661B073-BD57-5544-BC4B-CE3FD5AC4141}" type="slidenum">
+              <a:rPr lang="en-CN" smtClean="0"/>
+              <a:t>2</a:t>
+            </a:fld>
+            <a:endParaRPr lang="en-CN"/>
+          </a:p>
+        </p:txBody>
+      </p:sp>
+    </p:spTree>
+    <p:extLst>
+      <p:ext uri="{BB962C8B-B14F-4D97-AF65-F5344CB8AC3E}">
+        <p14:creationId xmlns:p14="http://schemas.microsoft.com/office/powerpoint/2010/main" val="3726836148"/>
+      </p:ext>
+    </p:extLst>
+  </p:cSld>
+  <p:clrMapOvr>
+    <a:masterClrMapping/>
+  </p:clrMapOvr>
+</p:notes>
+</file>
+
+<file path=ppt/notesSlides/notesSlide2.xml><?xml version="1.0" encoding="utf-8"?>
+<p:notes xmlns:a="http://schemas.openxmlformats.org/drawingml/2006/main" xmlns:r="http://schemas.openxmlformats.org/officeDocument/2006/relationships" xmlns:p="http://schemas.openxmlformats.org/presentationml/2006/main">
+  <p:cSld>
+    <p:spTree>
+      <p:nvGrpSpPr>
+        <p:cNvPr id="1" name=""/>
+        <p:cNvGrpSpPr/>
+        <p:nvPr/>
+      </p:nvGrpSpPr>
+      <p:grpSpPr>
+        <a:xfrm>
+          <a:off x="0" y="0"/>
+          <a:ext cx="0" cy="0"/>
+          <a:chOff x="0" y="0"/>
+          <a:chExt cx="0" cy="0"/>
+        </a:xfrm>
+      </p:grpSpPr>
+      <p:sp>
+        <p:nvSpPr>
+          <p:cNvPr id="2" name="Slide Image Placeholder 1"/>
+          <p:cNvSpPr>
+            <a:spLocks noGrp="1" noRot="1" noChangeAspect="1"/>
+          </p:cNvSpPr>
+          <p:nvPr>
+            <p:ph type="sldImg"/>
+          </p:nvPr>
+        </p:nvSpPr>
+        <p:spPr/>
+      </p:sp>
+      <p:sp>
+        <p:nvSpPr>
+          <p:cNvPr id="3" name="Notes Placeholder 2"/>
+          <p:cNvSpPr>
+            <a:spLocks noGrp="1"/>
+          </p:cNvSpPr>
+          <p:nvPr>
+            <p:ph type="body" idx="1"/>
+          </p:nvPr>
+        </p:nvSpPr>
+        <p:spPr/>
+        <p:txBody>
+          <a:bodyPr/>
+          <a:lstStyle/>
+          <a:p>
+            <a:r>
+              <a:rPr lang="zh-CN" altLang="en-US" dirty="0"/>
+              <a:t>采访：最大的挑战。最难忘的瞬间。</a:t>
+            </a:r>
+            <a:endParaRPr lang="en-US" altLang="zh-CN" dirty="0"/>
+          </a:p>
+          <a:p>
+            <a:r>
+              <a:rPr lang="zh-CN" altLang="en-US" dirty="0"/>
+              <a:t>复读结束以后最想做的事情。</a:t>
+            </a:r>
+            <a:endParaRPr lang="en-US" altLang="zh-CN" dirty="0"/>
+          </a:p>
+          <a:p>
+            <a:r>
+              <a:rPr lang="zh-CN" altLang="en-US" dirty="0"/>
+              <a:t>给弟妹的建议。要不要再复读。</a:t>
+            </a:r>
+            <a:endParaRPr lang="en-CN" dirty="0"/>
+          </a:p>
+        </p:txBody>
+      </p:sp>
+      <p:sp>
+        <p:nvSpPr>
+          <p:cNvPr id="4" name="Slide Number Placeholder 3"/>
+          <p:cNvSpPr>
+            <a:spLocks noGrp="1"/>
+          </p:cNvSpPr>
+          <p:nvPr>
+            <p:ph type="sldNum" sz="quarter" idx="5"/>
+          </p:nvPr>
+        </p:nvSpPr>
+        <p:spPr/>
+        <p:txBody>
+          <a:bodyPr/>
+          <a:lstStyle/>
+          <a:p>
+            <a:fld id="{E661B073-BD57-5544-BC4B-CE3FD5AC4141}" type="slidenum">
+              <a:rPr lang="en-CN" smtClean="0"/>
+              <a:t>9</a:t>
+            </a:fld>
+            <a:endParaRPr lang="en-CN"/>
+          </a:p>
+        </p:txBody>
+      </p:sp>
+    </p:spTree>
+    <p:extLst>
+      <p:ext uri="{BB962C8B-B14F-4D97-AF65-F5344CB8AC3E}">
+        <p14:creationId xmlns:p14="http://schemas.microsoft.com/office/powerpoint/2010/main" val="1975031471"/>
+      </p:ext>
+    </p:extLst>
+  </p:cSld>
+  <p:clrMapOvr>
+    <a:masterClrMapping/>
+  </p:clrMapOvr>
+</p:notes>
+</file>
+
+<file path=ppt/notesSlides/notesSlide3.xml><?xml version="1.0" encoding="utf-8"?>
+<p:notes xmlns:a="http://schemas.openxmlformats.org/drawingml/2006/main" xmlns:r="http://schemas.openxmlformats.org/officeDocument/2006/relationships" xmlns:p="http://schemas.openxmlformats.org/presentationml/2006/main">
+  <p:cSld>
+    <p:spTree>
+      <p:nvGrpSpPr>
+        <p:cNvPr id="1" name=""/>
+        <p:cNvGrpSpPr/>
+        <p:nvPr/>
+      </p:nvGrpSpPr>
+      <p:grpSpPr>
+        <a:xfrm>
+          <a:off x="0" y="0"/>
+          <a:ext cx="0" cy="0"/>
+          <a:chOff x="0" y="0"/>
+          <a:chExt cx="0" cy="0"/>
+        </a:xfrm>
+      </p:grpSpPr>
+      <p:sp>
+        <p:nvSpPr>
+          <p:cNvPr id="2" name="Slide Image Placeholder 1"/>
+          <p:cNvSpPr>
+            <a:spLocks noGrp="1" noRot="1" noChangeAspect="1"/>
+          </p:cNvSpPr>
+          <p:nvPr>
+            <p:ph type="sldImg"/>
+          </p:nvPr>
+        </p:nvSpPr>
+        <p:spPr/>
+      </p:sp>
+      <p:sp>
+        <p:nvSpPr>
+          <p:cNvPr id="3" name="Notes Placeholder 2"/>
+          <p:cNvSpPr>
+            <a:spLocks noGrp="1"/>
+          </p:cNvSpPr>
+          <p:nvPr>
+            <p:ph type="body" idx="1"/>
+          </p:nvPr>
+        </p:nvSpPr>
+        <p:spPr/>
+        <p:txBody>
+          <a:bodyPr/>
+          <a:lstStyle/>
+          <a:p>
+            <a:endParaRPr lang="en-CN" dirty="0"/>
+          </a:p>
+        </p:txBody>
+      </p:sp>
+      <p:sp>
+        <p:nvSpPr>
+          <p:cNvPr id="4" name="Slide Number Placeholder 3"/>
+          <p:cNvSpPr>
+            <a:spLocks noGrp="1"/>
+          </p:cNvSpPr>
+          <p:nvPr>
+            <p:ph type="sldNum" sz="quarter" idx="5"/>
+          </p:nvPr>
+        </p:nvSpPr>
+        <p:spPr/>
+        <p:txBody>
+          <a:bodyPr/>
+          <a:lstStyle/>
+          <a:p>
+            <a:fld id="{E661B073-BD57-5544-BC4B-CE3FD5AC4141}" type="slidenum">
+              <a:rPr lang="en-CN" smtClean="0"/>
+              <a:t>10</a:t>
+            </a:fld>
+            <a:endParaRPr lang="en-CN"/>
+          </a:p>
+        </p:txBody>
+      </p:sp>
+    </p:spTree>
+    <p:extLst>
+      <p:ext uri="{BB962C8B-B14F-4D97-AF65-F5344CB8AC3E}">
+        <p14:creationId xmlns:p14="http://schemas.microsoft.com/office/powerpoint/2010/main" val="1909081443"/>
+      </p:ext>
+    </p:extLst>
+  </p:cSld>
+  <p:clrMapOvr>
+    <a:masterClrMapping/>
+  </p:clrMapOvr>
+</p:notes>
+</file>
+
 <file path=ppt/slideLayouts/slideLayout1.xml><?xml version="1.0" encoding="utf-8"?>
 <p:sldLayout xmlns:a="http://schemas.openxmlformats.org/drawingml/2006/main" xmlns:r="http://schemas.openxmlformats.org/officeDocument/2006/relationships" xmlns:p="http://schemas.openxmlformats.org/presentationml/2006/main" showMasterSp="0" type="title" preserve="1">
   <p:cSld name="Title Slide">
@@ -171,7 +927,7 @@
           <a:noFill/>
           <a:extLst>
             <a:ext uri="{909E8E84-426E-40dd-AFC4-6F175D3DCCD1}">
-              <a14:hiddenFill xmlns:a14="http://schemas.microsoft.com/office/drawing/2010/main" xmlns="">
+              <a14:hiddenFill xmlns="" xmlns:a14="http://schemas.microsoft.com/office/drawing/2010/main">
                 <a:solidFill>
                   <a:srgbClr val="FFFFFF"/>
                 </a:solidFill>
@@ -231,7 +987,7 @@
             </a:ln>
             <a:extLst>
               <a:ext uri="{91240B29-F687-4f45-9708-019B960494DF}">
-                <a14:hiddenLine xmlns:a14="http://schemas.microsoft.com/office/drawing/2010/main" xmlns="" w="9525">
+                <a14:hiddenLine xmlns="" xmlns:a14="http://schemas.microsoft.com/office/drawing/2010/main" w="9525">
                   <a:solidFill>
                     <a:srgbClr val="000000"/>
                   </a:solidFill>
@@ -321,7 +1077,7 @@
             </a:ln>
             <a:extLst>
               <a:ext uri="{91240B29-F687-4f45-9708-019B960494DF}">
-                <a14:hiddenLine xmlns:a14="http://schemas.microsoft.com/office/drawing/2010/main" xmlns="" w="9525">
+                <a14:hiddenLine xmlns="" xmlns:a14="http://schemas.microsoft.com/office/drawing/2010/main" w="9525">
                   <a:solidFill>
                     <a:srgbClr val="000000"/>
                   </a:solidFill>
@@ -411,7 +1167,7 @@
             </a:ln>
             <a:extLst>
               <a:ext uri="{91240B29-F687-4f45-9708-019B960494DF}">
-                <a14:hiddenLine xmlns:a14="http://schemas.microsoft.com/office/drawing/2010/main" xmlns="" w="9525">
+                <a14:hiddenLine xmlns="" xmlns:a14="http://schemas.microsoft.com/office/drawing/2010/main" w="9525">
                   <a:solidFill>
                     <a:srgbClr val="000000"/>
                   </a:solidFill>
@@ -445,7 +1201,7 @@
             </a:ln>
             <a:extLst>
               <a:ext uri="{91240B29-F687-4f45-9708-019B960494DF}">
-                <a14:hiddenLine xmlns:a14="http://schemas.microsoft.com/office/drawing/2010/main" xmlns="" w="9525">
+                <a14:hiddenLine xmlns="" xmlns:a14="http://schemas.microsoft.com/office/drawing/2010/main" w="9525">
                   <a:solidFill>
                     <a:srgbClr val="000000"/>
                   </a:solidFill>
@@ -535,7 +1291,7 @@
             </a:ln>
             <a:extLst>
               <a:ext uri="{91240B29-F687-4f45-9708-019B960494DF}">
-                <a14:hiddenLine xmlns:a14="http://schemas.microsoft.com/office/drawing/2010/main" xmlns="" w="9525">
+                <a14:hiddenLine xmlns="" xmlns:a14="http://schemas.microsoft.com/office/drawing/2010/main" w="9525">
                   <a:solidFill>
                     <a:srgbClr val="000000"/>
                   </a:solidFill>
@@ -597,7 +1353,7 @@
             </a:ln>
             <a:extLst>
               <a:ext uri="{91240B29-F687-4f45-9708-019B960494DF}">
-                <a14:hiddenLine xmlns:a14="http://schemas.microsoft.com/office/drawing/2010/main" xmlns="" w="9525">
+                <a14:hiddenLine xmlns="" xmlns:a14="http://schemas.microsoft.com/office/drawing/2010/main" w="9525">
                   <a:solidFill>
                     <a:srgbClr val="000000"/>
                   </a:solidFill>
@@ -659,7 +1415,7 @@
             </a:ln>
             <a:extLst>
               <a:ext uri="{91240B29-F687-4f45-9708-019B960494DF}">
-                <a14:hiddenLine xmlns:a14="http://schemas.microsoft.com/office/drawing/2010/main" xmlns="" w="9525">
+                <a14:hiddenLine xmlns="" xmlns:a14="http://schemas.microsoft.com/office/drawing/2010/main" w="9525">
                   <a:solidFill>
                     <a:srgbClr val="000000"/>
                   </a:solidFill>
@@ -749,7 +1505,7 @@
             </a:ln>
             <a:extLst>
               <a:ext uri="{91240B29-F687-4f45-9708-019B960494DF}">
-                <a14:hiddenLine xmlns:a14="http://schemas.microsoft.com/office/drawing/2010/main" xmlns="" w="9525">
+                <a14:hiddenLine xmlns="" xmlns:a14="http://schemas.microsoft.com/office/drawing/2010/main" w="9525">
                   <a:solidFill>
                     <a:srgbClr val="000000"/>
                   </a:solidFill>
@@ -811,7 +1567,7 @@
             </a:ln>
             <a:extLst>
               <a:ext uri="{91240B29-F687-4f45-9708-019B960494DF}">
-                <a14:hiddenLine xmlns:a14="http://schemas.microsoft.com/office/drawing/2010/main" xmlns="" w="9525">
+                <a14:hiddenLine xmlns="" xmlns:a14="http://schemas.microsoft.com/office/drawing/2010/main" w="9525">
                   <a:solidFill>
                     <a:srgbClr val="000000"/>
                   </a:solidFill>
@@ -873,7 +1629,7 @@
             </a:ln>
             <a:extLst>
               <a:ext uri="{91240B29-F687-4f45-9708-019B960494DF}">
-                <a14:hiddenLine xmlns:a14="http://schemas.microsoft.com/office/drawing/2010/main" xmlns="" w="9525">
+                <a14:hiddenLine xmlns="" xmlns:a14="http://schemas.microsoft.com/office/drawing/2010/main" w="9525">
                   <a:solidFill>
                     <a:srgbClr val="000000"/>
                   </a:solidFill>
@@ -963,7 +1719,7 @@
             </a:ln>
             <a:extLst>
               <a:ext uri="{91240B29-F687-4f45-9708-019B960494DF}">
-                <a14:hiddenLine xmlns:a14="http://schemas.microsoft.com/office/drawing/2010/main" xmlns="" w="9525">
+                <a14:hiddenLine xmlns="" xmlns:a14="http://schemas.microsoft.com/office/drawing/2010/main" w="9525">
                   <a:solidFill>
                     <a:srgbClr val="000000"/>
                   </a:solidFill>
@@ -1053,7 +1809,7 @@
             </a:ln>
             <a:extLst>
               <a:ext uri="{91240B29-F687-4f45-9708-019B960494DF}">
-                <a14:hiddenLine xmlns:a14="http://schemas.microsoft.com/office/drawing/2010/main" xmlns="" w="9525">
+                <a14:hiddenLine xmlns="" xmlns:a14="http://schemas.microsoft.com/office/drawing/2010/main" w="9525">
                   <a:solidFill>
                     <a:srgbClr val="000000"/>
                   </a:solidFill>
@@ -1115,7 +1871,7 @@
             </a:ln>
             <a:extLst>
               <a:ext uri="{91240B29-F687-4f45-9708-019B960494DF}">
-                <a14:hiddenLine xmlns:a14="http://schemas.microsoft.com/office/drawing/2010/main" xmlns="" w="9525">
+                <a14:hiddenLine xmlns="" xmlns:a14="http://schemas.microsoft.com/office/drawing/2010/main" w="9525">
                   <a:solidFill>
                     <a:srgbClr val="000000"/>
                   </a:solidFill>
@@ -1225,7 +1981,7 @@
             </a:ln>
             <a:extLst>
               <a:ext uri="{91240B29-F687-4f45-9708-019B960494DF}">
-                <a14:hiddenLine xmlns:a14="http://schemas.microsoft.com/office/drawing/2010/main" xmlns="" w="9525">
+                <a14:hiddenLine xmlns="" xmlns:a14="http://schemas.microsoft.com/office/drawing/2010/main" w="9525">
                   <a:solidFill>
                     <a:srgbClr val="000000"/>
                   </a:solidFill>
@@ -1287,7 +2043,7 @@
             </a:ln>
             <a:extLst>
               <a:ext uri="{91240B29-F687-4f45-9708-019B960494DF}">
-                <a14:hiddenLine xmlns:a14="http://schemas.microsoft.com/office/drawing/2010/main" xmlns="" w="9525">
+                <a14:hiddenLine xmlns="" xmlns:a14="http://schemas.microsoft.com/office/drawing/2010/main" w="9525">
                   <a:solidFill>
                     <a:srgbClr val="000000"/>
                   </a:solidFill>
@@ -1377,7 +2133,7 @@
             </a:ln>
             <a:extLst>
               <a:ext uri="{91240B29-F687-4f45-9708-019B960494DF}">
-                <a14:hiddenLine xmlns:a14="http://schemas.microsoft.com/office/drawing/2010/main" xmlns="" w="9525">
+                <a14:hiddenLine xmlns="" xmlns:a14="http://schemas.microsoft.com/office/drawing/2010/main" w="9525">
                   <a:solidFill>
                     <a:srgbClr val="000000"/>
                   </a:solidFill>
@@ -1467,7 +2223,7 @@
             </a:ln>
             <a:extLst>
               <a:ext uri="{91240B29-F687-4f45-9708-019B960494DF}">
-                <a14:hiddenLine xmlns:a14="http://schemas.microsoft.com/office/drawing/2010/main" xmlns="" w="9525">
+                <a14:hiddenLine xmlns="" xmlns:a14="http://schemas.microsoft.com/office/drawing/2010/main" w="9525">
                   <a:solidFill>
                     <a:srgbClr val="000000"/>
                   </a:solidFill>
@@ -1529,7 +2285,7 @@
             </a:ln>
             <a:extLst>
               <a:ext uri="{91240B29-F687-4f45-9708-019B960494DF}">
-                <a14:hiddenLine xmlns:a14="http://schemas.microsoft.com/office/drawing/2010/main" xmlns="" w="9525">
+                <a14:hiddenLine xmlns="" xmlns:a14="http://schemas.microsoft.com/office/drawing/2010/main" w="9525">
                   <a:solidFill>
                     <a:srgbClr val="000000"/>
                   </a:solidFill>
@@ -1619,7 +2375,7 @@
             </a:ln>
             <a:extLst>
               <a:ext uri="{91240B29-F687-4f45-9708-019B960494DF}">
-                <a14:hiddenLine xmlns:a14="http://schemas.microsoft.com/office/drawing/2010/main" xmlns="" w="9525">
+                <a14:hiddenLine xmlns="" xmlns:a14="http://schemas.microsoft.com/office/drawing/2010/main" w="9525">
                   <a:solidFill>
                     <a:srgbClr val="000000"/>
                   </a:solidFill>
@@ -1709,7 +2465,7 @@
             </a:ln>
             <a:extLst>
               <a:ext uri="{91240B29-F687-4f45-9708-019B960494DF}">
-                <a14:hiddenLine xmlns:a14="http://schemas.microsoft.com/office/drawing/2010/main" xmlns="" w="9525">
+                <a14:hiddenLine xmlns="" xmlns:a14="http://schemas.microsoft.com/office/drawing/2010/main" w="9525">
                   <a:solidFill>
                     <a:srgbClr val="000000"/>
                   </a:solidFill>
@@ -1765,7 +2521,7 @@
             </a:ln>
             <a:extLst>
               <a:ext uri="{91240B29-F687-4f45-9708-019B960494DF}">
-                <a14:hiddenLine xmlns:a14="http://schemas.microsoft.com/office/drawing/2010/main" xmlns="" w="9525">
+                <a14:hiddenLine xmlns="" xmlns:a14="http://schemas.microsoft.com/office/drawing/2010/main" w="9525">
                   <a:solidFill>
                     <a:srgbClr val="000000"/>
                   </a:solidFill>
@@ -1855,7 +2611,7 @@
             </a:ln>
             <a:extLst>
               <a:ext uri="{91240B29-F687-4f45-9708-019B960494DF}">
-                <a14:hiddenLine xmlns:a14="http://schemas.microsoft.com/office/drawing/2010/main" xmlns="" w="9525">
+                <a14:hiddenLine xmlns="" xmlns:a14="http://schemas.microsoft.com/office/drawing/2010/main" w="9525">
                   <a:solidFill>
                     <a:srgbClr val="000000"/>
                   </a:solidFill>
@@ -1911,7 +2667,7 @@
             </a:ln>
             <a:extLst>
               <a:ext uri="{91240B29-F687-4f45-9708-019B960494DF}">
-                <a14:hiddenLine xmlns:a14="http://schemas.microsoft.com/office/drawing/2010/main" xmlns="" w="9525">
+                <a14:hiddenLine xmlns="" xmlns:a14="http://schemas.microsoft.com/office/drawing/2010/main" w="9525">
                   <a:solidFill>
                     <a:srgbClr val="000000"/>
                   </a:solidFill>
@@ -2001,7 +2757,7 @@
             </a:ln>
             <a:extLst>
               <a:ext uri="{91240B29-F687-4f45-9708-019B960494DF}">
-                <a14:hiddenLine xmlns:a14="http://schemas.microsoft.com/office/drawing/2010/main" xmlns="" w="9525">
+                <a14:hiddenLine xmlns="" xmlns:a14="http://schemas.microsoft.com/office/drawing/2010/main" w="9525">
                   <a:solidFill>
                     <a:srgbClr val="000000"/>
                   </a:solidFill>
@@ -2069,7 +2825,7 @@
             </a:ln>
             <a:extLst>
               <a:ext uri="{91240B29-F687-4f45-9708-019B960494DF}">
-                <a14:hiddenLine xmlns:a14="http://schemas.microsoft.com/office/drawing/2010/main" xmlns="" w="9525">
+                <a14:hiddenLine xmlns="" xmlns:a14="http://schemas.microsoft.com/office/drawing/2010/main" w="9525">
                   <a:solidFill>
                     <a:srgbClr val="000000"/>
                   </a:solidFill>
@@ -2159,7 +2915,7 @@
             </a:ln>
             <a:extLst>
               <a:ext uri="{91240B29-F687-4f45-9708-019B960494DF}">
-                <a14:hiddenLine xmlns:a14="http://schemas.microsoft.com/office/drawing/2010/main" xmlns="" w="9525">
+                <a14:hiddenLine xmlns="" xmlns:a14="http://schemas.microsoft.com/office/drawing/2010/main" w="9525">
                   <a:solidFill>
                     <a:srgbClr val="000000"/>
                   </a:solidFill>
@@ -2227,7 +2983,7 @@
             </a:ln>
             <a:extLst>
               <a:ext uri="{91240B29-F687-4f45-9708-019B960494DF}">
-                <a14:hiddenLine xmlns:a14="http://schemas.microsoft.com/office/drawing/2010/main" xmlns="" w="9525">
+                <a14:hiddenLine xmlns="" xmlns:a14="http://schemas.microsoft.com/office/drawing/2010/main" w="9525">
                   <a:solidFill>
                     <a:srgbClr val="000000"/>
                   </a:solidFill>
@@ -2317,7 +3073,7 @@
             </a:ln>
             <a:extLst>
               <a:ext uri="{91240B29-F687-4f45-9708-019B960494DF}">
-                <a14:hiddenLine xmlns:a14="http://schemas.microsoft.com/office/drawing/2010/main" xmlns="" w="9525">
+                <a14:hiddenLine xmlns="" xmlns:a14="http://schemas.microsoft.com/office/drawing/2010/main" w="9525">
                   <a:solidFill>
                     <a:srgbClr val="000000"/>
                   </a:solidFill>
@@ -2351,7 +3107,7 @@
             </a:ln>
             <a:extLst>
               <a:ext uri="{91240B29-F687-4f45-9708-019B960494DF}">
-                <a14:hiddenLine xmlns:a14="http://schemas.microsoft.com/office/drawing/2010/main" xmlns="" w="9525">
+                <a14:hiddenLine xmlns="" xmlns:a14="http://schemas.microsoft.com/office/drawing/2010/main" w="9525">
                   <a:solidFill>
                     <a:srgbClr val="000000"/>
                   </a:solidFill>
@@ -2441,7 +3197,7 @@
             </a:ln>
             <a:extLst>
               <a:ext uri="{91240B29-F687-4f45-9708-019B960494DF}">
-                <a14:hiddenLine xmlns:a14="http://schemas.microsoft.com/office/drawing/2010/main" xmlns="" w="9525">
+                <a14:hiddenLine xmlns="" xmlns:a14="http://schemas.microsoft.com/office/drawing/2010/main" w="9525">
                   <a:solidFill>
                     <a:srgbClr val="000000"/>
                   </a:solidFill>
@@ -2503,7 +3259,7 @@
             </a:ln>
             <a:extLst>
               <a:ext uri="{91240B29-F687-4f45-9708-019B960494DF}">
-                <a14:hiddenLine xmlns:a14="http://schemas.microsoft.com/office/drawing/2010/main" xmlns="" w="9525">
+                <a14:hiddenLine xmlns="" xmlns:a14="http://schemas.microsoft.com/office/drawing/2010/main" w="9525">
                   <a:solidFill>
                     <a:srgbClr val="000000"/>
                   </a:solidFill>
@@ -2565,7 +3321,7 @@
             </a:ln>
             <a:extLst>
               <a:ext uri="{91240B29-F687-4f45-9708-019B960494DF}">
-                <a14:hiddenLine xmlns:a14="http://schemas.microsoft.com/office/drawing/2010/main" xmlns="" w="9525">
+                <a14:hiddenLine xmlns="" xmlns:a14="http://schemas.microsoft.com/office/drawing/2010/main" w="9525">
                   <a:solidFill>
                     <a:srgbClr val="000000"/>
                   </a:solidFill>
@@ -2655,7 +3411,7 @@
             </a:ln>
             <a:extLst>
               <a:ext uri="{91240B29-F687-4f45-9708-019B960494DF}">
-                <a14:hiddenLine xmlns:a14="http://schemas.microsoft.com/office/drawing/2010/main" xmlns="" w="9525">
+                <a14:hiddenLine xmlns="" xmlns:a14="http://schemas.microsoft.com/office/drawing/2010/main" w="9525">
                   <a:solidFill>
                     <a:srgbClr val="000000"/>
                   </a:solidFill>
@@ -2723,7 +3479,7 @@
             </a:ln>
             <a:extLst>
               <a:ext uri="{91240B29-F687-4f45-9708-019B960494DF}">
-                <a14:hiddenLine xmlns:a14="http://schemas.microsoft.com/office/drawing/2010/main" xmlns="" w="9525">
+                <a14:hiddenLine xmlns="" xmlns:a14="http://schemas.microsoft.com/office/drawing/2010/main" w="9525">
                   <a:solidFill>
                     <a:srgbClr val="000000"/>
                   </a:solidFill>
@@ -2785,7 +3541,7 @@
             </a:ln>
             <a:extLst>
               <a:ext uri="{91240B29-F687-4f45-9708-019B960494DF}">
-                <a14:hiddenLine xmlns:a14="http://schemas.microsoft.com/office/drawing/2010/main" xmlns="" w="9525">
+                <a14:hiddenLine xmlns="" xmlns:a14="http://schemas.microsoft.com/office/drawing/2010/main" w="9525">
                   <a:solidFill>
                     <a:srgbClr val="000000"/>
                   </a:solidFill>
@@ -2875,7 +3631,7 @@
             </a:ln>
             <a:extLst>
               <a:ext uri="{91240B29-F687-4f45-9708-019B960494DF}">
-                <a14:hiddenLine xmlns:a14="http://schemas.microsoft.com/office/drawing/2010/main" xmlns="" w="9525">
+                <a14:hiddenLine xmlns="" xmlns:a14="http://schemas.microsoft.com/office/drawing/2010/main" w="9525">
                   <a:solidFill>
                     <a:srgbClr val="000000"/>
                   </a:solidFill>
@@ -2937,7 +3693,7 @@
             </a:ln>
             <a:extLst>
               <a:ext uri="{91240B29-F687-4f45-9708-019B960494DF}">
-                <a14:hiddenLine xmlns:a14="http://schemas.microsoft.com/office/drawing/2010/main" xmlns="" w="9525">
+                <a14:hiddenLine xmlns="" xmlns:a14="http://schemas.microsoft.com/office/drawing/2010/main" w="9525">
                   <a:solidFill>
                     <a:srgbClr val="000000"/>
                   </a:solidFill>
@@ -3027,7 +3783,7 @@
             </a:ln>
             <a:extLst>
               <a:ext uri="{91240B29-F687-4f45-9708-019B960494DF}">
-                <a14:hiddenLine xmlns:a14="http://schemas.microsoft.com/office/drawing/2010/main" xmlns="" w="9525">
+                <a14:hiddenLine xmlns="" xmlns:a14="http://schemas.microsoft.com/office/drawing/2010/main" w="9525">
                   <a:solidFill>
                     <a:srgbClr val="000000"/>
                   </a:solidFill>
@@ -3089,7 +3845,7 @@
             </a:ln>
             <a:extLst>
               <a:ext uri="{91240B29-F687-4f45-9708-019B960494DF}">
-                <a14:hiddenLine xmlns:a14="http://schemas.microsoft.com/office/drawing/2010/main" xmlns="" w="9525">
+                <a14:hiddenLine xmlns="" xmlns:a14="http://schemas.microsoft.com/office/drawing/2010/main" w="9525">
                   <a:solidFill>
                     <a:srgbClr val="000000"/>
                   </a:solidFill>
@@ -3179,7 +3935,7 @@
             </a:ln>
             <a:extLst>
               <a:ext uri="{91240B29-F687-4f45-9708-019B960494DF}">
-                <a14:hiddenLine xmlns:a14="http://schemas.microsoft.com/office/drawing/2010/main" xmlns="" w="9525">
+                <a14:hiddenLine xmlns="" xmlns:a14="http://schemas.microsoft.com/office/drawing/2010/main" w="9525">
                   <a:solidFill>
                     <a:srgbClr val="000000"/>
                   </a:solidFill>
@@ -3213,7 +3969,7 @@
             </a:ln>
             <a:extLst>
               <a:ext uri="{91240B29-F687-4f45-9708-019B960494DF}">
-                <a14:hiddenLine xmlns:a14="http://schemas.microsoft.com/office/drawing/2010/main" xmlns="" w="9525">
+                <a14:hiddenLine xmlns="" xmlns:a14="http://schemas.microsoft.com/office/drawing/2010/main" w="9525">
                   <a:solidFill>
                     <a:srgbClr val="000000"/>
                   </a:solidFill>
@@ -3278,7 +4034,7 @@
             </a:ln>
             <a:extLst>
               <a:ext uri="{91240B29-F687-4f45-9708-019B960494DF}">
-                <a14:hiddenLine xmlns:a14="http://schemas.microsoft.com/office/drawing/2010/main" xmlns="" w="9525">
+                <a14:hiddenLine xmlns="" xmlns:a14="http://schemas.microsoft.com/office/drawing/2010/main" w="9525">
                   <a:solidFill>
                     <a:srgbClr val="000000"/>
                   </a:solidFill>
@@ -3368,7 +4124,7 @@
             </a:ln>
             <a:extLst>
               <a:ext uri="{91240B29-F687-4f45-9708-019B960494DF}">
-                <a14:hiddenLine xmlns:a14="http://schemas.microsoft.com/office/drawing/2010/main" xmlns="" w="9525">
+                <a14:hiddenLine xmlns="" xmlns:a14="http://schemas.microsoft.com/office/drawing/2010/main" w="9525">
                   <a:solidFill>
                     <a:srgbClr val="000000"/>
                   </a:solidFill>
@@ -3430,7 +4186,7 @@
             </a:ln>
             <a:extLst>
               <a:ext uri="{91240B29-F687-4f45-9708-019B960494DF}">
-                <a14:hiddenLine xmlns:a14="http://schemas.microsoft.com/office/drawing/2010/main" xmlns="" w="9525">
+                <a14:hiddenLine xmlns="" xmlns:a14="http://schemas.microsoft.com/office/drawing/2010/main" w="9525">
                   <a:solidFill>
                     <a:srgbClr val="000000"/>
                   </a:solidFill>
@@ -3520,7 +4276,7 @@
             </a:ln>
             <a:extLst>
               <a:ext uri="{91240B29-F687-4f45-9708-019B960494DF}">
-                <a14:hiddenLine xmlns:a14="http://schemas.microsoft.com/office/drawing/2010/main" xmlns="" w="9525">
+                <a14:hiddenLine xmlns="" xmlns:a14="http://schemas.microsoft.com/office/drawing/2010/main" w="9525">
                   <a:solidFill>
                     <a:srgbClr val="000000"/>
                   </a:solidFill>
@@ -3610,7 +4366,7 @@
             </a:ln>
             <a:extLst>
               <a:ext uri="{91240B29-F687-4f45-9708-019B960494DF}">
-                <a14:hiddenLine xmlns:a14="http://schemas.microsoft.com/office/drawing/2010/main" xmlns="" w="9525">
+                <a14:hiddenLine xmlns="" xmlns:a14="http://schemas.microsoft.com/office/drawing/2010/main" w="9525">
                   <a:solidFill>
                     <a:srgbClr val="000000"/>
                   </a:solidFill>
@@ -3675,7 +4431,7 @@
             </a:ln>
             <a:extLst>
               <a:ext uri="{91240B29-F687-4f45-9708-019B960494DF}">
-                <a14:hiddenLine xmlns:a14="http://schemas.microsoft.com/office/drawing/2010/main" xmlns="" w="9525">
+                <a14:hiddenLine xmlns="" xmlns:a14="http://schemas.microsoft.com/office/drawing/2010/main" w="9525">
                   <a:solidFill>
                     <a:srgbClr val="000000"/>
                   </a:solidFill>
@@ -3737,7 +4493,7 @@
             </a:ln>
             <a:extLst>
               <a:ext uri="{91240B29-F687-4f45-9708-019B960494DF}">
-                <a14:hiddenLine xmlns:a14="http://schemas.microsoft.com/office/drawing/2010/main" xmlns="" w="9525">
+                <a14:hiddenLine xmlns="" xmlns:a14="http://schemas.microsoft.com/office/drawing/2010/main" w="9525">
                   <a:solidFill>
                     <a:srgbClr val="000000"/>
                   </a:solidFill>
@@ -3827,7 +4583,7 @@
             </a:ln>
             <a:extLst>
               <a:ext uri="{91240B29-F687-4f45-9708-019B960494DF}">
-                <a14:hiddenLine xmlns:a14="http://schemas.microsoft.com/office/drawing/2010/main" xmlns="" w="9525">
+                <a14:hiddenLine xmlns="" xmlns:a14="http://schemas.microsoft.com/office/drawing/2010/main" w="9525">
                   <a:solidFill>
                     <a:srgbClr val="000000"/>
                   </a:solidFill>
@@ -3917,7 +4673,7 @@
             </a:ln>
             <a:extLst>
               <a:ext uri="{91240B29-F687-4f45-9708-019B960494DF}">
-                <a14:hiddenLine xmlns:a14="http://schemas.microsoft.com/office/drawing/2010/main" xmlns="" w="9525">
+                <a14:hiddenLine xmlns="" xmlns:a14="http://schemas.microsoft.com/office/drawing/2010/main" w="9525">
                   <a:solidFill>
                     <a:srgbClr val="000000"/>
                   </a:solidFill>
@@ -3979,7 +4735,7 @@
             </a:ln>
             <a:extLst>
               <a:ext uri="{91240B29-F687-4f45-9708-019B960494DF}">
-                <a14:hiddenLine xmlns:a14="http://schemas.microsoft.com/office/drawing/2010/main" xmlns="" w="9525">
+                <a14:hiddenLine xmlns="" xmlns:a14="http://schemas.microsoft.com/office/drawing/2010/main" w="9525">
                   <a:solidFill>
                     <a:srgbClr val="000000"/>
                   </a:solidFill>
@@ -4099,7 +4855,7 @@
             </a:ln>
             <a:extLst>
               <a:ext uri="{91240B29-F687-4f45-9708-019B960494DF}">
-                <a14:hiddenLine xmlns:a14="http://schemas.microsoft.com/office/drawing/2010/main" xmlns="" w="9525">
+                <a14:hiddenLine xmlns="" xmlns:a14="http://schemas.microsoft.com/office/drawing/2010/main" w="9525">
                   <a:solidFill>
                     <a:srgbClr val="000000"/>
                   </a:solidFill>
@@ -4167,7 +4923,7 @@
             </a:ln>
             <a:extLst>
               <a:ext uri="{91240B29-F687-4f45-9708-019B960494DF}">
-                <a14:hiddenLine xmlns:a14="http://schemas.microsoft.com/office/drawing/2010/main" xmlns="" w="9525">
+                <a14:hiddenLine xmlns="" xmlns:a14="http://schemas.microsoft.com/office/drawing/2010/main" w="9525">
                   <a:solidFill>
                     <a:srgbClr val="000000"/>
                   </a:solidFill>
@@ -4257,7 +5013,7 @@
             </a:ln>
             <a:extLst>
               <a:ext uri="{91240B29-F687-4f45-9708-019B960494DF}">
-                <a14:hiddenLine xmlns:a14="http://schemas.microsoft.com/office/drawing/2010/main" xmlns="" w="9525">
+                <a14:hiddenLine xmlns="" xmlns:a14="http://schemas.microsoft.com/office/drawing/2010/main" w="9525">
                   <a:solidFill>
                     <a:srgbClr val="000000"/>
                   </a:solidFill>
@@ -4397,7 +5153,7 @@
           <a:p>
             <a:fld id="{48A87A34-81AB-432B-8DAE-1953F412C126}" type="datetimeFigureOut">
               <a:rPr lang="en-US" dirty="0"/>
-              <a:t>8/11/20</a:t>
+              <a:t>8/14/20</a:t>
             </a:fld>
             <a:endParaRPr lang="en-US" dirty="0"/>
           </a:p>
@@ -4659,7 +5415,7 @@
           <a:p>
             <a:fld id="{48A87A34-81AB-432B-8DAE-1953F412C126}" type="datetimeFigureOut">
               <a:rPr lang="en-US" dirty="0"/>
-              <a:t>8/11/20</a:t>
+              <a:t>8/14/20</a:t>
             </a:fld>
             <a:endParaRPr lang="en-US" dirty="0"/>
           </a:p>
@@ -4850,7 +5606,7 @@
           <a:p>
             <a:fld id="{48A87A34-81AB-432B-8DAE-1953F412C126}" type="datetimeFigureOut">
               <a:rPr lang="en-US" dirty="0"/>
-              <a:t>8/11/20</a:t>
+              <a:t>8/14/20</a:t>
             </a:fld>
             <a:endParaRPr lang="en-US" dirty="0"/>
           </a:p>
@@ -5108,7 +5864,7 @@
           <a:p>
             <a:fld id="{48A87A34-81AB-432B-8DAE-1953F412C126}" type="datetimeFigureOut">
               <a:rPr lang="en-US" dirty="0"/>
-              <a:t>8/11/20</a:t>
+              <a:t>8/14/20</a:t>
             </a:fld>
             <a:endParaRPr lang="en-US" dirty="0"/>
           </a:p>
@@ -5537,7 +6293,7 @@
           <a:p>
             <a:fld id="{48A87A34-81AB-432B-8DAE-1953F412C126}" type="datetimeFigureOut">
               <a:rPr lang="en-US" dirty="0"/>
-              <a:t>8/11/20</a:t>
+              <a:t>8/14/20</a:t>
             </a:fld>
             <a:endParaRPr lang="en-US" dirty="0"/>
           </a:p>
@@ -6078,7 +6834,7 @@
           <a:p>
             <a:fld id="{48A87A34-81AB-432B-8DAE-1953F412C126}" type="datetimeFigureOut">
               <a:rPr lang="en-US" dirty="0"/>
-              <a:t>8/11/20</a:t>
+              <a:t>8/14/20</a:t>
             </a:fld>
             <a:endParaRPr lang="en-US" dirty="0"/>
           </a:p>
@@ -6793,7 +7549,7 @@
           <a:p>
             <a:fld id="{48A87A34-81AB-432B-8DAE-1953F412C126}" type="datetimeFigureOut">
               <a:rPr lang="en-US" dirty="0"/>
-              <a:t>8/11/20</a:t>
+              <a:t>8/14/20</a:t>
             </a:fld>
             <a:endParaRPr lang="en-US" dirty="0"/>
           </a:p>
@@ -6958,7 +7714,7 @@
           <a:p>
             <a:fld id="{48A87A34-81AB-432B-8DAE-1953F412C126}" type="datetimeFigureOut">
               <a:rPr lang="en-US" dirty="0"/>
-              <a:t>8/11/20</a:t>
+              <a:t>8/14/20</a:t>
             </a:fld>
             <a:endParaRPr lang="en-US" dirty="0"/>
           </a:p>
@@ -7133,7 +7889,7 @@
           <a:p>
             <a:fld id="{48A87A34-81AB-432B-8DAE-1953F412C126}" type="datetimeFigureOut">
               <a:rPr lang="en-US" dirty="0"/>
-              <a:t>8/11/20</a:t>
+              <a:t>8/14/20</a:t>
             </a:fld>
             <a:endParaRPr lang="en-US" dirty="0"/>
           </a:p>
@@ -7298,7 +8054,7 @@
           <a:p>
             <a:fld id="{48A87A34-81AB-432B-8DAE-1953F412C126}" type="datetimeFigureOut">
               <a:rPr lang="en-US" dirty="0"/>
-              <a:t>8/11/20</a:t>
+              <a:t>8/14/20</a:t>
             </a:fld>
             <a:endParaRPr lang="en-US" dirty="0"/>
           </a:p>
@@ -7543,7 +8299,7 @@
           <a:p>
             <a:fld id="{48A87A34-81AB-432B-8DAE-1953F412C126}" type="datetimeFigureOut">
               <a:rPr lang="en-US" dirty="0"/>
-              <a:t>8/11/20</a:t>
+              <a:t>8/14/20</a:t>
             </a:fld>
             <a:endParaRPr lang="en-US" dirty="0"/>
           </a:p>
@@ -7770,7 +8526,7 @@
           <a:p>
             <a:fld id="{48A87A34-81AB-432B-8DAE-1953F412C126}" type="datetimeFigureOut">
               <a:rPr lang="en-US" dirty="0"/>
-              <a:t>8/11/20</a:t>
+              <a:t>8/14/20</a:t>
             </a:fld>
             <a:endParaRPr lang="en-US" dirty="0"/>
           </a:p>
@@ -8146,7 +8902,7 @@
           <a:p>
             <a:fld id="{48A87A34-81AB-432B-8DAE-1953F412C126}" type="datetimeFigureOut">
               <a:rPr lang="en-US" dirty="0"/>
-              <a:t>8/11/20</a:t>
+              <a:t>8/14/20</a:t>
             </a:fld>
             <a:endParaRPr lang="en-US" dirty="0"/>
           </a:p>
@@ -8259,7 +9015,7 @@
           <a:p>
             <a:fld id="{48A87A34-81AB-432B-8DAE-1953F412C126}" type="datetimeFigureOut">
               <a:rPr lang="en-US" dirty="0"/>
-              <a:t>8/11/20</a:t>
+              <a:t>8/14/20</a:t>
             </a:fld>
             <a:endParaRPr lang="en-US" dirty="0"/>
           </a:p>
@@ -8349,7 +9105,7 @@
           <a:p>
             <a:fld id="{48A87A34-81AB-432B-8DAE-1953F412C126}" type="datetimeFigureOut">
               <a:rPr lang="en-US" dirty="0"/>
-              <a:t>8/11/20</a:t>
+              <a:t>8/14/20</a:t>
             </a:fld>
             <a:endParaRPr lang="en-US" dirty="0"/>
           </a:p>
@@ -8593,7 +9349,7 @@
           <a:p>
             <a:fld id="{48A87A34-81AB-432B-8DAE-1953F412C126}" type="datetimeFigureOut">
               <a:rPr lang="en-US" dirty="0"/>
-              <a:t>8/11/20</a:t>
+              <a:t>8/14/20</a:t>
             </a:fld>
             <a:endParaRPr lang="en-US" dirty="0"/>
           </a:p>
@@ -8868,7 +9624,7 @@
           <a:p>
             <a:fld id="{48A87A34-81AB-432B-8DAE-1953F412C126}" type="datetimeFigureOut">
               <a:rPr lang="en-US" dirty="0"/>
-              <a:t>8/11/20</a:t>
+              <a:t>8/14/20</a:t>
             </a:fld>
             <a:endParaRPr lang="en-US" dirty="0"/>
           </a:p>
@@ -8979,7 +9735,7 @@
           <a:noFill/>
           <a:extLst>
             <a:ext uri="{909E8E84-426E-40dd-AFC4-6F175D3DCCD1}">
-              <a14:hiddenFill xmlns:a14="http://schemas.microsoft.com/office/drawing/2010/main" xmlns="">
+              <a14:hiddenFill xmlns="" xmlns:a14="http://schemas.microsoft.com/office/drawing/2010/main">
                 <a:solidFill>
                   <a:srgbClr val="FFFFFF"/>
                 </a:solidFill>
@@ -9053,7 +9809,7 @@
               </a:ln>
               <a:extLst>
                 <a:ext uri="{91240B29-F687-4f45-9708-019B960494DF}">
-                  <a14:hiddenLine xmlns:a14="http://schemas.microsoft.com/office/drawing/2010/main" xmlns="" w="9525">
+                  <a14:hiddenLine xmlns="" xmlns:a14="http://schemas.microsoft.com/office/drawing/2010/main" w="9525">
                     <a:solidFill>
                       <a:srgbClr val="000000"/>
                     </a:solidFill>
@@ -9143,7 +9899,7 @@
               </a:ln>
               <a:extLst>
                 <a:ext uri="{91240B29-F687-4f45-9708-019B960494DF}">
-                  <a14:hiddenLine xmlns:a14="http://schemas.microsoft.com/office/drawing/2010/main" xmlns="" w="9525">
+                  <a14:hiddenLine xmlns="" xmlns:a14="http://schemas.microsoft.com/office/drawing/2010/main" w="9525">
                     <a:solidFill>
                       <a:srgbClr val="000000"/>
                     </a:solidFill>
@@ -9233,7 +9989,7 @@
               </a:ln>
               <a:extLst>
                 <a:ext uri="{91240B29-F687-4f45-9708-019B960494DF}">
-                  <a14:hiddenLine xmlns:a14="http://schemas.microsoft.com/office/drawing/2010/main" xmlns="" w="9525">
+                  <a14:hiddenLine xmlns="" xmlns:a14="http://schemas.microsoft.com/office/drawing/2010/main" w="9525">
                     <a:solidFill>
                       <a:srgbClr val="000000"/>
                     </a:solidFill>
@@ -9295,7 +10051,7 @@
               </a:ln>
               <a:extLst>
                 <a:ext uri="{91240B29-F687-4f45-9708-019B960494DF}">
-                  <a14:hiddenLine xmlns:a14="http://schemas.microsoft.com/office/drawing/2010/main" xmlns="" w="9525">
+                  <a14:hiddenLine xmlns="" xmlns:a14="http://schemas.microsoft.com/office/drawing/2010/main" w="9525">
                     <a:solidFill>
                       <a:srgbClr val="000000"/>
                     </a:solidFill>
@@ -9385,7 +10141,7 @@
               </a:ln>
               <a:extLst>
                 <a:ext uri="{91240B29-F687-4f45-9708-019B960494DF}">
-                  <a14:hiddenLine xmlns:a14="http://schemas.microsoft.com/office/drawing/2010/main" xmlns="" w="9525">
+                  <a14:hiddenLine xmlns="" xmlns:a14="http://schemas.microsoft.com/office/drawing/2010/main" w="9525">
                     <a:solidFill>
                       <a:srgbClr val="000000"/>
                     </a:solidFill>
@@ -9447,7 +10203,7 @@
               </a:ln>
               <a:extLst>
                 <a:ext uri="{91240B29-F687-4f45-9708-019B960494DF}">
-                  <a14:hiddenLine xmlns:a14="http://schemas.microsoft.com/office/drawing/2010/main" xmlns="" w="9525">
+                  <a14:hiddenLine xmlns="" xmlns:a14="http://schemas.microsoft.com/office/drawing/2010/main" w="9525">
                     <a:solidFill>
                       <a:srgbClr val="000000"/>
                     </a:solidFill>
@@ -9509,7 +10265,7 @@
               </a:ln>
               <a:extLst>
                 <a:ext uri="{91240B29-F687-4f45-9708-019B960494DF}">
-                  <a14:hiddenLine xmlns:a14="http://schemas.microsoft.com/office/drawing/2010/main" xmlns="" w="9525">
+                  <a14:hiddenLine xmlns="" xmlns:a14="http://schemas.microsoft.com/office/drawing/2010/main" w="9525">
                     <a:solidFill>
                       <a:srgbClr val="000000"/>
                     </a:solidFill>
@@ -9599,7 +10355,7 @@
               </a:ln>
               <a:extLst>
                 <a:ext uri="{91240B29-F687-4f45-9708-019B960494DF}">
-                  <a14:hiddenLine xmlns:a14="http://schemas.microsoft.com/office/drawing/2010/main" xmlns="" w="9525">
+                  <a14:hiddenLine xmlns="" xmlns:a14="http://schemas.microsoft.com/office/drawing/2010/main" w="9525">
                     <a:solidFill>
                       <a:srgbClr val="000000"/>
                     </a:solidFill>
@@ -9689,7 +10445,7 @@
               </a:ln>
               <a:extLst>
                 <a:ext uri="{91240B29-F687-4f45-9708-019B960494DF}">
-                  <a14:hiddenLine xmlns:a14="http://schemas.microsoft.com/office/drawing/2010/main" xmlns="" w="9525">
+                  <a14:hiddenLine xmlns="" xmlns:a14="http://schemas.microsoft.com/office/drawing/2010/main" w="9525">
                     <a:solidFill>
                       <a:srgbClr val="000000"/>
                     </a:solidFill>
@@ -9751,7 +10507,7 @@
               </a:ln>
               <a:extLst>
                 <a:ext uri="{91240B29-F687-4f45-9708-019B960494DF}">
-                  <a14:hiddenLine xmlns:a14="http://schemas.microsoft.com/office/drawing/2010/main" xmlns="" w="9525">
+                  <a14:hiddenLine xmlns="" xmlns:a14="http://schemas.microsoft.com/office/drawing/2010/main" w="9525">
                     <a:solidFill>
                       <a:srgbClr val="000000"/>
                     </a:solidFill>
@@ -9861,7 +10617,7 @@
               </a:ln>
               <a:extLst>
                 <a:ext uri="{91240B29-F687-4f45-9708-019B960494DF}">
-                  <a14:hiddenLine xmlns:a14="http://schemas.microsoft.com/office/drawing/2010/main" xmlns="" w="9525">
+                  <a14:hiddenLine xmlns="" xmlns:a14="http://schemas.microsoft.com/office/drawing/2010/main" w="9525">
                     <a:solidFill>
                       <a:srgbClr val="000000"/>
                     </a:solidFill>
@@ -9945,7 +10701,7 @@
               </a:ln>
               <a:extLst>
                 <a:ext uri="{91240B29-F687-4f45-9708-019B960494DF}">
-                  <a14:hiddenLine xmlns:a14="http://schemas.microsoft.com/office/drawing/2010/main" xmlns="" w="9525">
+                  <a14:hiddenLine xmlns="" xmlns:a14="http://schemas.microsoft.com/office/drawing/2010/main" w="9525">
                     <a:solidFill>
                       <a:srgbClr val="000000"/>
                     </a:solidFill>
@@ -10007,7 +10763,7 @@
               </a:ln>
               <a:extLst>
                 <a:ext uri="{91240B29-F687-4f45-9708-019B960494DF}">
-                  <a14:hiddenLine xmlns:a14="http://schemas.microsoft.com/office/drawing/2010/main" xmlns="" w="9525">
+                  <a14:hiddenLine xmlns="" xmlns:a14="http://schemas.microsoft.com/office/drawing/2010/main" w="9525">
                     <a:solidFill>
                       <a:srgbClr val="000000"/>
                     </a:solidFill>
@@ -10069,7 +10825,7 @@
               </a:ln>
               <a:extLst>
                 <a:ext uri="{91240B29-F687-4f45-9708-019B960494DF}">
-                  <a14:hiddenLine xmlns:a14="http://schemas.microsoft.com/office/drawing/2010/main" xmlns="" w="9525">
+                  <a14:hiddenLine xmlns="" xmlns:a14="http://schemas.microsoft.com/office/drawing/2010/main" w="9525">
                     <a:solidFill>
                       <a:srgbClr val="000000"/>
                     </a:solidFill>
@@ -10159,7 +10915,7 @@
               </a:ln>
               <a:extLst>
                 <a:ext uri="{91240B29-F687-4f45-9708-019B960494DF}">
-                  <a14:hiddenLine xmlns:a14="http://schemas.microsoft.com/office/drawing/2010/main" xmlns="" w="9525">
+                  <a14:hiddenLine xmlns="" xmlns:a14="http://schemas.microsoft.com/office/drawing/2010/main" w="9525">
                     <a:solidFill>
                       <a:srgbClr val="000000"/>
                     </a:solidFill>
@@ -10193,7 +10949,7 @@
               </a:ln>
               <a:extLst>
                 <a:ext uri="{91240B29-F687-4f45-9708-019B960494DF}">
-                  <a14:hiddenLine xmlns:a14="http://schemas.microsoft.com/office/drawing/2010/main" xmlns="" w="9525">
+                  <a14:hiddenLine xmlns="" xmlns:a14="http://schemas.microsoft.com/office/drawing/2010/main" w="9525">
                     <a:solidFill>
                       <a:srgbClr val="000000"/>
                     </a:solidFill>
@@ -10258,7 +11014,7 @@
               </a:ln>
               <a:extLst>
                 <a:ext uri="{91240B29-F687-4f45-9708-019B960494DF}">
-                  <a14:hiddenLine xmlns:a14="http://schemas.microsoft.com/office/drawing/2010/main" xmlns="" w="9525">
+                  <a14:hiddenLine xmlns="" xmlns:a14="http://schemas.microsoft.com/office/drawing/2010/main" w="9525">
                     <a:solidFill>
                       <a:srgbClr val="000000"/>
                     </a:solidFill>
@@ -10348,7 +11104,7 @@
               </a:ln>
               <a:extLst>
                 <a:ext uri="{91240B29-F687-4f45-9708-019B960494DF}">
-                  <a14:hiddenLine xmlns:a14="http://schemas.microsoft.com/office/drawing/2010/main" xmlns="" w="9525">
+                  <a14:hiddenLine xmlns="" xmlns:a14="http://schemas.microsoft.com/office/drawing/2010/main" w="9525">
                     <a:solidFill>
                       <a:srgbClr val="000000"/>
                     </a:solidFill>
@@ -10410,7 +11166,7 @@
               </a:ln>
               <a:extLst>
                 <a:ext uri="{91240B29-F687-4f45-9708-019B960494DF}">
-                  <a14:hiddenLine xmlns:a14="http://schemas.microsoft.com/office/drawing/2010/main" xmlns="" w="9525">
+                  <a14:hiddenLine xmlns="" xmlns:a14="http://schemas.microsoft.com/office/drawing/2010/main" w="9525">
                     <a:solidFill>
                       <a:srgbClr val="000000"/>
                     </a:solidFill>
@@ -10500,7 +11256,7 @@
               </a:ln>
               <a:extLst>
                 <a:ext uri="{91240B29-F687-4f45-9708-019B960494DF}">
-                  <a14:hiddenLine xmlns:a14="http://schemas.microsoft.com/office/drawing/2010/main" xmlns="" w="9525">
+                  <a14:hiddenLine xmlns="" xmlns:a14="http://schemas.microsoft.com/office/drawing/2010/main" w="9525">
                     <a:solidFill>
                       <a:srgbClr val="000000"/>
                     </a:solidFill>
@@ -10565,7 +11321,7 @@
               </a:ln>
               <a:extLst>
                 <a:ext uri="{91240B29-F687-4f45-9708-019B960494DF}">
-                  <a14:hiddenLine xmlns:a14="http://schemas.microsoft.com/office/drawing/2010/main" xmlns="" w="9525">
+                  <a14:hiddenLine xmlns="" xmlns:a14="http://schemas.microsoft.com/office/drawing/2010/main" w="9525">
                     <a:solidFill>
                       <a:srgbClr val="000000"/>
                     </a:solidFill>
@@ -10627,7 +11383,7 @@
               </a:ln>
               <a:extLst>
                 <a:ext uri="{91240B29-F687-4f45-9708-019B960494DF}">
-                  <a14:hiddenLine xmlns:a14="http://schemas.microsoft.com/office/drawing/2010/main" xmlns="" w="9525">
+                  <a14:hiddenLine xmlns="" xmlns:a14="http://schemas.microsoft.com/office/drawing/2010/main" w="9525">
                     <a:solidFill>
                       <a:srgbClr val="000000"/>
                     </a:solidFill>
@@ -10717,7 +11473,7 @@
               </a:ln>
               <a:extLst>
                 <a:ext uri="{91240B29-F687-4f45-9708-019B960494DF}">
-                  <a14:hiddenLine xmlns:a14="http://schemas.microsoft.com/office/drawing/2010/main" xmlns="" w="9525">
+                  <a14:hiddenLine xmlns="" xmlns:a14="http://schemas.microsoft.com/office/drawing/2010/main" w="9525">
                     <a:solidFill>
                       <a:srgbClr val="000000"/>
                     </a:solidFill>
@@ -10807,7 +11563,7 @@
               </a:ln>
               <a:extLst>
                 <a:ext uri="{91240B29-F687-4f45-9708-019B960494DF}">
-                  <a14:hiddenLine xmlns:a14="http://schemas.microsoft.com/office/drawing/2010/main" xmlns="" w="9525">
+                  <a14:hiddenLine xmlns="" xmlns:a14="http://schemas.microsoft.com/office/drawing/2010/main" w="9525">
                     <a:solidFill>
                       <a:srgbClr val="000000"/>
                     </a:solidFill>
@@ -10872,7 +11628,7 @@
               </a:ln>
               <a:extLst>
                 <a:ext uri="{91240B29-F687-4f45-9708-019B960494DF}">
-                  <a14:hiddenLine xmlns:a14="http://schemas.microsoft.com/office/drawing/2010/main" xmlns="" w="9525">
+                  <a14:hiddenLine xmlns="" xmlns:a14="http://schemas.microsoft.com/office/drawing/2010/main" w="9525">
                     <a:solidFill>
                       <a:srgbClr val="000000"/>
                     </a:solidFill>
@@ -10992,7 +11748,7 @@
               </a:ln>
               <a:extLst>
                 <a:ext uri="{91240B29-F687-4f45-9708-019B960494DF}">
-                  <a14:hiddenLine xmlns:a14="http://schemas.microsoft.com/office/drawing/2010/main" xmlns="" w="9525">
+                  <a14:hiddenLine xmlns="" xmlns:a14="http://schemas.microsoft.com/office/drawing/2010/main" w="9525">
                     <a:solidFill>
                       <a:srgbClr val="000000"/>
                     </a:solidFill>
@@ -11090,7 +11846,7 @@
               </a:ln>
               <a:extLst>
                 <a:ext uri="{91240B29-F687-4f45-9708-019B960494DF}">
-                  <a14:hiddenLine xmlns:a14="http://schemas.microsoft.com/office/drawing/2010/main" xmlns="" w="9525">
+                  <a14:hiddenLine xmlns="" xmlns:a14="http://schemas.microsoft.com/office/drawing/2010/main" w="9525">
                     <a:solidFill>
                       <a:srgbClr val="000000"/>
                     </a:solidFill>
@@ -11205,7 +11961,7 @@
               </a:ln>
               <a:extLst>
                 <a:ext uri="{91240B29-F687-4f45-9708-019B960494DF}">
-                  <a14:hiddenLine xmlns:a14="http://schemas.microsoft.com/office/drawing/2010/main" xmlns="" w="9525">
+                  <a14:hiddenLine xmlns="" xmlns:a14="http://schemas.microsoft.com/office/drawing/2010/main" w="9525">
                     <a:solidFill>
                       <a:srgbClr val="000000"/>
                     </a:solidFill>
@@ -11295,7 +12051,7 @@
               </a:ln>
               <a:extLst>
                 <a:ext uri="{91240B29-F687-4f45-9708-019B960494DF}">
-                  <a14:hiddenLine xmlns:a14="http://schemas.microsoft.com/office/drawing/2010/main" xmlns="" w="9525">
+                  <a14:hiddenLine xmlns="" xmlns:a14="http://schemas.microsoft.com/office/drawing/2010/main" w="9525">
                     <a:solidFill>
                       <a:srgbClr val="000000"/>
                     </a:solidFill>
@@ -11360,7 +12116,7 @@
               </a:ln>
               <a:extLst>
                 <a:ext uri="{91240B29-F687-4f45-9708-019B960494DF}">
-                  <a14:hiddenLine xmlns:a14="http://schemas.microsoft.com/office/drawing/2010/main" xmlns="" w="9525">
+                  <a14:hiddenLine xmlns="" xmlns:a14="http://schemas.microsoft.com/office/drawing/2010/main" w="9525">
                     <a:solidFill>
                       <a:srgbClr val="000000"/>
                     </a:solidFill>
@@ -11450,7 +12206,7 @@
               </a:ln>
               <a:extLst>
                 <a:ext uri="{91240B29-F687-4f45-9708-019B960494DF}">
-                  <a14:hiddenLine xmlns:a14="http://schemas.microsoft.com/office/drawing/2010/main" xmlns="" w="9525">
+                  <a14:hiddenLine xmlns="" xmlns:a14="http://schemas.microsoft.com/office/drawing/2010/main" w="9525">
                     <a:solidFill>
                       <a:srgbClr val="000000"/>
                     </a:solidFill>
@@ -11518,7 +12274,7 @@
               </a:ln>
               <a:extLst>
                 <a:ext uri="{91240B29-F687-4f45-9708-019B960494DF}">
-                  <a14:hiddenLine xmlns:a14="http://schemas.microsoft.com/office/drawing/2010/main" xmlns="" w="9525">
+                  <a14:hiddenLine xmlns="" xmlns:a14="http://schemas.microsoft.com/office/drawing/2010/main" w="9525">
                     <a:solidFill>
                       <a:srgbClr val="000000"/>
                     </a:solidFill>
@@ -11608,7 +12364,7 @@
               </a:ln>
               <a:extLst>
                 <a:ext uri="{91240B29-F687-4f45-9708-019B960494DF}">
-                  <a14:hiddenLine xmlns:a14="http://schemas.microsoft.com/office/drawing/2010/main" xmlns="" w="9525">
+                  <a14:hiddenLine xmlns="" xmlns:a14="http://schemas.microsoft.com/office/drawing/2010/main" w="9525">
                     <a:solidFill>
                       <a:srgbClr val="000000"/>
                     </a:solidFill>
@@ -11676,7 +12432,7 @@
               </a:ln>
               <a:extLst>
                 <a:ext uri="{91240B29-F687-4f45-9708-019B960494DF}">
-                  <a14:hiddenLine xmlns:a14="http://schemas.microsoft.com/office/drawing/2010/main" xmlns="" w="9525">
+                  <a14:hiddenLine xmlns="" xmlns:a14="http://schemas.microsoft.com/office/drawing/2010/main" w="9525">
                     <a:solidFill>
                       <a:srgbClr val="000000"/>
                     </a:solidFill>
@@ -11766,7 +12522,7 @@
               </a:ln>
               <a:extLst>
                 <a:ext uri="{91240B29-F687-4f45-9708-019B960494DF}">
-                  <a14:hiddenLine xmlns:a14="http://schemas.microsoft.com/office/drawing/2010/main" xmlns="" w="9525">
+                  <a14:hiddenLine xmlns="" xmlns:a14="http://schemas.microsoft.com/office/drawing/2010/main" w="9525">
                     <a:solidFill>
                       <a:srgbClr val="000000"/>
                     </a:solidFill>
@@ -11800,7 +12556,7 @@
               </a:ln>
               <a:extLst>
                 <a:ext uri="{91240B29-F687-4f45-9708-019B960494DF}">
-                  <a14:hiddenLine xmlns:a14="http://schemas.microsoft.com/office/drawing/2010/main" xmlns="" w="9525">
+                  <a14:hiddenLine xmlns="" xmlns:a14="http://schemas.microsoft.com/office/drawing/2010/main" w="9525">
                     <a:solidFill>
                       <a:srgbClr val="000000"/>
                     </a:solidFill>
@@ -11941,7 +12697,7 @@
             <a:fld id="{48A87A34-81AB-432B-8DAE-1953F412C126}" type="datetimeFigureOut">
               <a:rPr lang="en-US" dirty="0"/>
               <a:pPr/>
-              <a:t>8/11/20</a:t>
+              <a:t>8/14/20</a:t>
             </a:fld>
             <a:endParaRPr lang="en-US" dirty="0"/>
           </a:p>
@@ -12475,6 +13231,74 @@
 <file path=ppt/slides/slide10.xml><?xml version="1.0" encoding="utf-8"?>
 <p:sld xmlns:a="http://schemas.openxmlformats.org/drawingml/2006/main" xmlns:r="http://schemas.openxmlformats.org/officeDocument/2006/relationships" xmlns:p="http://schemas.openxmlformats.org/presentationml/2006/main">
   <p:cSld>
+    <p:spTree>
+      <p:nvGrpSpPr>
+        <p:cNvPr id="1" name=""/>
+        <p:cNvGrpSpPr/>
+        <p:nvPr/>
+      </p:nvGrpSpPr>
+      <p:grpSpPr>
+        <a:xfrm>
+          <a:off x="0" y="0"/>
+          <a:ext cx="0" cy="0"/>
+          <a:chOff x="0" y="0"/>
+          <a:chExt cx="0" cy="0"/>
+        </a:xfrm>
+      </p:grpSpPr>
+      <p:sp>
+        <p:nvSpPr>
+          <p:cNvPr id="2" name="Title 1">
+            <a:extLst>
+              <a:ext uri="{FF2B5EF4-FFF2-40B4-BE49-F238E27FC236}">
+                <a16:creationId xmlns:a16="http://schemas.microsoft.com/office/drawing/2014/main" id="{0E69E71E-5AE0-CA44-9F50-0F40031EB1A5}"/>
+              </a:ext>
+            </a:extLst>
+          </p:cNvPr>
+          <p:cNvSpPr>
+            <a:spLocks noGrp="1"/>
+          </p:cNvSpPr>
+          <p:nvPr>
+            <p:ph type="title"/>
+          </p:nvPr>
+        </p:nvSpPr>
+        <p:spPr>
+          <a:xfrm>
+            <a:off x="2958353" y="2142518"/>
+            <a:ext cx="8090646" cy="1478570"/>
+          </a:xfrm>
+        </p:spPr>
+        <p:txBody>
+          <a:bodyPr/>
+          <a:lstStyle/>
+          <a:p>
+            <a:r>
+              <a:rPr lang="en-CN" dirty="0"/>
+              <a:t>演讲评估</a:t>
+            </a:r>
+            <a:r>
+              <a:rPr lang="zh-CN" altLang="en-US" dirty="0"/>
+              <a:t>：雅萍</a:t>
+            </a:r>
+            <a:endParaRPr lang="en-CN" dirty="0"/>
+          </a:p>
+        </p:txBody>
+      </p:sp>
+    </p:spTree>
+    <p:extLst>
+      <p:ext uri="{BB962C8B-B14F-4D97-AF65-F5344CB8AC3E}">
+        <p14:creationId xmlns:p14="http://schemas.microsoft.com/office/powerpoint/2010/main" val="181664670"/>
+      </p:ext>
+    </p:extLst>
+  </p:cSld>
+  <p:clrMapOvr>
+    <a:masterClrMapping/>
+  </p:clrMapOvr>
+</p:sld>
+</file>
+
+<file path=ppt/slides/slide11.xml><?xml version="1.0" encoding="utf-8"?>
+<p:sld xmlns:a="http://schemas.openxmlformats.org/drawingml/2006/main" xmlns:r="http://schemas.openxmlformats.org/officeDocument/2006/relationships" xmlns:p="http://schemas.openxmlformats.org/presentationml/2006/main">
+  <p:cSld>
     <p:bg>
       <p:bgPr>
         <a:solidFill>
@@ -12603,7 +13427,7 @@
           </a:prstGeom>
           <a:extLst>
             <a:ext uri="{909E8E84-426E-40dd-AFC4-6F175D3DCCD1}">
-              <a14:hiddenFill xmlns:a14="http://schemas.microsoft.com/office/drawing/2010/main" xmlns:p14="http://schemas.microsoft.com/office/powerpoint/2010/main" xmlns:a16="http://schemas.microsoft.com/office/drawing/2014/main" xmlns="">
+              <a14:hiddenFill xmlns="" xmlns:a16="http://schemas.microsoft.com/office/drawing/2014/main" xmlns:p14="http://schemas.microsoft.com/office/powerpoint/2010/main" xmlns:a14="http://schemas.microsoft.com/office/drawing/2010/main">
                 <a:solidFill>
                   <a:srgbClr val="FFFFFF"/>
                 </a:solidFill>
@@ -12727,7 +13551,7 @@
           <a:noFill/>
           <a:extLst>
             <a:ext uri="{909E8E84-426E-40dd-AFC4-6F175D3DCCD1}">
-              <a14:hiddenFill xmlns:a14="http://schemas.microsoft.com/office/drawing/2010/main" xmlns:p14="http://schemas.microsoft.com/office/powerpoint/2010/main" xmlns:a16="http://schemas.microsoft.com/office/drawing/2014/main" xmlns="">
+              <a14:hiddenFill xmlns="" xmlns:a16="http://schemas.microsoft.com/office/drawing/2014/main" xmlns:p14="http://schemas.microsoft.com/office/powerpoint/2010/main" xmlns:a14="http://schemas.microsoft.com/office/drawing/2010/main">
                 <a:solidFill>
                   <a:srgbClr val="FFFFFF"/>
                 </a:solidFill>
@@ -12872,6 +13696,21 @@
               </a:solidFill>
             </a:endParaRPr>
           </a:p>
+          <a:p>
+            <a:r>
+              <a:rPr lang="en-US" sz="1800" dirty="0" err="1">
+                <a:solidFill>
+                  <a:srgbClr val="FFFFFF"/>
+                </a:solidFill>
+              </a:rPr>
+              <a:t>人生经历</a:t>
+            </a:r>
+            <a:endParaRPr lang="en-US" sz="1800" dirty="0">
+              <a:solidFill>
+                <a:srgbClr val="FFFFFF"/>
+              </a:solidFill>
+            </a:endParaRPr>
+          </a:p>
         </p:txBody>
       </p:sp>
       <p:grpSp>
@@ -12957,7 +13796,7 @@
             </a:ln>
             <a:extLst>
               <a:ext uri="{91240B29-F687-4f45-9708-019B960494DF}">
-                <a14:hiddenLine xmlns:a14="http://schemas.microsoft.com/office/drawing/2010/main" xmlns:p14="http://schemas.microsoft.com/office/powerpoint/2010/main" xmlns:a16="http://schemas.microsoft.com/office/drawing/2014/main" xmlns="" w="9525">
+                <a14:hiddenLine xmlns="" xmlns:a16="http://schemas.microsoft.com/office/drawing/2014/main" xmlns:p14="http://schemas.microsoft.com/office/powerpoint/2010/main" xmlns:a14="http://schemas.microsoft.com/office/drawing/2010/main" w="9525">
                   <a:solidFill>
                     <a:srgbClr val="000000"/>
                   </a:solidFill>
@@ -13062,7 +13901,7 @@
             </a:ln>
             <a:extLst>
               <a:ext uri="{91240B29-F687-4f45-9708-019B960494DF}">
-                <a14:hiddenLine xmlns:a14="http://schemas.microsoft.com/office/drawing/2010/main" xmlns:p14="http://schemas.microsoft.com/office/powerpoint/2010/main" xmlns:a16="http://schemas.microsoft.com/office/drawing/2014/main" xmlns="" w="9525">
+                <a14:hiddenLine xmlns="" xmlns:a16="http://schemas.microsoft.com/office/drawing/2014/main" xmlns:p14="http://schemas.microsoft.com/office/powerpoint/2010/main" xmlns:a14="http://schemas.microsoft.com/office/drawing/2010/main" w="9525">
                   <a:solidFill>
                     <a:srgbClr val="000000"/>
                   </a:solidFill>
@@ -13167,7 +14006,7 @@
             </a:ln>
             <a:extLst>
               <a:ext uri="{91240B29-F687-4f45-9708-019B960494DF}">
-                <a14:hiddenLine xmlns:a14="http://schemas.microsoft.com/office/drawing/2010/main" xmlns:p14="http://schemas.microsoft.com/office/powerpoint/2010/main" xmlns:a16="http://schemas.microsoft.com/office/drawing/2014/main" xmlns="" w="9525">
+                <a14:hiddenLine xmlns="" xmlns:a16="http://schemas.microsoft.com/office/drawing/2014/main" xmlns:p14="http://schemas.microsoft.com/office/powerpoint/2010/main" xmlns:a14="http://schemas.microsoft.com/office/drawing/2010/main" w="9525">
                   <a:solidFill>
                     <a:srgbClr val="000000"/>
                   </a:solidFill>
@@ -13244,7 +14083,7 @@
             </a:ln>
             <a:extLst>
               <a:ext uri="{91240B29-F687-4f45-9708-019B960494DF}">
-                <a14:hiddenLine xmlns:a14="http://schemas.microsoft.com/office/drawing/2010/main" xmlns:p14="http://schemas.microsoft.com/office/powerpoint/2010/main" xmlns:a16="http://schemas.microsoft.com/office/drawing/2014/main" xmlns="" w="9525">
+                <a14:hiddenLine xmlns="" xmlns:a16="http://schemas.microsoft.com/office/drawing/2014/main" xmlns:p14="http://schemas.microsoft.com/office/powerpoint/2010/main" xmlns:a14="http://schemas.microsoft.com/office/drawing/2010/main" w="9525">
                   <a:solidFill>
                     <a:srgbClr val="000000"/>
                   </a:solidFill>
@@ -13349,7 +14188,7 @@
             </a:ln>
             <a:extLst>
               <a:ext uri="{91240B29-F687-4f45-9708-019B960494DF}">
-                <a14:hiddenLine xmlns:a14="http://schemas.microsoft.com/office/drawing/2010/main" xmlns:p14="http://schemas.microsoft.com/office/powerpoint/2010/main" xmlns:a16="http://schemas.microsoft.com/office/drawing/2014/main" xmlns="" w="9525">
+                <a14:hiddenLine xmlns="" xmlns:a16="http://schemas.microsoft.com/office/drawing/2014/main" xmlns:p14="http://schemas.microsoft.com/office/powerpoint/2010/main" xmlns:a14="http://schemas.microsoft.com/office/drawing/2010/main" w="9525">
                   <a:solidFill>
                     <a:srgbClr val="000000"/>
                   </a:solidFill>
@@ -13426,7 +14265,7 @@
             </a:ln>
             <a:extLst>
               <a:ext uri="{91240B29-F687-4f45-9708-019B960494DF}">
-                <a14:hiddenLine xmlns:a14="http://schemas.microsoft.com/office/drawing/2010/main" xmlns:p14="http://schemas.microsoft.com/office/powerpoint/2010/main" xmlns:a16="http://schemas.microsoft.com/office/drawing/2014/main" xmlns="" w="9525">
+                <a14:hiddenLine xmlns="" xmlns:a16="http://schemas.microsoft.com/office/drawing/2014/main" xmlns:p14="http://schemas.microsoft.com/office/powerpoint/2010/main" xmlns:a14="http://schemas.microsoft.com/office/drawing/2010/main" w="9525">
                   <a:solidFill>
                     <a:srgbClr val="000000"/>
                   </a:solidFill>
@@ -13503,7 +14342,7 @@
             </a:ln>
             <a:extLst>
               <a:ext uri="{91240B29-F687-4f45-9708-019B960494DF}">
-                <a14:hiddenLine xmlns:a14="http://schemas.microsoft.com/office/drawing/2010/main" xmlns:p14="http://schemas.microsoft.com/office/powerpoint/2010/main" xmlns:a16="http://schemas.microsoft.com/office/drawing/2014/main" xmlns="" w="9525">
+                <a14:hiddenLine xmlns="" xmlns:a16="http://schemas.microsoft.com/office/drawing/2014/main" xmlns:p14="http://schemas.microsoft.com/office/powerpoint/2010/main" xmlns:a14="http://schemas.microsoft.com/office/drawing/2010/main" w="9525">
                   <a:solidFill>
                     <a:srgbClr val="000000"/>
                   </a:solidFill>
@@ -13608,7 +14447,7 @@
             </a:ln>
             <a:extLst>
               <a:ext uri="{91240B29-F687-4f45-9708-019B960494DF}">
-                <a14:hiddenLine xmlns:a14="http://schemas.microsoft.com/office/drawing/2010/main" xmlns:p14="http://schemas.microsoft.com/office/powerpoint/2010/main" xmlns:a16="http://schemas.microsoft.com/office/drawing/2014/main" xmlns="" w="9525">
+                <a14:hiddenLine xmlns="" xmlns:a16="http://schemas.microsoft.com/office/drawing/2014/main" xmlns:p14="http://schemas.microsoft.com/office/powerpoint/2010/main" xmlns:a14="http://schemas.microsoft.com/office/drawing/2010/main" w="9525">
                   <a:solidFill>
                     <a:srgbClr val="000000"/>
                   </a:solidFill>
@@ -13713,7 +14552,7 @@
             </a:ln>
             <a:extLst>
               <a:ext uri="{91240B29-F687-4f45-9708-019B960494DF}">
-                <a14:hiddenLine xmlns:a14="http://schemas.microsoft.com/office/drawing/2010/main" xmlns:p14="http://schemas.microsoft.com/office/powerpoint/2010/main" xmlns:a16="http://schemas.microsoft.com/office/drawing/2014/main" xmlns="" w="9525">
+                <a14:hiddenLine xmlns="" xmlns:a16="http://schemas.microsoft.com/office/drawing/2014/main" xmlns:p14="http://schemas.microsoft.com/office/powerpoint/2010/main" xmlns:a14="http://schemas.microsoft.com/office/drawing/2010/main" w="9525">
                   <a:solidFill>
                     <a:srgbClr val="000000"/>
                   </a:solidFill>
@@ -13790,7 +14629,7 @@
             </a:ln>
             <a:extLst>
               <a:ext uri="{91240B29-F687-4f45-9708-019B960494DF}">
-                <a14:hiddenLine xmlns:a14="http://schemas.microsoft.com/office/drawing/2010/main" xmlns:p14="http://schemas.microsoft.com/office/powerpoint/2010/main" xmlns:a16="http://schemas.microsoft.com/office/drawing/2014/main" xmlns="" w="9525">
+                <a14:hiddenLine xmlns="" xmlns:a16="http://schemas.microsoft.com/office/drawing/2014/main" xmlns:p14="http://schemas.microsoft.com/office/powerpoint/2010/main" xmlns:a14="http://schemas.microsoft.com/office/drawing/2010/main" w="9525">
                   <a:solidFill>
                     <a:srgbClr val="000000"/>
                   </a:solidFill>
@@ -13915,7 +14754,7 @@
             </a:ln>
             <a:extLst>
               <a:ext uri="{91240B29-F687-4f45-9708-019B960494DF}">
-                <a14:hiddenLine xmlns:a14="http://schemas.microsoft.com/office/drawing/2010/main" xmlns:p14="http://schemas.microsoft.com/office/powerpoint/2010/main" xmlns:a16="http://schemas.microsoft.com/office/drawing/2014/main" xmlns="" w="9525">
+                <a14:hiddenLine xmlns="" xmlns:a16="http://schemas.microsoft.com/office/drawing/2014/main" xmlns:p14="http://schemas.microsoft.com/office/powerpoint/2010/main" xmlns:a14="http://schemas.microsoft.com/office/drawing/2010/main" w="9525">
                   <a:solidFill>
                     <a:srgbClr val="000000"/>
                   </a:solidFill>
@@ -14029,7 +14868,7 @@
             </a:ln>
             <a:extLst>
               <a:ext uri="{91240B29-F687-4f45-9708-019B960494DF}">
-                <a14:hiddenLine xmlns:a14="http://schemas.microsoft.com/office/drawing/2010/main" xmlns:p14="http://schemas.microsoft.com/office/powerpoint/2010/main" xmlns:a16="http://schemas.microsoft.com/office/drawing/2014/main" xmlns="" w="9525">
+                <a14:hiddenLine xmlns="" xmlns:a16="http://schemas.microsoft.com/office/drawing/2014/main" xmlns:p14="http://schemas.microsoft.com/office/powerpoint/2010/main" xmlns:a14="http://schemas.microsoft.com/office/drawing/2010/main" w="9525">
                   <a:solidFill>
                     <a:srgbClr val="000000"/>
                   </a:solidFill>
@@ -14106,7 +14945,7 @@
             </a:ln>
             <a:extLst>
               <a:ext uri="{91240B29-F687-4f45-9708-019B960494DF}">
-                <a14:hiddenLine xmlns:a14="http://schemas.microsoft.com/office/drawing/2010/main" xmlns:p14="http://schemas.microsoft.com/office/powerpoint/2010/main" xmlns:a16="http://schemas.microsoft.com/office/drawing/2014/main" xmlns="" w="9525">
+                <a14:hiddenLine xmlns="" xmlns:a16="http://schemas.microsoft.com/office/drawing/2014/main" xmlns:p14="http://schemas.microsoft.com/office/powerpoint/2010/main" xmlns:a14="http://schemas.microsoft.com/office/drawing/2010/main" w="9525">
                   <a:solidFill>
                     <a:srgbClr val="000000"/>
                   </a:solidFill>
@@ -14183,7 +15022,7 @@
             </a:ln>
             <a:extLst>
               <a:ext uri="{91240B29-F687-4f45-9708-019B960494DF}">
-                <a14:hiddenLine xmlns:a14="http://schemas.microsoft.com/office/drawing/2010/main" xmlns:p14="http://schemas.microsoft.com/office/powerpoint/2010/main" xmlns:a16="http://schemas.microsoft.com/office/drawing/2014/main" xmlns="" w="9525">
+                <a14:hiddenLine xmlns="" xmlns:a16="http://schemas.microsoft.com/office/drawing/2014/main" xmlns:p14="http://schemas.microsoft.com/office/powerpoint/2010/main" xmlns:a14="http://schemas.microsoft.com/office/drawing/2010/main" w="9525">
                   <a:solidFill>
                     <a:srgbClr val="000000"/>
                   </a:solidFill>
@@ -14288,7 +15127,7 @@
             </a:ln>
             <a:extLst>
               <a:ext uri="{91240B29-F687-4f45-9708-019B960494DF}">
-                <a14:hiddenLine xmlns:a14="http://schemas.microsoft.com/office/drawing/2010/main" xmlns:p14="http://schemas.microsoft.com/office/powerpoint/2010/main" xmlns:a16="http://schemas.microsoft.com/office/drawing/2014/main" xmlns="" w="9525">
+                <a14:hiddenLine xmlns="" xmlns:a16="http://schemas.microsoft.com/office/drawing/2014/main" xmlns:p14="http://schemas.microsoft.com/office/powerpoint/2010/main" xmlns:a14="http://schemas.microsoft.com/office/drawing/2010/main" w="9525">
                   <a:solidFill>
                     <a:srgbClr val="000000"/>
                   </a:solidFill>
@@ -14337,7 +15176,7 @@
             </a:ln>
             <a:extLst>
               <a:ext uri="{91240B29-F687-4f45-9708-019B960494DF}">
-                <a14:hiddenLine xmlns:a14="http://schemas.microsoft.com/office/drawing/2010/main" xmlns:p14="http://schemas.microsoft.com/office/powerpoint/2010/main" xmlns:a16="http://schemas.microsoft.com/office/drawing/2014/main" xmlns="" w="9525">
+                <a14:hiddenLine xmlns="" xmlns:a16="http://schemas.microsoft.com/office/drawing/2014/main" xmlns:p14="http://schemas.microsoft.com/office/powerpoint/2010/main" xmlns:a14="http://schemas.microsoft.com/office/drawing/2010/main" w="9525">
                   <a:solidFill>
                     <a:srgbClr val="000000"/>
                   </a:solidFill>
@@ -14417,7 +15256,7 @@
             </a:ln>
             <a:extLst>
               <a:ext uri="{91240B29-F687-4f45-9708-019B960494DF}">
-                <a14:hiddenLine xmlns:a14="http://schemas.microsoft.com/office/drawing/2010/main" xmlns:p14="http://schemas.microsoft.com/office/powerpoint/2010/main" xmlns:a16="http://schemas.microsoft.com/office/drawing/2014/main" xmlns="" w="9525">
+                <a14:hiddenLine xmlns="" xmlns:a16="http://schemas.microsoft.com/office/drawing/2014/main" xmlns:p14="http://schemas.microsoft.com/office/powerpoint/2010/main" xmlns:a14="http://schemas.microsoft.com/office/drawing/2010/main" w="9525">
                   <a:solidFill>
                     <a:srgbClr val="000000"/>
                   </a:solidFill>
@@ -14522,7 +15361,7 @@
             </a:ln>
             <a:extLst>
               <a:ext uri="{91240B29-F687-4f45-9708-019B960494DF}">
-                <a14:hiddenLine xmlns:a14="http://schemas.microsoft.com/office/drawing/2010/main" xmlns:p14="http://schemas.microsoft.com/office/powerpoint/2010/main" xmlns:a16="http://schemas.microsoft.com/office/drawing/2014/main" xmlns="" w="9525">
+                <a14:hiddenLine xmlns="" xmlns:a16="http://schemas.microsoft.com/office/drawing/2014/main" xmlns:p14="http://schemas.microsoft.com/office/powerpoint/2010/main" xmlns:a14="http://schemas.microsoft.com/office/drawing/2010/main" w="9525">
                   <a:solidFill>
                     <a:srgbClr val="000000"/>
                   </a:solidFill>
@@ -14599,7 +15438,7 @@
             </a:ln>
             <a:extLst>
               <a:ext uri="{91240B29-F687-4f45-9708-019B960494DF}">
-                <a14:hiddenLine xmlns:a14="http://schemas.microsoft.com/office/drawing/2010/main" xmlns:p14="http://schemas.microsoft.com/office/powerpoint/2010/main" xmlns:a16="http://schemas.microsoft.com/office/drawing/2014/main" xmlns="" w="9525">
+                <a14:hiddenLine xmlns="" xmlns:a16="http://schemas.microsoft.com/office/drawing/2014/main" xmlns:p14="http://schemas.microsoft.com/office/powerpoint/2010/main" xmlns:a14="http://schemas.microsoft.com/office/drawing/2010/main" w="9525">
                   <a:solidFill>
                     <a:srgbClr val="000000"/>
                   </a:solidFill>
@@ -14704,7 +15543,7 @@
             </a:ln>
             <a:extLst>
               <a:ext uri="{91240B29-F687-4f45-9708-019B960494DF}">
-                <a14:hiddenLine xmlns:a14="http://schemas.microsoft.com/office/drawing/2010/main" xmlns:p14="http://schemas.microsoft.com/office/powerpoint/2010/main" xmlns:a16="http://schemas.microsoft.com/office/drawing/2014/main" xmlns="" w="9525">
+                <a14:hiddenLine xmlns="" xmlns:a16="http://schemas.microsoft.com/office/drawing/2014/main" xmlns:p14="http://schemas.microsoft.com/office/powerpoint/2010/main" xmlns:a14="http://schemas.microsoft.com/office/drawing/2010/main" w="9525">
                   <a:solidFill>
                     <a:srgbClr val="000000"/>
                   </a:solidFill>
@@ -14784,7 +15623,7 @@
             </a:ln>
             <a:extLst>
               <a:ext uri="{91240B29-F687-4f45-9708-019B960494DF}">
-                <a14:hiddenLine xmlns:a14="http://schemas.microsoft.com/office/drawing/2010/main" xmlns:p14="http://schemas.microsoft.com/office/powerpoint/2010/main" xmlns:a16="http://schemas.microsoft.com/office/drawing/2014/main" xmlns="" w="9525">
+                <a14:hiddenLine xmlns="" xmlns:a16="http://schemas.microsoft.com/office/drawing/2014/main" xmlns:p14="http://schemas.microsoft.com/office/powerpoint/2010/main" xmlns:a14="http://schemas.microsoft.com/office/drawing/2010/main" w="9525">
                   <a:solidFill>
                     <a:srgbClr val="000000"/>
                   </a:solidFill>
@@ -14861,7 +15700,7 @@
             </a:ln>
             <a:extLst>
               <a:ext uri="{91240B29-F687-4f45-9708-019B960494DF}">
-                <a14:hiddenLine xmlns:a14="http://schemas.microsoft.com/office/drawing/2010/main" xmlns:p14="http://schemas.microsoft.com/office/powerpoint/2010/main" xmlns:a16="http://schemas.microsoft.com/office/drawing/2014/main" xmlns="" w="9525">
+                <a14:hiddenLine xmlns="" xmlns:a16="http://schemas.microsoft.com/office/drawing/2014/main" xmlns:p14="http://schemas.microsoft.com/office/powerpoint/2010/main" xmlns:a14="http://schemas.microsoft.com/office/drawing/2010/main" w="9525">
                   <a:solidFill>
                     <a:srgbClr val="000000"/>
                   </a:solidFill>
@@ -14966,7 +15805,7 @@
             </a:ln>
             <a:extLst>
               <a:ext uri="{91240B29-F687-4f45-9708-019B960494DF}">
-                <a14:hiddenLine xmlns:a14="http://schemas.microsoft.com/office/drawing/2010/main" xmlns:p14="http://schemas.microsoft.com/office/powerpoint/2010/main" xmlns:a16="http://schemas.microsoft.com/office/drawing/2014/main" xmlns="" w="9525">
+                <a14:hiddenLine xmlns="" xmlns:a16="http://schemas.microsoft.com/office/drawing/2014/main" xmlns:p14="http://schemas.microsoft.com/office/powerpoint/2010/main" xmlns:a14="http://schemas.microsoft.com/office/drawing/2010/main" w="9525">
                   <a:solidFill>
                     <a:srgbClr val="000000"/>
                   </a:solidFill>
@@ -15071,7 +15910,7 @@
             </a:ln>
             <a:extLst>
               <a:ext uri="{91240B29-F687-4f45-9708-019B960494DF}">
-                <a14:hiddenLine xmlns:a14="http://schemas.microsoft.com/office/drawing/2010/main" xmlns:p14="http://schemas.microsoft.com/office/powerpoint/2010/main" xmlns:a16="http://schemas.microsoft.com/office/drawing/2014/main" xmlns="" w="9525">
+                <a14:hiddenLine xmlns="" xmlns:a16="http://schemas.microsoft.com/office/drawing/2014/main" xmlns:p14="http://schemas.microsoft.com/office/powerpoint/2010/main" xmlns:a14="http://schemas.microsoft.com/office/drawing/2010/main" w="9525">
                   <a:solidFill>
                     <a:srgbClr val="000000"/>
                   </a:solidFill>
@@ -15151,7 +15990,7 @@
             </a:ln>
             <a:extLst>
               <a:ext uri="{91240B29-F687-4f45-9708-019B960494DF}">
-                <a14:hiddenLine xmlns:a14="http://schemas.microsoft.com/office/drawing/2010/main" xmlns:p14="http://schemas.microsoft.com/office/powerpoint/2010/main" xmlns:a16="http://schemas.microsoft.com/office/drawing/2014/main" xmlns="" w="9525">
+                <a14:hiddenLine xmlns="" xmlns:a16="http://schemas.microsoft.com/office/drawing/2014/main" xmlns:p14="http://schemas.microsoft.com/office/powerpoint/2010/main" xmlns:a14="http://schemas.microsoft.com/office/drawing/2010/main" w="9525">
                   <a:solidFill>
                     <a:srgbClr val="000000"/>
                   </a:solidFill>
@@ -15286,7 +16125,7 @@
             </a:ln>
             <a:extLst>
               <a:ext uri="{91240B29-F687-4f45-9708-019B960494DF}">
-                <a14:hiddenLine xmlns:a14="http://schemas.microsoft.com/office/drawing/2010/main" xmlns:p14="http://schemas.microsoft.com/office/powerpoint/2010/main" xmlns:a16="http://schemas.microsoft.com/office/drawing/2014/main" xmlns="" w="9525">
+                <a14:hiddenLine xmlns="" xmlns:a16="http://schemas.microsoft.com/office/drawing/2014/main" xmlns:p14="http://schemas.microsoft.com/office/powerpoint/2010/main" xmlns:a14="http://schemas.microsoft.com/office/drawing/2010/main" w="9525">
                   <a:solidFill>
                     <a:srgbClr val="000000"/>
                   </a:solidFill>
@@ -15314,7 +16153,7 @@
           <p:nvPr>
             <p:extLst>
               <p:ext uri="{D42A27DB-BD31-4B8C-83A1-F6EECF244321}">
-                <p14:modId xmlns:p14="http://schemas.microsoft.com/office/powerpoint/2010/main" val="4155587480"/>
+                <p14:modId xmlns:p14="http://schemas.microsoft.com/office/powerpoint/2010/main" val="3033053819"/>
               </p:ext>
             </p:extLst>
           </p:nvPr>
@@ -15327,7 +16166,7 @@
           <a:graphicData uri="http://schemas.openxmlformats.org/drawingml/2006/table">
             <a:tbl>
               <a:tblPr firstRow="1" bandRow="1">
-                <a:tableStyleId>{8799B23B-EC83-4686-B30A-512413B5E67A}</a:tableStyleId>
+                <a:tableStyleId>{BDBED569-4797-4DF1-A0F4-6AAB3CD982D8}</a:tableStyleId>
               </a:tblPr>
               <a:tblGrid>
                 <a:gridCol w="1834727">
@@ -15416,7 +16255,7 @@
                     <a:bodyPr/>
                     <a:lstStyle/>
                     <a:p>
-                      <a:endParaRPr lang="en-CN" sz="3300"/>
+                      <a:endParaRPr lang="en-CN" sz="3300" dirty="0"/>
                     </a:p>
                   </a:txBody>
                   <a:tcPr marL="167640" marR="167640" marT="83820" marB="83820"/>
@@ -15601,7 +16440,7 @@
                     <a:bodyPr/>
                     <a:lstStyle/>
                     <a:p>
-                      <a:endParaRPr lang="en-CN" sz="3300"/>
+                      <a:endParaRPr lang="en-CN" sz="3300" dirty="0"/>
                     </a:p>
                   </a:txBody>
                   <a:tcPr marL="167640" marR="167640" marT="83820" marB="83820"/>
@@ -15616,6 +16455,41 @@
           </a:graphicData>
         </a:graphic>
       </p:graphicFrame>
+      <p:sp>
+        <p:nvSpPr>
+          <p:cNvPr id="4" name="TextBox 3">
+            <a:extLst>
+              <a:ext uri="{FF2B5EF4-FFF2-40B4-BE49-F238E27FC236}">
+                <a16:creationId xmlns:a16="http://schemas.microsoft.com/office/drawing/2014/main" id="{8B203EB2-D83E-C341-871E-769EC72F30D2}"/>
+              </a:ext>
+            </a:extLst>
+          </p:cNvPr>
+          <p:cNvSpPr txBox="1"/>
+          <p:nvPr/>
+        </p:nvSpPr>
+        <p:spPr>
+          <a:xfrm>
+            <a:off x="7566265" y="618518"/>
+            <a:ext cx="1107996" cy="461665"/>
+          </a:xfrm>
+          <a:prstGeom prst="rect">
+            <a:avLst/>
+          </a:prstGeom>
+          <a:noFill/>
+        </p:spPr>
+        <p:txBody>
+          <a:bodyPr wrap="none" rtlCol="0">
+            <a:spAutoFit/>
+          </a:bodyPr>
+          <a:lstStyle/>
+          <a:p>
+            <a:r>
+              <a:rPr lang="en-CN" sz="2400" dirty="0"/>
+              <a:t>报名表</a:t>
+            </a:r>
+          </a:p>
+        </p:txBody>
+      </p:sp>
     </p:spTree>
     <p:extLst>
       <p:ext uri="{BB962C8B-B14F-4D97-AF65-F5344CB8AC3E}">
@@ -15625,6 +16499,119 @@
   </p:cSld>
   <p:clrMapOvr>
     <a:overrideClrMapping bg1="lt1" tx1="dk1" bg2="lt2" tx2="dk2" accent1="accent1" accent2="accent2" accent3="accent3" accent4="accent4" accent5="accent5" accent6="accent6" hlink="hlink" folHlink="folHlink"/>
+  </p:clrMapOvr>
+</p:sld>
+</file>
+
+<file path=ppt/slides/slide12.xml><?xml version="1.0" encoding="utf-8"?>
+<p:sld xmlns:a="http://schemas.openxmlformats.org/drawingml/2006/main" xmlns:r="http://schemas.openxmlformats.org/officeDocument/2006/relationships" xmlns:p="http://schemas.openxmlformats.org/presentationml/2006/main">
+  <p:cSld>
+    <p:spTree>
+      <p:nvGrpSpPr>
+        <p:cNvPr id="1" name=""/>
+        <p:cNvGrpSpPr/>
+        <p:nvPr/>
+      </p:nvGrpSpPr>
+      <p:grpSpPr>
+        <a:xfrm>
+          <a:off x="0" y="0"/>
+          <a:ext cx="0" cy="0"/>
+          <a:chOff x="0" y="0"/>
+          <a:chExt cx="0" cy="0"/>
+        </a:xfrm>
+      </p:grpSpPr>
+      <p:sp>
+        <p:nvSpPr>
+          <p:cNvPr id="2" name="Title 1">
+            <a:extLst>
+              <a:ext uri="{FF2B5EF4-FFF2-40B4-BE49-F238E27FC236}">
+                <a16:creationId xmlns:a16="http://schemas.microsoft.com/office/drawing/2014/main" id="{9863177B-527E-4D4D-93F5-F9643158A1BD}"/>
+              </a:ext>
+            </a:extLst>
+          </p:cNvPr>
+          <p:cNvSpPr>
+            <a:spLocks noGrp="1"/>
+          </p:cNvSpPr>
+          <p:nvPr>
+            <p:ph type="title"/>
+          </p:nvPr>
+        </p:nvSpPr>
+        <p:spPr/>
+        <p:txBody>
+          <a:bodyPr/>
+          <a:lstStyle/>
+          <a:p>
+            <a:r>
+              <a:rPr lang="en-CN" dirty="0"/>
+              <a:t>其他建议</a:t>
+            </a:r>
+            <a:r>
+              <a:rPr lang="zh-CN" altLang="en-US" dirty="0"/>
+              <a:t>？</a:t>
+            </a:r>
+            <a:endParaRPr lang="en-CN" dirty="0"/>
+          </a:p>
+        </p:txBody>
+      </p:sp>
+      <p:sp>
+        <p:nvSpPr>
+          <p:cNvPr id="3" name="Content Placeholder 2">
+            <a:extLst>
+              <a:ext uri="{FF2B5EF4-FFF2-40B4-BE49-F238E27FC236}">
+                <a16:creationId xmlns:a16="http://schemas.microsoft.com/office/drawing/2014/main" id="{E896041B-4B70-FF48-A8CC-17C62BF3B113}"/>
+              </a:ext>
+            </a:extLst>
+          </p:cNvPr>
+          <p:cNvSpPr>
+            <a:spLocks noGrp="1"/>
+          </p:cNvSpPr>
+          <p:nvPr>
+            <p:ph idx="1"/>
+          </p:nvPr>
+        </p:nvSpPr>
+        <p:spPr/>
+        <p:txBody>
+          <a:bodyPr/>
+          <a:lstStyle/>
+          <a:p>
+            <a:r>
+              <a:rPr lang="en-CN" dirty="0"/>
+              <a:t>时间</a:t>
+            </a:r>
+            <a:r>
+              <a:rPr lang="zh-CN" altLang="en-US" dirty="0"/>
+              <a:t>：周日</a:t>
+            </a:r>
+            <a:r>
+              <a:rPr lang="en-US" altLang="zh-CN" dirty="0"/>
+              <a:t>9:30-10:30</a:t>
+            </a:r>
+            <a:r>
+              <a:rPr lang="zh-CN" altLang="en-US" dirty="0"/>
+              <a:t>？</a:t>
+            </a:r>
+            <a:endParaRPr lang="en-CN" dirty="0"/>
+          </a:p>
+          <a:p>
+            <a:r>
+              <a:rPr lang="en-CN" dirty="0"/>
+              <a:t>成员</a:t>
+            </a:r>
+          </a:p>
+          <a:p>
+            <a:endParaRPr lang="en-CN" dirty="0"/>
+          </a:p>
+        </p:txBody>
+      </p:sp>
+    </p:spTree>
+    <p:extLst>
+      <p:ext uri="{BB962C8B-B14F-4D97-AF65-F5344CB8AC3E}">
+        <p14:creationId xmlns:p14="http://schemas.microsoft.com/office/powerpoint/2010/main" val="3422747154"/>
+      </p:ext>
+    </p:extLst>
+  </p:cSld>
+  <p:clrMapOvr>
+    <a:masterClrMapping/>
   </p:clrMapOvr>
 </p:sld>
 </file>
@@ -15718,6 +16705,17 @@
           </a:p>
           <a:p>
             <a:r>
+              <a:rPr lang="en-US" dirty="0" err="1"/>
+              <a:t>什么是知识</a:t>
+            </a:r>
+            <a:r>
+              <a:rPr lang="zh-CN" altLang="en-US" dirty="0"/>
+              <a:t>？什么是文化？</a:t>
+            </a:r>
+            <a:endParaRPr lang="en-US" dirty="0"/>
+          </a:p>
+          <a:p>
+            <a:r>
               <a:rPr lang="zh-CN" altLang="en-US" dirty="0"/>
               <a:t>诗词，政治，理想，旅游，兴趣，音乐</a:t>
             </a:r>
@@ -15786,15 +16784,33 @@
                                   </p:childTnLst>
                                 </p:cTn>
                               </p:par>
+                            </p:childTnLst>
+                          </p:cTn>
+                        </p:par>
+                      </p:childTnLst>
+                    </p:cTn>
+                  </p:par>
+                  <p:par>
+                    <p:cTn id="7" fill="hold">
+                      <p:stCondLst>
+                        <p:cond delay="indefinite"/>
+                      </p:stCondLst>
+                      <p:childTnLst>
+                        <p:par>
+                          <p:cTn id="8" fill="hold">
+                            <p:stCondLst>
+                              <p:cond delay="0"/>
+                            </p:stCondLst>
+                            <p:childTnLst>
                               <p:par>
-                                <p:cTn id="7" presetID="1" presetClass="entr" presetSubtype="0" fill="hold" nodeType="withEffect">
+                                <p:cTn id="9" presetID="1" presetClass="entr" presetSubtype="0" fill="hold" nodeType="clickEffect">
                                   <p:stCondLst>
                                     <p:cond delay="0"/>
                                   </p:stCondLst>
                                   <p:childTnLst>
                                     <p:set>
                                       <p:cBhvr>
-                                        <p:cTn id="8" dur="1" fill="hold">
+                                        <p:cTn id="10" dur="1" fill="hold">
                                           <p:stCondLst>
                                             <p:cond delay="0"/>
                                           </p:stCondLst>
@@ -15817,15 +16833,33 @@
                                   </p:childTnLst>
                                 </p:cTn>
                               </p:par>
+                            </p:childTnLst>
+                          </p:cTn>
+                        </p:par>
+                      </p:childTnLst>
+                    </p:cTn>
+                  </p:par>
+                  <p:par>
+                    <p:cTn id="11" fill="hold">
+                      <p:stCondLst>
+                        <p:cond delay="indefinite"/>
+                      </p:stCondLst>
+                      <p:childTnLst>
+                        <p:par>
+                          <p:cTn id="12" fill="hold">
+                            <p:stCondLst>
+                              <p:cond delay="0"/>
+                            </p:stCondLst>
+                            <p:childTnLst>
                               <p:par>
-                                <p:cTn id="9" presetID="1" presetClass="entr" presetSubtype="0" fill="hold" nodeType="withEffect">
+                                <p:cTn id="13" presetID="1" presetClass="entr" presetSubtype="0" fill="hold" nodeType="clickEffect">
                                   <p:stCondLst>
                                     <p:cond delay="0"/>
                                   </p:stCondLst>
                                   <p:childTnLst>
                                     <p:set>
                                       <p:cBhvr>
-                                        <p:cTn id="10" dur="1" fill="hold">
+                                        <p:cTn id="14" dur="1" fill="hold">
                                           <p:stCondLst>
                                             <p:cond delay="0"/>
                                           </p:stCondLst>
@@ -15834,6 +16868,55 @@
                                           <p:spTgt spid="3">
                                             <p:txEl>
                                               <p:pRg st="3" end="3"/>
+                                            </p:txEl>
+                                          </p:spTgt>
+                                        </p:tgtEl>
+                                        <p:attrNameLst>
+                                          <p:attrName>style.visibility</p:attrName>
+                                        </p:attrNameLst>
+                                      </p:cBhvr>
+                                      <p:to>
+                                        <p:strVal val="visible"/>
+                                      </p:to>
+                                    </p:set>
+                                  </p:childTnLst>
+                                </p:cTn>
+                              </p:par>
+                            </p:childTnLst>
+                          </p:cTn>
+                        </p:par>
+                      </p:childTnLst>
+                    </p:cTn>
+                  </p:par>
+                  <p:par>
+                    <p:cTn id="15" fill="hold">
+                      <p:stCondLst>
+                        <p:cond delay="indefinite"/>
+                      </p:stCondLst>
+                      <p:childTnLst>
+                        <p:par>
+                          <p:cTn id="16" fill="hold">
+                            <p:stCondLst>
+                              <p:cond delay="0"/>
+                            </p:stCondLst>
+                            <p:childTnLst>
+                              <p:par>
+                                <p:cTn id="17" presetID="1" presetClass="entr" presetSubtype="0" fill="hold" nodeType="clickEffect">
+                                  <p:stCondLst>
+                                    <p:cond delay="0"/>
+                                  </p:stCondLst>
+                                  <p:childTnLst>
+                                    <p:set>
+                                      <p:cBhvr>
+                                        <p:cTn id="18" dur="1" fill="hold">
+                                          <p:stCondLst>
+                                            <p:cond delay="0"/>
+                                          </p:stCondLst>
+                                        </p:cTn>
+                                        <p:tgtEl>
+                                          <p:spTgt spid="3">
+                                            <p:txEl>
+                                              <p:pRg st="4" end="4"/>
                                             </p:txEl>
                                           </p:spTgt>
                                         </p:tgtEl>
@@ -15880,98 +16963,6 @@
 </file>
 
 <file path=ppt/slides/slide3.xml><?xml version="1.0" encoding="utf-8"?>
-<p:sld xmlns:a="http://schemas.openxmlformats.org/drawingml/2006/main" xmlns:r="http://schemas.openxmlformats.org/officeDocument/2006/relationships" xmlns:p="http://schemas.openxmlformats.org/presentationml/2006/main">
-  <p:cSld>
-    <p:spTree>
-      <p:nvGrpSpPr>
-        <p:cNvPr id="1" name=""/>
-        <p:cNvGrpSpPr/>
-        <p:nvPr/>
-      </p:nvGrpSpPr>
-      <p:grpSpPr>
-        <a:xfrm>
-          <a:off x="0" y="0"/>
-          <a:ext cx="0" cy="0"/>
-          <a:chOff x="0" y="0"/>
-          <a:chExt cx="0" cy="0"/>
-        </a:xfrm>
-      </p:grpSpPr>
-      <p:sp>
-        <p:nvSpPr>
-          <p:cNvPr id="2" name="Title 1">
-            <a:extLst>
-              <a:ext uri="{FF2B5EF4-FFF2-40B4-BE49-F238E27FC236}">
-                <a16:creationId xmlns:a16="http://schemas.microsoft.com/office/drawing/2014/main" id="{BDB8E7F2-4CA4-E54F-9800-A867F1AE92BA}"/>
-              </a:ext>
-            </a:extLst>
-          </p:cNvPr>
-          <p:cNvSpPr>
-            <a:spLocks noGrp="1"/>
-          </p:cNvSpPr>
-          <p:nvPr>
-            <p:ph type="title"/>
-          </p:nvPr>
-        </p:nvSpPr>
-        <p:spPr/>
-        <p:txBody>
-          <a:bodyPr/>
-          <a:lstStyle/>
-          <a:p>
-            <a:r>
-              <a:rPr lang="en-CN" dirty="0"/>
-              <a:t>沟通</a:t>
-            </a:r>
-          </a:p>
-        </p:txBody>
-      </p:sp>
-      <p:sp>
-        <p:nvSpPr>
-          <p:cNvPr id="3" name="Content Placeholder 2">
-            <a:extLst>
-              <a:ext uri="{FF2B5EF4-FFF2-40B4-BE49-F238E27FC236}">
-                <a16:creationId xmlns:a16="http://schemas.microsoft.com/office/drawing/2014/main" id="{389781C5-23EA-7A41-A132-FDD07346D38E}"/>
-              </a:ext>
-            </a:extLst>
-          </p:cNvPr>
-          <p:cNvSpPr>
-            <a:spLocks noGrp="1"/>
-          </p:cNvSpPr>
-          <p:nvPr>
-            <p:ph idx="1"/>
-          </p:nvPr>
-        </p:nvSpPr>
-        <p:spPr/>
-        <p:txBody>
-          <a:bodyPr/>
-          <a:lstStyle/>
-          <a:p>
-            <a:r>
-              <a:rPr lang="en-CN" dirty="0"/>
-              <a:t>在干什么</a:t>
-            </a:r>
-          </a:p>
-          <a:p>
-            <a:r>
-              <a:rPr lang="en-CN" dirty="0"/>
-              <a:t>在想什么</a:t>
-            </a:r>
-          </a:p>
-        </p:txBody>
-      </p:sp>
-    </p:spTree>
-    <p:extLst>
-      <p:ext uri="{BB962C8B-B14F-4D97-AF65-F5344CB8AC3E}">
-        <p14:creationId xmlns:p14="http://schemas.microsoft.com/office/powerpoint/2010/main" val="4228917094"/>
-      </p:ext>
-    </p:extLst>
-  </p:cSld>
-  <p:clrMapOvr>
-    <a:masterClrMapping/>
-  </p:clrMapOvr>
-</p:sld>
-</file>
-
-<file path=ppt/slides/slide4.xml><?xml version="1.0" encoding="utf-8"?>
 <p:sld xmlns:a="http://schemas.openxmlformats.org/drawingml/2006/main" xmlns:r="http://schemas.openxmlformats.org/officeDocument/2006/relationships" xmlns:p="http://schemas.openxmlformats.org/presentationml/2006/main">
   <p:cSld>
     <p:spTree>
@@ -16041,6 +17032,11 @@
               <a:rPr lang="en-CN" dirty="0"/>
               <a:t>沟通</a:t>
             </a:r>
+            <a:r>
+              <a:rPr lang="zh-CN" altLang="en-US" dirty="0"/>
+              <a:t>（在干什么，在想什么）</a:t>
+            </a:r>
+            <a:endParaRPr lang="en-CN" dirty="0"/>
           </a:p>
           <a:p>
             <a:r>
@@ -16106,7 +17102,7 @@
 </p:sld>
 </file>
 
-<file path=ppt/slides/slide5.xml><?xml version="1.0" encoding="utf-8"?>
+<file path=ppt/slides/slide4.xml><?xml version="1.0" encoding="utf-8"?>
 <p:sld xmlns:a="http://schemas.openxmlformats.org/drawingml/2006/main" xmlns:r="http://schemas.openxmlformats.org/officeDocument/2006/relationships" xmlns:p="http://schemas.openxmlformats.org/presentationml/2006/main">
   <p:cSld>
     <p:spTree>
@@ -16241,7 +17237,7 @@
 </p:sld>
 </file>
 
-<file path=ppt/slides/slide6.xml><?xml version="1.0" encoding="utf-8"?>
+<file path=ppt/slides/slide5.xml><?xml version="1.0" encoding="utf-8"?>
 <p:sld xmlns:a="http://schemas.openxmlformats.org/drawingml/2006/main" xmlns:r="http://schemas.openxmlformats.org/officeDocument/2006/relationships" xmlns:p="http://schemas.openxmlformats.org/presentationml/2006/main">
   <p:cSld>
     <p:spTree>
@@ -16393,7 +17389,7 @@
 </p:sld>
 </file>
 
-<file path=ppt/slides/slide7.xml><?xml version="1.0" encoding="utf-8"?>
+<file path=ppt/slides/slide6.xml><?xml version="1.0" encoding="utf-8"?>
 <p:sld xmlns:a="http://schemas.openxmlformats.org/drawingml/2006/main" xmlns:r="http://schemas.openxmlformats.org/officeDocument/2006/relationships" xmlns:p="http://schemas.openxmlformats.org/presentationml/2006/main">
   <p:cSld>
     <p:bg>
@@ -16578,7 +17574,7 @@
             <a:noFill/>
             <a:extLst>
               <a:ext uri="{909E8E84-426E-40dd-AFC4-6F175D3DCCD1}">
-                <a14:hiddenFill xmlns:a14="http://schemas.microsoft.com/office/drawing/2010/main" xmlns:p14="http://schemas.microsoft.com/office/powerpoint/2010/main" xmlns:a16="http://schemas.microsoft.com/office/drawing/2014/main" xmlns="">
+                <a14:hiddenFill xmlns="" xmlns:a16="http://schemas.microsoft.com/office/drawing/2014/main" xmlns:p14="http://schemas.microsoft.com/office/powerpoint/2010/main" xmlns:a14="http://schemas.microsoft.com/office/drawing/2010/main">
                   <a:solidFill>
                     <a:srgbClr val="FFFFFF"/>
                   </a:solidFill>
@@ -16671,7 +17667,7 @@
             </a:ln>
             <a:extLst>
               <a:ext uri="{91240B29-F687-4f45-9708-019B960494DF}">
-                <a14:hiddenLine xmlns:a14="http://schemas.microsoft.com/office/drawing/2010/main" xmlns:p14="http://schemas.microsoft.com/office/powerpoint/2010/main" xmlns:a16="http://schemas.microsoft.com/office/drawing/2014/main" xmlns="" w="9525">
+                <a14:hiddenLine xmlns="" xmlns:a16="http://schemas.microsoft.com/office/drawing/2014/main" xmlns:p14="http://schemas.microsoft.com/office/powerpoint/2010/main" xmlns:a14="http://schemas.microsoft.com/office/drawing/2010/main" w="9525">
                   <a:solidFill>
                     <a:srgbClr val="000000"/>
                   </a:solidFill>
@@ -16776,7 +17772,7 @@
             </a:ln>
             <a:extLst>
               <a:ext uri="{91240B29-F687-4f45-9708-019B960494DF}">
-                <a14:hiddenLine xmlns:a14="http://schemas.microsoft.com/office/drawing/2010/main" xmlns:p14="http://schemas.microsoft.com/office/powerpoint/2010/main" xmlns:a16="http://schemas.microsoft.com/office/drawing/2014/main" xmlns="" w="9525">
+                <a14:hiddenLine xmlns="" xmlns:a16="http://schemas.microsoft.com/office/drawing/2014/main" xmlns:p14="http://schemas.microsoft.com/office/powerpoint/2010/main" xmlns:a14="http://schemas.microsoft.com/office/drawing/2010/main" w="9525">
                   <a:solidFill>
                     <a:srgbClr val="000000"/>
                   </a:solidFill>
@@ -16881,7 +17877,7 @@
             </a:ln>
             <a:extLst>
               <a:ext uri="{91240B29-F687-4f45-9708-019B960494DF}">
-                <a14:hiddenLine xmlns:a14="http://schemas.microsoft.com/office/drawing/2010/main" xmlns:p14="http://schemas.microsoft.com/office/powerpoint/2010/main" xmlns:a16="http://schemas.microsoft.com/office/drawing/2014/main" xmlns="" w="9525">
+                <a14:hiddenLine xmlns="" xmlns:a16="http://schemas.microsoft.com/office/drawing/2014/main" xmlns:p14="http://schemas.microsoft.com/office/powerpoint/2010/main" xmlns:a14="http://schemas.microsoft.com/office/drawing/2010/main" w="9525">
                   <a:solidFill>
                     <a:srgbClr val="000000"/>
                   </a:solidFill>
@@ -16930,7 +17926,7 @@
             </a:ln>
             <a:extLst>
               <a:ext uri="{91240B29-F687-4f45-9708-019B960494DF}">
-                <a14:hiddenLine xmlns:a14="http://schemas.microsoft.com/office/drawing/2010/main" xmlns:p14="http://schemas.microsoft.com/office/powerpoint/2010/main" xmlns:a16="http://schemas.microsoft.com/office/drawing/2014/main" xmlns="" w="9525">
+                <a14:hiddenLine xmlns="" xmlns:a16="http://schemas.microsoft.com/office/drawing/2014/main" xmlns:p14="http://schemas.microsoft.com/office/powerpoint/2010/main" xmlns:a14="http://schemas.microsoft.com/office/drawing/2010/main" w="9525">
                   <a:solidFill>
                     <a:srgbClr val="000000"/>
                   </a:solidFill>
@@ -17035,7 +18031,7 @@
             </a:ln>
             <a:extLst>
               <a:ext uri="{91240B29-F687-4f45-9708-019B960494DF}">
-                <a14:hiddenLine xmlns:a14="http://schemas.microsoft.com/office/drawing/2010/main" xmlns:p14="http://schemas.microsoft.com/office/powerpoint/2010/main" xmlns:a16="http://schemas.microsoft.com/office/drawing/2014/main" xmlns="" w="9525">
+                <a14:hiddenLine xmlns="" xmlns:a16="http://schemas.microsoft.com/office/drawing/2014/main" xmlns:p14="http://schemas.microsoft.com/office/powerpoint/2010/main" xmlns:a14="http://schemas.microsoft.com/office/drawing/2010/main" w="9525">
                   <a:solidFill>
                     <a:srgbClr val="000000"/>
                   </a:solidFill>
@@ -17112,7 +18108,7 @@
             </a:ln>
             <a:extLst>
               <a:ext uri="{91240B29-F687-4f45-9708-019B960494DF}">
-                <a14:hiddenLine xmlns:a14="http://schemas.microsoft.com/office/drawing/2010/main" xmlns:p14="http://schemas.microsoft.com/office/powerpoint/2010/main" xmlns:a16="http://schemas.microsoft.com/office/drawing/2014/main" xmlns="" w="9525">
+                <a14:hiddenLine xmlns="" xmlns:a16="http://schemas.microsoft.com/office/drawing/2014/main" xmlns:p14="http://schemas.microsoft.com/office/powerpoint/2010/main" xmlns:a14="http://schemas.microsoft.com/office/drawing/2010/main" w="9525">
                   <a:solidFill>
                     <a:srgbClr val="000000"/>
                   </a:solidFill>
@@ -17189,7 +18185,7 @@
             </a:ln>
             <a:extLst>
               <a:ext uri="{91240B29-F687-4f45-9708-019B960494DF}">
-                <a14:hiddenLine xmlns:a14="http://schemas.microsoft.com/office/drawing/2010/main" xmlns:p14="http://schemas.microsoft.com/office/powerpoint/2010/main" xmlns:a16="http://schemas.microsoft.com/office/drawing/2014/main" xmlns="" w="9525">
+                <a14:hiddenLine xmlns="" xmlns:a16="http://schemas.microsoft.com/office/drawing/2014/main" xmlns:p14="http://schemas.microsoft.com/office/powerpoint/2010/main" xmlns:a14="http://schemas.microsoft.com/office/drawing/2010/main" w="9525">
                   <a:solidFill>
                     <a:srgbClr val="000000"/>
                   </a:solidFill>
@@ -17294,7 +18290,7 @@
             </a:ln>
             <a:extLst>
               <a:ext uri="{91240B29-F687-4f45-9708-019B960494DF}">
-                <a14:hiddenLine xmlns:a14="http://schemas.microsoft.com/office/drawing/2010/main" xmlns:p14="http://schemas.microsoft.com/office/powerpoint/2010/main" xmlns:a16="http://schemas.microsoft.com/office/drawing/2014/main" xmlns="" w="9525">
+                <a14:hiddenLine xmlns="" xmlns:a16="http://schemas.microsoft.com/office/drawing/2014/main" xmlns:p14="http://schemas.microsoft.com/office/powerpoint/2010/main" xmlns:a14="http://schemas.microsoft.com/office/drawing/2010/main" w="9525">
                   <a:solidFill>
                     <a:srgbClr val="000000"/>
                   </a:solidFill>
@@ -17371,7 +18367,7 @@
             </a:ln>
             <a:extLst>
               <a:ext uri="{91240B29-F687-4f45-9708-019B960494DF}">
-                <a14:hiddenLine xmlns:a14="http://schemas.microsoft.com/office/drawing/2010/main" xmlns:p14="http://schemas.microsoft.com/office/powerpoint/2010/main" xmlns:a16="http://schemas.microsoft.com/office/drawing/2014/main" xmlns="" w="9525">
+                <a14:hiddenLine xmlns="" xmlns:a16="http://schemas.microsoft.com/office/drawing/2014/main" xmlns:p14="http://schemas.microsoft.com/office/powerpoint/2010/main" xmlns:a14="http://schemas.microsoft.com/office/drawing/2010/main" w="9525">
                   <a:solidFill>
                     <a:srgbClr val="000000"/>
                   </a:solidFill>
@@ -17448,7 +18444,7 @@
             </a:ln>
             <a:extLst>
               <a:ext uri="{91240B29-F687-4f45-9708-019B960494DF}">
-                <a14:hiddenLine xmlns:a14="http://schemas.microsoft.com/office/drawing/2010/main" xmlns:p14="http://schemas.microsoft.com/office/powerpoint/2010/main" xmlns:a16="http://schemas.microsoft.com/office/drawing/2014/main" xmlns="" w="9525">
+                <a14:hiddenLine xmlns="" xmlns:a16="http://schemas.microsoft.com/office/drawing/2014/main" xmlns:p14="http://schemas.microsoft.com/office/powerpoint/2010/main" xmlns:a14="http://schemas.microsoft.com/office/drawing/2010/main" w="9525">
                   <a:solidFill>
                     <a:srgbClr val="000000"/>
                   </a:solidFill>
@@ -17553,7 +18549,7 @@
             </a:ln>
             <a:extLst>
               <a:ext uri="{91240B29-F687-4f45-9708-019B960494DF}">
-                <a14:hiddenLine xmlns:a14="http://schemas.microsoft.com/office/drawing/2010/main" xmlns:p14="http://schemas.microsoft.com/office/powerpoint/2010/main" xmlns:a16="http://schemas.microsoft.com/office/drawing/2014/main" xmlns="" w="9525">
+                <a14:hiddenLine xmlns="" xmlns:a16="http://schemas.microsoft.com/office/drawing/2014/main" xmlns:p14="http://schemas.microsoft.com/office/powerpoint/2010/main" xmlns:a14="http://schemas.microsoft.com/office/drawing/2010/main" w="9525">
                   <a:solidFill>
                     <a:srgbClr val="000000"/>
                   </a:solidFill>
@@ -17658,7 +18654,7 @@
             </a:ln>
             <a:extLst>
               <a:ext uri="{91240B29-F687-4f45-9708-019B960494DF}">
-                <a14:hiddenLine xmlns:a14="http://schemas.microsoft.com/office/drawing/2010/main" xmlns:p14="http://schemas.microsoft.com/office/powerpoint/2010/main" xmlns:a16="http://schemas.microsoft.com/office/drawing/2014/main" xmlns="" w="9525">
+                <a14:hiddenLine xmlns="" xmlns:a16="http://schemas.microsoft.com/office/drawing/2014/main" xmlns:p14="http://schemas.microsoft.com/office/powerpoint/2010/main" xmlns:a14="http://schemas.microsoft.com/office/drawing/2010/main" w="9525">
                   <a:solidFill>
                     <a:srgbClr val="000000"/>
                   </a:solidFill>
@@ -17735,7 +18731,7 @@
             </a:ln>
             <a:extLst>
               <a:ext uri="{91240B29-F687-4f45-9708-019B960494DF}">
-                <a14:hiddenLine xmlns:a14="http://schemas.microsoft.com/office/drawing/2010/main" xmlns:p14="http://schemas.microsoft.com/office/powerpoint/2010/main" xmlns:a16="http://schemas.microsoft.com/office/drawing/2014/main" xmlns="" w="9525">
+                <a14:hiddenLine xmlns="" xmlns:a16="http://schemas.microsoft.com/office/drawing/2014/main" xmlns:p14="http://schemas.microsoft.com/office/powerpoint/2010/main" xmlns:a14="http://schemas.microsoft.com/office/drawing/2010/main" w="9525">
                   <a:solidFill>
                     <a:srgbClr val="000000"/>
                   </a:solidFill>
@@ -17860,7 +18856,7 @@
             </a:ln>
             <a:extLst>
               <a:ext uri="{91240B29-F687-4f45-9708-019B960494DF}">
-                <a14:hiddenLine xmlns:a14="http://schemas.microsoft.com/office/drawing/2010/main" xmlns:p14="http://schemas.microsoft.com/office/powerpoint/2010/main" xmlns:a16="http://schemas.microsoft.com/office/drawing/2014/main" xmlns="" w="9525">
+                <a14:hiddenLine xmlns="" xmlns:a16="http://schemas.microsoft.com/office/drawing/2014/main" xmlns:p14="http://schemas.microsoft.com/office/powerpoint/2010/main" xmlns:a14="http://schemas.microsoft.com/office/drawing/2010/main" w="9525">
                   <a:solidFill>
                     <a:srgbClr val="000000"/>
                   </a:solidFill>
@@ -17937,7 +18933,7 @@
             </a:ln>
             <a:extLst>
               <a:ext uri="{91240B29-F687-4f45-9708-019B960494DF}">
-                <a14:hiddenLine xmlns:a14="http://schemas.microsoft.com/office/drawing/2010/main" xmlns:p14="http://schemas.microsoft.com/office/powerpoint/2010/main" xmlns:a16="http://schemas.microsoft.com/office/drawing/2014/main" xmlns="" w="9525">
+                <a14:hiddenLine xmlns="" xmlns:a16="http://schemas.microsoft.com/office/drawing/2014/main" xmlns:p14="http://schemas.microsoft.com/office/powerpoint/2010/main" xmlns:a14="http://schemas.microsoft.com/office/drawing/2010/main" w="9525">
                   <a:solidFill>
                     <a:srgbClr val="000000"/>
                   </a:solidFill>
@@ -18042,7 +19038,7 @@
             </a:ln>
             <a:extLst>
               <a:ext uri="{91240B29-F687-4f45-9708-019B960494DF}">
-                <a14:hiddenLine xmlns:a14="http://schemas.microsoft.com/office/drawing/2010/main" xmlns:p14="http://schemas.microsoft.com/office/powerpoint/2010/main" xmlns:a16="http://schemas.microsoft.com/office/drawing/2014/main" xmlns="" w="9525">
+                <a14:hiddenLine xmlns="" xmlns:a16="http://schemas.microsoft.com/office/drawing/2014/main" xmlns:p14="http://schemas.microsoft.com/office/powerpoint/2010/main" xmlns:a14="http://schemas.microsoft.com/office/drawing/2010/main" w="9525">
                   <a:solidFill>
                     <a:srgbClr val="000000"/>
                   </a:solidFill>
@@ -18147,7 +19143,7 @@
             </a:ln>
             <a:extLst>
               <a:ext uri="{91240B29-F687-4f45-9708-019B960494DF}">
-                <a14:hiddenLine xmlns:a14="http://schemas.microsoft.com/office/drawing/2010/main" xmlns:p14="http://schemas.microsoft.com/office/powerpoint/2010/main" xmlns:a16="http://schemas.microsoft.com/office/drawing/2014/main" xmlns="" w="9525">
+                <a14:hiddenLine xmlns="" xmlns:a16="http://schemas.microsoft.com/office/drawing/2014/main" xmlns:p14="http://schemas.microsoft.com/office/powerpoint/2010/main" xmlns:a14="http://schemas.microsoft.com/office/drawing/2010/main" w="9525">
                   <a:solidFill>
                     <a:srgbClr val="000000"/>
                   </a:solidFill>
@@ -18224,7 +19220,7 @@
             </a:ln>
             <a:extLst>
               <a:ext uri="{91240B29-F687-4f45-9708-019B960494DF}">
-                <a14:hiddenLine xmlns:a14="http://schemas.microsoft.com/office/drawing/2010/main" xmlns:p14="http://schemas.microsoft.com/office/powerpoint/2010/main" xmlns:a16="http://schemas.microsoft.com/office/drawing/2014/main" xmlns="" w="9525">
+                <a14:hiddenLine xmlns="" xmlns:a16="http://schemas.microsoft.com/office/drawing/2014/main" xmlns:p14="http://schemas.microsoft.com/office/powerpoint/2010/main" xmlns:a14="http://schemas.microsoft.com/office/drawing/2010/main" w="9525">
                   <a:solidFill>
                     <a:srgbClr val="000000"/>
                   </a:solidFill>
@@ -18329,7 +19325,7 @@
             </a:ln>
             <a:extLst>
               <a:ext uri="{91240B29-F687-4f45-9708-019B960494DF}">
-                <a14:hiddenLine xmlns:a14="http://schemas.microsoft.com/office/drawing/2010/main" xmlns:p14="http://schemas.microsoft.com/office/powerpoint/2010/main" xmlns:a16="http://schemas.microsoft.com/office/drawing/2014/main" xmlns="" w="9525">
+                <a14:hiddenLine xmlns="" xmlns:a16="http://schemas.microsoft.com/office/drawing/2014/main" xmlns:p14="http://schemas.microsoft.com/office/powerpoint/2010/main" xmlns:a14="http://schemas.microsoft.com/office/drawing/2010/main" w="9525">
                   <a:solidFill>
                     <a:srgbClr val="000000"/>
                   </a:solidFill>
@@ -18434,7 +19430,7 @@
             </a:ln>
             <a:extLst>
               <a:ext uri="{91240B29-F687-4f45-9708-019B960494DF}">
-                <a14:hiddenLine xmlns:a14="http://schemas.microsoft.com/office/drawing/2010/main" xmlns:p14="http://schemas.microsoft.com/office/powerpoint/2010/main" xmlns:a16="http://schemas.microsoft.com/office/drawing/2014/main" xmlns="" w="9525">
+                <a14:hiddenLine xmlns="" xmlns:a16="http://schemas.microsoft.com/office/drawing/2014/main" xmlns:p14="http://schemas.microsoft.com/office/powerpoint/2010/main" xmlns:a14="http://schemas.microsoft.com/office/drawing/2010/main" w="9525">
                   <a:solidFill>
                     <a:srgbClr val="000000"/>
                   </a:solidFill>
@@ -18505,7 +19501,7 @@
             </a:ln>
             <a:extLst>
               <a:ext uri="{91240B29-F687-4f45-9708-019B960494DF}">
-                <a14:hiddenLine xmlns:a14="http://schemas.microsoft.com/office/drawing/2010/main" xmlns:p14="http://schemas.microsoft.com/office/powerpoint/2010/main" xmlns:a16="http://schemas.microsoft.com/office/drawing/2014/main" xmlns="" w="9525">
+                <a14:hiddenLine xmlns="" xmlns:a16="http://schemas.microsoft.com/office/drawing/2014/main" xmlns:p14="http://schemas.microsoft.com/office/powerpoint/2010/main" xmlns:a14="http://schemas.microsoft.com/office/drawing/2010/main" w="9525">
                   <a:solidFill>
                     <a:srgbClr val="000000"/>
                   </a:solidFill>
@@ -18610,7 +19606,7 @@
             </a:ln>
             <a:extLst>
               <a:ext uri="{91240B29-F687-4f45-9708-019B960494DF}">
-                <a14:hiddenLine xmlns:a14="http://schemas.microsoft.com/office/drawing/2010/main" xmlns:p14="http://schemas.microsoft.com/office/powerpoint/2010/main" xmlns:a16="http://schemas.microsoft.com/office/drawing/2014/main" xmlns="" w="9525">
+                <a14:hiddenLine xmlns="" xmlns:a16="http://schemas.microsoft.com/office/drawing/2014/main" xmlns:p14="http://schemas.microsoft.com/office/powerpoint/2010/main" xmlns:a14="http://schemas.microsoft.com/office/drawing/2010/main" w="9525">
                   <a:solidFill>
                     <a:srgbClr val="000000"/>
                   </a:solidFill>
@@ -18681,7 +19677,7 @@
             </a:ln>
             <a:extLst>
               <a:ext uri="{91240B29-F687-4f45-9708-019B960494DF}">
-                <a14:hiddenLine xmlns:a14="http://schemas.microsoft.com/office/drawing/2010/main" xmlns:p14="http://schemas.microsoft.com/office/powerpoint/2010/main" xmlns:a16="http://schemas.microsoft.com/office/drawing/2014/main" xmlns="" w="9525">
+                <a14:hiddenLine xmlns="" xmlns:a16="http://schemas.microsoft.com/office/drawing/2014/main" xmlns:p14="http://schemas.microsoft.com/office/powerpoint/2010/main" xmlns:a14="http://schemas.microsoft.com/office/drawing/2010/main" w="9525">
                   <a:solidFill>
                     <a:srgbClr val="000000"/>
                   </a:solidFill>
@@ -18786,7 +19782,7 @@
             </a:ln>
             <a:extLst>
               <a:ext uri="{91240B29-F687-4f45-9708-019B960494DF}">
-                <a14:hiddenLine xmlns:a14="http://schemas.microsoft.com/office/drawing/2010/main" xmlns:p14="http://schemas.microsoft.com/office/powerpoint/2010/main" xmlns:a16="http://schemas.microsoft.com/office/drawing/2014/main" xmlns="" w="9525">
+                <a14:hiddenLine xmlns="" xmlns:a16="http://schemas.microsoft.com/office/drawing/2014/main" xmlns:p14="http://schemas.microsoft.com/office/powerpoint/2010/main" xmlns:a14="http://schemas.microsoft.com/office/drawing/2010/main" w="9525">
                   <a:solidFill>
                     <a:srgbClr val="000000"/>
                   </a:solidFill>
@@ -18869,7 +19865,7 @@
             </a:ln>
             <a:extLst>
               <a:ext uri="{91240B29-F687-4f45-9708-019B960494DF}">
-                <a14:hiddenLine xmlns:a14="http://schemas.microsoft.com/office/drawing/2010/main" xmlns:p14="http://schemas.microsoft.com/office/powerpoint/2010/main" xmlns:a16="http://schemas.microsoft.com/office/drawing/2014/main" xmlns="" w="9525">
+                <a14:hiddenLine xmlns="" xmlns:a16="http://schemas.microsoft.com/office/drawing/2014/main" xmlns:p14="http://schemas.microsoft.com/office/powerpoint/2010/main" xmlns:a14="http://schemas.microsoft.com/office/drawing/2010/main" w="9525">
                   <a:solidFill>
                     <a:srgbClr val="000000"/>
                   </a:solidFill>
@@ -18974,7 +19970,7 @@
             </a:ln>
             <a:extLst>
               <a:ext uri="{91240B29-F687-4f45-9708-019B960494DF}">
-                <a14:hiddenLine xmlns:a14="http://schemas.microsoft.com/office/drawing/2010/main" xmlns:p14="http://schemas.microsoft.com/office/powerpoint/2010/main" xmlns:a16="http://schemas.microsoft.com/office/drawing/2014/main" xmlns="" w="9525">
+                <a14:hiddenLine xmlns="" xmlns:a16="http://schemas.microsoft.com/office/drawing/2014/main" xmlns:p14="http://schemas.microsoft.com/office/powerpoint/2010/main" xmlns:a14="http://schemas.microsoft.com/office/drawing/2010/main" w="9525">
                   <a:solidFill>
                     <a:srgbClr val="000000"/>
                   </a:solidFill>
@@ -19057,7 +20053,7 @@
             </a:ln>
             <a:extLst>
               <a:ext uri="{91240B29-F687-4f45-9708-019B960494DF}">
-                <a14:hiddenLine xmlns:a14="http://schemas.microsoft.com/office/drawing/2010/main" xmlns:p14="http://schemas.microsoft.com/office/powerpoint/2010/main" xmlns:a16="http://schemas.microsoft.com/office/drawing/2014/main" xmlns="" w="9525">
+                <a14:hiddenLine xmlns="" xmlns:a16="http://schemas.microsoft.com/office/drawing/2014/main" xmlns:p14="http://schemas.microsoft.com/office/powerpoint/2010/main" xmlns:a14="http://schemas.microsoft.com/office/drawing/2010/main" w="9525">
                   <a:solidFill>
                     <a:srgbClr val="000000"/>
                   </a:solidFill>
@@ -19162,7 +20158,7 @@
             </a:ln>
             <a:extLst>
               <a:ext uri="{91240B29-F687-4f45-9708-019B960494DF}">
-                <a14:hiddenLine xmlns:a14="http://schemas.microsoft.com/office/drawing/2010/main" xmlns:p14="http://schemas.microsoft.com/office/powerpoint/2010/main" xmlns:a16="http://schemas.microsoft.com/office/drawing/2014/main" xmlns="" w="9525">
+                <a14:hiddenLine xmlns="" xmlns:a16="http://schemas.microsoft.com/office/drawing/2014/main" xmlns:p14="http://schemas.microsoft.com/office/powerpoint/2010/main" xmlns:a14="http://schemas.microsoft.com/office/drawing/2010/main" w="9525">
                   <a:solidFill>
                     <a:srgbClr val="000000"/>
                   </a:solidFill>
@@ -19211,7 +20207,7 @@
             </a:ln>
             <a:extLst>
               <a:ext uri="{91240B29-F687-4f45-9708-019B960494DF}">
-                <a14:hiddenLine xmlns:a14="http://schemas.microsoft.com/office/drawing/2010/main" xmlns:p14="http://schemas.microsoft.com/office/powerpoint/2010/main" xmlns:a16="http://schemas.microsoft.com/office/drawing/2014/main" xmlns="" w="9525">
+                <a14:hiddenLine xmlns="" xmlns:a16="http://schemas.microsoft.com/office/drawing/2014/main" xmlns:p14="http://schemas.microsoft.com/office/powerpoint/2010/main" xmlns:a14="http://schemas.microsoft.com/office/drawing/2010/main" w="9525">
                   <a:solidFill>
                     <a:srgbClr val="000000"/>
                   </a:solidFill>
@@ -19316,7 +20312,7 @@
             </a:ln>
             <a:extLst>
               <a:ext uri="{91240B29-F687-4f45-9708-019B960494DF}">
-                <a14:hiddenLine xmlns:a14="http://schemas.microsoft.com/office/drawing/2010/main" xmlns:p14="http://schemas.microsoft.com/office/powerpoint/2010/main" xmlns:a16="http://schemas.microsoft.com/office/drawing/2014/main" xmlns="" w="9525">
+                <a14:hiddenLine xmlns="" xmlns:a16="http://schemas.microsoft.com/office/drawing/2014/main" xmlns:p14="http://schemas.microsoft.com/office/powerpoint/2010/main" xmlns:a14="http://schemas.microsoft.com/office/drawing/2010/main" w="9525">
                   <a:solidFill>
                     <a:srgbClr val="000000"/>
                   </a:solidFill>
@@ -19393,7 +20389,7 @@
             </a:ln>
             <a:extLst>
               <a:ext uri="{91240B29-F687-4f45-9708-019B960494DF}">
-                <a14:hiddenLine xmlns:a14="http://schemas.microsoft.com/office/drawing/2010/main" xmlns:p14="http://schemas.microsoft.com/office/powerpoint/2010/main" xmlns:a16="http://schemas.microsoft.com/office/drawing/2014/main" xmlns="" w="9525">
+                <a14:hiddenLine xmlns="" xmlns:a16="http://schemas.microsoft.com/office/drawing/2014/main" xmlns:p14="http://schemas.microsoft.com/office/powerpoint/2010/main" xmlns:a14="http://schemas.microsoft.com/office/drawing/2010/main" w="9525">
                   <a:solidFill>
                     <a:srgbClr val="000000"/>
                   </a:solidFill>
@@ -19470,7 +20466,7 @@
             </a:ln>
             <a:extLst>
               <a:ext uri="{91240B29-F687-4f45-9708-019B960494DF}">
-                <a14:hiddenLine xmlns:a14="http://schemas.microsoft.com/office/drawing/2010/main" xmlns:p14="http://schemas.microsoft.com/office/powerpoint/2010/main" xmlns:a16="http://schemas.microsoft.com/office/drawing/2014/main" xmlns="" w="9525">
+                <a14:hiddenLine xmlns="" xmlns:a16="http://schemas.microsoft.com/office/drawing/2014/main" xmlns:p14="http://schemas.microsoft.com/office/powerpoint/2010/main" xmlns:a14="http://schemas.microsoft.com/office/drawing/2010/main" w="9525">
                   <a:solidFill>
                     <a:srgbClr val="000000"/>
                   </a:solidFill>
@@ -19575,7 +20571,7 @@
             </a:ln>
             <a:extLst>
               <a:ext uri="{91240B29-F687-4f45-9708-019B960494DF}">
-                <a14:hiddenLine xmlns:a14="http://schemas.microsoft.com/office/drawing/2010/main" xmlns:p14="http://schemas.microsoft.com/office/powerpoint/2010/main" xmlns:a16="http://schemas.microsoft.com/office/drawing/2014/main" xmlns="" w="9525">
+                <a14:hiddenLine xmlns="" xmlns:a16="http://schemas.microsoft.com/office/drawing/2014/main" xmlns:p14="http://schemas.microsoft.com/office/powerpoint/2010/main" xmlns:a14="http://schemas.microsoft.com/office/drawing/2010/main" w="9525">
                   <a:solidFill>
                     <a:srgbClr val="000000"/>
                   </a:solidFill>
@@ -19658,7 +20654,7 @@
             </a:ln>
             <a:extLst>
               <a:ext uri="{91240B29-F687-4f45-9708-019B960494DF}">
-                <a14:hiddenLine xmlns:a14="http://schemas.microsoft.com/office/drawing/2010/main" xmlns:p14="http://schemas.microsoft.com/office/powerpoint/2010/main" xmlns:a16="http://schemas.microsoft.com/office/drawing/2014/main" xmlns="" w="9525">
+                <a14:hiddenLine xmlns="" xmlns:a16="http://schemas.microsoft.com/office/drawing/2014/main" xmlns:p14="http://schemas.microsoft.com/office/powerpoint/2010/main" xmlns:a14="http://schemas.microsoft.com/office/drawing/2010/main" w="9525">
                   <a:solidFill>
                     <a:srgbClr val="000000"/>
                   </a:solidFill>
@@ -19735,7 +20731,7 @@
             </a:ln>
             <a:extLst>
               <a:ext uri="{91240B29-F687-4f45-9708-019B960494DF}">
-                <a14:hiddenLine xmlns:a14="http://schemas.microsoft.com/office/drawing/2010/main" xmlns:p14="http://schemas.microsoft.com/office/powerpoint/2010/main" xmlns:a16="http://schemas.microsoft.com/office/drawing/2014/main" xmlns="" w="9525">
+                <a14:hiddenLine xmlns="" xmlns:a16="http://schemas.microsoft.com/office/drawing/2014/main" xmlns:p14="http://schemas.microsoft.com/office/powerpoint/2010/main" xmlns:a14="http://schemas.microsoft.com/office/drawing/2010/main" w="9525">
                   <a:solidFill>
                     <a:srgbClr val="000000"/>
                   </a:solidFill>
@@ -19840,7 +20836,7 @@
             </a:ln>
             <a:extLst>
               <a:ext uri="{91240B29-F687-4f45-9708-019B960494DF}">
-                <a14:hiddenLine xmlns:a14="http://schemas.microsoft.com/office/drawing/2010/main" xmlns:p14="http://schemas.microsoft.com/office/powerpoint/2010/main" xmlns:a16="http://schemas.microsoft.com/office/drawing/2014/main" xmlns="" w="9525">
+                <a14:hiddenLine xmlns="" xmlns:a16="http://schemas.microsoft.com/office/drawing/2014/main" xmlns:p14="http://schemas.microsoft.com/office/powerpoint/2010/main" xmlns:a14="http://schemas.microsoft.com/office/drawing/2010/main" w="9525">
                   <a:solidFill>
                     <a:srgbClr val="000000"/>
                   </a:solidFill>
@@ -19917,7 +20913,7 @@
             </a:ln>
             <a:extLst>
               <a:ext uri="{91240B29-F687-4f45-9708-019B960494DF}">
-                <a14:hiddenLine xmlns:a14="http://schemas.microsoft.com/office/drawing/2010/main" xmlns:p14="http://schemas.microsoft.com/office/powerpoint/2010/main" xmlns:a16="http://schemas.microsoft.com/office/drawing/2014/main" xmlns="" w="9525">
+                <a14:hiddenLine xmlns="" xmlns:a16="http://schemas.microsoft.com/office/drawing/2014/main" xmlns:p14="http://schemas.microsoft.com/office/powerpoint/2010/main" xmlns:a14="http://schemas.microsoft.com/office/drawing/2010/main" w="9525">
                   <a:solidFill>
                     <a:srgbClr val="000000"/>
                   </a:solidFill>
@@ -20022,7 +21018,7 @@
             </a:ln>
             <a:extLst>
               <a:ext uri="{91240B29-F687-4f45-9708-019B960494DF}">
-                <a14:hiddenLine xmlns:a14="http://schemas.microsoft.com/office/drawing/2010/main" xmlns:p14="http://schemas.microsoft.com/office/powerpoint/2010/main" xmlns:a16="http://schemas.microsoft.com/office/drawing/2014/main" xmlns="" w="9525">
+                <a14:hiddenLine xmlns="" xmlns:a16="http://schemas.microsoft.com/office/drawing/2014/main" xmlns:p14="http://schemas.microsoft.com/office/powerpoint/2010/main" xmlns:a14="http://schemas.microsoft.com/office/drawing/2010/main" w="9525">
                   <a:solidFill>
                     <a:srgbClr val="000000"/>
                   </a:solidFill>
@@ -20099,7 +21095,7 @@
             </a:ln>
             <a:extLst>
               <a:ext uri="{91240B29-F687-4f45-9708-019B960494DF}">
-                <a14:hiddenLine xmlns:a14="http://schemas.microsoft.com/office/drawing/2010/main" xmlns:p14="http://schemas.microsoft.com/office/powerpoint/2010/main" xmlns:a16="http://schemas.microsoft.com/office/drawing/2014/main" xmlns="" w="9525">
+                <a14:hiddenLine xmlns="" xmlns:a16="http://schemas.microsoft.com/office/drawing/2014/main" xmlns:p14="http://schemas.microsoft.com/office/powerpoint/2010/main" xmlns:a14="http://schemas.microsoft.com/office/drawing/2010/main" w="9525">
                   <a:solidFill>
                     <a:srgbClr val="000000"/>
                   </a:solidFill>
@@ -20204,7 +21200,7 @@
             </a:ln>
             <a:extLst>
               <a:ext uri="{91240B29-F687-4f45-9708-019B960494DF}">
-                <a14:hiddenLine xmlns:a14="http://schemas.microsoft.com/office/drawing/2010/main" xmlns:p14="http://schemas.microsoft.com/office/powerpoint/2010/main" xmlns:a16="http://schemas.microsoft.com/office/drawing/2014/main" xmlns="" w="9525">
+                <a14:hiddenLine xmlns="" xmlns:a16="http://schemas.microsoft.com/office/drawing/2014/main" xmlns:p14="http://schemas.microsoft.com/office/powerpoint/2010/main" xmlns:a14="http://schemas.microsoft.com/office/drawing/2010/main" w="9525">
                   <a:solidFill>
                     <a:srgbClr val="000000"/>
                   </a:solidFill>
@@ -20253,7 +21249,7 @@
             </a:ln>
             <a:extLst>
               <a:ext uri="{91240B29-F687-4f45-9708-019B960494DF}">
-                <a14:hiddenLine xmlns:a14="http://schemas.microsoft.com/office/drawing/2010/main" xmlns:p14="http://schemas.microsoft.com/office/powerpoint/2010/main" xmlns:a16="http://schemas.microsoft.com/office/drawing/2014/main" xmlns="" w="9525">
+                <a14:hiddenLine xmlns="" xmlns:a16="http://schemas.microsoft.com/office/drawing/2014/main" xmlns:p14="http://schemas.microsoft.com/office/powerpoint/2010/main" xmlns:a14="http://schemas.microsoft.com/office/drawing/2010/main" w="9525">
                   <a:solidFill>
                     <a:srgbClr val="000000"/>
                   </a:solidFill>
@@ -20333,7 +21329,7 @@
             </a:ln>
             <a:extLst>
               <a:ext uri="{91240B29-F687-4f45-9708-019B960494DF}">
-                <a14:hiddenLine xmlns:a14="http://schemas.microsoft.com/office/drawing/2010/main" xmlns:p14="http://schemas.microsoft.com/office/powerpoint/2010/main" xmlns:a16="http://schemas.microsoft.com/office/drawing/2014/main" xmlns="" w="9525">
+                <a14:hiddenLine xmlns="" xmlns:a16="http://schemas.microsoft.com/office/drawing/2014/main" xmlns:p14="http://schemas.microsoft.com/office/powerpoint/2010/main" xmlns:a14="http://schemas.microsoft.com/office/drawing/2010/main" w="9525">
                   <a:solidFill>
                     <a:srgbClr val="000000"/>
                   </a:solidFill>
@@ -20438,7 +21434,7 @@
             </a:ln>
             <a:extLst>
               <a:ext uri="{91240B29-F687-4f45-9708-019B960494DF}">
-                <a14:hiddenLine xmlns:a14="http://schemas.microsoft.com/office/drawing/2010/main" xmlns:p14="http://schemas.microsoft.com/office/powerpoint/2010/main" xmlns:a16="http://schemas.microsoft.com/office/drawing/2014/main" xmlns="" w="9525">
+                <a14:hiddenLine xmlns="" xmlns:a16="http://schemas.microsoft.com/office/drawing/2014/main" xmlns:p14="http://schemas.microsoft.com/office/powerpoint/2010/main" xmlns:a14="http://schemas.microsoft.com/office/drawing/2010/main" w="9525">
                   <a:solidFill>
                     <a:srgbClr val="000000"/>
                   </a:solidFill>
@@ -20515,7 +21511,7 @@
             </a:ln>
             <a:extLst>
               <a:ext uri="{91240B29-F687-4f45-9708-019B960494DF}">
-                <a14:hiddenLine xmlns:a14="http://schemas.microsoft.com/office/drawing/2010/main" xmlns:p14="http://schemas.microsoft.com/office/powerpoint/2010/main" xmlns:a16="http://schemas.microsoft.com/office/drawing/2014/main" xmlns="" w="9525">
+                <a14:hiddenLine xmlns="" xmlns:a16="http://schemas.microsoft.com/office/drawing/2014/main" xmlns:p14="http://schemas.microsoft.com/office/powerpoint/2010/main" xmlns:a14="http://schemas.microsoft.com/office/drawing/2010/main" w="9525">
                   <a:solidFill>
                     <a:srgbClr val="000000"/>
                   </a:solidFill>
@@ -20620,7 +21616,7 @@
             </a:ln>
             <a:extLst>
               <a:ext uri="{91240B29-F687-4f45-9708-019B960494DF}">
-                <a14:hiddenLine xmlns:a14="http://schemas.microsoft.com/office/drawing/2010/main" xmlns:p14="http://schemas.microsoft.com/office/powerpoint/2010/main" xmlns:a16="http://schemas.microsoft.com/office/drawing/2014/main" xmlns="" w="9525">
+                <a14:hiddenLine xmlns="" xmlns:a16="http://schemas.microsoft.com/office/drawing/2014/main" xmlns:p14="http://schemas.microsoft.com/office/powerpoint/2010/main" xmlns:a14="http://schemas.microsoft.com/office/drawing/2010/main" w="9525">
                   <a:solidFill>
                     <a:srgbClr val="000000"/>
                   </a:solidFill>
@@ -20725,7 +21721,7 @@
             </a:ln>
             <a:extLst>
               <a:ext uri="{91240B29-F687-4f45-9708-019B960494DF}">
-                <a14:hiddenLine xmlns:a14="http://schemas.microsoft.com/office/drawing/2010/main" xmlns:p14="http://schemas.microsoft.com/office/powerpoint/2010/main" xmlns:a16="http://schemas.microsoft.com/office/drawing/2014/main" xmlns="" w="9525">
+                <a14:hiddenLine xmlns="" xmlns:a16="http://schemas.microsoft.com/office/drawing/2014/main" xmlns:p14="http://schemas.microsoft.com/office/powerpoint/2010/main" xmlns:a14="http://schemas.microsoft.com/office/drawing/2010/main" w="9525">
                   <a:solidFill>
                     <a:srgbClr val="000000"/>
                   </a:solidFill>
@@ -20805,7 +21801,7 @@
             </a:ln>
             <a:extLst>
               <a:ext uri="{91240B29-F687-4f45-9708-019B960494DF}">
-                <a14:hiddenLine xmlns:a14="http://schemas.microsoft.com/office/drawing/2010/main" xmlns:p14="http://schemas.microsoft.com/office/powerpoint/2010/main" xmlns:a16="http://schemas.microsoft.com/office/drawing/2014/main" xmlns="" w="9525">
+                <a14:hiddenLine xmlns="" xmlns:a16="http://schemas.microsoft.com/office/drawing/2014/main" xmlns:p14="http://schemas.microsoft.com/office/powerpoint/2010/main" xmlns:a14="http://schemas.microsoft.com/office/drawing/2010/main" w="9525">
                   <a:solidFill>
                     <a:srgbClr val="000000"/>
                   </a:solidFill>
@@ -20882,7 +21878,7 @@
             </a:ln>
             <a:extLst>
               <a:ext uri="{91240B29-F687-4f45-9708-019B960494DF}">
-                <a14:hiddenLine xmlns:a14="http://schemas.microsoft.com/office/drawing/2010/main" xmlns:p14="http://schemas.microsoft.com/office/powerpoint/2010/main" xmlns:a16="http://schemas.microsoft.com/office/drawing/2014/main" xmlns="" w="9525">
+                <a14:hiddenLine xmlns="" xmlns:a16="http://schemas.microsoft.com/office/drawing/2014/main" xmlns:p14="http://schemas.microsoft.com/office/powerpoint/2010/main" xmlns:a14="http://schemas.microsoft.com/office/drawing/2010/main" w="9525">
                   <a:solidFill>
                     <a:srgbClr val="000000"/>
                   </a:solidFill>
@@ -20987,7 +21983,7 @@
             </a:ln>
             <a:extLst>
               <a:ext uri="{91240B29-F687-4f45-9708-019B960494DF}">
-                <a14:hiddenLine xmlns:a14="http://schemas.microsoft.com/office/drawing/2010/main" xmlns:p14="http://schemas.microsoft.com/office/powerpoint/2010/main" xmlns:a16="http://schemas.microsoft.com/office/drawing/2014/main" xmlns="" w="9525">
+                <a14:hiddenLine xmlns="" xmlns:a16="http://schemas.microsoft.com/office/drawing/2014/main" xmlns:p14="http://schemas.microsoft.com/office/powerpoint/2010/main" xmlns:a14="http://schemas.microsoft.com/office/drawing/2010/main" w="9525">
                   <a:solidFill>
                     <a:srgbClr val="000000"/>
                   </a:solidFill>
@@ -21092,7 +22088,7 @@
             </a:ln>
             <a:extLst>
               <a:ext uri="{91240B29-F687-4f45-9708-019B960494DF}">
-                <a14:hiddenLine xmlns:a14="http://schemas.microsoft.com/office/drawing/2010/main" xmlns:p14="http://schemas.microsoft.com/office/powerpoint/2010/main" xmlns:a16="http://schemas.microsoft.com/office/drawing/2014/main" xmlns="" w="9525">
+                <a14:hiddenLine xmlns="" xmlns:a16="http://schemas.microsoft.com/office/drawing/2014/main" xmlns:p14="http://schemas.microsoft.com/office/powerpoint/2010/main" xmlns:a14="http://schemas.microsoft.com/office/drawing/2010/main" w="9525">
                   <a:solidFill>
                     <a:srgbClr val="000000"/>
                   </a:solidFill>
@@ -21169,7 +22165,7 @@
             </a:ln>
             <a:extLst>
               <a:ext uri="{91240B29-F687-4f45-9708-019B960494DF}">
-                <a14:hiddenLine xmlns:a14="http://schemas.microsoft.com/office/drawing/2010/main" xmlns:p14="http://schemas.microsoft.com/office/powerpoint/2010/main" xmlns:a16="http://schemas.microsoft.com/office/drawing/2014/main" xmlns="" w="9525">
+                <a14:hiddenLine xmlns="" xmlns:a16="http://schemas.microsoft.com/office/drawing/2014/main" xmlns:p14="http://schemas.microsoft.com/office/powerpoint/2010/main" xmlns:a14="http://schemas.microsoft.com/office/drawing/2010/main" w="9525">
                   <a:solidFill>
                     <a:srgbClr val="000000"/>
                   </a:solidFill>
@@ -21304,7 +22300,7 @@
             </a:ln>
             <a:extLst>
               <a:ext uri="{91240B29-F687-4f45-9708-019B960494DF}">
-                <a14:hiddenLine xmlns:a14="http://schemas.microsoft.com/office/drawing/2010/main" xmlns:p14="http://schemas.microsoft.com/office/powerpoint/2010/main" xmlns:a16="http://schemas.microsoft.com/office/drawing/2014/main" xmlns="" w="9525">
+                <a14:hiddenLine xmlns="" xmlns:a16="http://schemas.microsoft.com/office/drawing/2014/main" xmlns:p14="http://schemas.microsoft.com/office/powerpoint/2010/main" xmlns:a14="http://schemas.microsoft.com/office/drawing/2010/main" w="9525">
                   <a:solidFill>
                     <a:srgbClr val="000000"/>
                   </a:solidFill>
@@ -21387,7 +22383,7 @@
             </a:ln>
             <a:extLst>
               <a:ext uri="{91240B29-F687-4f45-9708-019B960494DF}">
-                <a14:hiddenLine xmlns:a14="http://schemas.microsoft.com/office/drawing/2010/main" xmlns:p14="http://schemas.microsoft.com/office/powerpoint/2010/main" xmlns:a16="http://schemas.microsoft.com/office/drawing/2014/main" xmlns="" w="9525">
+                <a14:hiddenLine xmlns="" xmlns:a16="http://schemas.microsoft.com/office/drawing/2014/main" xmlns:p14="http://schemas.microsoft.com/office/powerpoint/2010/main" xmlns:a14="http://schemas.microsoft.com/office/drawing/2010/main" w="9525">
                   <a:solidFill>
                     <a:srgbClr val="000000"/>
                   </a:solidFill>
@@ -21492,7 +22488,7 @@
             </a:ln>
             <a:extLst>
               <a:ext uri="{91240B29-F687-4f45-9708-019B960494DF}">
-                <a14:hiddenLine xmlns:a14="http://schemas.microsoft.com/office/drawing/2010/main" xmlns:p14="http://schemas.microsoft.com/office/powerpoint/2010/main" xmlns:a16="http://schemas.microsoft.com/office/drawing/2014/main" xmlns="" w="9525">
+                <a14:hiddenLine xmlns="" xmlns:a16="http://schemas.microsoft.com/office/drawing/2014/main" xmlns:p14="http://schemas.microsoft.com/office/powerpoint/2010/main" xmlns:a14="http://schemas.microsoft.com/office/drawing/2010/main" w="9525">
                   <a:solidFill>
                     <a:srgbClr val="000000"/>
                   </a:solidFill>
@@ -21787,7 +22783,7 @@
 </p:sld>
 </file>
 
-<file path=ppt/slides/slide8.xml><?xml version="1.0" encoding="utf-8"?>
+<file path=ppt/slides/slide7.xml><?xml version="1.0" encoding="utf-8"?>
 <p:sld xmlns:a="http://schemas.openxmlformats.org/drawingml/2006/main" xmlns:r="http://schemas.openxmlformats.org/officeDocument/2006/relationships" xmlns:p="http://schemas.openxmlformats.org/presentationml/2006/main">
   <p:cSld>
     <p:spTree>
@@ -21871,13 +22867,111 @@
 </p:sld>
 </file>
 
+<file path=ppt/slides/slide8.xml><?xml version="1.0" encoding="utf-8"?>
+<p:sld xmlns:a="http://schemas.openxmlformats.org/drawingml/2006/main" xmlns:r="http://schemas.openxmlformats.org/officeDocument/2006/relationships" xmlns:p="http://schemas.openxmlformats.org/presentationml/2006/main">
+  <p:cSld>
+    <p:spTree>
+      <p:nvGrpSpPr>
+        <p:cNvPr id="1" name=""/>
+        <p:cNvGrpSpPr/>
+        <p:nvPr/>
+      </p:nvGrpSpPr>
+      <p:grpSpPr>
+        <a:xfrm>
+          <a:off x="0" y="0"/>
+          <a:ext cx="0" cy="0"/>
+          <a:chOff x="0" y="0"/>
+          <a:chExt cx="0" cy="0"/>
+        </a:xfrm>
+      </p:grpSpPr>
+      <p:sp>
+        <p:nvSpPr>
+          <p:cNvPr id="2" name="Title 1">
+            <a:extLst>
+              <a:ext uri="{FF2B5EF4-FFF2-40B4-BE49-F238E27FC236}">
+                <a16:creationId xmlns:a16="http://schemas.microsoft.com/office/drawing/2014/main" id="{0DA16978-1D94-AA48-BF54-FC7D0A29742C}"/>
+              </a:ext>
+            </a:extLst>
+          </p:cNvPr>
+          <p:cNvSpPr>
+            <a:spLocks noGrp="1"/>
+          </p:cNvSpPr>
+          <p:nvPr>
+            <p:ph type="title"/>
+          </p:nvPr>
+        </p:nvSpPr>
+        <p:spPr/>
+        <p:txBody>
+          <a:bodyPr/>
+          <a:lstStyle/>
+          <a:p>
+            <a:r>
+              <a:rPr lang="en-CN" dirty="0"/>
+              <a:t>对象</a:t>
+            </a:r>
+          </a:p>
+        </p:txBody>
+      </p:sp>
+      <p:sp>
+        <p:nvSpPr>
+          <p:cNvPr id="3" name="Content Placeholder 2">
+            <a:extLst>
+              <a:ext uri="{FF2B5EF4-FFF2-40B4-BE49-F238E27FC236}">
+                <a16:creationId xmlns:a16="http://schemas.microsoft.com/office/drawing/2014/main" id="{D06EF641-733E-4F43-B5EF-719F67D497A3}"/>
+              </a:ext>
+            </a:extLst>
+          </p:cNvPr>
+          <p:cNvSpPr>
+            <a:spLocks noGrp="1"/>
+          </p:cNvSpPr>
+          <p:nvPr>
+            <p:ph idx="1"/>
+          </p:nvPr>
+        </p:nvSpPr>
+        <p:spPr/>
+        <p:txBody>
+          <a:bodyPr/>
+          <a:lstStyle/>
+          <a:p>
+            <a:r>
+              <a:rPr lang="en-CN" dirty="0"/>
+              <a:t>家长</a:t>
+            </a:r>
+            <a:r>
+              <a:rPr lang="zh-CN" altLang="en-US" dirty="0"/>
+              <a:t>？</a:t>
+            </a:r>
+            <a:endParaRPr lang="en-US" altLang="zh-CN" dirty="0"/>
+          </a:p>
+          <a:p>
+            <a:r>
+              <a:rPr lang="zh-CN" altLang="en-US" dirty="0"/>
+              <a:t>学生？</a:t>
+            </a:r>
+            <a:endParaRPr lang="en-CN" dirty="0"/>
+          </a:p>
+        </p:txBody>
+      </p:sp>
+    </p:spTree>
+    <p:extLst>
+      <p:ext uri="{BB962C8B-B14F-4D97-AF65-F5344CB8AC3E}">
+        <p14:creationId xmlns:p14="http://schemas.microsoft.com/office/powerpoint/2010/main" val="859419180"/>
+      </p:ext>
+    </p:extLst>
+  </p:cSld>
+  <p:clrMapOvr>
+    <a:masterClrMapping/>
+  </p:clrMapOvr>
+</p:sld>
+</file>
+
 <file path=ppt/slides/slide9.xml><?xml version="1.0" encoding="utf-8"?>
 <p:sld xmlns:a="http://schemas.openxmlformats.org/drawingml/2006/main" xmlns:r="http://schemas.openxmlformats.org/officeDocument/2006/relationships" xmlns:p="http://schemas.openxmlformats.org/presentationml/2006/main">
   <p:cSld>
     <p:bg>
       <p:bgPr>
         <a:blipFill>
-          <a:blip r:embed="rId2">
+          <a:blip r:embed="rId3">
             <a:duotone>
               <a:schemeClr val="bg2">
                 <a:shade val="88000"/>
@@ -21996,7 +23090,7 @@
           </p:nvPr>
         </p:nvPicPr>
         <p:blipFill>
-          <a:blip r:embed="rId3">
+          <a:blip r:embed="rId4">
             <a:alphaModFix amt="30000"/>
             <a:extLst>
               <a:ext uri="{28A0092B-C50C-407E-A947-70E740481C1C}">
@@ -22020,7 +23114,7 @@
           <a:noFill/>
           <a:extLst>
             <a:ext uri="{909E8E84-426E-40dd-AFC4-6F175D3DCCD1}">
-              <a14:hiddenFill xmlns="" xmlns:a16="http://schemas.microsoft.com/office/drawing/2014/main" xmlns:p14="http://schemas.microsoft.com/office/powerpoint/2010/main" xmlns:a14="http://schemas.microsoft.com/office/drawing/2010/main">
+              <a14:hiddenFill xmlns:a14="http://schemas.microsoft.com/office/drawing/2010/main" xmlns:p14="http://schemas.microsoft.com/office/powerpoint/2010/main" xmlns:a16="http://schemas.microsoft.com/office/drawing/2014/main" xmlns="">
                 <a:solidFill>
                   <a:srgbClr val="FFFFFF"/>
                 </a:solidFill>
@@ -22070,7 +23164,7 @@
             </a:br>
             <a:r>
               <a:rPr lang="zh-CN" altLang="en-US" sz="3200" dirty="0"/>
-              <a:t>高考佳绩背后的故事</a:t>
+              <a:t>高考背后的故事</a:t>
             </a:r>
             <a:endParaRPr lang="en-CN" sz="3200" dirty="0"/>
           </a:p>
@@ -22091,7 +23185,7 @@
           <p:nvPr/>
         </p:nvPicPr>
         <p:blipFill>
-          <a:blip r:embed="rId4"/>
+          <a:blip r:embed="rId5"/>
           <a:stretch>
             <a:fillRect/>
           </a:stretch>
@@ -22209,7 +23303,7 @@
             </a:ln>
             <a:extLst>
               <a:ext uri="{91240B29-F687-4f45-9708-019B960494DF}">
-                <a14:hiddenLine xmlns="" xmlns:a16="http://schemas.microsoft.com/office/drawing/2014/main" xmlns:p14="http://schemas.microsoft.com/office/powerpoint/2010/main" xmlns:a14="http://schemas.microsoft.com/office/drawing/2010/main" w="9525">
+                <a14:hiddenLine xmlns:a14="http://schemas.microsoft.com/office/drawing/2010/main" xmlns:p14="http://schemas.microsoft.com/office/powerpoint/2010/main" xmlns:a16="http://schemas.microsoft.com/office/drawing/2014/main" xmlns="" w="9525">
                   <a:solidFill>
                     <a:srgbClr val="000000"/>
                   </a:solidFill>
@@ -22314,7 +23408,7 @@
             </a:ln>
             <a:extLst>
               <a:ext uri="{91240B29-F687-4f45-9708-019B960494DF}">
-                <a14:hiddenLine xmlns="" xmlns:a16="http://schemas.microsoft.com/office/drawing/2014/main" xmlns:p14="http://schemas.microsoft.com/office/powerpoint/2010/main" xmlns:a14="http://schemas.microsoft.com/office/drawing/2010/main" w="9525">
+                <a14:hiddenLine xmlns:a14="http://schemas.microsoft.com/office/drawing/2010/main" xmlns:p14="http://schemas.microsoft.com/office/powerpoint/2010/main" xmlns:a16="http://schemas.microsoft.com/office/drawing/2014/main" xmlns="" w="9525">
                   <a:solidFill>
                     <a:srgbClr val="000000"/>
                   </a:solidFill>
@@ -22419,7 +23513,7 @@
             </a:ln>
             <a:extLst>
               <a:ext uri="{91240B29-F687-4f45-9708-019B960494DF}">
-                <a14:hiddenLine xmlns="" xmlns:a16="http://schemas.microsoft.com/office/drawing/2014/main" xmlns:p14="http://schemas.microsoft.com/office/powerpoint/2010/main" xmlns:a14="http://schemas.microsoft.com/office/drawing/2010/main" w="9525">
+                <a14:hiddenLine xmlns:a14="http://schemas.microsoft.com/office/drawing/2010/main" xmlns:p14="http://schemas.microsoft.com/office/powerpoint/2010/main" xmlns:a16="http://schemas.microsoft.com/office/drawing/2014/main" xmlns="" w="9525">
                   <a:solidFill>
                     <a:srgbClr val="000000"/>
                   </a:solidFill>
@@ -22496,7 +23590,7 @@
             </a:ln>
             <a:extLst>
               <a:ext uri="{91240B29-F687-4f45-9708-019B960494DF}">
-                <a14:hiddenLine xmlns="" xmlns:a16="http://schemas.microsoft.com/office/drawing/2014/main" xmlns:p14="http://schemas.microsoft.com/office/powerpoint/2010/main" xmlns:a14="http://schemas.microsoft.com/office/drawing/2010/main" w="9525">
+                <a14:hiddenLine xmlns:a14="http://schemas.microsoft.com/office/drawing/2010/main" xmlns:p14="http://schemas.microsoft.com/office/powerpoint/2010/main" xmlns:a16="http://schemas.microsoft.com/office/drawing/2014/main" xmlns="" w="9525">
                   <a:solidFill>
                     <a:srgbClr val="000000"/>
                   </a:solidFill>
@@ -22601,7 +23695,7 @@
             </a:ln>
             <a:extLst>
               <a:ext uri="{91240B29-F687-4f45-9708-019B960494DF}">
-                <a14:hiddenLine xmlns="" xmlns:a16="http://schemas.microsoft.com/office/drawing/2014/main" xmlns:p14="http://schemas.microsoft.com/office/powerpoint/2010/main" xmlns:a14="http://schemas.microsoft.com/office/drawing/2010/main" w="9525">
+                <a14:hiddenLine xmlns:a14="http://schemas.microsoft.com/office/drawing/2010/main" xmlns:p14="http://schemas.microsoft.com/office/powerpoint/2010/main" xmlns:a16="http://schemas.microsoft.com/office/drawing/2014/main" xmlns="" w="9525">
                   <a:solidFill>
                     <a:srgbClr val="000000"/>
                   </a:solidFill>
@@ -22678,7 +23772,7 @@
             </a:ln>
             <a:extLst>
               <a:ext uri="{91240B29-F687-4f45-9708-019B960494DF}">
-                <a14:hiddenLine xmlns="" xmlns:a16="http://schemas.microsoft.com/office/drawing/2014/main" xmlns:p14="http://schemas.microsoft.com/office/powerpoint/2010/main" xmlns:a14="http://schemas.microsoft.com/office/drawing/2010/main" w="9525">
+                <a14:hiddenLine xmlns:a14="http://schemas.microsoft.com/office/drawing/2010/main" xmlns:p14="http://schemas.microsoft.com/office/powerpoint/2010/main" xmlns:a16="http://schemas.microsoft.com/office/drawing/2014/main" xmlns="" w="9525">
                   <a:solidFill>
                     <a:srgbClr val="000000"/>
                   </a:solidFill>
@@ -22755,7 +23849,7 @@
             </a:ln>
             <a:extLst>
               <a:ext uri="{91240B29-F687-4f45-9708-019B960494DF}">
-                <a14:hiddenLine xmlns="" xmlns:a16="http://schemas.microsoft.com/office/drawing/2014/main" xmlns:p14="http://schemas.microsoft.com/office/powerpoint/2010/main" xmlns:a14="http://schemas.microsoft.com/office/drawing/2010/main" w="9525">
+                <a14:hiddenLine xmlns:a14="http://schemas.microsoft.com/office/drawing/2010/main" xmlns:p14="http://schemas.microsoft.com/office/powerpoint/2010/main" xmlns:a16="http://schemas.microsoft.com/office/drawing/2014/main" xmlns="" w="9525">
                   <a:solidFill>
                     <a:srgbClr val="000000"/>
                   </a:solidFill>
@@ -22860,7 +23954,7 @@
             </a:ln>
             <a:extLst>
               <a:ext uri="{91240B29-F687-4f45-9708-019B960494DF}">
-                <a14:hiddenLine xmlns="" xmlns:a16="http://schemas.microsoft.com/office/drawing/2014/main" xmlns:p14="http://schemas.microsoft.com/office/powerpoint/2010/main" xmlns:a14="http://schemas.microsoft.com/office/drawing/2010/main" w="9525">
+                <a14:hiddenLine xmlns:a14="http://schemas.microsoft.com/office/drawing/2010/main" xmlns:p14="http://schemas.microsoft.com/office/powerpoint/2010/main" xmlns:a16="http://schemas.microsoft.com/office/drawing/2014/main" xmlns="" w="9525">
                   <a:solidFill>
                     <a:srgbClr val="000000"/>
                   </a:solidFill>
@@ -22965,7 +24059,7 @@
             </a:ln>
             <a:extLst>
               <a:ext uri="{91240B29-F687-4f45-9708-019B960494DF}">
-                <a14:hiddenLine xmlns="" xmlns:a16="http://schemas.microsoft.com/office/drawing/2014/main" xmlns:p14="http://schemas.microsoft.com/office/powerpoint/2010/main" xmlns:a14="http://schemas.microsoft.com/office/drawing/2010/main" w="9525">
+                <a14:hiddenLine xmlns:a14="http://schemas.microsoft.com/office/drawing/2010/main" xmlns:p14="http://schemas.microsoft.com/office/powerpoint/2010/main" xmlns:a16="http://schemas.microsoft.com/office/drawing/2014/main" xmlns="" w="9525">
                   <a:solidFill>
                     <a:srgbClr val="000000"/>
                   </a:solidFill>
@@ -23042,7 +24136,7 @@
             </a:ln>
             <a:extLst>
               <a:ext uri="{91240B29-F687-4f45-9708-019B960494DF}">
-                <a14:hiddenLine xmlns="" xmlns:a16="http://schemas.microsoft.com/office/drawing/2014/main" xmlns:p14="http://schemas.microsoft.com/office/powerpoint/2010/main" xmlns:a14="http://schemas.microsoft.com/office/drawing/2010/main" w="9525">
+                <a14:hiddenLine xmlns:a14="http://schemas.microsoft.com/office/drawing/2010/main" xmlns:p14="http://schemas.microsoft.com/office/powerpoint/2010/main" xmlns:a16="http://schemas.microsoft.com/office/drawing/2014/main" xmlns="" w="9525">
                   <a:solidFill>
                     <a:srgbClr val="000000"/>
                   </a:solidFill>
@@ -23167,7 +24261,7 @@
             </a:ln>
             <a:extLst>
               <a:ext uri="{91240B29-F687-4f45-9708-019B960494DF}">
-                <a14:hiddenLine xmlns="" xmlns:a16="http://schemas.microsoft.com/office/drawing/2014/main" xmlns:p14="http://schemas.microsoft.com/office/powerpoint/2010/main" xmlns:a14="http://schemas.microsoft.com/office/drawing/2010/main" w="9525">
+                <a14:hiddenLine xmlns:a14="http://schemas.microsoft.com/office/drawing/2010/main" xmlns:p14="http://schemas.microsoft.com/office/powerpoint/2010/main" xmlns:a16="http://schemas.microsoft.com/office/drawing/2014/main" xmlns="" w="9525">
                   <a:solidFill>
                     <a:srgbClr val="000000"/>
                   </a:solidFill>
@@ -23281,7 +24375,7 @@
             </a:ln>
             <a:extLst>
               <a:ext uri="{91240B29-F687-4f45-9708-019B960494DF}">
-                <a14:hiddenLine xmlns="" xmlns:a16="http://schemas.microsoft.com/office/drawing/2014/main" xmlns:p14="http://schemas.microsoft.com/office/powerpoint/2010/main" xmlns:a14="http://schemas.microsoft.com/office/drawing/2010/main" w="9525">
+                <a14:hiddenLine xmlns:a14="http://schemas.microsoft.com/office/drawing/2010/main" xmlns:p14="http://schemas.microsoft.com/office/powerpoint/2010/main" xmlns:a16="http://schemas.microsoft.com/office/drawing/2014/main" xmlns="" w="9525">
                   <a:solidFill>
                     <a:srgbClr val="000000"/>
                   </a:solidFill>
@@ -23358,7 +24452,7 @@
             </a:ln>
             <a:extLst>
               <a:ext uri="{91240B29-F687-4f45-9708-019B960494DF}">
-                <a14:hiddenLine xmlns="" xmlns:a16="http://schemas.microsoft.com/office/drawing/2014/main" xmlns:p14="http://schemas.microsoft.com/office/powerpoint/2010/main" xmlns:a14="http://schemas.microsoft.com/office/drawing/2010/main" w="9525">
+                <a14:hiddenLine xmlns:a14="http://schemas.microsoft.com/office/drawing/2010/main" xmlns:p14="http://schemas.microsoft.com/office/powerpoint/2010/main" xmlns:a16="http://schemas.microsoft.com/office/drawing/2014/main" xmlns="" w="9525">
                   <a:solidFill>
                     <a:srgbClr val="000000"/>
                   </a:solidFill>
@@ -23435,7 +24529,7 @@
             </a:ln>
             <a:extLst>
               <a:ext uri="{91240B29-F687-4f45-9708-019B960494DF}">
-                <a14:hiddenLine xmlns="" xmlns:a16="http://schemas.microsoft.com/office/drawing/2014/main" xmlns:p14="http://schemas.microsoft.com/office/powerpoint/2010/main" xmlns:a14="http://schemas.microsoft.com/office/drawing/2010/main" w="9525">
+                <a14:hiddenLine xmlns:a14="http://schemas.microsoft.com/office/drawing/2010/main" xmlns:p14="http://schemas.microsoft.com/office/powerpoint/2010/main" xmlns:a16="http://schemas.microsoft.com/office/drawing/2014/main" xmlns="" w="9525">
                   <a:solidFill>
                     <a:srgbClr val="000000"/>
                   </a:solidFill>
@@ -23540,7 +24634,7 @@
             </a:ln>
             <a:extLst>
               <a:ext uri="{91240B29-F687-4f45-9708-019B960494DF}">
-                <a14:hiddenLine xmlns="" xmlns:a16="http://schemas.microsoft.com/office/drawing/2014/main" xmlns:p14="http://schemas.microsoft.com/office/powerpoint/2010/main" xmlns:a14="http://schemas.microsoft.com/office/drawing/2010/main" w="9525">
+                <a14:hiddenLine xmlns:a14="http://schemas.microsoft.com/office/drawing/2010/main" xmlns:p14="http://schemas.microsoft.com/office/powerpoint/2010/main" xmlns:a16="http://schemas.microsoft.com/office/drawing/2014/main" xmlns="" w="9525">
                   <a:solidFill>
                     <a:srgbClr val="000000"/>
                   </a:solidFill>
@@ -23589,7 +24683,7 @@
             </a:ln>
             <a:extLst>
               <a:ext uri="{91240B29-F687-4f45-9708-019B960494DF}">
-                <a14:hiddenLine xmlns="" xmlns:a16="http://schemas.microsoft.com/office/drawing/2014/main" xmlns:p14="http://schemas.microsoft.com/office/powerpoint/2010/main" xmlns:a14="http://schemas.microsoft.com/office/drawing/2010/main" w="9525">
+                <a14:hiddenLine xmlns:a14="http://schemas.microsoft.com/office/drawing/2010/main" xmlns:p14="http://schemas.microsoft.com/office/powerpoint/2010/main" xmlns:a16="http://schemas.microsoft.com/office/drawing/2014/main" xmlns="" w="9525">
                   <a:solidFill>
                     <a:srgbClr val="000000"/>
                   </a:solidFill>
@@ -23669,7 +24763,7 @@
             </a:ln>
             <a:extLst>
               <a:ext uri="{91240B29-F687-4f45-9708-019B960494DF}">
-                <a14:hiddenLine xmlns="" xmlns:a16="http://schemas.microsoft.com/office/drawing/2014/main" xmlns:p14="http://schemas.microsoft.com/office/powerpoint/2010/main" xmlns:a14="http://schemas.microsoft.com/office/drawing/2010/main" w="9525">
+                <a14:hiddenLine xmlns:a14="http://schemas.microsoft.com/office/drawing/2010/main" xmlns:p14="http://schemas.microsoft.com/office/powerpoint/2010/main" xmlns:a16="http://schemas.microsoft.com/office/drawing/2014/main" xmlns="" w="9525">
                   <a:solidFill>
                     <a:srgbClr val="000000"/>
                   </a:solidFill>
@@ -23774,7 +24868,7 @@
             </a:ln>
             <a:extLst>
               <a:ext uri="{91240B29-F687-4f45-9708-019B960494DF}">
-                <a14:hiddenLine xmlns="" xmlns:a16="http://schemas.microsoft.com/office/drawing/2014/main" xmlns:p14="http://schemas.microsoft.com/office/powerpoint/2010/main" xmlns:a14="http://schemas.microsoft.com/office/drawing/2010/main" w="9525">
+                <a14:hiddenLine xmlns:a14="http://schemas.microsoft.com/office/drawing/2010/main" xmlns:p14="http://schemas.microsoft.com/office/powerpoint/2010/main" xmlns:a16="http://schemas.microsoft.com/office/drawing/2014/main" xmlns="" w="9525">
                   <a:solidFill>
                     <a:srgbClr val="000000"/>
                   </a:solidFill>
@@ -23851,7 +24945,7 @@
             </a:ln>
             <a:extLst>
               <a:ext uri="{91240B29-F687-4f45-9708-019B960494DF}">
-                <a14:hiddenLine xmlns="" xmlns:a16="http://schemas.microsoft.com/office/drawing/2014/main" xmlns:p14="http://schemas.microsoft.com/office/powerpoint/2010/main" xmlns:a14="http://schemas.microsoft.com/office/drawing/2010/main" w="9525">
+                <a14:hiddenLine xmlns:a14="http://schemas.microsoft.com/office/drawing/2010/main" xmlns:p14="http://schemas.microsoft.com/office/powerpoint/2010/main" xmlns:a16="http://schemas.microsoft.com/office/drawing/2014/main" xmlns="" w="9525">
                   <a:solidFill>
                     <a:srgbClr val="000000"/>
                   </a:solidFill>
@@ -23956,7 +25050,7 @@
             </a:ln>
             <a:extLst>
               <a:ext uri="{91240B29-F687-4f45-9708-019B960494DF}">
-                <a14:hiddenLine xmlns="" xmlns:a16="http://schemas.microsoft.com/office/drawing/2014/main" xmlns:p14="http://schemas.microsoft.com/office/powerpoint/2010/main" xmlns:a14="http://schemas.microsoft.com/office/drawing/2010/main" w="9525">
+                <a14:hiddenLine xmlns:a14="http://schemas.microsoft.com/office/drawing/2010/main" xmlns:p14="http://schemas.microsoft.com/office/powerpoint/2010/main" xmlns:a16="http://schemas.microsoft.com/office/drawing/2014/main" xmlns="" w="9525">
                   <a:solidFill>
                     <a:srgbClr val="000000"/>
                   </a:solidFill>
@@ -24036,7 +25130,7 @@
             </a:ln>
             <a:extLst>
               <a:ext uri="{91240B29-F687-4f45-9708-019B960494DF}">
-                <a14:hiddenLine xmlns="" xmlns:a16="http://schemas.microsoft.com/office/drawing/2014/main" xmlns:p14="http://schemas.microsoft.com/office/powerpoint/2010/main" xmlns:a14="http://schemas.microsoft.com/office/drawing/2010/main" w="9525">
+                <a14:hiddenLine xmlns:a14="http://schemas.microsoft.com/office/drawing/2010/main" xmlns:p14="http://schemas.microsoft.com/office/powerpoint/2010/main" xmlns:a16="http://schemas.microsoft.com/office/drawing/2014/main" xmlns="" w="9525">
                   <a:solidFill>
                     <a:srgbClr val="000000"/>
                   </a:solidFill>
@@ -24113,7 +25207,7 @@
             </a:ln>
             <a:extLst>
               <a:ext uri="{91240B29-F687-4f45-9708-019B960494DF}">
-                <a14:hiddenLine xmlns="" xmlns:a16="http://schemas.microsoft.com/office/drawing/2014/main" xmlns:p14="http://schemas.microsoft.com/office/powerpoint/2010/main" xmlns:a14="http://schemas.microsoft.com/office/drawing/2010/main" w="9525">
+                <a14:hiddenLine xmlns:a14="http://schemas.microsoft.com/office/drawing/2010/main" xmlns:p14="http://schemas.microsoft.com/office/powerpoint/2010/main" xmlns:a16="http://schemas.microsoft.com/office/drawing/2014/main" xmlns="" w="9525">
                   <a:solidFill>
                     <a:srgbClr val="000000"/>
                   </a:solidFill>
@@ -24218,7 +25312,7 @@
             </a:ln>
             <a:extLst>
               <a:ext uri="{91240B29-F687-4f45-9708-019B960494DF}">
-                <a14:hiddenLine xmlns="" xmlns:a16="http://schemas.microsoft.com/office/drawing/2014/main" xmlns:p14="http://schemas.microsoft.com/office/powerpoint/2010/main" xmlns:a14="http://schemas.microsoft.com/office/drawing/2010/main" w="9525">
+                <a14:hiddenLine xmlns:a14="http://schemas.microsoft.com/office/drawing/2010/main" xmlns:p14="http://schemas.microsoft.com/office/powerpoint/2010/main" xmlns:a16="http://schemas.microsoft.com/office/drawing/2014/main" xmlns="" w="9525">
                   <a:solidFill>
                     <a:srgbClr val="000000"/>
                   </a:solidFill>
@@ -24323,7 +25417,7 @@
             </a:ln>
             <a:extLst>
               <a:ext uri="{91240B29-F687-4f45-9708-019B960494DF}">
-                <a14:hiddenLine xmlns="" xmlns:a16="http://schemas.microsoft.com/office/drawing/2014/main" xmlns:p14="http://schemas.microsoft.com/office/powerpoint/2010/main" xmlns:a14="http://schemas.microsoft.com/office/drawing/2010/main" w="9525">
+                <a14:hiddenLine xmlns:a14="http://schemas.microsoft.com/office/drawing/2010/main" xmlns:p14="http://schemas.microsoft.com/office/powerpoint/2010/main" xmlns:a16="http://schemas.microsoft.com/office/drawing/2014/main" xmlns="" w="9525">
                   <a:solidFill>
                     <a:srgbClr val="000000"/>
                   </a:solidFill>
@@ -24403,7 +25497,7 @@
             </a:ln>
             <a:extLst>
               <a:ext uri="{91240B29-F687-4f45-9708-019B960494DF}">
-                <a14:hiddenLine xmlns="" xmlns:a16="http://schemas.microsoft.com/office/drawing/2014/main" xmlns:p14="http://schemas.microsoft.com/office/powerpoint/2010/main" xmlns:a14="http://schemas.microsoft.com/office/drawing/2010/main" w="9525">
+                <a14:hiddenLine xmlns:a14="http://schemas.microsoft.com/office/drawing/2010/main" xmlns:p14="http://schemas.microsoft.com/office/powerpoint/2010/main" xmlns:a16="http://schemas.microsoft.com/office/drawing/2014/main" xmlns="" w="9525">
                   <a:solidFill>
                     <a:srgbClr val="000000"/>
                   </a:solidFill>
@@ -24538,7 +25632,7 @@
             </a:ln>
             <a:extLst>
               <a:ext uri="{91240B29-F687-4f45-9708-019B960494DF}">
-                <a14:hiddenLine xmlns="" xmlns:a16="http://schemas.microsoft.com/office/drawing/2014/main" xmlns:p14="http://schemas.microsoft.com/office/powerpoint/2010/main" xmlns:a14="http://schemas.microsoft.com/office/drawing/2010/main" w="9525">
+                <a14:hiddenLine xmlns:a14="http://schemas.microsoft.com/office/drawing/2010/main" xmlns:p14="http://schemas.microsoft.com/office/powerpoint/2010/main" xmlns:a16="http://schemas.microsoft.com/office/drawing/2014/main" xmlns="" w="9525">
                   <a:solidFill>
                     <a:srgbClr val="000000"/>
                   </a:solidFill>
@@ -24813,4 +25907,299 @@
     </a:ext>
   </a:extLst>
 </a:theme>
+</file>
+
+<file path=ppt/theme/theme2.xml><?xml version="1.0" encoding="utf-8"?>
+<a:theme xmlns:a="http://schemas.openxmlformats.org/drawingml/2006/main" name="Office Theme">
+  <a:themeElements>
+    <a:clrScheme name="Office">
+      <a:dk1>
+        <a:sysClr val="windowText" lastClr="000000"/>
+      </a:dk1>
+      <a:lt1>
+        <a:sysClr val="window" lastClr="FFFFFF"/>
+      </a:lt1>
+      <a:dk2>
+        <a:srgbClr val="44546A"/>
+      </a:dk2>
+      <a:lt2>
+        <a:srgbClr val="E7E6E6"/>
+      </a:lt2>
+      <a:accent1>
+        <a:srgbClr val="4472C4"/>
+      </a:accent1>
+      <a:accent2>
+        <a:srgbClr val="ED7D31"/>
+      </a:accent2>
+      <a:accent3>
+        <a:srgbClr val="A5A5A5"/>
+      </a:accent3>
+      <a:accent4>
+        <a:srgbClr val="FFC000"/>
+      </a:accent4>
+      <a:accent5>
+        <a:srgbClr val="5B9BD5"/>
+      </a:accent5>
+      <a:accent6>
+        <a:srgbClr val="70AD47"/>
+      </a:accent6>
+      <a:hlink>
+        <a:srgbClr val="0563C1"/>
+      </a:hlink>
+      <a:folHlink>
+        <a:srgbClr val="954F72"/>
+      </a:folHlink>
+    </a:clrScheme>
+    <a:fontScheme name="Office">
+      <a:majorFont>
+        <a:latin typeface="Calibri Light" panose="020F0302020204030204"/>
+        <a:ea typeface=""/>
+        <a:cs typeface=""/>
+        <a:font script="Jpan" typeface="游ゴシック Light"/>
+        <a:font script="Hang" typeface="맑은 고딕"/>
+        <a:font script="Hans" typeface="等线 Light"/>
+        <a:font script="Hant" typeface="新細明體"/>
+        <a:font script="Arab" typeface="Times New Roman"/>
+        <a:font script="Hebr" typeface="Times New Roman"/>
+        <a:font script="Thai" typeface="Angsana New"/>
+        <a:font script="Ethi" typeface="Nyala"/>
+        <a:font script="Beng" typeface="Vrinda"/>
+        <a:font script="Gujr" typeface="Shruti"/>
+        <a:font script="Khmr" typeface="MoolBoran"/>
+        <a:font script="Knda" typeface="Tunga"/>
+        <a:font script="Guru" typeface="Raavi"/>
+        <a:font script="Cans" typeface="Euphemia"/>
+        <a:font script="Cher" typeface="Plantagenet Cherokee"/>
+        <a:font script="Yiii" typeface="Microsoft Yi Baiti"/>
+        <a:font script="Tibt" typeface="Microsoft Himalaya"/>
+        <a:font script="Thaa" typeface="MV Boli"/>
+        <a:font script="Deva" typeface="Mangal"/>
+        <a:font script="Telu" typeface="Gautami"/>
+        <a:font script="Taml" typeface="Latha"/>
+        <a:font script="Syrc" typeface="Estrangelo Edessa"/>
+        <a:font script="Orya" typeface="Kalinga"/>
+        <a:font script="Mlym" typeface="Kartika"/>
+        <a:font script="Laoo" typeface="DokChampa"/>
+        <a:font script="Sinh" typeface="Iskoola Pota"/>
+        <a:font script="Mong" typeface="Mongolian Baiti"/>
+        <a:font script="Viet" typeface="Times New Roman"/>
+        <a:font script="Uigh" typeface="Microsoft Uighur"/>
+        <a:font script="Geor" typeface="Sylfaen"/>
+        <a:font script="Armn" typeface="Arial"/>
+        <a:font script="Bugi" typeface="Leelawadee UI"/>
+        <a:font script="Bopo" typeface="Microsoft JhengHei"/>
+        <a:font script="Java" typeface="Javanese Text"/>
+        <a:font script="Lisu" typeface="Segoe UI"/>
+        <a:font script="Mymr" typeface="Myanmar Text"/>
+        <a:font script="Nkoo" typeface="Ebrima"/>
+        <a:font script="Olck" typeface="Nirmala UI"/>
+        <a:font script="Osma" typeface="Ebrima"/>
+        <a:font script="Phag" typeface="Phagspa"/>
+        <a:font script="Syrn" typeface="Estrangelo Edessa"/>
+        <a:font script="Syrj" typeface="Estrangelo Edessa"/>
+        <a:font script="Syre" typeface="Estrangelo Edessa"/>
+        <a:font script="Sora" typeface="Nirmala UI"/>
+        <a:font script="Tale" typeface="Microsoft Tai Le"/>
+        <a:font script="Talu" typeface="Microsoft New Tai Lue"/>
+        <a:font script="Tfng" typeface="Ebrima"/>
+      </a:majorFont>
+      <a:minorFont>
+        <a:latin typeface="Calibri" panose="020F0502020204030204"/>
+        <a:ea typeface=""/>
+        <a:cs typeface=""/>
+        <a:font script="Jpan" typeface="游ゴシック"/>
+        <a:font script="Hang" typeface="맑은 고딕"/>
+        <a:font script="Hans" typeface="等线"/>
+        <a:font script="Hant" typeface="新細明體"/>
+        <a:font script="Arab" typeface="Arial"/>
+        <a:font script="Hebr" typeface="Arial"/>
+        <a:font script="Thai" typeface="Cordia New"/>
+        <a:font script="Ethi" typeface="Nyala"/>
+        <a:font script="Beng" typeface="Vrinda"/>
+        <a:font script="Gujr" typeface="Shruti"/>
+        <a:font script="Khmr" typeface="DaunPenh"/>
+        <a:font script="Knda" typeface="Tunga"/>
+        <a:font script="Guru" typeface="Raavi"/>
+        <a:font script="Cans" typeface="Euphemia"/>
+        <a:font script="Cher" typeface="Plantagenet Cherokee"/>
+        <a:font script="Yiii" typeface="Microsoft Yi Baiti"/>
+        <a:font script="Tibt" typeface="Microsoft Himalaya"/>
+        <a:font script="Thaa" typeface="MV Boli"/>
+        <a:font script="Deva" typeface="Mangal"/>
+        <a:font script="Telu" typeface="Gautami"/>
+        <a:font script="Taml" typeface="Latha"/>
+        <a:font script="Syrc" typeface="Estrangelo Edessa"/>
+        <a:font script="Orya" typeface="Kalinga"/>
+        <a:font script="Mlym" typeface="Kartika"/>
+        <a:font script="Laoo" typeface="DokChampa"/>
+        <a:font script="Sinh" typeface="Iskoola Pota"/>
+        <a:font script="Mong" typeface="Mongolian Baiti"/>
+        <a:font script="Viet" typeface="Arial"/>
+        <a:font script="Uigh" typeface="Microsoft Uighur"/>
+        <a:font script="Geor" typeface="Sylfaen"/>
+        <a:font script="Armn" typeface="Arial"/>
+        <a:font script="Bugi" typeface="Leelawadee UI"/>
+        <a:font script="Bopo" typeface="Microsoft JhengHei"/>
+        <a:font script="Java" typeface="Javanese Text"/>
+        <a:font script="Lisu" typeface="Segoe UI"/>
+        <a:font script="Mymr" typeface="Myanmar Text"/>
+        <a:font script="Nkoo" typeface="Ebrima"/>
+        <a:font script="Olck" typeface="Nirmala UI"/>
+        <a:font script="Osma" typeface="Ebrima"/>
+        <a:font script="Phag" typeface="Phagspa"/>
+        <a:font script="Syrn" typeface="Estrangelo Edessa"/>
+        <a:font script="Syrj" typeface="Estrangelo Edessa"/>
+        <a:font script="Syre" typeface="Estrangelo Edessa"/>
+        <a:font script="Sora" typeface="Nirmala UI"/>
+        <a:font script="Tale" typeface="Microsoft Tai Le"/>
+        <a:font script="Talu" typeface="Microsoft New Tai Lue"/>
+        <a:font script="Tfng" typeface="Ebrima"/>
+      </a:minorFont>
+    </a:fontScheme>
+    <a:fmtScheme name="Office">
+      <a:fillStyleLst>
+        <a:solidFill>
+          <a:schemeClr val="phClr"/>
+        </a:solidFill>
+        <a:gradFill rotWithShape="1">
+          <a:gsLst>
+            <a:gs pos="0">
+              <a:schemeClr val="phClr">
+                <a:lumMod val="110000"/>
+                <a:satMod val="105000"/>
+                <a:tint val="67000"/>
+              </a:schemeClr>
+            </a:gs>
+            <a:gs pos="50000">
+              <a:schemeClr val="phClr">
+                <a:lumMod val="105000"/>
+                <a:satMod val="103000"/>
+                <a:tint val="73000"/>
+              </a:schemeClr>
+            </a:gs>
+            <a:gs pos="100000">
+              <a:schemeClr val="phClr">
+                <a:lumMod val="105000"/>
+                <a:satMod val="109000"/>
+                <a:tint val="81000"/>
+              </a:schemeClr>
+            </a:gs>
+          </a:gsLst>
+          <a:lin ang="5400000" scaled="0"/>
+        </a:gradFill>
+        <a:gradFill rotWithShape="1">
+          <a:gsLst>
+            <a:gs pos="0">
+              <a:schemeClr val="phClr">
+                <a:satMod val="103000"/>
+                <a:lumMod val="102000"/>
+                <a:tint val="94000"/>
+              </a:schemeClr>
+            </a:gs>
+            <a:gs pos="50000">
+              <a:schemeClr val="phClr">
+                <a:satMod val="110000"/>
+                <a:lumMod val="100000"/>
+                <a:shade val="100000"/>
+              </a:schemeClr>
+            </a:gs>
+            <a:gs pos="100000">
+              <a:schemeClr val="phClr">
+                <a:lumMod val="99000"/>
+                <a:satMod val="120000"/>
+                <a:shade val="78000"/>
+              </a:schemeClr>
+            </a:gs>
+          </a:gsLst>
+          <a:lin ang="5400000" scaled="0"/>
+        </a:gradFill>
+      </a:fillStyleLst>
+      <a:lnStyleLst>
+        <a:ln w="6350" cap="flat" cmpd="sng" algn="ctr">
+          <a:solidFill>
+            <a:schemeClr val="phClr"/>
+          </a:solidFill>
+          <a:prstDash val="solid"/>
+          <a:miter lim="800000"/>
+        </a:ln>
+        <a:ln w="12700" cap="flat" cmpd="sng" algn="ctr">
+          <a:solidFill>
+            <a:schemeClr val="phClr"/>
+          </a:solidFill>
+          <a:prstDash val="solid"/>
+          <a:miter lim="800000"/>
+        </a:ln>
+        <a:ln w="19050" cap="flat" cmpd="sng" algn="ctr">
+          <a:solidFill>
+            <a:schemeClr val="phClr"/>
+          </a:solidFill>
+          <a:prstDash val="solid"/>
+          <a:miter lim="800000"/>
+        </a:ln>
+      </a:lnStyleLst>
+      <a:effectStyleLst>
+        <a:effectStyle>
+          <a:effectLst/>
+        </a:effectStyle>
+        <a:effectStyle>
+          <a:effectLst/>
+        </a:effectStyle>
+        <a:effectStyle>
+          <a:effectLst>
+            <a:outerShdw blurRad="57150" dist="19050" dir="5400000" algn="ctr" rotWithShape="0">
+              <a:srgbClr val="000000">
+                <a:alpha val="63000"/>
+              </a:srgbClr>
+            </a:outerShdw>
+          </a:effectLst>
+        </a:effectStyle>
+      </a:effectStyleLst>
+      <a:bgFillStyleLst>
+        <a:solidFill>
+          <a:schemeClr val="phClr"/>
+        </a:solidFill>
+        <a:solidFill>
+          <a:schemeClr val="phClr">
+            <a:tint val="95000"/>
+            <a:satMod val="170000"/>
+          </a:schemeClr>
+        </a:solidFill>
+        <a:gradFill rotWithShape="1">
+          <a:gsLst>
+            <a:gs pos="0">
+              <a:schemeClr val="phClr">
+                <a:tint val="93000"/>
+                <a:satMod val="150000"/>
+                <a:shade val="98000"/>
+                <a:lumMod val="102000"/>
+              </a:schemeClr>
+            </a:gs>
+            <a:gs pos="50000">
+              <a:schemeClr val="phClr">
+                <a:tint val="98000"/>
+                <a:satMod val="130000"/>
+                <a:shade val="90000"/>
+                <a:lumMod val="103000"/>
+              </a:schemeClr>
+            </a:gs>
+            <a:gs pos="100000">
+              <a:schemeClr val="phClr">
+                <a:shade val="63000"/>
+                <a:satMod val="120000"/>
+              </a:schemeClr>
+            </a:gs>
+          </a:gsLst>
+          <a:lin ang="5400000" scaled="0"/>
+        </a:gradFill>
+      </a:bgFillStyleLst>
+    </a:fmtScheme>
+  </a:themeElements>
+  <a:objectDefaults/>
+  <a:extraClrSchemeLst/>
+  <a:extLst>
+    <a:ext uri="{05A4C25C-085E-4340-85A3-A5531E510DB2}">
+      <thm15:themeFamily xmlns:thm15="http://schemas.microsoft.com/office/thememl/2012/main" name="Office Theme" id="{62F939B6-93AF-4DB8-9C6B-D6C7DFDC589F}" vid="{4A3C46E8-61CC-4603-A589-7422A47A8E4A}"/>
+    </a:ext>
+  </a:extLst>
+</a:theme>
 </file>